--- a/notebooks/interrim_presentattion_poster.pptx
+++ b/notebooks/interrim_presentattion_poster.pptx
@@ -5035,7 +5035,7 @@
         </p:nvSpPr>
         <p:spPr>
           <a:xfrm>
-            <a:off x="1296672" y="18654563"/>
+            <a:off x="1296672" y="18606437"/>
             <a:ext cx="27643017" cy="16649227"/>
           </a:xfrm>
           <a:prstGeom prst="rect">
@@ -5356,7 +5356,7 @@
         <p:spPr>
           <a:xfrm>
             <a:off x="1990397" y="18992803"/>
-            <a:ext cx="18877668" cy="1155060"/>
+            <a:ext cx="20259905" cy="1155060"/>
           </a:xfrm>
           <a:prstGeom prst="rect">
             <a:avLst/>
@@ -5375,7 +5375,11 @@
             </a:r>
             <a:r>
               <a:rPr lang="en-US" altLang="ja-JP" dirty="0"/>
-              <a:t>HTML / JavaScript / Python / MySQL / ()</a:t>
+              <a:t>HTML / JavaScript / Python / MySQL / </a:t>
+            </a:r>
+            <a:r>
+              <a:rPr lang="en-US" altLang="ja-JP" dirty="0" err="1"/>
+              <a:t>Redis</a:t>
             </a:r>
             <a:endParaRPr kumimoji="1" lang="ja-JP" altLang="en-US"/>
           </a:p>
@@ -5403,7 +5407,7 @@
         </p:blipFill>
         <p:spPr>
           <a:xfrm>
-            <a:off x="4044818" y="22474189"/>
+            <a:off x="4044818" y="28165683"/>
             <a:ext cx="2167159" cy="1866635"/>
           </a:xfrm>
           <a:prstGeom prst="rect">
@@ -5433,7 +5437,7 @@
         </p:blipFill>
         <p:spPr>
           <a:xfrm>
-            <a:off x="2315147" y="24196441"/>
+            <a:off x="2315147" y="29887935"/>
             <a:ext cx="2173946" cy="1872481"/>
           </a:xfrm>
           <a:prstGeom prst="rect">
@@ -5463,7 +5467,7 @@
         </p:blipFill>
         <p:spPr>
           <a:xfrm>
-            <a:off x="16346214" y="22511625"/>
+            <a:off x="16346214" y="28203119"/>
             <a:ext cx="2356989" cy="2987075"/>
           </a:xfrm>
           <a:prstGeom prst="rect">
@@ -5493,7 +5497,7 @@
         </p:blipFill>
         <p:spPr>
           <a:xfrm>
-            <a:off x="16427438" y="29425531"/>
+            <a:off x="25868421" y="28203119"/>
             <a:ext cx="2356989" cy="2987075"/>
           </a:xfrm>
           <a:prstGeom prst="rect">
@@ -5515,8 +5519,8 @@
         </p:nvSpPr>
         <p:spPr>
           <a:xfrm>
-            <a:off x="6798368" y="23562292"/>
-            <a:ext cx="8778926" cy="965694"/>
+            <a:off x="6798368" y="29253786"/>
+            <a:ext cx="8778926" cy="936000"/>
           </a:xfrm>
           <a:prstGeom prst="rightArrow">
             <a:avLst/>
@@ -5572,9 +5576,9 @@
           <p:nvPr/>
         </p:nvSpPr>
         <p:spPr>
-          <a:xfrm rot="5400000">
-            <a:off x="16495858" y="26532852"/>
-            <a:ext cx="2070981" cy="965694"/>
+          <a:xfrm>
+            <a:off x="19571423" y="29214622"/>
+            <a:ext cx="5616000" cy="936000"/>
           </a:xfrm>
           <a:prstGeom prst="rightArrow">
             <a:avLst/>
@@ -5631,7 +5635,7 @@
         </p:nvSpPr>
         <p:spPr>
           <a:xfrm>
-            <a:off x="1718439" y="21597899"/>
+            <a:off x="1718439" y="27289393"/>
             <a:ext cx="5724644" cy="830997"/>
           </a:xfrm>
           <a:prstGeom prst="rect">
@@ -5666,7 +5670,7 @@
         </p:nvSpPr>
         <p:spPr>
           <a:xfrm>
-            <a:off x="15577294" y="21436700"/>
+            <a:off x="15577294" y="27128194"/>
             <a:ext cx="4493538" cy="830997"/>
           </a:xfrm>
           <a:prstGeom prst="rect">
@@ -5701,7 +5705,7 @@
         </p:nvSpPr>
         <p:spPr>
           <a:xfrm>
-            <a:off x="15893492" y="28403102"/>
+            <a:off x="25539371" y="27096920"/>
             <a:ext cx="3262432" cy="830997"/>
           </a:xfrm>
           <a:prstGeom prst="rect">
@@ -5748,8 +5752,8 @@
         </p:blipFill>
         <p:spPr>
           <a:xfrm>
-            <a:off x="24364401" y="25204509"/>
-            <a:ext cx="4061885" cy="4184477"/>
+            <a:off x="21117977" y="32447119"/>
+            <a:ext cx="2611759" cy="2690584"/>
           </a:xfrm>
           <a:prstGeom prst="rect">
             <a:avLst/>
@@ -5758,10 +5762,10 @@
       </p:pic>
       <p:sp>
         <p:nvSpPr>
-          <p:cNvPr id="56" name="左右矢印 55">
+          <p:cNvPr id="58" name="左右矢印 57">
             <a:extLst>
               <a:ext uri="{FF2B5EF4-FFF2-40B4-BE49-F238E27FC236}">
-                <a16:creationId xmlns:a16="http://schemas.microsoft.com/office/drawing/2014/main" id="{6E188A04-646E-1A4F-AC05-8EFB040AF0CE}"/>
+                <a16:creationId xmlns:a16="http://schemas.microsoft.com/office/drawing/2014/main" id="{C7716D8D-9E14-9441-A5D6-0825D409FF82}"/>
               </a:ext>
             </a:extLst>
           </p:cNvPr>
@@ -5769,9 +5773,9 @@
           <p:nvPr/>
         </p:nvSpPr>
         <p:spPr>
-          <a:xfrm rot="1829924">
-            <a:off x="19258809" y="24338501"/>
-            <a:ext cx="4709469" cy="964800"/>
+          <a:xfrm rot="7800000">
+            <a:off x="23436840" y="32609983"/>
+            <a:ext cx="3888000" cy="936000"/>
           </a:xfrm>
           <a:prstGeom prst="leftRightArrow">
             <a:avLst/>
@@ -5816,10 +5820,91 @@
       </p:sp>
       <p:sp>
         <p:nvSpPr>
-          <p:cNvPr id="58" name="左右矢印 57">
+          <p:cNvPr id="60" name="テキスト ボックス 59">
             <a:extLst>
               <a:ext uri="{FF2B5EF4-FFF2-40B4-BE49-F238E27FC236}">
-                <a16:creationId xmlns:a16="http://schemas.microsoft.com/office/drawing/2014/main" id="{C7716D8D-9E14-9441-A5D6-0825D409FF82}"/>
+                <a16:creationId xmlns:a16="http://schemas.microsoft.com/office/drawing/2014/main" id="{23C78AF1-14DF-B848-82B4-AEB14E06AF67}"/>
+              </a:ext>
+            </a:extLst>
+          </p:cNvPr>
+          <p:cNvSpPr txBox="1"/>
+          <p:nvPr/>
+        </p:nvSpPr>
+        <p:spPr>
+          <a:xfrm>
+            <a:off x="20820635" y="31344917"/>
+            <a:ext cx="3206840" cy="830997"/>
+          </a:xfrm>
+          <a:prstGeom prst="rect">
+            <a:avLst/>
+          </a:prstGeom>
+          <a:noFill/>
+        </p:spPr>
+        <p:txBody>
+          <a:bodyPr wrap="none" rtlCol="0">
+            <a:spAutoFit/>
+          </a:bodyPr>
+          <a:lstStyle/>
+          <a:p>
+            <a:r>
+              <a:rPr kumimoji="1" lang="en-US" altLang="ja-JP" sz="4800" b="1" dirty="0"/>
+              <a:t>Web</a:t>
+            </a:r>
+            <a:r>
+              <a:rPr kumimoji="1" lang="ja-JP" altLang="en-US" sz="4800" b="1"/>
+              <a:t>ページ</a:t>
+            </a:r>
+          </a:p>
+        </p:txBody>
+      </p:sp>
+      <p:sp>
+        <p:nvSpPr>
+          <p:cNvPr id="63" name="テキスト ボックス 62">
+            <a:extLst>
+              <a:ext uri="{FF2B5EF4-FFF2-40B4-BE49-F238E27FC236}">
+                <a16:creationId xmlns:a16="http://schemas.microsoft.com/office/drawing/2014/main" id="{231E23C3-31EC-9440-BA57-4B47311CE0D6}"/>
+              </a:ext>
+            </a:extLst>
+          </p:cNvPr>
+          <p:cNvSpPr txBox="1"/>
+          <p:nvPr/>
+        </p:nvSpPr>
+        <p:spPr>
+          <a:xfrm>
+            <a:off x="7260290" y="27881234"/>
+            <a:ext cx="7571303" cy="1569660"/>
+          </a:xfrm>
+          <a:prstGeom prst="rect">
+            <a:avLst/>
+          </a:prstGeom>
+          <a:noFill/>
+        </p:spPr>
+        <p:txBody>
+          <a:bodyPr wrap="none" rtlCol="0">
+            <a:spAutoFit/>
+          </a:bodyPr>
+          <a:lstStyle/>
+          <a:p>
+            <a:r>
+              <a:rPr kumimoji="1" lang="ja-JP" altLang="en-US" sz="4800"/>
+              <a:t>スポット情報・レビューの</a:t>
+            </a:r>
+            <a:endParaRPr kumimoji="1" lang="en-US" altLang="ja-JP" sz="4800" dirty="0"/>
+          </a:p>
+          <a:p>
+            <a:r>
+              <a:rPr kumimoji="1" lang="ja-JP" altLang="en-US" sz="4800"/>
+              <a:t>スクレイピング</a:t>
+            </a:r>
+          </a:p>
+        </p:txBody>
+      </p:sp>
+      <p:sp>
+        <p:nvSpPr>
+          <p:cNvPr id="65" name="正方形/長方形 64">
+            <a:extLst>
+              <a:ext uri="{FF2B5EF4-FFF2-40B4-BE49-F238E27FC236}">
+                <a16:creationId xmlns:a16="http://schemas.microsoft.com/office/drawing/2014/main" id="{E3EA6A7C-317A-EC4C-9231-45489BE7A718}"/>
               </a:ext>
             </a:extLst>
           </p:cNvPr>
@@ -5827,23 +5912,19 @@
           <p:nvPr/>
         </p:nvSpPr>
         <p:spPr>
-          <a:xfrm rot="19826058">
-            <a:off x="19411595" y="28991997"/>
-            <a:ext cx="4815155" cy="964800"/>
-          </a:xfrm>
-          <a:prstGeom prst="leftRightArrow">
+          <a:xfrm>
+            <a:off x="2657725" y="20519667"/>
+            <a:ext cx="6279820" cy="1021127"/>
+          </a:xfrm>
+          <a:prstGeom prst="rect">
             <a:avLst/>
           </a:prstGeom>
           <a:solidFill>
-            <a:schemeClr val="accent6">
-              <a:lumMod val="75000"/>
-            </a:schemeClr>
+            <a:srgbClr val="EF0023"/>
           </a:solidFill>
-          <a:ln>
+          <a:ln w="38100">
             <a:solidFill>
-              <a:schemeClr val="accent6">
-                <a:lumMod val="75000"/>
-              </a:schemeClr>
+              <a:srgbClr val="EF0023"/>
             </a:solidFill>
           </a:ln>
         </p:spPr>
@@ -5868,90 +5949,24 @@
           <a:lstStyle/>
           <a:p>
             <a:pPr algn="ctr"/>
-            <a:endParaRPr kumimoji="1" lang="ja-JP" altLang="en-US"/>
-          </a:p>
-        </p:txBody>
-      </p:sp>
-      <p:sp>
-        <p:nvSpPr>
-          <p:cNvPr id="60" name="テキスト ボックス 59">
+            <a:r>
+              <a:rPr lang="en-US" altLang="ja-JP" sz="4800" b="1" dirty="0"/>
+              <a:t>①</a:t>
+            </a:r>
+            <a:r>
+              <a:rPr lang="ja-JP" altLang="en-US" sz="4800" b="1"/>
+              <a:t>前処理</a:t>
+            </a:r>
+            <a:endParaRPr kumimoji="1" lang="ja-JP" altLang="en-US" sz="4800" b="1"/>
+          </a:p>
+        </p:txBody>
+      </p:sp>
+      <p:sp>
+        <p:nvSpPr>
+          <p:cNvPr id="66" name="正方形/長方形 65">
             <a:extLst>
               <a:ext uri="{FF2B5EF4-FFF2-40B4-BE49-F238E27FC236}">
-                <a16:creationId xmlns:a16="http://schemas.microsoft.com/office/drawing/2014/main" id="{23C78AF1-14DF-B848-82B4-AEB14E06AF67}"/>
-              </a:ext>
-            </a:extLst>
-          </p:cNvPr>
-          <p:cNvSpPr txBox="1"/>
-          <p:nvPr/>
-        </p:nvSpPr>
-        <p:spPr>
-          <a:xfrm>
-            <a:off x="24761515" y="24075379"/>
-            <a:ext cx="3206840" cy="830997"/>
-          </a:xfrm>
-          <a:prstGeom prst="rect">
-            <a:avLst/>
-          </a:prstGeom>
-          <a:noFill/>
-        </p:spPr>
-        <p:txBody>
-          <a:bodyPr wrap="none" rtlCol="0">
-            <a:spAutoFit/>
-          </a:bodyPr>
-          <a:lstStyle/>
-          <a:p>
-            <a:r>
-              <a:rPr kumimoji="1" lang="en-US" altLang="ja-JP" sz="4800" b="1" dirty="0"/>
-              <a:t>Web</a:t>
-            </a:r>
-            <a:r>
-              <a:rPr kumimoji="1" lang="ja-JP" altLang="en-US" sz="4800" b="1"/>
-              <a:t>ページ</a:t>
-            </a:r>
-          </a:p>
-        </p:txBody>
-      </p:sp>
-      <p:sp>
-        <p:nvSpPr>
-          <p:cNvPr id="63" name="テキスト ボックス 62">
-            <a:extLst>
-              <a:ext uri="{FF2B5EF4-FFF2-40B4-BE49-F238E27FC236}">
-                <a16:creationId xmlns:a16="http://schemas.microsoft.com/office/drawing/2014/main" id="{231E23C3-31EC-9440-BA57-4B47311CE0D6}"/>
-              </a:ext>
-            </a:extLst>
-          </p:cNvPr>
-          <p:cNvSpPr txBox="1"/>
-          <p:nvPr/>
-        </p:nvSpPr>
-        <p:spPr>
-          <a:xfrm>
-            <a:off x="8261413" y="22670314"/>
-            <a:ext cx="5570756" cy="1015663"/>
-          </a:xfrm>
-          <a:prstGeom prst="rect">
-            <a:avLst/>
-          </a:prstGeom>
-          <a:noFill/>
-        </p:spPr>
-        <p:txBody>
-          <a:bodyPr wrap="none" rtlCol="0">
-            <a:spAutoFit/>
-          </a:bodyPr>
-          <a:lstStyle/>
-          <a:p>
-            <a:r>
-              <a:rPr kumimoji="1" lang="ja-JP" altLang="en-US" sz="6000"/>
-              <a:t>スクレイピング</a:t>
-            </a:r>
-          </a:p>
-        </p:txBody>
-      </p:sp>
-      <p:sp>
-        <p:nvSpPr>
-          <p:cNvPr id="65" name="正方形/長方形 64">
-            <a:extLst>
-              <a:ext uri="{FF2B5EF4-FFF2-40B4-BE49-F238E27FC236}">
-                <a16:creationId xmlns:a16="http://schemas.microsoft.com/office/drawing/2014/main" id="{E3EA6A7C-317A-EC4C-9231-45489BE7A718}"/>
+                <a16:creationId xmlns:a16="http://schemas.microsoft.com/office/drawing/2014/main" id="{266703B5-64CA-3647-9614-BE2F5853B47C}"/>
               </a:ext>
             </a:extLst>
           </p:cNvPr>
@@ -5960,15 +5975,13 @@
         </p:nvSpPr>
         <p:spPr>
           <a:xfrm>
-            <a:off x="2016485" y="28779711"/>
-            <a:ext cx="6279820" cy="1021127"/>
+            <a:off x="2657725" y="21578122"/>
+            <a:ext cx="6279820" cy="4928918"/>
           </a:xfrm>
           <a:prstGeom prst="rect">
             <a:avLst/>
           </a:prstGeom>
-          <a:solidFill>
-            <a:srgbClr val="EF0023"/>
-          </a:solidFill>
+          <a:noFill/>
           <a:ln w="38100">
             <a:solidFill>
               <a:srgbClr val="EF0023"/>
@@ -5996,20 +6009,16 @@
           <a:lstStyle/>
           <a:p>
             <a:pPr algn="ctr"/>
-            <a:r>
-              <a:rPr lang="ja-JP" altLang="en-US" sz="4800" b="1"/>
-              <a:t>前処理</a:t>
-            </a:r>
-            <a:endParaRPr kumimoji="1" lang="ja-JP" altLang="en-US" sz="4800" b="1"/>
-          </a:p>
-        </p:txBody>
-      </p:sp>
-      <p:sp>
-        <p:nvSpPr>
-          <p:cNvPr id="66" name="正方形/長方形 65">
+            <a:endParaRPr kumimoji="1" lang="ja-JP" altLang="en-US"/>
+          </a:p>
+        </p:txBody>
+      </p:sp>
+      <p:sp>
+        <p:nvSpPr>
+          <p:cNvPr id="68" name="正方形/長方形 67">
             <a:extLst>
               <a:ext uri="{FF2B5EF4-FFF2-40B4-BE49-F238E27FC236}">
-                <a16:creationId xmlns:a16="http://schemas.microsoft.com/office/drawing/2014/main" id="{266703B5-64CA-3647-9614-BE2F5853B47C}"/>
+                <a16:creationId xmlns:a16="http://schemas.microsoft.com/office/drawing/2014/main" id="{7042CDF2-CC0B-6F48-878A-7DC8D4AF71D3}"/>
               </a:ext>
             </a:extLst>
           </p:cNvPr>
@@ -6018,13 +6027,15 @@
         </p:nvSpPr>
         <p:spPr>
           <a:xfrm>
-            <a:off x="2016485" y="29858044"/>
-            <a:ext cx="6279820" cy="4928918"/>
+            <a:off x="9422296" y="20512765"/>
+            <a:ext cx="11926960" cy="1021127"/>
           </a:xfrm>
           <a:prstGeom prst="rect">
             <a:avLst/>
           </a:prstGeom>
-          <a:noFill/>
+          <a:solidFill>
+            <a:srgbClr val="EF0023"/>
+          </a:solidFill>
           <a:ln w="38100">
             <a:solidFill>
               <a:srgbClr val="EF0023"/>
@@ -6052,16 +6063,23 @@
           <a:lstStyle/>
           <a:p>
             <a:pPr algn="ctr"/>
-            <a:endParaRPr kumimoji="1" lang="ja-JP" altLang="en-US"/>
-          </a:p>
-        </p:txBody>
-      </p:sp>
-      <p:sp>
-        <p:nvSpPr>
-          <p:cNvPr id="67" name="正方形/長方形 66">
+            <a:r>
+              <a:rPr kumimoji="1" lang="en-US" altLang="ja-JP" sz="4800" b="1" dirty="0"/>
+              <a:t>②</a:t>
+            </a:r>
+            <a:r>
+              <a:rPr kumimoji="1" lang="ja-JP" altLang="en-US" sz="4800" b="1"/>
+              <a:t>トピックモデルの構築</a:t>
+            </a:r>
+          </a:p>
+        </p:txBody>
+      </p:sp>
+      <p:sp>
+        <p:nvSpPr>
+          <p:cNvPr id="69" name="正方形/長方形 68">
             <a:extLst>
               <a:ext uri="{FF2B5EF4-FFF2-40B4-BE49-F238E27FC236}">
-                <a16:creationId xmlns:a16="http://schemas.microsoft.com/office/drawing/2014/main" id="{08579602-68A8-3D4C-956A-268C6CA8527E}"/>
+                <a16:creationId xmlns:a16="http://schemas.microsoft.com/office/drawing/2014/main" id="{4C104D7F-9ACB-BB4B-942B-FF25DA679C05}"/>
               </a:ext>
             </a:extLst>
           </p:cNvPr>
@@ -6070,8 +6088,8 @@
         </p:nvSpPr>
         <p:spPr>
           <a:xfrm>
-            <a:off x="30237511" y="22428896"/>
-            <a:ext cx="13962203" cy="6623765"/>
+            <a:off x="9422296" y="21511584"/>
+            <a:ext cx="11926960" cy="5015334"/>
           </a:xfrm>
           <a:prstGeom prst="rect">
             <a:avLst/>
@@ -6079,9 +6097,7 @@
           <a:noFill/>
           <a:ln w="38100">
             <a:solidFill>
-              <a:schemeClr val="accent6">
-                <a:lumMod val="75000"/>
-              </a:schemeClr>
+              <a:srgbClr val="EF0023"/>
             </a:solidFill>
           </a:ln>
         </p:spPr>
@@ -6112,10 +6128,63 @@
       </p:sp>
       <p:sp>
         <p:nvSpPr>
-          <p:cNvPr id="68" name="正方形/長方形 67">
+          <p:cNvPr id="71" name="テキスト ボックス 70">
             <a:extLst>
               <a:ext uri="{FF2B5EF4-FFF2-40B4-BE49-F238E27FC236}">
-                <a16:creationId xmlns:a16="http://schemas.microsoft.com/office/drawing/2014/main" id="{7042CDF2-CC0B-6F48-878A-7DC8D4AF71D3}"/>
+                <a16:creationId xmlns:a16="http://schemas.microsoft.com/office/drawing/2014/main" id="{FD9C18C3-CCD1-404A-8DA9-5D23B6AEF22B}"/>
+              </a:ext>
+            </a:extLst>
+          </p:cNvPr>
+          <p:cNvSpPr txBox="1"/>
+          <p:nvPr/>
+        </p:nvSpPr>
+        <p:spPr>
+          <a:xfrm>
+            <a:off x="2996618" y="22089836"/>
+            <a:ext cx="5832884" cy="4154984"/>
+          </a:xfrm>
+          <a:prstGeom prst="rect">
+            <a:avLst/>
+          </a:prstGeom>
+          <a:noFill/>
+        </p:spPr>
+        <p:txBody>
+          <a:bodyPr wrap="square" rtlCol="0">
+            <a:spAutoFit/>
+          </a:bodyPr>
+          <a:lstStyle/>
+          <a:p>
+            <a:r>
+              <a:rPr kumimoji="1" lang="ja-JP" altLang="en-US" sz="4400"/>
+              <a:t>形態素解析により</a:t>
+            </a:r>
+            <a:r>
+              <a:rPr lang="ja-JP" altLang="en-US" sz="4400"/>
+              <a:t>品詞の原形を抽出</a:t>
+            </a:r>
+            <a:endParaRPr lang="en-US" altLang="ja-JP" sz="4400" dirty="0"/>
+          </a:p>
+          <a:p>
+            <a:endParaRPr kumimoji="1" lang="en-US" altLang="ja-JP" sz="4400" dirty="0"/>
+          </a:p>
+          <a:p>
+            <a:endParaRPr kumimoji="1" lang="en-US" altLang="ja-JP" sz="4400" dirty="0"/>
+          </a:p>
+          <a:p>
+            <a:r>
+              <a:rPr lang="ja-JP" altLang="en-US" sz="4400"/>
+              <a:t>特徴語辞書、コーパスを作成</a:t>
+            </a:r>
+            <a:endParaRPr kumimoji="1" lang="ja-JP" altLang="en-US" sz="4400"/>
+          </a:p>
+        </p:txBody>
+      </p:sp>
+      <p:sp>
+        <p:nvSpPr>
+          <p:cNvPr id="72" name="右矢印 71">
+            <a:extLst>
+              <a:ext uri="{FF2B5EF4-FFF2-40B4-BE49-F238E27FC236}">
+                <a16:creationId xmlns:a16="http://schemas.microsoft.com/office/drawing/2014/main" id="{496D955C-30B8-AE42-8FEE-BA623806D973}"/>
               </a:ext>
             </a:extLst>
           </p:cNvPr>
@@ -6123,19 +6192,23 @@
           <p:nvPr/>
         </p:nvSpPr>
         <p:spPr>
-          <a:xfrm>
-            <a:off x="8964498" y="28772809"/>
-            <a:ext cx="6279820" cy="1021127"/>
-          </a:xfrm>
-          <a:prstGeom prst="rect">
+          <a:xfrm rot="5400000">
+            <a:off x="5260324" y="23637416"/>
+            <a:ext cx="1014154" cy="965694"/>
+          </a:xfrm>
+          <a:prstGeom prst="rightArrow">
             <a:avLst/>
           </a:prstGeom>
           <a:solidFill>
-            <a:srgbClr val="EF0023"/>
+            <a:schemeClr val="accent6">
+              <a:lumMod val="75000"/>
+            </a:schemeClr>
           </a:solidFill>
-          <a:ln w="38100">
+          <a:ln>
             <a:solidFill>
-              <a:srgbClr val="EF0023"/>
+              <a:schemeClr val="accent6">
+                <a:lumMod val="75000"/>
+              </a:schemeClr>
             </a:solidFill>
           </a:ln>
         </p:spPr>
@@ -6160,19 +6233,68 @@
           <a:lstStyle/>
           <a:p>
             <a:pPr algn="ctr"/>
-            <a:r>
-              <a:rPr kumimoji="1" lang="ja-JP" altLang="en-US" sz="4800" b="1"/>
-              <a:t>類似度算出</a:t>
-            </a:r>
-          </a:p>
-        </p:txBody>
-      </p:sp>
-      <p:sp>
-        <p:nvSpPr>
-          <p:cNvPr id="69" name="正方形/長方形 68">
+            <a:endParaRPr kumimoji="1" lang="ja-JP" altLang="en-US"/>
+          </a:p>
+        </p:txBody>
+      </p:sp>
+      <p:sp>
+        <p:nvSpPr>
+          <p:cNvPr id="73" name="テキスト ボックス 72">
             <a:extLst>
               <a:ext uri="{FF2B5EF4-FFF2-40B4-BE49-F238E27FC236}">
-                <a16:creationId xmlns:a16="http://schemas.microsoft.com/office/drawing/2014/main" id="{4C104D7F-9ACB-BB4B-942B-FF25DA679C05}"/>
+                <a16:creationId xmlns:a16="http://schemas.microsoft.com/office/drawing/2014/main" id="{91307268-782B-694E-9346-6785004AA8EB}"/>
+              </a:ext>
+            </a:extLst>
+          </p:cNvPr>
+          <p:cNvSpPr txBox="1"/>
+          <p:nvPr/>
+        </p:nvSpPr>
+        <p:spPr>
+          <a:xfrm>
+            <a:off x="9893813" y="21988010"/>
+            <a:ext cx="6109595" cy="4832092"/>
+          </a:xfrm>
+          <a:prstGeom prst="rect">
+            <a:avLst/>
+          </a:prstGeom>
+          <a:noFill/>
+        </p:spPr>
+        <p:txBody>
+          <a:bodyPr wrap="square" rtlCol="0">
+            <a:spAutoFit/>
+          </a:bodyPr>
+          <a:lstStyle/>
+          <a:p>
+            <a:r>
+              <a:rPr kumimoji="1" lang="ja-JP" altLang="en-US" sz="4400"/>
+              <a:t>ＬＤＡモデルを用いてトピックを分類</a:t>
+            </a:r>
+            <a:endParaRPr kumimoji="1" lang="en-US" altLang="ja-JP" sz="4400" dirty="0"/>
+          </a:p>
+          <a:p>
+            <a:endParaRPr lang="en-US" altLang="ja-JP" sz="4400" dirty="0"/>
+          </a:p>
+          <a:p>
+            <a:endParaRPr lang="en-US" altLang="ja-JP" sz="4400" dirty="0"/>
+          </a:p>
+          <a:p>
+            <a:r>
+              <a:rPr lang="ja-JP" altLang="en-US" sz="4400"/>
+              <a:t>各スポットの特徴ベクトルを作成</a:t>
+            </a:r>
+            <a:endParaRPr lang="en-US" altLang="ja-JP" sz="4400" dirty="0"/>
+          </a:p>
+          <a:p>
+            <a:endParaRPr kumimoji="1" lang="en-US" altLang="ja-JP" sz="4400" dirty="0"/>
+          </a:p>
+        </p:txBody>
+      </p:sp>
+      <p:sp>
+        <p:nvSpPr>
+          <p:cNvPr id="74" name="右矢印 73">
+            <a:extLst>
+              <a:ext uri="{FF2B5EF4-FFF2-40B4-BE49-F238E27FC236}">
+                <a16:creationId xmlns:a16="http://schemas.microsoft.com/office/drawing/2014/main" id="{B7C99B67-0FC5-3A4A-9595-A32EE9960550}"/>
               </a:ext>
             </a:extLst>
           </p:cNvPr>
@@ -6180,17 +6302,23 @@
           <p:nvPr/>
         </p:nvSpPr>
         <p:spPr>
-          <a:xfrm>
-            <a:off x="8964498" y="29771628"/>
-            <a:ext cx="6279820" cy="5015334"/>
-          </a:xfrm>
-          <a:prstGeom prst="rect">
+          <a:xfrm rot="5400000">
+            <a:off x="12161394" y="23643728"/>
+            <a:ext cx="1014154" cy="965694"/>
+          </a:xfrm>
+          <a:prstGeom prst="rightArrow">
             <a:avLst/>
           </a:prstGeom>
-          <a:noFill/>
-          <a:ln w="38100">
+          <a:solidFill>
+            <a:schemeClr val="accent6">
+              <a:lumMod val="75000"/>
+            </a:schemeClr>
+          </a:solidFill>
+          <a:ln>
             <a:solidFill>
-              <a:srgbClr val="EF0023"/>
+              <a:schemeClr val="accent6">
+                <a:lumMod val="75000"/>
+              </a:schemeClr>
             </a:solidFill>
           </a:ln>
         </p:spPr>
@@ -6221,10 +6349,10 @@
       </p:sp>
       <p:sp>
         <p:nvSpPr>
-          <p:cNvPr id="71" name="テキスト ボックス 70">
+          <p:cNvPr id="75" name="テキスト ボックス 74">
             <a:extLst>
               <a:ext uri="{FF2B5EF4-FFF2-40B4-BE49-F238E27FC236}">
-                <a16:creationId xmlns:a16="http://schemas.microsoft.com/office/drawing/2014/main" id="{FD9C18C3-CCD1-404A-8DA9-5D23B6AEF22B}"/>
+                <a16:creationId xmlns:a16="http://schemas.microsoft.com/office/drawing/2014/main" id="{D6B44E38-9F42-3542-9B22-8E5C2E496F1F}"/>
               </a:ext>
             </a:extLst>
           </p:cNvPr>
@@ -6233,8 +6361,8 @@
         </p:nvSpPr>
         <p:spPr>
           <a:xfrm>
-            <a:off x="2355378" y="30349880"/>
-            <a:ext cx="5832884" cy="4154984"/>
+            <a:off x="-9440018" y="26979176"/>
+            <a:ext cx="4801314" cy="1938992"/>
           </a:xfrm>
           <a:prstGeom prst="rect">
             <a:avLst/>
@@ -6242,42 +6370,32 @@
           <a:noFill/>
         </p:spPr>
         <p:txBody>
-          <a:bodyPr wrap="square" rtlCol="0">
+          <a:bodyPr wrap="none" rtlCol="0">
             <a:spAutoFit/>
           </a:bodyPr>
           <a:lstStyle/>
           <a:p>
             <a:r>
-              <a:rPr kumimoji="1" lang="ja-JP" altLang="en-US" sz="4400"/>
-              <a:t>形態素解析により</a:t>
-            </a:r>
-            <a:r>
-              <a:rPr lang="ja-JP" altLang="en-US" sz="4400"/>
-              <a:t>品詞の原形を抽出</a:t>
-            </a:r>
-            <a:endParaRPr lang="en-US" altLang="ja-JP" sz="4400" dirty="0"/>
-          </a:p>
-          <a:p>
-            <a:endParaRPr kumimoji="1" lang="en-US" altLang="ja-JP" sz="4400" dirty="0"/>
-          </a:p>
-          <a:p>
-            <a:endParaRPr kumimoji="1" lang="en-US" altLang="ja-JP" sz="4400" dirty="0"/>
-          </a:p>
-          <a:p>
-            <a:r>
-              <a:rPr lang="ja-JP" altLang="en-US" sz="4400"/>
-              <a:t>特徴語辞書、コーパスを作成</a:t>
-            </a:r>
-            <a:endParaRPr kumimoji="1" lang="ja-JP" altLang="en-US" sz="4400"/>
-          </a:p>
-        </p:txBody>
-      </p:sp>
-      <p:sp>
-        <p:nvSpPr>
-          <p:cNvPr id="72" name="右矢印 71">
+              <a:rPr kumimoji="1" lang="ja-JP" altLang="en-US" sz="6000"/>
+              <a:t>①前処理</a:t>
+            </a:r>
+            <a:endParaRPr kumimoji="1" lang="en-US" altLang="ja-JP" sz="6000" dirty="0"/>
+          </a:p>
+          <a:p>
+            <a:r>
+              <a:rPr lang="ja-JP" altLang="en-US" sz="6000"/>
+              <a:t>②類似度計算</a:t>
+            </a:r>
+            <a:endParaRPr kumimoji="1" lang="ja-JP" altLang="en-US" sz="6000"/>
+          </a:p>
+        </p:txBody>
+      </p:sp>
+      <p:sp>
+        <p:nvSpPr>
+          <p:cNvPr id="78" name="四角形吹き出し 77">
             <a:extLst>
               <a:ext uri="{FF2B5EF4-FFF2-40B4-BE49-F238E27FC236}">
-                <a16:creationId xmlns:a16="http://schemas.microsoft.com/office/drawing/2014/main" id="{496D955C-30B8-AE42-8FEE-BA623806D973}"/>
+                <a16:creationId xmlns:a16="http://schemas.microsoft.com/office/drawing/2014/main" id="{41FDE50F-0E16-0148-9FFF-4DFF81D3533D}"/>
               </a:ext>
             </a:extLst>
           </p:cNvPr>
@@ -6285,18 +6403,17 @@
           <p:nvPr/>
         </p:nvSpPr>
         <p:spPr>
-          <a:xfrm rot="5400000">
-            <a:off x="4619084" y="31897460"/>
-            <a:ext cx="1014154" cy="965694"/>
-          </a:xfrm>
-          <a:prstGeom prst="rightArrow">
-            <a:avLst/>
+          <a:xfrm>
+            <a:off x="2315147" y="20194750"/>
+            <a:ext cx="25802583" cy="6594889"/>
+          </a:xfrm>
+          <a:prstGeom prst="wedgeRectCallout">
+            <a:avLst>
+              <a:gd name="adj1" fmla="val 28487"/>
+              <a:gd name="adj2" fmla="val 88063"/>
+            </a:avLst>
           </a:prstGeom>
-          <a:solidFill>
-            <a:schemeClr val="accent6">
-              <a:lumMod val="75000"/>
-            </a:schemeClr>
-          </a:solidFill>
+          <a:noFill/>
           <a:ln>
             <a:solidFill>
               <a:schemeClr val="accent6">
@@ -6332,59 +6449,10 @@
       </p:sp>
       <p:sp>
         <p:nvSpPr>
-          <p:cNvPr id="73" name="テキスト ボックス 72">
+          <p:cNvPr id="80" name="正方形/長方形 79">
             <a:extLst>
               <a:ext uri="{FF2B5EF4-FFF2-40B4-BE49-F238E27FC236}">
-                <a16:creationId xmlns:a16="http://schemas.microsoft.com/office/drawing/2014/main" id="{91307268-782B-694E-9346-6785004AA8EB}"/>
-              </a:ext>
-            </a:extLst>
-          </p:cNvPr>
-          <p:cNvSpPr txBox="1"/>
-          <p:nvPr/>
-        </p:nvSpPr>
-        <p:spPr>
-          <a:xfrm>
-            <a:off x="9049610" y="30288793"/>
-            <a:ext cx="6109595" cy="4154984"/>
-          </a:xfrm>
-          <a:prstGeom prst="rect">
-            <a:avLst/>
-          </a:prstGeom>
-          <a:noFill/>
-        </p:spPr>
-        <p:txBody>
-          <a:bodyPr wrap="square" rtlCol="0">
-            <a:spAutoFit/>
-          </a:bodyPr>
-          <a:lstStyle/>
-          <a:p>
-            <a:r>
-              <a:rPr kumimoji="1" lang="ja-JP" altLang="en-US" sz="4400"/>
-              <a:t>ＬＤＡモデルを用いてトピックを分類</a:t>
-            </a:r>
-            <a:endParaRPr kumimoji="1" lang="en-US" altLang="ja-JP" sz="4400" dirty="0"/>
-          </a:p>
-          <a:p>
-            <a:endParaRPr lang="en-US" altLang="ja-JP" sz="4400" dirty="0"/>
-          </a:p>
-          <a:p>
-            <a:endParaRPr kumimoji="1" lang="en-US" altLang="ja-JP" sz="4400" dirty="0"/>
-          </a:p>
-          <a:p>
-            <a:r>
-              <a:rPr lang="ja-JP" altLang="en-US" sz="4400"/>
-              <a:t>特徴ベクトルのｃｏｓ類似度を計算</a:t>
-            </a:r>
-            <a:endParaRPr kumimoji="1" lang="ja-JP" altLang="en-US" sz="4400"/>
-          </a:p>
-        </p:txBody>
-      </p:sp>
-      <p:sp>
-        <p:nvSpPr>
-          <p:cNvPr id="74" name="右矢印 73">
-            <a:extLst>
-              <a:ext uri="{FF2B5EF4-FFF2-40B4-BE49-F238E27FC236}">
-                <a16:creationId xmlns:a16="http://schemas.microsoft.com/office/drawing/2014/main" id="{B7C99B67-0FC5-3A4A-9595-A32EE9960550}"/>
+                <a16:creationId xmlns:a16="http://schemas.microsoft.com/office/drawing/2014/main" id="{C211EC27-F508-FC49-BFC4-13F345E31746}"/>
               </a:ext>
             </a:extLst>
           </p:cNvPr>
@@ -6392,23 +6460,19 @@
           <p:nvPr/>
         </p:nvSpPr>
         <p:spPr>
-          <a:xfrm rot="5400000">
-            <a:off x="11491968" y="31906583"/>
-            <a:ext cx="1014154" cy="965694"/>
-          </a:xfrm>
-          <a:prstGeom prst="rightArrow">
+          <a:xfrm>
+            <a:off x="21689927" y="20490457"/>
+            <a:ext cx="6279820" cy="1021127"/>
+          </a:xfrm>
+          <a:prstGeom prst="rect">
             <a:avLst/>
           </a:prstGeom>
           <a:solidFill>
-            <a:schemeClr val="accent6">
-              <a:lumMod val="75000"/>
-            </a:schemeClr>
+            <a:srgbClr val="EF0023"/>
           </a:solidFill>
-          <a:ln>
+          <a:ln w="38100">
             <a:solidFill>
-              <a:schemeClr val="accent6">
-                <a:lumMod val="75000"/>
-              </a:schemeClr>
+              <a:srgbClr val="EF0023"/>
             </a:solidFill>
           </a:ln>
         </p:spPr>
@@ -6433,59 +6497,19 @@
           <a:lstStyle/>
           <a:p>
             <a:pPr algn="ctr"/>
-            <a:endParaRPr kumimoji="1" lang="ja-JP" altLang="en-US"/>
-          </a:p>
-        </p:txBody>
-      </p:sp>
-      <p:sp>
-        <p:nvSpPr>
-          <p:cNvPr id="75" name="テキスト ボックス 74">
+            <a:r>
+              <a:rPr kumimoji="1" lang="ja-JP" altLang="en-US" sz="4800" b="1"/>
+              <a:t>③類似度算出</a:t>
+            </a:r>
+          </a:p>
+        </p:txBody>
+      </p:sp>
+      <p:sp>
+        <p:nvSpPr>
+          <p:cNvPr id="81" name="正方形/長方形 80">
             <a:extLst>
               <a:ext uri="{FF2B5EF4-FFF2-40B4-BE49-F238E27FC236}">
-                <a16:creationId xmlns:a16="http://schemas.microsoft.com/office/drawing/2014/main" id="{D6B44E38-9F42-3542-9B22-8E5C2E496F1F}"/>
-              </a:ext>
-            </a:extLst>
-          </p:cNvPr>
-          <p:cNvSpPr txBox="1"/>
-          <p:nvPr/>
-        </p:nvSpPr>
-        <p:spPr>
-          <a:xfrm>
-            <a:off x="8188262" y="25759921"/>
-            <a:ext cx="4801314" cy="1938992"/>
-          </a:xfrm>
-          <a:prstGeom prst="rect">
-            <a:avLst/>
-          </a:prstGeom>
-          <a:noFill/>
-        </p:spPr>
-        <p:txBody>
-          <a:bodyPr wrap="none" rtlCol="0">
-            <a:spAutoFit/>
-          </a:bodyPr>
-          <a:lstStyle/>
-          <a:p>
-            <a:r>
-              <a:rPr kumimoji="1" lang="ja-JP" altLang="en-US" sz="6000"/>
-              <a:t>①前処理</a:t>
-            </a:r>
-            <a:endParaRPr kumimoji="1" lang="en-US" altLang="ja-JP" sz="6000" dirty="0"/>
-          </a:p>
-          <a:p>
-            <a:r>
-              <a:rPr lang="ja-JP" altLang="en-US" sz="6000"/>
-              <a:t>②類似度計算</a:t>
-            </a:r>
-            <a:endParaRPr kumimoji="1" lang="ja-JP" altLang="en-US" sz="6000"/>
-          </a:p>
-        </p:txBody>
-      </p:sp>
-      <p:sp>
-        <p:nvSpPr>
-          <p:cNvPr id="78" name="四角形吹き出し 77">
-            <a:extLst>
-              <a:ext uri="{FF2B5EF4-FFF2-40B4-BE49-F238E27FC236}">
-                <a16:creationId xmlns:a16="http://schemas.microsoft.com/office/drawing/2014/main" id="{41FDE50F-0E16-0148-9FFF-4DFF81D3533D}"/>
+                <a16:creationId xmlns:a16="http://schemas.microsoft.com/office/drawing/2014/main" id="{844A3F01-F401-DA48-BFB9-041CCE13A668}"/>
               </a:ext>
             </a:extLst>
           </p:cNvPr>
@@ -6494,21 +6518,16 @@
         </p:nvSpPr>
         <p:spPr>
           <a:xfrm>
-            <a:off x="1679040" y="28444638"/>
-            <a:ext cx="13767970" cy="6594889"/>
-          </a:xfrm>
-          <a:prstGeom prst="wedgeRectCallout">
-            <a:avLst>
-              <a:gd name="adj1" fmla="val 59328"/>
-              <a:gd name="adj2" fmla="val -70977"/>
-            </a:avLst>
+            <a:off x="21689927" y="21489276"/>
+            <a:ext cx="6279820" cy="5015334"/>
+          </a:xfrm>
+          <a:prstGeom prst="rect">
+            <a:avLst/>
           </a:prstGeom>
           <a:noFill/>
-          <a:ln>
+          <a:ln w="38100">
             <a:solidFill>
-              <a:schemeClr val="accent6">
-                <a:lumMod val="75000"/>
-              </a:schemeClr>
+              <a:srgbClr val="EF0023"/>
             </a:solidFill>
           </a:ln>
         </p:spPr>
@@ -6537,6 +6556,379 @@
           </a:p>
         </p:txBody>
       </p:sp>
+      <p:sp>
+        <p:nvSpPr>
+          <p:cNvPr id="82" name="テキスト ボックス 81">
+            <a:extLst>
+              <a:ext uri="{FF2B5EF4-FFF2-40B4-BE49-F238E27FC236}">
+                <a16:creationId xmlns:a16="http://schemas.microsoft.com/office/drawing/2014/main" id="{5DED6EDB-FBD1-B44D-B9EF-7A8E24D289ED}"/>
+              </a:ext>
+            </a:extLst>
+          </p:cNvPr>
+          <p:cNvSpPr txBox="1"/>
+          <p:nvPr/>
+        </p:nvSpPr>
+        <p:spPr>
+          <a:xfrm>
+            <a:off x="21860152" y="22937240"/>
+            <a:ext cx="6109595" cy="2123658"/>
+          </a:xfrm>
+          <a:prstGeom prst="rect">
+            <a:avLst/>
+          </a:prstGeom>
+          <a:noFill/>
+        </p:spPr>
+        <p:txBody>
+          <a:bodyPr wrap="square" rtlCol="0">
+            <a:spAutoFit/>
+          </a:bodyPr>
+          <a:lstStyle/>
+          <a:p>
+            <a:r>
+              <a:rPr kumimoji="1" lang="ja-JP" altLang="en-US" sz="4400"/>
+              <a:t>各スポットのトピックに対する</a:t>
+            </a:r>
+            <a:r>
+              <a:rPr lang="ja-JP" altLang="en-US" sz="4400"/>
+              <a:t>特徴ベクトルのｃｏｓ類似度を計算</a:t>
+            </a:r>
+            <a:endParaRPr kumimoji="1" lang="ja-JP" altLang="en-US" sz="4400"/>
+          </a:p>
+        </p:txBody>
+      </p:sp>
+      <p:sp>
+        <p:nvSpPr>
+          <p:cNvPr id="85" name="左右矢印 84">
+            <a:extLst>
+              <a:ext uri="{FF2B5EF4-FFF2-40B4-BE49-F238E27FC236}">
+                <a16:creationId xmlns:a16="http://schemas.microsoft.com/office/drawing/2014/main" id="{7F359F01-5473-2C44-916D-32A76B05A527}"/>
+              </a:ext>
+            </a:extLst>
+          </p:cNvPr>
+          <p:cNvSpPr/>
+          <p:nvPr/>
+        </p:nvSpPr>
+        <p:spPr>
+          <a:xfrm rot="3000000">
+            <a:off x="17152946" y="32570680"/>
+            <a:ext cx="3888000" cy="936000"/>
+          </a:xfrm>
+          <a:prstGeom prst="leftRightArrow">
+            <a:avLst/>
+          </a:prstGeom>
+          <a:solidFill>
+            <a:schemeClr val="accent6">
+              <a:lumMod val="75000"/>
+            </a:schemeClr>
+          </a:solidFill>
+          <a:ln>
+            <a:solidFill>
+              <a:schemeClr val="accent6">
+                <a:lumMod val="75000"/>
+              </a:schemeClr>
+            </a:solidFill>
+          </a:ln>
+        </p:spPr>
+        <p:style>
+          <a:lnRef idx="2">
+            <a:schemeClr val="accent1">
+              <a:shade val="50000"/>
+            </a:schemeClr>
+          </a:lnRef>
+          <a:fillRef idx="1">
+            <a:schemeClr val="accent1"/>
+          </a:fillRef>
+          <a:effectRef idx="0">
+            <a:schemeClr val="accent1"/>
+          </a:effectRef>
+          <a:fontRef idx="minor">
+            <a:schemeClr val="lt1"/>
+          </a:fontRef>
+        </p:style>
+        <p:txBody>
+          <a:bodyPr rtlCol="0" anchor="ctr"/>
+          <a:lstStyle/>
+          <a:p>
+            <a:pPr algn="ctr"/>
+            <a:endParaRPr kumimoji="1" lang="ja-JP" altLang="en-US"/>
+          </a:p>
+        </p:txBody>
+      </p:sp>
+      <p:sp>
+        <p:nvSpPr>
+          <p:cNvPr id="89" name="正方形/長方形 88">
+            <a:extLst>
+              <a:ext uri="{FF2B5EF4-FFF2-40B4-BE49-F238E27FC236}">
+                <a16:creationId xmlns:a16="http://schemas.microsoft.com/office/drawing/2014/main" id="{05E941E6-68E0-4A4D-BF24-5142A057DB7E}"/>
+              </a:ext>
+            </a:extLst>
+          </p:cNvPr>
+          <p:cNvSpPr/>
+          <p:nvPr/>
+        </p:nvSpPr>
+        <p:spPr>
+          <a:xfrm>
+            <a:off x="5917446" y="30750046"/>
+            <a:ext cx="10080000" cy="1021127"/>
+          </a:xfrm>
+          <a:prstGeom prst="rect">
+            <a:avLst/>
+          </a:prstGeom>
+          <a:solidFill>
+            <a:srgbClr val="EF0023"/>
+          </a:solidFill>
+          <a:ln w="38100">
+            <a:solidFill>
+              <a:srgbClr val="EF0023"/>
+            </a:solidFill>
+          </a:ln>
+        </p:spPr>
+        <p:style>
+          <a:lnRef idx="2">
+            <a:schemeClr val="accent1">
+              <a:shade val="50000"/>
+            </a:schemeClr>
+          </a:lnRef>
+          <a:fillRef idx="1">
+            <a:schemeClr val="accent1"/>
+          </a:fillRef>
+          <a:effectRef idx="0">
+            <a:schemeClr val="accent1"/>
+          </a:effectRef>
+          <a:fontRef idx="minor">
+            <a:schemeClr val="lt1"/>
+          </a:fontRef>
+        </p:style>
+        <p:txBody>
+          <a:bodyPr rtlCol="0" anchor="ctr"/>
+          <a:lstStyle/>
+          <a:p>
+            <a:pPr algn="ctr"/>
+            <a:r>
+              <a:rPr kumimoji="1" lang="en-US" altLang="ja-JP" sz="4800" b="1" dirty="0"/>
+              <a:t>Web</a:t>
+            </a:r>
+            <a:r>
+              <a:rPr kumimoji="1" lang="ja-JP" altLang="en-US" sz="4800" b="1"/>
+              <a:t>ページ</a:t>
+            </a:r>
+          </a:p>
+        </p:txBody>
+      </p:sp>
+      <p:grpSp>
+        <p:nvGrpSpPr>
+          <p:cNvPr id="92" name="グループ化 91">
+            <a:extLst>
+              <a:ext uri="{FF2B5EF4-FFF2-40B4-BE49-F238E27FC236}">
+                <a16:creationId xmlns:a16="http://schemas.microsoft.com/office/drawing/2014/main" id="{674EFF42-9CC3-434B-B40E-92EDDF65A1FE}"/>
+              </a:ext>
+            </a:extLst>
+          </p:cNvPr>
+          <p:cNvGrpSpPr/>
+          <p:nvPr/>
+        </p:nvGrpSpPr>
+        <p:grpSpPr>
+          <a:xfrm>
+            <a:off x="4938138" y="32148851"/>
+            <a:ext cx="12141807" cy="2800767"/>
+            <a:chOff x="4500514" y="32027928"/>
+            <a:chExt cx="12141807" cy="2800767"/>
+          </a:xfrm>
+        </p:grpSpPr>
+        <p:sp>
+          <p:nvSpPr>
+            <p:cNvPr id="86" name="テキスト ボックス 85">
+              <a:extLst>
+                <a:ext uri="{FF2B5EF4-FFF2-40B4-BE49-F238E27FC236}">
+                  <a16:creationId xmlns:a16="http://schemas.microsoft.com/office/drawing/2014/main" id="{9E365BE7-EED7-EC48-9CA7-4F40D567C3AA}"/>
+                </a:ext>
+              </a:extLst>
+            </p:cNvPr>
+            <p:cNvSpPr txBox="1"/>
+            <p:nvPr/>
+          </p:nvSpPr>
+          <p:spPr>
+            <a:xfrm>
+              <a:off x="4500514" y="32027928"/>
+              <a:ext cx="12141807" cy="2800767"/>
+            </a:xfrm>
+            <a:prstGeom prst="rect">
+              <a:avLst/>
+            </a:prstGeom>
+            <a:noFill/>
+          </p:spPr>
+          <p:txBody>
+            <a:bodyPr wrap="square" rtlCol="0">
+              <a:spAutoFit/>
+            </a:bodyPr>
+            <a:lstStyle/>
+            <a:p>
+              <a:pPr algn="ctr"/>
+              <a:r>
+                <a:rPr kumimoji="1" lang="ja-JP" altLang="en-US" sz="4400"/>
+                <a:t>お気に入りのスポット情報の入力</a:t>
+              </a:r>
+              <a:endParaRPr kumimoji="1" lang="en-US" altLang="ja-JP" sz="4400" dirty="0"/>
+            </a:p>
+            <a:p>
+              <a:pPr algn="ctr"/>
+              <a:endParaRPr lang="en-US" altLang="ja-JP" sz="4400" dirty="0"/>
+            </a:p>
+            <a:p>
+              <a:pPr algn="ctr"/>
+              <a:endParaRPr kumimoji="1" lang="en-US" altLang="ja-JP" sz="4400" dirty="0"/>
+            </a:p>
+            <a:p>
+              <a:pPr algn="ctr"/>
+              <a:r>
+                <a:rPr lang="ja-JP" altLang="en-US" sz="4400"/>
+                <a:t>高好感度な観光地を提案</a:t>
+              </a:r>
+              <a:endParaRPr kumimoji="1" lang="ja-JP" altLang="en-US" sz="4400"/>
+            </a:p>
+          </p:txBody>
+        </p:sp>
+        <p:sp>
+          <p:nvSpPr>
+            <p:cNvPr id="87" name="右矢印 86">
+              <a:extLst>
+                <a:ext uri="{FF2B5EF4-FFF2-40B4-BE49-F238E27FC236}">
+                  <a16:creationId xmlns:a16="http://schemas.microsoft.com/office/drawing/2014/main" id="{5D5C2B09-C164-8246-97ED-223140B8C4E1}"/>
+                </a:ext>
+              </a:extLst>
+            </p:cNvPr>
+            <p:cNvSpPr/>
+            <p:nvPr/>
+          </p:nvSpPr>
+          <p:spPr>
+            <a:xfrm rot="5400000">
+              <a:off x="9972579" y="32867109"/>
+              <a:ext cx="1014154" cy="965694"/>
+            </a:xfrm>
+            <a:prstGeom prst="rightArrow">
+              <a:avLst/>
+            </a:prstGeom>
+            <a:solidFill>
+              <a:schemeClr val="accent6">
+                <a:lumMod val="75000"/>
+              </a:schemeClr>
+            </a:solidFill>
+            <a:ln>
+              <a:solidFill>
+                <a:schemeClr val="accent6">
+                  <a:lumMod val="75000"/>
+                </a:schemeClr>
+              </a:solidFill>
+            </a:ln>
+          </p:spPr>
+          <p:style>
+            <a:lnRef idx="2">
+              <a:schemeClr val="accent1">
+                <a:shade val="50000"/>
+              </a:schemeClr>
+            </a:lnRef>
+            <a:fillRef idx="1">
+              <a:schemeClr val="accent1"/>
+            </a:fillRef>
+            <a:effectRef idx="0">
+              <a:schemeClr val="accent1"/>
+            </a:effectRef>
+            <a:fontRef idx="minor">
+              <a:schemeClr val="lt1"/>
+            </a:fontRef>
+          </p:style>
+          <p:txBody>
+            <a:bodyPr rtlCol="0" anchor="ctr"/>
+            <a:lstStyle/>
+            <a:p>
+              <a:pPr algn="ctr"/>
+              <a:endParaRPr kumimoji="1" lang="ja-JP" altLang="en-US"/>
+            </a:p>
+          </p:txBody>
+        </p:sp>
+      </p:grpSp>
+      <p:sp>
+        <p:nvSpPr>
+          <p:cNvPr id="90" name="正方形/長方形 89">
+            <a:extLst>
+              <a:ext uri="{FF2B5EF4-FFF2-40B4-BE49-F238E27FC236}">
+                <a16:creationId xmlns:a16="http://schemas.microsoft.com/office/drawing/2014/main" id="{1FE92D94-DAD9-D34D-8D0D-D7A80EFCC639}"/>
+              </a:ext>
+            </a:extLst>
+          </p:cNvPr>
+          <p:cNvSpPr/>
+          <p:nvPr/>
+        </p:nvSpPr>
+        <p:spPr>
+          <a:xfrm>
+            <a:off x="5923983" y="31812181"/>
+            <a:ext cx="10080000" cy="3275163"/>
+          </a:xfrm>
+          <a:prstGeom prst="rect">
+            <a:avLst/>
+          </a:prstGeom>
+          <a:noFill/>
+          <a:ln w="38100">
+            <a:solidFill>
+              <a:srgbClr val="EF0023"/>
+            </a:solidFill>
+          </a:ln>
+        </p:spPr>
+        <p:style>
+          <a:lnRef idx="2">
+            <a:schemeClr val="accent1">
+              <a:shade val="50000"/>
+            </a:schemeClr>
+          </a:lnRef>
+          <a:fillRef idx="1">
+            <a:schemeClr val="accent1"/>
+          </a:fillRef>
+          <a:effectRef idx="0">
+            <a:schemeClr val="accent1"/>
+          </a:effectRef>
+          <a:fontRef idx="minor">
+            <a:schemeClr val="lt1"/>
+          </a:fontRef>
+        </p:style>
+        <p:txBody>
+          <a:bodyPr rtlCol="0" anchor="ctr"/>
+          <a:lstStyle/>
+          <a:p>
+            <a:pPr algn="ctr"/>
+            <a:endParaRPr kumimoji="1" lang="ja-JP" altLang="en-US"/>
+          </a:p>
+        </p:txBody>
+      </p:sp>
+      <p:pic>
+        <p:nvPicPr>
+          <p:cNvPr id="95" name="図 94">
+            <a:extLst>
+              <a:ext uri="{FF2B5EF4-FFF2-40B4-BE49-F238E27FC236}">
+                <a16:creationId xmlns:a16="http://schemas.microsoft.com/office/drawing/2014/main" id="{6DCDEB7A-9450-F640-A739-FBA1D1F64EEC}"/>
+              </a:ext>
+            </a:extLst>
+          </p:cNvPr>
+          <p:cNvPicPr>
+            <a:picLocks noChangeAspect="1"/>
+          </p:cNvPicPr>
+          <p:nvPr/>
+        </p:nvPicPr>
+        <p:blipFill>
+          <a:blip r:embed="rId6"/>
+          <a:stretch>
+            <a:fillRect/>
+          </a:stretch>
+        </p:blipFill>
+        <p:spPr>
+          <a:xfrm>
+            <a:off x="16174937" y="22492549"/>
+            <a:ext cx="4244495" cy="2993319"/>
+          </a:xfrm>
+          <a:prstGeom prst="rect">
+            <a:avLst/>
+          </a:prstGeom>
+        </p:spPr>
+      </p:pic>
     </p:spTree>
     <p:extLst>
       <p:ext uri="{BB962C8B-B14F-4D97-AF65-F5344CB8AC3E}">

--- a/notebooks/interrim_presentattion_poster.pptx
+++ b/notebooks/interrim_presentattion_poster.pptx
@@ -113,6 +113,95 @@
     </p:ext>
   </p:extLst>
 </p:presentation>
+</file>
+
+<file path=ppt/commentAuthors.xml><?xml version="1.0" encoding="utf-8"?>
+<p:cmAuthorLst xmlns:a="http://schemas.openxmlformats.org/drawingml/2006/main" xmlns:r="http://schemas.openxmlformats.org/officeDocument/2006/relationships" xmlns:p="http://schemas.openxmlformats.org/presentationml/2006/main">
+  <p:cmAuthor id="1" name="和田　龍樹" initials="和田　龍樹" lastIdx="9" clrIdx="0">
+    <p:extLst>
+      <p:ext uri="{19B8F6BF-5375-455C-9EA6-DF929625EA0E}">
+        <p15:presenceInfo xmlns:p15="http://schemas.microsoft.com/office/powerpoint/2012/main" userId="27693e61-15af-4e20-97bf-0105e335e4cc" providerId="Windows Live"/>
+      </p:ext>
+    </p:extLst>
+  </p:cmAuthor>
+</p:cmAuthorLst>
+</file>
+
+<file path=ppt/comments/comment1.xml><?xml version="1.0" encoding="utf-8"?>
+<p:cmLst xmlns:a="http://schemas.openxmlformats.org/drawingml/2006/main" xmlns:r="http://schemas.openxmlformats.org/officeDocument/2006/relationships" xmlns:p="http://schemas.openxmlformats.org/presentationml/2006/main">
+  <p:cm authorId="1" dt="2018-07-17T17:09:35.276" idx="1">
+    <p:pos x="11197" y="6133"/>
+    <p:text>コンテンツベース、協調フィルタリングの説明も入れたほうがいい</p:text>
+    <p:extLst>
+      <p:ext uri="{C676402C-5697-4E1C-873F-D02D1690AC5C}">
+        <p15:threadingInfo xmlns:p15="http://schemas.microsoft.com/office/powerpoint/2012/main" timeZoneBias="-540"/>
+      </p:ext>
+    </p:extLst>
+  </p:cm>
+  <p:cm authorId="1" dt="2018-07-17T17:44:47.824" idx="3">
+    <p:pos x="13568" y="7381"/>
+    <p:text>普通の文字の方が良い</p:text>
+    <p:extLst>
+      <p:ext uri="{C676402C-5697-4E1C-873F-D02D1690AC5C}">
+        <p15:threadingInfo xmlns:p15="http://schemas.microsoft.com/office/powerpoint/2012/main" timeZoneBias="-540"/>
+      </p:ext>
+    </p:extLst>
+  </p:cm>
+  <p:cm authorId="1" dt="2018-07-17T17:45:46.161" idx="4">
+    <p:pos x="15151" y="9432"/>
+    <p:text>こっちを目立たせる</p:text>
+    <p:extLst>
+      <p:ext uri="{C676402C-5697-4E1C-873F-D02D1690AC5C}">
+        <p15:threadingInfo xmlns:p15="http://schemas.microsoft.com/office/powerpoint/2012/main" timeZoneBias="-540"/>
+      </p:ext>
+    </p:extLst>
+  </p:cm>
+  <p:cm authorId="1" dt="2018-07-17T17:47:22.933" idx="5">
+    <p:pos x="14410" y="14533"/>
+    <p:text>Cosいらない</p:text>
+    <p:extLst>
+      <p:ext uri="{C676402C-5697-4E1C-873F-D02D1690AC5C}">
+        <p15:threadingInfo xmlns:p15="http://schemas.microsoft.com/office/powerpoint/2012/main" timeZoneBias="-540"/>
+      </p:ext>
+    </p:extLst>
+  </p:cm>
+  <p:cm authorId="1" dt="2018-07-17T17:47:33.740" idx="6">
+    <p:pos x="13641" y="16686"/>
+    <p:text>吹き出し口を狭める</p:text>
+    <p:extLst>
+      <p:ext uri="{C676402C-5697-4E1C-873F-D02D1690AC5C}">
+        <p15:threadingInfo xmlns:p15="http://schemas.microsoft.com/office/powerpoint/2012/main" timeZoneBias="-540"/>
+      </p:ext>
+    </p:extLst>
+  </p:cm>
+  <p:cm authorId="1" dt="2018-07-17T17:51:08.779" idx="7">
+    <p:pos x="14106" y="20935"/>
+    <p:text>Webページ関連が見えるようにする</p:text>
+    <p:extLst>
+      <p:ext uri="{C676402C-5697-4E1C-873F-D02D1690AC5C}">
+        <p15:threadingInfo xmlns:p15="http://schemas.microsoft.com/office/powerpoint/2012/main" timeZoneBias="-540"/>
+      </p:ext>
+    </p:extLst>
+  </p:cm>
+  <p:cm authorId="1" dt="2018-07-17T17:52:09.036" idx="8">
+    <p:pos x="10856" y="23733"/>
+    <p:text>評価を入れても良い</p:text>
+    <p:extLst>
+      <p:ext uri="{C676402C-5697-4E1C-873F-D02D1690AC5C}">
+        <p15:threadingInfo xmlns:p15="http://schemas.microsoft.com/office/powerpoint/2012/main" timeZoneBias="-540"/>
+      </p:ext>
+    </p:extLst>
+  </p:cm>
+  <p:cm authorId="1" dt="2018-07-17T17:54:04.204" idx="9">
+    <p:pos x="10" y="10"/>
+    <p:text>色目が強い</p:text>
+    <p:extLst>
+      <p:ext uri="{C676402C-5697-4E1C-873F-D02D1690AC5C}">
+        <p15:threadingInfo xmlns:p15="http://schemas.microsoft.com/office/powerpoint/2012/main" timeZoneBias="-540"/>
+      </p:ext>
+    </p:extLst>
+  </p:cm>
+</p:cmLst>
 </file>
 
 <file path=ppt/notesMasters/notesMaster1.xml><?xml version="1.0" encoding="utf-8"?>
@@ -6349,49 +6438,6 @@
       </p:sp>
       <p:sp>
         <p:nvSpPr>
-          <p:cNvPr id="75" name="テキスト ボックス 74">
-            <a:extLst>
-              <a:ext uri="{FF2B5EF4-FFF2-40B4-BE49-F238E27FC236}">
-                <a16:creationId xmlns:a16="http://schemas.microsoft.com/office/drawing/2014/main" id="{D6B44E38-9F42-3542-9B22-8E5C2E496F1F}"/>
-              </a:ext>
-            </a:extLst>
-          </p:cNvPr>
-          <p:cNvSpPr txBox="1"/>
-          <p:nvPr/>
-        </p:nvSpPr>
-        <p:spPr>
-          <a:xfrm>
-            <a:off x="-9440018" y="26979176"/>
-            <a:ext cx="4801314" cy="1938992"/>
-          </a:xfrm>
-          <a:prstGeom prst="rect">
-            <a:avLst/>
-          </a:prstGeom>
-          <a:noFill/>
-        </p:spPr>
-        <p:txBody>
-          <a:bodyPr wrap="none" rtlCol="0">
-            <a:spAutoFit/>
-          </a:bodyPr>
-          <a:lstStyle/>
-          <a:p>
-            <a:r>
-              <a:rPr kumimoji="1" lang="ja-JP" altLang="en-US" sz="6000"/>
-              <a:t>①前処理</a:t>
-            </a:r>
-            <a:endParaRPr kumimoji="1" lang="en-US" altLang="ja-JP" sz="6000" dirty="0"/>
-          </a:p>
-          <a:p>
-            <a:r>
-              <a:rPr lang="ja-JP" altLang="en-US" sz="6000"/>
-              <a:t>②類似度計算</a:t>
-            </a:r>
-            <a:endParaRPr kumimoji="1" lang="ja-JP" altLang="en-US" sz="6000"/>
-          </a:p>
-        </p:txBody>
-      </p:sp>
-      <p:sp>
-        <p:nvSpPr>
           <p:cNvPr id="78" name="四角形吹き出し 77">
             <a:extLst>
               <a:ext uri="{FF2B5EF4-FFF2-40B4-BE49-F238E27FC236}">
@@ -6409,8 +6455,8 @@
           </a:xfrm>
           <a:prstGeom prst="wedgeRectCallout">
             <a:avLst>
-              <a:gd name="adj1" fmla="val 28487"/>
-              <a:gd name="adj2" fmla="val 88063"/>
+              <a:gd name="adj1" fmla="val 22412"/>
+              <a:gd name="adj2" fmla="val 86082"/>
             </a:avLst>
           </a:prstGeom>
           <a:noFill/>

--- a/notebooks/interrim_presentattion_poster.pptx
+++ b/notebooks/interrim_presentattion_poster.pptx
@@ -130,7 +130,7 @@
 <file path=ppt/comments/comment1.xml><?xml version="1.0" encoding="utf-8"?>
 <p:cmLst xmlns:a="http://schemas.openxmlformats.org/drawingml/2006/main" xmlns:r="http://schemas.openxmlformats.org/officeDocument/2006/relationships" xmlns:p="http://schemas.openxmlformats.org/presentationml/2006/main">
   <p:cm authorId="1" dt="2018-07-17T17:09:35.276" idx="1">
-    <p:pos x="11197" y="6133"/>
+    <p:pos x="11320" y="6462"/>
     <p:text>コンテンツベース、協調フィルタリングの説明も入れたほうがいい</p:text>
     <p:extLst>
       <p:ext uri="{C676402C-5697-4E1C-873F-D02D1690AC5C}">
@@ -139,7 +139,7 @@
     </p:extLst>
   </p:cm>
   <p:cm authorId="1" dt="2018-07-17T17:44:47.824" idx="3">
-    <p:pos x="13568" y="7381"/>
+    <p:pos x="14720" y="6723"/>
     <p:text>普通の文字の方が良い</p:text>
     <p:extLst>
       <p:ext uri="{C676402C-5697-4E1C-873F-D02D1690AC5C}">
@@ -175,7 +175,7 @@
     </p:extLst>
   </p:cm>
   <p:cm authorId="1" dt="2018-07-17T17:51:08.779" idx="7">
-    <p:pos x="14106" y="20935"/>
+    <p:pos x="11024" y="21050"/>
     <p:text>Webページ関連が見えるようにする</p:text>
     <p:extLst>
       <p:ext uri="{C676402C-5697-4E1C-873F-D02D1690AC5C}">
@@ -4304,12 +4304,12 @@
           <a:prstGeom prst="rect">
             <a:avLst/>
           </a:prstGeom>
-          <a:solidFill>
-            <a:srgbClr val="EF0023"/>
-          </a:solidFill>
+          <a:noFill/>
           <a:ln w="38100">
             <a:solidFill>
-              <a:srgbClr val="EF0023"/>
+              <a:schemeClr val="accent6">
+                <a:lumMod val="75000"/>
+              </a:schemeClr>
             </a:solidFill>
           </a:ln>
         </p:spPr>
@@ -4335,7 +4335,13 @@
           <a:p>
             <a:pPr algn="ctr"/>
             <a:r>
-              <a:rPr kumimoji="1" lang="ja-JP" altLang="en-US" sz="4800" b="1"/>
+              <a:rPr kumimoji="1" lang="ja-JP" altLang="en-US" sz="4800" b="1">
+                <a:solidFill>
+                  <a:schemeClr val="accent6">
+                    <a:lumMod val="75000"/>
+                  </a:schemeClr>
+                </a:solidFill>
+              </a:rPr>
               <a:t>背景</a:t>
             </a:r>
           </a:p>
@@ -4361,12 +4367,12 @@
           <a:prstGeom prst="rect">
             <a:avLst/>
           </a:prstGeom>
-          <a:solidFill>
-            <a:srgbClr val="EF0023"/>
-          </a:solidFill>
+          <a:noFill/>
           <a:ln w="38100">
             <a:solidFill>
-              <a:srgbClr val="EF0023"/>
+              <a:schemeClr val="accent6">
+                <a:lumMod val="75000"/>
+              </a:schemeClr>
             </a:solidFill>
           </a:ln>
         </p:spPr>
@@ -4392,11 +4398,23 @@
           <a:p>
             <a:pPr algn="ctr"/>
             <a:r>
-              <a:rPr lang="ja-JP" altLang="en-US" sz="4800" b="1"/>
+              <a:rPr lang="ja-JP" altLang="en-US" sz="4800" b="1">
+                <a:solidFill>
+                  <a:schemeClr val="accent6">
+                    <a:lumMod val="75000"/>
+                  </a:schemeClr>
+                </a:solidFill>
+              </a:rPr>
               <a:t>レ</a:t>
             </a:r>
             <a:r>
-              <a:rPr kumimoji="1" lang="ja-JP" altLang="en-US" sz="4800" b="1"/>
+              <a:rPr kumimoji="1" lang="ja-JP" altLang="en-US" sz="4800" b="1">
+                <a:solidFill>
+                  <a:schemeClr val="accent6">
+                    <a:lumMod val="75000"/>
+                  </a:schemeClr>
+                </a:solidFill>
+              </a:rPr>
               <a:t>コメンドの現状</a:t>
             </a:r>
           </a:p>
@@ -4422,12 +4440,12 @@
           <a:prstGeom prst="rect">
             <a:avLst/>
           </a:prstGeom>
-          <a:solidFill>
-            <a:srgbClr val="EF0023"/>
-          </a:solidFill>
+          <a:noFill/>
           <a:ln w="38100">
             <a:solidFill>
-              <a:srgbClr val="EF0023"/>
+              <a:schemeClr val="accent6">
+                <a:lumMod val="75000"/>
+              </a:schemeClr>
             </a:solidFill>
           </a:ln>
         </p:spPr>
@@ -4453,10 +4471,22 @@
           <a:p>
             <a:pPr algn="ctr"/>
             <a:r>
-              <a:rPr lang="ja-JP" altLang="en-US" sz="4800" b="1"/>
+              <a:rPr lang="ja-JP" altLang="en-US" sz="4800" b="1">
+                <a:solidFill>
+                  <a:schemeClr val="accent6">
+                    <a:lumMod val="75000"/>
+                  </a:schemeClr>
+                </a:solidFill>
+              </a:rPr>
               <a:t>レビューを利用したレコメンド</a:t>
             </a:r>
-            <a:endParaRPr kumimoji="1" lang="ja-JP" altLang="en-US" sz="4800" b="1"/>
+            <a:endParaRPr kumimoji="1" lang="ja-JP" altLang="en-US" sz="4800" b="1">
+              <a:solidFill>
+                <a:schemeClr val="accent6">
+                  <a:lumMod val="75000"/>
+                </a:schemeClr>
+              </a:solidFill>
+            </a:endParaRPr>
           </a:p>
         </p:txBody>
       </p:sp>
@@ -4483,7 +4513,9 @@
           <a:noFill/>
           <a:ln w="38100">
             <a:solidFill>
-              <a:srgbClr val="EF0023"/>
+              <a:schemeClr val="accent6">
+                <a:lumMod val="75000"/>
+              </a:schemeClr>
             </a:solidFill>
           </a:ln>
         </p:spPr>
@@ -4535,7 +4567,9 @@
           <a:noFill/>
           <a:ln w="38100">
             <a:solidFill>
-              <a:srgbClr val="EF0023"/>
+              <a:schemeClr val="accent6">
+                <a:lumMod val="75000"/>
+              </a:schemeClr>
             </a:solidFill>
           </a:ln>
         </p:spPr>
@@ -4578,7 +4612,7 @@
         </p:nvSpPr>
         <p:spPr>
           <a:xfrm>
-            <a:off x="19927686" y="11063155"/>
+            <a:off x="19927686" y="11082749"/>
             <a:ext cx="8748000" cy="4332787"/>
           </a:xfrm>
           <a:prstGeom prst="rect">
@@ -4587,7 +4621,9 @@
           <a:noFill/>
           <a:ln w="38100">
             <a:solidFill>
-              <a:srgbClr val="EF0023"/>
+              <a:schemeClr val="accent6">
+                <a:lumMod val="75000"/>
+              </a:schemeClr>
             </a:solidFill>
           </a:ln>
         </p:spPr>
@@ -4630,8 +4666,8 @@
         </p:nvSpPr>
         <p:spPr>
           <a:xfrm>
-            <a:off x="1981198" y="13193978"/>
-            <a:ext cx="7952153" cy="2123658"/>
+            <a:off x="2046512" y="11365812"/>
+            <a:ext cx="7952153" cy="3785652"/>
           </a:xfrm>
           <a:prstGeom prst="rect">
             <a:avLst/>
@@ -4644,44 +4680,24 @@
           </a:bodyPr>
           <a:lstStyle/>
           <a:p>
-            <a:r>
-              <a:rPr kumimoji="1" lang="ja-JP" altLang="en-US" sz="4400"/>
+            <a:pPr marL="571500" indent="-571500">
+              <a:buFont typeface="Arial" panose="020B0604020202020204" pitchFamily="34" charset="0"/>
+              <a:buChar char="•"/>
+            </a:pPr>
+            <a:r>
+              <a:rPr lang="ja-JP" altLang="en-US" sz="4800"/>
+              <a:t>地方の魅力を適切に伝えるのは困難</a:t>
+            </a:r>
+            <a:endParaRPr kumimoji="1" lang="en-US" altLang="ja-JP" sz="4800" dirty="0"/>
+          </a:p>
+          <a:p>
+            <a:pPr marL="571500" indent="-571500">
+              <a:buFont typeface="Arial" panose="020B0604020202020204" pitchFamily="34" charset="0"/>
+              <a:buChar char="•"/>
+            </a:pPr>
+            <a:r>
+              <a:rPr kumimoji="1" lang="ja-JP" altLang="en-US" sz="4800"/>
               <a:t>訪日客のほとんどが黄金ルートと呼ばれる東京・大阪・京都に宿泊</a:t>
-            </a:r>
-          </a:p>
-        </p:txBody>
-      </p:sp>
-      <p:sp>
-        <p:nvSpPr>
-          <p:cNvPr id="19" name="テキスト ボックス 18">
-            <a:extLst>
-              <a:ext uri="{FF2B5EF4-FFF2-40B4-BE49-F238E27FC236}">
-                <a16:creationId xmlns:a16="http://schemas.microsoft.com/office/drawing/2014/main" id="{17EE6499-A060-934E-AAD1-175AC89C8D94}"/>
-              </a:ext>
-            </a:extLst>
-          </p:cNvPr>
-          <p:cNvSpPr txBox="1"/>
-          <p:nvPr/>
-        </p:nvSpPr>
-        <p:spPr>
-          <a:xfrm>
-            <a:off x="1981199" y="11291066"/>
-            <a:ext cx="7952153" cy="1446550"/>
-          </a:xfrm>
-          <a:prstGeom prst="rect">
-            <a:avLst/>
-          </a:prstGeom>
-          <a:noFill/>
-        </p:spPr>
-        <p:txBody>
-          <a:bodyPr wrap="square" rtlCol="0">
-            <a:spAutoFit/>
-          </a:bodyPr>
-          <a:lstStyle/>
-          <a:p>
-            <a:r>
-              <a:rPr kumimoji="1" lang="ja-JP" altLang="en-US" sz="4400"/>
-              <a:t>地方の魅力を適切に伝えるのは困難</a:t>
             </a:r>
           </a:p>
         </p:txBody>
@@ -4911,8 +4927,8 @@
         </p:nvSpPr>
         <p:spPr>
           <a:xfrm>
-            <a:off x="20075092" y="11710254"/>
-            <a:ext cx="3927908" cy="3046988"/>
+            <a:off x="20013359" y="12166557"/>
+            <a:ext cx="3927908" cy="2308324"/>
           </a:xfrm>
           <a:prstGeom prst="rect">
             <a:avLst/>
@@ -4934,10 +4950,10 @@
           </a:p>
           <a:p>
             <a:pPr algn="ctr"/>
-            <a:endParaRPr lang="en-US" altLang="ja-JP" sz="4800" dirty="0"/>
-          </a:p>
-          <a:p>
-            <a:pPr algn="ctr"/>
+            <a:r>
+              <a:rPr lang="ja-JP" altLang="en-US" sz="4800"/>
+              <a:t>＋</a:t>
+            </a:r>
             <a:endParaRPr lang="en-US" altLang="ja-JP" sz="4800" dirty="0"/>
           </a:p>
           <a:p>
@@ -4951,10 +4967,10 @@
       </p:sp>
       <p:sp>
         <p:nvSpPr>
-          <p:cNvPr id="26" name="加算記号 25">
+          <p:cNvPr id="27" name="右矢印 26">
             <a:extLst>
               <a:ext uri="{FF2B5EF4-FFF2-40B4-BE49-F238E27FC236}">
-                <a16:creationId xmlns:a16="http://schemas.microsoft.com/office/drawing/2014/main" id="{06541863-BCE3-334D-B6C7-29EAA2E3698E}"/>
+                <a16:creationId xmlns:a16="http://schemas.microsoft.com/office/drawing/2014/main" id="{C1A68AFA-E2AB-5F4B-AA1A-44D3198B2DF9}"/>
               </a:ext>
             </a:extLst>
           </p:cNvPr>
@@ -4963,10 +4979,10 @@
         </p:nvSpPr>
         <p:spPr>
           <a:xfrm>
-            <a:off x="21375966" y="12566414"/>
-            <a:ext cx="1337867" cy="1199379"/>
-          </a:xfrm>
-          <a:prstGeom prst="mathPlus">
+            <a:off x="23611291" y="12805511"/>
+            <a:ext cx="1150224" cy="810865"/>
+          </a:xfrm>
+          <a:prstGeom prst="rightArrow">
             <a:avLst/>
           </a:prstGeom>
           <a:solidFill>
@@ -5003,40 +5019,81 @@
           <a:lstStyle/>
           <a:p>
             <a:pPr algn="ctr"/>
-            <a:endParaRPr kumimoji="1" lang="ja-JP" altLang="en-US">
-              <a:solidFill>
-                <a:srgbClr val="FF0000"/>
-              </a:solidFill>
-            </a:endParaRPr>
-          </a:p>
-        </p:txBody>
-      </p:sp>
-      <p:sp>
-        <p:nvSpPr>
-          <p:cNvPr id="27" name="右矢印 26">
+            <a:endParaRPr kumimoji="1" lang="ja-JP" altLang="en-US"/>
+          </a:p>
+        </p:txBody>
+      </p:sp>
+      <p:sp>
+        <p:nvSpPr>
+          <p:cNvPr id="28" name="テキスト ボックス 27">
             <a:extLst>
               <a:ext uri="{FF2B5EF4-FFF2-40B4-BE49-F238E27FC236}">
-                <a16:creationId xmlns:a16="http://schemas.microsoft.com/office/drawing/2014/main" id="{C1A68AFA-E2AB-5F4B-AA1A-44D3198B2DF9}"/>
+                <a16:creationId xmlns:a16="http://schemas.microsoft.com/office/drawing/2014/main" id="{CB096CCA-D997-1742-A18B-33591CE5EE80}"/>
               </a:ext>
             </a:extLst>
           </p:cNvPr>
-          <p:cNvSpPr/>
+          <p:cNvSpPr txBox="1"/>
           <p:nvPr/>
         </p:nvSpPr>
         <p:spPr>
           <a:xfrm>
-            <a:off x="23611291" y="12805511"/>
-            <a:ext cx="1150224" cy="810865"/>
-          </a:xfrm>
-          <a:prstGeom prst="rightArrow">
+            <a:off x="24828268" y="12508143"/>
+            <a:ext cx="3877985" cy="1569660"/>
+          </a:xfrm>
+          <a:prstGeom prst="rect">
             <a:avLst/>
           </a:prstGeom>
-          <a:solidFill>
-            <a:srgbClr val="EF0023"/>
-          </a:solidFill>
-          <a:ln>
+          <a:noFill/>
+        </p:spPr>
+        <p:txBody>
+          <a:bodyPr wrap="none" rtlCol="0">
+            <a:spAutoFit/>
+          </a:bodyPr>
+          <a:lstStyle/>
+          <a:p>
+            <a:r>
+              <a:rPr kumimoji="1" lang="ja-JP" altLang="en-US" sz="4800"/>
+              <a:t>多様性のある</a:t>
+            </a:r>
+            <a:endParaRPr kumimoji="1" lang="en-US" altLang="ja-JP" sz="4800" dirty="0"/>
+          </a:p>
+          <a:p>
+            <a:pPr algn="ctr"/>
+            <a:r>
+              <a:rPr kumimoji="1" lang="ja-JP" altLang="en-US" sz="4800"/>
+              <a:t>レコメンド</a:t>
+            </a:r>
+          </a:p>
+        </p:txBody>
+      </p:sp>
+      <p:sp>
+        <p:nvSpPr>
+          <p:cNvPr id="30" name="正方形/長方形 29">
+            <a:extLst>
+              <a:ext uri="{FF2B5EF4-FFF2-40B4-BE49-F238E27FC236}">
+                <a16:creationId xmlns:a16="http://schemas.microsoft.com/office/drawing/2014/main" id="{2775E092-8D0F-0C46-B3D0-4C6AA7AC6713}"/>
+              </a:ext>
+            </a:extLst>
+          </p:cNvPr>
+          <p:cNvSpPr>
+            <a:spLocks/>
+          </p:cNvSpPr>
+          <p:nvPr/>
+        </p:nvSpPr>
+        <p:spPr>
+          <a:xfrm>
+            <a:off x="1296672" y="18606437"/>
+            <a:ext cx="27643017" cy="16649227"/>
+          </a:xfrm>
+          <a:prstGeom prst="rect">
+            <a:avLst/>
+          </a:prstGeom>
+          <a:noFill/>
+          <a:ln w="44450">
             <a:solidFill>
-              <a:srgbClr val="EF0023"/>
+              <a:schemeClr val="accent6">
+                <a:lumMod val="75000"/>
+              </a:schemeClr>
             </a:solidFill>
           </a:ln>
         </p:spPr>
@@ -5061,76 +5118,37 @@
           <a:lstStyle/>
           <a:p>
             <a:pPr algn="ctr"/>
-            <a:endParaRPr kumimoji="1" lang="ja-JP" altLang="en-US"/>
-          </a:p>
-        </p:txBody>
-      </p:sp>
-      <p:sp>
-        <p:nvSpPr>
-          <p:cNvPr id="28" name="テキスト ボックス 27">
+            <a:endParaRPr kumimoji="1" lang="ja-JP" altLang="en-US" sz="11500" b="1"/>
+          </a:p>
+        </p:txBody>
+      </p:sp>
+      <p:sp>
+        <p:nvSpPr>
+          <p:cNvPr id="31" name="正方形/長方形 30">
             <a:extLst>
               <a:ext uri="{FF2B5EF4-FFF2-40B4-BE49-F238E27FC236}">
-                <a16:creationId xmlns:a16="http://schemas.microsoft.com/office/drawing/2014/main" id="{CB096CCA-D997-1742-A18B-33591CE5EE80}"/>
+                <a16:creationId xmlns:a16="http://schemas.microsoft.com/office/drawing/2014/main" id="{79F19AF1-3B1F-A94B-91F8-5661E0DF196B}"/>
               </a:ext>
             </a:extLst>
           </p:cNvPr>
-          <p:cNvSpPr txBox="1"/>
+          <p:cNvSpPr>
+            <a:spLocks/>
+          </p:cNvSpPr>
           <p:nvPr/>
         </p:nvSpPr>
         <p:spPr>
           <a:xfrm>
-            <a:off x="24958896" y="12442829"/>
-            <a:ext cx="3570208" cy="1446550"/>
+            <a:off x="1311028" y="17198378"/>
+            <a:ext cx="27643015" cy="1398979"/>
           </a:xfrm>
           <a:prstGeom prst="rect">
             <a:avLst/>
           </a:prstGeom>
-          <a:noFill/>
-        </p:spPr>
-        <p:txBody>
-          <a:bodyPr wrap="none" rtlCol="0">
-            <a:spAutoFit/>
-          </a:bodyPr>
-          <a:lstStyle/>
-          <a:p>
-            <a:r>
-              <a:rPr kumimoji="1" lang="ja-JP" altLang="en-US" sz="4400"/>
-              <a:t>多様性のある</a:t>
-            </a:r>
-            <a:endParaRPr kumimoji="1" lang="en-US" altLang="ja-JP" sz="4400" dirty="0"/>
-          </a:p>
-          <a:p>
-            <a:pPr algn="ctr"/>
-            <a:r>
-              <a:rPr kumimoji="1" lang="ja-JP" altLang="en-US" sz="4400"/>
-              <a:t>レコメンド</a:t>
-            </a:r>
-          </a:p>
-        </p:txBody>
-      </p:sp>
-      <p:sp>
-        <p:nvSpPr>
-          <p:cNvPr id="30" name="正方形/長方形 29">
-            <a:extLst>
-              <a:ext uri="{FF2B5EF4-FFF2-40B4-BE49-F238E27FC236}">
-                <a16:creationId xmlns:a16="http://schemas.microsoft.com/office/drawing/2014/main" id="{2775E092-8D0F-0C46-B3D0-4C6AA7AC6713}"/>
-              </a:ext>
-            </a:extLst>
-          </p:cNvPr>
-          <p:cNvSpPr>
-            <a:spLocks/>
-          </p:cNvSpPr>
-          <p:nvPr/>
-        </p:nvSpPr>
-        <p:spPr>
-          <a:xfrm>
-            <a:off x="1296672" y="18606437"/>
-            <a:ext cx="27643017" cy="16649227"/>
-          </a:xfrm>
-          <a:prstGeom prst="rect">
-            <a:avLst/>
-          </a:prstGeom>
-          <a:noFill/>
+          <a:solidFill>
+            <a:schemeClr val="accent6">
+              <a:lumMod val="75000"/>
+            </a:schemeClr>
+          </a:solidFill>
           <a:ln w="44450">
             <a:solidFill>
               <a:schemeClr val="accent6">
@@ -5159,17 +5177,24 @@
           <a:bodyPr rtlCol="0" anchor="ctr"/>
           <a:lstStyle/>
           <a:p>
-            <a:pPr algn="ctr"/>
-            <a:endParaRPr kumimoji="1" lang="ja-JP" altLang="en-US" sz="11500" b="1"/>
-          </a:p>
-        </p:txBody>
-      </p:sp>
-      <p:sp>
-        <p:nvSpPr>
-          <p:cNvPr id="31" name="正方形/長方形 30">
+            <a:r>
+              <a:rPr kumimoji="1" lang="en-US" altLang="ja-JP" sz="7200" b="1" dirty="0"/>
+              <a:t>  </a:t>
+            </a:r>
+            <a:r>
+              <a:rPr lang="ja-JP" altLang="en-US" sz="7200" b="1"/>
+              <a:t>システム概要</a:t>
+            </a:r>
+            <a:endParaRPr kumimoji="1" lang="ja-JP" altLang="en-US" sz="7200" b="1"/>
+          </a:p>
+        </p:txBody>
+      </p:sp>
+      <p:sp>
+        <p:nvSpPr>
+          <p:cNvPr id="33" name="正方形/長方形 32">
             <a:extLst>
               <a:ext uri="{FF2B5EF4-FFF2-40B4-BE49-F238E27FC236}">
-                <a16:creationId xmlns:a16="http://schemas.microsoft.com/office/drawing/2014/main" id="{79F19AF1-3B1F-A94B-91F8-5661E0DF196B}"/>
+                <a16:creationId xmlns:a16="http://schemas.microsoft.com/office/drawing/2014/main" id="{F571C9C4-CE23-814C-A3D2-8F9A7B3F68DB}"/>
               </a:ext>
             </a:extLst>
           </p:cNvPr>
@@ -5180,7 +5205,7 @@
         </p:nvSpPr>
         <p:spPr>
           <a:xfrm>
-            <a:off x="1311028" y="17198378"/>
+            <a:off x="1293387" y="35701423"/>
             <a:ext cx="27643015" cy="1398979"/>
           </a:xfrm>
           <a:prstGeom prst="rect">
@@ -5224,19 +5249,18 @@
               <a:t>  </a:t>
             </a:r>
             <a:r>
-              <a:rPr lang="ja-JP" altLang="en-US" sz="7200" b="1"/>
-              <a:t>システム概要</a:t>
-            </a:r>
-            <a:endParaRPr kumimoji="1" lang="ja-JP" altLang="en-US" sz="7200" b="1"/>
-          </a:p>
-        </p:txBody>
-      </p:sp>
-      <p:sp>
-        <p:nvSpPr>
-          <p:cNvPr id="33" name="正方形/長方形 32">
+              <a:rPr kumimoji="1" lang="ja-JP" altLang="en-US" sz="7200" b="1"/>
+              <a:t>今後の予定</a:t>
+            </a:r>
+          </a:p>
+        </p:txBody>
+      </p:sp>
+      <p:sp>
+        <p:nvSpPr>
+          <p:cNvPr id="34" name="正方形/長方形 33">
             <a:extLst>
               <a:ext uri="{FF2B5EF4-FFF2-40B4-BE49-F238E27FC236}">
-                <a16:creationId xmlns:a16="http://schemas.microsoft.com/office/drawing/2014/main" id="{F571C9C4-CE23-814C-A3D2-8F9A7B3F68DB}"/>
+                <a16:creationId xmlns:a16="http://schemas.microsoft.com/office/drawing/2014/main" id="{249E1FBF-DBB1-CA43-949C-4DEF9BC998F4}"/>
               </a:ext>
             </a:extLst>
           </p:cNvPr>
@@ -5247,17 +5271,13 @@
         </p:nvSpPr>
         <p:spPr>
           <a:xfrm>
-            <a:off x="1293387" y="35655703"/>
-            <a:ext cx="27643015" cy="1398979"/>
+            <a:off x="1293385" y="37140875"/>
+            <a:ext cx="27643017" cy="3496257"/>
           </a:xfrm>
           <a:prstGeom prst="rect">
             <a:avLst/>
           </a:prstGeom>
-          <a:solidFill>
-            <a:schemeClr val="accent6">
-              <a:lumMod val="75000"/>
-            </a:schemeClr>
-          </a:solidFill>
+          <a:noFill/>
           <a:ln w="44450">
             <a:solidFill>
               <a:schemeClr val="accent6">
@@ -5286,68 +5306,6 @@
           <a:bodyPr rtlCol="0" anchor="ctr"/>
           <a:lstStyle/>
           <a:p>
-            <a:r>
-              <a:rPr kumimoji="1" lang="en-US" altLang="ja-JP" sz="7200" b="1" dirty="0"/>
-              <a:t>  </a:t>
-            </a:r>
-            <a:r>
-              <a:rPr kumimoji="1" lang="ja-JP" altLang="en-US" sz="7200" b="1"/>
-              <a:t>今後の予定</a:t>
-            </a:r>
-          </a:p>
-        </p:txBody>
-      </p:sp>
-      <p:sp>
-        <p:nvSpPr>
-          <p:cNvPr id="34" name="正方形/長方形 33">
-            <a:extLst>
-              <a:ext uri="{FF2B5EF4-FFF2-40B4-BE49-F238E27FC236}">
-                <a16:creationId xmlns:a16="http://schemas.microsoft.com/office/drawing/2014/main" id="{249E1FBF-DBB1-CA43-949C-4DEF9BC998F4}"/>
-              </a:ext>
-            </a:extLst>
-          </p:cNvPr>
-          <p:cNvSpPr>
-            <a:spLocks/>
-          </p:cNvSpPr>
-          <p:nvPr/>
-        </p:nvSpPr>
-        <p:spPr>
-          <a:xfrm>
-            <a:off x="1293385" y="37095155"/>
-            <a:ext cx="27643017" cy="3496257"/>
-          </a:xfrm>
-          <a:prstGeom prst="rect">
-            <a:avLst/>
-          </a:prstGeom>
-          <a:noFill/>
-          <a:ln w="44450">
-            <a:solidFill>
-              <a:schemeClr val="accent6">
-                <a:lumMod val="75000"/>
-              </a:schemeClr>
-            </a:solidFill>
-          </a:ln>
-        </p:spPr>
-        <p:style>
-          <a:lnRef idx="2">
-            <a:schemeClr val="accent1">
-              <a:shade val="50000"/>
-            </a:schemeClr>
-          </a:lnRef>
-          <a:fillRef idx="1">
-            <a:schemeClr val="accent1"/>
-          </a:fillRef>
-          <a:effectRef idx="0">
-            <a:schemeClr val="accent1"/>
-          </a:effectRef>
-          <a:fontRef idx="minor">
-            <a:schemeClr val="lt1"/>
-          </a:fontRef>
-        </p:style>
-        <p:txBody>
-          <a:bodyPr rtlCol="0" anchor="ctr"/>
-          <a:lstStyle/>
-          <a:p>
             <a:pPr algn="ctr"/>
             <a:endParaRPr kumimoji="1" lang="ja-JP" altLang="en-US" sz="11500" b="1"/>
           </a:p>
@@ -5367,7 +5325,7 @@
         </p:nvSpPr>
         <p:spPr>
           <a:xfrm>
-            <a:off x="1990397" y="37483590"/>
+            <a:off x="1990397" y="37529310"/>
             <a:ext cx="16978519" cy="3046988"/>
           </a:xfrm>
           <a:prstGeom prst="rect">
@@ -6008,12 +5966,12 @@
           <a:prstGeom prst="rect">
             <a:avLst/>
           </a:prstGeom>
-          <a:solidFill>
-            <a:srgbClr val="EF0023"/>
-          </a:solidFill>
+          <a:noFill/>
           <a:ln w="38100">
             <a:solidFill>
-              <a:srgbClr val="EF0023"/>
+              <a:schemeClr val="accent6">
+                <a:lumMod val="75000"/>
+              </a:schemeClr>
             </a:solidFill>
           </a:ln>
         </p:spPr>
@@ -6039,14 +5997,32 @@
           <a:p>
             <a:pPr algn="ctr"/>
             <a:r>
-              <a:rPr lang="en-US" altLang="ja-JP" sz="4800" b="1" dirty="0"/>
+              <a:rPr lang="en-US" altLang="ja-JP" sz="4800" b="1" dirty="0">
+                <a:solidFill>
+                  <a:schemeClr val="accent6">
+                    <a:lumMod val="75000"/>
+                  </a:schemeClr>
+                </a:solidFill>
+              </a:rPr>
               <a:t>①</a:t>
             </a:r>
             <a:r>
-              <a:rPr lang="ja-JP" altLang="en-US" sz="4800" b="1"/>
+              <a:rPr lang="ja-JP" altLang="en-US" sz="4800" b="1">
+                <a:solidFill>
+                  <a:schemeClr val="accent6">
+                    <a:lumMod val="75000"/>
+                  </a:schemeClr>
+                </a:solidFill>
+              </a:rPr>
               <a:t>前処理</a:t>
             </a:r>
-            <a:endParaRPr kumimoji="1" lang="ja-JP" altLang="en-US" sz="4800" b="1"/>
+            <a:endParaRPr kumimoji="1" lang="ja-JP" altLang="en-US" sz="4800" b="1">
+              <a:solidFill>
+                <a:schemeClr val="accent6">
+                  <a:lumMod val="75000"/>
+                </a:schemeClr>
+              </a:solidFill>
+            </a:endParaRPr>
           </a:p>
         </p:txBody>
       </p:sp>
@@ -6064,7 +6040,7 @@
         </p:nvSpPr>
         <p:spPr>
           <a:xfrm>
-            <a:off x="2657725" y="21578122"/>
+            <a:off x="2657725" y="21532402"/>
             <a:ext cx="6279820" cy="4928918"/>
           </a:xfrm>
           <a:prstGeom prst="rect">
@@ -6073,7 +6049,9 @@
           <a:noFill/>
           <a:ln w="38100">
             <a:solidFill>
-              <a:srgbClr val="EF0023"/>
+              <a:schemeClr val="accent6">
+                <a:lumMod val="75000"/>
+              </a:schemeClr>
             </a:solidFill>
           </a:ln>
         </p:spPr>
@@ -6122,12 +6100,12 @@
           <a:prstGeom prst="rect">
             <a:avLst/>
           </a:prstGeom>
-          <a:solidFill>
-            <a:srgbClr val="EF0023"/>
-          </a:solidFill>
+          <a:noFill/>
           <a:ln w="38100">
             <a:solidFill>
-              <a:srgbClr val="EF0023"/>
+              <a:schemeClr val="accent6">
+                <a:lumMod val="75000"/>
+              </a:schemeClr>
             </a:solidFill>
           </a:ln>
         </p:spPr>
@@ -6153,11 +6131,23 @@
           <a:p>
             <a:pPr algn="ctr"/>
             <a:r>
-              <a:rPr kumimoji="1" lang="en-US" altLang="ja-JP" sz="4800" b="1" dirty="0"/>
+              <a:rPr kumimoji="1" lang="en-US" altLang="ja-JP" sz="4800" b="1" dirty="0">
+                <a:solidFill>
+                  <a:schemeClr val="accent6">
+                    <a:lumMod val="75000"/>
+                  </a:schemeClr>
+                </a:solidFill>
+              </a:rPr>
               <a:t>②</a:t>
             </a:r>
             <a:r>
-              <a:rPr kumimoji="1" lang="ja-JP" altLang="en-US" sz="4800" b="1"/>
+              <a:rPr kumimoji="1" lang="ja-JP" altLang="en-US" sz="4800" b="1">
+                <a:solidFill>
+                  <a:schemeClr val="accent6">
+                    <a:lumMod val="75000"/>
+                  </a:schemeClr>
+                </a:solidFill>
+              </a:rPr>
               <a:t>トピックモデルの構築</a:t>
             </a:r>
           </a:p>
@@ -6186,7 +6176,9 @@
           <a:noFill/>
           <a:ln w="38100">
             <a:solidFill>
-              <a:srgbClr val="EF0023"/>
+              <a:schemeClr val="accent6">
+                <a:lumMod val="75000"/>
+              </a:schemeClr>
             </a:solidFill>
           </a:ln>
         </p:spPr>
@@ -6513,12 +6505,12 @@
           <a:prstGeom prst="rect">
             <a:avLst/>
           </a:prstGeom>
-          <a:solidFill>
-            <a:srgbClr val="EF0023"/>
-          </a:solidFill>
+          <a:noFill/>
           <a:ln w="38100">
             <a:solidFill>
-              <a:srgbClr val="EF0023"/>
+              <a:schemeClr val="accent6">
+                <a:lumMod val="75000"/>
+              </a:schemeClr>
             </a:solidFill>
           </a:ln>
         </p:spPr>
@@ -6544,7 +6536,13 @@
           <a:p>
             <a:pPr algn="ctr"/>
             <a:r>
-              <a:rPr kumimoji="1" lang="ja-JP" altLang="en-US" sz="4800" b="1"/>
+              <a:rPr kumimoji="1" lang="ja-JP" altLang="en-US" sz="4800" b="1">
+                <a:solidFill>
+                  <a:schemeClr val="accent6">
+                    <a:lumMod val="75000"/>
+                  </a:schemeClr>
+                </a:solidFill>
+              </a:rPr>
               <a:t>③類似度算出</a:t>
             </a:r>
           </a:p>
@@ -6564,7 +6562,7 @@
         </p:nvSpPr>
         <p:spPr>
           <a:xfrm>
-            <a:off x="21689927" y="21489276"/>
+            <a:off x="21689927" y="21534996"/>
             <a:ext cx="6279820" cy="5015334"/>
           </a:xfrm>
           <a:prstGeom prst="rect">
@@ -6573,7 +6571,9 @@
           <a:noFill/>
           <a:ln w="38100">
             <a:solidFill>
-              <a:srgbClr val="EF0023"/>
+              <a:schemeClr val="accent6">
+                <a:lumMod val="75000"/>
+              </a:schemeClr>
             </a:solidFill>
           </a:ln>
         </p:spPr>

--- a/notebooks/interrim_presentattion_poster.pptx
+++ b/notebooks/interrim_presentattion_poster.pptx
@@ -175,7 +175,7 @@
     </p:extLst>
   </p:cm>
   <p:cm authorId="1" dt="2018-07-17T17:51:08.779" idx="7">
-    <p:pos x="11024" y="21050"/>
+    <p:pos x="7374" y="21398"/>
     <p:text>Webページ関連が見えるようにする</p:text>
     <p:extLst>
       <p:ext uri="{C676402C-5697-4E1C-873F-D02D1690AC5C}">
@@ -4017,32 +4017,280 @@
       </p:grpSpPr>
       <p:sp>
         <p:nvSpPr>
-          <p:cNvPr id="2" name="正方形/長方形 1">
+          <p:cNvPr id="98" name="四角形吹き出し 97">
             <a:extLst>
               <a:ext uri="{FF2B5EF4-FFF2-40B4-BE49-F238E27FC236}">
-                <a16:creationId xmlns:a16="http://schemas.microsoft.com/office/drawing/2014/main" id="{914A04A2-7EB3-0D4F-9417-8FF6D8826C27}"/>
+                <a16:creationId xmlns:a16="http://schemas.microsoft.com/office/drawing/2014/main" id="{294EF5BC-8CDC-2142-8108-9B4BFCF08ECD}"/>
               </a:ext>
             </a:extLst>
           </p:cNvPr>
-          <p:cNvSpPr>
-            <a:spLocks/>
-          </p:cNvSpPr>
+          <p:cNvSpPr/>
           <p:nvPr/>
         </p:nvSpPr>
         <p:spPr>
           <a:xfrm>
-            <a:off x="1316099" y="2958891"/>
-            <a:ext cx="27643015" cy="3821118"/>
-          </a:xfrm>
-          <a:prstGeom prst="rect">
+            <a:off x="18753083" y="32941090"/>
+            <a:ext cx="9770203" cy="3265234"/>
+          </a:xfrm>
+          <a:custGeom>
             <a:avLst/>
-          </a:prstGeom>
+            <a:gdLst>
+              <a:gd name="connsiteX0" fmla="*/ 0 w 9765539"/>
+              <a:gd name="connsiteY0" fmla="*/ 0 h 2843313"/>
+              <a:gd name="connsiteX1" fmla="*/ 1627590 w 9765539"/>
+              <a:gd name="connsiteY1" fmla="*/ 0 h 2843313"/>
+              <a:gd name="connsiteX2" fmla="*/ 3686491 w 9765539"/>
+              <a:gd name="connsiteY2" fmla="*/ -496044 h 2843313"/>
+              <a:gd name="connsiteX3" fmla="*/ 4068975 w 9765539"/>
+              <a:gd name="connsiteY3" fmla="*/ 0 h 2843313"/>
+              <a:gd name="connsiteX4" fmla="*/ 9765539 w 9765539"/>
+              <a:gd name="connsiteY4" fmla="*/ 0 h 2843313"/>
+              <a:gd name="connsiteX5" fmla="*/ 9765539 w 9765539"/>
+              <a:gd name="connsiteY5" fmla="*/ 473886 h 2843313"/>
+              <a:gd name="connsiteX6" fmla="*/ 9765539 w 9765539"/>
+              <a:gd name="connsiteY6" fmla="*/ 473886 h 2843313"/>
+              <a:gd name="connsiteX7" fmla="*/ 9765539 w 9765539"/>
+              <a:gd name="connsiteY7" fmla="*/ 1184714 h 2843313"/>
+              <a:gd name="connsiteX8" fmla="*/ 9765539 w 9765539"/>
+              <a:gd name="connsiteY8" fmla="*/ 2843313 h 2843313"/>
+              <a:gd name="connsiteX9" fmla="*/ 4068975 w 9765539"/>
+              <a:gd name="connsiteY9" fmla="*/ 2843313 h 2843313"/>
+              <a:gd name="connsiteX10" fmla="*/ 1627590 w 9765539"/>
+              <a:gd name="connsiteY10" fmla="*/ 2843313 h 2843313"/>
+              <a:gd name="connsiteX11" fmla="*/ 1627590 w 9765539"/>
+              <a:gd name="connsiteY11" fmla="*/ 2843313 h 2843313"/>
+              <a:gd name="connsiteX12" fmla="*/ 0 w 9765539"/>
+              <a:gd name="connsiteY12" fmla="*/ 2843313 h 2843313"/>
+              <a:gd name="connsiteX13" fmla="*/ 0 w 9765539"/>
+              <a:gd name="connsiteY13" fmla="*/ 1184714 h 2843313"/>
+              <a:gd name="connsiteX14" fmla="*/ 0 w 9765539"/>
+              <a:gd name="connsiteY14" fmla="*/ 473886 h 2843313"/>
+              <a:gd name="connsiteX15" fmla="*/ 0 w 9765539"/>
+              <a:gd name="connsiteY15" fmla="*/ 473886 h 2843313"/>
+              <a:gd name="connsiteX16" fmla="*/ 0 w 9765539"/>
+              <a:gd name="connsiteY16" fmla="*/ 0 h 2843313"/>
+              <a:gd name="connsiteX0" fmla="*/ 0 w 9765539"/>
+              <a:gd name="connsiteY0" fmla="*/ 496044 h 3339357"/>
+              <a:gd name="connsiteX1" fmla="*/ 3202390 w 9765539"/>
+              <a:gd name="connsiteY1" fmla="*/ 496044 h 3339357"/>
+              <a:gd name="connsiteX2" fmla="*/ 3686491 w 9765539"/>
+              <a:gd name="connsiteY2" fmla="*/ 0 h 3339357"/>
+              <a:gd name="connsiteX3" fmla="*/ 4068975 w 9765539"/>
+              <a:gd name="connsiteY3" fmla="*/ 496044 h 3339357"/>
+              <a:gd name="connsiteX4" fmla="*/ 9765539 w 9765539"/>
+              <a:gd name="connsiteY4" fmla="*/ 496044 h 3339357"/>
+              <a:gd name="connsiteX5" fmla="*/ 9765539 w 9765539"/>
+              <a:gd name="connsiteY5" fmla="*/ 969930 h 3339357"/>
+              <a:gd name="connsiteX6" fmla="*/ 9765539 w 9765539"/>
+              <a:gd name="connsiteY6" fmla="*/ 969930 h 3339357"/>
+              <a:gd name="connsiteX7" fmla="*/ 9765539 w 9765539"/>
+              <a:gd name="connsiteY7" fmla="*/ 1680758 h 3339357"/>
+              <a:gd name="connsiteX8" fmla="*/ 9765539 w 9765539"/>
+              <a:gd name="connsiteY8" fmla="*/ 3339357 h 3339357"/>
+              <a:gd name="connsiteX9" fmla="*/ 4068975 w 9765539"/>
+              <a:gd name="connsiteY9" fmla="*/ 3339357 h 3339357"/>
+              <a:gd name="connsiteX10" fmla="*/ 1627590 w 9765539"/>
+              <a:gd name="connsiteY10" fmla="*/ 3339357 h 3339357"/>
+              <a:gd name="connsiteX11" fmla="*/ 1627590 w 9765539"/>
+              <a:gd name="connsiteY11" fmla="*/ 3339357 h 3339357"/>
+              <a:gd name="connsiteX12" fmla="*/ 0 w 9765539"/>
+              <a:gd name="connsiteY12" fmla="*/ 3339357 h 3339357"/>
+              <a:gd name="connsiteX13" fmla="*/ 0 w 9765539"/>
+              <a:gd name="connsiteY13" fmla="*/ 1680758 h 3339357"/>
+              <a:gd name="connsiteX14" fmla="*/ 0 w 9765539"/>
+              <a:gd name="connsiteY14" fmla="*/ 969930 h 3339357"/>
+              <a:gd name="connsiteX15" fmla="*/ 0 w 9765539"/>
+              <a:gd name="connsiteY15" fmla="*/ 969930 h 3339357"/>
+              <a:gd name="connsiteX16" fmla="*/ 0 w 9765539"/>
+              <a:gd name="connsiteY16" fmla="*/ 496044 h 3339357"/>
+              <a:gd name="connsiteX0" fmla="*/ 0 w 9765539"/>
+              <a:gd name="connsiteY0" fmla="*/ 1220990 h 4064303"/>
+              <a:gd name="connsiteX1" fmla="*/ 3202390 w 9765539"/>
+              <a:gd name="connsiteY1" fmla="*/ 1220990 h 4064303"/>
+              <a:gd name="connsiteX2" fmla="*/ 3686491 w 9765539"/>
+              <a:gd name="connsiteY2" fmla="*/ 0 h 4064303"/>
+              <a:gd name="connsiteX3" fmla="*/ 4068975 w 9765539"/>
+              <a:gd name="connsiteY3" fmla="*/ 1220990 h 4064303"/>
+              <a:gd name="connsiteX4" fmla="*/ 9765539 w 9765539"/>
+              <a:gd name="connsiteY4" fmla="*/ 1220990 h 4064303"/>
+              <a:gd name="connsiteX5" fmla="*/ 9765539 w 9765539"/>
+              <a:gd name="connsiteY5" fmla="*/ 1694876 h 4064303"/>
+              <a:gd name="connsiteX6" fmla="*/ 9765539 w 9765539"/>
+              <a:gd name="connsiteY6" fmla="*/ 1694876 h 4064303"/>
+              <a:gd name="connsiteX7" fmla="*/ 9765539 w 9765539"/>
+              <a:gd name="connsiteY7" fmla="*/ 2405704 h 4064303"/>
+              <a:gd name="connsiteX8" fmla="*/ 9765539 w 9765539"/>
+              <a:gd name="connsiteY8" fmla="*/ 4064303 h 4064303"/>
+              <a:gd name="connsiteX9" fmla="*/ 4068975 w 9765539"/>
+              <a:gd name="connsiteY9" fmla="*/ 4064303 h 4064303"/>
+              <a:gd name="connsiteX10" fmla="*/ 1627590 w 9765539"/>
+              <a:gd name="connsiteY10" fmla="*/ 4064303 h 4064303"/>
+              <a:gd name="connsiteX11" fmla="*/ 1627590 w 9765539"/>
+              <a:gd name="connsiteY11" fmla="*/ 4064303 h 4064303"/>
+              <a:gd name="connsiteX12" fmla="*/ 0 w 9765539"/>
+              <a:gd name="connsiteY12" fmla="*/ 4064303 h 4064303"/>
+              <a:gd name="connsiteX13" fmla="*/ 0 w 9765539"/>
+              <a:gd name="connsiteY13" fmla="*/ 2405704 h 4064303"/>
+              <a:gd name="connsiteX14" fmla="*/ 0 w 9765539"/>
+              <a:gd name="connsiteY14" fmla="*/ 1694876 h 4064303"/>
+              <a:gd name="connsiteX15" fmla="*/ 0 w 9765539"/>
+              <a:gd name="connsiteY15" fmla="*/ 1694876 h 4064303"/>
+              <a:gd name="connsiteX16" fmla="*/ 0 w 9765539"/>
+              <a:gd name="connsiteY16" fmla="*/ 1220990 h 4064303"/>
+              <a:gd name="connsiteX0" fmla="*/ 0 w 9765539"/>
+              <a:gd name="connsiteY0" fmla="*/ 1039754 h 3883067"/>
+              <a:gd name="connsiteX1" fmla="*/ 3202390 w 9765539"/>
+              <a:gd name="connsiteY1" fmla="*/ 1039754 h 3883067"/>
+              <a:gd name="connsiteX2" fmla="*/ 3661103 w 9765539"/>
+              <a:gd name="connsiteY2" fmla="*/ 0 h 3883067"/>
+              <a:gd name="connsiteX3" fmla="*/ 4068975 w 9765539"/>
+              <a:gd name="connsiteY3" fmla="*/ 1039754 h 3883067"/>
+              <a:gd name="connsiteX4" fmla="*/ 9765539 w 9765539"/>
+              <a:gd name="connsiteY4" fmla="*/ 1039754 h 3883067"/>
+              <a:gd name="connsiteX5" fmla="*/ 9765539 w 9765539"/>
+              <a:gd name="connsiteY5" fmla="*/ 1513640 h 3883067"/>
+              <a:gd name="connsiteX6" fmla="*/ 9765539 w 9765539"/>
+              <a:gd name="connsiteY6" fmla="*/ 1513640 h 3883067"/>
+              <a:gd name="connsiteX7" fmla="*/ 9765539 w 9765539"/>
+              <a:gd name="connsiteY7" fmla="*/ 2224468 h 3883067"/>
+              <a:gd name="connsiteX8" fmla="*/ 9765539 w 9765539"/>
+              <a:gd name="connsiteY8" fmla="*/ 3883067 h 3883067"/>
+              <a:gd name="connsiteX9" fmla="*/ 4068975 w 9765539"/>
+              <a:gd name="connsiteY9" fmla="*/ 3883067 h 3883067"/>
+              <a:gd name="connsiteX10" fmla="*/ 1627590 w 9765539"/>
+              <a:gd name="connsiteY10" fmla="*/ 3883067 h 3883067"/>
+              <a:gd name="connsiteX11" fmla="*/ 1627590 w 9765539"/>
+              <a:gd name="connsiteY11" fmla="*/ 3883067 h 3883067"/>
+              <a:gd name="connsiteX12" fmla="*/ 0 w 9765539"/>
+              <a:gd name="connsiteY12" fmla="*/ 3883067 h 3883067"/>
+              <a:gd name="connsiteX13" fmla="*/ 0 w 9765539"/>
+              <a:gd name="connsiteY13" fmla="*/ 2224468 h 3883067"/>
+              <a:gd name="connsiteX14" fmla="*/ 0 w 9765539"/>
+              <a:gd name="connsiteY14" fmla="*/ 1513640 h 3883067"/>
+              <a:gd name="connsiteX15" fmla="*/ 0 w 9765539"/>
+              <a:gd name="connsiteY15" fmla="*/ 1513640 h 3883067"/>
+              <a:gd name="connsiteX16" fmla="*/ 0 w 9765539"/>
+              <a:gd name="connsiteY16" fmla="*/ 1039754 h 3883067"/>
+            </a:gdLst>
+            <a:ahLst/>
+            <a:cxnLst>
+              <a:cxn ang="0">
+                <a:pos x="connsiteX0" y="connsiteY0"/>
+              </a:cxn>
+              <a:cxn ang="0">
+                <a:pos x="connsiteX1" y="connsiteY1"/>
+              </a:cxn>
+              <a:cxn ang="0">
+                <a:pos x="connsiteX2" y="connsiteY2"/>
+              </a:cxn>
+              <a:cxn ang="0">
+                <a:pos x="connsiteX3" y="connsiteY3"/>
+              </a:cxn>
+              <a:cxn ang="0">
+                <a:pos x="connsiteX4" y="connsiteY4"/>
+              </a:cxn>
+              <a:cxn ang="0">
+                <a:pos x="connsiteX5" y="connsiteY5"/>
+              </a:cxn>
+              <a:cxn ang="0">
+                <a:pos x="connsiteX6" y="connsiteY6"/>
+              </a:cxn>
+              <a:cxn ang="0">
+                <a:pos x="connsiteX7" y="connsiteY7"/>
+              </a:cxn>
+              <a:cxn ang="0">
+                <a:pos x="connsiteX8" y="connsiteY8"/>
+              </a:cxn>
+              <a:cxn ang="0">
+                <a:pos x="connsiteX9" y="connsiteY9"/>
+              </a:cxn>
+              <a:cxn ang="0">
+                <a:pos x="connsiteX10" y="connsiteY10"/>
+              </a:cxn>
+              <a:cxn ang="0">
+                <a:pos x="connsiteX11" y="connsiteY11"/>
+              </a:cxn>
+              <a:cxn ang="0">
+                <a:pos x="connsiteX12" y="connsiteY12"/>
+              </a:cxn>
+              <a:cxn ang="0">
+                <a:pos x="connsiteX13" y="connsiteY13"/>
+              </a:cxn>
+              <a:cxn ang="0">
+                <a:pos x="connsiteX14" y="connsiteY14"/>
+              </a:cxn>
+              <a:cxn ang="0">
+                <a:pos x="connsiteX15" y="connsiteY15"/>
+              </a:cxn>
+              <a:cxn ang="0">
+                <a:pos x="connsiteX16" y="connsiteY16"/>
+              </a:cxn>
+            </a:cxnLst>
+            <a:rect l="l" t="t" r="r" b="b"/>
+            <a:pathLst>
+              <a:path w="9765539" h="3883067">
+                <a:moveTo>
+                  <a:pt x="0" y="1039754"/>
+                </a:moveTo>
+                <a:lnTo>
+                  <a:pt x="3202390" y="1039754"/>
+                </a:lnTo>
+                <a:lnTo>
+                  <a:pt x="3661103" y="0"/>
+                </a:lnTo>
+                <a:lnTo>
+                  <a:pt x="4068975" y="1039754"/>
+                </a:lnTo>
+                <a:lnTo>
+                  <a:pt x="9765539" y="1039754"/>
+                </a:lnTo>
+                <a:lnTo>
+                  <a:pt x="9765539" y="1513640"/>
+                </a:lnTo>
+                <a:lnTo>
+                  <a:pt x="9765539" y="1513640"/>
+                </a:lnTo>
+                <a:lnTo>
+                  <a:pt x="9765539" y="2224468"/>
+                </a:lnTo>
+                <a:lnTo>
+                  <a:pt x="9765539" y="3883067"/>
+                </a:lnTo>
+                <a:lnTo>
+                  <a:pt x="4068975" y="3883067"/>
+                </a:lnTo>
+                <a:lnTo>
+                  <a:pt x="1627590" y="3883067"/>
+                </a:lnTo>
+                <a:lnTo>
+                  <a:pt x="1627590" y="3883067"/>
+                </a:lnTo>
+                <a:lnTo>
+                  <a:pt x="0" y="3883067"/>
+                </a:lnTo>
+                <a:lnTo>
+                  <a:pt x="0" y="2224468"/>
+                </a:lnTo>
+                <a:lnTo>
+                  <a:pt x="0" y="1513640"/>
+                </a:lnTo>
+                <a:lnTo>
+                  <a:pt x="0" y="1513640"/>
+                </a:lnTo>
+                <a:lnTo>
+                  <a:pt x="0" y="1039754"/>
+                </a:lnTo>
+                <a:close/>
+              </a:path>
+            </a:pathLst>
+          </a:custGeom>
           <a:solidFill>
             <a:schemeClr val="accent6">
-              <a:lumMod val="75000"/>
+              <a:lumMod val="20000"/>
+              <a:lumOff val="80000"/>
             </a:schemeClr>
           </a:solidFill>
-          <a:ln w="44450">
+          <a:ln>
             <a:solidFill>
               <a:schemeClr val="accent6">
                 <a:lumMod val="75000"/>
@@ -4071,125 +4319,252 @@
           <a:lstStyle/>
           <a:p>
             <a:pPr algn="ctr"/>
-            <a:r>
-              <a:rPr lang="ja-JP" altLang="en-US" sz="11500" b="1"/>
-              <a:t>観光レビューを利用した高好感度観光地レコメンデーションシステムの構築</a:t>
-            </a:r>
-            <a:endParaRPr kumimoji="1" lang="ja-JP" altLang="en-US" sz="11500" b="1"/>
-          </a:p>
-        </p:txBody>
-      </p:sp>
-      <p:sp>
-        <p:nvSpPr>
-          <p:cNvPr id="3" name="テキスト ボックス 2">
+            <a:endParaRPr kumimoji="1" lang="ja-JP" altLang="en-US"/>
+          </a:p>
+        </p:txBody>
+      </p:sp>
+      <p:sp>
+        <p:nvSpPr>
+          <p:cNvPr id="78" name="四角形吹き出し 77">
             <a:extLst>
               <a:ext uri="{FF2B5EF4-FFF2-40B4-BE49-F238E27FC236}">
-                <a16:creationId xmlns:a16="http://schemas.microsoft.com/office/drawing/2014/main" id="{200B221A-5ABE-BB47-AD3C-6BC543E03A74}"/>
+                <a16:creationId xmlns:a16="http://schemas.microsoft.com/office/drawing/2014/main" id="{41FDE50F-0E16-0148-9FFF-4DFF81D3533D}"/>
               </a:ext>
             </a:extLst>
           </p:cNvPr>
-          <p:cNvSpPr txBox="1"/>
+          <p:cNvSpPr/>
           <p:nvPr/>
         </p:nvSpPr>
         <p:spPr>
           <a:xfrm>
-            <a:off x="3116527" y="7055941"/>
-            <a:ext cx="24042159" cy="1107996"/>
-          </a:xfrm>
-          <a:prstGeom prst="rect">
+            <a:off x="2150268" y="18327703"/>
+            <a:ext cx="25802583" cy="9020177"/>
+          </a:xfrm>
+          <a:custGeom>
             <a:avLst/>
-          </a:prstGeom>
-          <a:noFill/>
-        </p:spPr>
-        <p:txBody>
-          <a:bodyPr wrap="none" rtlCol="0">
-            <a:spAutoFit/>
-          </a:bodyPr>
-          <a:lstStyle/>
-          <a:p>
-            <a:r>
-              <a:rPr kumimoji="1" lang="en-US" altLang="ja-JP" sz="6600" dirty="0"/>
-              <a:t>18115233 </a:t>
-            </a:r>
-            <a:r>
-              <a:rPr kumimoji="1" lang="ja-JP" altLang="en-US" sz="6600"/>
-              <a:t>社会情報学部</a:t>
-            </a:r>
-            <a:r>
-              <a:rPr kumimoji="1" lang="en-US" altLang="ja-JP" sz="6600" dirty="0"/>
-              <a:t> </a:t>
-            </a:r>
-            <a:r>
-              <a:rPr lang="ja-JP" altLang="en-US" sz="6600"/>
-              <a:t>４</a:t>
-            </a:r>
-            <a:r>
-              <a:rPr kumimoji="1" lang="ja-JP" altLang="en-US" sz="6600"/>
-              <a:t>年Ｅ組</a:t>
-            </a:r>
-            <a:r>
-              <a:rPr kumimoji="1" lang="en-US" altLang="ja-JP" sz="6600" dirty="0"/>
-              <a:t> </a:t>
-            </a:r>
-            <a:r>
-              <a:rPr kumimoji="1" lang="ja-JP" altLang="en-US" sz="6600"/>
-              <a:t>和田</a:t>
-            </a:r>
-            <a:r>
-              <a:rPr kumimoji="1" lang="en-US" altLang="ja-JP" sz="6600" dirty="0"/>
-              <a:t> </a:t>
-            </a:r>
-            <a:r>
-              <a:rPr kumimoji="1" lang="ja-JP" altLang="en-US" sz="6600"/>
-              <a:t>龍樹</a:t>
-            </a:r>
-            <a:r>
-              <a:rPr lang="ja-JP" altLang="en-US" sz="6600" dirty="0"/>
-              <a:t>　</a:t>
-            </a:r>
-            <a:r>
-              <a:rPr kumimoji="1" lang="ja-JP" altLang="en-US" sz="6600"/>
-              <a:t>担当教員：宮治</a:t>
-            </a:r>
-            <a:r>
-              <a:rPr kumimoji="1" lang="en-US" altLang="ja-JP" sz="6600" dirty="0"/>
-              <a:t> </a:t>
-            </a:r>
-            <a:r>
-              <a:rPr kumimoji="1" lang="ja-JP" altLang="en-US" sz="6600"/>
-              <a:t>裕</a:t>
-            </a:r>
-          </a:p>
-        </p:txBody>
-      </p:sp>
-      <p:sp>
-        <p:nvSpPr>
-          <p:cNvPr id="4" name="正方形/長方形 3">
-            <a:extLst>
-              <a:ext uri="{FF2B5EF4-FFF2-40B4-BE49-F238E27FC236}">
-                <a16:creationId xmlns:a16="http://schemas.microsoft.com/office/drawing/2014/main" id="{5BACF97E-75CA-9F4E-A4CE-69AFD8552B25}"/>
-              </a:ext>
-            </a:extLst>
-          </p:cNvPr>
-          <p:cNvSpPr>
-            <a:spLocks/>
-          </p:cNvSpPr>
-          <p:nvPr/>
-        </p:nvSpPr>
-        <p:spPr>
-          <a:xfrm>
-            <a:off x="1336429" y="8316022"/>
-            <a:ext cx="27643015" cy="1398979"/>
-          </a:xfrm>
-          <a:prstGeom prst="rect">
-            <a:avLst/>
-          </a:prstGeom>
+            <a:gdLst>
+              <a:gd name="connsiteX0" fmla="*/ 0 w 25802583"/>
+              <a:gd name="connsiteY0" fmla="*/ 0 h 6594889"/>
+              <a:gd name="connsiteX1" fmla="*/ 15051507 w 25802583"/>
+              <a:gd name="connsiteY1" fmla="*/ 0 h 6594889"/>
+              <a:gd name="connsiteX2" fmla="*/ 15051507 w 25802583"/>
+              <a:gd name="connsiteY2" fmla="*/ 0 h 6594889"/>
+              <a:gd name="connsiteX3" fmla="*/ 21502153 w 25802583"/>
+              <a:gd name="connsiteY3" fmla="*/ 0 h 6594889"/>
+              <a:gd name="connsiteX4" fmla="*/ 25802583 w 25802583"/>
+              <a:gd name="connsiteY4" fmla="*/ 0 h 6594889"/>
+              <a:gd name="connsiteX5" fmla="*/ 25802583 w 25802583"/>
+              <a:gd name="connsiteY5" fmla="*/ 3847019 h 6594889"/>
+              <a:gd name="connsiteX6" fmla="*/ 25802583 w 25802583"/>
+              <a:gd name="connsiteY6" fmla="*/ 3847019 h 6594889"/>
+              <a:gd name="connsiteX7" fmla="*/ 25802583 w 25802583"/>
+              <a:gd name="connsiteY7" fmla="*/ 5495741 h 6594889"/>
+              <a:gd name="connsiteX8" fmla="*/ 25802583 w 25802583"/>
+              <a:gd name="connsiteY8" fmla="*/ 6594889 h 6594889"/>
+              <a:gd name="connsiteX9" fmla="*/ 21502153 w 25802583"/>
+              <a:gd name="connsiteY9" fmla="*/ 6594889 h 6594889"/>
+              <a:gd name="connsiteX10" fmla="*/ 18684166 w 25802583"/>
+              <a:gd name="connsiteY10" fmla="*/ 8974457 h 6594889"/>
+              <a:gd name="connsiteX11" fmla="*/ 15051507 w 25802583"/>
+              <a:gd name="connsiteY11" fmla="*/ 6594889 h 6594889"/>
+              <a:gd name="connsiteX12" fmla="*/ 0 w 25802583"/>
+              <a:gd name="connsiteY12" fmla="*/ 6594889 h 6594889"/>
+              <a:gd name="connsiteX13" fmla="*/ 0 w 25802583"/>
+              <a:gd name="connsiteY13" fmla="*/ 5495741 h 6594889"/>
+              <a:gd name="connsiteX14" fmla="*/ 0 w 25802583"/>
+              <a:gd name="connsiteY14" fmla="*/ 3847019 h 6594889"/>
+              <a:gd name="connsiteX15" fmla="*/ 0 w 25802583"/>
+              <a:gd name="connsiteY15" fmla="*/ 3847019 h 6594889"/>
+              <a:gd name="connsiteX16" fmla="*/ 0 w 25802583"/>
+              <a:gd name="connsiteY16" fmla="*/ 0 h 6594889"/>
+              <a:gd name="connsiteX0" fmla="*/ 0 w 25802583"/>
+              <a:gd name="connsiteY0" fmla="*/ 0 h 8974457"/>
+              <a:gd name="connsiteX1" fmla="*/ 15051507 w 25802583"/>
+              <a:gd name="connsiteY1" fmla="*/ 0 h 8974457"/>
+              <a:gd name="connsiteX2" fmla="*/ 15051507 w 25802583"/>
+              <a:gd name="connsiteY2" fmla="*/ 0 h 8974457"/>
+              <a:gd name="connsiteX3" fmla="*/ 21502153 w 25802583"/>
+              <a:gd name="connsiteY3" fmla="*/ 0 h 8974457"/>
+              <a:gd name="connsiteX4" fmla="*/ 25802583 w 25802583"/>
+              <a:gd name="connsiteY4" fmla="*/ 0 h 8974457"/>
+              <a:gd name="connsiteX5" fmla="*/ 25802583 w 25802583"/>
+              <a:gd name="connsiteY5" fmla="*/ 3847019 h 8974457"/>
+              <a:gd name="connsiteX6" fmla="*/ 25802583 w 25802583"/>
+              <a:gd name="connsiteY6" fmla="*/ 3847019 h 8974457"/>
+              <a:gd name="connsiteX7" fmla="*/ 25802583 w 25802583"/>
+              <a:gd name="connsiteY7" fmla="*/ 5495741 h 8974457"/>
+              <a:gd name="connsiteX8" fmla="*/ 25802583 w 25802583"/>
+              <a:gd name="connsiteY8" fmla="*/ 6594889 h 8974457"/>
+              <a:gd name="connsiteX9" fmla="*/ 21502153 w 25802583"/>
+              <a:gd name="connsiteY9" fmla="*/ 6594889 h 8974457"/>
+              <a:gd name="connsiteX10" fmla="*/ 18684166 w 25802583"/>
+              <a:gd name="connsiteY10" fmla="*/ 8974457 h 8974457"/>
+              <a:gd name="connsiteX11" fmla="*/ 19212027 w 25802583"/>
+              <a:gd name="connsiteY11" fmla="*/ 6594889 h 8974457"/>
+              <a:gd name="connsiteX12" fmla="*/ 0 w 25802583"/>
+              <a:gd name="connsiteY12" fmla="*/ 6594889 h 8974457"/>
+              <a:gd name="connsiteX13" fmla="*/ 0 w 25802583"/>
+              <a:gd name="connsiteY13" fmla="*/ 5495741 h 8974457"/>
+              <a:gd name="connsiteX14" fmla="*/ 0 w 25802583"/>
+              <a:gd name="connsiteY14" fmla="*/ 3847019 h 8974457"/>
+              <a:gd name="connsiteX15" fmla="*/ 0 w 25802583"/>
+              <a:gd name="connsiteY15" fmla="*/ 3847019 h 8974457"/>
+              <a:gd name="connsiteX16" fmla="*/ 0 w 25802583"/>
+              <a:gd name="connsiteY16" fmla="*/ 0 h 8974457"/>
+              <a:gd name="connsiteX0" fmla="*/ 0 w 25802583"/>
+              <a:gd name="connsiteY0" fmla="*/ 0 h 9020177"/>
+              <a:gd name="connsiteX1" fmla="*/ 15051507 w 25802583"/>
+              <a:gd name="connsiteY1" fmla="*/ 0 h 9020177"/>
+              <a:gd name="connsiteX2" fmla="*/ 15051507 w 25802583"/>
+              <a:gd name="connsiteY2" fmla="*/ 0 h 9020177"/>
+              <a:gd name="connsiteX3" fmla="*/ 21502153 w 25802583"/>
+              <a:gd name="connsiteY3" fmla="*/ 0 h 9020177"/>
+              <a:gd name="connsiteX4" fmla="*/ 25802583 w 25802583"/>
+              <a:gd name="connsiteY4" fmla="*/ 0 h 9020177"/>
+              <a:gd name="connsiteX5" fmla="*/ 25802583 w 25802583"/>
+              <a:gd name="connsiteY5" fmla="*/ 3847019 h 9020177"/>
+              <a:gd name="connsiteX6" fmla="*/ 25802583 w 25802583"/>
+              <a:gd name="connsiteY6" fmla="*/ 3847019 h 9020177"/>
+              <a:gd name="connsiteX7" fmla="*/ 25802583 w 25802583"/>
+              <a:gd name="connsiteY7" fmla="*/ 5495741 h 9020177"/>
+              <a:gd name="connsiteX8" fmla="*/ 25802583 w 25802583"/>
+              <a:gd name="connsiteY8" fmla="*/ 6594889 h 9020177"/>
+              <a:gd name="connsiteX9" fmla="*/ 21502153 w 25802583"/>
+              <a:gd name="connsiteY9" fmla="*/ 6594889 h 9020177"/>
+              <a:gd name="connsiteX10" fmla="*/ 20330086 w 25802583"/>
+              <a:gd name="connsiteY10" fmla="*/ 9020177 h 9020177"/>
+              <a:gd name="connsiteX11" fmla="*/ 19212027 w 25802583"/>
+              <a:gd name="connsiteY11" fmla="*/ 6594889 h 9020177"/>
+              <a:gd name="connsiteX12" fmla="*/ 0 w 25802583"/>
+              <a:gd name="connsiteY12" fmla="*/ 6594889 h 9020177"/>
+              <a:gd name="connsiteX13" fmla="*/ 0 w 25802583"/>
+              <a:gd name="connsiteY13" fmla="*/ 5495741 h 9020177"/>
+              <a:gd name="connsiteX14" fmla="*/ 0 w 25802583"/>
+              <a:gd name="connsiteY14" fmla="*/ 3847019 h 9020177"/>
+              <a:gd name="connsiteX15" fmla="*/ 0 w 25802583"/>
+              <a:gd name="connsiteY15" fmla="*/ 3847019 h 9020177"/>
+              <a:gd name="connsiteX16" fmla="*/ 0 w 25802583"/>
+              <a:gd name="connsiteY16" fmla="*/ 0 h 9020177"/>
+            </a:gdLst>
+            <a:ahLst/>
+            <a:cxnLst>
+              <a:cxn ang="0">
+                <a:pos x="connsiteX0" y="connsiteY0"/>
+              </a:cxn>
+              <a:cxn ang="0">
+                <a:pos x="connsiteX1" y="connsiteY1"/>
+              </a:cxn>
+              <a:cxn ang="0">
+                <a:pos x="connsiteX2" y="connsiteY2"/>
+              </a:cxn>
+              <a:cxn ang="0">
+                <a:pos x="connsiteX3" y="connsiteY3"/>
+              </a:cxn>
+              <a:cxn ang="0">
+                <a:pos x="connsiteX4" y="connsiteY4"/>
+              </a:cxn>
+              <a:cxn ang="0">
+                <a:pos x="connsiteX5" y="connsiteY5"/>
+              </a:cxn>
+              <a:cxn ang="0">
+                <a:pos x="connsiteX6" y="connsiteY6"/>
+              </a:cxn>
+              <a:cxn ang="0">
+                <a:pos x="connsiteX7" y="connsiteY7"/>
+              </a:cxn>
+              <a:cxn ang="0">
+                <a:pos x="connsiteX8" y="connsiteY8"/>
+              </a:cxn>
+              <a:cxn ang="0">
+                <a:pos x="connsiteX9" y="connsiteY9"/>
+              </a:cxn>
+              <a:cxn ang="0">
+                <a:pos x="connsiteX10" y="connsiteY10"/>
+              </a:cxn>
+              <a:cxn ang="0">
+                <a:pos x="connsiteX11" y="connsiteY11"/>
+              </a:cxn>
+              <a:cxn ang="0">
+                <a:pos x="connsiteX12" y="connsiteY12"/>
+              </a:cxn>
+              <a:cxn ang="0">
+                <a:pos x="connsiteX13" y="connsiteY13"/>
+              </a:cxn>
+              <a:cxn ang="0">
+                <a:pos x="connsiteX14" y="connsiteY14"/>
+              </a:cxn>
+              <a:cxn ang="0">
+                <a:pos x="connsiteX15" y="connsiteY15"/>
+              </a:cxn>
+              <a:cxn ang="0">
+                <a:pos x="connsiteX16" y="connsiteY16"/>
+              </a:cxn>
+            </a:cxnLst>
+            <a:rect l="l" t="t" r="r" b="b"/>
+            <a:pathLst>
+              <a:path w="25802583" h="9020177">
+                <a:moveTo>
+                  <a:pt x="0" y="0"/>
+                </a:moveTo>
+                <a:lnTo>
+                  <a:pt x="15051507" y="0"/>
+                </a:lnTo>
+                <a:lnTo>
+                  <a:pt x="15051507" y="0"/>
+                </a:lnTo>
+                <a:lnTo>
+                  <a:pt x="21502153" y="0"/>
+                </a:lnTo>
+                <a:lnTo>
+                  <a:pt x="25802583" y="0"/>
+                </a:lnTo>
+                <a:lnTo>
+                  <a:pt x="25802583" y="3847019"/>
+                </a:lnTo>
+                <a:lnTo>
+                  <a:pt x="25802583" y="3847019"/>
+                </a:lnTo>
+                <a:lnTo>
+                  <a:pt x="25802583" y="5495741"/>
+                </a:lnTo>
+                <a:lnTo>
+                  <a:pt x="25802583" y="6594889"/>
+                </a:lnTo>
+                <a:lnTo>
+                  <a:pt x="21502153" y="6594889"/>
+                </a:lnTo>
+                <a:lnTo>
+                  <a:pt x="20330086" y="9020177"/>
+                </a:lnTo>
+                <a:lnTo>
+                  <a:pt x="19212027" y="6594889"/>
+                </a:lnTo>
+                <a:lnTo>
+                  <a:pt x="0" y="6594889"/>
+                </a:lnTo>
+                <a:lnTo>
+                  <a:pt x="0" y="5495741"/>
+                </a:lnTo>
+                <a:lnTo>
+                  <a:pt x="0" y="3847019"/>
+                </a:lnTo>
+                <a:lnTo>
+                  <a:pt x="0" y="3847019"/>
+                </a:lnTo>
+                <a:lnTo>
+                  <a:pt x="0" y="0"/>
+                </a:lnTo>
+                <a:close/>
+              </a:path>
+            </a:pathLst>
+          </a:custGeom>
           <a:solidFill>
             <a:schemeClr val="accent6">
-              <a:lumMod val="75000"/>
+              <a:lumMod val="20000"/>
+              <a:lumOff val="80000"/>
             </a:schemeClr>
           </a:solidFill>
-          <a:ln w="44450">
+          <a:ln>
             <a:solidFill>
               <a:schemeClr val="accent6">
                 <a:lumMod val="75000"/>
@@ -4217,23 +4592,17 @@
           <a:bodyPr rtlCol="0" anchor="ctr"/>
           <a:lstStyle/>
           <a:p>
-            <a:r>
-              <a:rPr kumimoji="1" lang="en-US" altLang="ja-JP" sz="7200" b="1" dirty="0"/>
-              <a:t>  </a:t>
-            </a:r>
-            <a:r>
-              <a:rPr kumimoji="1" lang="ja-JP" altLang="en-US" sz="7200" b="1"/>
-              <a:t>背景・目的</a:t>
-            </a:r>
-          </a:p>
-        </p:txBody>
-      </p:sp>
-      <p:sp>
-        <p:nvSpPr>
-          <p:cNvPr id="5" name="正方形/長方形 4">
+            <a:pPr algn="ctr"/>
+            <a:endParaRPr kumimoji="1" lang="ja-JP" altLang="en-US"/>
+          </a:p>
+        </p:txBody>
+      </p:sp>
+      <p:sp>
+        <p:nvSpPr>
+          <p:cNvPr id="2" name="正方形/長方形 1">
             <a:extLst>
               <a:ext uri="{FF2B5EF4-FFF2-40B4-BE49-F238E27FC236}">
-                <a16:creationId xmlns:a16="http://schemas.microsoft.com/office/drawing/2014/main" id="{C486BC48-6D8F-FB46-9275-EA9D7F6852A0}"/>
+                <a16:creationId xmlns:a16="http://schemas.microsoft.com/office/drawing/2014/main" id="{914A04A2-7EB3-0D4F-9417-8FF6D8826C27}"/>
               </a:ext>
             </a:extLst>
           </p:cNvPr>
@@ -4244,13 +4613,17 @@
         </p:nvSpPr>
         <p:spPr>
           <a:xfrm>
-            <a:off x="1336429" y="9595729"/>
-            <a:ext cx="27643017" cy="7196973"/>
+            <a:off x="1316099" y="825291"/>
+            <a:ext cx="27643015" cy="3821118"/>
           </a:xfrm>
           <a:prstGeom prst="rect">
             <a:avLst/>
           </a:prstGeom>
-          <a:noFill/>
+          <a:solidFill>
+            <a:schemeClr val="accent6">
+              <a:lumMod val="75000"/>
+            </a:schemeClr>
+          </a:solidFill>
           <a:ln w="44450">
             <a:solidFill>
               <a:schemeClr val="accent6">
@@ -4280,32 +4653,133 @@
           <a:lstStyle/>
           <a:p>
             <a:pPr algn="ctr"/>
-            <a:endParaRPr kumimoji="1" lang="ja-JP" altLang="en-US" sz="11500" b="1"/>
-          </a:p>
-        </p:txBody>
-      </p:sp>
-      <p:sp>
-        <p:nvSpPr>
-          <p:cNvPr id="7" name="正方形/長方形 6">
+            <a:r>
+              <a:rPr lang="ja-JP" altLang="en-US" sz="9600" b="1"/>
+              <a:t>観光レビューを利用した高好感度観光地</a:t>
+            </a:r>
+            <a:endParaRPr lang="en-US" altLang="ja-JP" sz="9600" b="1" dirty="0"/>
+          </a:p>
+          <a:p>
+            <a:pPr algn="ctr"/>
+            <a:r>
+              <a:rPr lang="ja-JP" altLang="en-US" sz="9600" b="1"/>
+              <a:t>レコメンデーションシステムの構築</a:t>
+            </a:r>
+            <a:endParaRPr kumimoji="1" lang="ja-JP" altLang="en-US" sz="9600" b="1"/>
+          </a:p>
+        </p:txBody>
+      </p:sp>
+      <p:sp>
+        <p:nvSpPr>
+          <p:cNvPr id="3" name="テキスト ボックス 2">
             <a:extLst>
               <a:ext uri="{FF2B5EF4-FFF2-40B4-BE49-F238E27FC236}">
-                <a16:creationId xmlns:a16="http://schemas.microsoft.com/office/drawing/2014/main" id="{F03F8124-AF3B-DF47-B0FB-7111A8917CAF}"/>
+                <a16:creationId xmlns:a16="http://schemas.microsoft.com/office/drawing/2014/main" id="{200B221A-5ABE-BB47-AD3C-6BC543E03A74}"/>
               </a:ext>
             </a:extLst>
           </p:cNvPr>
-          <p:cNvSpPr/>
+          <p:cNvSpPr txBox="1"/>
           <p:nvPr/>
         </p:nvSpPr>
         <p:spPr>
           <a:xfrm>
-            <a:off x="1679040" y="10024553"/>
-            <a:ext cx="8748000" cy="1038604"/>
+            <a:off x="3116527" y="4922341"/>
+            <a:ext cx="24042159" cy="1107996"/>
           </a:xfrm>
           <a:prstGeom prst="rect">
             <a:avLst/>
           </a:prstGeom>
           <a:noFill/>
-          <a:ln w="38100">
+        </p:spPr>
+        <p:txBody>
+          <a:bodyPr wrap="none" rtlCol="0">
+            <a:spAutoFit/>
+          </a:bodyPr>
+          <a:lstStyle/>
+          <a:p>
+            <a:r>
+              <a:rPr kumimoji="1" lang="en-US" altLang="ja-JP" sz="6600" dirty="0"/>
+              <a:t>18115233 </a:t>
+            </a:r>
+            <a:r>
+              <a:rPr kumimoji="1" lang="ja-JP" altLang="en-US" sz="6600"/>
+              <a:t>社会情報学部</a:t>
+            </a:r>
+            <a:r>
+              <a:rPr kumimoji="1" lang="en-US" altLang="ja-JP" sz="6600" dirty="0"/>
+              <a:t> </a:t>
+            </a:r>
+            <a:r>
+              <a:rPr lang="ja-JP" altLang="en-US" sz="6600"/>
+              <a:t>４</a:t>
+            </a:r>
+            <a:r>
+              <a:rPr kumimoji="1" lang="ja-JP" altLang="en-US" sz="6600"/>
+              <a:t>年Ｅ組</a:t>
+            </a:r>
+            <a:r>
+              <a:rPr kumimoji="1" lang="en-US" altLang="ja-JP" sz="6600" dirty="0"/>
+              <a:t> </a:t>
+            </a:r>
+            <a:r>
+              <a:rPr kumimoji="1" lang="ja-JP" altLang="en-US" sz="6600"/>
+              <a:t>和田</a:t>
+            </a:r>
+            <a:r>
+              <a:rPr kumimoji="1" lang="en-US" altLang="ja-JP" sz="6600" dirty="0"/>
+              <a:t> </a:t>
+            </a:r>
+            <a:r>
+              <a:rPr kumimoji="1" lang="ja-JP" altLang="en-US" sz="6600"/>
+              <a:t>龍樹</a:t>
+            </a:r>
+            <a:r>
+              <a:rPr lang="ja-JP" altLang="en-US" sz="6600" dirty="0"/>
+              <a:t>　</a:t>
+            </a:r>
+            <a:r>
+              <a:rPr kumimoji="1" lang="ja-JP" altLang="en-US" sz="6600"/>
+              <a:t>担当教員：宮治</a:t>
+            </a:r>
+            <a:r>
+              <a:rPr kumimoji="1" lang="en-US" altLang="ja-JP" sz="6600" dirty="0"/>
+              <a:t> </a:t>
+            </a:r>
+            <a:r>
+              <a:rPr kumimoji="1" lang="ja-JP" altLang="en-US" sz="6600"/>
+              <a:t>裕</a:t>
+            </a:r>
+          </a:p>
+        </p:txBody>
+      </p:sp>
+      <p:sp>
+        <p:nvSpPr>
+          <p:cNvPr id="4" name="正方形/長方形 3">
+            <a:extLst>
+              <a:ext uri="{FF2B5EF4-FFF2-40B4-BE49-F238E27FC236}">
+                <a16:creationId xmlns:a16="http://schemas.microsoft.com/office/drawing/2014/main" id="{5BACF97E-75CA-9F4E-A4CE-69AFD8552B25}"/>
+              </a:ext>
+            </a:extLst>
+          </p:cNvPr>
+          <p:cNvSpPr>
+            <a:spLocks/>
+          </p:cNvSpPr>
+          <p:nvPr/>
+        </p:nvSpPr>
+        <p:spPr>
+          <a:xfrm>
+            <a:off x="1336429" y="6182422"/>
+            <a:ext cx="27643015" cy="1398979"/>
+          </a:xfrm>
+          <a:prstGeom prst="rect">
+            <a:avLst/>
+          </a:prstGeom>
+          <a:solidFill>
+            <a:schemeClr val="accent6">
+              <a:lumMod val="75000"/>
+            </a:schemeClr>
+          </a:solidFill>
+          <a:ln w="44450">
             <a:solidFill>
               <a:schemeClr val="accent6">
                 <a:lumMod val="75000"/>
@@ -4333,42 +4807,41 @@
           <a:bodyPr rtlCol="0" anchor="ctr"/>
           <a:lstStyle/>
           <a:p>
-            <a:pPr algn="ctr"/>
-            <a:r>
-              <a:rPr kumimoji="1" lang="ja-JP" altLang="en-US" sz="4800" b="1">
-                <a:solidFill>
-                  <a:schemeClr val="accent6">
-                    <a:lumMod val="75000"/>
-                  </a:schemeClr>
-                </a:solidFill>
-              </a:rPr>
-              <a:t>背景</a:t>
-            </a:r>
-          </a:p>
-        </p:txBody>
-      </p:sp>
-      <p:sp>
-        <p:nvSpPr>
-          <p:cNvPr id="12" name="正方形/長方形 11">
+            <a:r>
+              <a:rPr kumimoji="1" lang="en-US" altLang="ja-JP" sz="7200" b="1" dirty="0"/>
+              <a:t>  </a:t>
+            </a:r>
+            <a:r>
+              <a:rPr kumimoji="1" lang="ja-JP" altLang="en-US" sz="7200" b="1"/>
+              <a:t>背景・目的</a:t>
+            </a:r>
+          </a:p>
+        </p:txBody>
+      </p:sp>
+      <p:sp>
+        <p:nvSpPr>
+          <p:cNvPr id="5" name="正方形/長方形 4">
             <a:extLst>
               <a:ext uri="{FF2B5EF4-FFF2-40B4-BE49-F238E27FC236}">
-                <a16:creationId xmlns:a16="http://schemas.microsoft.com/office/drawing/2014/main" id="{A2447F28-9897-B947-A82C-F35701B55F9F}"/>
+                <a16:creationId xmlns:a16="http://schemas.microsoft.com/office/drawing/2014/main" id="{C486BC48-6D8F-FB46-9275-EA9D7F6852A0}"/>
               </a:ext>
             </a:extLst>
           </p:cNvPr>
-          <p:cNvSpPr/>
+          <p:cNvSpPr>
+            <a:spLocks/>
+          </p:cNvSpPr>
           <p:nvPr/>
         </p:nvSpPr>
         <p:spPr>
           <a:xfrm>
-            <a:off x="10763606" y="10024553"/>
-            <a:ext cx="8748000" cy="1038604"/>
+            <a:off x="1336429" y="7462129"/>
+            <a:ext cx="27643017" cy="7296603"/>
           </a:xfrm>
           <a:prstGeom prst="rect">
             <a:avLst/>
           </a:prstGeom>
           <a:noFill/>
-          <a:ln w="38100">
+          <a:ln w="44450">
             <a:solidFill>
               <a:schemeClr val="accent6">
                 <a:lumMod val="75000"/>
@@ -4397,35 +4870,16 @@
           <a:lstStyle/>
           <a:p>
             <a:pPr algn="ctr"/>
-            <a:r>
-              <a:rPr lang="ja-JP" altLang="en-US" sz="4800" b="1">
-                <a:solidFill>
-                  <a:schemeClr val="accent6">
-                    <a:lumMod val="75000"/>
-                  </a:schemeClr>
-                </a:solidFill>
-              </a:rPr>
-              <a:t>レ</a:t>
-            </a:r>
-            <a:r>
-              <a:rPr kumimoji="1" lang="ja-JP" altLang="en-US" sz="4800" b="1">
-                <a:solidFill>
-                  <a:schemeClr val="accent6">
-                    <a:lumMod val="75000"/>
-                  </a:schemeClr>
-                </a:solidFill>
-              </a:rPr>
-              <a:t>コメンドの現状</a:t>
-            </a:r>
-          </a:p>
-        </p:txBody>
-      </p:sp>
-      <p:sp>
-        <p:nvSpPr>
-          <p:cNvPr id="13" name="正方形/長方形 12">
+            <a:endParaRPr kumimoji="1" lang="ja-JP" altLang="en-US" sz="11500" b="1"/>
+          </a:p>
+        </p:txBody>
+      </p:sp>
+      <p:sp>
+        <p:nvSpPr>
+          <p:cNvPr id="7" name="正方形/長方形 6">
             <a:extLst>
               <a:ext uri="{FF2B5EF4-FFF2-40B4-BE49-F238E27FC236}">
-                <a16:creationId xmlns:a16="http://schemas.microsoft.com/office/drawing/2014/main" id="{13441FB1-F2D4-AC48-943A-544F778B0D8D}"/>
+                <a16:creationId xmlns:a16="http://schemas.microsoft.com/office/drawing/2014/main" id="{F03F8124-AF3B-DF47-B0FB-7111A8917CAF}"/>
               </a:ext>
             </a:extLst>
           </p:cNvPr>
@@ -4434,7 +4888,7 @@
         </p:nvSpPr>
         <p:spPr>
           <a:xfrm>
-            <a:off x="19927686" y="10032951"/>
+            <a:off x="1679040" y="7890953"/>
             <a:ext cx="8748000" cy="1038604"/>
           </a:xfrm>
           <a:prstGeom prst="rect">
@@ -4471,31 +4925,24 @@
           <a:p>
             <a:pPr algn="ctr"/>
             <a:r>
-              <a:rPr lang="ja-JP" altLang="en-US" sz="4800" b="1">
+              <a:rPr kumimoji="1" lang="ja-JP" altLang="en-US" sz="4800" b="1">
                 <a:solidFill>
                   <a:schemeClr val="accent6">
                     <a:lumMod val="75000"/>
                   </a:schemeClr>
                 </a:solidFill>
               </a:rPr>
-              <a:t>レビューを利用したレコメンド</a:t>
-            </a:r>
-            <a:endParaRPr kumimoji="1" lang="ja-JP" altLang="en-US" sz="4800" b="1">
-              <a:solidFill>
-                <a:schemeClr val="accent6">
-                  <a:lumMod val="75000"/>
-                </a:schemeClr>
-              </a:solidFill>
-            </a:endParaRPr>
-          </a:p>
-        </p:txBody>
-      </p:sp>
-      <p:sp>
-        <p:nvSpPr>
-          <p:cNvPr id="14" name="正方形/長方形 13">
+              <a:t>背景</a:t>
+            </a:r>
+          </a:p>
+        </p:txBody>
+      </p:sp>
+      <p:sp>
+        <p:nvSpPr>
+          <p:cNvPr id="12" name="正方形/長方形 11">
             <a:extLst>
               <a:ext uri="{FF2B5EF4-FFF2-40B4-BE49-F238E27FC236}">
-                <a16:creationId xmlns:a16="http://schemas.microsoft.com/office/drawing/2014/main" id="{8540EC16-A732-E042-B367-F88C8FE3FEB3}"/>
+                <a16:creationId xmlns:a16="http://schemas.microsoft.com/office/drawing/2014/main" id="{A2447F28-9897-B947-A82C-F35701B55F9F}"/>
               </a:ext>
             </a:extLst>
           </p:cNvPr>
@@ -4504,8 +4951,8 @@
         </p:nvSpPr>
         <p:spPr>
           <a:xfrm>
-            <a:off x="1686507" y="11063157"/>
-            <a:ext cx="8748000" cy="4332785"/>
+            <a:off x="10763606" y="7890953"/>
+            <a:ext cx="8748000" cy="1038604"/>
           </a:xfrm>
           <a:prstGeom prst="rect">
             <a:avLst/>
@@ -4540,16 +4987,35 @@
           <a:lstStyle/>
           <a:p>
             <a:pPr algn="ctr"/>
-            <a:endParaRPr kumimoji="1" lang="ja-JP" altLang="en-US"/>
-          </a:p>
-        </p:txBody>
-      </p:sp>
-      <p:sp>
-        <p:nvSpPr>
-          <p:cNvPr id="15" name="正方形/長方形 14">
+            <a:r>
+              <a:rPr lang="ja-JP" altLang="en-US" sz="4800" b="1">
+                <a:solidFill>
+                  <a:schemeClr val="accent6">
+                    <a:lumMod val="75000"/>
+                  </a:schemeClr>
+                </a:solidFill>
+              </a:rPr>
+              <a:t>レ</a:t>
+            </a:r>
+            <a:r>
+              <a:rPr kumimoji="1" lang="ja-JP" altLang="en-US" sz="4800" b="1">
+                <a:solidFill>
+                  <a:schemeClr val="accent6">
+                    <a:lumMod val="75000"/>
+                  </a:schemeClr>
+                </a:solidFill>
+              </a:rPr>
+              <a:t>コメンドの現状</a:t>
+            </a:r>
+          </a:p>
+        </p:txBody>
+      </p:sp>
+      <p:sp>
+        <p:nvSpPr>
+          <p:cNvPr id="13" name="正方形/長方形 12">
             <a:extLst>
               <a:ext uri="{FF2B5EF4-FFF2-40B4-BE49-F238E27FC236}">
-                <a16:creationId xmlns:a16="http://schemas.microsoft.com/office/drawing/2014/main" id="{A574993B-6957-7E44-9D04-C5F4627315B8}"/>
+                <a16:creationId xmlns:a16="http://schemas.microsoft.com/office/drawing/2014/main" id="{13441FB1-F2D4-AC48-943A-544F778B0D8D}"/>
               </a:ext>
             </a:extLst>
           </p:cNvPr>
@@ -4558,8 +5024,8 @@
         </p:nvSpPr>
         <p:spPr>
           <a:xfrm>
-            <a:off x="10758536" y="11063157"/>
-            <a:ext cx="8748000" cy="4332786"/>
+            <a:off x="19927686" y="7899351"/>
+            <a:ext cx="8748000" cy="1038604"/>
           </a:xfrm>
           <a:prstGeom prst="rect">
             <a:avLst/>
@@ -4594,16 +5060,32 @@
           <a:lstStyle/>
           <a:p>
             <a:pPr algn="ctr"/>
-            <a:endParaRPr kumimoji="1" lang="ja-JP" altLang="en-US"/>
-          </a:p>
-        </p:txBody>
-      </p:sp>
-      <p:sp>
-        <p:nvSpPr>
-          <p:cNvPr id="16" name="正方形/長方形 15">
+            <a:r>
+              <a:rPr lang="ja-JP" altLang="en-US" sz="4800" b="1">
+                <a:solidFill>
+                  <a:schemeClr val="accent6">
+                    <a:lumMod val="75000"/>
+                  </a:schemeClr>
+                </a:solidFill>
+              </a:rPr>
+              <a:t>レビューを利用したレコメンド</a:t>
+            </a:r>
+            <a:endParaRPr kumimoji="1" lang="ja-JP" altLang="en-US" sz="4800" b="1">
+              <a:solidFill>
+                <a:schemeClr val="accent6">
+                  <a:lumMod val="75000"/>
+                </a:schemeClr>
+              </a:solidFill>
+            </a:endParaRPr>
+          </a:p>
+        </p:txBody>
+      </p:sp>
+      <p:sp>
+        <p:nvSpPr>
+          <p:cNvPr id="14" name="正方形/長方形 13">
             <a:extLst>
               <a:ext uri="{FF2B5EF4-FFF2-40B4-BE49-F238E27FC236}">
-                <a16:creationId xmlns:a16="http://schemas.microsoft.com/office/drawing/2014/main" id="{23FBFBB7-15B7-984E-BA1E-4C56F3A5EB83}"/>
+                <a16:creationId xmlns:a16="http://schemas.microsoft.com/office/drawing/2014/main" id="{8540EC16-A732-E042-B367-F88C8FE3FEB3}"/>
               </a:ext>
             </a:extLst>
           </p:cNvPr>
@@ -4612,8 +5094,8 @@
         </p:nvSpPr>
         <p:spPr>
           <a:xfrm>
-            <a:off x="19927686" y="11082749"/>
-            <a:ext cx="8748000" cy="4332787"/>
+            <a:off x="1686507" y="8929557"/>
+            <a:ext cx="8748000" cy="4332785"/>
           </a:xfrm>
           <a:prstGeom prst="rect">
             <a:avLst/>
@@ -4654,323 +5136,10 @@
       </p:sp>
       <p:sp>
         <p:nvSpPr>
-          <p:cNvPr id="17" name="テキスト ボックス 16">
+          <p:cNvPr id="15" name="正方形/長方形 14">
             <a:extLst>
               <a:ext uri="{FF2B5EF4-FFF2-40B4-BE49-F238E27FC236}">
-                <a16:creationId xmlns:a16="http://schemas.microsoft.com/office/drawing/2014/main" id="{4D3728AF-35DF-8E4B-9240-1F5333651A8B}"/>
-              </a:ext>
-            </a:extLst>
-          </p:cNvPr>
-          <p:cNvSpPr txBox="1"/>
-          <p:nvPr/>
-        </p:nvSpPr>
-        <p:spPr>
-          <a:xfrm>
-            <a:off x="2046512" y="11365812"/>
-            <a:ext cx="7952153" cy="3785652"/>
-          </a:xfrm>
-          <a:prstGeom prst="rect">
-            <a:avLst/>
-          </a:prstGeom>
-          <a:noFill/>
-        </p:spPr>
-        <p:txBody>
-          <a:bodyPr wrap="square" rtlCol="0">
-            <a:spAutoFit/>
-          </a:bodyPr>
-          <a:lstStyle/>
-          <a:p>
-            <a:pPr marL="571500" indent="-571500">
-              <a:buFont typeface="Arial" panose="020B0604020202020204" pitchFamily="34" charset="0"/>
-              <a:buChar char="•"/>
-            </a:pPr>
-            <a:r>
-              <a:rPr lang="ja-JP" altLang="en-US" sz="4800"/>
-              <a:t>地方の魅力を適切に伝えるのは困難</a:t>
-            </a:r>
-            <a:endParaRPr kumimoji="1" lang="en-US" altLang="ja-JP" sz="4800" dirty="0"/>
-          </a:p>
-          <a:p>
-            <a:pPr marL="571500" indent="-571500">
-              <a:buFont typeface="Arial" panose="020B0604020202020204" pitchFamily="34" charset="0"/>
-              <a:buChar char="•"/>
-            </a:pPr>
-            <a:r>
-              <a:rPr kumimoji="1" lang="ja-JP" altLang="en-US" sz="4800"/>
-              <a:t>訪日客のほとんどが黄金ルートと呼ばれる東京・大阪・京都に宿泊</a:t>
-            </a:r>
-          </a:p>
-        </p:txBody>
-      </p:sp>
-      <p:sp>
-        <p:nvSpPr>
-          <p:cNvPr id="20" name="テキスト ボックス 19">
-            <a:extLst>
-              <a:ext uri="{FF2B5EF4-FFF2-40B4-BE49-F238E27FC236}">
-                <a16:creationId xmlns:a16="http://schemas.microsoft.com/office/drawing/2014/main" id="{F28904FE-C633-F84F-BACC-4E65B21B061B}"/>
-              </a:ext>
-            </a:extLst>
-          </p:cNvPr>
-          <p:cNvSpPr txBox="1"/>
-          <p:nvPr/>
-        </p:nvSpPr>
-        <p:spPr>
-          <a:xfrm>
-            <a:off x="10723586" y="11191431"/>
-            <a:ext cx="8655949" cy="830997"/>
-          </a:xfrm>
-          <a:prstGeom prst="rect">
-            <a:avLst/>
-          </a:prstGeom>
-          <a:noFill/>
-        </p:spPr>
-        <p:txBody>
-          <a:bodyPr wrap="square" rtlCol="0">
-            <a:spAutoFit/>
-          </a:bodyPr>
-          <a:lstStyle/>
-          <a:p>
-            <a:r>
-              <a:rPr kumimoji="1" lang="ja-JP" altLang="en-US" sz="4800"/>
-              <a:t>・コンテンツベース</a:t>
-            </a:r>
-            <a:endParaRPr kumimoji="1" lang="en-US" altLang="ja-JP" sz="4800" dirty="0"/>
-          </a:p>
-        </p:txBody>
-      </p:sp>
-      <p:sp>
-        <p:nvSpPr>
-          <p:cNvPr id="21" name="テキスト ボックス 20">
-            <a:extLst>
-              <a:ext uri="{FF2B5EF4-FFF2-40B4-BE49-F238E27FC236}">
-                <a16:creationId xmlns:a16="http://schemas.microsoft.com/office/drawing/2014/main" id="{1888D7C8-1063-C846-B60A-348E5C81F852}"/>
-              </a:ext>
-            </a:extLst>
-          </p:cNvPr>
-          <p:cNvSpPr txBox="1"/>
-          <p:nvPr/>
-        </p:nvSpPr>
-        <p:spPr>
-          <a:xfrm>
-            <a:off x="10728066" y="12929034"/>
-            <a:ext cx="8655949" cy="830997"/>
-          </a:xfrm>
-          <a:prstGeom prst="rect">
-            <a:avLst/>
-          </a:prstGeom>
-          <a:noFill/>
-        </p:spPr>
-        <p:txBody>
-          <a:bodyPr wrap="square" rtlCol="0">
-            <a:spAutoFit/>
-          </a:bodyPr>
-          <a:lstStyle/>
-          <a:p>
-            <a:r>
-              <a:rPr kumimoji="1" lang="ja-JP" altLang="en-US" sz="4800"/>
-              <a:t>・協調フィルタリング</a:t>
-            </a:r>
-            <a:endParaRPr kumimoji="1" lang="en-US" altLang="ja-JP" sz="4800" dirty="0"/>
-          </a:p>
-        </p:txBody>
-      </p:sp>
-      <p:sp>
-        <p:nvSpPr>
-          <p:cNvPr id="22" name="テキスト ボックス 21">
-            <a:extLst>
-              <a:ext uri="{FF2B5EF4-FFF2-40B4-BE49-F238E27FC236}">
-                <a16:creationId xmlns:a16="http://schemas.microsoft.com/office/drawing/2014/main" id="{E50841C8-B4C7-504D-BA7F-1112A435E6CC}"/>
-              </a:ext>
-            </a:extLst>
-          </p:cNvPr>
-          <p:cNvSpPr txBox="1"/>
-          <p:nvPr/>
-        </p:nvSpPr>
-        <p:spPr>
-          <a:xfrm>
-            <a:off x="11315308" y="13843117"/>
-            <a:ext cx="8271907" cy="1323439"/>
-          </a:xfrm>
-          <a:prstGeom prst="rect">
-            <a:avLst/>
-          </a:prstGeom>
-          <a:noFill/>
-        </p:spPr>
-        <p:txBody>
-          <a:bodyPr wrap="square" rtlCol="0">
-            <a:spAutoFit/>
-          </a:bodyPr>
-          <a:lstStyle/>
-          <a:p>
-            <a:r>
-              <a:rPr lang="ja-JP" altLang="en-US" sz="3600">
-                <a:solidFill>
-                  <a:srgbClr val="FF0000"/>
-                </a:solidFill>
-              </a:rPr>
-              <a:t>履歴</a:t>
-            </a:r>
-            <a:r>
-              <a:rPr lang="ja-JP" altLang="en-US" sz="3600"/>
-              <a:t>を元にしているので、人気のないスポットはレコメンドされにくい</a:t>
-            </a:r>
-            <a:r>
-              <a:rPr lang="ja-JP" altLang="en-US" sz="4400"/>
-              <a:t>　</a:t>
-            </a:r>
-            <a:endParaRPr lang="en-US" altLang="ja-JP" sz="4400" dirty="0"/>
-          </a:p>
-        </p:txBody>
-      </p:sp>
-      <p:sp>
-        <p:nvSpPr>
-          <p:cNvPr id="23" name="テキスト ボックス 22">
-            <a:extLst>
-              <a:ext uri="{FF2B5EF4-FFF2-40B4-BE49-F238E27FC236}">
-                <a16:creationId xmlns:a16="http://schemas.microsoft.com/office/drawing/2014/main" id="{64F10DA5-EB81-7E47-AB96-248AC48090FC}"/>
-              </a:ext>
-            </a:extLst>
-          </p:cNvPr>
-          <p:cNvSpPr txBox="1"/>
-          <p:nvPr/>
-        </p:nvSpPr>
-        <p:spPr>
-          <a:xfrm>
-            <a:off x="11339808" y="11916243"/>
-            <a:ext cx="8271907" cy="769441"/>
-          </a:xfrm>
-          <a:prstGeom prst="rect">
-            <a:avLst/>
-          </a:prstGeom>
-          <a:noFill/>
-        </p:spPr>
-        <p:txBody>
-          <a:bodyPr wrap="square" rtlCol="0">
-            <a:spAutoFit/>
-          </a:bodyPr>
-          <a:lstStyle/>
-          <a:p>
-            <a:r>
-              <a:rPr lang="ja-JP" altLang="en-US" sz="3600"/>
-              <a:t>レコメンドの結果に</a:t>
-            </a:r>
-            <a:r>
-              <a:rPr lang="ja-JP" altLang="en-US" sz="3600">
-                <a:solidFill>
-                  <a:srgbClr val="FF0000"/>
-                </a:solidFill>
-              </a:rPr>
-              <a:t>多様性</a:t>
-            </a:r>
-            <a:r>
-              <a:rPr lang="ja-JP" altLang="en-US" sz="3600"/>
-              <a:t>がない</a:t>
-            </a:r>
-            <a:r>
-              <a:rPr lang="ja-JP" altLang="en-US" sz="4400"/>
-              <a:t>　</a:t>
-            </a:r>
-            <a:endParaRPr lang="en-US" altLang="ja-JP" sz="4400" dirty="0"/>
-          </a:p>
-        </p:txBody>
-      </p:sp>
-      <p:sp>
-        <p:nvSpPr>
-          <p:cNvPr id="24" name="テキスト ボックス 23">
-            <a:extLst>
-              <a:ext uri="{FF2B5EF4-FFF2-40B4-BE49-F238E27FC236}">
-                <a16:creationId xmlns:a16="http://schemas.microsoft.com/office/drawing/2014/main" id="{898DA034-7E82-3E49-B445-270761A1D4CA}"/>
-              </a:ext>
-            </a:extLst>
-          </p:cNvPr>
-          <p:cNvSpPr txBox="1"/>
-          <p:nvPr/>
-        </p:nvSpPr>
-        <p:spPr>
-          <a:xfrm>
-            <a:off x="5126161" y="15558128"/>
-            <a:ext cx="20650200" cy="1155060"/>
-          </a:xfrm>
-          <a:prstGeom prst="rect">
-            <a:avLst/>
-          </a:prstGeom>
-          <a:noFill/>
-        </p:spPr>
-        <p:txBody>
-          <a:bodyPr wrap="square" rtlCol="0">
-            <a:spAutoFit/>
-          </a:bodyPr>
-          <a:lstStyle/>
-          <a:p>
-            <a:r>
-              <a:rPr kumimoji="1" lang="ja-JP" altLang="en-US" sz="4800" b="1"/>
-              <a:t>目的：ユーザの入力とレビューを元に高好感度な観光地をレコメンドする</a:t>
-            </a:r>
-            <a:r>
-              <a:rPr kumimoji="1" lang="ja-JP" altLang="en-US"/>
-              <a:t>　　　　　</a:t>
-            </a:r>
-          </a:p>
-        </p:txBody>
-      </p:sp>
-      <p:sp>
-        <p:nvSpPr>
-          <p:cNvPr id="25" name="テキスト ボックス 24">
-            <a:extLst>
-              <a:ext uri="{FF2B5EF4-FFF2-40B4-BE49-F238E27FC236}">
-                <a16:creationId xmlns:a16="http://schemas.microsoft.com/office/drawing/2014/main" id="{F95B069B-AA67-F144-9525-B8CC65EBFEF3}"/>
-              </a:ext>
-            </a:extLst>
-          </p:cNvPr>
-          <p:cNvSpPr txBox="1"/>
-          <p:nvPr/>
-        </p:nvSpPr>
-        <p:spPr>
-          <a:xfrm>
-            <a:off x="20013359" y="12166557"/>
-            <a:ext cx="3927908" cy="2308324"/>
-          </a:xfrm>
-          <a:prstGeom prst="rect">
-            <a:avLst/>
-          </a:prstGeom>
-          <a:noFill/>
-        </p:spPr>
-        <p:txBody>
-          <a:bodyPr wrap="square" rtlCol="0">
-            <a:spAutoFit/>
-          </a:bodyPr>
-          <a:lstStyle/>
-          <a:p>
-            <a:pPr algn="ctr"/>
-            <a:r>
-              <a:rPr lang="ja-JP" altLang="en-US" sz="4800"/>
-              <a:t>コンテンツ</a:t>
-            </a:r>
-            <a:endParaRPr lang="en-US" altLang="ja-JP" sz="4800" dirty="0"/>
-          </a:p>
-          <a:p>
-            <a:pPr algn="ctr"/>
-            <a:r>
-              <a:rPr lang="ja-JP" altLang="en-US" sz="4800"/>
-              <a:t>＋</a:t>
-            </a:r>
-            <a:endParaRPr lang="en-US" altLang="ja-JP" sz="4800" dirty="0"/>
-          </a:p>
-          <a:p>
-            <a:pPr algn="ctr"/>
-            <a:r>
-              <a:rPr kumimoji="1" lang="ja-JP" altLang="en-US" sz="4800"/>
-              <a:t>潜在的な感情</a:t>
-            </a:r>
-          </a:p>
-        </p:txBody>
-      </p:sp>
-      <p:sp>
-        <p:nvSpPr>
-          <p:cNvPr id="27" name="右矢印 26">
-            <a:extLst>
-              <a:ext uri="{FF2B5EF4-FFF2-40B4-BE49-F238E27FC236}">
-                <a16:creationId xmlns:a16="http://schemas.microsoft.com/office/drawing/2014/main" id="{C1A68AFA-E2AB-5F4B-AA1A-44D3198B2DF9}"/>
+                <a16:creationId xmlns:a16="http://schemas.microsoft.com/office/drawing/2014/main" id="{A574993B-6957-7E44-9D04-C5F4627315B8}"/>
               </a:ext>
             </a:extLst>
           </p:cNvPr>
@@ -4979,18 +5148,14 @@
         </p:nvSpPr>
         <p:spPr>
           <a:xfrm>
-            <a:off x="23611291" y="12805511"/>
-            <a:ext cx="1150224" cy="810865"/>
-          </a:xfrm>
-          <a:prstGeom prst="rightArrow">
+            <a:off x="10758536" y="8929557"/>
+            <a:ext cx="8748000" cy="4332786"/>
+          </a:xfrm>
+          <a:prstGeom prst="rect">
             <a:avLst/>
           </a:prstGeom>
-          <a:solidFill>
-            <a:schemeClr val="accent6">
-              <a:lumMod val="75000"/>
-            </a:schemeClr>
-          </a:solidFill>
-          <a:ln>
+          <a:noFill/>
+          <a:ln w="38100">
             <a:solidFill>
               <a:schemeClr val="accent6">
                 <a:lumMod val="75000"/>
@@ -5025,71 +5190,26 @@
       </p:sp>
       <p:sp>
         <p:nvSpPr>
-          <p:cNvPr id="28" name="テキスト ボックス 27">
+          <p:cNvPr id="16" name="正方形/長方形 15">
             <a:extLst>
               <a:ext uri="{FF2B5EF4-FFF2-40B4-BE49-F238E27FC236}">
-                <a16:creationId xmlns:a16="http://schemas.microsoft.com/office/drawing/2014/main" id="{CB096CCA-D997-1742-A18B-33591CE5EE80}"/>
+                <a16:creationId xmlns:a16="http://schemas.microsoft.com/office/drawing/2014/main" id="{23FBFBB7-15B7-984E-BA1E-4C56F3A5EB83}"/>
               </a:ext>
             </a:extLst>
           </p:cNvPr>
-          <p:cNvSpPr txBox="1"/>
+          <p:cNvSpPr/>
           <p:nvPr/>
         </p:nvSpPr>
         <p:spPr>
           <a:xfrm>
-            <a:off x="24828268" y="12508143"/>
-            <a:ext cx="3877985" cy="1569660"/>
+            <a:off x="19927686" y="8944069"/>
+            <a:ext cx="8748000" cy="4332787"/>
           </a:xfrm>
           <a:prstGeom prst="rect">
             <a:avLst/>
           </a:prstGeom>
           <a:noFill/>
-        </p:spPr>
-        <p:txBody>
-          <a:bodyPr wrap="none" rtlCol="0">
-            <a:spAutoFit/>
-          </a:bodyPr>
-          <a:lstStyle/>
-          <a:p>
-            <a:r>
-              <a:rPr kumimoji="1" lang="ja-JP" altLang="en-US" sz="4800"/>
-              <a:t>多様性のある</a:t>
-            </a:r>
-            <a:endParaRPr kumimoji="1" lang="en-US" altLang="ja-JP" sz="4800" dirty="0"/>
-          </a:p>
-          <a:p>
-            <a:pPr algn="ctr"/>
-            <a:r>
-              <a:rPr kumimoji="1" lang="ja-JP" altLang="en-US" sz="4800"/>
-              <a:t>レコメンド</a:t>
-            </a:r>
-          </a:p>
-        </p:txBody>
-      </p:sp>
-      <p:sp>
-        <p:nvSpPr>
-          <p:cNvPr id="30" name="正方形/長方形 29">
-            <a:extLst>
-              <a:ext uri="{FF2B5EF4-FFF2-40B4-BE49-F238E27FC236}">
-                <a16:creationId xmlns:a16="http://schemas.microsoft.com/office/drawing/2014/main" id="{2775E092-8D0F-0C46-B3D0-4C6AA7AC6713}"/>
-              </a:ext>
-            </a:extLst>
-          </p:cNvPr>
-          <p:cNvSpPr>
-            <a:spLocks/>
-          </p:cNvSpPr>
-          <p:nvPr/>
-        </p:nvSpPr>
-        <p:spPr>
-          <a:xfrm>
-            <a:off x="1296672" y="18606437"/>
-            <a:ext cx="27643017" cy="16649227"/>
-          </a:xfrm>
-          <a:prstGeom prst="rect">
-            <a:avLst/>
-          </a:prstGeom>
-          <a:noFill/>
-          <a:ln w="44450">
+          <a:ln w="38100">
             <a:solidFill>
               <a:schemeClr val="accent6">
                 <a:lumMod val="75000"/>
@@ -5118,38 +5238,346 @@
           <a:lstStyle/>
           <a:p>
             <a:pPr algn="ctr"/>
-            <a:endParaRPr kumimoji="1" lang="ja-JP" altLang="en-US" sz="11500" b="1"/>
-          </a:p>
-        </p:txBody>
-      </p:sp>
-      <p:sp>
-        <p:nvSpPr>
-          <p:cNvPr id="31" name="正方形/長方形 30">
+            <a:endParaRPr kumimoji="1" lang="ja-JP" altLang="en-US"/>
+          </a:p>
+        </p:txBody>
+      </p:sp>
+      <p:sp>
+        <p:nvSpPr>
+          <p:cNvPr id="17" name="テキスト ボックス 16">
             <a:extLst>
               <a:ext uri="{FF2B5EF4-FFF2-40B4-BE49-F238E27FC236}">
-                <a16:creationId xmlns:a16="http://schemas.microsoft.com/office/drawing/2014/main" id="{79F19AF1-3B1F-A94B-91F8-5661E0DF196B}"/>
+                <a16:creationId xmlns:a16="http://schemas.microsoft.com/office/drawing/2014/main" id="{4D3728AF-35DF-8E4B-9240-1F5333651A8B}"/>
               </a:ext>
             </a:extLst>
           </p:cNvPr>
-          <p:cNvSpPr>
-            <a:spLocks/>
-          </p:cNvSpPr>
+          <p:cNvSpPr txBox="1"/>
           <p:nvPr/>
         </p:nvSpPr>
         <p:spPr>
           <a:xfrm>
-            <a:off x="1311028" y="17198378"/>
-            <a:ext cx="27643015" cy="1398979"/>
+            <a:off x="1972140" y="9142784"/>
+            <a:ext cx="7952153" cy="3477875"/>
           </a:xfrm>
           <a:prstGeom prst="rect">
             <a:avLst/>
           </a:prstGeom>
-          <a:solidFill>
-            <a:schemeClr val="accent6">
-              <a:lumMod val="75000"/>
-            </a:schemeClr>
-          </a:solidFill>
-          <a:ln w="44450">
+          <a:noFill/>
+        </p:spPr>
+        <p:txBody>
+          <a:bodyPr wrap="square" rtlCol="0">
+            <a:spAutoFit/>
+          </a:bodyPr>
+          <a:lstStyle/>
+          <a:p>
+            <a:pPr marL="571500" indent="-571500">
+              <a:buFont typeface="Arial" panose="020B0604020202020204" pitchFamily="34" charset="0"/>
+              <a:buChar char="•"/>
+            </a:pPr>
+            <a:r>
+              <a:rPr lang="ja-JP" altLang="en-US" sz="4400"/>
+              <a:t>訪日客のほとんどが黄金ルートと呼ばれる東京・大阪・京都に宿泊</a:t>
+            </a:r>
+            <a:endParaRPr lang="en-US" altLang="ja-JP" sz="4400" dirty="0"/>
+          </a:p>
+          <a:p>
+            <a:pPr marL="571500" indent="-571500">
+              <a:buFont typeface="Arial" panose="020B0604020202020204" pitchFamily="34" charset="0"/>
+              <a:buChar char="•"/>
+            </a:pPr>
+            <a:r>
+              <a:rPr lang="ja-JP" altLang="en-US" sz="4400"/>
+              <a:t>地方の魅力を適切に伝えるのは困難</a:t>
+            </a:r>
+            <a:endParaRPr kumimoji="1" lang="en-US" altLang="ja-JP" sz="4400" dirty="0"/>
+          </a:p>
+        </p:txBody>
+      </p:sp>
+      <p:sp>
+        <p:nvSpPr>
+          <p:cNvPr id="20" name="テキスト ボックス 19">
+            <a:extLst>
+              <a:ext uri="{FF2B5EF4-FFF2-40B4-BE49-F238E27FC236}">
+                <a16:creationId xmlns:a16="http://schemas.microsoft.com/office/drawing/2014/main" id="{F28904FE-C633-F84F-BACC-4E65B21B061B}"/>
+              </a:ext>
+            </a:extLst>
+          </p:cNvPr>
+          <p:cNvSpPr txBox="1"/>
+          <p:nvPr/>
+        </p:nvSpPr>
+        <p:spPr>
+          <a:xfrm>
+            <a:off x="10723586" y="9057831"/>
+            <a:ext cx="8655949" cy="830997"/>
+          </a:xfrm>
+          <a:prstGeom prst="rect">
+            <a:avLst/>
+          </a:prstGeom>
+          <a:noFill/>
+        </p:spPr>
+        <p:txBody>
+          <a:bodyPr wrap="square" rtlCol="0">
+            <a:spAutoFit/>
+          </a:bodyPr>
+          <a:lstStyle/>
+          <a:p>
+            <a:r>
+              <a:rPr kumimoji="1" lang="ja-JP" altLang="en-US" sz="4800"/>
+              <a:t>・コンテンツベース</a:t>
+            </a:r>
+            <a:endParaRPr kumimoji="1" lang="en-US" altLang="ja-JP" sz="4800" dirty="0"/>
+          </a:p>
+        </p:txBody>
+      </p:sp>
+      <p:sp>
+        <p:nvSpPr>
+          <p:cNvPr id="21" name="テキスト ボックス 20">
+            <a:extLst>
+              <a:ext uri="{FF2B5EF4-FFF2-40B4-BE49-F238E27FC236}">
+                <a16:creationId xmlns:a16="http://schemas.microsoft.com/office/drawing/2014/main" id="{1888D7C8-1063-C846-B60A-348E5C81F852}"/>
+              </a:ext>
+            </a:extLst>
+          </p:cNvPr>
+          <p:cNvSpPr txBox="1"/>
+          <p:nvPr/>
+        </p:nvSpPr>
+        <p:spPr>
+          <a:xfrm>
+            <a:off x="10728066" y="10795434"/>
+            <a:ext cx="8655949" cy="830997"/>
+          </a:xfrm>
+          <a:prstGeom prst="rect">
+            <a:avLst/>
+          </a:prstGeom>
+          <a:noFill/>
+        </p:spPr>
+        <p:txBody>
+          <a:bodyPr wrap="square" rtlCol="0">
+            <a:spAutoFit/>
+          </a:bodyPr>
+          <a:lstStyle/>
+          <a:p>
+            <a:r>
+              <a:rPr kumimoji="1" lang="ja-JP" altLang="en-US" sz="4800"/>
+              <a:t>・協調フィルタリング</a:t>
+            </a:r>
+            <a:endParaRPr kumimoji="1" lang="en-US" altLang="ja-JP" sz="4800" dirty="0"/>
+          </a:p>
+        </p:txBody>
+      </p:sp>
+      <p:sp>
+        <p:nvSpPr>
+          <p:cNvPr id="22" name="テキスト ボックス 21">
+            <a:extLst>
+              <a:ext uri="{FF2B5EF4-FFF2-40B4-BE49-F238E27FC236}">
+                <a16:creationId xmlns:a16="http://schemas.microsoft.com/office/drawing/2014/main" id="{E50841C8-B4C7-504D-BA7F-1112A435E6CC}"/>
+              </a:ext>
+            </a:extLst>
+          </p:cNvPr>
+          <p:cNvSpPr txBox="1"/>
+          <p:nvPr/>
+        </p:nvSpPr>
+        <p:spPr>
+          <a:xfrm>
+            <a:off x="11315308" y="11709517"/>
+            <a:ext cx="8271907" cy="1323439"/>
+          </a:xfrm>
+          <a:prstGeom prst="rect">
+            <a:avLst/>
+          </a:prstGeom>
+          <a:noFill/>
+        </p:spPr>
+        <p:txBody>
+          <a:bodyPr wrap="square" rtlCol="0">
+            <a:spAutoFit/>
+          </a:bodyPr>
+          <a:lstStyle/>
+          <a:p>
+            <a:r>
+              <a:rPr lang="ja-JP" altLang="en-US" sz="3600">
+                <a:solidFill>
+                  <a:srgbClr val="FF0000"/>
+                </a:solidFill>
+              </a:rPr>
+              <a:t>履歴</a:t>
+            </a:r>
+            <a:r>
+              <a:rPr lang="ja-JP" altLang="en-US" sz="3600"/>
+              <a:t>を元にしているので、人気のないスポットはレコメンドされにくい</a:t>
+            </a:r>
+            <a:r>
+              <a:rPr lang="ja-JP" altLang="en-US" sz="4400"/>
+              <a:t>　</a:t>
+            </a:r>
+            <a:endParaRPr lang="en-US" altLang="ja-JP" sz="4400" dirty="0"/>
+          </a:p>
+        </p:txBody>
+      </p:sp>
+      <p:sp>
+        <p:nvSpPr>
+          <p:cNvPr id="23" name="テキスト ボックス 22">
+            <a:extLst>
+              <a:ext uri="{FF2B5EF4-FFF2-40B4-BE49-F238E27FC236}">
+                <a16:creationId xmlns:a16="http://schemas.microsoft.com/office/drawing/2014/main" id="{64F10DA5-EB81-7E47-AB96-248AC48090FC}"/>
+              </a:ext>
+            </a:extLst>
+          </p:cNvPr>
+          <p:cNvSpPr txBox="1"/>
+          <p:nvPr/>
+        </p:nvSpPr>
+        <p:spPr>
+          <a:xfrm>
+            <a:off x="11339808" y="9782643"/>
+            <a:ext cx="8271907" cy="769441"/>
+          </a:xfrm>
+          <a:prstGeom prst="rect">
+            <a:avLst/>
+          </a:prstGeom>
+          <a:noFill/>
+        </p:spPr>
+        <p:txBody>
+          <a:bodyPr wrap="square" rtlCol="0">
+            <a:spAutoFit/>
+          </a:bodyPr>
+          <a:lstStyle/>
+          <a:p>
+            <a:r>
+              <a:rPr lang="ja-JP" altLang="en-US" sz="3600"/>
+              <a:t>レコメンドの結果に</a:t>
+            </a:r>
+            <a:r>
+              <a:rPr lang="ja-JP" altLang="en-US" sz="3600">
+                <a:solidFill>
+                  <a:srgbClr val="FF0000"/>
+                </a:solidFill>
+              </a:rPr>
+              <a:t>多様性</a:t>
+            </a:r>
+            <a:r>
+              <a:rPr lang="ja-JP" altLang="en-US" sz="3600"/>
+              <a:t>がない</a:t>
+            </a:r>
+            <a:r>
+              <a:rPr lang="ja-JP" altLang="en-US" sz="4400"/>
+              <a:t>　</a:t>
+            </a:r>
+            <a:endParaRPr lang="en-US" altLang="ja-JP" sz="4400" dirty="0"/>
+          </a:p>
+        </p:txBody>
+      </p:sp>
+      <p:sp>
+        <p:nvSpPr>
+          <p:cNvPr id="24" name="テキスト ボックス 23">
+            <a:extLst>
+              <a:ext uri="{FF2B5EF4-FFF2-40B4-BE49-F238E27FC236}">
+                <a16:creationId xmlns:a16="http://schemas.microsoft.com/office/drawing/2014/main" id="{898DA034-7E82-3E49-B445-270761A1D4CA}"/>
+              </a:ext>
+            </a:extLst>
+          </p:cNvPr>
+          <p:cNvSpPr txBox="1"/>
+          <p:nvPr/>
+        </p:nvSpPr>
+        <p:spPr>
+          <a:xfrm>
+            <a:off x="6116761" y="13424308"/>
+            <a:ext cx="20650200" cy="1080000"/>
+          </a:xfrm>
+          <a:prstGeom prst="rect">
+            <a:avLst/>
+          </a:prstGeom>
+          <a:noFill/>
+        </p:spPr>
+        <p:txBody>
+          <a:bodyPr wrap="square" rtlCol="0">
+            <a:spAutoFit/>
+          </a:bodyPr>
+          <a:lstStyle/>
+          <a:p>
+            <a:r>
+              <a:rPr kumimoji="1" lang="ja-JP" altLang="en-US" sz="4800" b="1"/>
+              <a:t>目的：ユーザの入力とレビューを元に高好感度な観光地をレコメンドする</a:t>
+            </a:r>
+            <a:r>
+              <a:rPr kumimoji="1" lang="ja-JP" altLang="en-US"/>
+              <a:t>　　　　　</a:t>
+            </a:r>
+          </a:p>
+        </p:txBody>
+      </p:sp>
+      <p:sp>
+        <p:nvSpPr>
+          <p:cNvPr id="25" name="テキスト ボックス 24">
+            <a:extLst>
+              <a:ext uri="{FF2B5EF4-FFF2-40B4-BE49-F238E27FC236}">
+                <a16:creationId xmlns:a16="http://schemas.microsoft.com/office/drawing/2014/main" id="{F95B069B-AA67-F144-9525-B8CC65EBFEF3}"/>
+              </a:ext>
+            </a:extLst>
+          </p:cNvPr>
+          <p:cNvSpPr txBox="1"/>
+          <p:nvPr/>
+        </p:nvSpPr>
+        <p:spPr>
+          <a:xfrm>
+            <a:off x="20013359" y="10032957"/>
+            <a:ext cx="3927908" cy="2308324"/>
+          </a:xfrm>
+          <a:prstGeom prst="rect">
+            <a:avLst/>
+          </a:prstGeom>
+          <a:noFill/>
+        </p:spPr>
+        <p:txBody>
+          <a:bodyPr wrap="square" rtlCol="0">
+            <a:spAutoFit/>
+          </a:bodyPr>
+          <a:lstStyle/>
+          <a:p>
+            <a:pPr algn="ctr"/>
+            <a:r>
+              <a:rPr lang="ja-JP" altLang="en-US" sz="4800"/>
+              <a:t>コンテンツ</a:t>
+            </a:r>
+            <a:endParaRPr lang="en-US" altLang="ja-JP" sz="4800" dirty="0"/>
+          </a:p>
+          <a:p>
+            <a:pPr algn="ctr"/>
+            <a:r>
+              <a:rPr lang="ja-JP" altLang="en-US" sz="4800"/>
+              <a:t>＋</a:t>
+            </a:r>
+            <a:endParaRPr lang="en-US" altLang="ja-JP" sz="4800" dirty="0"/>
+          </a:p>
+          <a:p>
+            <a:pPr algn="ctr"/>
+            <a:r>
+              <a:rPr kumimoji="1" lang="ja-JP" altLang="en-US" sz="4800"/>
+              <a:t>潜在的な感情</a:t>
+            </a:r>
+          </a:p>
+        </p:txBody>
+      </p:sp>
+      <p:sp>
+        <p:nvSpPr>
+          <p:cNvPr id="27" name="右矢印 26">
+            <a:extLst>
+              <a:ext uri="{FF2B5EF4-FFF2-40B4-BE49-F238E27FC236}">
+                <a16:creationId xmlns:a16="http://schemas.microsoft.com/office/drawing/2014/main" id="{C1A68AFA-E2AB-5F4B-AA1A-44D3198B2DF9}"/>
+              </a:ext>
+            </a:extLst>
+          </p:cNvPr>
+          <p:cNvSpPr/>
+          <p:nvPr/>
+        </p:nvSpPr>
+        <p:spPr>
+          <a:xfrm>
+            <a:off x="23729735" y="10566449"/>
+            <a:ext cx="1031779" cy="916327"/>
+          </a:xfrm>
+          <a:prstGeom prst="rightArrow">
+            <a:avLst/>
+          </a:prstGeom>
+          <a:noFill/>
+          <a:ln w="38100">
             <a:solidFill>
               <a:schemeClr val="accent6">
                 <a:lumMod val="75000"/>
@@ -5177,24 +5605,60 @@
           <a:bodyPr rtlCol="0" anchor="ctr"/>
           <a:lstStyle/>
           <a:p>
-            <a:r>
-              <a:rPr kumimoji="1" lang="en-US" altLang="ja-JP" sz="7200" b="1" dirty="0"/>
-              <a:t>  </a:t>
-            </a:r>
-            <a:r>
-              <a:rPr lang="ja-JP" altLang="en-US" sz="7200" b="1"/>
-              <a:t>システム概要</a:t>
-            </a:r>
-            <a:endParaRPr kumimoji="1" lang="ja-JP" altLang="en-US" sz="7200" b="1"/>
-          </a:p>
-        </p:txBody>
-      </p:sp>
-      <p:sp>
-        <p:nvSpPr>
-          <p:cNvPr id="33" name="正方形/長方形 32">
+            <a:pPr algn="ctr"/>
+            <a:endParaRPr kumimoji="1" lang="ja-JP" altLang="en-US"/>
+          </a:p>
+        </p:txBody>
+      </p:sp>
+      <p:sp>
+        <p:nvSpPr>
+          <p:cNvPr id="28" name="テキスト ボックス 27">
             <a:extLst>
               <a:ext uri="{FF2B5EF4-FFF2-40B4-BE49-F238E27FC236}">
-                <a16:creationId xmlns:a16="http://schemas.microsoft.com/office/drawing/2014/main" id="{F571C9C4-CE23-814C-A3D2-8F9A7B3F68DB}"/>
+                <a16:creationId xmlns:a16="http://schemas.microsoft.com/office/drawing/2014/main" id="{CB096CCA-D997-1742-A18B-33591CE5EE80}"/>
+              </a:ext>
+            </a:extLst>
+          </p:cNvPr>
+          <p:cNvSpPr txBox="1"/>
+          <p:nvPr/>
+        </p:nvSpPr>
+        <p:spPr>
+          <a:xfrm>
+            <a:off x="24828268" y="10374543"/>
+            <a:ext cx="3877985" cy="1569660"/>
+          </a:xfrm>
+          <a:prstGeom prst="rect">
+            <a:avLst/>
+          </a:prstGeom>
+          <a:noFill/>
+        </p:spPr>
+        <p:txBody>
+          <a:bodyPr wrap="none" rtlCol="0">
+            <a:spAutoFit/>
+          </a:bodyPr>
+          <a:lstStyle/>
+          <a:p>
+            <a:r>
+              <a:rPr kumimoji="1" lang="ja-JP" altLang="en-US" sz="4800"/>
+              <a:t>多様性のある</a:t>
+            </a:r>
+            <a:endParaRPr kumimoji="1" lang="en-US" altLang="ja-JP" sz="4800" dirty="0"/>
+          </a:p>
+          <a:p>
+            <a:pPr algn="ctr"/>
+            <a:r>
+              <a:rPr kumimoji="1" lang="ja-JP" altLang="en-US" sz="4800"/>
+              <a:t>レコメンド</a:t>
+            </a:r>
+          </a:p>
+        </p:txBody>
+      </p:sp>
+      <p:sp>
+        <p:nvSpPr>
+          <p:cNvPr id="30" name="正方形/長方形 29">
+            <a:extLst>
+              <a:ext uri="{FF2B5EF4-FFF2-40B4-BE49-F238E27FC236}">
+                <a16:creationId xmlns:a16="http://schemas.microsoft.com/office/drawing/2014/main" id="{2775E092-8D0F-0C46-B3D0-4C6AA7AC6713}"/>
               </a:ext>
             </a:extLst>
           </p:cNvPr>
@@ -5205,17 +5669,13 @@
         </p:nvSpPr>
         <p:spPr>
           <a:xfrm>
-            <a:off x="1293387" y="35701423"/>
-            <a:ext cx="27643015" cy="1398979"/>
+            <a:off x="1296672" y="16712331"/>
+            <a:ext cx="27643017" cy="19798355"/>
           </a:xfrm>
           <a:prstGeom prst="rect">
             <a:avLst/>
           </a:prstGeom>
-          <a:solidFill>
-            <a:schemeClr val="accent6">
-              <a:lumMod val="75000"/>
-            </a:schemeClr>
-          </a:solidFill>
+          <a:noFill/>
           <a:ln w="44450">
             <a:solidFill>
               <a:schemeClr val="accent6">
@@ -5244,23 +5704,17 @@
           <a:bodyPr rtlCol="0" anchor="ctr"/>
           <a:lstStyle/>
           <a:p>
-            <a:r>
-              <a:rPr kumimoji="1" lang="en-US" altLang="ja-JP" sz="7200" b="1" dirty="0"/>
-              <a:t>  </a:t>
-            </a:r>
-            <a:r>
-              <a:rPr kumimoji="1" lang="ja-JP" altLang="en-US" sz="7200" b="1"/>
-              <a:t>今後の予定</a:t>
-            </a:r>
-          </a:p>
-        </p:txBody>
-      </p:sp>
-      <p:sp>
-        <p:nvSpPr>
-          <p:cNvPr id="34" name="正方形/長方形 33">
+            <a:pPr algn="ctr"/>
+            <a:endParaRPr kumimoji="1" lang="ja-JP" altLang="en-US" sz="11500" b="1"/>
+          </a:p>
+        </p:txBody>
+      </p:sp>
+      <p:sp>
+        <p:nvSpPr>
+          <p:cNvPr id="31" name="正方形/長方形 30">
             <a:extLst>
               <a:ext uri="{FF2B5EF4-FFF2-40B4-BE49-F238E27FC236}">
-                <a16:creationId xmlns:a16="http://schemas.microsoft.com/office/drawing/2014/main" id="{249E1FBF-DBB1-CA43-949C-4DEF9BC998F4}"/>
+                <a16:creationId xmlns:a16="http://schemas.microsoft.com/office/drawing/2014/main" id="{79F19AF1-3B1F-A94B-91F8-5661E0DF196B}"/>
               </a:ext>
             </a:extLst>
           </p:cNvPr>
@@ -5271,13 +5725,17 @@
         </p:nvSpPr>
         <p:spPr>
           <a:xfrm>
-            <a:off x="1293385" y="37140875"/>
-            <a:ext cx="27643017" cy="3496257"/>
+            <a:off x="1311028" y="15238953"/>
+            <a:ext cx="27643015" cy="1398979"/>
           </a:xfrm>
           <a:prstGeom prst="rect">
             <a:avLst/>
           </a:prstGeom>
-          <a:noFill/>
+          <a:solidFill>
+            <a:schemeClr val="accent6">
+              <a:lumMod val="75000"/>
+            </a:schemeClr>
+          </a:solidFill>
           <a:ln w="44450">
             <a:solidFill>
               <a:schemeClr val="accent6">
@@ -5306,6 +5764,135 @@
           <a:bodyPr rtlCol="0" anchor="ctr"/>
           <a:lstStyle/>
           <a:p>
+            <a:r>
+              <a:rPr kumimoji="1" lang="en-US" altLang="ja-JP" sz="7200" b="1" dirty="0"/>
+              <a:t>  </a:t>
+            </a:r>
+            <a:r>
+              <a:rPr lang="ja-JP" altLang="en-US" sz="7200" b="1"/>
+              <a:t>システム概要</a:t>
+            </a:r>
+            <a:endParaRPr kumimoji="1" lang="ja-JP" altLang="en-US" sz="7200" b="1"/>
+          </a:p>
+        </p:txBody>
+      </p:sp>
+      <p:sp>
+        <p:nvSpPr>
+          <p:cNvPr id="33" name="正方形/長方形 32">
+            <a:extLst>
+              <a:ext uri="{FF2B5EF4-FFF2-40B4-BE49-F238E27FC236}">
+                <a16:creationId xmlns:a16="http://schemas.microsoft.com/office/drawing/2014/main" id="{F571C9C4-CE23-814C-A3D2-8F9A7B3F68DB}"/>
+              </a:ext>
+            </a:extLst>
+          </p:cNvPr>
+          <p:cNvSpPr>
+            <a:spLocks/>
+          </p:cNvSpPr>
+          <p:nvPr/>
+        </p:nvSpPr>
+        <p:spPr>
+          <a:xfrm>
+            <a:off x="1293387" y="37014967"/>
+            <a:ext cx="27643015" cy="1398979"/>
+          </a:xfrm>
+          <a:prstGeom prst="rect">
+            <a:avLst/>
+          </a:prstGeom>
+          <a:solidFill>
+            <a:schemeClr val="accent6">
+              <a:lumMod val="75000"/>
+            </a:schemeClr>
+          </a:solidFill>
+          <a:ln w="44450">
+            <a:solidFill>
+              <a:schemeClr val="accent6">
+                <a:lumMod val="75000"/>
+              </a:schemeClr>
+            </a:solidFill>
+          </a:ln>
+        </p:spPr>
+        <p:style>
+          <a:lnRef idx="2">
+            <a:schemeClr val="accent1">
+              <a:shade val="50000"/>
+            </a:schemeClr>
+          </a:lnRef>
+          <a:fillRef idx="1">
+            <a:schemeClr val="accent1"/>
+          </a:fillRef>
+          <a:effectRef idx="0">
+            <a:schemeClr val="accent1"/>
+          </a:effectRef>
+          <a:fontRef idx="minor">
+            <a:schemeClr val="lt1"/>
+          </a:fontRef>
+        </p:style>
+        <p:txBody>
+          <a:bodyPr rtlCol="0" anchor="ctr"/>
+          <a:lstStyle/>
+          <a:p>
+            <a:r>
+              <a:rPr kumimoji="1" lang="en-US" altLang="ja-JP" sz="7200" b="1" dirty="0"/>
+              <a:t>  </a:t>
+            </a:r>
+            <a:r>
+              <a:rPr kumimoji="1" lang="ja-JP" altLang="en-US" sz="7200" b="1"/>
+              <a:t>今後の予定</a:t>
+            </a:r>
+          </a:p>
+        </p:txBody>
+      </p:sp>
+      <p:sp>
+        <p:nvSpPr>
+          <p:cNvPr id="34" name="正方形/長方形 33">
+            <a:extLst>
+              <a:ext uri="{FF2B5EF4-FFF2-40B4-BE49-F238E27FC236}">
+                <a16:creationId xmlns:a16="http://schemas.microsoft.com/office/drawing/2014/main" id="{249E1FBF-DBB1-CA43-949C-4DEF9BC998F4}"/>
+              </a:ext>
+            </a:extLst>
+          </p:cNvPr>
+          <p:cNvSpPr>
+            <a:spLocks/>
+          </p:cNvSpPr>
+          <p:nvPr/>
+        </p:nvSpPr>
+        <p:spPr>
+          <a:xfrm>
+            <a:off x="1293385" y="38454419"/>
+            <a:ext cx="27643017" cy="3496257"/>
+          </a:xfrm>
+          <a:prstGeom prst="rect">
+            <a:avLst/>
+          </a:prstGeom>
+          <a:noFill/>
+          <a:ln w="44450">
+            <a:solidFill>
+              <a:schemeClr val="accent6">
+                <a:lumMod val="75000"/>
+              </a:schemeClr>
+            </a:solidFill>
+          </a:ln>
+        </p:spPr>
+        <p:style>
+          <a:lnRef idx="2">
+            <a:schemeClr val="accent1">
+              <a:shade val="50000"/>
+            </a:schemeClr>
+          </a:lnRef>
+          <a:fillRef idx="1">
+            <a:schemeClr val="accent1"/>
+          </a:fillRef>
+          <a:effectRef idx="0">
+            <a:schemeClr val="accent1"/>
+          </a:effectRef>
+          <a:fontRef idx="minor">
+            <a:schemeClr val="lt1"/>
+          </a:fontRef>
+        </p:style>
+        <p:txBody>
+          <a:bodyPr rtlCol="0" anchor="ctr"/>
+          <a:lstStyle/>
+          <a:p>
             <a:pPr algn="ctr"/>
             <a:endParaRPr kumimoji="1" lang="ja-JP" altLang="en-US" sz="11500" b="1"/>
           </a:p>
@@ -5325,7 +5912,7 @@
         </p:nvSpPr>
         <p:spPr>
           <a:xfrm>
-            <a:off x="1990397" y="37529310"/>
+            <a:off x="1990397" y="38842854"/>
             <a:ext cx="16978519" cy="3046988"/>
           </a:xfrm>
           <a:prstGeom prst="rect">
@@ -5402,7 +5989,7 @@
         </p:nvSpPr>
         <p:spPr>
           <a:xfrm>
-            <a:off x="1990397" y="18992803"/>
+            <a:off x="1990397" y="17037737"/>
             <a:ext cx="20259905" cy="1155060"/>
           </a:xfrm>
           <a:prstGeom prst="rect">
@@ -5454,7 +6041,7 @@
         </p:blipFill>
         <p:spPr>
           <a:xfrm>
-            <a:off x="4044818" y="28165683"/>
+            <a:off x="4044818" y="26271577"/>
             <a:ext cx="2167159" cy="1866635"/>
           </a:xfrm>
           <a:prstGeom prst="rect">
@@ -5484,7 +6071,7 @@
         </p:blipFill>
         <p:spPr>
           <a:xfrm>
-            <a:off x="2315147" y="29887935"/>
+            <a:off x="2315147" y="27993829"/>
             <a:ext cx="2173946" cy="1872481"/>
           </a:xfrm>
           <a:prstGeom prst="rect">
@@ -5514,7 +6101,7 @@
         </p:blipFill>
         <p:spPr>
           <a:xfrm>
-            <a:off x="16346214" y="28203119"/>
+            <a:off x="16346214" y="26309013"/>
             <a:ext cx="2356989" cy="2987075"/>
           </a:xfrm>
           <a:prstGeom prst="rect">
@@ -5544,7 +6131,7 @@
         </p:blipFill>
         <p:spPr>
           <a:xfrm>
-            <a:off x="25868421" y="28203119"/>
+            <a:off x="25868421" y="26309013"/>
             <a:ext cx="2356989" cy="2987075"/>
           </a:xfrm>
           <a:prstGeom prst="rect">
@@ -5566,7 +6153,7 @@
         </p:nvSpPr>
         <p:spPr>
           <a:xfrm>
-            <a:off x="6798368" y="29253786"/>
+            <a:off x="6798368" y="27359680"/>
             <a:ext cx="8778926" cy="936000"/>
           </a:xfrm>
           <a:prstGeom prst="rightArrow">
@@ -5624,7 +6211,7 @@
         </p:nvSpPr>
         <p:spPr>
           <a:xfrm>
-            <a:off x="19571423" y="29214622"/>
+            <a:off x="19571423" y="27320516"/>
             <a:ext cx="5616000" cy="936000"/>
           </a:xfrm>
           <a:prstGeom prst="rightArrow">
@@ -5682,7 +6269,7 @@
         </p:nvSpPr>
         <p:spPr>
           <a:xfrm>
-            <a:off x="1718439" y="27289393"/>
+            <a:off x="1718439" y="25395287"/>
             <a:ext cx="5724644" cy="830997"/>
           </a:xfrm>
           <a:prstGeom prst="rect">
@@ -5717,7 +6304,7 @@
         </p:nvSpPr>
         <p:spPr>
           <a:xfrm>
-            <a:off x="15577294" y="27128194"/>
+            <a:off x="15577294" y="25234088"/>
             <a:ext cx="4493538" cy="830997"/>
           </a:xfrm>
           <a:prstGeom prst="rect">
@@ -5752,7 +6339,7 @@
         </p:nvSpPr>
         <p:spPr>
           <a:xfrm>
-            <a:off x="25539371" y="27096920"/>
+            <a:off x="25539371" y="25202814"/>
             <a:ext cx="3262432" cy="830997"/>
           </a:xfrm>
           <a:prstGeom prst="rect">
@@ -5799,7 +6386,7 @@
         </p:blipFill>
         <p:spPr>
           <a:xfrm>
-            <a:off x="21117977" y="32447119"/>
+            <a:off x="21117977" y="30115268"/>
             <a:ext cx="2611759" cy="2690584"/>
           </a:xfrm>
           <a:prstGeom prst="rect">
@@ -5820,9 +6407,9 @@
           <p:nvPr/>
         </p:nvSpPr>
         <p:spPr>
-          <a:xfrm rot="7800000">
-            <a:off x="23436840" y="32609983"/>
-            <a:ext cx="3888000" cy="936000"/>
+          <a:xfrm rot="8100000">
+            <a:off x="24110838" y="30125612"/>
+            <a:ext cx="2575737" cy="936000"/>
           </a:xfrm>
           <a:prstGeom prst="leftRightArrow">
             <a:avLst/>
@@ -5879,7 +6466,7 @@
         </p:nvSpPr>
         <p:spPr>
           <a:xfrm>
-            <a:off x="20820635" y="31344917"/>
+            <a:off x="20820635" y="29013066"/>
             <a:ext cx="3206840" cy="830997"/>
           </a:xfrm>
           <a:prstGeom prst="rect">
@@ -5918,7 +6505,7 @@
         </p:nvSpPr>
         <p:spPr>
           <a:xfrm>
-            <a:off x="7260290" y="27881234"/>
+            <a:off x="7260290" y="25987128"/>
             <a:ext cx="7571303" cy="1569660"/>
           </a:xfrm>
           <a:prstGeom prst="rect">
@@ -5960,13 +6547,15 @@
         </p:nvSpPr>
         <p:spPr>
           <a:xfrm>
-            <a:off x="2657725" y="20519667"/>
+            <a:off x="2454525" y="18661121"/>
             <a:ext cx="6279820" cy="1021127"/>
           </a:xfrm>
           <a:prstGeom prst="rect">
             <a:avLst/>
           </a:prstGeom>
-          <a:noFill/>
+          <a:solidFill>
+            <a:schemeClr val="bg1"/>
+          </a:solidFill>
           <a:ln w="38100">
             <a:solidFill>
               <a:schemeClr val="accent6">
@@ -6040,13 +6629,15 @@
         </p:nvSpPr>
         <p:spPr>
           <a:xfrm>
-            <a:off x="2657725" y="21532402"/>
+            <a:off x="2454525" y="19673856"/>
             <a:ext cx="6279820" cy="4928918"/>
           </a:xfrm>
           <a:prstGeom prst="rect">
             <a:avLst/>
           </a:prstGeom>
-          <a:noFill/>
+          <a:solidFill>
+            <a:schemeClr val="bg1"/>
+          </a:solidFill>
           <a:ln w="38100">
             <a:solidFill>
               <a:schemeClr val="accent6">
@@ -6094,13 +6685,15 @@
         </p:nvSpPr>
         <p:spPr>
           <a:xfrm>
-            <a:off x="9422296" y="20512765"/>
+            <a:off x="9097176" y="18654219"/>
             <a:ext cx="11926960" cy="1021127"/>
           </a:xfrm>
           <a:prstGeom prst="rect">
             <a:avLst/>
           </a:prstGeom>
-          <a:noFill/>
+          <a:solidFill>
+            <a:schemeClr val="bg1"/>
+          </a:solidFill>
           <a:ln w="38100">
             <a:solidFill>
               <a:schemeClr val="accent6">
@@ -6167,13 +6760,15 @@
         </p:nvSpPr>
         <p:spPr>
           <a:xfrm>
-            <a:off x="9422296" y="21511584"/>
+            <a:off x="9097176" y="19653038"/>
             <a:ext cx="11926960" cy="5015334"/>
           </a:xfrm>
           <a:prstGeom prst="rect">
             <a:avLst/>
           </a:prstGeom>
-          <a:noFill/>
+          <a:solidFill>
+            <a:schemeClr val="bg1"/>
+          </a:solidFill>
           <a:ln w="38100">
             <a:solidFill>
               <a:schemeClr val="accent6">
@@ -6221,7 +6816,7 @@
         </p:nvSpPr>
         <p:spPr>
           <a:xfrm>
-            <a:off x="2996618" y="22089836"/>
+            <a:off x="2488618" y="20322730"/>
             <a:ext cx="5832884" cy="4154984"/>
           </a:xfrm>
           <a:prstGeom prst="rect">
@@ -6274,7 +6869,7 @@
         </p:nvSpPr>
         <p:spPr>
           <a:xfrm rot="5400000">
-            <a:off x="5260324" y="23637416"/>
+            <a:off x="4752324" y="21870310"/>
             <a:ext cx="1014154" cy="965694"/>
           </a:xfrm>
           <a:prstGeom prst="rightArrow">
@@ -6332,7 +6927,7 @@
         </p:nvSpPr>
         <p:spPr>
           <a:xfrm>
-            <a:off x="9893813" y="21988010"/>
+            <a:off x="9467699" y="20159255"/>
             <a:ext cx="6109595" cy="4832092"/>
           </a:xfrm>
           <a:prstGeom prst="rect">
@@ -6384,7 +6979,7 @@
         </p:nvSpPr>
         <p:spPr>
           <a:xfrm rot="5400000">
-            <a:off x="12161394" y="23643728"/>
+            <a:off x="11613272" y="21736128"/>
             <a:ext cx="1014154" cy="965694"/>
           </a:xfrm>
           <a:prstGeom prst="rightArrow">
@@ -6430,10 +7025,10 @@
       </p:sp>
       <p:sp>
         <p:nvSpPr>
-          <p:cNvPr id="78" name="四角形吹き出し 77">
+          <p:cNvPr id="80" name="正方形/長方形 79">
             <a:extLst>
               <a:ext uri="{FF2B5EF4-FFF2-40B4-BE49-F238E27FC236}">
-                <a16:creationId xmlns:a16="http://schemas.microsoft.com/office/drawing/2014/main" id="{41FDE50F-0E16-0148-9FFF-4DFF81D3533D}"/>
+                <a16:creationId xmlns:a16="http://schemas.microsoft.com/office/drawing/2014/main" id="{C211EC27-F508-FC49-BFC4-13F345E31746}"/>
               </a:ext>
             </a:extLst>
           </p:cNvPr>
@@ -6442,17 +7037,16 @@
         </p:nvSpPr>
         <p:spPr>
           <a:xfrm>
-            <a:off x="2315147" y="20194750"/>
-            <a:ext cx="25802583" cy="6594889"/>
-          </a:xfrm>
-          <a:prstGeom prst="wedgeRectCallout">
-            <a:avLst>
-              <a:gd name="adj1" fmla="val 22412"/>
-              <a:gd name="adj2" fmla="val 86082"/>
-            </a:avLst>
+            <a:off x="21334327" y="18631911"/>
+            <a:ext cx="6279820" cy="1021127"/>
+          </a:xfrm>
+          <a:prstGeom prst="rect">
+            <a:avLst/>
           </a:prstGeom>
-          <a:noFill/>
-          <a:ln>
+          <a:solidFill>
+            <a:schemeClr val="bg1"/>
+          </a:solidFill>
+          <a:ln w="38100">
             <a:solidFill>
               <a:schemeClr val="accent6">
                 <a:lumMod val="75000"/>
@@ -6481,16 +7075,25 @@
           <a:lstStyle/>
           <a:p>
             <a:pPr algn="ctr"/>
-            <a:endParaRPr kumimoji="1" lang="ja-JP" altLang="en-US"/>
-          </a:p>
-        </p:txBody>
-      </p:sp>
-      <p:sp>
-        <p:nvSpPr>
-          <p:cNvPr id="80" name="正方形/長方形 79">
+            <a:r>
+              <a:rPr kumimoji="1" lang="ja-JP" altLang="en-US" sz="4800" b="1">
+                <a:solidFill>
+                  <a:schemeClr val="accent6">
+                    <a:lumMod val="75000"/>
+                  </a:schemeClr>
+                </a:solidFill>
+              </a:rPr>
+              <a:t>③類似度算出</a:t>
+            </a:r>
+          </a:p>
+        </p:txBody>
+      </p:sp>
+      <p:sp>
+        <p:nvSpPr>
+          <p:cNvPr id="81" name="正方形/長方形 80">
             <a:extLst>
               <a:ext uri="{FF2B5EF4-FFF2-40B4-BE49-F238E27FC236}">
-                <a16:creationId xmlns:a16="http://schemas.microsoft.com/office/drawing/2014/main" id="{C211EC27-F508-FC49-BFC4-13F345E31746}"/>
+                <a16:creationId xmlns:a16="http://schemas.microsoft.com/office/drawing/2014/main" id="{844A3F01-F401-DA48-BFB9-041CCE13A668}"/>
               </a:ext>
             </a:extLst>
           </p:cNvPr>
@@ -6499,13 +7102,15 @@
         </p:nvSpPr>
         <p:spPr>
           <a:xfrm>
-            <a:off x="21689927" y="20490457"/>
-            <a:ext cx="6279820" cy="1021127"/>
+            <a:off x="21334327" y="19645970"/>
+            <a:ext cx="6279820" cy="5015334"/>
           </a:xfrm>
           <a:prstGeom prst="rect">
             <a:avLst/>
           </a:prstGeom>
-          <a:noFill/>
+          <a:solidFill>
+            <a:schemeClr val="bg1"/>
+          </a:solidFill>
           <a:ln w="38100">
             <a:solidFill>
               <a:schemeClr val="accent6">
@@ -6535,25 +7140,56 @@
           <a:lstStyle/>
           <a:p>
             <a:pPr algn="ctr"/>
-            <a:r>
-              <a:rPr kumimoji="1" lang="ja-JP" altLang="en-US" sz="4800" b="1">
-                <a:solidFill>
-                  <a:schemeClr val="accent6">
-                    <a:lumMod val="75000"/>
-                  </a:schemeClr>
-                </a:solidFill>
-              </a:rPr>
-              <a:t>③類似度算出</a:t>
-            </a:r>
-          </a:p>
-        </p:txBody>
-      </p:sp>
-      <p:sp>
-        <p:nvSpPr>
-          <p:cNvPr id="81" name="正方形/長方形 80">
+            <a:endParaRPr kumimoji="1" lang="ja-JP" altLang="en-US"/>
+          </a:p>
+        </p:txBody>
+      </p:sp>
+      <p:sp>
+        <p:nvSpPr>
+          <p:cNvPr id="82" name="テキスト ボックス 81">
             <a:extLst>
               <a:ext uri="{FF2B5EF4-FFF2-40B4-BE49-F238E27FC236}">
-                <a16:creationId xmlns:a16="http://schemas.microsoft.com/office/drawing/2014/main" id="{844A3F01-F401-DA48-BFB9-041CCE13A668}"/>
+                <a16:creationId xmlns:a16="http://schemas.microsoft.com/office/drawing/2014/main" id="{5DED6EDB-FBD1-B44D-B9EF-7A8E24D289ED}"/>
+              </a:ext>
+            </a:extLst>
+          </p:cNvPr>
+          <p:cNvSpPr txBox="1"/>
+          <p:nvPr/>
+        </p:nvSpPr>
+        <p:spPr>
+          <a:xfrm>
+            <a:off x="21504552" y="21078694"/>
+            <a:ext cx="6109595" cy="2123658"/>
+          </a:xfrm>
+          <a:prstGeom prst="rect">
+            <a:avLst/>
+          </a:prstGeom>
+          <a:noFill/>
+        </p:spPr>
+        <p:txBody>
+          <a:bodyPr wrap="square" rtlCol="0">
+            <a:spAutoFit/>
+          </a:bodyPr>
+          <a:lstStyle/>
+          <a:p>
+            <a:r>
+              <a:rPr kumimoji="1" lang="ja-JP" altLang="en-US" sz="4400"/>
+              <a:t>各スポットのトピックに対する</a:t>
+            </a:r>
+            <a:r>
+              <a:rPr lang="ja-JP" altLang="en-US" sz="4400"/>
+              <a:t>特徴ベクトルの類似度を計算</a:t>
+            </a:r>
+            <a:endParaRPr kumimoji="1" lang="ja-JP" altLang="en-US" sz="4400"/>
+          </a:p>
+        </p:txBody>
+      </p:sp>
+      <p:sp>
+        <p:nvSpPr>
+          <p:cNvPr id="85" name="左右矢印 84">
+            <a:extLst>
+              <a:ext uri="{FF2B5EF4-FFF2-40B4-BE49-F238E27FC236}">
+                <a16:creationId xmlns:a16="http://schemas.microsoft.com/office/drawing/2014/main" id="{7F359F01-5473-2C44-916D-32A76B05A527}"/>
               </a:ext>
             </a:extLst>
           </p:cNvPr>
@@ -6561,15 +7197,19 @@
           <p:nvPr/>
         </p:nvSpPr>
         <p:spPr>
-          <a:xfrm>
-            <a:off x="21689927" y="21534996"/>
-            <a:ext cx="6279820" cy="5015334"/>
-          </a:xfrm>
-          <a:prstGeom prst="rect">
+          <a:xfrm rot="2700000">
+            <a:off x="18208712" y="30145318"/>
+            <a:ext cx="2520000" cy="936000"/>
+          </a:xfrm>
+          <a:prstGeom prst="leftRightArrow">
             <a:avLst/>
           </a:prstGeom>
-          <a:noFill/>
-          <a:ln w="38100">
+          <a:solidFill>
+            <a:schemeClr val="accent6">
+              <a:lumMod val="75000"/>
+            </a:schemeClr>
+          </a:solidFill>
+          <a:ln>
             <a:solidFill>
               <a:schemeClr val="accent6">
                 <a:lumMod val="75000"/>
@@ -6604,10 +7244,10 @@
       </p:sp>
       <p:sp>
         <p:nvSpPr>
-          <p:cNvPr id="82" name="テキスト ボックス 81">
+          <p:cNvPr id="86" name="テキスト ボックス 85">
             <a:extLst>
               <a:ext uri="{FF2B5EF4-FFF2-40B4-BE49-F238E27FC236}">
-                <a16:creationId xmlns:a16="http://schemas.microsoft.com/office/drawing/2014/main" id="{5DED6EDB-FBD1-B44D-B9EF-7A8E24D289ED}"/>
+                <a16:creationId xmlns:a16="http://schemas.microsoft.com/office/drawing/2014/main" id="{9E365BE7-EED7-EC48-9CA7-4F40D567C3AA}"/>
               </a:ext>
             </a:extLst>
           </p:cNvPr>
@@ -6616,8 +7256,8 @@
         </p:nvSpPr>
         <p:spPr>
           <a:xfrm>
-            <a:off x="21860152" y="22937240"/>
-            <a:ext cx="6109595" cy="2123658"/>
+            <a:off x="18796960" y="33783387"/>
+            <a:ext cx="9726326" cy="2202206"/>
           </a:xfrm>
           <a:prstGeom prst="rect">
             <a:avLst/>
@@ -6630,24 +7270,37 @@
           </a:bodyPr>
           <a:lstStyle/>
           <a:p>
-            <a:r>
-              <a:rPr kumimoji="1" lang="ja-JP" altLang="en-US" sz="4400"/>
-              <a:t>各スポットのトピックに対する</a:t>
-            </a:r>
-            <a:r>
-              <a:rPr lang="ja-JP" altLang="en-US" sz="4400"/>
-              <a:t>特徴ベクトルのｃｏｓ類似度を計算</a:t>
-            </a:r>
-            <a:endParaRPr kumimoji="1" lang="ja-JP" altLang="en-US" sz="4400"/>
-          </a:p>
-        </p:txBody>
-      </p:sp>
-      <p:sp>
-        <p:nvSpPr>
-          <p:cNvPr id="85" name="左右矢印 84">
+            <a:pPr algn="ctr">
+              <a:lnSpc>
+                <a:spcPct val="150000"/>
+              </a:lnSpc>
+            </a:pPr>
+            <a:r>
+              <a:rPr kumimoji="1" lang="ja-JP" altLang="en-US" sz="4800"/>
+              <a:t>お気に入りのスポット情報の入力</a:t>
+            </a:r>
+            <a:endParaRPr kumimoji="1" lang="en-US" altLang="ja-JP" sz="4800" dirty="0"/>
+          </a:p>
+          <a:p>
+            <a:pPr algn="ctr">
+              <a:lnSpc>
+                <a:spcPct val="150000"/>
+              </a:lnSpc>
+            </a:pPr>
+            <a:r>
+              <a:rPr lang="ja-JP" altLang="en-US" sz="4800"/>
+              <a:t>高好感度な観光地を提案</a:t>
+            </a:r>
+            <a:endParaRPr kumimoji="1" lang="ja-JP" altLang="en-US" sz="4800"/>
+          </a:p>
+        </p:txBody>
+      </p:sp>
+      <p:sp>
+        <p:nvSpPr>
+          <p:cNvPr id="87" name="右矢印 86">
             <a:extLst>
               <a:ext uri="{FF2B5EF4-FFF2-40B4-BE49-F238E27FC236}">
-                <a16:creationId xmlns:a16="http://schemas.microsoft.com/office/drawing/2014/main" id="{7F359F01-5473-2C44-916D-32A76B05A527}"/>
+                <a16:creationId xmlns:a16="http://schemas.microsoft.com/office/drawing/2014/main" id="{5D5C2B09-C164-8246-97ED-223140B8C4E1}"/>
               </a:ext>
             </a:extLst>
           </p:cNvPr>
@@ -6655,11 +7308,11 @@
           <p:nvPr/>
         </p:nvSpPr>
         <p:spPr>
-          <a:xfrm rot="3000000">
-            <a:off x="17152946" y="32570680"/>
-            <a:ext cx="3888000" cy="936000"/>
-          </a:xfrm>
-          <a:prstGeom prst="leftRightArrow">
+          <a:xfrm>
+            <a:off x="19398303" y="35204456"/>
+            <a:ext cx="675444" cy="719538"/>
+          </a:xfrm>
+          <a:prstGeom prst="rightArrow">
             <a:avLst/>
           </a:prstGeom>
           <a:solidFill>
@@ -6702,199 +7355,6 @@
       </p:sp>
       <p:sp>
         <p:nvSpPr>
-          <p:cNvPr id="89" name="正方形/長方形 88">
-            <a:extLst>
-              <a:ext uri="{FF2B5EF4-FFF2-40B4-BE49-F238E27FC236}">
-                <a16:creationId xmlns:a16="http://schemas.microsoft.com/office/drawing/2014/main" id="{05E941E6-68E0-4A4D-BF24-5142A057DB7E}"/>
-              </a:ext>
-            </a:extLst>
-          </p:cNvPr>
-          <p:cNvSpPr/>
-          <p:nvPr/>
-        </p:nvSpPr>
-        <p:spPr>
-          <a:xfrm>
-            <a:off x="5917446" y="30750046"/>
-            <a:ext cx="10080000" cy="1021127"/>
-          </a:xfrm>
-          <a:prstGeom prst="rect">
-            <a:avLst/>
-          </a:prstGeom>
-          <a:solidFill>
-            <a:srgbClr val="EF0023"/>
-          </a:solidFill>
-          <a:ln w="38100">
-            <a:solidFill>
-              <a:srgbClr val="EF0023"/>
-            </a:solidFill>
-          </a:ln>
-        </p:spPr>
-        <p:style>
-          <a:lnRef idx="2">
-            <a:schemeClr val="accent1">
-              <a:shade val="50000"/>
-            </a:schemeClr>
-          </a:lnRef>
-          <a:fillRef idx="1">
-            <a:schemeClr val="accent1"/>
-          </a:fillRef>
-          <a:effectRef idx="0">
-            <a:schemeClr val="accent1"/>
-          </a:effectRef>
-          <a:fontRef idx="minor">
-            <a:schemeClr val="lt1"/>
-          </a:fontRef>
-        </p:style>
-        <p:txBody>
-          <a:bodyPr rtlCol="0" anchor="ctr"/>
-          <a:lstStyle/>
-          <a:p>
-            <a:pPr algn="ctr"/>
-            <a:r>
-              <a:rPr kumimoji="1" lang="en-US" altLang="ja-JP" sz="4800" b="1" dirty="0"/>
-              <a:t>Web</a:t>
-            </a:r>
-            <a:r>
-              <a:rPr kumimoji="1" lang="ja-JP" altLang="en-US" sz="4800" b="1"/>
-              <a:t>ページ</a:t>
-            </a:r>
-          </a:p>
-        </p:txBody>
-      </p:sp>
-      <p:grpSp>
-        <p:nvGrpSpPr>
-          <p:cNvPr id="92" name="グループ化 91">
-            <a:extLst>
-              <a:ext uri="{FF2B5EF4-FFF2-40B4-BE49-F238E27FC236}">
-                <a16:creationId xmlns:a16="http://schemas.microsoft.com/office/drawing/2014/main" id="{674EFF42-9CC3-434B-B40E-92EDDF65A1FE}"/>
-              </a:ext>
-            </a:extLst>
-          </p:cNvPr>
-          <p:cNvGrpSpPr/>
-          <p:nvPr/>
-        </p:nvGrpSpPr>
-        <p:grpSpPr>
-          <a:xfrm>
-            <a:off x="4938138" y="32148851"/>
-            <a:ext cx="12141807" cy="2800767"/>
-            <a:chOff x="4500514" y="32027928"/>
-            <a:chExt cx="12141807" cy="2800767"/>
-          </a:xfrm>
-        </p:grpSpPr>
-        <p:sp>
-          <p:nvSpPr>
-            <p:cNvPr id="86" name="テキスト ボックス 85">
-              <a:extLst>
-                <a:ext uri="{FF2B5EF4-FFF2-40B4-BE49-F238E27FC236}">
-                  <a16:creationId xmlns:a16="http://schemas.microsoft.com/office/drawing/2014/main" id="{9E365BE7-EED7-EC48-9CA7-4F40D567C3AA}"/>
-                </a:ext>
-              </a:extLst>
-            </p:cNvPr>
-            <p:cNvSpPr txBox="1"/>
-            <p:nvPr/>
-          </p:nvSpPr>
-          <p:spPr>
-            <a:xfrm>
-              <a:off x="4500514" y="32027928"/>
-              <a:ext cx="12141807" cy="2800767"/>
-            </a:xfrm>
-            <a:prstGeom prst="rect">
-              <a:avLst/>
-            </a:prstGeom>
-            <a:noFill/>
-          </p:spPr>
-          <p:txBody>
-            <a:bodyPr wrap="square" rtlCol="0">
-              <a:spAutoFit/>
-            </a:bodyPr>
-            <a:lstStyle/>
-            <a:p>
-              <a:pPr algn="ctr"/>
-              <a:r>
-                <a:rPr kumimoji="1" lang="ja-JP" altLang="en-US" sz="4400"/>
-                <a:t>お気に入りのスポット情報の入力</a:t>
-              </a:r>
-              <a:endParaRPr kumimoji="1" lang="en-US" altLang="ja-JP" sz="4400" dirty="0"/>
-            </a:p>
-            <a:p>
-              <a:pPr algn="ctr"/>
-              <a:endParaRPr lang="en-US" altLang="ja-JP" sz="4400" dirty="0"/>
-            </a:p>
-            <a:p>
-              <a:pPr algn="ctr"/>
-              <a:endParaRPr kumimoji="1" lang="en-US" altLang="ja-JP" sz="4400" dirty="0"/>
-            </a:p>
-            <a:p>
-              <a:pPr algn="ctr"/>
-              <a:r>
-                <a:rPr lang="ja-JP" altLang="en-US" sz="4400"/>
-                <a:t>高好感度な観光地を提案</a:t>
-              </a:r>
-              <a:endParaRPr kumimoji="1" lang="ja-JP" altLang="en-US" sz="4400"/>
-            </a:p>
-          </p:txBody>
-        </p:sp>
-        <p:sp>
-          <p:nvSpPr>
-            <p:cNvPr id="87" name="右矢印 86">
-              <a:extLst>
-                <a:ext uri="{FF2B5EF4-FFF2-40B4-BE49-F238E27FC236}">
-                  <a16:creationId xmlns:a16="http://schemas.microsoft.com/office/drawing/2014/main" id="{5D5C2B09-C164-8246-97ED-223140B8C4E1}"/>
-                </a:ext>
-              </a:extLst>
-            </p:cNvPr>
-            <p:cNvSpPr/>
-            <p:nvPr/>
-          </p:nvSpPr>
-          <p:spPr>
-            <a:xfrm rot="5400000">
-              <a:off x="9972579" y="32867109"/>
-              <a:ext cx="1014154" cy="965694"/>
-            </a:xfrm>
-            <a:prstGeom prst="rightArrow">
-              <a:avLst/>
-            </a:prstGeom>
-            <a:solidFill>
-              <a:schemeClr val="accent6">
-                <a:lumMod val="75000"/>
-              </a:schemeClr>
-            </a:solidFill>
-            <a:ln>
-              <a:solidFill>
-                <a:schemeClr val="accent6">
-                  <a:lumMod val="75000"/>
-                </a:schemeClr>
-              </a:solidFill>
-            </a:ln>
-          </p:spPr>
-          <p:style>
-            <a:lnRef idx="2">
-              <a:schemeClr val="accent1">
-                <a:shade val="50000"/>
-              </a:schemeClr>
-            </a:lnRef>
-            <a:fillRef idx="1">
-              <a:schemeClr val="accent1"/>
-            </a:fillRef>
-            <a:effectRef idx="0">
-              <a:schemeClr val="accent1"/>
-            </a:effectRef>
-            <a:fontRef idx="minor">
-              <a:schemeClr val="lt1"/>
-            </a:fontRef>
-          </p:style>
-          <p:txBody>
-            <a:bodyPr rtlCol="0" anchor="ctr"/>
-            <a:lstStyle/>
-            <a:p>
-              <a:pPr algn="ctr"/>
-              <a:endParaRPr kumimoji="1" lang="ja-JP" altLang="en-US"/>
-            </a:p>
-          </p:txBody>
-        </p:sp>
-      </p:grpSp>
-      <p:sp>
-        <p:nvSpPr>
           <p:cNvPr id="90" name="正方形/長方形 89">
             <a:extLst>
               <a:ext uri="{FF2B5EF4-FFF2-40B4-BE49-F238E27FC236}">
@@ -6907,8 +7367,8 @@
         </p:nvSpPr>
         <p:spPr>
           <a:xfrm>
-            <a:off x="5923983" y="31812181"/>
-            <a:ext cx="10080000" cy="3275163"/>
+            <a:off x="7763567" y="13511885"/>
+            <a:ext cx="18741003" cy="1021495"/>
           </a:xfrm>
           <a:prstGeom prst="rect">
             <a:avLst/>
@@ -6967,7 +7427,7 @@
         </p:blipFill>
         <p:spPr>
           <a:xfrm>
-            <a:off x="16174937" y="22492549"/>
+            <a:off x="15697417" y="20634003"/>
             <a:ext cx="4244495" cy="2993319"/>
           </a:xfrm>
           <a:prstGeom prst="rect">
@@ -6975,6 +7435,63 @@
           </a:prstGeom>
         </p:spPr>
       </p:pic>
+      <p:sp>
+        <p:nvSpPr>
+          <p:cNvPr id="96" name="正方形/長方形 95">
+            <a:extLst>
+              <a:ext uri="{FF2B5EF4-FFF2-40B4-BE49-F238E27FC236}">
+                <a16:creationId xmlns:a16="http://schemas.microsoft.com/office/drawing/2014/main" id="{96B81114-412D-694D-9900-153AB87B8DB0}"/>
+              </a:ext>
+            </a:extLst>
+          </p:cNvPr>
+          <p:cNvSpPr/>
+          <p:nvPr/>
+        </p:nvSpPr>
+        <p:spPr>
+          <a:xfrm>
+            <a:off x="5617617" y="13513715"/>
+            <a:ext cx="2160000" cy="1020820"/>
+          </a:xfrm>
+          <a:prstGeom prst="rect">
+            <a:avLst/>
+          </a:prstGeom>
+          <a:solidFill>
+            <a:srgbClr val="EF0023"/>
+          </a:solidFill>
+          <a:ln w="38100">
+            <a:solidFill>
+              <a:srgbClr val="EF0023"/>
+            </a:solidFill>
+          </a:ln>
+        </p:spPr>
+        <p:style>
+          <a:lnRef idx="2">
+            <a:schemeClr val="accent1">
+              <a:shade val="50000"/>
+            </a:schemeClr>
+          </a:lnRef>
+          <a:fillRef idx="1">
+            <a:schemeClr val="accent1"/>
+          </a:fillRef>
+          <a:effectRef idx="0">
+            <a:schemeClr val="accent1"/>
+          </a:effectRef>
+          <a:fontRef idx="minor">
+            <a:schemeClr val="lt1"/>
+          </a:fontRef>
+        </p:style>
+        <p:txBody>
+          <a:bodyPr rtlCol="0" anchor="ctr"/>
+          <a:lstStyle/>
+          <a:p>
+            <a:pPr algn="ctr"/>
+            <a:r>
+              <a:rPr kumimoji="1" lang="ja-JP" altLang="en-US" sz="4800" b="1"/>
+              <a:t>目的</a:t>
+            </a:r>
+          </a:p>
+        </p:txBody>
+      </p:sp>
     </p:spTree>
     <p:extLst>
       <p:ext uri="{BB962C8B-B14F-4D97-AF65-F5344CB8AC3E}">

--- a/notebooks/interrim_presentattion_poster.pptx
+++ b/notebooks/interrim_presentattion_poster.pptx
@@ -139,9 +139,9 @@
     </p:extLst>
   </p:cm>
   <p:cm authorId="1" dt="2018-07-17T17:44:47.824" idx="3">
-    <p:pos x="14720" y="6723"/>
+    <p:pos x="15317" y="7512"/>
     <p:text>普通の文字の方が良い</p:text>
-    <p:extLst>
+    <p:extLst mod="1">
       <p:ext uri="{C676402C-5697-4E1C-873F-D02D1690AC5C}">
         <p15:threadingInfo xmlns:p15="http://schemas.microsoft.com/office/powerpoint/2012/main" timeZoneBias="-540"/>
       </p:ext>
@@ -166,18 +166,18 @@
     </p:extLst>
   </p:cm>
   <p:cm authorId="1" dt="2018-07-17T17:47:33.740" idx="6">
-    <p:pos x="13641" y="16686"/>
+    <p:pos x="18851" y="15560"/>
     <p:text>吹き出し口を狭める</p:text>
-    <p:extLst>
+    <p:extLst mod="1">
       <p:ext uri="{C676402C-5697-4E1C-873F-D02D1690AC5C}">
         <p15:threadingInfo xmlns:p15="http://schemas.microsoft.com/office/powerpoint/2012/main" timeZoneBias="-540"/>
       </p:ext>
     </p:extLst>
   </p:cm>
   <p:cm authorId="1" dt="2018-07-17T17:51:08.779" idx="7">
-    <p:pos x="7374" y="21398"/>
+    <p:pos x="-4701" y="17429"/>
     <p:text>Webページ関連が見えるようにする</p:text>
-    <p:extLst>
+    <p:extLst mod="1">
       <p:ext uri="{C676402C-5697-4E1C-873F-D02D1690AC5C}">
         <p15:threadingInfo xmlns:p15="http://schemas.microsoft.com/office/powerpoint/2012/main" timeZoneBias="-540"/>
       </p:ext>
@@ -286,7 +286,7 @@
           <a:p>
             <a:fld id="{0AFE82F3-11D5-F944-89E9-B99917A57139}" type="datetimeFigureOut">
               <a:rPr kumimoji="1" lang="ja-JP" altLang="en-US" smtClean="0"/>
-              <a:t>2018/7/15</a:t>
+              <a:t>2018/7/24</a:t>
             </a:fld>
             <a:endParaRPr kumimoji="1" lang="ja-JP" altLang="en-US"/>
           </a:p>
@@ -830,6 +830,16 @@
               <a:t>/?p=464</a:t>
             </a:r>
           </a:p>
+          <a:p>
+            <a:endParaRPr kumimoji="1" lang="en-US" altLang="ja-JP" dirty="0"/>
+          </a:p>
+          <a:p>
+            <a:r>
+              <a:rPr kumimoji="1" lang="ja-JP" altLang="en-US"/>
+              <a:t>スポットごとのレビューのトピック分布に関する類似度</a:t>
+            </a:r>
+            <a:endParaRPr kumimoji="1" lang="en-US" altLang="ja-JP" dirty="0"/>
+          </a:p>
         </p:txBody>
       </p:sp>
       <p:sp>
@@ -999,7 +1009,7 @@
           <a:p>
             <a:fld id="{70296414-D4AB-0445-AC9A-286031D4AA46}" type="datetimeFigureOut">
               <a:rPr kumimoji="1" lang="ja-JP" altLang="en-US" smtClean="0"/>
-              <a:t>2018/7/15</a:t>
+              <a:t>2018/7/24</a:t>
             </a:fld>
             <a:endParaRPr kumimoji="1" lang="ja-JP" altLang="en-US"/>
           </a:p>
@@ -1201,7 +1211,7 @@
           <a:p>
             <a:fld id="{70296414-D4AB-0445-AC9A-286031D4AA46}" type="datetimeFigureOut">
               <a:rPr kumimoji="1" lang="ja-JP" altLang="en-US" smtClean="0"/>
-              <a:t>2018/7/15</a:t>
+              <a:t>2018/7/24</a:t>
             </a:fld>
             <a:endParaRPr kumimoji="1" lang="ja-JP" altLang="en-US"/>
           </a:p>
@@ -1413,7 +1423,7 @@
           <a:p>
             <a:fld id="{70296414-D4AB-0445-AC9A-286031D4AA46}" type="datetimeFigureOut">
               <a:rPr kumimoji="1" lang="ja-JP" altLang="en-US" smtClean="0"/>
-              <a:t>2018/7/15</a:t>
+              <a:t>2018/7/24</a:t>
             </a:fld>
             <a:endParaRPr kumimoji="1" lang="ja-JP" altLang="en-US"/>
           </a:p>
@@ -1615,7 +1625,7 @@
           <a:p>
             <a:fld id="{70296414-D4AB-0445-AC9A-286031D4AA46}" type="datetimeFigureOut">
               <a:rPr kumimoji="1" lang="ja-JP" altLang="en-US" smtClean="0"/>
-              <a:t>2018/7/15</a:t>
+              <a:t>2018/7/24</a:t>
             </a:fld>
             <a:endParaRPr kumimoji="1" lang="ja-JP" altLang="en-US"/>
           </a:p>
@@ -1859,7 +1869,7 @@
           <a:p>
             <a:fld id="{70296414-D4AB-0445-AC9A-286031D4AA46}" type="datetimeFigureOut">
               <a:rPr kumimoji="1" lang="ja-JP" altLang="en-US" smtClean="0"/>
-              <a:t>2018/7/15</a:t>
+              <a:t>2018/7/24</a:t>
             </a:fld>
             <a:endParaRPr kumimoji="1" lang="ja-JP" altLang="en-US"/>
           </a:p>
@@ -2155,7 +2165,7 @@
           <a:p>
             <a:fld id="{70296414-D4AB-0445-AC9A-286031D4AA46}" type="datetimeFigureOut">
               <a:rPr kumimoji="1" lang="ja-JP" altLang="en-US" smtClean="0"/>
-              <a:t>2018/7/15</a:t>
+              <a:t>2018/7/24</a:t>
             </a:fld>
             <a:endParaRPr kumimoji="1" lang="ja-JP" altLang="en-US"/>
           </a:p>
@@ -2586,7 +2596,7 @@
           <a:p>
             <a:fld id="{70296414-D4AB-0445-AC9A-286031D4AA46}" type="datetimeFigureOut">
               <a:rPr kumimoji="1" lang="ja-JP" altLang="en-US" smtClean="0"/>
-              <a:t>2018/7/15</a:t>
+              <a:t>2018/7/24</a:t>
             </a:fld>
             <a:endParaRPr kumimoji="1" lang="ja-JP" altLang="en-US"/>
           </a:p>
@@ -2704,7 +2714,7 @@
           <a:p>
             <a:fld id="{70296414-D4AB-0445-AC9A-286031D4AA46}" type="datetimeFigureOut">
               <a:rPr kumimoji="1" lang="ja-JP" altLang="en-US" smtClean="0"/>
-              <a:t>2018/7/15</a:t>
+              <a:t>2018/7/24</a:t>
             </a:fld>
             <a:endParaRPr kumimoji="1" lang="ja-JP" altLang="en-US"/>
           </a:p>
@@ -2799,7 +2809,7 @@
           <a:p>
             <a:fld id="{70296414-D4AB-0445-AC9A-286031D4AA46}" type="datetimeFigureOut">
               <a:rPr kumimoji="1" lang="ja-JP" altLang="en-US" smtClean="0"/>
-              <a:t>2018/7/15</a:t>
+              <a:t>2018/7/24</a:t>
             </a:fld>
             <a:endParaRPr kumimoji="1" lang="ja-JP" altLang="en-US"/>
           </a:p>
@@ -3108,7 +3118,7 @@
           <a:p>
             <a:fld id="{70296414-D4AB-0445-AC9A-286031D4AA46}" type="datetimeFigureOut">
               <a:rPr kumimoji="1" lang="ja-JP" altLang="en-US" smtClean="0"/>
-              <a:t>2018/7/15</a:t>
+              <a:t>2018/7/24</a:t>
             </a:fld>
             <a:endParaRPr kumimoji="1" lang="ja-JP" altLang="en-US"/>
           </a:p>
@@ -3365,7 +3375,7 @@
           <a:p>
             <a:fld id="{70296414-D4AB-0445-AC9A-286031D4AA46}" type="datetimeFigureOut">
               <a:rPr kumimoji="1" lang="ja-JP" altLang="en-US" smtClean="0"/>
-              <a:t>2018/7/15</a:t>
+              <a:t>2018/7/24</a:t>
             </a:fld>
             <a:endParaRPr kumimoji="1" lang="ja-JP" altLang="en-US"/>
           </a:p>
@@ -3610,7 +3620,7 @@
           <a:p>
             <a:fld id="{70296414-D4AB-0445-AC9A-286031D4AA46}" type="datetimeFigureOut">
               <a:rPr kumimoji="1" lang="ja-JP" altLang="en-US" smtClean="0"/>
-              <a:t>2018/7/15</a:t>
+              <a:t>2018/7/24</a:t>
             </a:fld>
             <a:endParaRPr kumimoji="1" lang="ja-JP" altLang="en-US"/>
           </a:p>
@@ -4017,6 +4027,68 @@
       </p:grpSpPr>
       <p:sp>
         <p:nvSpPr>
+          <p:cNvPr id="8" name="四角形吹き出し 7">
+            <a:extLst>
+              <a:ext uri="{FF2B5EF4-FFF2-40B4-BE49-F238E27FC236}">
+                <a16:creationId xmlns:a16="http://schemas.microsoft.com/office/drawing/2014/main" id="{40ABCCD0-AAC5-D54A-8B1A-AA7CDE045C12}"/>
+              </a:ext>
+            </a:extLst>
+          </p:cNvPr>
+          <p:cNvSpPr/>
+          <p:nvPr/>
+        </p:nvSpPr>
+        <p:spPr>
+          <a:xfrm>
+            <a:off x="14483166" y="17027197"/>
+            <a:ext cx="8380149" cy="3076501"/>
+          </a:xfrm>
+          <a:prstGeom prst="wedgeRectCallout">
+            <a:avLst>
+              <a:gd name="adj1" fmla="val 63483"/>
+              <a:gd name="adj2" fmla="val -9103"/>
+            </a:avLst>
+          </a:prstGeom>
+          <a:solidFill>
+            <a:schemeClr val="accent6">
+              <a:lumMod val="20000"/>
+              <a:lumOff val="80000"/>
+            </a:schemeClr>
+          </a:solidFill>
+          <a:ln>
+            <a:solidFill>
+              <a:schemeClr val="accent6">
+                <a:lumMod val="75000"/>
+              </a:schemeClr>
+            </a:solidFill>
+          </a:ln>
+        </p:spPr>
+        <p:style>
+          <a:lnRef idx="2">
+            <a:schemeClr val="accent1">
+              <a:shade val="50000"/>
+            </a:schemeClr>
+          </a:lnRef>
+          <a:fillRef idx="1">
+            <a:schemeClr val="accent1"/>
+          </a:fillRef>
+          <a:effectRef idx="0">
+            <a:schemeClr val="accent1"/>
+          </a:effectRef>
+          <a:fontRef idx="minor">
+            <a:schemeClr val="lt1"/>
+          </a:fontRef>
+        </p:style>
+        <p:txBody>
+          <a:bodyPr rtlCol="0" anchor="ctr"/>
+          <a:lstStyle/>
+          <a:p>
+            <a:pPr algn="ctr"/>
+            <a:endParaRPr kumimoji="1" lang="ja-JP" altLang="en-US"/>
+          </a:p>
+        </p:txBody>
+      </p:sp>
+      <p:sp>
+        <p:nvSpPr>
           <p:cNvPr id="98" name="四角形吹き出し 97">
             <a:extLst>
               <a:ext uri="{FF2B5EF4-FFF2-40B4-BE49-F238E27FC236}">
@@ -4029,7 +4101,7 @@
         </p:nvSpPr>
         <p:spPr>
           <a:xfrm>
-            <a:off x="18753083" y="32941090"/>
+            <a:off x="-18114259" y="12709310"/>
             <a:ext cx="9770203" cy="3265234"/>
           </a:xfrm>
           <a:custGeom>
@@ -4337,7 +4409,7 @@
         </p:nvSpPr>
         <p:spPr>
           <a:xfrm>
-            <a:off x="2150268" y="18327703"/>
+            <a:off x="31743585" y="15286445"/>
             <a:ext cx="25802583" cy="9020177"/>
           </a:xfrm>
           <a:custGeom>
@@ -5256,8 +5328,8 @@
         </p:nvSpPr>
         <p:spPr>
           <a:xfrm>
-            <a:off x="1972140" y="9142784"/>
-            <a:ext cx="7952153" cy="3477875"/>
+            <a:off x="2164879" y="10913402"/>
+            <a:ext cx="7952153" cy="2123658"/>
           </a:xfrm>
           <a:prstGeom prst="rect">
             <a:avLst/>
@@ -5279,17 +5351,6 @@
               <a:t>訪日客のほとんどが黄金ルートと呼ばれる東京・大阪・京都に宿泊</a:t>
             </a:r>
             <a:endParaRPr lang="en-US" altLang="ja-JP" sz="4400" dirty="0"/>
-          </a:p>
-          <a:p>
-            <a:pPr marL="571500" indent="-571500">
-              <a:buFont typeface="Arial" panose="020B0604020202020204" pitchFamily="34" charset="0"/>
-              <a:buChar char="•"/>
-            </a:pPr>
-            <a:r>
-              <a:rPr lang="ja-JP" altLang="en-US" sz="4400"/>
-              <a:t>地方の魅力を適切に伝えるのは困難</a:t>
-            </a:r>
-            <a:endParaRPr kumimoji="1" lang="en-US" altLang="ja-JP" sz="4400" dirty="0"/>
           </a:p>
         </p:txBody>
       </p:sp>
@@ -5669,8 +5730,8 @@
         </p:nvSpPr>
         <p:spPr>
           <a:xfrm>
-            <a:off x="1296672" y="16712331"/>
-            <a:ext cx="27643017" cy="19798355"/>
+            <a:off x="1239147" y="16643187"/>
+            <a:ext cx="27648000" cy="19798355"/>
           </a:xfrm>
           <a:prstGeom prst="rect">
             <a:avLst/>
@@ -5725,8 +5786,8 @@
         </p:nvSpPr>
         <p:spPr>
           <a:xfrm>
-            <a:off x="1311028" y="15238953"/>
-            <a:ext cx="27643015" cy="1398979"/>
+            <a:off x="1230050" y="15275055"/>
+            <a:ext cx="27648000" cy="1398979"/>
           </a:xfrm>
           <a:prstGeom prst="rect">
             <a:avLst/>
@@ -5989,8 +6050,8 @@
         </p:nvSpPr>
         <p:spPr>
           <a:xfrm>
-            <a:off x="1990397" y="17037737"/>
-            <a:ext cx="20259905" cy="1155060"/>
+            <a:off x="1679040" y="17331144"/>
+            <a:ext cx="11762066" cy="2217787"/>
           </a:xfrm>
           <a:prstGeom prst="rect">
             <a:avLst/>
@@ -6009,7 +6070,13 @@
             </a:r>
             <a:r>
               <a:rPr lang="en-US" altLang="ja-JP" dirty="0"/>
-              <a:t>HTML / JavaScript / Python / MySQL / </a:t>
+              <a:t>HTML / JavaScript / </a:t>
+            </a:r>
+          </a:p>
+          <a:p>
+            <a:r>
+              <a:rPr lang="en-US" altLang="ja-JP" dirty="0"/>
+              <a:t>              Python / MySQL / </a:t>
             </a:r>
             <a:r>
               <a:rPr lang="en-US" altLang="ja-JP" dirty="0" err="1"/>
@@ -6041,7 +6108,7 @@
         </p:blipFill>
         <p:spPr>
           <a:xfrm>
-            <a:off x="4044818" y="26271577"/>
+            <a:off x="4044818" y="20660473"/>
             <a:ext cx="2167159" cy="1866635"/>
           </a:xfrm>
           <a:prstGeom prst="rect">
@@ -6071,7 +6138,7 @@
         </p:blipFill>
         <p:spPr>
           <a:xfrm>
-            <a:off x="2315147" y="27993829"/>
+            <a:off x="2315147" y="22382725"/>
             <a:ext cx="2173946" cy="1872481"/>
           </a:xfrm>
           <a:prstGeom prst="rect">
@@ -6101,7 +6168,7 @@
         </p:blipFill>
         <p:spPr>
           <a:xfrm>
-            <a:off x="16346214" y="26309013"/>
+            <a:off x="16356530" y="20649924"/>
             <a:ext cx="2356989" cy="2987075"/>
           </a:xfrm>
           <a:prstGeom prst="rect">
@@ -6131,7 +6198,7 @@
         </p:blipFill>
         <p:spPr>
           <a:xfrm>
-            <a:off x="25868421" y="26309013"/>
+            <a:off x="24362595" y="23114150"/>
             <a:ext cx="2356989" cy="2987075"/>
           </a:xfrm>
           <a:prstGeom prst="rect">
@@ -6153,7 +6220,7 @@
         </p:nvSpPr>
         <p:spPr>
           <a:xfrm>
-            <a:off x="6798368" y="27359680"/>
+            <a:off x="6798368" y="21997954"/>
             <a:ext cx="8778926" cy="936000"/>
           </a:xfrm>
           <a:prstGeom prst="rightArrow">
@@ -6210,9 +6277,9 @@
           <p:nvPr/>
         </p:nvSpPr>
         <p:spPr>
-          <a:xfrm>
-            <a:off x="19571423" y="27320516"/>
-            <a:ext cx="5616000" cy="936000"/>
+          <a:xfrm rot="900000">
+            <a:off x="18711729" y="23135677"/>
+            <a:ext cx="5148000" cy="975164"/>
           </a:xfrm>
           <a:prstGeom prst="rightArrow">
             <a:avLst/>
@@ -6269,7 +6336,7 @@
         </p:nvSpPr>
         <p:spPr>
           <a:xfrm>
-            <a:off x="1718439" y="25395287"/>
+            <a:off x="1336429" y="24364609"/>
             <a:ext cx="5724644" cy="830997"/>
           </a:xfrm>
           <a:prstGeom prst="rect">
@@ -6304,7 +6371,7 @@
         </p:nvSpPr>
         <p:spPr>
           <a:xfrm>
-            <a:off x="15577294" y="25234088"/>
+            <a:off x="14913191" y="24152226"/>
             <a:ext cx="4493538" cy="830997"/>
           </a:xfrm>
           <a:prstGeom prst="rect">
@@ -6339,7 +6406,7 @@
         </p:nvSpPr>
         <p:spPr>
           <a:xfrm>
-            <a:off x="25539371" y="25202814"/>
+            <a:off x="24125205" y="26416518"/>
             <a:ext cx="3262432" cy="830997"/>
           </a:xfrm>
           <a:prstGeom prst="rect">
@@ -6386,7 +6453,7 @@
         </p:blipFill>
         <p:spPr>
           <a:xfrm>
-            <a:off x="21117977" y="30115268"/>
+            <a:off x="24235209" y="17903507"/>
             <a:ext cx="2611759" cy="2690584"/>
           </a:xfrm>
           <a:prstGeom prst="rect">
@@ -6407,9 +6474,9 @@
           <p:nvPr/>
         </p:nvSpPr>
         <p:spPr>
-          <a:xfrm rot="8100000">
-            <a:off x="24110838" y="30125612"/>
-            <a:ext cx="2575737" cy="936000"/>
+          <a:xfrm rot="9900000">
+            <a:off x="18901414" y="20771784"/>
+            <a:ext cx="5148000" cy="936000"/>
           </a:xfrm>
           <a:prstGeom prst="leftRightArrow">
             <a:avLst/>
@@ -6466,7 +6533,7 @@
         </p:nvSpPr>
         <p:spPr>
           <a:xfrm>
-            <a:off x="20820635" y="29013066"/>
+            <a:off x="23971359" y="20685636"/>
             <a:ext cx="3206840" cy="830997"/>
           </a:xfrm>
           <a:prstGeom prst="rect">
@@ -6505,7 +6572,7 @@
         </p:nvSpPr>
         <p:spPr>
           <a:xfrm>
-            <a:off x="7260290" y="25987128"/>
+            <a:off x="6991213" y="20415936"/>
             <a:ext cx="7571303" cy="1569660"/>
           </a:xfrm>
           <a:prstGeom prst="rect">
@@ -6547,7 +6614,7 @@
         </p:nvSpPr>
         <p:spPr>
           <a:xfrm>
-            <a:off x="2454525" y="18661121"/>
+            <a:off x="32047842" y="15619863"/>
             <a:ext cx="6279820" cy="1021127"/>
           </a:xfrm>
           <a:prstGeom prst="rect">
@@ -6629,7 +6696,7 @@
         </p:nvSpPr>
         <p:spPr>
           <a:xfrm>
-            <a:off x="2454525" y="19673856"/>
+            <a:off x="32047842" y="16632598"/>
             <a:ext cx="6279820" cy="4928918"/>
           </a:xfrm>
           <a:prstGeom prst="rect">
@@ -6685,7 +6752,7 @@
         </p:nvSpPr>
         <p:spPr>
           <a:xfrm>
-            <a:off x="9097176" y="18654219"/>
+            <a:off x="38690493" y="15612961"/>
             <a:ext cx="11926960" cy="1021127"/>
           </a:xfrm>
           <a:prstGeom prst="rect">
@@ -6760,7 +6827,7 @@
         </p:nvSpPr>
         <p:spPr>
           <a:xfrm>
-            <a:off x="9097176" y="19653038"/>
+            <a:off x="38690493" y="16611780"/>
             <a:ext cx="11926960" cy="5015334"/>
           </a:xfrm>
           <a:prstGeom prst="rect">
@@ -6816,7 +6883,7 @@
         </p:nvSpPr>
         <p:spPr>
           <a:xfrm>
-            <a:off x="2488618" y="20322730"/>
+            <a:off x="32081935" y="17281472"/>
             <a:ext cx="5832884" cy="4154984"/>
           </a:xfrm>
           <a:prstGeom prst="rect">
@@ -6869,7 +6936,7 @@
         </p:nvSpPr>
         <p:spPr>
           <a:xfrm rot="5400000">
-            <a:off x="4752324" y="21870310"/>
+            <a:off x="34345641" y="18829052"/>
             <a:ext cx="1014154" cy="965694"/>
           </a:xfrm>
           <a:prstGeom prst="rightArrow">
@@ -6927,7 +6994,7 @@
         </p:nvSpPr>
         <p:spPr>
           <a:xfrm>
-            <a:off x="9467699" y="20159255"/>
+            <a:off x="38894762" y="17117997"/>
             <a:ext cx="6109595" cy="4832092"/>
           </a:xfrm>
           <a:prstGeom prst="rect">
@@ -6979,7 +7046,7 @@
         </p:nvSpPr>
         <p:spPr>
           <a:xfrm rot="5400000">
-            <a:off x="11613272" y="21736128"/>
+            <a:off x="41206589" y="18694870"/>
             <a:ext cx="1014154" cy="965694"/>
           </a:xfrm>
           <a:prstGeom prst="rightArrow">
@@ -7037,7 +7104,7 @@
         </p:nvSpPr>
         <p:spPr>
           <a:xfrm>
-            <a:off x="21334327" y="18631911"/>
+            <a:off x="50927644" y="15590653"/>
             <a:ext cx="6279820" cy="1021127"/>
           </a:xfrm>
           <a:prstGeom prst="rect">
@@ -7102,7 +7169,7 @@
         </p:nvSpPr>
         <p:spPr>
           <a:xfrm>
-            <a:off x="21334327" y="19645970"/>
+            <a:off x="50927644" y="16604712"/>
             <a:ext cx="6279820" cy="5015334"/>
           </a:xfrm>
           <a:prstGeom prst="rect">
@@ -7158,7 +7225,7 @@
         </p:nvSpPr>
         <p:spPr>
           <a:xfrm>
-            <a:off x="21504552" y="21078694"/>
+            <a:off x="51097869" y="18037436"/>
             <a:ext cx="6109595" cy="2123658"/>
           </a:xfrm>
           <a:prstGeom prst="rect">
@@ -7197,9 +7264,9 @@
           <p:nvPr/>
         </p:nvSpPr>
         <p:spPr>
-          <a:xfrm rot="2700000">
-            <a:off x="18208712" y="30145318"/>
-            <a:ext cx="2520000" cy="936000"/>
+          <a:xfrm rot="5400000">
+            <a:off x="24784762" y="21751123"/>
+            <a:ext cx="1440000" cy="936000"/>
           </a:xfrm>
           <a:prstGeom prst="leftRightArrow">
             <a:avLst/>
@@ -7256,8 +7323,8 @@
         </p:nvSpPr>
         <p:spPr>
           <a:xfrm>
-            <a:off x="18796960" y="33783387"/>
-            <a:ext cx="9726326" cy="2202206"/>
+            <a:off x="13858719" y="17532224"/>
+            <a:ext cx="9726326" cy="2026389"/>
           </a:xfrm>
           <a:prstGeom prst="rect">
             <a:avLst/>
@@ -7276,10 +7343,10 @@
               </a:lnSpc>
             </a:pPr>
             <a:r>
-              <a:rPr kumimoji="1" lang="ja-JP" altLang="en-US" sz="4800"/>
+              <a:rPr kumimoji="1" lang="ja-JP" altLang="en-US" sz="4300"/>
               <a:t>お気に入りのスポット情報の入力</a:t>
             </a:r>
-            <a:endParaRPr kumimoji="1" lang="en-US" altLang="ja-JP" sz="4800" dirty="0"/>
+            <a:endParaRPr kumimoji="1" lang="en-US" altLang="ja-JP" sz="4300" dirty="0"/>
           </a:p>
           <a:p>
             <a:pPr algn="ctr">
@@ -7288,10 +7355,10 @@
               </a:lnSpc>
             </a:pPr>
             <a:r>
-              <a:rPr lang="ja-JP" altLang="en-US" sz="4800"/>
+              <a:rPr lang="ja-JP" altLang="en-US" sz="4300"/>
               <a:t>高好感度な観光地を提案</a:t>
             </a:r>
-            <a:endParaRPr kumimoji="1" lang="ja-JP" altLang="en-US" sz="4800"/>
+            <a:endParaRPr kumimoji="1" lang="ja-JP" altLang="en-US" sz="4300"/>
           </a:p>
         </p:txBody>
       </p:sp>
@@ -7309,17 +7376,13 @@
         </p:nvSpPr>
         <p:spPr>
           <a:xfrm>
-            <a:off x="19398303" y="35204456"/>
+            <a:off x="14820214" y="18745481"/>
             <a:ext cx="675444" cy="719538"/>
           </a:xfrm>
           <a:prstGeom prst="rightArrow">
             <a:avLst/>
           </a:prstGeom>
-          <a:solidFill>
-            <a:schemeClr val="accent6">
-              <a:lumMod val="75000"/>
-            </a:schemeClr>
-          </a:solidFill>
+          <a:noFill/>
           <a:ln>
             <a:solidFill>
               <a:schemeClr val="accent6">
@@ -7427,7 +7490,7 @@
         </p:blipFill>
         <p:spPr>
           <a:xfrm>
-            <a:off x="15697417" y="20634003"/>
+            <a:off x="45290734" y="17592745"/>
             <a:ext cx="4244495" cy="2993319"/>
           </a:xfrm>
           <a:prstGeom prst="rect">
@@ -7489,6 +7552,1486 @@
               <a:rPr kumimoji="1" lang="ja-JP" altLang="en-US" sz="4800" b="1"/>
               <a:t>目的</a:t>
             </a:r>
+          </a:p>
+        </p:txBody>
+      </p:sp>
+      <p:sp>
+        <p:nvSpPr>
+          <p:cNvPr id="59" name="テキスト ボックス 58">
+            <a:extLst>
+              <a:ext uri="{FF2B5EF4-FFF2-40B4-BE49-F238E27FC236}">
+                <a16:creationId xmlns:a16="http://schemas.microsoft.com/office/drawing/2014/main" id="{F6101358-4E33-D446-9955-125F0F2F2F84}"/>
+              </a:ext>
+            </a:extLst>
+          </p:cNvPr>
+          <p:cNvSpPr txBox="1"/>
+          <p:nvPr/>
+        </p:nvSpPr>
+        <p:spPr>
+          <a:xfrm>
+            <a:off x="2124540" y="9295184"/>
+            <a:ext cx="7952153" cy="2123658"/>
+          </a:xfrm>
+          <a:prstGeom prst="rect">
+            <a:avLst/>
+          </a:prstGeom>
+          <a:noFill/>
+        </p:spPr>
+        <p:txBody>
+          <a:bodyPr wrap="square" rtlCol="0">
+            <a:spAutoFit/>
+          </a:bodyPr>
+          <a:lstStyle/>
+          <a:p>
+            <a:pPr marL="571500" indent="-571500">
+              <a:buFont typeface="Arial" panose="020B0604020202020204" pitchFamily="34" charset="0"/>
+              <a:buChar char="•"/>
+            </a:pPr>
+            <a:r>
+              <a:rPr lang="ja-JP" altLang="en-US" sz="4400"/>
+              <a:t>地方の魅力を適切に伝えるのは困難</a:t>
+            </a:r>
+            <a:endParaRPr lang="en-US" altLang="ja-JP" sz="4400" dirty="0"/>
+          </a:p>
+          <a:p>
+            <a:pPr marL="571500" indent="-571500">
+              <a:buFont typeface="Arial" panose="020B0604020202020204" pitchFamily="34" charset="0"/>
+              <a:buChar char="•"/>
+            </a:pPr>
+            <a:endParaRPr lang="en-US" altLang="ja-JP" sz="4400" dirty="0"/>
+          </a:p>
+        </p:txBody>
+      </p:sp>
+      <p:graphicFrame>
+        <p:nvGraphicFramePr>
+          <p:cNvPr id="6" name="表 5">
+            <a:extLst>
+              <a:ext uri="{FF2B5EF4-FFF2-40B4-BE49-F238E27FC236}">
+                <a16:creationId xmlns:a16="http://schemas.microsoft.com/office/drawing/2014/main" id="{6681EC5B-199B-D741-B5A5-E3CB95CE6667}"/>
+              </a:ext>
+            </a:extLst>
+          </p:cNvPr>
+          <p:cNvGraphicFramePr>
+            <a:graphicFrameLocks noGrp="1"/>
+          </p:cNvGraphicFramePr>
+          <p:nvPr>
+            <p:extLst>
+              <p:ext uri="{D42A27DB-BD31-4B8C-83A1-F6EECF244321}">
+                <p14:modId xmlns:p14="http://schemas.microsoft.com/office/powerpoint/2010/main" val="294748633"/>
+              </p:ext>
+            </p:extLst>
+          </p:nvPr>
+        </p:nvGraphicFramePr>
+        <p:xfrm>
+          <a:off x="-24845235" y="27788516"/>
+          <a:ext cx="15001182" cy="5272712"/>
+        </p:xfrm>
+        <a:graphic>
+          <a:graphicData uri="http://schemas.openxmlformats.org/drawingml/2006/table">
+            <a:tbl>
+              <a:tblPr firstRow="1" bandRow="1">
+                <a:tableStyleId>{5C22544A-7EE6-4342-B048-85BDC9FD1C3A}</a:tableStyleId>
+              </a:tblPr>
+              <a:tblGrid>
+                <a:gridCol w="2843921">
+                  <a:extLst>
+                    <a:ext uri="{9D8B030D-6E8A-4147-A177-3AD203B41FA5}">
+                      <a16:colId xmlns:a16="http://schemas.microsoft.com/office/drawing/2014/main" val="476507974"/>
+                    </a:ext>
+                  </a:extLst>
+                </a:gridCol>
+                <a:gridCol w="12157261">
+                  <a:extLst>
+                    <a:ext uri="{9D8B030D-6E8A-4147-A177-3AD203B41FA5}">
+                      <a16:colId xmlns:a16="http://schemas.microsoft.com/office/drawing/2014/main" val="1990266496"/>
+                    </a:ext>
+                  </a:extLst>
+                </a:gridCol>
+              </a:tblGrid>
+              <a:tr h="1318178">
+                <a:tc>
+                  <a:txBody>
+                    <a:bodyPr/>
+                    <a:lstStyle/>
+                    <a:p>
+                      <a:pPr algn="ctr"/>
+                      <a:r>
+                        <a:rPr kumimoji="1" lang="ja-JP" altLang="en-US"/>
+                        <a:t>用語</a:t>
+                      </a:r>
+                    </a:p>
+                  </a:txBody>
+                  <a:tcPr/>
+                </a:tc>
+                <a:tc>
+                  <a:txBody>
+                    <a:bodyPr/>
+                    <a:lstStyle/>
+                    <a:p>
+                      <a:pPr algn="ctr"/>
+                      <a:r>
+                        <a:rPr kumimoji="1" lang="ja-JP" altLang="en-US"/>
+                        <a:t>説明</a:t>
+                      </a:r>
+                    </a:p>
+                  </a:txBody>
+                  <a:tcPr/>
+                </a:tc>
+                <a:extLst>
+                  <a:ext uri="{0D108BD9-81ED-4DB2-BD59-A6C34878D82A}">
+                    <a16:rowId xmlns:a16="http://schemas.microsoft.com/office/drawing/2014/main" val="523836565"/>
+                  </a:ext>
+                </a:extLst>
+              </a:tr>
+              <a:tr h="1318178">
+                <a:tc>
+                  <a:txBody>
+                    <a:bodyPr/>
+                    <a:lstStyle/>
+                    <a:p>
+                      <a:r>
+                        <a:rPr kumimoji="1" lang="en-US" altLang="ja-JP" dirty="0"/>
+                        <a:t>LDA</a:t>
+                      </a:r>
+                      <a:endParaRPr kumimoji="1" lang="ja-JP" altLang="en-US"/>
+                    </a:p>
+                  </a:txBody>
+                  <a:tcPr/>
+                </a:tc>
+                <a:tc>
+                  <a:txBody>
+                    <a:bodyPr/>
+                    <a:lstStyle/>
+                    <a:p>
+                      <a:endParaRPr kumimoji="1" lang="ja-JP" altLang="en-US"/>
+                    </a:p>
+                  </a:txBody>
+                  <a:tcPr/>
+                </a:tc>
+                <a:extLst>
+                  <a:ext uri="{0D108BD9-81ED-4DB2-BD59-A6C34878D82A}">
+                    <a16:rowId xmlns:a16="http://schemas.microsoft.com/office/drawing/2014/main" val="4074486588"/>
+                  </a:ext>
+                </a:extLst>
+              </a:tr>
+              <a:tr h="1318178">
+                <a:tc>
+                  <a:txBody>
+                    <a:bodyPr/>
+                    <a:lstStyle/>
+                    <a:p>
+                      <a:endParaRPr kumimoji="1" lang="ja-JP" altLang="en-US"/>
+                    </a:p>
+                  </a:txBody>
+                  <a:tcPr/>
+                </a:tc>
+                <a:tc>
+                  <a:txBody>
+                    <a:bodyPr/>
+                    <a:lstStyle/>
+                    <a:p>
+                      <a:endParaRPr kumimoji="1" lang="ja-JP" altLang="en-US"/>
+                    </a:p>
+                  </a:txBody>
+                  <a:tcPr/>
+                </a:tc>
+                <a:extLst>
+                  <a:ext uri="{0D108BD9-81ED-4DB2-BD59-A6C34878D82A}">
+                    <a16:rowId xmlns:a16="http://schemas.microsoft.com/office/drawing/2014/main" val="29630606"/>
+                  </a:ext>
+                </a:extLst>
+              </a:tr>
+              <a:tr h="1318178">
+                <a:tc>
+                  <a:txBody>
+                    <a:bodyPr/>
+                    <a:lstStyle/>
+                    <a:p>
+                      <a:endParaRPr kumimoji="1" lang="ja-JP" altLang="en-US"/>
+                    </a:p>
+                  </a:txBody>
+                  <a:tcPr/>
+                </a:tc>
+                <a:tc>
+                  <a:txBody>
+                    <a:bodyPr/>
+                    <a:lstStyle/>
+                    <a:p>
+                      <a:endParaRPr kumimoji="1" lang="ja-JP" altLang="en-US"/>
+                    </a:p>
+                  </a:txBody>
+                  <a:tcPr/>
+                </a:tc>
+                <a:extLst>
+                  <a:ext uri="{0D108BD9-81ED-4DB2-BD59-A6C34878D82A}">
+                    <a16:rowId xmlns:a16="http://schemas.microsoft.com/office/drawing/2014/main" val="176714018"/>
+                  </a:ext>
+                </a:extLst>
+              </a:tr>
+            </a:tbl>
+          </a:graphicData>
+        </a:graphic>
+      </p:graphicFrame>
+      <p:sp>
+        <p:nvSpPr>
+          <p:cNvPr id="61" name="四角形吹き出し 77">
+            <a:extLst>
+              <a:ext uri="{FF2B5EF4-FFF2-40B4-BE49-F238E27FC236}">
+                <a16:creationId xmlns:a16="http://schemas.microsoft.com/office/drawing/2014/main" id="{039476C9-8ADC-2646-BBD2-2804C6C442F5}"/>
+              </a:ext>
+            </a:extLst>
+          </p:cNvPr>
+          <p:cNvSpPr/>
+          <p:nvPr/>
+        </p:nvSpPr>
+        <p:spPr>
+          <a:xfrm>
+            <a:off x="31743585" y="28138212"/>
+            <a:ext cx="25802583" cy="9020177"/>
+          </a:xfrm>
+          <a:custGeom>
+            <a:avLst/>
+            <a:gdLst>
+              <a:gd name="connsiteX0" fmla="*/ 0 w 25802583"/>
+              <a:gd name="connsiteY0" fmla="*/ 0 h 6594889"/>
+              <a:gd name="connsiteX1" fmla="*/ 15051507 w 25802583"/>
+              <a:gd name="connsiteY1" fmla="*/ 0 h 6594889"/>
+              <a:gd name="connsiteX2" fmla="*/ 15051507 w 25802583"/>
+              <a:gd name="connsiteY2" fmla="*/ 0 h 6594889"/>
+              <a:gd name="connsiteX3" fmla="*/ 21502153 w 25802583"/>
+              <a:gd name="connsiteY3" fmla="*/ 0 h 6594889"/>
+              <a:gd name="connsiteX4" fmla="*/ 25802583 w 25802583"/>
+              <a:gd name="connsiteY4" fmla="*/ 0 h 6594889"/>
+              <a:gd name="connsiteX5" fmla="*/ 25802583 w 25802583"/>
+              <a:gd name="connsiteY5" fmla="*/ 3847019 h 6594889"/>
+              <a:gd name="connsiteX6" fmla="*/ 25802583 w 25802583"/>
+              <a:gd name="connsiteY6" fmla="*/ 3847019 h 6594889"/>
+              <a:gd name="connsiteX7" fmla="*/ 25802583 w 25802583"/>
+              <a:gd name="connsiteY7" fmla="*/ 5495741 h 6594889"/>
+              <a:gd name="connsiteX8" fmla="*/ 25802583 w 25802583"/>
+              <a:gd name="connsiteY8" fmla="*/ 6594889 h 6594889"/>
+              <a:gd name="connsiteX9" fmla="*/ 21502153 w 25802583"/>
+              <a:gd name="connsiteY9" fmla="*/ 6594889 h 6594889"/>
+              <a:gd name="connsiteX10" fmla="*/ 18684166 w 25802583"/>
+              <a:gd name="connsiteY10" fmla="*/ 8974457 h 6594889"/>
+              <a:gd name="connsiteX11" fmla="*/ 15051507 w 25802583"/>
+              <a:gd name="connsiteY11" fmla="*/ 6594889 h 6594889"/>
+              <a:gd name="connsiteX12" fmla="*/ 0 w 25802583"/>
+              <a:gd name="connsiteY12" fmla="*/ 6594889 h 6594889"/>
+              <a:gd name="connsiteX13" fmla="*/ 0 w 25802583"/>
+              <a:gd name="connsiteY13" fmla="*/ 5495741 h 6594889"/>
+              <a:gd name="connsiteX14" fmla="*/ 0 w 25802583"/>
+              <a:gd name="connsiteY14" fmla="*/ 3847019 h 6594889"/>
+              <a:gd name="connsiteX15" fmla="*/ 0 w 25802583"/>
+              <a:gd name="connsiteY15" fmla="*/ 3847019 h 6594889"/>
+              <a:gd name="connsiteX16" fmla="*/ 0 w 25802583"/>
+              <a:gd name="connsiteY16" fmla="*/ 0 h 6594889"/>
+              <a:gd name="connsiteX0" fmla="*/ 0 w 25802583"/>
+              <a:gd name="connsiteY0" fmla="*/ 0 h 8974457"/>
+              <a:gd name="connsiteX1" fmla="*/ 15051507 w 25802583"/>
+              <a:gd name="connsiteY1" fmla="*/ 0 h 8974457"/>
+              <a:gd name="connsiteX2" fmla="*/ 15051507 w 25802583"/>
+              <a:gd name="connsiteY2" fmla="*/ 0 h 8974457"/>
+              <a:gd name="connsiteX3" fmla="*/ 21502153 w 25802583"/>
+              <a:gd name="connsiteY3" fmla="*/ 0 h 8974457"/>
+              <a:gd name="connsiteX4" fmla="*/ 25802583 w 25802583"/>
+              <a:gd name="connsiteY4" fmla="*/ 0 h 8974457"/>
+              <a:gd name="connsiteX5" fmla="*/ 25802583 w 25802583"/>
+              <a:gd name="connsiteY5" fmla="*/ 3847019 h 8974457"/>
+              <a:gd name="connsiteX6" fmla="*/ 25802583 w 25802583"/>
+              <a:gd name="connsiteY6" fmla="*/ 3847019 h 8974457"/>
+              <a:gd name="connsiteX7" fmla="*/ 25802583 w 25802583"/>
+              <a:gd name="connsiteY7" fmla="*/ 5495741 h 8974457"/>
+              <a:gd name="connsiteX8" fmla="*/ 25802583 w 25802583"/>
+              <a:gd name="connsiteY8" fmla="*/ 6594889 h 8974457"/>
+              <a:gd name="connsiteX9" fmla="*/ 21502153 w 25802583"/>
+              <a:gd name="connsiteY9" fmla="*/ 6594889 h 8974457"/>
+              <a:gd name="connsiteX10" fmla="*/ 18684166 w 25802583"/>
+              <a:gd name="connsiteY10" fmla="*/ 8974457 h 8974457"/>
+              <a:gd name="connsiteX11" fmla="*/ 19212027 w 25802583"/>
+              <a:gd name="connsiteY11" fmla="*/ 6594889 h 8974457"/>
+              <a:gd name="connsiteX12" fmla="*/ 0 w 25802583"/>
+              <a:gd name="connsiteY12" fmla="*/ 6594889 h 8974457"/>
+              <a:gd name="connsiteX13" fmla="*/ 0 w 25802583"/>
+              <a:gd name="connsiteY13" fmla="*/ 5495741 h 8974457"/>
+              <a:gd name="connsiteX14" fmla="*/ 0 w 25802583"/>
+              <a:gd name="connsiteY14" fmla="*/ 3847019 h 8974457"/>
+              <a:gd name="connsiteX15" fmla="*/ 0 w 25802583"/>
+              <a:gd name="connsiteY15" fmla="*/ 3847019 h 8974457"/>
+              <a:gd name="connsiteX16" fmla="*/ 0 w 25802583"/>
+              <a:gd name="connsiteY16" fmla="*/ 0 h 8974457"/>
+              <a:gd name="connsiteX0" fmla="*/ 0 w 25802583"/>
+              <a:gd name="connsiteY0" fmla="*/ 0 h 9020177"/>
+              <a:gd name="connsiteX1" fmla="*/ 15051507 w 25802583"/>
+              <a:gd name="connsiteY1" fmla="*/ 0 h 9020177"/>
+              <a:gd name="connsiteX2" fmla="*/ 15051507 w 25802583"/>
+              <a:gd name="connsiteY2" fmla="*/ 0 h 9020177"/>
+              <a:gd name="connsiteX3" fmla="*/ 21502153 w 25802583"/>
+              <a:gd name="connsiteY3" fmla="*/ 0 h 9020177"/>
+              <a:gd name="connsiteX4" fmla="*/ 25802583 w 25802583"/>
+              <a:gd name="connsiteY4" fmla="*/ 0 h 9020177"/>
+              <a:gd name="connsiteX5" fmla="*/ 25802583 w 25802583"/>
+              <a:gd name="connsiteY5" fmla="*/ 3847019 h 9020177"/>
+              <a:gd name="connsiteX6" fmla="*/ 25802583 w 25802583"/>
+              <a:gd name="connsiteY6" fmla="*/ 3847019 h 9020177"/>
+              <a:gd name="connsiteX7" fmla="*/ 25802583 w 25802583"/>
+              <a:gd name="connsiteY7" fmla="*/ 5495741 h 9020177"/>
+              <a:gd name="connsiteX8" fmla="*/ 25802583 w 25802583"/>
+              <a:gd name="connsiteY8" fmla="*/ 6594889 h 9020177"/>
+              <a:gd name="connsiteX9" fmla="*/ 21502153 w 25802583"/>
+              <a:gd name="connsiteY9" fmla="*/ 6594889 h 9020177"/>
+              <a:gd name="connsiteX10" fmla="*/ 20330086 w 25802583"/>
+              <a:gd name="connsiteY10" fmla="*/ 9020177 h 9020177"/>
+              <a:gd name="connsiteX11" fmla="*/ 19212027 w 25802583"/>
+              <a:gd name="connsiteY11" fmla="*/ 6594889 h 9020177"/>
+              <a:gd name="connsiteX12" fmla="*/ 0 w 25802583"/>
+              <a:gd name="connsiteY12" fmla="*/ 6594889 h 9020177"/>
+              <a:gd name="connsiteX13" fmla="*/ 0 w 25802583"/>
+              <a:gd name="connsiteY13" fmla="*/ 5495741 h 9020177"/>
+              <a:gd name="connsiteX14" fmla="*/ 0 w 25802583"/>
+              <a:gd name="connsiteY14" fmla="*/ 3847019 h 9020177"/>
+              <a:gd name="connsiteX15" fmla="*/ 0 w 25802583"/>
+              <a:gd name="connsiteY15" fmla="*/ 3847019 h 9020177"/>
+              <a:gd name="connsiteX16" fmla="*/ 0 w 25802583"/>
+              <a:gd name="connsiteY16" fmla="*/ 0 h 9020177"/>
+            </a:gdLst>
+            <a:ahLst/>
+            <a:cxnLst>
+              <a:cxn ang="0">
+                <a:pos x="connsiteX0" y="connsiteY0"/>
+              </a:cxn>
+              <a:cxn ang="0">
+                <a:pos x="connsiteX1" y="connsiteY1"/>
+              </a:cxn>
+              <a:cxn ang="0">
+                <a:pos x="connsiteX2" y="connsiteY2"/>
+              </a:cxn>
+              <a:cxn ang="0">
+                <a:pos x="connsiteX3" y="connsiteY3"/>
+              </a:cxn>
+              <a:cxn ang="0">
+                <a:pos x="connsiteX4" y="connsiteY4"/>
+              </a:cxn>
+              <a:cxn ang="0">
+                <a:pos x="connsiteX5" y="connsiteY5"/>
+              </a:cxn>
+              <a:cxn ang="0">
+                <a:pos x="connsiteX6" y="connsiteY6"/>
+              </a:cxn>
+              <a:cxn ang="0">
+                <a:pos x="connsiteX7" y="connsiteY7"/>
+              </a:cxn>
+              <a:cxn ang="0">
+                <a:pos x="connsiteX8" y="connsiteY8"/>
+              </a:cxn>
+              <a:cxn ang="0">
+                <a:pos x="connsiteX9" y="connsiteY9"/>
+              </a:cxn>
+              <a:cxn ang="0">
+                <a:pos x="connsiteX10" y="connsiteY10"/>
+              </a:cxn>
+              <a:cxn ang="0">
+                <a:pos x="connsiteX11" y="connsiteY11"/>
+              </a:cxn>
+              <a:cxn ang="0">
+                <a:pos x="connsiteX12" y="connsiteY12"/>
+              </a:cxn>
+              <a:cxn ang="0">
+                <a:pos x="connsiteX13" y="connsiteY13"/>
+              </a:cxn>
+              <a:cxn ang="0">
+                <a:pos x="connsiteX14" y="connsiteY14"/>
+              </a:cxn>
+              <a:cxn ang="0">
+                <a:pos x="connsiteX15" y="connsiteY15"/>
+              </a:cxn>
+              <a:cxn ang="0">
+                <a:pos x="connsiteX16" y="connsiteY16"/>
+              </a:cxn>
+            </a:cxnLst>
+            <a:rect l="l" t="t" r="r" b="b"/>
+            <a:pathLst>
+              <a:path w="25802583" h="9020177">
+                <a:moveTo>
+                  <a:pt x="0" y="0"/>
+                </a:moveTo>
+                <a:lnTo>
+                  <a:pt x="15051507" y="0"/>
+                </a:lnTo>
+                <a:lnTo>
+                  <a:pt x="15051507" y="0"/>
+                </a:lnTo>
+                <a:lnTo>
+                  <a:pt x="21502153" y="0"/>
+                </a:lnTo>
+                <a:lnTo>
+                  <a:pt x="25802583" y="0"/>
+                </a:lnTo>
+                <a:lnTo>
+                  <a:pt x="25802583" y="3847019"/>
+                </a:lnTo>
+                <a:lnTo>
+                  <a:pt x="25802583" y="3847019"/>
+                </a:lnTo>
+                <a:lnTo>
+                  <a:pt x="25802583" y="5495741"/>
+                </a:lnTo>
+                <a:lnTo>
+                  <a:pt x="25802583" y="6594889"/>
+                </a:lnTo>
+                <a:lnTo>
+                  <a:pt x="21502153" y="6594889"/>
+                </a:lnTo>
+                <a:lnTo>
+                  <a:pt x="20330086" y="9020177"/>
+                </a:lnTo>
+                <a:lnTo>
+                  <a:pt x="19212027" y="6594889"/>
+                </a:lnTo>
+                <a:lnTo>
+                  <a:pt x="0" y="6594889"/>
+                </a:lnTo>
+                <a:lnTo>
+                  <a:pt x="0" y="5495741"/>
+                </a:lnTo>
+                <a:lnTo>
+                  <a:pt x="0" y="3847019"/>
+                </a:lnTo>
+                <a:lnTo>
+                  <a:pt x="0" y="3847019"/>
+                </a:lnTo>
+                <a:lnTo>
+                  <a:pt x="0" y="0"/>
+                </a:lnTo>
+                <a:close/>
+              </a:path>
+            </a:pathLst>
+          </a:custGeom>
+          <a:solidFill>
+            <a:schemeClr val="accent6">
+              <a:lumMod val="20000"/>
+              <a:lumOff val="80000"/>
+            </a:schemeClr>
+          </a:solidFill>
+          <a:ln>
+            <a:solidFill>
+              <a:schemeClr val="accent6">
+                <a:lumMod val="75000"/>
+              </a:schemeClr>
+            </a:solidFill>
+          </a:ln>
+        </p:spPr>
+        <p:style>
+          <a:lnRef idx="2">
+            <a:schemeClr val="accent1">
+              <a:shade val="50000"/>
+            </a:schemeClr>
+          </a:lnRef>
+          <a:fillRef idx="1">
+            <a:schemeClr val="accent1"/>
+          </a:fillRef>
+          <a:effectRef idx="0">
+            <a:schemeClr val="accent1"/>
+          </a:effectRef>
+          <a:fontRef idx="minor">
+            <a:schemeClr val="lt1"/>
+          </a:fontRef>
+        </p:style>
+        <p:txBody>
+          <a:bodyPr rtlCol="0" anchor="ctr"/>
+          <a:lstStyle/>
+          <a:p>
+            <a:pPr algn="ctr"/>
+            <a:endParaRPr kumimoji="1" lang="ja-JP" altLang="en-US"/>
+          </a:p>
+        </p:txBody>
+      </p:sp>
+      <p:sp>
+        <p:nvSpPr>
+          <p:cNvPr id="62" name="正方形/長方形 61">
+            <a:extLst>
+              <a:ext uri="{FF2B5EF4-FFF2-40B4-BE49-F238E27FC236}">
+                <a16:creationId xmlns:a16="http://schemas.microsoft.com/office/drawing/2014/main" id="{51C246A7-A5D0-6849-988D-5D0F31BF1873}"/>
+              </a:ext>
+            </a:extLst>
+          </p:cNvPr>
+          <p:cNvSpPr/>
+          <p:nvPr/>
+        </p:nvSpPr>
+        <p:spPr>
+          <a:xfrm>
+            <a:off x="32047842" y="28471630"/>
+            <a:ext cx="6279820" cy="1021127"/>
+          </a:xfrm>
+          <a:prstGeom prst="rect">
+            <a:avLst/>
+          </a:prstGeom>
+          <a:solidFill>
+            <a:schemeClr val="bg1"/>
+          </a:solidFill>
+          <a:ln w="38100">
+            <a:solidFill>
+              <a:schemeClr val="accent6">
+                <a:lumMod val="75000"/>
+              </a:schemeClr>
+            </a:solidFill>
+          </a:ln>
+        </p:spPr>
+        <p:style>
+          <a:lnRef idx="2">
+            <a:schemeClr val="accent1">
+              <a:shade val="50000"/>
+            </a:schemeClr>
+          </a:lnRef>
+          <a:fillRef idx="1">
+            <a:schemeClr val="accent1"/>
+          </a:fillRef>
+          <a:effectRef idx="0">
+            <a:schemeClr val="accent1"/>
+          </a:effectRef>
+          <a:fontRef idx="minor">
+            <a:schemeClr val="lt1"/>
+          </a:fontRef>
+        </p:style>
+        <p:txBody>
+          <a:bodyPr rtlCol="0" anchor="ctr"/>
+          <a:lstStyle/>
+          <a:p>
+            <a:pPr algn="ctr"/>
+            <a:r>
+              <a:rPr lang="en-US" altLang="ja-JP" sz="4800" b="1" dirty="0">
+                <a:solidFill>
+                  <a:schemeClr val="accent6">
+                    <a:lumMod val="75000"/>
+                  </a:schemeClr>
+                </a:solidFill>
+              </a:rPr>
+              <a:t>①</a:t>
+            </a:r>
+            <a:r>
+              <a:rPr lang="ja-JP" altLang="en-US" sz="4800" b="1">
+                <a:solidFill>
+                  <a:schemeClr val="accent6">
+                    <a:lumMod val="75000"/>
+                  </a:schemeClr>
+                </a:solidFill>
+              </a:rPr>
+              <a:t>前処理</a:t>
+            </a:r>
+            <a:endParaRPr kumimoji="1" lang="ja-JP" altLang="en-US" sz="4800" b="1">
+              <a:solidFill>
+                <a:schemeClr val="accent6">
+                  <a:lumMod val="75000"/>
+                </a:schemeClr>
+              </a:solidFill>
+            </a:endParaRPr>
+          </a:p>
+        </p:txBody>
+      </p:sp>
+      <p:sp>
+        <p:nvSpPr>
+          <p:cNvPr id="64" name="正方形/長方形 63">
+            <a:extLst>
+              <a:ext uri="{FF2B5EF4-FFF2-40B4-BE49-F238E27FC236}">
+                <a16:creationId xmlns:a16="http://schemas.microsoft.com/office/drawing/2014/main" id="{E9E086DB-0EC2-524A-9D9E-7CF847A5454B}"/>
+              </a:ext>
+            </a:extLst>
+          </p:cNvPr>
+          <p:cNvSpPr/>
+          <p:nvPr/>
+        </p:nvSpPr>
+        <p:spPr>
+          <a:xfrm>
+            <a:off x="32047842" y="29484365"/>
+            <a:ext cx="6279820" cy="4928918"/>
+          </a:xfrm>
+          <a:prstGeom prst="rect">
+            <a:avLst/>
+          </a:prstGeom>
+          <a:solidFill>
+            <a:schemeClr val="bg1"/>
+          </a:solidFill>
+          <a:ln w="38100">
+            <a:solidFill>
+              <a:schemeClr val="accent6">
+                <a:lumMod val="75000"/>
+              </a:schemeClr>
+            </a:solidFill>
+          </a:ln>
+        </p:spPr>
+        <p:style>
+          <a:lnRef idx="2">
+            <a:schemeClr val="accent1">
+              <a:shade val="50000"/>
+            </a:schemeClr>
+          </a:lnRef>
+          <a:fillRef idx="1">
+            <a:schemeClr val="accent1"/>
+          </a:fillRef>
+          <a:effectRef idx="0">
+            <a:schemeClr val="accent1"/>
+          </a:effectRef>
+          <a:fontRef idx="minor">
+            <a:schemeClr val="lt1"/>
+          </a:fontRef>
+        </p:style>
+        <p:txBody>
+          <a:bodyPr rtlCol="0" anchor="ctr"/>
+          <a:lstStyle/>
+          <a:p>
+            <a:pPr algn="ctr"/>
+            <a:endParaRPr kumimoji="1" lang="ja-JP" altLang="en-US"/>
+          </a:p>
+        </p:txBody>
+      </p:sp>
+      <p:sp>
+        <p:nvSpPr>
+          <p:cNvPr id="67" name="正方形/長方形 66">
+            <a:extLst>
+              <a:ext uri="{FF2B5EF4-FFF2-40B4-BE49-F238E27FC236}">
+                <a16:creationId xmlns:a16="http://schemas.microsoft.com/office/drawing/2014/main" id="{042E76D1-9559-CE47-B7C7-46C8D73E92A4}"/>
+              </a:ext>
+            </a:extLst>
+          </p:cNvPr>
+          <p:cNvSpPr/>
+          <p:nvPr/>
+        </p:nvSpPr>
+        <p:spPr>
+          <a:xfrm>
+            <a:off x="38690493" y="28464728"/>
+            <a:ext cx="11926960" cy="1021127"/>
+          </a:xfrm>
+          <a:prstGeom prst="rect">
+            <a:avLst/>
+          </a:prstGeom>
+          <a:solidFill>
+            <a:schemeClr val="bg1"/>
+          </a:solidFill>
+          <a:ln w="38100">
+            <a:solidFill>
+              <a:schemeClr val="accent6">
+                <a:lumMod val="75000"/>
+              </a:schemeClr>
+            </a:solidFill>
+          </a:ln>
+        </p:spPr>
+        <p:style>
+          <a:lnRef idx="2">
+            <a:schemeClr val="accent1">
+              <a:shade val="50000"/>
+            </a:schemeClr>
+          </a:lnRef>
+          <a:fillRef idx="1">
+            <a:schemeClr val="accent1"/>
+          </a:fillRef>
+          <a:effectRef idx="0">
+            <a:schemeClr val="accent1"/>
+          </a:effectRef>
+          <a:fontRef idx="minor">
+            <a:schemeClr val="lt1"/>
+          </a:fontRef>
+        </p:style>
+        <p:txBody>
+          <a:bodyPr rtlCol="0" anchor="ctr"/>
+          <a:lstStyle/>
+          <a:p>
+            <a:pPr algn="ctr"/>
+            <a:r>
+              <a:rPr kumimoji="1" lang="en-US" altLang="ja-JP" sz="4800" b="1" dirty="0">
+                <a:solidFill>
+                  <a:schemeClr val="accent6">
+                    <a:lumMod val="75000"/>
+                  </a:schemeClr>
+                </a:solidFill>
+              </a:rPr>
+              <a:t>②</a:t>
+            </a:r>
+            <a:r>
+              <a:rPr kumimoji="1" lang="ja-JP" altLang="en-US" sz="4800" b="1">
+                <a:solidFill>
+                  <a:schemeClr val="accent6">
+                    <a:lumMod val="75000"/>
+                  </a:schemeClr>
+                </a:solidFill>
+              </a:rPr>
+              <a:t>トピックモデルの構築</a:t>
+            </a:r>
+          </a:p>
+        </p:txBody>
+      </p:sp>
+      <p:sp>
+        <p:nvSpPr>
+          <p:cNvPr id="70" name="正方形/長方形 69">
+            <a:extLst>
+              <a:ext uri="{FF2B5EF4-FFF2-40B4-BE49-F238E27FC236}">
+                <a16:creationId xmlns:a16="http://schemas.microsoft.com/office/drawing/2014/main" id="{BA62DE07-9ED6-5345-8481-CF94E5A1BBBE}"/>
+              </a:ext>
+            </a:extLst>
+          </p:cNvPr>
+          <p:cNvSpPr/>
+          <p:nvPr/>
+        </p:nvSpPr>
+        <p:spPr>
+          <a:xfrm>
+            <a:off x="38690493" y="29463547"/>
+            <a:ext cx="11926960" cy="5015334"/>
+          </a:xfrm>
+          <a:prstGeom prst="rect">
+            <a:avLst/>
+          </a:prstGeom>
+          <a:solidFill>
+            <a:schemeClr val="bg1"/>
+          </a:solidFill>
+          <a:ln w="38100">
+            <a:solidFill>
+              <a:schemeClr val="accent6">
+                <a:lumMod val="75000"/>
+              </a:schemeClr>
+            </a:solidFill>
+          </a:ln>
+        </p:spPr>
+        <p:style>
+          <a:lnRef idx="2">
+            <a:schemeClr val="accent1">
+              <a:shade val="50000"/>
+            </a:schemeClr>
+          </a:lnRef>
+          <a:fillRef idx="1">
+            <a:schemeClr val="accent1"/>
+          </a:fillRef>
+          <a:effectRef idx="0">
+            <a:schemeClr val="accent1"/>
+          </a:effectRef>
+          <a:fontRef idx="minor">
+            <a:schemeClr val="lt1"/>
+          </a:fontRef>
+        </p:style>
+        <p:txBody>
+          <a:bodyPr rtlCol="0" anchor="ctr"/>
+          <a:lstStyle/>
+          <a:p>
+            <a:pPr algn="ctr"/>
+            <a:endParaRPr kumimoji="1" lang="ja-JP" altLang="en-US"/>
+          </a:p>
+        </p:txBody>
+      </p:sp>
+      <p:sp>
+        <p:nvSpPr>
+          <p:cNvPr id="75" name="テキスト ボックス 74">
+            <a:extLst>
+              <a:ext uri="{FF2B5EF4-FFF2-40B4-BE49-F238E27FC236}">
+                <a16:creationId xmlns:a16="http://schemas.microsoft.com/office/drawing/2014/main" id="{2219A195-B481-BB48-A481-79344F217061}"/>
+              </a:ext>
+            </a:extLst>
+          </p:cNvPr>
+          <p:cNvSpPr txBox="1"/>
+          <p:nvPr/>
+        </p:nvSpPr>
+        <p:spPr>
+          <a:xfrm>
+            <a:off x="32081935" y="30133239"/>
+            <a:ext cx="5832884" cy="4154984"/>
+          </a:xfrm>
+          <a:prstGeom prst="rect">
+            <a:avLst/>
+          </a:prstGeom>
+          <a:noFill/>
+        </p:spPr>
+        <p:txBody>
+          <a:bodyPr wrap="square" rtlCol="0">
+            <a:spAutoFit/>
+          </a:bodyPr>
+          <a:lstStyle/>
+          <a:p>
+            <a:r>
+              <a:rPr kumimoji="1" lang="ja-JP" altLang="en-US" sz="4400"/>
+              <a:t>形態素解析により</a:t>
+            </a:r>
+            <a:r>
+              <a:rPr lang="ja-JP" altLang="en-US" sz="4400"/>
+              <a:t>品詞の原形を抽出</a:t>
+            </a:r>
+            <a:endParaRPr lang="en-US" altLang="ja-JP" sz="4400" dirty="0"/>
+          </a:p>
+          <a:p>
+            <a:endParaRPr kumimoji="1" lang="en-US" altLang="ja-JP" sz="4400" dirty="0"/>
+          </a:p>
+          <a:p>
+            <a:endParaRPr kumimoji="1" lang="en-US" altLang="ja-JP" sz="4400" dirty="0"/>
+          </a:p>
+          <a:p>
+            <a:r>
+              <a:rPr lang="ja-JP" altLang="en-US" sz="4400"/>
+              <a:t>特徴語辞書、コーパスを作成</a:t>
+            </a:r>
+            <a:endParaRPr kumimoji="1" lang="ja-JP" altLang="en-US" sz="4400"/>
+          </a:p>
+        </p:txBody>
+      </p:sp>
+      <p:sp>
+        <p:nvSpPr>
+          <p:cNvPr id="76" name="右矢印 75">
+            <a:extLst>
+              <a:ext uri="{FF2B5EF4-FFF2-40B4-BE49-F238E27FC236}">
+                <a16:creationId xmlns:a16="http://schemas.microsoft.com/office/drawing/2014/main" id="{F29EBB6B-9B43-FA44-B5EB-51F1888790D6}"/>
+              </a:ext>
+            </a:extLst>
+          </p:cNvPr>
+          <p:cNvSpPr/>
+          <p:nvPr/>
+        </p:nvSpPr>
+        <p:spPr>
+          <a:xfrm rot="5400000">
+            <a:off x="34345641" y="31680819"/>
+            <a:ext cx="1014154" cy="965694"/>
+          </a:xfrm>
+          <a:prstGeom prst="rightArrow">
+            <a:avLst/>
+          </a:prstGeom>
+          <a:solidFill>
+            <a:schemeClr val="accent6">
+              <a:lumMod val="75000"/>
+            </a:schemeClr>
+          </a:solidFill>
+          <a:ln>
+            <a:solidFill>
+              <a:schemeClr val="accent6">
+                <a:lumMod val="75000"/>
+              </a:schemeClr>
+            </a:solidFill>
+          </a:ln>
+        </p:spPr>
+        <p:style>
+          <a:lnRef idx="2">
+            <a:schemeClr val="accent1">
+              <a:shade val="50000"/>
+            </a:schemeClr>
+          </a:lnRef>
+          <a:fillRef idx="1">
+            <a:schemeClr val="accent1"/>
+          </a:fillRef>
+          <a:effectRef idx="0">
+            <a:schemeClr val="accent1"/>
+          </a:effectRef>
+          <a:fontRef idx="minor">
+            <a:schemeClr val="lt1"/>
+          </a:fontRef>
+        </p:style>
+        <p:txBody>
+          <a:bodyPr rtlCol="0" anchor="ctr"/>
+          <a:lstStyle/>
+          <a:p>
+            <a:pPr algn="ctr"/>
+            <a:endParaRPr kumimoji="1" lang="ja-JP" altLang="en-US"/>
+          </a:p>
+        </p:txBody>
+      </p:sp>
+      <p:sp>
+        <p:nvSpPr>
+          <p:cNvPr id="77" name="テキスト ボックス 76">
+            <a:extLst>
+              <a:ext uri="{FF2B5EF4-FFF2-40B4-BE49-F238E27FC236}">
+                <a16:creationId xmlns:a16="http://schemas.microsoft.com/office/drawing/2014/main" id="{78405508-1D1C-384E-819D-EAE0BEE92F4D}"/>
+              </a:ext>
+            </a:extLst>
+          </p:cNvPr>
+          <p:cNvSpPr txBox="1"/>
+          <p:nvPr/>
+        </p:nvSpPr>
+        <p:spPr>
+          <a:xfrm>
+            <a:off x="38894762" y="29969764"/>
+            <a:ext cx="6109595" cy="4832092"/>
+          </a:xfrm>
+          <a:prstGeom prst="rect">
+            <a:avLst/>
+          </a:prstGeom>
+          <a:noFill/>
+        </p:spPr>
+        <p:txBody>
+          <a:bodyPr wrap="square" rtlCol="0">
+            <a:spAutoFit/>
+          </a:bodyPr>
+          <a:lstStyle/>
+          <a:p>
+            <a:r>
+              <a:rPr kumimoji="1" lang="ja-JP" altLang="en-US" sz="4400"/>
+              <a:t>ＬＤＡモデルを用いてトピックを分類</a:t>
+            </a:r>
+            <a:endParaRPr kumimoji="1" lang="en-US" altLang="ja-JP" sz="4400" dirty="0"/>
+          </a:p>
+          <a:p>
+            <a:endParaRPr lang="en-US" altLang="ja-JP" sz="4400" dirty="0"/>
+          </a:p>
+          <a:p>
+            <a:endParaRPr lang="en-US" altLang="ja-JP" sz="4400" dirty="0"/>
+          </a:p>
+          <a:p>
+            <a:r>
+              <a:rPr lang="ja-JP" altLang="en-US" sz="4400"/>
+              <a:t>各スポットの特徴ベクトルを作成</a:t>
+            </a:r>
+            <a:endParaRPr lang="en-US" altLang="ja-JP" sz="4400" dirty="0"/>
+          </a:p>
+          <a:p>
+            <a:endParaRPr kumimoji="1" lang="en-US" altLang="ja-JP" sz="4400" dirty="0"/>
+          </a:p>
+        </p:txBody>
+      </p:sp>
+      <p:sp>
+        <p:nvSpPr>
+          <p:cNvPr id="79" name="右矢印 78">
+            <a:extLst>
+              <a:ext uri="{FF2B5EF4-FFF2-40B4-BE49-F238E27FC236}">
+                <a16:creationId xmlns:a16="http://schemas.microsoft.com/office/drawing/2014/main" id="{3B87C52C-8F74-604D-A02B-9297EFFC8DFF}"/>
+              </a:ext>
+            </a:extLst>
+          </p:cNvPr>
+          <p:cNvSpPr/>
+          <p:nvPr/>
+        </p:nvSpPr>
+        <p:spPr>
+          <a:xfrm rot="5400000">
+            <a:off x="41206589" y="31546637"/>
+            <a:ext cx="1014154" cy="965694"/>
+          </a:xfrm>
+          <a:prstGeom prst="rightArrow">
+            <a:avLst/>
+          </a:prstGeom>
+          <a:solidFill>
+            <a:schemeClr val="accent6">
+              <a:lumMod val="75000"/>
+            </a:schemeClr>
+          </a:solidFill>
+          <a:ln>
+            <a:solidFill>
+              <a:schemeClr val="accent6">
+                <a:lumMod val="75000"/>
+              </a:schemeClr>
+            </a:solidFill>
+          </a:ln>
+        </p:spPr>
+        <p:style>
+          <a:lnRef idx="2">
+            <a:schemeClr val="accent1">
+              <a:shade val="50000"/>
+            </a:schemeClr>
+          </a:lnRef>
+          <a:fillRef idx="1">
+            <a:schemeClr val="accent1"/>
+          </a:fillRef>
+          <a:effectRef idx="0">
+            <a:schemeClr val="accent1"/>
+          </a:effectRef>
+          <a:fontRef idx="minor">
+            <a:schemeClr val="lt1"/>
+          </a:fontRef>
+        </p:style>
+        <p:txBody>
+          <a:bodyPr rtlCol="0" anchor="ctr"/>
+          <a:lstStyle/>
+          <a:p>
+            <a:pPr algn="ctr"/>
+            <a:endParaRPr kumimoji="1" lang="ja-JP" altLang="en-US"/>
+          </a:p>
+        </p:txBody>
+      </p:sp>
+      <p:sp>
+        <p:nvSpPr>
+          <p:cNvPr id="83" name="正方形/長方形 82">
+            <a:extLst>
+              <a:ext uri="{FF2B5EF4-FFF2-40B4-BE49-F238E27FC236}">
+                <a16:creationId xmlns:a16="http://schemas.microsoft.com/office/drawing/2014/main" id="{90A0C136-2F6E-E645-88F1-AAC8B7681801}"/>
+              </a:ext>
+            </a:extLst>
+          </p:cNvPr>
+          <p:cNvSpPr/>
+          <p:nvPr/>
+        </p:nvSpPr>
+        <p:spPr>
+          <a:xfrm>
+            <a:off x="50927644" y="28442420"/>
+            <a:ext cx="6279820" cy="1021127"/>
+          </a:xfrm>
+          <a:prstGeom prst="rect">
+            <a:avLst/>
+          </a:prstGeom>
+          <a:solidFill>
+            <a:schemeClr val="bg1"/>
+          </a:solidFill>
+          <a:ln w="38100">
+            <a:solidFill>
+              <a:schemeClr val="accent6">
+                <a:lumMod val="75000"/>
+              </a:schemeClr>
+            </a:solidFill>
+          </a:ln>
+        </p:spPr>
+        <p:style>
+          <a:lnRef idx="2">
+            <a:schemeClr val="accent1">
+              <a:shade val="50000"/>
+            </a:schemeClr>
+          </a:lnRef>
+          <a:fillRef idx="1">
+            <a:schemeClr val="accent1"/>
+          </a:fillRef>
+          <a:effectRef idx="0">
+            <a:schemeClr val="accent1"/>
+          </a:effectRef>
+          <a:fontRef idx="minor">
+            <a:schemeClr val="lt1"/>
+          </a:fontRef>
+        </p:style>
+        <p:txBody>
+          <a:bodyPr rtlCol="0" anchor="ctr"/>
+          <a:lstStyle/>
+          <a:p>
+            <a:pPr algn="ctr"/>
+            <a:r>
+              <a:rPr kumimoji="1" lang="ja-JP" altLang="en-US" sz="4800" b="1">
+                <a:solidFill>
+                  <a:schemeClr val="accent6">
+                    <a:lumMod val="75000"/>
+                  </a:schemeClr>
+                </a:solidFill>
+              </a:rPr>
+              <a:t>③類似度算出</a:t>
+            </a:r>
+          </a:p>
+        </p:txBody>
+      </p:sp>
+      <p:sp>
+        <p:nvSpPr>
+          <p:cNvPr id="84" name="正方形/長方形 83">
+            <a:extLst>
+              <a:ext uri="{FF2B5EF4-FFF2-40B4-BE49-F238E27FC236}">
+                <a16:creationId xmlns:a16="http://schemas.microsoft.com/office/drawing/2014/main" id="{E3281C73-ECB4-2148-BFAA-EEE9F76CC670}"/>
+              </a:ext>
+            </a:extLst>
+          </p:cNvPr>
+          <p:cNvSpPr/>
+          <p:nvPr/>
+        </p:nvSpPr>
+        <p:spPr>
+          <a:xfrm>
+            <a:off x="50927644" y="29456479"/>
+            <a:ext cx="6279820" cy="5015334"/>
+          </a:xfrm>
+          <a:prstGeom prst="rect">
+            <a:avLst/>
+          </a:prstGeom>
+          <a:solidFill>
+            <a:schemeClr val="bg1"/>
+          </a:solidFill>
+          <a:ln w="38100">
+            <a:solidFill>
+              <a:schemeClr val="accent6">
+                <a:lumMod val="75000"/>
+              </a:schemeClr>
+            </a:solidFill>
+          </a:ln>
+        </p:spPr>
+        <p:style>
+          <a:lnRef idx="2">
+            <a:schemeClr val="accent1">
+              <a:shade val="50000"/>
+            </a:schemeClr>
+          </a:lnRef>
+          <a:fillRef idx="1">
+            <a:schemeClr val="accent1"/>
+          </a:fillRef>
+          <a:effectRef idx="0">
+            <a:schemeClr val="accent1"/>
+          </a:effectRef>
+          <a:fontRef idx="minor">
+            <a:schemeClr val="lt1"/>
+          </a:fontRef>
+        </p:style>
+        <p:txBody>
+          <a:bodyPr rtlCol="0" anchor="ctr"/>
+          <a:lstStyle/>
+          <a:p>
+            <a:pPr algn="ctr"/>
+            <a:endParaRPr kumimoji="1" lang="ja-JP" altLang="en-US"/>
+          </a:p>
+        </p:txBody>
+      </p:sp>
+      <p:sp>
+        <p:nvSpPr>
+          <p:cNvPr id="88" name="テキスト ボックス 87">
+            <a:extLst>
+              <a:ext uri="{FF2B5EF4-FFF2-40B4-BE49-F238E27FC236}">
+                <a16:creationId xmlns:a16="http://schemas.microsoft.com/office/drawing/2014/main" id="{6E1235EC-FFC4-D149-9D3B-14B8E9656842}"/>
+              </a:ext>
+            </a:extLst>
+          </p:cNvPr>
+          <p:cNvSpPr txBox="1"/>
+          <p:nvPr/>
+        </p:nvSpPr>
+        <p:spPr>
+          <a:xfrm>
+            <a:off x="51097869" y="30889203"/>
+            <a:ext cx="6109595" cy="2123658"/>
+          </a:xfrm>
+          <a:prstGeom prst="rect">
+            <a:avLst/>
+          </a:prstGeom>
+          <a:noFill/>
+        </p:spPr>
+        <p:txBody>
+          <a:bodyPr wrap="square" rtlCol="0">
+            <a:spAutoFit/>
+          </a:bodyPr>
+          <a:lstStyle/>
+          <a:p>
+            <a:r>
+              <a:rPr kumimoji="1" lang="ja-JP" altLang="en-US" sz="4400"/>
+              <a:t>各スポットのトピックに対する</a:t>
+            </a:r>
+            <a:r>
+              <a:rPr lang="ja-JP" altLang="en-US" sz="4400"/>
+              <a:t>特徴ベクトルの類似度を計算</a:t>
+            </a:r>
+            <a:endParaRPr kumimoji="1" lang="ja-JP" altLang="en-US" sz="4400"/>
+          </a:p>
+        </p:txBody>
+      </p:sp>
+      <p:pic>
+        <p:nvPicPr>
+          <p:cNvPr id="89" name="図 88">
+            <a:extLst>
+              <a:ext uri="{FF2B5EF4-FFF2-40B4-BE49-F238E27FC236}">
+                <a16:creationId xmlns:a16="http://schemas.microsoft.com/office/drawing/2014/main" id="{64FE2FA9-D5FC-7443-B95C-17FC333D58E8}"/>
+              </a:ext>
+            </a:extLst>
+          </p:cNvPr>
+          <p:cNvPicPr>
+            <a:picLocks noChangeAspect="1"/>
+          </p:cNvPicPr>
+          <p:nvPr/>
+        </p:nvPicPr>
+        <p:blipFill>
+          <a:blip r:embed="rId6"/>
+          <a:stretch>
+            <a:fillRect/>
+          </a:stretch>
+        </p:blipFill>
+        <p:spPr>
+          <a:xfrm>
+            <a:off x="45290734" y="30444512"/>
+            <a:ext cx="4244495" cy="2993319"/>
+          </a:xfrm>
+          <a:prstGeom prst="rect">
+            <a:avLst/>
+          </a:prstGeom>
+        </p:spPr>
+      </p:pic>
+      <p:sp>
+        <p:nvSpPr>
+          <p:cNvPr id="9" name="四角形吹き出し 8">
+            <a:extLst>
+              <a:ext uri="{FF2B5EF4-FFF2-40B4-BE49-F238E27FC236}">
+                <a16:creationId xmlns:a16="http://schemas.microsoft.com/office/drawing/2014/main" id="{8788DF52-21D9-6141-8459-1377A176BE03}"/>
+              </a:ext>
+            </a:extLst>
+          </p:cNvPr>
+          <p:cNvSpPr/>
+          <p:nvPr/>
+        </p:nvSpPr>
+        <p:spPr>
+          <a:xfrm>
+            <a:off x="1686506" y="25040580"/>
+            <a:ext cx="26659894" cy="8842085"/>
+          </a:xfrm>
+          <a:custGeom>
+            <a:avLst/>
+            <a:gdLst>
+              <a:gd name="connsiteX0" fmla="*/ 0 w 26576767"/>
+              <a:gd name="connsiteY0" fmla="*/ 0 h 6124303"/>
+              <a:gd name="connsiteX1" fmla="*/ 4429461 w 26576767"/>
+              <a:gd name="connsiteY1" fmla="*/ 0 h 6124303"/>
+              <a:gd name="connsiteX2" fmla="*/ 9400202 w 26576767"/>
+              <a:gd name="connsiteY2" fmla="*/ -2717782 h 6124303"/>
+              <a:gd name="connsiteX3" fmla="*/ 11073653 w 26576767"/>
+              <a:gd name="connsiteY3" fmla="*/ 0 h 6124303"/>
+              <a:gd name="connsiteX4" fmla="*/ 26576767 w 26576767"/>
+              <a:gd name="connsiteY4" fmla="*/ 0 h 6124303"/>
+              <a:gd name="connsiteX5" fmla="*/ 26576767 w 26576767"/>
+              <a:gd name="connsiteY5" fmla="*/ 1020717 h 6124303"/>
+              <a:gd name="connsiteX6" fmla="*/ 26576767 w 26576767"/>
+              <a:gd name="connsiteY6" fmla="*/ 1020717 h 6124303"/>
+              <a:gd name="connsiteX7" fmla="*/ 26576767 w 26576767"/>
+              <a:gd name="connsiteY7" fmla="*/ 2551793 h 6124303"/>
+              <a:gd name="connsiteX8" fmla="*/ 26576767 w 26576767"/>
+              <a:gd name="connsiteY8" fmla="*/ 6124303 h 6124303"/>
+              <a:gd name="connsiteX9" fmla="*/ 11073653 w 26576767"/>
+              <a:gd name="connsiteY9" fmla="*/ 6124303 h 6124303"/>
+              <a:gd name="connsiteX10" fmla="*/ 4429461 w 26576767"/>
+              <a:gd name="connsiteY10" fmla="*/ 6124303 h 6124303"/>
+              <a:gd name="connsiteX11" fmla="*/ 4429461 w 26576767"/>
+              <a:gd name="connsiteY11" fmla="*/ 6124303 h 6124303"/>
+              <a:gd name="connsiteX12" fmla="*/ 0 w 26576767"/>
+              <a:gd name="connsiteY12" fmla="*/ 6124303 h 6124303"/>
+              <a:gd name="connsiteX13" fmla="*/ 0 w 26576767"/>
+              <a:gd name="connsiteY13" fmla="*/ 2551793 h 6124303"/>
+              <a:gd name="connsiteX14" fmla="*/ 0 w 26576767"/>
+              <a:gd name="connsiteY14" fmla="*/ 1020717 h 6124303"/>
+              <a:gd name="connsiteX15" fmla="*/ 0 w 26576767"/>
+              <a:gd name="connsiteY15" fmla="*/ 1020717 h 6124303"/>
+              <a:gd name="connsiteX16" fmla="*/ 0 w 26576767"/>
+              <a:gd name="connsiteY16" fmla="*/ 0 h 6124303"/>
+              <a:gd name="connsiteX0" fmla="*/ 0 w 26576767"/>
+              <a:gd name="connsiteY0" fmla="*/ 2717782 h 8842085"/>
+              <a:gd name="connsiteX1" fmla="*/ 7629861 w 26576767"/>
+              <a:gd name="connsiteY1" fmla="*/ 2676218 h 8842085"/>
+              <a:gd name="connsiteX2" fmla="*/ 9400202 w 26576767"/>
+              <a:gd name="connsiteY2" fmla="*/ 0 h 8842085"/>
+              <a:gd name="connsiteX3" fmla="*/ 11073653 w 26576767"/>
+              <a:gd name="connsiteY3" fmla="*/ 2717782 h 8842085"/>
+              <a:gd name="connsiteX4" fmla="*/ 26576767 w 26576767"/>
+              <a:gd name="connsiteY4" fmla="*/ 2717782 h 8842085"/>
+              <a:gd name="connsiteX5" fmla="*/ 26576767 w 26576767"/>
+              <a:gd name="connsiteY5" fmla="*/ 3738499 h 8842085"/>
+              <a:gd name="connsiteX6" fmla="*/ 26576767 w 26576767"/>
+              <a:gd name="connsiteY6" fmla="*/ 3738499 h 8842085"/>
+              <a:gd name="connsiteX7" fmla="*/ 26576767 w 26576767"/>
+              <a:gd name="connsiteY7" fmla="*/ 5269575 h 8842085"/>
+              <a:gd name="connsiteX8" fmla="*/ 26576767 w 26576767"/>
+              <a:gd name="connsiteY8" fmla="*/ 8842085 h 8842085"/>
+              <a:gd name="connsiteX9" fmla="*/ 11073653 w 26576767"/>
+              <a:gd name="connsiteY9" fmla="*/ 8842085 h 8842085"/>
+              <a:gd name="connsiteX10" fmla="*/ 4429461 w 26576767"/>
+              <a:gd name="connsiteY10" fmla="*/ 8842085 h 8842085"/>
+              <a:gd name="connsiteX11" fmla="*/ 4429461 w 26576767"/>
+              <a:gd name="connsiteY11" fmla="*/ 8842085 h 8842085"/>
+              <a:gd name="connsiteX12" fmla="*/ 0 w 26576767"/>
+              <a:gd name="connsiteY12" fmla="*/ 8842085 h 8842085"/>
+              <a:gd name="connsiteX13" fmla="*/ 0 w 26576767"/>
+              <a:gd name="connsiteY13" fmla="*/ 5269575 h 8842085"/>
+              <a:gd name="connsiteX14" fmla="*/ 0 w 26576767"/>
+              <a:gd name="connsiteY14" fmla="*/ 3738499 h 8842085"/>
+              <a:gd name="connsiteX15" fmla="*/ 0 w 26576767"/>
+              <a:gd name="connsiteY15" fmla="*/ 3738499 h 8842085"/>
+              <a:gd name="connsiteX16" fmla="*/ 0 w 26576767"/>
+              <a:gd name="connsiteY16" fmla="*/ 2717782 h 8842085"/>
+              <a:gd name="connsiteX0" fmla="*/ 0 w 26576767"/>
+              <a:gd name="connsiteY0" fmla="*/ 2717782 h 8842085"/>
+              <a:gd name="connsiteX1" fmla="*/ 7671424 w 26576767"/>
+              <a:gd name="connsiteY1" fmla="*/ 2800908 h 8842085"/>
+              <a:gd name="connsiteX2" fmla="*/ 9400202 w 26576767"/>
+              <a:gd name="connsiteY2" fmla="*/ 0 h 8842085"/>
+              <a:gd name="connsiteX3" fmla="*/ 11073653 w 26576767"/>
+              <a:gd name="connsiteY3" fmla="*/ 2717782 h 8842085"/>
+              <a:gd name="connsiteX4" fmla="*/ 26576767 w 26576767"/>
+              <a:gd name="connsiteY4" fmla="*/ 2717782 h 8842085"/>
+              <a:gd name="connsiteX5" fmla="*/ 26576767 w 26576767"/>
+              <a:gd name="connsiteY5" fmla="*/ 3738499 h 8842085"/>
+              <a:gd name="connsiteX6" fmla="*/ 26576767 w 26576767"/>
+              <a:gd name="connsiteY6" fmla="*/ 3738499 h 8842085"/>
+              <a:gd name="connsiteX7" fmla="*/ 26576767 w 26576767"/>
+              <a:gd name="connsiteY7" fmla="*/ 5269575 h 8842085"/>
+              <a:gd name="connsiteX8" fmla="*/ 26576767 w 26576767"/>
+              <a:gd name="connsiteY8" fmla="*/ 8842085 h 8842085"/>
+              <a:gd name="connsiteX9" fmla="*/ 11073653 w 26576767"/>
+              <a:gd name="connsiteY9" fmla="*/ 8842085 h 8842085"/>
+              <a:gd name="connsiteX10" fmla="*/ 4429461 w 26576767"/>
+              <a:gd name="connsiteY10" fmla="*/ 8842085 h 8842085"/>
+              <a:gd name="connsiteX11" fmla="*/ 4429461 w 26576767"/>
+              <a:gd name="connsiteY11" fmla="*/ 8842085 h 8842085"/>
+              <a:gd name="connsiteX12" fmla="*/ 0 w 26576767"/>
+              <a:gd name="connsiteY12" fmla="*/ 8842085 h 8842085"/>
+              <a:gd name="connsiteX13" fmla="*/ 0 w 26576767"/>
+              <a:gd name="connsiteY13" fmla="*/ 5269575 h 8842085"/>
+              <a:gd name="connsiteX14" fmla="*/ 0 w 26576767"/>
+              <a:gd name="connsiteY14" fmla="*/ 3738499 h 8842085"/>
+              <a:gd name="connsiteX15" fmla="*/ 0 w 26576767"/>
+              <a:gd name="connsiteY15" fmla="*/ 3738499 h 8842085"/>
+              <a:gd name="connsiteX16" fmla="*/ 0 w 26576767"/>
+              <a:gd name="connsiteY16" fmla="*/ 2717782 h 8842085"/>
+              <a:gd name="connsiteX0" fmla="*/ 0 w 26576767"/>
+              <a:gd name="connsiteY0" fmla="*/ 2717782 h 8842085"/>
+              <a:gd name="connsiteX1" fmla="*/ 7712988 w 26576767"/>
+              <a:gd name="connsiteY1" fmla="*/ 2717781 h 8842085"/>
+              <a:gd name="connsiteX2" fmla="*/ 9400202 w 26576767"/>
+              <a:gd name="connsiteY2" fmla="*/ 0 h 8842085"/>
+              <a:gd name="connsiteX3" fmla="*/ 11073653 w 26576767"/>
+              <a:gd name="connsiteY3" fmla="*/ 2717782 h 8842085"/>
+              <a:gd name="connsiteX4" fmla="*/ 26576767 w 26576767"/>
+              <a:gd name="connsiteY4" fmla="*/ 2717782 h 8842085"/>
+              <a:gd name="connsiteX5" fmla="*/ 26576767 w 26576767"/>
+              <a:gd name="connsiteY5" fmla="*/ 3738499 h 8842085"/>
+              <a:gd name="connsiteX6" fmla="*/ 26576767 w 26576767"/>
+              <a:gd name="connsiteY6" fmla="*/ 3738499 h 8842085"/>
+              <a:gd name="connsiteX7" fmla="*/ 26576767 w 26576767"/>
+              <a:gd name="connsiteY7" fmla="*/ 5269575 h 8842085"/>
+              <a:gd name="connsiteX8" fmla="*/ 26576767 w 26576767"/>
+              <a:gd name="connsiteY8" fmla="*/ 8842085 h 8842085"/>
+              <a:gd name="connsiteX9" fmla="*/ 11073653 w 26576767"/>
+              <a:gd name="connsiteY9" fmla="*/ 8842085 h 8842085"/>
+              <a:gd name="connsiteX10" fmla="*/ 4429461 w 26576767"/>
+              <a:gd name="connsiteY10" fmla="*/ 8842085 h 8842085"/>
+              <a:gd name="connsiteX11" fmla="*/ 4429461 w 26576767"/>
+              <a:gd name="connsiteY11" fmla="*/ 8842085 h 8842085"/>
+              <a:gd name="connsiteX12" fmla="*/ 0 w 26576767"/>
+              <a:gd name="connsiteY12" fmla="*/ 8842085 h 8842085"/>
+              <a:gd name="connsiteX13" fmla="*/ 0 w 26576767"/>
+              <a:gd name="connsiteY13" fmla="*/ 5269575 h 8842085"/>
+              <a:gd name="connsiteX14" fmla="*/ 0 w 26576767"/>
+              <a:gd name="connsiteY14" fmla="*/ 3738499 h 8842085"/>
+              <a:gd name="connsiteX15" fmla="*/ 0 w 26576767"/>
+              <a:gd name="connsiteY15" fmla="*/ 3738499 h 8842085"/>
+              <a:gd name="connsiteX16" fmla="*/ 0 w 26576767"/>
+              <a:gd name="connsiteY16" fmla="*/ 2717782 h 8842085"/>
+            </a:gdLst>
+            <a:ahLst/>
+            <a:cxnLst>
+              <a:cxn ang="0">
+                <a:pos x="connsiteX0" y="connsiteY0"/>
+              </a:cxn>
+              <a:cxn ang="0">
+                <a:pos x="connsiteX1" y="connsiteY1"/>
+              </a:cxn>
+              <a:cxn ang="0">
+                <a:pos x="connsiteX2" y="connsiteY2"/>
+              </a:cxn>
+              <a:cxn ang="0">
+                <a:pos x="connsiteX3" y="connsiteY3"/>
+              </a:cxn>
+              <a:cxn ang="0">
+                <a:pos x="connsiteX4" y="connsiteY4"/>
+              </a:cxn>
+              <a:cxn ang="0">
+                <a:pos x="connsiteX5" y="connsiteY5"/>
+              </a:cxn>
+              <a:cxn ang="0">
+                <a:pos x="connsiteX6" y="connsiteY6"/>
+              </a:cxn>
+              <a:cxn ang="0">
+                <a:pos x="connsiteX7" y="connsiteY7"/>
+              </a:cxn>
+              <a:cxn ang="0">
+                <a:pos x="connsiteX8" y="connsiteY8"/>
+              </a:cxn>
+              <a:cxn ang="0">
+                <a:pos x="connsiteX9" y="connsiteY9"/>
+              </a:cxn>
+              <a:cxn ang="0">
+                <a:pos x="connsiteX10" y="connsiteY10"/>
+              </a:cxn>
+              <a:cxn ang="0">
+                <a:pos x="connsiteX11" y="connsiteY11"/>
+              </a:cxn>
+              <a:cxn ang="0">
+                <a:pos x="connsiteX12" y="connsiteY12"/>
+              </a:cxn>
+              <a:cxn ang="0">
+                <a:pos x="connsiteX13" y="connsiteY13"/>
+              </a:cxn>
+              <a:cxn ang="0">
+                <a:pos x="connsiteX14" y="connsiteY14"/>
+              </a:cxn>
+              <a:cxn ang="0">
+                <a:pos x="connsiteX15" y="connsiteY15"/>
+              </a:cxn>
+              <a:cxn ang="0">
+                <a:pos x="connsiteX16" y="connsiteY16"/>
+              </a:cxn>
+            </a:cxnLst>
+            <a:rect l="l" t="t" r="r" b="b"/>
+            <a:pathLst>
+              <a:path w="26576767" h="8842085">
+                <a:moveTo>
+                  <a:pt x="0" y="2717782"/>
+                </a:moveTo>
+                <a:lnTo>
+                  <a:pt x="7712988" y="2717781"/>
+                </a:lnTo>
+                <a:lnTo>
+                  <a:pt x="9400202" y="0"/>
+                </a:lnTo>
+                <a:lnTo>
+                  <a:pt x="11073653" y="2717782"/>
+                </a:lnTo>
+                <a:lnTo>
+                  <a:pt x="26576767" y="2717782"/>
+                </a:lnTo>
+                <a:lnTo>
+                  <a:pt x="26576767" y="3738499"/>
+                </a:lnTo>
+                <a:lnTo>
+                  <a:pt x="26576767" y="3738499"/>
+                </a:lnTo>
+                <a:lnTo>
+                  <a:pt x="26576767" y="5269575"/>
+                </a:lnTo>
+                <a:lnTo>
+                  <a:pt x="26576767" y="8842085"/>
+                </a:lnTo>
+                <a:lnTo>
+                  <a:pt x="11073653" y="8842085"/>
+                </a:lnTo>
+                <a:lnTo>
+                  <a:pt x="4429461" y="8842085"/>
+                </a:lnTo>
+                <a:lnTo>
+                  <a:pt x="4429461" y="8842085"/>
+                </a:lnTo>
+                <a:lnTo>
+                  <a:pt x="0" y="8842085"/>
+                </a:lnTo>
+                <a:lnTo>
+                  <a:pt x="0" y="5269575"/>
+                </a:lnTo>
+                <a:lnTo>
+                  <a:pt x="0" y="3738499"/>
+                </a:lnTo>
+                <a:lnTo>
+                  <a:pt x="0" y="3738499"/>
+                </a:lnTo>
+                <a:lnTo>
+                  <a:pt x="0" y="2717782"/>
+                </a:lnTo>
+                <a:close/>
+              </a:path>
+            </a:pathLst>
+          </a:custGeom>
+          <a:solidFill>
+            <a:schemeClr val="accent6">
+              <a:lumMod val="20000"/>
+              <a:lumOff val="80000"/>
+            </a:schemeClr>
+          </a:solidFill>
+          <a:ln>
+            <a:solidFill>
+              <a:schemeClr val="accent6">
+                <a:lumMod val="75000"/>
+              </a:schemeClr>
+            </a:solidFill>
+          </a:ln>
+        </p:spPr>
+        <p:style>
+          <a:lnRef idx="2">
+            <a:schemeClr val="accent1">
+              <a:shade val="50000"/>
+            </a:schemeClr>
+          </a:lnRef>
+          <a:fillRef idx="1">
+            <a:schemeClr val="accent1"/>
+          </a:fillRef>
+          <a:effectRef idx="0">
+            <a:schemeClr val="accent1"/>
+          </a:effectRef>
+          <a:fontRef idx="minor">
+            <a:schemeClr val="lt1"/>
+          </a:fontRef>
+        </p:style>
+        <p:txBody>
+          <a:bodyPr rtlCol="0" anchor="ctr"/>
+          <a:lstStyle/>
+          <a:p>
+            <a:pPr algn="ctr"/>
+            <a:endParaRPr kumimoji="1" lang="ja-JP" altLang="en-US"/>
           </a:p>
         </p:txBody>
       </p:sp>

--- a/notebooks/interrim_presentattion_poster.pptx
+++ b/notebooks/interrim_presentattion_poster.pptx
@@ -157,16 +157,16 @@
     </p:extLst>
   </p:cm>
   <p:cm authorId="1" dt="2018-07-17T17:47:22.933" idx="5">
-    <p:pos x="14410" y="14533"/>
+    <p:pos x="22238" y="15266"/>
     <p:text>Cosいらない</p:text>
-    <p:extLst>
+    <p:extLst mod="1">
       <p:ext uri="{C676402C-5697-4E1C-873F-D02D1690AC5C}">
         <p15:threadingInfo xmlns:p15="http://schemas.microsoft.com/office/powerpoint/2012/main" timeZoneBias="-540"/>
       </p:ext>
     </p:extLst>
   </p:cm>
   <p:cm authorId="1" dt="2018-07-17T17:47:33.740" idx="6">
-    <p:pos x="18851" y="15560"/>
+    <p:pos x="19846" y="16712"/>
     <p:text>吹き出し口を狭める</p:text>
     <p:extLst mod="1">
       <p:ext uri="{C676402C-5697-4E1C-873F-D02D1690AC5C}">
@@ -4025,6 +4025,505 @@
           <a:chExt cx="0" cy="0"/>
         </a:xfrm>
       </p:grpSpPr>
+      <p:pic>
+        <p:nvPicPr>
+          <p:cNvPr id="52" name="図 51">
+            <a:extLst>
+              <a:ext uri="{FF2B5EF4-FFF2-40B4-BE49-F238E27FC236}">
+                <a16:creationId xmlns:a16="http://schemas.microsoft.com/office/drawing/2014/main" id="{43C30A86-190F-9443-9797-ED0E0A5DA0F3}"/>
+              </a:ext>
+            </a:extLst>
+          </p:cNvPr>
+          <p:cNvPicPr>
+            <a:picLocks noChangeAspect="1"/>
+          </p:cNvPicPr>
+          <p:nvPr/>
+        </p:nvPicPr>
+        <p:blipFill>
+          <a:blip r:embed="rId3"/>
+          <a:stretch>
+            <a:fillRect/>
+          </a:stretch>
+        </p:blipFill>
+        <p:spPr>
+          <a:xfrm>
+            <a:off x="24340938" y="19941475"/>
+            <a:ext cx="3149898" cy="3244964"/>
+          </a:xfrm>
+          <a:prstGeom prst="rect">
+            <a:avLst/>
+          </a:prstGeom>
+        </p:spPr>
+      </p:pic>
+      <p:sp>
+        <p:nvSpPr>
+          <p:cNvPr id="11" name="角丸四角形 10">
+            <a:extLst>
+              <a:ext uri="{FF2B5EF4-FFF2-40B4-BE49-F238E27FC236}">
+                <a16:creationId xmlns:a16="http://schemas.microsoft.com/office/drawing/2014/main" id="{D93C9039-B4DE-0F43-9D0D-2C1D61696396}"/>
+              </a:ext>
+            </a:extLst>
+          </p:cNvPr>
+          <p:cNvSpPr/>
+          <p:nvPr/>
+        </p:nvSpPr>
+        <p:spPr>
+          <a:xfrm>
+            <a:off x="12120183" y="19699931"/>
+            <a:ext cx="6175502" cy="3666029"/>
+          </a:xfrm>
+          <a:prstGeom prst="roundRect">
+            <a:avLst/>
+          </a:prstGeom>
+          <a:solidFill>
+            <a:schemeClr val="accent6">
+              <a:lumMod val="20000"/>
+              <a:lumOff val="80000"/>
+            </a:schemeClr>
+          </a:solidFill>
+          <a:ln w="38100">
+            <a:solidFill>
+              <a:schemeClr val="accent6">
+                <a:lumMod val="75000"/>
+              </a:schemeClr>
+            </a:solidFill>
+          </a:ln>
+        </p:spPr>
+        <p:style>
+          <a:lnRef idx="2">
+            <a:schemeClr val="accent1">
+              <a:shade val="50000"/>
+            </a:schemeClr>
+          </a:lnRef>
+          <a:fillRef idx="1">
+            <a:schemeClr val="accent1"/>
+          </a:fillRef>
+          <a:effectRef idx="0">
+            <a:schemeClr val="accent1"/>
+          </a:effectRef>
+          <a:fontRef idx="minor">
+            <a:schemeClr val="lt1"/>
+          </a:fontRef>
+        </p:style>
+        <p:txBody>
+          <a:bodyPr rtlCol="0" anchor="ctr"/>
+          <a:lstStyle/>
+          <a:p>
+            <a:pPr algn="ctr"/>
+            <a:endParaRPr kumimoji="1" lang="ja-JP" altLang="en-US"/>
+          </a:p>
+        </p:txBody>
+      </p:sp>
+      <p:sp>
+        <p:nvSpPr>
+          <p:cNvPr id="18" name="四角形吹き出し 17">
+            <a:extLst>
+              <a:ext uri="{FF2B5EF4-FFF2-40B4-BE49-F238E27FC236}">
+                <a16:creationId xmlns:a16="http://schemas.microsoft.com/office/drawing/2014/main" id="{55A4ADFC-6DA8-864D-97A3-8C8C577B9EB3}"/>
+              </a:ext>
+            </a:extLst>
+          </p:cNvPr>
+          <p:cNvSpPr/>
+          <p:nvPr/>
+        </p:nvSpPr>
+        <p:spPr>
+          <a:xfrm>
+            <a:off x="30767812" y="19165647"/>
+            <a:ext cx="26604000" cy="8038456"/>
+          </a:xfrm>
+          <a:custGeom>
+            <a:avLst/>
+            <a:gdLst>
+              <a:gd name="connsiteX0" fmla="*/ 0 w 26576764"/>
+              <a:gd name="connsiteY0" fmla="*/ 0 h 6477336"/>
+              <a:gd name="connsiteX1" fmla="*/ 15503112 w 26576764"/>
+              <a:gd name="connsiteY1" fmla="*/ 0 h 6477336"/>
+              <a:gd name="connsiteX2" fmla="*/ 15503112 w 26576764"/>
+              <a:gd name="connsiteY2" fmla="*/ 0 h 6477336"/>
+              <a:gd name="connsiteX3" fmla="*/ 22147303 w 26576764"/>
+              <a:gd name="connsiteY3" fmla="*/ 0 h 6477336"/>
+              <a:gd name="connsiteX4" fmla="*/ 26576764 w 26576764"/>
+              <a:gd name="connsiteY4" fmla="*/ 0 h 6477336"/>
+              <a:gd name="connsiteX5" fmla="*/ 26576764 w 26576764"/>
+              <a:gd name="connsiteY5" fmla="*/ 3778446 h 6477336"/>
+              <a:gd name="connsiteX6" fmla="*/ 26576764 w 26576764"/>
+              <a:gd name="connsiteY6" fmla="*/ 3778446 h 6477336"/>
+              <a:gd name="connsiteX7" fmla="*/ 26576764 w 26576764"/>
+              <a:gd name="connsiteY7" fmla="*/ 5397780 h 6477336"/>
+              <a:gd name="connsiteX8" fmla="*/ 26576764 w 26576764"/>
+              <a:gd name="connsiteY8" fmla="*/ 6477336 h 6477336"/>
+              <a:gd name="connsiteX9" fmla="*/ 22147303 w 26576764"/>
+              <a:gd name="connsiteY9" fmla="*/ 6477336 h 6477336"/>
+              <a:gd name="connsiteX10" fmla="*/ 13321337 w 26576764"/>
+              <a:gd name="connsiteY10" fmla="*/ 7702589 h 6477336"/>
+              <a:gd name="connsiteX11" fmla="*/ 15503112 w 26576764"/>
+              <a:gd name="connsiteY11" fmla="*/ 6477336 h 6477336"/>
+              <a:gd name="connsiteX12" fmla="*/ 0 w 26576764"/>
+              <a:gd name="connsiteY12" fmla="*/ 6477336 h 6477336"/>
+              <a:gd name="connsiteX13" fmla="*/ 0 w 26576764"/>
+              <a:gd name="connsiteY13" fmla="*/ 5397780 h 6477336"/>
+              <a:gd name="connsiteX14" fmla="*/ 0 w 26576764"/>
+              <a:gd name="connsiteY14" fmla="*/ 3778446 h 6477336"/>
+              <a:gd name="connsiteX15" fmla="*/ 0 w 26576764"/>
+              <a:gd name="connsiteY15" fmla="*/ 3778446 h 6477336"/>
+              <a:gd name="connsiteX16" fmla="*/ 0 w 26576764"/>
+              <a:gd name="connsiteY16" fmla="*/ 0 h 6477336"/>
+              <a:gd name="connsiteX0" fmla="*/ 0 w 26576764"/>
+              <a:gd name="connsiteY0" fmla="*/ 0 h 7702589"/>
+              <a:gd name="connsiteX1" fmla="*/ 15503112 w 26576764"/>
+              <a:gd name="connsiteY1" fmla="*/ 0 h 7702589"/>
+              <a:gd name="connsiteX2" fmla="*/ 15503112 w 26576764"/>
+              <a:gd name="connsiteY2" fmla="*/ 0 h 7702589"/>
+              <a:gd name="connsiteX3" fmla="*/ 22147303 w 26576764"/>
+              <a:gd name="connsiteY3" fmla="*/ 0 h 7702589"/>
+              <a:gd name="connsiteX4" fmla="*/ 26576764 w 26576764"/>
+              <a:gd name="connsiteY4" fmla="*/ 0 h 7702589"/>
+              <a:gd name="connsiteX5" fmla="*/ 26576764 w 26576764"/>
+              <a:gd name="connsiteY5" fmla="*/ 3778446 h 7702589"/>
+              <a:gd name="connsiteX6" fmla="*/ 26576764 w 26576764"/>
+              <a:gd name="connsiteY6" fmla="*/ 3778446 h 7702589"/>
+              <a:gd name="connsiteX7" fmla="*/ 26576764 w 26576764"/>
+              <a:gd name="connsiteY7" fmla="*/ 5397780 h 7702589"/>
+              <a:gd name="connsiteX8" fmla="*/ 26576764 w 26576764"/>
+              <a:gd name="connsiteY8" fmla="*/ 6477336 h 7702589"/>
+              <a:gd name="connsiteX9" fmla="*/ 22147303 w 26576764"/>
+              <a:gd name="connsiteY9" fmla="*/ 6477336 h 7702589"/>
+              <a:gd name="connsiteX10" fmla="*/ 13321337 w 26576764"/>
+              <a:gd name="connsiteY10" fmla="*/ 7702589 h 7702589"/>
+              <a:gd name="connsiteX11" fmla="*/ 12385839 w 26576764"/>
+              <a:gd name="connsiteY11" fmla="*/ 6477336 h 7702589"/>
+              <a:gd name="connsiteX12" fmla="*/ 0 w 26576764"/>
+              <a:gd name="connsiteY12" fmla="*/ 6477336 h 7702589"/>
+              <a:gd name="connsiteX13" fmla="*/ 0 w 26576764"/>
+              <a:gd name="connsiteY13" fmla="*/ 5397780 h 7702589"/>
+              <a:gd name="connsiteX14" fmla="*/ 0 w 26576764"/>
+              <a:gd name="connsiteY14" fmla="*/ 3778446 h 7702589"/>
+              <a:gd name="connsiteX15" fmla="*/ 0 w 26576764"/>
+              <a:gd name="connsiteY15" fmla="*/ 3778446 h 7702589"/>
+              <a:gd name="connsiteX16" fmla="*/ 0 w 26576764"/>
+              <a:gd name="connsiteY16" fmla="*/ 0 h 7702589"/>
+              <a:gd name="connsiteX0" fmla="*/ 0 w 26576764"/>
+              <a:gd name="connsiteY0" fmla="*/ 0 h 7702589"/>
+              <a:gd name="connsiteX1" fmla="*/ 15503112 w 26576764"/>
+              <a:gd name="connsiteY1" fmla="*/ 0 h 7702589"/>
+              <a:gd name="connsiteX2" fmla="*/ 15503112 w 26576764"/>
+              <a:gd name="connsiteY2" fmla="*/ 0 h 7702589"/>
+              <a:gd name="connsiteX3" fmla="*/ 22147303 w 26576764"/>
+              <a:gd name="connsiteY3" fmla="*/ 0 h 7702589"/>
+              <a:gd name="connsiteX4" fmla="*/ 26576764 w 26576764"/>
+              <a:gd name="connsiteY4" fmla="*/ 0 h 7702589"/>
+              <a:gd name="connsiteX5" fmla="*/ 26576764 w 26576764"/>
+              <a:gd name="connsiteY5" fmla="*/ 3778446 h 7702589"/>
+              <a:gd name="connsiteX6" fmla="*/ 26576764 w 26576764"/>
+              <a:gd name="connsiteY6" fmla="*/ 3778446 h 7702589"/>
+              <a:gd name="connsiteX7" fmla="*/ 26576764 w 26576764"/>
+              <a:gd name="connsiteY7" fmla="*/ 5397780 h 7702589"/>
+              <a:gd name="connsiteX8" fmla="*/ 26576764 w 26576764"/>
+              <a:gd name="connsiteY8" fmla="*/ 6477336 h 7702589"/>
+              <a:gd name="connsiteX9" fmla="*/ 14167086 w 26576764"/>
+              <a:gd name="connsiteY9" fmla="*/ 6560463 h 7702589"/>
+              <a:gd name="connsiteX10" fmla="*/ 13321337 w 26576764"/>
+              <a:gd name="connsiteY10" fmla="*/ 7702589 h 7702589"/>
+              <a:gd name="connsiteX11" fmla="*/ 12385839 w 26576764"/>
+              <a:gd name="connsiteY11" fmla="*/ 6477336 h 7702589"/>
+              <a:gd name="connsiteX12" fmla="*/ 0 w 26576764"/>
+              <a:gd name="connsiteY12" fmla="*/ 6477336 h 7702589"/>
+              <a:gd name="connsiteX13" fmla="*/ 0 w 26576764"/>
+              <a:gd name="connsiteY13" fmla="*/ 5397780 h 7702589"/>
+              <a:gd name="connsiteX14" fmla="*/ 0 w 26576764"/>
+              <a:gd name="connsiteY14" fmla="*/ 3778446 h 7702589"/>
+              <a:gd name="connsiteX15" fmla="*/ 0 w 26576764"/>
+              <a:gd name="connsiteY15" fmla="*/ 3778446 h 7702589"/>
+              <a:gd name="connsiteX16" fmla="*/ 0 w 26576764"/>
+              <a:gd name="connsiteY16" fmla="*/ 0 h 7702589"/>
+              <a:gd name="connsiteX0" fmla="*/ 0 w 26576764"/>
+              <a:gd name="connsiteY0" fmla="*/ 0 h 7702589"/>
+              <a:gd name="connsiteX1" fmla="*/ 15503112 w 26576764"/>
+              <a:gd name="connsiteY1" fmla="*/ 0 h 7702589"/>
+              <a:gd name="connsiteX2" fmla="*/ 15503112 w 26576764"/>
+              <a:gd name="connsiteY2" fmla="*/ 0 h 7702589"/>
+              <a:gd name="connsiteX3" fmla="*/ 22147303 w 26576764"/>
+              <a:gd name="connsiteY3" fmla="*/ 0 h 7702589"/>
+              <a:gd name="connsiteX4" fmla="*/ 26576764 w 26576764"/>
+              <a:gd name="connsiteY4" fmla="*/ 0 h 7702589"/>
+              <a:gd name="connsiteX5" fmla="*/ 26576764 w 26576764"/>
+              <a:gd name="connsiteY5" fmla="*/ 3778446 h 7702589"/>
+              <a:gd name="connsiteX6" fmla="*/ 26576764 w 26576764"/>
+              <a:gd name="connsiteY6" fmla="*/ 3778446 h 7702589"/>
+              <a:gd name="connsiteX7" fmla="*/ 26576764 w 26576764"/>
+              <a:gd name="connsiteY7" fmla="*/ 5397780 h 7702589"/>
+              <a:gd name="connsiteX8" fmla="*/ 26576764 w 26576764"/>
+              <a:gd name="connsiteY8" fmla="*/ 6477336 h 7702589"/>
+              <a:gd name="connsiteX9" fmla="*/ 14167086 w 26576764"/>
+              <a:gd name="connsiteY9" fmla="*/ 6518900 h 7702589"/>
+              <a:gd name="connsiteX10" fmla="*/ 13321337 w 26576764"/>
+              <a:gd name="connsiteY10" fmla="*/ 7702589 h 7702589"/>
+              <a:gd name="connsiteX11" fmla="*/ 12385839 w 26576764"/>
+              <a:gd name="connsiteY11" fmla="*/ 6477336 h 7702589"/>
+              <a:gd name="connsiteX12" fmla="*/ 0 w 26576764"/>
+              <a:gd name="connsiteY12" fmla="*/ 6477336 h 7702589"/>
+              <a:gd name="connsiteX13" fmla="*/ 0 w 26576764"/>
+              <a:gd name="connsiteY13" fmla="*/ 5397780 h 7702589"/>
+              <a:gd name="connsiteX14" fmla="*/ 0 w 26576764"/>
+              <a:gd name="connsiteY14" fmla="*/ 3778446 h 7702589"/>
+              <a:gd name="connsiteX15" fmla="*/ 0 w 26576764"/>
+              <a:gd name="connsiteY15" fmla="*/ 3778446 h 7702589"/>
+              <a:gd name="connsiteX16" fmla="*/ 0 w 26576764"/>
+              <a:gd name="connsiteY16" fmla="*/ 0 h 7702589"/>
+              <a:gd name="connsiteX0" fmla="*/ 0 w 26576764"/>
+              <a:gd name="connsiteY0" fmla="*/ 0 h 9531389"/>
+              <a:gd name="connsiteX1" fmla="*/ 15503112 w 26576764"/>
+              <a:gd name="connsiteY1" fmla="*/ 0 h 9531389"/>
+              <a:gd name="connsiteX2" fmla="*/ 15503112 w 26576764"/>
+              <a:gd name="connsiteY2" fmla="*/ 0 h 9531389"/>
+              <a:gd name="connsiteX3" fmla="*/ 22147303 w 26576764"/>
+              <a:gd name="connsiteY3" fmla="*/ 0 h 9531389"/>
+              <a:gd name="connsiteX4" fmla="*/ 26576764 w 26576764"/>
+              <a:gd name="connsiteY4" fmla="*/ 0 h 9531389"/>
+              <a:gd name="connsiteX5" fmla="*/ 26576764 w 26576764"/>
+              <a:gd name="connsiteY5" fmla="*/ 3778446 h 9531389"/>
+              <a:gd name="connsiteX6" fmla="*/ 26576764 w 26576764"/>
+              <a:gd name="connsiteY6" fmla="*/ 3778446 h 9531389"/>
+              <a:gd name="connsiteX7" fmla="*/ 26576764 w 26576764"/>
+              <a:gd name="connsiteY7" fmla="*/ 5397780 h 9531389"/>
+              <a:gd name="connsiteX8" fmla="*/ 26576764 w 26576764"/>
+              <a:gd name="connsiteY8" fmla="*/ 6477336 h 9531389"/>
+              <a:gd name="connsiteX9" fmla="*/ 14167086 w 26576764"/>
+              <a:gd name="connsiteY9" fmla="*/ 6518900 h 9531389"/>
+              <a:gd name="connsiteX10" fmla="*/ 13238209 w 26576764"/>
+              <a:gd name="connsiteY10" fmla="*/ 9531389 h 9531389"/>
+              <a:gd name="connsiteX11" fmla="*/ 12385839 w 26576764"/>
+              <a:gd name="connsiteY11" fmla="*/ 6477336 h 9531389"/>
+              <a:gd name="connsiteX12" fmla="*/ 0 w 26576764"/>
+              <a:gd name="connsiteY12" fmla="*/ 6477336 h 9531389"/>
+              <a:gd name="connsiteX13" fmla="*/ 0 w 26576764"/>
+              <a:gd name="connsiteY13" fmla="*/ 5397780 h 9531389"/>
+              <a:gd name="connsiteX14" fmla="*/ 0 w 26576764"/>
+              <a:gd name="connsiteY14" fmla="*/ 3778446 h 9531389"/>
+              <a:gd name="connsiteX15" fmla="*/ 0 w 26576764"/>
+              <a:gd name="connsiteY15" fmla="*/ 3778446 h 9531389"/>
+              <a:gd name="connsiteX16" fmla="*/ 0 w 26576764"/>
+              <a:gd name="connsiteY16" fmla="*/ 0 h 9531389"/>
+              <a:gd name="connsiteX0" fmla="*/ 0 w 26576764"/>
+              <a:gd name="connsiteY0" fmla="*/ 0 h 7948997"/>
+              <a:gd name="connsiteX1" fmla="*/ 15503112 w 26576764"/>
+              <a:gd name="connsiteY1" fmla="*/ 0 h 7948997"/>
+              <a:gd name="connsiteX2" fmla="*/ 15503112 w 26576764"/>
+              <a:gd name="connsiteY2" fmla="*/ 0 h 7948997"/>
+              <a:gd name="connsiteX3" fmla="*/ 22147303 w 26576764"/>
+              <a:gd name="connsiteY3" fmla="*/ 0 h 7948997"/>
+              <a:gd name="connsiteX4" fmla="*/ 26576764 w 26576764"/>
+              <a:gd name="connsiteY4" fmla="*/ 0 h 7948997"/>
+              <a:gd name="connsiteX5" fmla="*/ 26576764 w 26576764"/>
+              <a:gd name="connsiteY5" fmla="*/ 3778446 h 7948997"/>
+              <a:gd name="connsiteX6" fmla="*/ 26576764 w 26576764"/>
+              <a:gd name="connsiteY6" fmla="*/ 3778446 h 7948997"/>
+              <a:gd name="connsiteX7" fmla="*/ 26576764 w 26576764"/>
+              <a:gd name="connsiteY7" fmla="*/ 5397780 h 7948997"/>
+              <a:gd name="connsiteX8" fmla="*/ 26576764 w 26576764"/>
+              <a:gd name="connsiteY8" fmla="*/ 6477336 h 7948997"/>
+              <a:gd name="connsiteX9" fmla="*/ 14167086 w 26576764"/>
+              <a:gd name="connsiteY9" fmla="*/ 6518900 h 7948997"/>
+              <a:gd name="connsiteX10" fmla="*/ 13329649 w 26576764"/>
+              <a:gd name="connsiteY10" fmla="*/ 7948997 h 7948997"/>
+              <a:gd name="connsiteX11" fmla="*/ 12385839 w 26576764"/>
+              <a:gd name="connsiteY11" fmla="*/ 6477336 h 7948997"/>
+              <a:gd name="connsiteX12" fmla="*/ 0 w 26576764"/>
+              <a:gd name="connsiteY12" fmla="*/ 6477336 h 7948997"/>
+              <a:gd name="connsiteX13" fmla="*/ 0 w 26576764"/>
+              <a:gd name="connsiteY13" fmla="*/ 5397780 h 7948997"/>
+              <a:gd name="connsiteX14" fmla="*/ 0 w 26576764"/>
+              <a:gd name="connsiteY14" fmla="*/ 3778446 h 7948997"/>
+              <a:gd name="connsiteX15" fmla="*/ 0 w 26576764"/>
+              <a:gd name="connsiteY15" fmla="*/ 3778446 h 7948997"/>
+              <a:gd name="connsiteX16" fmla="*/ 0 w 26576764"/>
+              <a:gd name="connsiteY16" fmla="*/ 0 h 7948997"/>
+              <a:gd name="connsiteX0" fmla="*/ 0 w 26576764"/>
+              <a:gd name="connsiteY0" fmla="*/ 0 h 7948997"/>
+              <a:gd name="connsiteX1" fmla="*/ 15503112 w 26576764"/>
+              <a:gd name="connsiteY1" fmla="*/ 0 h 7948997"/>
+              <a:gd name="connsiteX2" fmla="*/ 15503112 w 26576764"/>
+              <a:gd name="connsiteY2" fmla="*/ 0 h 7948997"/>
+              <a:gd name="connsiteX3" fmla="*/ 22147303 w 26576764"/>
+              <a:gd name="connsiteY3" fmla="*/ 0 h 7948997"/>
+              <a:gd name="connsiteX4" fmla="*/ 26576764 w 26576764"/>
+              <a:gd name="connsiteY4" fmla="*/ 0 h 7948997"/>
+              <a:gd name="connsiteX5" fmla="*/ 26576764 w 26576764"/>
+              <a:gd name="connsiteY5" fmla="*/ 3778446 h 7948997"/>
+              <a:gd name="connsiteX6" fmla="*/ 26576764 w 26576764"/>
+              <a:gd name="connsiteY6" fmla="*/ 3778446 h 7948997"/>
+              <a:gd name="connsiteX7" fmla="*/ 26576764 w 26576764"/>
+              <a:gd name="connsiteY7" fmla="*/ 5397780 h 7948997"/>
+              <a:gd name="connsiteX8" fmla="*/ 26576764 w 26576764"/>
+              <a:gd name="connsiteY8" fmla="*/ 6477336 h 7948997"/>
+              <a:gd name="connsiteX9" fmla="*/ 14167086 w 26576764"/>
+              <a:gd name="connsiteY9" fmla="*/ 6487720 h 7948997"/>
+              <a:gd name="connsiteX10" fmla="*/ 13329649 w 26576764"/>
+              <a:gd name="connsiteY10" fmla="*/ 7948997 h 7948997"/>
+              <a:gd name="connsiteX11" fmla="*/ 12385839 w 26576764"/>
+              <a:gd name="connsiteY11" fmla="*/ 6477336 h 7948997"/>
+              <a:gd name="connsiteX12" fmla="*/ 0 w 26576764"/>
+              <a:gd name="connsiteY12" fmla="*/ 6477336 h 7948997"/>
+              <a:gd name="connsiteX13" fmla="*/ 0 w 26576764"/>
+              <a:gd name="connsiteY13" fmla="*/ 5397780 h 7948997"/>
+              <a:gd name="connsiteX14" fmla="*/ 0 w 26576764"/>
+              <a:gd name="connsiteY14" fmla="*/ 3778446 h 7948997"/>
+              <a:gd name="connsiteX15" fmla="*/ 0 w 26576764"/>
+              <a:gd name="connsiteY15" fmla="*/ 3778446 h 7948997"/>
+              <a:gd name="connsiteX16" fmla="*/ 0 w 26576764"/>
+              <a:gd name="connsiteY16" fmla="*/ 0 h 7948997"/>
+            </a:gdLst>
+            <a:ahLst/>
+            <a:cxnLst>
+              <a:cxn ang="0">
+                <a:pos x="connsiteX0" y="connsiteY0"/>
+              </a:cxn>
+              <a:cxn ang="0">
+                <a:pos x="connsiteX1" y="connsiteY1"/>
+              </a:cxn>
+              <a:cxn ang="0">
+                <a:pos x="connsiteX2" y="connsiteY2"/>
+              </a:cxn>
+              <a:cxn ang="0">
+                <a:pos x="connsiteX3" y="connsiteY3"/>
+              </a:cxn>
+              <a:cxn ang="0">
+                <a:pos x="connsiteX4" y="connsiteY4"/>
+              </a:cxn>
+              <a:cxn ang="0">
+                <a:pos x="connsiteX5" y="connsiteY5"/>
+              </a:cxn>
+              <a:cxn ang="0">
+                <a:pos x="connsiteX6" y="connsiteY6"/>
+              </a:cxn>
+              <a:cxn ang="0">
+                <a:pos x="connsiteX7" y="connsiteY7"/>
+              </a:cxn>
+              <a:cxn ang="0">
+                <a:pos x="connsiteX8" y="connsiteY8"/>
+              </a:cxn>
+              <a:cxn ang="0">
+                <a:pos x="connsiteX9" y="connsiteY9"/>
+              </a:cxn>
+              <a:cxn ang="0">
+                <a:pos x="connsiteX10" y="connsiteY10"/>
+              </a:cxn>
+              <a:cxn ang="0">
+                <a:pos x="connsiteX11" y="connsiteY11"/>
+              </a:cxn>
+              <a:cxn ang="0">
+                <a:pos x="connsiteX12" y="connsiteY12"/>
+              </a:cxn>
+              <a:cxn ang="0">
+                <a:pos x="connsiteX13" y="connsiteY13"/>
+              </a:cxn>
+              <a:cxn ang="0">
+                <a:pos x="connsiteX14" y="connsiteY14"/>
+              </a:cxn>
+              <a:cxn ang="0">
+                <a:pos x="connsiteX15" y="connsiteY15"/>
+              </a:cxn>
+              <a:cxn ang="0">
+                <a:pos x="connsiteX16" y="connsiteY16"/>
+              </a:cxn>
+            </a:cxnLst>
+            <a:rect l="l" t="t" r="r" b="b"/>
+            <a:pathLst>
+              <a:path w="26576764" h="7948997">
+                <a:moveTo>
+                  <a:pt x="0" y="0"/>
+                </a:moveTo>
+                <a:lnTo>
+                  <a:pt x="15503112" y="0"/>
+                </a:lnTo>
+                <a:lnTo>
+                  <a:pt x="15503112" y="0"/>
+                </a:lnTo>
+                <a:lnTo>
+                  <a:pt x="22147303" y="0"/>
+                </a:lnTo>
+                <a:lnTo>
+                  <a:pt x="26576764" y="0"/>
+                </a:lnTo>
+                <a:lnTo>
+                  <a:pt x="26576764" y="3778446"/>
+                </a:lnTo>
+                <a:lnTo>
+                  <a:pt x="26576764" y="3778446"/>
+                </a:lnTo>
+                <a:lnTo>
+                  <a:pt x="26576764" y="5397780"/>
+                </a:lnTo>
+                <a:lnTo>
+                  <a:pt x="26576764" y="6477336"/>
+                </a:lnTo>
+                <a:lnTo>
+                  <a:pt x="14167086" y="6487720"/>
+                </a:lnTo>
+                <a:lnTo>
+                  <a:pt x="13329649" y="7948997"/>
+                </a:lnTo>
+                <a:lnTo>
+                  <a:pt x="12385839" y="6477336"/>
+                </a:lnTo>
+                <a:lnTo>
+                  <a:pt x="0" y="6477336"/>
+                </a:lnTo>
+                <a:lnTo>
+                  <a:pt x="0" y="5397780"/>
+                </a:lnTo>
+                <a:lnTo>
+                  <a:pt x="0" y="3778446"/>
+                </a:lnTo>
+                <a:lnTo>
+                  <a:pt x="0" y="3778446"/>
+                </a:lnTo>
+                <a:lnTo>
+                  <a:pt x="0" y="0"/>
+                </a:lnTo>
+                <a:close/>
+              </a:path>
+            </a:pathLst>
+          </a:custGeom>
+          <a:solidFill>
+            <a:schemeClr val="accent6">
+              <a:lumMod val="20000"/>
+              <a:lumOff val="80000"/>
+            </a:schemeClr>
+          </a:solidFill>
+          <a:ln w="12700">
+            <a:solidFill>
+              <a:schemeClr val="accent6">
+                <a:lumMod val="75000"/>
+              </a:schemeClr>
+            </a:solidFill>
+          </a:ln>
+        </p:spPr>
+        <p:style>
+          <a:lnRef idx="2">
+            <a:schemeClr val="accent1">
+              <a:shade val="50000"/>
+            </a:schemeClr>
+          </a:lnRef>
+          <a:fillRef idx="1">
+            <a:schemeClr val="accent1"/>
+          </a:fillRef>
+          <a:effectRef idx="0">
+            <a:schemeClr val="accent1"/>
+          </a:effectRef>
+          <a:fontRef idx="minor">
+            <a:schemeClr val="lt1"/>
+          </a:fontRef>
+        </p:style>
+        <p:txBody>
+          <a:bodyPr rtlCol="0" anchor="ctr"/>
+          <a:lstStyle/>
+          <a:p>
+            <a:pPr algn="ctr"/>
+            <a:endParaRPr kumimoji="1" lang="ja-JP" altLang="en-US"/>
+          </a:p>
+        </p:txBody>
+      </p:sp>
       <p:sp>
         <p:nvSpPr>
           <p:cNvPr id="8" name="四角形吹き出し 7">
@@ -4039,7 +4538,7 @@
         </p:nvSpPr>
         <p:spPr>
           <a:xfrm>
-            <a:off x="14483166" y="17027197"/>
+            <a:off x="36214869" y="16947953"/>
             <a:ext cx="8380149" cy="3076501"/>
           </a:xfrm>
           <a:prstGeom prst="wedgeRectCallout">
@@ -4101,7 +4600,7 @@
         </p:nvSpPr>
         <p:spPr>
           <a:xfrm>
-            <a:off x="-18114259" y="12709310"/>
+            <a:off x="-22229746" y="15041417"/>
             <a:ext cx="9770203" cy="3265234"/>
           </a:xfrm>
           <a:custGeom>
@@ -4409,7 +4908,7 @@
         </p:nvSpPr>
         <p:spPr>
           <a:xfrm>
-            <a:off x="31743585" y="15286445"/>
+            <a:off x="36553218" y="-324404"/>
             <a:ext cx="25802583" cy="9020177"/>
           </a:xfrm>
           <a:custGeom>
@@ -4685,7 +5184,7 @@
         </p:nvSpPr>
         <p:spPr>
           <a:xfrm>
-            <a:off x="1316099" y="825291"/>
+            <a:off x="1386425" y="826482"/>
             <a:ext cx="27643015" cy="3821118"/>
           </a:xfrm>
           <a:prstGeom prst="rect">
@@ -4755,7 +5254,7 @@
         </p:nvSpPr>
         <p:spPr>
           <a:xfrm>
-            <a:off x="3116527" y="4922341"/>
+            <a:off x="2972149" y="4922341"/>
             <a:ext cx="24042159" cy="1107996"/>
           </a:xfrm>
           <a:prstGeom prst="rect">
@@ -4840,8 +5339,8 @@
         </p:nvSpPr>
         <p:spPr>
           <a:xfrm>
-            <a:off x="1336429" y="6182422"/>
-            <a:ext cx="27643015" cy="1398979"/>
+            <a:off x="1240177" y="6061763"/>
+            <a:ext cx="27789263" cy="1398979"/>
           </a:xfrm>
           <a:prstGeom prst="rect">
             <a:avLst/>
@@ -4880,11 +5379,11 @@
           <a:lstStyle/>
           <a:p>
             <a:r>
-              <a:rPr kumimoji="1" lang="en-US" altLang="ja-JP" sz="7200" b="1" dirty="0"/>
+              <a:rPr kumimoji="1" lang="en-US" altLang="ja-JP" sz="6600" b="1" dirty="0"/>
               <a:t>  </a:t>
             </a:r>
             <a:r>
-              <a:rPr kumimoji="1" lang="ja-JP" altLang="en-US" sz="7200" b="1"/>
+              <a:rPr kumimoji="1" lang="ja-JP" altLang="en-US" sz="6600" b="1"/>
               <a:t>背景・目的</a:t>
             </a:r>
           </a:p>
@@ -4906,8 +5405,8 @@
         </p:nvSpPr>
         <p:spPr>
           <a:xfrm>
-            <a:off x="1336429" y="7462129"/>
-            <a:ext cx="27643017" cy="7296603"/>
+            <a:off x="1240177" y="7462129"/>
+            <a:ext cx="27789263" cy="7296603"/>
           </a:xfrm>
           <a:prstGeom prst="rect">
             <a:avLst/>
@@ -4960,7 +5459,7 @@
         </p:nvSpPr>
         <p:spPr>
           <a:xfrm>
-            <a:off x="1679040" y="7890953"/>
+            <a:off x="1582788" y="7890953"/>
             <a:ext cx="8748000" cy="1038604"/>
           </a:xfrm>
           <a:prstGeom prst="rect">
@@ -5023,7 +5522,7 @@
         </p:nvSpPr>
         <p:spPr>
           <a:xfrm>
-            <a:off x="10763606" y="7890953"/>
+            <a:off x="10667354" y="7890953"/>
             <a:ext cx="8748000" cy="1038604"/>
           </a:xfrm>
           <a:prstGeom prst="rect">
@@ -5096,7 +5595,7 @@
         </p:nvSpPr>
         <p:spPr>
           <a:xfrm>
-            <a:off x="19927686" y="7899351"/>
+            <a:off x="19831434" y="7899351"/>
             <a:ext cx="8748000" cy="1038604"/>
           </a:xfrm>
           <a:prstGeom prst="rect">
@@ -5166,7 +5665,7 @@
         </p:nvSpPr>
         <p:spPr>
           <a:xfrm>
-            <a:off x="1686507" y="8929557"/>
+            <a:off x="1590255" y="8929557"/>
             <a:ext cx="8748000" cy="4332785"/>
           </a:xfrm>
           <a:prstGeom prst="rect">
@@ -5220,7 +5719,7 @@
         </p:nvSpPr>
         <p:spPr>
           <a:xfrm>
-            <a:off x="10758536" y="8929557"/>
+            <a:off x="10662284" y="8929557"/>
             <a:ext cx="8748000" cy="4332786"/>
           </a:xfrm>
           <a:prstGeom prst="rect">
@@ -5274,7 +5773,7 @@
         </p:nvSpPr>
         <p:spPr>
           <a:xfrm>
-            <a:off x="19927686" y="8944069"/>
+            <a:off x="19831434" y="8944069"/>
             <a:ext cx="8748000" cy="4332787"/>
           </a:xfrm>
           <a:prstGeom prst="rect">
@@ -5328,7 +5827,7 @@
         </p:nvSpPr>
         <p:spPr>
           <a:xfrm>
-            <a:off x="2164879" y="10913402"/>
+            <a:off x="2068627" y="10913402"/>
             <a:ext cx="7952153" cy="2123658"/>
           </a:xfrm>
           <a:prstGeom prst="rect">
@@ -5368,7 +5867,7 @@
         </p:nvSpPr>
         <p:spPr>
           <a:xfrm>
-            <a:off x="10723586" y="9057831"/>
+            <a:off x="10627334" y="9057831"/>
             <a:ext cx="8655949" cy="830997"/>
           </a:xfrm>
           <a:prstGeom prst="rect">
@@ -5404,7 +5903,7 @@
         </p:nvSpPr>
         <p:spPr>
           <a:xfrm>
-            <a:off x="10728066" y="10795434"/>
+            <a:off x="10631814" y="10795434"/>
             <a:ext cx="8655949" cy="830997"/>
           </a:xfrm>
           <a:prstGeom prst="rect">
@@ -5440,7 +5939,7 @@
         </p:nvSpPr>
         <p:spPr>
           <a:xfrm>
-            <a:off x="11315308" y="11709517"/>
+            <a:off x="11219056" y="11709517"/>
             <a:ext cx="8271907" cy="1323439"/>
           </a:xfrm>
           <a:prstGeom prst="rect">
@@ -5488,7 +5987,7 @@
         </p:nvSpPr>
         <p:spPr>
           <a:xfrm>
-            <a:off x="11339808" y="9782643"/>
+            <a:off x="11243556" y="9782643"/>
             <a:ext cx="8271907" cy="769441"/>
           </a:xfrm>
           <a:prstGeom prst="rect">
@@ -5540,7 +6039,7 @@
         </p:nvSpPr>
         <p:spPr>
           <a:xfrm>
-            <a:off x="6116761" y="13424308"/>
+            <a:off x="6020509" y="13424308"/>
             <a:ext cx="20650200" cy="1080000"/>
           </a:xfrm>
           <a:prstGeom prst="rect">
@@ -5579,7 +6078,7 @@
         </p:nvSpPr>
         <p:spPr>
           <a:xfrm>
-            <a:off x="20013359" y="10032957"/>
+            <a:off x="19917107" y="10032957"/>
             <a:ext cx="3927908" cy="2308324"/>
           </a:xfrm>
           <a:prstGeom prst="rect">
@@ -5631,7 +6130,7 @@
         </p:nvSpPr>
         <p:spPr>
           <a:xfrm>
-            <a:off x="23729735" y="10566449"/>
+            <a:off x="23633483" y="10566449"/>
             <a:ext cx="1031779" cy="916327"/>
           </a:xfrm>
           <a:prstGeom prst="rightArrow">
@@ -5685,7 +6184,7 @@
         </p:nvSpPr>
         <p:spPr>
           <a:xfrm>
-            <a:off x="24828268" y="10374543"/>
+            <a:off x="24732016" y="10374543"/>
             <a:ext cx="3877985" cy="1569660"/>
           </a:xfrm>
           <a:prstGeom prst="rect">
@@ -5730,8 +6229,8 @@
         </p:nvSpPr>
         <p:spPr>
           <a:xfrm>
-            <a:off x="1239147" y="16643187"/>
-            <a:ext cx="27648000" cy="19798355"/>
+            <a:off x="1233466" y="16678915"/>
+            <a:ext cx="27795973" cy="19798355"/>
           </a:xfrm>
           <a:prstGeom prst="rect">
             <a:avLst/>
@@ -5787,7 +6286,7 @@
         <p:spPr>
           <a:xfrm>
             <a:off x="1230050" y="15275055"/>
-            <a:ext cx="27648000" cy="1398979"/>
+            <a:ext cx="27799390" cy="1398979"/>
           </a:xfrm>
           <a:prstGeom prst="rect">
             <a:avLst/>
@@ -5826,14 +6325,14 @@
           <a:lstStyle/>
           <a:p>
             <a:r>
-              <a:rPr kumimoji="1" lang="en-US" altLang="ja-JP" sz="7200" b="1" dirty="0"/>
+              <a:rPr kumimoji="1" lang="en-US" altLang="ja-JP" sz="6600" b="1" dirty="0"/>
               <a:t>  </a:t>
             </a:r>
             <a:r>
-              <a:rPr lang="ja-JP" altLang="en-US" sz="7200" b="1"/>
+              <a:rPr lang="ja-JP" altLang="en-US" sz="6600" b="1"/>
               <a:t>システム概要</a:t>
             </a:r>
-            <a:endParaRPr kumimoji="1" lang="ja-JP" altLang="en-US" sz="7200" b="1"/>
+            <a:endParaRPr kumimoji="1" lang="ja-JP" altLang="en-US" sz="6600" b="1"/>
           </a:p>
         </p:txBody>
       </p:sp>
@@ -5853,8 +6352,8 @@
         </p:nvSpPr>
         <p:spPr>
           <a:xfrm>
-            <a:off x="1293387" y="37014967"/>
-            <a:ext cx="27643015" cy="1398979"/>
+            <a:off x="15528345" y="37018787"/>
+            <a:ext cx="13500000" cy="1398979"/>
           </a:xfrm>
           <a:prstGeom prst="rect">
             <a:avLst/>
@@ -5897,9 +6396,10 @@
               <a:t>  </a:t>
             </a:r>
             <a:r>
-              <a:rPr kumimoji="1" lang="ja-JP" altLang="en-US" sz="7200" b="1"/>
+              <a:rPr kumimoji="1" lang="ja-JP" altLang="en-US" sz="6600" b="1"/>
               <a:t>今後の予定</a:t>
             </a:r>
+            <a:endParaRPr kumimoji="1" lang="ja-JP" altLang="en-US" sz="7200" b="1"/>
           </a:p>
         </p:txBody>
       </p:sp>
@@ -5919,8 +6419,8 @@
         </p:nvSpPr>
         <p:spPr>
           <a:xfrm>
-            <a:off x="1293385" y="38454419"/>
-            <a:ext cx="27643017" cy="3496257"/>
+            <a:off x="15528346" y="38445723"/>
+            <a:ext cx="13500000" cy="3496257"/>
           </a:xfrm>
           <a:prstGeom prst="rect">
             <a:avLst/>
@@ -5973,8 +6473,8 @@
         </p:nvSpPr>
         <p:spPr>
           <a:xfrm>
-            <a:off x="1990397" y="38842854"/>
-            <a:ext cx="16978519" cy="3046988"/>
+            <a:off x="15983373" y="39008470"/>
+            <a:ext cx="12467123" cy="2462213"/>
           </a:xfrm>
           <a:prstGeom prst="rect">
             <a:avLst/>
@@ -5988,6 +6488,9 @@
           <a:lstStyle/>
           <a:p>
             <a:pPr marL="685800" indent="-685800">
+              <a:spcAft>
+                <a:spcPts val="600"/>
+              </a:spcAft>
               <a:buFont typeface="Arial" panose="020B0604020202020204" pitchFamily="34" charset="0"/>
               <a:buChar char="•"/>
             </a:pPr>
@@ -5999,6 +6502,9 @@
           </a:p>
           <a:p>
             <a:pPr marL="685800" indent="-685800">
+              <a:spcAft>
+                <a:spcPts val="600"/>
+              </a:spcAft>
               <a:buFont typeface="Arial" panose="020B0604020202020204" pitchFamily="34" charset="0"/>
               <a:buChar char="•"/>
             </a:pPr>
@@ -6014,6 +6520,9 @@
           </a:p>
           <a:p>
             <a:pPr marL="685800" indent="-685800">
+              <a:spcAft>
+                <a:spcPts val="600"/>
+              </a:spcAft>
               <a:buFont typeface="Arial" panose="020B0604020202020204" pitchFamily="34" charset="0"/>
               <a:buChar char="•"/>
             </a:pPr>
@@ -6022,17 +6531,6 @@
               <a:t>システム開発を進める</a:t>
             </a:r>
             <a:endParaRPr lang="en-US" altLang="ja-JP" sz="4800" dirty="0"/>
-          </a:p>
-          <a:p>
-            <a:pPr marL="685800" indent="-685800">
-              <a:buFont typeface="Arial" panose="020B0604020202020204" pitchFamily="34" charset="0"/>
-              <a:buChar char="•"/>
-            </a:pPr>
-            <a:r>
-              <a:rPr lang="ja-JP" altLang="en-US" sz="4800"/>
-              <a:t>本実験：被験者の入力からレコメンドシステムの評価</a:t>
-            </a:r>
-            <a:endParaRPr kumimoji="1" lang="ja-JP" altLang="en-US" sz="4800"/>
           </a:p>
         </p:txBody>
       </p:sp>
@@ -6050,8 +6548,8 @@
         </p:nvSpPr>
         <p:spPr>
           <a:xfrm>
-            <a:off x="1679040" y="17331144"/>
-            <a:ext cx="11762066" cy="2217787"/>
+            <a:off x="2044800" y="17331144"/>
+            <a:ext cx="21061407" cy="1155060"/>
           </a:xfrm>
           <a:prstGeom prst="rect">
             <a:avLst/>
@@ -6070,13 +6568,7 @@
             </a:r>
             <a:r>
               <a:rPr lang="en-US" altLang="ja-JP" dirty="0"/>
-              <a:t>HTML / JavaScript / </a:t>
-            </a:r>
-          </a:p>
-          <a:p>
-            <a:r>
-              <a:rPr lang="en-US" altLang="ja-JP" dirty="0"/>
-              <a:t>              Python / MySQL / </a:t>
+              <a:t>HTML / JavaScript / Python / MySQL / </a:t>
             </a:r>
             <a:r>
               <a:rPr lang="en-US" altLang="ja-JP" dirty="0" err="1"/>
@@ -6092,66 +6584,6 @@
             <a:extLst>
               <a:ext uri="{FF2B5EF4-FFF2-40B4-BE49-F238E27FC236}">
                 <a16:creationId xmlns:a16="http://schemas.microsoft.com/office/drawing/2014/main" id="{D66CCB89-FAD3-1B4C-9B89-DCE302759C64}"/>
-              </a:ext>
-            </a:extLst>
-          </p:cNvPr>
-          <p:cNvPicPr>
-            <a:picLocks noChangeAspect="1"/>
-          </p:cNvPicPr>
-          <p:nvPr/>
-        </p:nvPicPr>
-        <p:blipFill>
-          <a:blip r:embed="rId3"/>
-          <a:stretch>
-            <a:fillRect/>
-          </a:stretch>
-        </p:blipFill>
-        <p:spPr>
-          <a:xfrm>
-            <a:off x="4044818" y="20660473"/>
-            <a:ext cx="2167159" cy="1866635"/>
-          </a:xfrm>
-          <a:prstGeom prst="rect">
-            <a:avLst/>
-          </a:prstGeom>
-        </p:spPr>
-      </p:pic>
-      <p:pic>
-        <p:nvPicPr>
-          <p:cNvPr id="39" name="図 38">
-            <a:extLst>
-              <a:ext uri="{FF2B5EF4-FFF2-40B4-BE49-F238E27FC236}">
-                <a16:creationId xmlns:a16="http://schemas.microsoft.com/office/drawing/2014/main" id="{5024F5F4-AC1D-4D40-8BAD-7808D5F1B01A}"/>
-              </a:ext>
-            </a:extLst>
-          </p:cNvPr>
-          <p:cNvPicPr>
-            <a:picLocks noChangeAspect="1"/>
-          </p:cNvPicPr>
-          <p:nvPr/>
-        </p:nvPicPr>
-        <p:blipFill>
-          <a:blip r:embed="rId3"/>
-          <a:stretch>
-            <a:fillRect/>
-          </a:stretch>
-        </p:blipFill>
-        <p:spPr>
-          <a:xfrm>
-            <a:off x="2315147" y="22382725"/>
-            <a:ext cx="2173946" cy="1872481"/>
-          </a:xfrm>
-          <a:prstGeom prst="rect">
-            <a:avLst/>
-          </a:prstGeom>
-        </p:spPr>
-      </p:pic>
-      <p:pic>
-        <p:nvPicPr>
-          <p:cNvPr id="41" name="図 40">
-            <a:extLst>
-              <a:ext uri="{FF2B5EF4-FFF2-40B4-BE49-F238E27FC236}">
-                <a16:creationId xmlns:a16="http://schemas.microsoft.com/office/drawing/2014/main" id="{5E3422F3-47E1-114C-AF5D-F2B22318572F}"/>
               </a:ext>
             </a:extLst>
           </p:cNvPr>
@@ -6168,8 +6600,8 @@
         </p:blipFill>
         <p:spPr>
           <a:xfrm>
-            <a:off x="16356530" y="20649924"/>
-            <a:ext cx="2356989" cy="2987075"/>
+            <a:off x="3080038" y="21762784"/>
+            <a:ext cx="1861284" cy="1603176"/>
           </a:xfrm>
           <a:prstGeom prst="rect">
             <a:avLst/>
@@ -6191,15 +6623,15 @@
           <p:nvPr/>
         </p:nvPicPr>
         <p:blipFill>
-          <a:blip r:embed="rId4"/>
+          <a:blip r:embed="rId5"/>
           <a:stretch>
             <a:fillRect/>
           </a:stretch>
         </p:blipFill>
         <p:spPr>
           <a:xfrm>
-            <a:off x="24362595" y="23114150"/>
-            <a:ext cx="2356989" cy="2987075"/>
+            <a:off x="12766504" y="21168631"/>
+            <a:ext cx="1545138" cy="1958195"/>
           </a:xfrm>
           <a:prstGeom prst="rect">
             <a:avLst/>
@@ -6220,8 +6652,8 @@
         </p:nvSpPr>
         <p:spPr>
           <a:xfrm>
-            <a:off x="6798368" y="21997954"/>
-            <a:ext cx="8778926" cy="936000"/>
+            <a:off x="6627879" y="21493853"/>
+            <a:ext cx="5076000" cy="936000"/>
           </a:xfrm>
           <a:prstGeom prst="rightArrow">
             <a:avLst/>
@@ -6277,23 +6709,19 @@
           <p:nvPr/>
         </p:nvSpPr>
         <p:spPr>
-          <a:xfrm rot="900000">
-            <a:off x="18711729" y="23135677"/>
-            <a:ext cx="5148000" cy="975164"/>
+          <a:xfrm>
+            <a:off x="14758995" y="21391140"/>
+            <a:ext cx="1080000" cy="975164"/>
           </a:xfrm>
           <a:prstGeom prst="rightArrow">
             <a:avLst/>
           </a:prstGeom>
           <a:solidFill>
-            <a:schemeClr val="accent6">
-              <a:lumMod val="75000"/>
-            </a:schemeClr>
+            <a:srgbClr val="EF0023"/>
           </a:solidFill>
           <a:ln>
             <a:solidFill>
-              <a:schemeClr val="accent6">
-                <a:lumMod val="75000"/>
-              </a:schemeClr>
+              <a:srgbClr val="EF0023"/>
             </a:solidFill>
           </a:ln>
         </p:spPr>
@@ -6336,7 +6764,7 @@
         </p:nvSpPr>
         <p:spPr>
           <a:xfrm>
-            <a:off x="1336429" y="24364609"/>
+            <a:off x="2079000" y="18918514"/>
             <a:ext cx="5724644" cy="830997"/>
           </a:xfrm>
           <a:prstGeom prst="rect">
@@ -6371,8 +6799,8 @@
         </p:nvSpPr>
         <p:spPr>
           <a:xfrm>
-            <a:off x="14913191" y="24152226"/>
-            <a:ext cx="4493538" cy="830997"/>
+            <a:off x="12631344" y="20428949"/>
+            <a:ext cx="2031325" cy="646331"/>
           </a:xfrm>
           <a:prstGeom prst="rect">
             <a:avLst/>
@@ -6386,8 +6814,8 @@
           <a:lstStyle/>
           <a:p>
             <a:r>
-              <a:rPr kumimoji="1" lang="ja-JP" altLang="en-US" sz="4800" b="1"/>
-              <a:t>基本データＤＢ</a:t>
+              <a:rPr kumimoji="1" lang="ja-JP" altLang="en-US" sz="3600" b="1"/>
+              <a:t>基本ＤＢ</a:t>
             </a:r>
           </a:p>
         </p:txBody>
@@ -6406,8 +6834,8 @@
         </p:nvSpPr>
         <p:spPr>
           <a:xfrm>
-            <a:off x="24125205" y="26416518"/>
-            <a:ext cx="3262432" cy="830997"/>
+            <a:off x="15802695" y="20387384"/>
+            <a:ext cx="2492990" cy="646331"/>
           </a:xfrm>
           <a:prstGeom prst="rect">
             <a:avLst/>
@@ -6421,101 +6849,13 @@
           <a:lstStyle/>
           <a:p>
             <a:r>
-              <a:rPr lang="ja-JP" altLang="en-US" sz="4800" b="1"/>
+              <a:rPr lang="ja-JP" altLang="en-US" sz="3600" b="1"/>
               <a:t>類似度</a:t>
             </a:r>
             <a:r>
-              <a:rPr kumimoji="1" lang="ja-JP" altLang="en-US" sz="4800" b="1"/>
+              <a:rPr kumimoji="1" lang="ja-JP" altLang="en-US" sz="3600" b="1"/>
               <a:t>ＤＢ</a:t>
             </a:r>
-          </a:p>
-        </p:txBody>
-      </p:sp>
-      <p:pic>
-        <p:nvPicPr>
-          <p:cNvPr id="52" name="図 51">
-            <a:extLst>
-              <a:ext uri="{FF2B5EF4-FFF2-40B4-BE49-F238E27FC236}">
-                <a16:creationId xmlns:a16="http://schemas.microsoft.com/office/drawing/2014/main" id="{43C30A86-190F-9443-9797-ED0E0A5DA0F3}"/>
-              </a:ext>
-            </a:extLst>
-          </p:cNvPr>
-          <p:cNvPicPr>
-            <a:picLocks noChangeAspect="1"/>
-          </p:cNvPicPr>
-          <p:nvPr/>
-        </p:nvPicPr>
-        <p:blipFill>
-          <a:blip r:embed="rId5"/>
-          <a:stretch>
-            <a:fillRect/>
-          </a:stretch>
-        </p:blipFill>
-        <p:spPr>
-          <a:xfrm>
-            <a:off x="24235209" y="17903507"/>
-            <a:ext cx="2611759" cy="2690584"/>
-          </a:xfrm>
-          <a:prstGeom prst="rect">
-            <a:avLst/>
-          </a:prstGeom>
-        </p:spPr>
-      </p:pic>
-      <p:sp>
-        <p:nvSpPr>
-          <p:cNvPr id="58" name="左右矢印 57">
-            <a:extLst>
-              <a:ext uri="{FF2B5EF4-FFF2-40B4-BE49-F238E27FC236}">
-                <a16:creationId xmlns:a16="http://schemas.microsoft.com/office/drawing/2014/main" id="{C7716D8D-9E14-9441-A5D6-0825D409FF82}"/>
-              </a:ext>
-            </a:extLst>
-          </p:cNvPr>
-          <p:cNvSpPr/>
-          <p:nvPr/>
-        </p:nvSpPr>
-        <p:spPr>
-          <a:xfrm rot="9900000">
-            <a:off x="18901414" y="20771784"/>
-            <a:ext cx="5148000" cy="936000"/>
-          </a:xfrm>
-          <a:prstGeom prst="leftRightArrow">
-            <a:avLst/>
-          </a:prstGeom>
-          <a:solidFill>
-            <a:schemeClr val="accent6">
-              <a:lumMod val="75000"/>
-            </a:schemeClr>
-          </a:solidFill>
-          <a:ln>
-            <a:solidFill>
-              <a:schemeClr val="accent6">
-                <a:lumMod val="75000"/>
-              </a:schemeClr>
-            </a:solidFill>
-          </a:ln>
-        </p:spPr>
-        <p:style>
-          <a:lnRef idx="2">
-            <a:schemeClr val="accent1">
-              <a:shade val="50000"/>
-            </a:schemeClr>
-          </a:lnRef>
-          <a:fillRef idx="1">
-            <a:schemeClr val="accent1"/>
-          </a:fillRef>
-          <a:effectRef idx="0">
-            <a:schemeClr val="accent1"/>
-          </a:effectRef>
-          <a:fontRef idx="minor">
-            <a:schemeClr val="lt1"/>
-          </a:fontRef>
-        </p:style>
-        <p:txBody>
-          <a:bodyPr rtlCol="0" anchor="ctr"/>
-          <a:lstStyle/>
-          <a:p>
-            <a:pPr algn="ctr"/>
-            <a:endParaRPr kumimoji="1" lang="ja-JP" altLang="en-US"/>
           </a:p>
         </p:txBody>
       </p:sp>
@@ -6533,7 +6873,7 @@
         </p:nvSpPr>
         <p:spPr>
           <a:xfrm>
-            <a:off x="23971359" y="20685636"/>
+            <a:off x="24223082" y="19005636"/>
             <a:ext cx="3206840" cy="830997"/>
           </a:xfrm>
           <a:prstGeom prst="rect">
@@ -6572,8 +6912,8 @@
         </p:nvSpPr>
         <p:spPr>
           <a:xfrm>
-            <a:off x="6991213" y="20415936"/>
-            <a:ext cx="7571303" cy="1569660"/>
+            <a:off x="6431436" y="20380229"/>
+            <a:ext cx="5724644" cy="1200329"/>
           </a:xfrm>
           <a:prstGeom prst="rect">
             <a:avLst/>
@@ -6587,14 +6927,14 @@
           <a:lstStyle/>
           <a:p>
             <a:r>
-              <a:rPr kumimoji="1" lang="ja-JP" altLang="en-US" sz="4800"/>
+              <a:rPr kumimoji="1" lang="ja-JP" altLang="en-US" sz="3500"/>
               <a:t>スポット情報・レビューの</a:t>
             </a:r>
-            <a:endParaRPr kumimoji="1" lang="en-US" altLang="ja-JP" sz="4800" dirty="0"/>
-          </a:p>
-          <a:p>
-            <a:r>
-              <a:rPr kumimoji="1" lang="ja-JP" altLang="en-US" sz="4800"/>
+            <a:endParaRPr kumimoji="1" lang="en-US" altLang="ja-JP" sz="3500" dirty="0"/>
+          </a:p>
+          <a:p>
+            <a:r>
+              <a:rPr kumimoji="1" lang="ja-JP" altLang="en-US" sz="3500"/>
               <a:t>スクレイピング</a:t>
             </a:r>
           </a:p>
@@ -6614,7 +6954,7 @@
         </p:nvSpPr>
         <p:spPr>
           <a:xfrm>
-            <a:off x="32047842" y="15619863"/>
+            <a:off x="-38556486" y="-2789007"/>
             <a:ext cx="6279820" cy="1021127"/>
           </a:xfrm>
           <a:prstGeom prst="rect">
@@ -6696,7 +7036,7 @@
         </p:nvSpPr>
         <p:spPr>
           <a:xfrm>
-            <a:off x="32047842" y="16632598"/>
+            <a:off x="-38556486" y="-1776272"/>
             <a:ext cx="6279820" cy="4928918"/>
           </a:xfrm>
           <a:prstGeom prst="rect">
@@ -6752,7 +7092,7 @@
         </p:nvSpPr>
         <p:spPr>
           <a:xfrm>
-            <a:off x="38690493" y="15612961"/>
+            <a:off x="-13134568" y="8202675"/>
             <a:ext cx="11926960" cy="1021127"/>
           </a:xfrm>
           <a:prstGeom prst="rect">
@@ -6827,7 +7167,7 @@
         </p:nvSpPr>
         <p:spPr>
           <a:xfrm>
-            <a:off x="38690493" y="16611780"/>
+            <a:off x="-13134568" y="9201494"/>
             <a:ext cx="11926960" cy="5015334"/>
           </a:xfrm>
           <a:prstGeom prst="rect">
@@ -6883,7 +7223,7 @@
         </p:nvSpPr>
         <p:spPr>
           <a:xfrm>
-            <a:off x="32081935" y="17281472"/>
+            <a:off x="-38367340" y="-1352797"/>
             <a:ext cx="5832884" cy="4154984"/>
           </a:xfrm>
           <a:prstGeom prst="rect">
@@ -6936,7 +7276,7 @@
         </p:nvSpPr>
         <p:spPr>
           <a:xfrm rot="5400000">
-            <a:off x="34345641" y="18829052"/>
+            <a:off x="-35929398" y="227755"/>
             <a:ext cx="1014154" cy="965694"/>
           </a:xfrm>
           <a:prstGeom prst="rightArrow">
@@ -6982,58 +7322,6 @@
       </p:sp>
       <p:sp>
         <p:nvSpPr>
-          <p:cNvPr id="73" name="テキスト ボックス 72">
-            <a:extLst>
-              <a:ext uri="{FF2B5EF4-FFF2-40B4-BE49-F238E27FC236}">
-                <a16:creationId xmlns:a16="http://schemas.microsoft.com/office/drawing/2014/main" id="{91307268-782B-694E-9346-6785004AA8EB}"/>
-              </a:ext>
-            </a:extLst>
-          </p:cNvPr>
-          <p:cNvSpPr txBox="1"/>
-          <p:nvPr/>
-        </p:nvSpPr>
-        <p:spPr>
-          <a:xfrm>
-            <a:off x="38894762" y="17117997"/>
-            <a:ext cx="6109595" cy="4832092"/>
-          </a:xfrm>
-          <a:prstGeom prst="rect">
-            <a:avLst/>
-          </a:prstGeom>
-          <a:noFill/>
-        </p:spPr>
-        <p:txBody>
-          <a:bodyPr wrap="square" rtlCol="0">
-            <a:spAutoFit/>
-          </a:bodyPr>
-          <a:lstStyle/>
-          <a:p>
-            <a:r>
-              <a:rPr kumimoji="1" lang="ja-JP" altLang="en-US" sz="4400"/>
-              <a:t>ＬＤＡモデルを用いてトピックを分類</a:t>
-            </a:r>
-            <a:endParaRPr kumimoji="1" lang="en-US" altLang="ja-JP" sz="4400" dirty="0"/>
-          </a:p>
-          <a:p>
-            <a:endParaRPr lang="en-US" altLang="ja-JP" sz="4400" dirty="0"/>
-          </a:p>
-          <a:p>
-            <a:endParaRPr lang="en-US" altLang="ja-JP" sz="4400" dirty="0"/>
-          </a:p>
-          <a:p>
-            <a:r>
-              <a:rPr lang="ja-JP" altLang="en-US" sz="4400"/>
-              <a:t>各スポットの特徴ベクトルを作成</a:t>
-            </a:r>
-            <a:endParaRPr lang="en-US" altLang="ja-JP" sz="4400" dirty="0"/>
-          </a:p>
-          <a:p>
-            <a:endParaRPr kumimoji="1" lang="en-US" altLang="ja-JP" sz="4400" dirty="0"/>
-          </a:p>
-        </p:txBody>
-      </p:sp>
-      <p:sp>
-        <p:nvSpPr>
           <p:cNvPr id="74" name="右矢印 73">
             <a:extLst>
               <a:ext uri="{FF2B5EF4-FFF2-40B4-BE49-F238E27FC236}">
@@ -7046,7 +7334,7 @@
         </p:nvSpPr>
         <p:spPr>
           <a:xfrm rot="5400000">
-            <a:off x="41206589" y="18694870"/>
+            <a:off x="-29397739" y="286000"/>
             <a:ext cx="1014154" cy="965694"/>
           </a:xfrm>
           <a:prstGeom prst="rightArrow">
@@ -7104,8 +7392,8 @@
         </p:nvSpPr>
         <p:spPr>
           <a:xfrm>
-            <a:off x="50927644" y="15590653"/>
-            <a:ext cx="6279820" cy="1021127"/>
+            <a:off x="34198771" y="19778167"/>
+            <a:ext cx="6922958" cy="1021127"/>
           </a:xfrm>
           <a:prstGeom prst="rect">
             <a:avLst/>
@@ -7169,8 +7457,8 @@
         </p:nvSpPr>
         <p:spPr>
           <a:xfrm>
-            <a:off x="50927644" y="16604712"/>
-            <a:ext cx="6279820" cy="5015334"/>
+            <a:off x="31880011" y="10579035"/>
+            <a:ext cx="6922958" cy="5015334"/>
           </a:xfrm>
           <a:prstGeom prst="rect">
             <a:avLst/>
@@ -7225,7 +7513,7 @@
         </p:nvSpPr>
         <p:spPr>
           <a:xfrm>
-            <a:off x="51097869" y="18037436"/>
+            <a:off x="34408940" y="22071376"/>
             <a:ext cx="6109595" cy="2123658"/>
           </a:xfrm>
           <a:prstGeom prst="rect">
@@ -7248,64 +7536,6 @@
               <a:t>特徴ベクトルの類似度を計算</a:t>
             </a:r>
             <a:endParaRPr kumimoji="1" lang="ja-JP" altLang="en-US" sz="4400"/>
-          </a:p>
-        </p:txBody>
-      </p:sp>
-      <p:sp>
-        <p:nvSpPr>
-          <p:cNvPr id="85" name="左右矢印 84">
-            <a:extLst>
-              <a:ext uri="{FF2B5EF4-FFF2-40B4-BE49-F238E27FC236}">
-                <a16:creationId xmlns:a16="http://schemas.microsoft.com/office/drawing/2014/main" id="{7F359F01-5473-2C44-916D-32A76B05A527}"/>
-              </a:ext>
-            </a:extLst>
-          </p:cNvPr>
-          <p:cNvSpPr/>
-          <p:nvPr/>
-        </p:nvSpPr>
-        <p:spPr>
-          <a:xfrm rot="5400000">
-            <a:off x="24784762" y="21751123"/>
-            <a:ext cx="1440000" cy="936000"/>
-          </a:xfrm>
-          <a:prstGeom prst="leftRightArrow">
-            <a:avLst/>
-          </a:prstGeom>
-          <a:solidFill>
-            <a:schemeClr val="accent6">
-              <a:lumMod val="75000"/>
-            </a:schemeClr>
-          </a:solidFill>
-          <a:ln>
-            <a:solidFill>
-              <a:schemeClr val="accent6">
-                <a:lumMod val="75000"/>
-              </a:schemeClr>
-            </a:solidFill>
-          </a:ln>
-        </p:spPr>
-        <p:style>
-          <a:lnRef idx="2">
-            <a:schemeClr val="accent1">
-              <a:shade val="50000"/>
-            </a:schemeClr>
-          </a:lnRef>
-          <a:fillRef idx="1">
-            <a:schemeClr val="accent1"/>
-          </a:fillRef>
-          <a:effectRef idx="0">
-            <a:schemeClr val="accent1"/>
-          </a:effectRef>
-          <a:fontRef idx="minor">
-            <a:schemeClr val="lt1"/>
-          </a:fontRef>
-        </p:style>
-        <p:txBody>
-          <a:bodyPr rtlCol="0" anchor="ctr"/>
-          <a:lstStyle/>
-          <a:p>
-            <a:pPr algn="ctr"/>
-            <a:endParaRPr kumimoji="1" lang="ja-JP" altLang="en-US"/>
           </a:p>
         </p:txBody>
       </p:sp>
@@ -7323,7 +7553,7 @@
         </p:nvSpPr>
         <p:spPr>
           <a:xfrm>
-            <a:off x="13858719" y="17532224"/>
+            <a:off x="47357373" y="23237929"/>
             <a:ext cx="9726326" cy="2026389"/>
           </a:xfrm>
           <a:prstGeom prst="rect">
@@ -7376,7 +7606,7 @@
         </p:nvSpPr>
         <p:spPr>
           <a:xfrm>
-            <a:off x="14820214" y="18745481"/>
+            <a:off x="33631775" y="11183122"/>
             <a:ext cx="675444" cy="719538"/>
           </a:xfrm>
           <a:prstGeom prst="rightArrow">
@@ -7430,7 +7660,7 @@
         </p:nvSpPr>
         <p:spPr>
           <a:xfrm>
-            <a:off x="7763567" y="13511885"/>
+            <a:off x="7667315" y="13511885"/>
             <a:ext cx="18741003" cy="1021495"/>
           </a:xfrm>
           <a:prstGeom prst="rect">
@@ -7468,36 +7698,6 @@
           </a:p>
         </p:txBody>
       </p:sp>
-      <p:pic>
-        <p:nvPicPr>
-          <p:cNvPr id="95" name="図 94">
-            <a:extLst>
-              <a:ext uri="{FF2B5EF4-FFF2-40B4-BE49-F238E27FC236}">
-                <a16:creationId xmlns:a16="http://schemas.microsoft.com/office/drawing/2014/main" id="{6DCDEB7A-9450-F640-A739-FBA1D1F64EEC}"/>
-              </a:ext>
-            </a:extLst>
-          </p:cNvPr>
-          <p:cNvPicPr>
-            <a:picLocks noChangeAspect="1"/>
-          </p:cNvPicPr>
-          <p:nvPr/>
-        </p:nvPicPr>
-        <p:blipFill>
-          <a:blip r:embed="rId6"/>
-          <a:stretch>
-            <a:fillRect/>
-          </a:stretch>
-        </p:blipFill>
-        <p:spPr>
-          <a:xfrm>
-            <a:off x="45290734" y="17592745"/>
-            <a:ext cx="4244495" cy="2993319"/>
-          </a:xfrm>
-          <a:prstGeom prst="rect">
-            <a:avLst/>
-          </a:prstGeom>
-        </p:spPr>
-      </p:pic>
       <p:sp>
         <p:nvSpPr>
           <p:cNvPr id="96" name="正方形/長方形 95">
@@ -7512,7 +7712,7 @@
         </p:nvSpPr>
         <p:spPr>
           <a:xfrm>
-            <a:off x="5617617" y="13513715"/>
+            <a:off x="5521365" y="13513715"/>
             <a:ext cx="2160000" cy="1020820"/>
           </a:xfrm>
           <a:prstGeom prst="rect">
@@ -7569,7 +7769,7 @@
         </p:nvSpPr>
         <p:spPr>
           <a:xfrm>
-            <a:off x="2124540" y="9295184"/>
+            <a:off x="2028288" y="9295184"/>
             <a:ext cx="7952153" cy="2123658"/>
           </a:xfrm>
           <a:prstGeom prst="rect">
@@ -7602,176 +7802,6 @@
           </a:p>
         </p:txBody>
       </p:sp>
-      <p:graphicFrame>
-        <p:nvGraphicFramePr>
-          <p:cNvPr id="6" name="表 5">
-            <a:extLst>
-              <a:ext uri="{FF2B5EF4-FFF2-40B4-BE49-F238E27FC236}">
-                <a16:creationId xmlns:a16="http://schemas.microsoft.com/office/drawing/2014/main" id="{6681EC5B-199B-D741-B5A5-E3CB95CE6667}"/>
-              </a:ext>
-            </a:extLst>
-          </p:cNvPr>
-          <p:cNvGraphicFramePr>
-            <a:graphicFrameLocks noGrp="1"/>
-          </p:cNvGraphicFramePr>
-          <p:nvPr>
-            <p:extLst>
-              <p:ext uri="{D42A27DB-BD31-4B8C-83A1-F6EECF244321}">
-                <p14:modId xmlns:p14="http://schemas.microsoft.com/office/powerpoint/2010/main" val="294748633"/>
-              </p:ext>
-            </p:extLst>
-          </p:nvPr>
-        </p:nvGraphicFramePr>
-        <p:xfrm>
-          <a:off x="-24845235" y="27788516"/>
-          <a:ext cx="15001182" cy="5272712"/>
-        </p:xfrm>
-        <a:graphic>
-          <a:graphicData uri="http://schemas.openxmlformats.org/drawingml/2006/table">
-            <a:tbl>
-              <a:tblPr firstRow="1" bandRow="1">
-                <a:tableStyleId>{5C22544A-7EE6-4342-B048-85BDC9FD1C3A}</a:tableStyleId>
-              </a:tblPr>
-              <a:tblGrid>
-                <a:gridCol w="2843921">
-                  <a:extLst>
-                    <a:ext uri="{9D8B030D-6E8A-4147-A177-3AD203B41FA5}">
-                      <a16:colId xmlns:a16="http://schemas.microsoft.com/office/drawing/2014/main" val="476507974"/>
-                    </a:ext>
-                  </a:extLst>
-                </a:gridCol>
-                <a:gridCol w="12157261">
-                  <a:extLst>
-                    <a:ext uri="{9D8B030D-6E8A-4147-A177-3AD203B41FA5}">
-                      <a16:colId xmlns:a16="http://schemas.microsoft.com/office/drawing/2014/main" val="1990266496"/>
-                    </a:ext>
-                  </a:extLst>
-                </a:gridCol>
-              </a:tblGrid>
-              <a:tr h="1318178">
-                <a:tc>
-                  <a:txBody>
-                    <a:bodyPr/>
-                    <a:lstStyle/>
-                    <a:p>
-                      <a:pPr algn="ctr"/>
-                      <a:r>
-                        <a:rPr kumimoji="1" lang="ja-JP" altLang="en-US"/>
-                        <a:t>用語</a:t>
-                      </a:r>
-                    </a:p>
-                  </a:txBody>
-                  <a:tcPr/>
-                </a:tc>
-                <a:tc>
-                  <a:txBody>
-                    <a:bodyPr/>
-                    <a:lstStyle/>
-                    <a:p>
-                      <a:pPr algn="ctr"/>
-                      <a:r>
-                        <a:rPr kumimoji="1" lang="ja-JP" altLang="en-US"/>
-                        <a:t>説明</a:t>
-                      </a:r>
-                    </a:p>
-                  </a:txBody>
-                  <a:tcPr/>
-                </a:tc>
-                <a:extLst>
-                  <a:ext uri="{0D108BD9-81ED-4DB2-BD59-A6C34878D82A}">
-                    <a16:rowId xmlns:a16="http://schemas.microsoft.com/office/drawing/2014/main" val="523836565"/>
-                  </a:ext>
-                </a:extLst>
-              </a:tr>
-              <a:tr h="1318178">
-                <a:tc>
-                  <a:txBody>
-                    <a:bodyPr/>
-                    <a:lstStyle/>
-                    <a:p>
-                      <a:r>
-                        <a:rPr kumimoji="1" lang="en-US" altLang="ja-JP" dirty="0"/>
-                        <a:t>LDA</a:t>
-                      </a:r>
-                      <a:endParaRPr kumimoji="1" lang="ja-JP" altLang="en-US"/>
-                    </a:p>
-                  </a:txBody>
-                  <a:tcPr/>
-                </a:tc>
-                <a:tc>
-                  <a:txBody>
-                    <a:bodyPr/>
-                    <a:lstStyle/>
-                    <a:p>
-                      <a:endParaRPr kumimoji="1" lang="ja-JP" altLang="en-US"/>
-                    </a:p>
-                  </a:txBody>
-                  <a:tcPr/>
-                </a:tc>
-                <a:extLst>
-                  <a:ext uri="{0D108BD9-81ED-4DB2-BD59-A6C34878D82A}">
-                    <a16:rowId xmlns:a16="http://schemas.microsoft.com/office/drawing/2014/main" val="4074486588"/>
-                  </a:ext>
-                </a:extLst>
-              </a:tr>
-              <a:tr h="1318178">
-                <a:tc>
-                  <a:txBody>
-                    <a:bodyPr/>
-                    <a:lstStyle/>
-                    <a:p>
-                      <a:endParaRPr kumimoji="1" lang="ja-JP" altLang="en-US"/>
-                    </a:p>
-                  </a:txBody>
-                  <a:tcPr/>
-                </a:tc>
-                <a:tc>
-                  <a:txBody>
-                    <a:bodyPr/>
-                    <a:lstStyle/>
-                    <a:p>
-                      <a:endParaRPr kumimoji="1" lang="ja-JP" altLang="en-US"/>
-                    </a:p>
-                  </a:txBody>
-                  <a:tcPr/>
-                </a:tc>
-                <a:extLst>
-                  <a:ext uri="{0D108BD9-81ED-4DB2-BD59-A6C34878D82A}">
-                    <a16:rowId xmlns:a16="http://schemas.microsoft.com/office/drawing/2014/main" val="29630606"/>
-                  </a:ext>
-                </a:extLst>
-              </a:tr>
-              <a:tr h="1318178">
-                <a:tc>
-                  <a:txBody>
-                    <a:bodyPr/>
-                    <a:lstStyle/>
-                    <a:p>
-                      <a:endParaRPr kumimoji="1" lang="ja-JP" altLang="en-US"/>
-                    </a:p>
-                  </a:txBody>
-                  <a:tcPr/>
-                </a:tc>
-                <a:tc>
-                  <a:txBody>
-                    <a:bodyPr/>
-                    <a:lstStyle/>
-                    <a:p>
-                      <a:endParaRPr kumimoji="1" lang="ja-JP" altLang="en-US"/>
-                    </a:p>
-                  </a:txBody>
-                  <a:tcPr/>
-                </a:tc>
-                <a:extLst>
-                  <a:ext uri="{0D108BD9-81ED-4DB2-BD59-A6C34878D82A}">
-                    <a16:rowId xmlns:a16="http://schemas.microsoft.com/office/drawing/2014/main" val="176714018"/>
-                  </a:ext>
-                </a:extLst>
-              </a:tr>
-            </a:tbl>
-          </a:graphicData>
-        </a:graphic>
-      </p:graphicFrame>
       <p:sp>
         <p:nvSpPr>
           <p:cNvPr id="61" name="四角形吹き出し 77">
@@ -7786,8 +7816,8 @@
         </p:nvSpPr>
         <p:spPr>
           <a:xfrm>
-            <a:off x="31743585" y="28138212"/>
-            <a:ext cx="25802583" cy="9020177"/>
+            <a:off x="36214869" y="33061228"/>
+            <a:ext cx="20575567" cy="6609486"/>
           </a:xfrm>
           <a:custGeom>
             <a:avLst/>
@@ -7894,6 +7924,40 @@
               <a:gd name="connsiteY15" fmla="*/ 3847019 h 9020177"/>
               <a:gd name="connsiteX16" fmla="*/ 0 w 25802583"/>
               <a:gd name="connsiteY16" fmla="*/ 0 h 9020177"/>
+              <a:gd name="connsiteX0" fmla="*/ 0 w 25802583"/>
+              <a:gd name="connsiteY0" fmla="*/ 0 h 6609486"/>
+              <a:gd name="connsiteX1" fmla="*/ 15051507 w 25802583"/>
+              <a:gd name="connsiteY1" fmla="*/ 0 h 6609486"/>
+              <a:gd name="connsiteX2" fmla="*/ 15051507 w 25802583"/>
+              <a:gd name="connsiteY2" fmla="*/ 0 h 6609486"/>
+              <a:gd name="connsiteX3" fmla="*/ 21502153 w 25802583"/>
+              <a:gd name="connsiteY3" fmla="*/ 0 h 6609486"/>
+              <a:gd name="connsiteX4" fmla="*/ 25802583 w 25802583"/>
+              <a:gd name="connsiteY4" fmla="*/ 0 h 6609486"/>
+              <a:gd name="connsiteX5" fmla="*/ 25802583 w 25802583"/>
+              <a:gd name="connsiteY5" fmla="*/ 3847019 h 6609486"/>
+              <a:gd name="connsiteX6" fmla="*/ 25802583 w 25802583"/>
+              <a:gd name="connsiteY6" fmla="*/ 3847019 h 6609486"/>
+              <a:gd name="connsiteX7" fmla="*/ 25802583 w 25802583"/>
+              <a:gd name="connsiteY7" fmla="*/ 5495741 h 6609486"/>
+              <a:gd name="connsiteX8" fmla="*/ 25802583 w 25802583"/>
+              <a:gd name="connsiteY8" fmla="*/ 6594889 h 6609486"/>
+              <a:gd name="connsiteX9" fmla="*/ 21502153 w 25802583"/>
+              <a:gd name="connsiteY9" fmla="*/ 6594889 h 6609486"/>
+              <a:gd name="connsiteX10" fmla="*/ 20277964 w 25802583"/>
+              <a:gd name="connsiteY10" fmla="*/ 6609486 h 6609486"/>
+              <a:gd name="connsiteX11" fmla="*/ 19212027 w 25802583"/>
+              <a:gd name="connsiteY11" fmla="*/ 6594889 h 6609486"/>
+              <a:gd name="connsiteX12" fmla="*/ 0 w 25802583"/>
+              <a:gd name="connsiteY12" fmla="*/ 6594889 h 6609486"/>
+              <a:gd name="connsiteX13" fmla="*/ 0 w 25802583"/>
+              <a:gd name="connsiteY13" fmla="*/ 5495741 h 6609486"/>
+              <a:gd name="connsiteX14" fmla="*/ 0 w 25802583"/>
+              <a:gd name="connsiteY14" fmla="*/ 3847019 h 6609486"/>
+              <a:gd name="connsiteX15" fmla="*/ 0 w 25802583"/>
+              <a:gd name="connsiteY15" fmla="*/ 3847019 h 6609486"/>
+              <a:gd name="connsiteX16" fmla="*/ 0 w 25802583"/>
+              <a:gd name="connsiteY16" fmla="*/ 0 h 6609486"/>
             </a:gdLst>
             <a:ahLst/>
             <a:cxnLst>
@@ -7951,7 +8015,7 @@
             </a:cxnLst>
             <a:rect l="l" t="t" r="r" b="b"/>
             <a:pathLst>
-              <a:path w="25802583" h="9020177">
+              <a:path w="25802583" h="6609486">
                 <a:moveTo>
                   <a:pt x="0" y="0"/>
                 </a:moveTo>
@@ -7983,7 +8047,7 @@
                   <a:pt x="21502153" y="6594889"/>
                 </a:lnTo>
                 <a:lnTo>
-                  <a:pt x="20330086" y="9020177"/>
+                  <a:pt x="20277964" y="6609486"/>
                 </a:lnTo>
                 <a:lnTo>
                   <a:pt x="19212027" y="6594889"/>
@@ -8060,7 +8124,7 @@
         </p:nvSpPr>
         <p:spPr>
           <a:xfrm>
-            <a:off x="32047842" y="28471630"/>
+            <a:off x="36519125" y="33394646"/>
             <a:ext cx="6279820" cy="1021127"/>
           </a:xfrm>
           <a:prstGeom prst="rect">
@@ -8142,7 +8206,7 @@
         </p:nvSpPr>
         <p:spPr>
           <a:xfrm>
-            <a:off x="32047842" y="29484365"/>
+            <a:off x="36519125" y="34407381"/>
             <a:ext cx="6279820" cy="4928918"/>
           </a:xfrm>
           <a:prstGeom prst="rect">
@@ -8198,8 +8262,8 @@
         </p:nvSpPr>
         <p:spPr>
           <a:xfrm>
-            <a:off x="38690493" y="28464728"/>
-            <a:ext cx="11926960" cy="1021127"/>
+            <a:off x="43161776" y="33387744"/>
+            <a:ext cx="6339474" cy="1021127"/>
           </a:xfrm>
           <a:prstGeom prst="rect">
             <a:avLst/>
@@ -8237,7 +8301,7 @@
           <a:p>
             <a:pPr algn="ctr"/>
             <a:r>
-              <a:rPr kumimoji="1" lang="en-US" altLang="ja-JP" sz="4800" b="1" dirty="0">
+              <a:rPr kumimoji="1" lang="en-US" altLang="ja-JP" sz="4400" b="1" dirty="0">
                 <a:solidFill>
                   <a:schemeClr val="accent6">
                     <a:lumMod val="75000"/>
@@ -8247,7 +8311,7 @@
               <a:t>②</a:t>
             </a:r>
             <a:r>
-              <a:rPr kumimoji="1" lang="ja-JP" altLang="en-US" sz="4800" b="1">
+              <a:rPr kumimoji="1" lang="ja-JP" altLang="en-US" sz="4400" b="1">
                 <a:solidFill>
                   <a:schemeClr val="accent6">
                     <a:lumMod val="75000"/>
@@ -8273,8 +8337,8 @@
         </p:nvSpPr>
         <p:spPr>
           <a:xfrm>
-            <a:off x="38690493" y="29463547"/>
-            <a:ext cx="11926960" cy="5015334"/>
+            <a:off x="43161776" y="34386563"/>
+            <a:ext cx="6339474" cy="5015334"/>
           </a:xfrm>
           <a:prstGeom prst="rect">
             <a:avLst/>
@@ -8329,7 +8393,7 @@
         </p:nvSpPr>
         <p:spPr>
           <a:xfrm>
-            <a:off x="32081935" y="30133239"/>
+            <a:off x="36553218" y="35056255"/>
             <a:ext cx="5832884" cy="4154984"/>
           </a:xfrm>
           <a:prstGeom prst="rect">
@@ -8382,7 +8446,7 @@
         </p:nvSpPr>
         <p:spPr>
           <a:xfrm rot="5400000">
-            <a:off x="34345641" y="31680819"/>
+            <a:off x="38816924" y="36603835"/>
             <a:ext cx="1014154" cy="965694"/>
           </a:xfrm>
           <a:prstGeom prst="rightArrow">
@@ -8440,7 +8504,7 @@
         </p:nvSpPr>
         <p:spPr>
           <a:xfrm>
-            <a:off x="38894762" y="29969764"/>
+            <a:off x="43366045" y="34892780"/>
             <a:ext cx="6109595" cy="4832092"/>
           </a:xfrm>
           <a:prstGeom prst="rect">
@@ -8492,7 +8556,7 @@
         </p:nvSpPr>
         <p:spPr>
           <a:xfrm rot="5400000">
-            <a:off x="41206589" y="31546637"/>
+            <a:off x="45677872" y="36469653"/>
             <a:ext cx="1014154" cy="965694"/>
           </a:xfrm>
           <a:prstGeom prst="rightArrow">
@@ -8550,7 +8614,7 @@
         </p:nvSpPr>
         <p:spPr>
           <a:xfrm>
-            <a:off x="50927644" y="28442420"/>
+            <a:off x="49995657" y="33365436"/>
             <a:ext cx="6279820" cy="1021127"/>
           </a:xfrm>
           <a:prstGeom prst="rect">
@@ -8615,7 +8679,7 @@
         </p:nvSpPr>
         <p:spPr>
           <a:xfrm>
-            <a:off x="50927644" y="29456479"/>
+            <a:off x="49995657" y="34379495"/>
             <a:ext cx="6279820" cy="5015334"/>
           </a:xfrm>
           <a:prstGeom prst="rect">
@@ -8671,7 +8735,7 @@
         </p:nvSpPr>
         <p:spPr>
           <a:xfrm>
-            <a:off x="51097869" y="30889203"/>
+            <a:off x="50080769" y="35647231"/>
             <a:ext cx="6109595" cy="2123658"/>
           </a:xfrm>
           <a:prstGeom prst="rect">
@@ -8697,36 +8761,6 @@
           </a:p>
         </p:txBody>
       </p:sp>
-      <p:pic>
-        <p:nvPicPr>
-          <p:cNvPr id="89" name="図 88">
-            <a:extLst>
-              <a:ext uri="{FF2B5EF4-FFF2-40B4-BE49-F238E27FC236}">
-                <a16:creationId xmlns:a16="http://schemas.microsoft.com/office/drawing/2014/main" id="{64FE2FA9-D5FC-7443-B95C-17FC333D58E8}"/>
-              </a:ext>
-            </a:extLst>
-          </p:cNvPr>
-          <p:cNvPicPr>
-            <a:picLocks noChangeAspect="1"/>
-          </p:cNvPicPr>
-          <p:nvPr/>
-        </p:nvPicPr>
-        <p:blipFill>
-          <a:blip r:embed="rId6"/>
-          <a:stretch>
-            <a:fillRect/>
-          </a:stretch>
-        </p:blipFill>
-        <p:spPr>
-          <a:xfrm>
-            <a:off x="45290734" y="30444512"/>
-            <a:ext cx="4244495" cy="2993319"/>
-          </a:xfrm>
-          <a:prstGeom prst="rect">
-            <a:avLst/>
-          </a:prstGeom>
-        </p:spPr>
-      </p:pic>
       <p:sp>
         <p:nvSpPr>
           <p:cNvPr id="9" name="四角形吹き出し 8">
@@ -8741,7 +8775,7 @@
         </p:nvSpPr>
         <p:spPr>
           <a:xfrm>
-            <a:off x="1686506" y="25040580"/>
+            <a:off x="-26621599" y="17798080"/>
             <a:ext cx="26659894" cy="8842085"/>
           </a:xfrm>
           <a:custGeom>
@@ -9000,6 +9034,4613 @@
             <a:schemeClr val="accent6">
               <a:lumMod val="20000"/>
               <a:lumOff val="80000"/>
+            </a:schemeClr>
+          </a:solidFill>
+          <a:ln>
+            <a:solidFill>
+              <a:schemeClr val="accent6">
+                <a:lumMod val="75000"/>
+              </a:schemeClr>
+            </a:solidFill>
+          </a:ln>
+        </p:spPr>
+        <p:style>
+          <a:lnRef idx="2">
+            <a:schemeClr val="accent1">
+              <a:shade val="50000"/>
+            </a:schemeClr>
+          </a:lnRef>
+          <a:fillRef idx="1">
+            <a:schemeClr val="accent1"/>
+          </a:fillRef>
+          <a:effectRef idx="0">
+            <a:schemeClr val="accent1"/>
+          </a:effectRef>
+          <a:fontRef idx="minor">
+            <a:schemeClr val="lt1"/>
+          </a:fontRef>
+        </p:style>
+        <p:txBody>
+          <a:bodyPr rtlCol="0" anchor="ctr"/>
+          <a:lstStyle/>
+          <a:p>
+            <a:pPr algn="ctr"/>
+            <a:endParaRPr kumimoji="1" lang="ja-JP" altLang="en-US"/>
+          </a:p>
+        </p:txBody>
+      </p:sp>
+      <p:sp>
+        <p:nvSpPr>
+          <p:cNvPr id="91" name="右矢印 90">
+            <a:extLst>
+              <a:ext uri="{FF2B5EF4-FFF2-40B4-BE49-F238E27FC236}">
+                <a16:creationId xmlns:a16="http://schemas.microsoft.com/office/drawing/2014/main" id="{76B826C6-C3E1-8D40-88A2-154B7C1A57F0}"/>
+              </a:ext>
+            </a:extLst>
+          </p:cNvPr>
+          <p:cNvSpPr/>
+          <p:nvPr/>
+        </p:nvSpPr>
+        <p:spPr>
+          <a:xfrm>
+            <a:off x="33189316" y="30823775"/>
+            <a:ext cx="6552000" cy="936000"/>
+          </a:xfrm>
+          <a:prstGeom prst="rightArrow">
+            <a:avLst/>
+          </a:prstGeom>
+          <a:solidFill>
+            <a:schemeClr val="accent6">
+              <a:lumMod val="75000"/>
+            </a:schemeClr>
+          </a:solidFill>
+          <a:ln>
+            <a:solidFill>
+              <a:schemeClr val="accent6">
+                <a:lumMod val="75000"/>
+              </a:schemeClr>
+            </a:solidFill>
+          </a:ln>
+        </p:spPr>
+        <p:style>
+          <a:lnRef idx="2">
+            <a:schemeClr val="accent1">
+              <a:shade val="50000"/>
+            </a:schemeClr>
+          </a:lnRef>
+          <a:fillRef idx="1">
+            <a:schemeClr val="accent1"/>
+          </a:fillRef>
+          <a:effectRef idx="0">
+            <a:schemeClr val="accent1"/>
+          </a:effectRef>
+          <a:fontRef idx="minor">
+            <a:schemeClr val="lt1"/>
+          </a:fontRef>
+        </p:style>
+        <p:txBody>
+          <a:bodyPr rtlCol="0" anchor="ctr"/>
+          <a:lstStyle/>
+          <a:p>
+            <a:pPr algn="ctr"/>
+            <a:endParaRPr kumimoji="1" lang="ja-JP" altLang="en-US"/>
+          </a:p>
+        </p:txBody>
+      </p:sp>
+      <p:pic>
+        <p:nvPicPr>
+          <p:cNvPr id="92" name="図 91">
+            <a:extLst>
+              <a:ext uri="{FF2B5EF4-FFF2-40B4-BE49-F238E27FC236}">
+                <a16:creationId xmlns:a16="http://schemas.microsoft.com/office/drawing/2014/main" id="{BF8B91DA-81F0-7F47-96D1-48FCD218231E}"/>
+              </a:ext>
+            </a:extLst>
+          </p:cNvPr>
+          <p:cNvPicPr>
+            <a:picLocks noChangeAspect="1"/>
+          </p:cNvPicPr>
+          <p:nvPr/>
+        </p:nvPicPr>
+        <p:blipFill>
+          <a:blip r:embed="rId5"/>
+          <a:stretch>
+            <a:fillRect/>
+          </a:stretch>
+        </p:blipFill>
+        <p:spPr>
+          <a:xfrm>
+            <a:off x="16197987" y="21158368"/>
+            <a:ext cx="1545138" cy="1958195"/>
+          </a:xfrm>
+          <a:prstGeom prst="rect">
+            <a:avLst/>
+          </a:prstGeom>
+        </p:spPr>
+      </p:pic>
+      <p:sp>
+        <p:nvSpPr>
+          <p:cNvPr id="94" name="右矢印 93">
+            <a:extLst>
+              <a:ext uri="{FF2B5EF4-FFF2-40B4-BE49-F238E27FC236}">
+                <a16:creationId xmlns:a16="http://schemas.microsoft.com/office/drawing/2014/main" id="{E1FC4BDB-C49E-8342-BEB9-BC54DA0DB108}"/>
+              </a:ext>
+            </a:extLst>
+          </p:cNvPr>
+          <p:cNvSpPr/>
+          <p:nvPr/>
+        </p:nvSpPr>
+        <p:spPr>
+          <a:xfrm>
+            <a:off x="18808376" y="21518439"/>
+            <a:ext cx="5076000" cy="936000"/>
+          </a:xfrm>
+          <a:prstGeom prst="rightArrow">
+            <a:avLst/>
+          </a:prstGeom>
+          <a:solidFill>
+            <a:schemeClr val="accent6">
+              <a:lumMod val="75000"/>
+            </a:schemeClr>
+          </a:solidFill>
+          <a:ln>
+            <a:solidFill>
+              <a:schemeClr val="accent6">
+                <a:lumMod val="75000"/>
+              </a:schemeClr>
+            </a:solidFill>
+          </a:ln>
+        </p:spPr>
+        <p:style>
+          <a:lnRef idx="2">
+            <a:schemeClr val="accent1">
+              <a:shade val="50000"/>
+            </a:schemeClr>
+          </a:lnRef>
+          <a:fillRef idx="1">
+            <a:schemeClr val="accent1"/>
+          </a:fillRef>
+          <a:effectRef idx="0">
+            <a:schemeClr val="accent1"/>
+          </a:effectRef>
+          <a:fontRef idx="minor">
+            <a:schemeClr val="lt1"/>
+          </a:fontRef>
+        </p:style>
+        <p:txBody>
+          <a:bodyPr rtlCol="0" anchor="ctr"/>
+          <a:lstStyle/>
+          <a:p>
+            <a:pPr algn="ctr"/>
+            <a:endParaRPr kumimoji="1" lang="ja-JP" altLang="en-US"/>
+          </a:p>
+        </p:txBody>
+      </p:sp>
+      <p:pic>
+        <p:nvPicPr>
+          <p:cNvPr id="100" name="図 99">
+            <a:extLst>
+              <a:ext uri="{FF2B5EF4-FFF2-40B4-BE49-F238E27FC236}">
+                <a16:creationId xmlns:a16="http://schemas.microsoft.com/office/drawing/2014/main" id="{413F674B-294B-6141-B736-4F9FFCAD97E7}"/>
+              </a:ext>
+            </a:extLst>
+          </p:cNvPr>
+          <p:cNvPicPr>
+            <a:picLocks noChangeAspect="1"/>
+          </p:cNvPicPr>
+          <p:nvPr/>
+        </p:nvPicPr>
+        <p:blipFill>
+          <a:blip r:embed="rId4"/>
+          <a:stretch>
+            <a:fillRect/>
+          </a:stretch>
+        </p:blipFill>
+        <p:spPr>
+          <a:xfrm>
+            <a:off x="4331502" y="20122292"/>
+            <a:ext cx="1861284" cy="1603176"/>
+          </a:xfrm>
+          <a:prstGeom prst="rect">
+            <a:avLst/>
+          </a:prstGeom>
+        </p:spPr>
+      </p:pic>
+      <p:sp>
+        <p:nvSpPr>
+          <p:cNvPr id="101" name="テキスト ボックス 100">
+            <a:extLst>
+              <a:ext uri="{FF2B5EF4-FFF2-40B4-BE49-F238E27FC236}">
+                <a16:creationId xmlns:a16="http://schemas.microsoft.com/office/drawing/2014/main" id="{EC04D2DB-120D-1641-AB69-D0BF294736A0}"/>
+              </a:ext>
+            </a:extLst>
+          </p:cNvPr>
+          <p:cNvSpPr txBox="1"/>
+          <p:nvPr/>
+        </p:nvSpPr>
+        <p:spPr>
+          <a:xfrm>
+            <a:off x="13666035" y="18921052"/>
+            <a:ext cx="3262432" cy="830997"/>
+          </a:xfrm>
+          <a:prstGeom prst="rect">
+            <a:avLst/>
+          </a:prstGeom>
+          <a:noFill/>
+        </p:spPr>
+        <p:txBody>
+          <a:bodyPr wrap="none" rtlCol="0">
+            <a:spAutoFit/>
+          </a:bodyPr>
+          <a:lstStyle/>
+          <a:p>
+            <a:r>
+              <a:rPr kumimoji="1" lang="ja-JP" altLang="en-US" sz="4800" b="1"/>
+              <a:t>本システム</a:t>
+            </a:r>
+          </a:p>
+        </p:txBody>
+      </p:sp>
+      <p:sp>
+        <p:nvSpPr>
+          <p:cNvPr id="102" name="正方形/長方形 101">
+            <a:extLst>
+              <a:ext uri="{FF2B5EF4-FFF2-40B4-BE49-F238E27FC236}">
+                <a16:creationId xmlns:a16="http://schemas.microsoft.com/office/drawing/2014/main" id="{1EC5C97C-A87C-6044-A983-1527A1EF7639}"/>
+              </a:ext>
+            </a:extLst>
+          </p:cNvPr>
+          <p:cNvSpPr/>
+          <p:nvPr/>
+        </p:nvSpPr>
+        <p:spPr>
+          <a:xfrm>
+            <a:off x="-31956056" y="-2772217"/>
+            <a:ext cx="9540000" cy="1021127"/>
+          </a:xfrm>
+          <a:prstGeom prst="rect">
+            <a:avLst/>
+          </a:prstGeom>
+          <a:solidFill>
+            <a:schemeClr val="bg1"/>
+          </a:solidFill>
+          <a:ln w="38100">
+            <a:solidFill>
+              <a:schemeClr val="accent6">
+                <a:lumMod val="75000"/>
+              </a:schemeClr>
+            </a:solidFill>
+          </a:ln>
+        </p:spPr>
+        <p:style>
+          <a:lnRef idx="2">
+            <a:schemeClr val="accent1">
+              <a:shade val="50000"/>
+            </a:schemeClr>
+          </a:lnRef>
+          <a:fillRef idx="1">
+            <a:schemeClr val="accent1"/>
+          </a:fillRef>
+          <a:effectRef idx="0">
+            <a:schemeClr val="accent1"/>
+          </a:effectRef>
+          <a:fontRef idx="minor">
+            <a:schemeClr val="lt1"/>
+          </a:fontRef>
+        </p:style>
+        <p:txBody>
+          <a:bodyPr rtlCol="0" anchor="ctr"/>
+          <a:lstStyle/>
+          <a:p>
+            <a:pPr algn="ctr"/>
+            <a:r>
+              <a:rPr lang="ja-JP" altLang="en-US" sz="4800" b="1">
+                <a:solidFill>
+                  <a:schemeClr val="accent6">
+                    <a:lumMod val="75000"/>
+                  </a:schemeClr>
+                </a:solidFill>
+              </a:rPr>
+              <a:t>②トピックモデルの構築</a:t>
+            </a:r>
+            <a:endParaRPr kumimoji="1" lang="ja-JP" altLang="en-US" sz="4800" b="1">
+              <a:solidFill>
+                <a:schemeClr val="accent6">
+                  <a:lumMod val="75000"/>
+                </a:schemeClr>
+              </a:solidFill>
+            </a:endParaRPr>
+          </a:p>
+        </p:txBody>
+      </p:sp>
+      <p:sp>
+        <p:nvSpPr>
+          <p:cNvPr id="103" name="正方形/長方形 102">
+            <a:extLst>
+              <a:ext uri="{FF2B5EF4-FFF2-40B4-BE49-F238E27FC236}">
+                <a16:creationId xmlns:a16="http://schemas.microsoft.com/office/drawing/2014/main" id="{E08DCEE4-82B9-384E-82E1-1E19A15B4AE5}"/>
+              </a:ext>
+            </a:extLst>
+          </p:cNvPr>
+          <p:cNvSpPr/>
+          <p:nvPr/>
+        </p:nvSpPr>
+        <p:spPr>
+          <a:xfrm>
+            <a:off x="-31956056" y="-1726825"/>
+            <a:ext cx="9540000" cy="4928918"/>
+          </a:xfrm>
+          <a:prstGeom prst="rect">
+            <a:avLst/>
+          </a:prstGeom>
+          <a:solidFill>
+            <a:schemeClr val="bg1"/>
+          </a:solidFill>
+          <a:ln w="38100">
+            <a:solidFill>
+              <a:schemeClr val="accent6">
+                <a:lumMod val="75000"/>
+              </a:schemeClr>
+            </a:solidFill>
+          </a:ln>
+        </p:spPr>
+        <p:style>
+          <a:lnRef idx="2">
+            <a:schemeClr val="accent1">
+              <a:shade val="50000"/>
+            </a:schemeClr>
+          </a:lnRef>
+          <a:fillRef idx="1">
+            <a:schemeClr val="accent1"/>
+          </a:fillRef>
+          <a:effectRef idx="0">
+            <a:schemeClr val="accent1"/>
+          </a:effectRef>
+          <a:fontRef idx="minor">
+            <a:schemeClr val="lt1"/>
+          </a:fontRef>
+        </p:style>
+        <p:txBody>
+          <a:bodyPr rtlCol="0" anchor="ctr"/>
+          <a:lstStyle/>
+          <a:p>
+            <a:pPr algn="ctr"/>
+            <a:endParaRPr kumimoji="1" lang="ja-JP" altLang="en-US"/>
+          </a:p>
+        </p:txBody>
+      </p:sp>
+      <p:sp>
+        <p:nvSpPr>
+          <p:cNvPr id="73" name="テキスト ボックス 72">
+            <a:extLst>
+              <a:ext uri="{FF2B5EF4-FFF2-40B4-BE49-F238E27FC236}">
+                <a16:creationId xmlns:a16="http://schemas.microsoft.com/office/drawing/2014/main" id="{91307268-782B-694E-9346-6785004AA8EB}"/>
+              </a:ext>
+            </a:extLst>
+          </p:cNvPr>
+          <p:cNvSpPr txBox="1"/>
+          <p:nvPr/>
+        </p:nvSpPr>
+        <p:spPr>
+          <a:xfrm>
+            <a:off x="-31645648" y="-1354811"/>
+            <a:ext cx="8927544" cy="4154984"/>
+          </a:xfrm>
+          <a:prstGeom prst="rect">
+            <a:avLst/>
+          </a:prstGeom>
+          <a:noFill/>
+        </p:spPr>
+        <p:txBody>
+          <a:bodyPr wrap="square" rtlCol="0">
+            <a:spAutoFit/>
+          </a:bodyPr>
+          <a:lstStyle/>
+          <a:p>
+            <a:pPr marL="742950" indent="-742950">
+              <a:buFont typeface="+mj-lt"/>
+              <a:buAutoNum type="arabicPeriod"/>
+            </a:pPr>
+            <a:r>
+              <a:rPr kumimoji="1" lang="ja-JP" altLang="en-US" sz="4400"/>
+              <a:t>ＬＤＡを用いて</a:t>
+            </a:r>
+            <a:r>
+              <a:rPr lang="ja-JP" altLang="en-US" sz="4400"/>
+              <a:t>、レビュー文書群に含まれる潜在的な</a:t>
+            </a:r>
+            <a:r>
+              <a:rPr kumimoji="1" lang="ja-JP" altLang="en-US" sz="4400"/>
+              <a:t>トピックを</a:t>
+            </a:r>
+            <a:r>
+              <a:rPr lang="ja-JP" altLang="en-US" sz="4400"/>
+              <a:t>抽出</a:t>
+            </a:r>
+            <a:endParaRPr lang="en-US" altLang="ja-JP" sz="4400" dirty="0"/>
+          </a:p>
+          <a:p>
+            <a:pPr marL="742950" indent="-742950">
+              <a:buFont typeface="+mj-lt"/>
+              <a:buAutoNum type="arabicPeriod"/>
+            </a:pPr>
+            <a:r>
+              <a:rPr kumimoji="1" lang="ja-JP" altLang="en-US" sz="4400"/>
+              <a:t>各スポットごとのレビュー文書を分析し、トピックの分布を算出</a:t>
+            </a:r>
+            <a:endParaRPr kumimoji="1" lang="en-US" altLang="ja-JP" sz="4400" dirty="0"/>
+          </a:p>
+        </p:txBody>
+      </p:sp>
+      <p:sp>
+        <p:nvSpPr>
+          <p:cNvPr id="104" name="正方形/長方形 103">
+            <a:extLst>
+              <a:ext uri="{FF2B5EF4-FFF2-40B4-BE49-F238E27FC236}">
+                <a16:creationId xmlns:a16="http://schemas.microsoft.com/office/drawing/2014/main" id="{E6352DE6-BF6B-6E43-9377-4D8AFA80E65A}"/>
+              </a:ext>
+            </a:extLst>
+          </p:cNvPr>
+          <p:cNvSpPr/>
+          <p:nvPr/>
+        </p:nvSpPr>
+        <p:spPr>
+          <a:xfrm>
+            <a:off x="-22095446" y="-2742690"/>
+            <a:ext cx="9540000" cy="1021127"/>
+          </a:xfrm>
+          <a:prstGeom prst="rect">
+            <a:avLst/>
+          </a:prstGeom>
+          <a:solidFill>
+            <a:schemeClr val="bg1"/>
+          </a:solidFill>
+          <a:ln w="38100">
+            <a:solidFill>
+              <a:schemeClr val="accent6">
+                <a:lumMod val="75000"/>
+              </a:schemeClr>
+            </a:solidFill>
+          </a:ln>
+        </p:spPr>
+        <p:style>
+          <a:lnRef idx="2">
+            <a:schemeClr val="accent1">
+              <a:shade val="50000"/>
+            </a:schemeClr>
+          </a:lnRef>
+          <a:fillRef idx="1">
+            <a:schemeClr val="accent1"/>
+          </a:fillRef>
+          <a:effectRef idx="0">
+            <a:schemeClr val="accent1"/>
+          </a:effectRef>
+          <a:fontRef idx="minor">
+            <a:schemeClr val="lt1"/>
+          </a:fontRef>
+        </p:style>
+        <p:txBody>
+          <a:bodyPr rtlCol="0" anchor="ctr"/>
+          <a:lstStyle/>
+          <a:p>
+            <a:pPr algn="ctr"/>
+            <a:r>
+              <a:rPr lang="en-US" altLang="ja-JP" sz="4800" b="1" dirty="0">
+                <a:solidFill>
+                  <a:schemeClr val="accent6">
+                    <a:lumMod val="75000"/>
+                  </a:schemeClr>
+                </a:solidFill>
+              </a:rPr>
+              <a:t>③</a:t>
+            </a:r>
+            <a:r>
+              <a:rPr lang="ja-JP" altLang="en-US" sz="4800" b="1">
+                <a:solidFill>
+                  <a:schemeClr val="accent6">
+                    <a:lumMod val="75000"/>
+                  </a:schemeClr>
+                </a:solidFill>
+              </a:rPr>
+              <a:t>類似度算出</a:t>
+            </a:r>
+            <a:endParaRPr kumimoji="1" lang="ja-JP" altLang="en-US" sz="4800" b="1">
+              <a:solidFill>
+                <a:schemeClr val="accent6">
+                  <a:lumMod val="75000"/>
+                </a:schemeClr>
+              </a:solidFill>
+            </a:endParaRPr>
+          </a:p>
+        </p:txBody>
+      </p:sp>
+      <p:sp>
+        <p:nvSpPr>
+          <p:cNvPr id="105" name="正方形/長方形 104">
+            <a:extLst>
+              <a:ext uri="{FF2B5EF4-FFF2-40B4-BE49-F238E27FC236}">
+                <a16:creationId xmlns:a16="http://schemas.microsoft.com/office/drawing/2014/main" id="{A7925032-A62A-CB44-AC31-77E01C2AEB26}"/>
+              </a:ext>
+            </a:extLst>
+          </p:cNvPr>
+          <p:cNvSpPr/>
+          <p:nvPr/>
+        </p:nvSpPr>
+        <p:spPr>
+          <a:xfrm>
+            <a:off x="-22095446" y="-1735172"/>
+            <a:ext cx="9540000" cy="4928918"/>
+          </a:xfrm>
+          <a:prstGeom prst="rect">
+            <a:avLst/>
+          </a:prstGeom>
+          <a:solidFill>
+            <a:schemeClr val="bg1"/>
+          </a:solidFill>
+          <a:ln w="38100">
+            <a:solidFill>
+              <a:schemeClr val="accent6">
+                <a:lumMod val="75000"/>
+              </a:schemeClr>
+            </a:solidFill>
+          </a:ln>
+        </p:spPr>
+        <p:style>
+          <a:lnRef idx="2">
+            <a:schemeClr val="accent1">
+              <a:shade val="50000"/>
+            </a:schemeClr>
+          </a:lnRef>
+          <a:fillRef idx="1">
+            <a:schemeClr val="accent1"/>
+          </a:fillRef>
+          <a:effectRef idx="0">
+            <a:schemeClr val="accent1"/>
+          </a:effectRef>
+          <a:fontRef idx="minor">
+            <a:schemeClr val="lt1"/>
+          </a:fontRef>
+        </p:style>
+        <p:txBody>
+          <a:bodyPr rtlCol="0" anchor="ctr"/>
+          <a:lstStyle/>
+          <a:p>
+            <a:endParaRPr kumimoji="1" lang="ja-JP" altLang="en-US">
+              <a:solidFill>
+                <a:srgbClr val="FF0000"/>
+              </a:solidFill>
+            </a:endParaRPr>
+          </a:p>
+        </p:txBody>
+      </p:sp>
+      <p:sp>
+        <p:nvSpPr>
+          <p:cNvPr id="106" name="正方形/長方形 105">
+            <a:extLst>
+              <a:ext uri="{FF2B5EF4-FFF2-40B4-BE49-F238E27FC236}">
+                <a16:creationId xmlns:a16="http://schemas.microsoft.com/office/drawing/2014/main" id="{7A76F251-A7A0-5C41-89A4-F66665FF0A02}"/>
+              </a:ext>
+            </a:extLst>
+          </p:cNvPr>
+          <p:cNvSpPr/>
+          <p:nvPr/>
+        </p:nvSpPr>
+        <p:spPr>
+          <a:xfrm>
+            <a:off x="32119145" y="27218384"/>
+            <a:ext cx="6279820" cy="1021127"/>
+          </a:xfrm>
+          <a:prstGeom prst="rect">
+            <a:avLst/>
+          </a:prstGeom>
+          <a:solidFill>
+            <a:schemeClr val="bg1"/>
+          </a:solidFill>
+          <a:ln w="38100">
+            <a:solidFill>
+              <a:schemeClr val="accent6">
+                <a:lumMod val="75000"/>
+              </a:schemeClr>
+            </a:solidFill>
+          </a:ln>
+        </p:spPr>
+        <p:style>
+          <a:lnRef idx="2">
+            <a:schemeClr val="accent1">
+              <a:shade val="50000"/>
+            </a:schemeClr>
+          </a:lnRef>
+          <a:fillRef idx="1">
+            <a:schemeClr val="accent1"/>
+          </a:fillRef>
+          <a:effectRef idx="0">
+            <a:schemeClr val="accent1"/>
+          </a:effectRef>
+          <a:fontRef idx="minor">
+            <a:schemeClr val="lt1"/>
+          </a:fontRef>
+        </p:style>
+        <p:txBody>
+          <a:bodyPr rtlCol="0" anchor="ctr"/>
+          <a:lstStyle/>
+          <a:p>
+            <a:pPr algn="ctr"/>
+            <a:r>
+              <a:rPr lang="ja-JP" altLang="en-US" sz="4800" b="1">
+                <a:solidFill>
+                  <a:schemeClr val="accent6">
+                    <a:lumMod val="75000"/>
+                  </a:schemeClr>
+                </a:solidFill>
+              </a:rPr>
+              <a:t>④なんだっけ</a:t>
+            </a:r>
+            <a:endParaRPr kumimoji="1" lang="ja-JP" altLang="en-US" sz="4800" b="1">
+              <a:solidFill>
+                <a:schemeClr val="accent6">
+                  <a:lumMod val="75000"/>
+                </a:schemeClr>
+              </a:solidFill>
+            </a:endParaRPr>
+          </a:p>
+        </p:txBody>
+      </p:sp>
+      <p:sp>
+        <p:nvSpPr>
+          <p:cNvPr id="108" name="テキスト ボックス 107">
+            <a:extLst>
+              <a:ext uri="{FF2B5EF4-FFF2-40B4-BE49-F238E27FC236}">
+                <a16:creationId xmlns:a16="http://schemas.microsoft.com/office/drawing/2014/main" id="{06D91551-F515-714D-998A-794C000941F1}"/>
+              </a:ext>
+            </a:extLst>
+          </p:cNvPr>
+          <p:cNvSpPr txBox="1"/>
+          <p:nvPr/>
+        </p:nvSpPr>
+        <p:spPr>
+          <a:xfrm>
+            <a:off x="-21637341" y="-1353655"/>
+            <a:ext cx="8459237" cy="1446550"/>
+          </a:xfrm>
+          <a:prstGeom prst="rect">
+            <a:avLst/>
+          </a:prstGeom>
+          <a:noFill/>
+        </p:spPr>
+        <p:txBody>
+          <a:bodyPr wrap="square" rtlCol="0">
+            <a:spAutoFit/>
+          </a:bodyPr>
+          <a:lstStyle/>
+          <a:p>
+            <a:r>
+              <a:rPr lang="ja-JP" altLang="en-US" sz="4400"/>
+              <a:t>各レビュー文書の</a:t>
+            </a:r>
+            <a:endParaRPr lang="en-US" altLang="ja-JP" sz="4400" dirty="0"/>
+          </a:p>
+          <a:p>
+            <a:r>
+              <a:rPr lang="ja-JP" altLang="en-US" sz="4400"/>
+              <a:t>トピックの分布の類似度を算出</a:t>
+            </a:r>
+            <a:endParaRPr kumimoji="1" lang="en-US" altLang="ja-JP" sz="4400" dirty="0"/>
+          </a:p>
+        </p:txBody>
+      </p:sp>
+      <p:sp>
+        <p:nvSpPr>
+          <p:cNvPr id="109" name="四角形吹き出し 17">
+            <a:extLst>
+              <a:ext uri="{FF2B5EF4-FFF2-40B4-BE49-F238E27FC236}">
+                <a16:creationId xmlns:a16="http://schemas.microsoft.com/office/drawing/2014/main" id="{7200C5AA-479A-1E47-8DF1-81D2AD04D3BA}"/>
+              </a:ext>
+            </a:extLst>
+          </p:cNvPr>
+          <p:cNvSpPr/>
+          <p:nvPr/>
+        </p:nvSpPr>
+        <p:spPr>
+          <a:xfrm rot="10800000">
+            <a:off x="1846082" y="22518923"/>
+            <a:ext cx="26423736" cy="13447476"/>
+          </a:xfrm>
+          <a:custGeom>
+            <a:avLst/>
+            <a:gdLst>
+              <a:gd name="connsiteX0" fmla="*/ 0 w 26576764"/>
+              <a:gd name="connsiteY0" fmla="*/ 0 h 6477336"/>
+              <a:gd name="connsiteX1" fmla="*/ 15503112 w 26576764"/>
+              <a:gd name="connsiteY1" fmla="*/ 0 h 6477336"/>
+              <a:gd name="connsiteX2" fmla="*/ 15503112 w 26576764"/>
+              <a:gd name="connsiteY2" fmla="*/ 0 h 6477336"/>
+              <a:gd name="connsiteX3" fmla="*/ 22147303 w 26576764"/>
+              <a:gd name="connsiteY3" fmla="*/ 0 h 6477336"/>
+              <a:gd name="connsiteX4" fmla="*/ 26576764 w 26576764"/>
+              <a:gd name="connsiteY4" fmla="*/ 0 h 6477336"/>
+              <a:gd name="connsiteX5" fmla="*/ 26576764 w 26576764"/>
+              <a:gd name="connsiteY5" fmla="*/ 3778446 h 6477336"/>
+              <a:gd name="connsiteX6" fmla="*/ 26576764 w 26576764"/>
+              <a:gd name="connsiteY6" fmla="*/ 3778446 h 6477336"/>
+              <a:gd name="connsiteX7" fmla="*/ 26576764 w 26576764"/>
+              <a:gd name="connsiteY7" fmla="*/ 5397780 h 6477336"/>
+              <a:gd name="connsiteX8" fmla="*/ 26576764 w 26576764"/>
+              <a:gd name="connsiteY8" fmla="*/ 6477336 h 6477336"/>
+              <a:gd name="connsiteX9" fmla="*/ 22147303 w 26576764"/>
+              <a:gd name="connsiteY9" fmla="*/ 6477336 h 6477336"/>
+              <a:gd name="connsiteX10" fmla="*/ 13321337 w 26576764"/>
+              <a:gd name="connsiteY10" fmla="*/ 7702589 h 6477336"/>
+              <a:gd name="connsiteX11" fmla="*/ 15503112 w 26576764"/>
+              <a:gd name="connsiteY11" fmla="*/ 6477336 h 6477336"/>
+              <a:gd name="connsiteX12" fmla="*/ 0 w 26576764"/>
+              <a:gd name="connsiteY12" fmla="*/ 6477336 h 6477336"/>
+              <a:gd name="connsiteX13" fmla="*/ 0 w 26576764"/>
+              <a:gd name="connsiteY13" fmla="*/ 5397780 h 6477336"/>
+              <a:gd name="connsiteX14" fmla="*/ 0 w 26576764"/>
+              <a:gd name="connsiteY14" fmla="*/ 3778446 h 6477336"/>
+              <a:gd name="connsiteX15" fmla="*/ 0 w 26576764"/>
+              <a:gd name="connsiteY15" fmla="*/ 3778446 h 6477336"/>
+              <a:gd name="connsiteX16" fmla="*/ 0 w 26576764"/>
+              <a:gd name="connsiteY16" fmla="*/ 0 h 6477336"/>
+              <a:gd name="connsiteX0" fmla="*/ 0 w 26576764"/>
+              <a:gd name="connsiteY0" fmla="*/ 0 h 7702589"/>
+              <a:gd name="connsiteX1" fmla="*/ 15503112 w 26576764"/>
+              <a:gd name="connsiteY1" fmla="*/ 0 h 7702589"/>
+              <a:gd name="connsiteX2" fmla="*/ 15503112 w 26576764"/>
+              <a:gd name="connsiteY2" fmla="*/ 0 h 7702589"/>
+              <a:gd name="connsiteX3" fmla="*/ 22147303 w 26576764"/>
+              <a:gd name="connsiteY3" fmla="*/ 0 h 7702589"/>
+              <a:gd name="connsiteX4" fmla="*/ 26576764 w 26576764"/>
+              <a:gd name="connsiteY4" fmla="*/ 0 h 7702589"/>
+              <a:gd name="connsiteX5" fmla="*/ 26576764 w 26576764"/>
+              <a:gd name="connsiteY5" fmla="*/ 3778446 h 7702589"/>
+              <a:gd name="connsiteX6" fmla="*/ 26576764 w 26576764"/>
+              <a:gd name="connsiteY6" fmla="*/ 3778446 h 7702589"/>
+              <a:gd name="connsiteX7" fmla="*/ 26576764 w 26576764"/>
+              <a:gd name="connsiteY7" fmla="*/ 5397780 h 7702589"/>
+              <a:gd name="connsiteX8" fmla="*/ 26576764 w 26576764"/>
+              <a:gd name="connsiteY8" fmla="*/ 6477336 h 7702589"/>
+              <a:gd name="connsiteX9" fmla="*/ 22147303 w 26576764"/>
+              <a:gd name="connsiteY9" fmla="*/ 6477336 h 7702589"/>
+              <a:gd name="connsiteX10" fmla="*/ 13321337 w 26576764"/>
+              <a:gd name="connsiteY10" fmla="*/ 7702589 h 7702589"/>
+              <a:gd name="connsiteX11" fmla="*/ 12385839 w 26576764"/>
+              <a:gd name="connsiteY11" fmla="*/ 6477336 h 7702589"/>
+              <a:gd name="connsiteX12" fmla="*/ 0 w 26576764"/>
+              <a:gd name="connsiteY12" fmla="*/ 6477336 h 7702589"/>
+              <a:gd name="connsiteX13" fmla="*/ 0 w 26576764"/>
+              <a:gd name="connsiteY13" fmla="*/ 5397780 h 7702589"/>
+              <a:gd name="connsiteX14" fmla="*/ 0 w 26576764"/>
+              <a:gd name="connsiteY14" fmla="*/ 3778446 h 7702589"/>
+              <a:gd name="connsiteX15" fmla="*/ 0 w 26576764"/>
+              <a:gd name="connsiteY15" fmla="*/ 3778446 h 7702589"/>
+              <a:gd name="connsiteX16" fmla="*/ 0 w 26576764"/>
+              <a:gd name="connsiteY16" fmla="*/ 0 h 7702589"/>
+              <a:gd name="connsiteX0" fmla="*/ 0 w 26576764"/>
+              <a:gd name="connsiteY0" fmla="*/ 0 h 7702589"/>
+              <a:gd name="connsiteX1" fmla="*/ 15503112 w 26576764"/>
+              <a:gd name="connsiteY1" fmla="*/ 0 h 7702589"/>
+              <a:gd name="connsiteX2" fmla="*/ 15503112 w 26576764"/>
+              <a:gd name="connsiteY2" fmla="*/ 0 h 7702589"/>
+              <a:gd name="connsiteX3" fmla="*/ 22147303 w 26576764"/>
+              <a:gd name="connsiteY3" fmla="*/ 0 h 7702589"/>
+              <a:gd name="connsiteX4" fmla="*/ 26576764 w 26576764"/>
+              <a:gd name="connsiteY4" fmla="*/ 0 h 7702589"/>
+              <a:gd name="connsiteX5" fmla="*/ 26576764 w 26576764"/>
+              <a:gd name="connsiteY5" fmla="*/ 3778446 h 7702589"/>
+              <a:gd name="connsiteX6" fmla="*/ 26576764 w 26576764"/>
+              <a:gd name="connsiteY6" fmla="*/ 3778446 h 7702589"/>
+              <a:gd name="connsiteX7" fmla="*/ 26576764 w 26576764"/>
+              <a:gd name="connsiteY7" fmla="*/ 5397780 h 7702589"/>
+              <a:gd name="connsiteX8" fmla="*/ 26576764 w 26576764"/>
+              <a:gd name="connsiteY8" fmla="*/ 6477336 h 7702589"/>
+              <a:gd name="connsiteX9" fmla="*/ 14167086 w 26576764"/>
+              <a:gd name="connsiteY9" fmla="*/ 6560463 h 7702589"/>
+              <a:gd name="connsiteX10" fmla="*/ 13321337 w 26576764"/>
+              <a:gd name="connsiteY10" fmla="*/ 7702589 h 7702589"/>
+              <a:gd name="connsiteX11" fmla="*/ 12385839 w 26576764"/>
+              <a:gd name="connsiteY11" fmla="*/ 6477336 h 7702589"/>
+              <a:gd name="connsiteX12" fmla="*/ 0 w 26576764"/>
+              <a:gd name="connsiteY12" fmla="*/ 6477336 h 7702589"/>
+              <a:gd name="connsiteX13" fmla="*/ 0 w 26576764"/>
+              <a:gd name="connsiteY13" fmla="*/ 5397780 h 7702589"/>
+              <a:gd name="connsiteX14" fmla="*/ 0 w 26576764"/>
+              <a:gd name="connsiteY14" fmla="*/ 3778446 h 7702589"/>
+              <a:gd name="connsiteX15" fmla="*/ 0 w 26576764"/>
+              <a:gd name="connsiteY15" fmla="*/ 3778446 h 7702589"/>
+              <a:gd name="connsiteX16" fmla="*/ 0 w 26576764"/>
+              <a:gd name="connsiteY16" fmla="*/ 0 h 7702589"/>
+              <a:gd name="connsiteX0" fmla="*/ 0 w 26576764"/>
+              <a:gd name="connsiteY0" fmla="*/ 0 h 7702589"/>
+              <a:gd name="connsiteX1" fmla="*/ 15503112 w 26576764"/>
+              <a:gd name="connsiteY1" fmla="*/ 0 h 7702589"/>
+              <a:gd name="connsiteX2" fmla="*/ 15503112 w 26576764"/>
+              <a:gd name="connsiteY2" fmla="*/ 0 h 7702589"/>
+              <a:gd name="connsiteX3" fmla="*/ 22147303 w 26576764"/>
+              <a:gd name="connsiteY3" fmla="*/ 0 h 7702589"/>
+              <a:gd name="connsiteX4" fmla="*/ 26576764 w 26576764"/>
+              <a:gd name="connsiteY4" fmla="*/ 0 h 7702589"/>
+              <a:gd name="connsiteX5" fmla="*/ 26576764 w 26576764"/>
+              <a:gd name="connsiteY5" fmla="*/ 3778446 h 7702589"/>
+              <a:gd name="connsiteX6" fmla="*/ 26576764 w 26576764"/>
+              <a:gd name="connsiteY6" fmla="*/ 3778446 h 7702589"/>
+              <a:gd name="connsiteX7" fmla="*/ 26576764 w 26576764"/>
+              <a:gd name="connsiteY7" fmla="*/ 5397780 h 7702589"/>
+              <a:gd name="connsiteX8" fmla="*/ 26576764 w 26576764"/>
+              <a:gd name="connsiteY8" fmla="*/ 6477336 h 7702589"/>
+              <a:gd name="connsiteX9" fmla="*/ 14167086 w 26576764"/>
+              <a:gd name="connsiteY9" fmla="*/ 6518900 h 7702589"/>
+              <a:gd name="connsiteX10" fmla="*/ 13321337 w 26576764"/>
+              <a:gd name="connsiteY10" fmla="*/ 7702589 h 7702589"/>
+              <a:gd name="connsiteX11" fmla="*/ 12385839 w 26576764"/>
+              <a:gd name="connsiteY11" fmla="*/ 6477336 h 7702589"/>
+              <a:gd name="connsiteX12" fmla="*/ 0 w 26576764"/>
+              <a:gd name="connsiteY12" fmla="*/ 6477336 h 7702589"/>
+              <a:gd name="connsiteX13" fmla="*/ 0 w 26576764"/>
+              <a:gd name="connsiteY13" fmla="*/ 5397780 h 7702589"/>
+              <a:gd name="connsiteX14" fmla="*/ 0 w 26576764"/>
+              <a:gd name="connsiteY14" fmla="*/ 3778446 h 7702589"/>
+              <a:gd name="connsiteX15" fmla="*/ 0 w 26576764"/>
+              <a:gd name="connsiteY15" fmla="*/ 3778446 h 7702589"/>
+              <a:gd name="connsiteX16" fmla="*/ 0 w 26576764"/>
+              <a:gd name="connsiteY16" fmla="*/ 0 h 7702589"/>
+              <a:gd name="connsiteX0" fmla="*/ 0 w 26576764"/>
+              <a:gd name="connsiteY0" fmla="*/ 0 h 9531389"/>
+              <a:gd name="connsiteX1" fmla="*/ 15503112 w 26576764"/>
+              <a:gd name="connsiteY1" fmla="*/ 0 h 9531389"/>
+              <a:gd name="connsiteX2" fmla="*/ 15503112 w 26576764"/>
+              <a:gd name="connsiteY2" fmla="*/ 0 h 9531389"/>
+              <a:gd name="connsiteX3" fmla="*/ 22147303 w 26576764"/>
+              <a:gd name="connsiteY3" fmla="*/ 0 h 9531389"/>
+              <a:gd name="connsiteX4" fmla="*/ 26576764 w 26576764"/>
+              <a:gd name="connsiteY4" fmla="*/ 0 h 9531389"/>
+              <a:gd name="connsiteX5" fmla="*/ 26576764 w 26576764"/>
+              <a:gd name="connsiteY5" fmla="*/ 3778446 h 9531389"/>
+              <a:gd name="connsiteX6" fmla="*/ 26576764 w 26576764"/>
+              <a:gd name="connsiteY6" fmla="*/ 3778446 h 9531389"/>
+              <a:gd name="connsiteX7" fmla="*/ 26576764 w 26576764"/>
+              <a:gd name="connsiteY7" fmla="*/ 5397780 h 9531389"/>
+              <a:gd name="connsiteX8" fmla="*/ 26576764 w 26576764"/>
+              <a:gd name="connsiteY8" fmla="*/ 6477336 h 9531389"/>
+              <a:gd name="connsiteX9" fmla="*/ 14167086 w 26576764"/>
+              <a:gd name="connsiteY9" fmla="*/ 6518900 h 9531389"/>
+              <a:gd name="connsiteX10" fmla="*/ 13238209 w 26576764"/>
+              <a:gd name="connsiteY10" fmla="*/ 9531389 h 9531389"/>
+              <a:gd name="connsiteX11" fmla="*/ 12385839 w 26576764"/>
+              <a:gd name="connsiteY11" fmla="*/ 6477336 h 9531389"/>
+              <a:gd name="connsiteX12" fmla="*/ 0 w 26576764"/>
+              <a:gd name="connsiteY12" fmla="*/ 6477336 h 9531389"/>
+              <a:gd name="connsiteX13" fmla="*/ 0 w 26576764"/>
+              <a:gd name="connsiteY13" fmla="*/ 5397780 h 9531389"/>
+              <a:gd name="connsiteX14" fmla="*/ 0 w 26576764"/>
+              <a:gd name="connsiteY14" fmla="*/ 3778446 h 9531389"/>
+              <a:gd name="connsiteX15" fmla="*/ 0 w 26576764"/>
+              <a:gd name="connsiteY15" fmla="*/ 3778446 h 9531389"/>
+              <a:gd name="connsiteX16" fmla="*/ 0 w 26576764"/>
+              <a:gd name="connsiteY16" fmla="*/ 0 h 9531389"/>
+              <a:gd name="connsiteX0" fmla="*/ 0 w 26576764"/>
+              <a:gd name="connsiteY0" fmla="*/ 0 h 7948997"/>
+              <a:gd name="connsiteX1" fmla="*/ 15503112 w 26576764"/>
+              <a:gd name="connsiteY1" fmla="*/ 0 h 7948997"/>
+              <a:gd name="connsiteX2" fmla="*/ 15503112 w 26576764"/>
+              <a:gd name="connsiteY2" fmla="*/ 0 h 7948997"/>
+              <a:gd name="connsiteX3" fmla="*/ 22147303 w 26576764"/>
+              <a:gd name="connsiteY3" fmla="*/ 0 h 7948997"/>
+              <a:gd name="connsiteX4" fmla="*/ 26576764 w 26576764"/>
+              <a:gd name="connsiteY4" fmla="*/ 0 h 7948997"/>
+              <a:gd name="connsiteX5" fmla="*/ 26576764 w 26576764"/>
+              <a:gd name="connsiteY5" fmla="*/ 3778446 h 7948997"/>
+              <a:gd name="connsiteX6" fmla="*/ 26576764 w 26576764"/>
+              <a:gd name="connsiteY6" fmla="*/ 3778446 h 7948997"/>
+              <a:gd name="connsiteX7" fmla="*/ 26576764 w 26576764"/>
+              <a:gd name="connsiteY7" fmla="*/ 5397780 h 7948997"/>
+              <a:gd name="connsiteX8" fmla="*/ 26576764 w 26576764"/>
+              <a:gd name="connsiteY8" fmla="*/ 6477336 h 7948997"/>
+              <a:gd name="connsiteX9" fmla="*/ 14167086 w 26576764"/>
+              <a:gd name="connsiteY9" fmla="*/ 6518900 h 7948997"/>
+              <a:gd name="connsiteX10" fmla="*/ 13329649 w 26576764"/>
+              <a:gd name="connsiteY10" fmla="*/ 7948997 h 7948997"/>
+              <a:gd name="connsiteX11" fmla="*/ 12385839 w 26576764"/>
+              <a:gd name="connsiteY11" fmla="*/ 6477336 h 7948997"/>
+              <a:gd name="connsiteX12" fmla="*/ 0 w 26576764"/>
+              <a:gd name="connsiteY12" fmla="*/ 6477336 h 7948997"/>
+              <a:gd name="connsiteX13" fmla="*/ 0 w 26576764"/>
+              <a:gd name="connsiteY13" fmla="*/ 5397780 h 7948997"/>
+              <a:gd name="connsiteX14" fmla="*/ 0 w 26576764"/>
+              <a:gd name="connsiteY14" fmla="*/ 3778446 h 7948997"/>
+              <a:gd name="connsiteX15" fmla="*/ 0 w 26576764"/>
+              <a:gd name="connsiteY15" fmla="*/ 3778446 h 7948997"/>
+              <a:gd name="connsiteX16" fmla="*/ 0 w 26576764"/>
+              <a:gd name="connsiteY16" fmla="*/ 0 h 7948997"/>
+              <a:gd name="connsiteX0" fmla="*/ 0 w 26576764"/>
+              <a:gd name="connsiteY0" fmla="*/ 0 h 7948997"/>
+              <a:gd name="connsiteX1" fmla="*/ 15503112 w 26576764"/>
+              <a:gd name="connsiteY1" fmla="*/ 0 h 7948997"/>
+              <a:gd name="connsiteX2" fmla="*/ 15503112 w 26576764"/>
+              <a:gd name="connsiteY2" fmla="*/ 0 h 7948997"/>
+              <a:gd name="connsiteX3" fmla="*/ 22147303 w 26576764"/>
+              <a:gd name="connsiteY3" fmla="*/ 0 h 7948997"/>
+              <a:gd name="connsiteX4" fmla="*/ 26576764 w 26576764"/>
+              <a:gd name="connsiteY4" fmla="*/ 0 h 7948997"/>
+              <a:gd name="connsiteX5" fmla="*/ 26576764 w 26576764"/>
+              <a:gd name="connsiteY5" fmla="*/ 3778446 h 7948997"/>
+              <a:gd name="connsiteX6" fmla="*/ 26576764 w 26576764"/>
+              <a:gd name="connsiteY6" fmla="*/ 3778446 h 7948997"/>
+              <a:gd name="connsiteX7" fmla="*/ 26576764 w 26576764"/>
+              <a:gd name="connsiteY7" fmla="*/ 5397780 h 7948997"/>
+              <a:gd name="connsiteX8" fmla="*/ 26576764 w 26576764"/>
+              <a:gd name="connsiteY8" fmla="*/ 6477336 h 7948997"/>
+              <a:gd name="connsiteX9" fmla="*/ 14167086 w 26576764"/>
+              <a:gd name="connsiteY9" fmla="*/ 6487720 h 7948997"/>
+              <a:gd name="connsiteX10" fmla="*/ 13329649 w 26576764"/>
+              <a:gd name="connsiteY10" fmla="*/ 7948997 h 7948997"/>
+              <a:gd name="connsiteX11" fmla="*/ 12385839 w 26576764"/>
+              <a:gd name="connsiteY11" fmla="*/ 6477336 h 7948997"/>
+              <a:gd name="connsiteX12" fmla="*/ 0 w 26576764"/>
+              <a:gd name="connsiteY12" fmla="*/ 6477336 h 7948997"/>
+              <a:gd name="connsiteX13" fmla="*/ 0 w 26576764"/>
+              <a:gd name="connsiteY13" fmla="*/ 5397780 h 7948997"/>
+              <a:gd name="connsiteX14" fmla="*/ 0 w 26576764"/>
+              <a:gd name="connsiteY14" fmla="*/ 3778446 h 7948997"/>
+              <a:gd name="connsiteX15" fmla="*/ 0 w 26576764"/>
+              <a:gd name="connsiteY15" fmla="*/ 3778446 h 7948997"/>
+              <a:gd name="connsiteX16" fmla="*/ 0 w 26576764"/>
+              <a:gd name="connsiteY16" fmla="*/ 0 h 7948997"/>
+              <a:gd name="connsiteX0" fmla="*/ 0 w 26576764"/>
+              <a:gd name="connsiteY0" fmla="*/ 0 h 7464721"/>
+              <a:gd name="connsiteX1" fmla="*/ 15503112 w 26576764"/>
+              <a:gd name="connsiteY1" fmla="*/ 0 h 7464721"/>
+              <a:gd name="connsiteX2" fmla="*/ 15503112 w 26576764"/>
+              <a:gd name="connsiteY2" fmla="*/ 0 h 7464721"/>
+              <a:gd name="connsiteX3" fmla="*/ 22147303 w 26576764"/>
+              <a:gd name="connsiteY3" fmla="*/ 0 h 7464721"/>
+              <a:gd name="connsiteX4" fmla="*/ 26576764 w 26576764"/>
+              <a:gd name="connsiteY4" fmla="*/ 0 h 7464721"/>
+              <a:gd name="connsiteX5" fmla="*/ 26576764 w 26576764"/>
+              <a:gd name="connsiteY5" fmla="*/ 3778446 h 7464721"/>
+              <a:gd name="connsiteX6" fmla="*/ 26576764 w 26576764"/>
+              <a:gd name="connsiteY6" fmla="*/ 3778446 h 7464721"/>
+              <a:gd name="connsiteX7" fmla="*/ 26576764 w 26576764"/>
+              <a:gd name="connsiteY7" fmla="*/ 5397780 h 7464721"/>
+              <a:gd name="connsiteX8" fmla="*/ 26576764 w 26576764"/>
+              <a:gd name="connsiteY8" fmla="*/ 6477336 h 7464721"/>
+              <a:gd name="connsiteX9" fmla="*/ 14167086 w 26576764"/>
+              <a:gd name="connsiteY9" fmla="*/ 6487720 h 7464721"/>
+              <a:gd name="connsiteX10" fmla="*/ 13397313 w 26576764"/>
+              <a:gd name="connsiteY10" fmla="*/ 7464721 h 7464721"/>
+              <a:gd name="connsiteX11" fmla="*/ 12385839 w 26576764"/>
+              <a:gd name="connsiteY11" fmla="*/ 6477336 h 7464721"/>
+              <a:gd name="connsiteX12" fmla="*/ 0 w 26576764"/>
+              <a:gd name="connsiteY12" fmla="*/ 6477336 h 7464721"/>
+              <a:gd name="connsiteX13" fmla="*/ 0 w 26576764"/>
+              <a:gd name="connsiteY13" fmla="*/ 5397780 h 7464721"/>
+              <a:gd name="connsiteX14" fmla="*/ 0 w 26576764"/>
+              <a:gd name="connsiteY14" fmla="*/ 3778446 h 7464721"/>
+              <a:gd name="connsiteX15" fmla="*/ 0 w 26576764"/>
+              <a:gd name="connsiteY15" fmla="*/ 3778446 h 7464721"/>
+              <a:gd name="connsiteX16" fmla="*/ 0 w 26576764"/>
+              <a:gd name="connsiteY16" fmla="*/ 0 h 7464721"/>
+              <a:gd name="connsiteX0" fmla="*/ 0 w 26576764"/>
+              <a:gd name="connsiteY0" fmla="*/ 0 h 7464721"/>
+              <a:gd name="connsiteX1" fmla="*/ 15503112 w 26576764"/>
+              <a:gd name="connsiteY1" fmla="*/ 0 h 7464721"/>
+              <a:gd name="connsiteX2" fmla="*/ 15503112 w 26576764"/>
+              <a:gd name="connsiteY2" fmla="*/ 0 h 7464721"/>
+              <a:gd name="connsiteX3" fmla="*/ 22147303 w 26576764"/>
+              <a:gd name="connsiteY3" fmla="*/ 0 h 7464721"/>
+              <a:gd name="connsiteX4" fmla="*/ 26576764 w 26576764"/>
+              <a:gd name="connsiteY4" fmla="*/ 0 h 7464721"/>
+              <a:gd name="connsiteX5" fmla="*/ 26576764 w 26576764"/>
+              <a:gd name="connsiteY5" fmla="*/ 3778446 h 7464721"/>
+              <a:gd name="connsiteX6" fmla="*/ 26576764 w 26576764"/>
+              <a:gd name="connsiteY6" fmla="*/ 3778446 h 7464721"/>
+              <a:gd name="connsiteX7" fmla="*/ 26576764 w 26576764"/>
+              <a:gd name="connsiteY7" fmla="*/ 5397780 h 7464721"/>
+              <a:gd name="connsiteX8" fmla="*/ 26576764 w 26576764"/>
+              <a:gd name="connsiteY8" fmla="*/ 6477336 h 7464721"/>
+              <a:gd name="connsiteX9" fmla="*/ 14167086 w 26576764"/>
+              <a:gd name="connsiteY9" fmla="*/ 6487720 h 7464721"/>
+              <a:gd name="connsiteX10" fmla="*/ 13397313 w 26576764"/>
+              <a:gd name="connsiteY10" fmla="*/ 7464721 h 7464721"/>
+              <a:gd name="connsiteX11" fmla="*/ 12825655 w 26576764"/>
+              <a:gd name="connsiteY11" fmla="*/ 6477336 h 7464721"/>
+              <a:gd name="connsiteX12" fmla="*/ 0 w 26576764"/>
+              <a:gd name="connsiteY12" fmla="*/ 6477336 h 7464721"/>
+              <a:gd name="connsiteX13" fmla="*/ 0 w 26576764"/>
+              <a:gd name="connsiteY13" fmla="*/ 5397780 h 7464721"/>
+              <a:gd name="connsiteX14" fmla="*/ 0 w 26576764"/>
+              <a:gd name="connsiteY14" fmla="*/ 3778446 h 7464721"/>
+              <a:gd name="connsiteX15" fmla="*/ 0 w 26576764"/>
+              <a:gd name="connsiteY15" fmla="*/ 3778446 h 7464721"/>
+              <a:gd name="connsiteX16" fmla="*/ 0 w 26576764"/>
+              <a:gd name="connsiteY16" fmla="*/ 0 h 7464721"/>
+              <a:gd name="connsiteX0" fmla="*/ 0 w 26576764"/>
+              <a:gd name="connsiteY0" fmla="*/ 0 h 7464721"/>
+              <a:gd name="connsiteX1" fmla="*/ 15503112 w 26576764"/>
+              <a:gd name="connsiteY1" fmla="*/ 0 h 7464721"/>
+              <a:gd name="connsiteX2" fmla="*/ 15503112 w 26576764"/>
+              <a:gd name="connsiteY2" fmla="*/ 0 h 7464721"/>
+              <a:gd name="connsiteX3" fmla="*/ 22147303 w 26576764"/>
+              <a:gd name="connsiteY3" fmla="*/ 0 h 7464721"/>
+              <a:gd name="connsiteX4" fmla="*/ 26576764 w 26576764"/>
+              <a:gd name="connsiteY4" fmla="*/ 0 h 7464721"/>
+              <a:gd name="connsiteX5" fmla="*/ 26576764 w 26576764"/>
+              <a:gd name="connsiteY5" fmla="*/ 3778446 h 7464721"/>
+              <a:gd name="connsiteX6" fmla="*/ 26576764 w 26576764"/>
+              <a:gd name="connsiteY6" fmla="*/ 3778446 h 7464721"/>
+              <a:gd name="connsiteX7" fmla="*/ 26576764 w 26576764"/>
+              <a:gd name="connsiteY7" fmla="*/ 5397780 h 7464721"/>
+              <a:gd name="connsiteX8" fmla="*/ 26576764 w 26576764"/>
+              <a:gd name="connsiteY8" fmla="*/ 6477336 h 7464721"/>
+              <a:gd name="connsiteX9" fmla="*/ 14167086 w 26576764"/>
+              <a:gd name="connsiteY9" fmla="*/ 6487720 h 7464721"/>
+              <a:gd name="connsiteX10" fmla="*/ 13397313 w 26576764"/>
+              <a:gd name="connsiteY10" fmla="*/ 7464721 h 7464721"/>
+              <a:gd name="connsiteX11" fmla="*/ 12690327 w 26576764"/>
+              <a:gd name="connsiteY11" fmla="*/ 6448849 h 7464721"/>
+              <a:gd name="connsiteX12" fmla="*/ 0 w 26576764"/>
+              <a:gd name="connsiteY12" fmla="*/ 6477336 h 7464721"/>
+              <a:gd name="connsiteX13" fmla="*/ 0 w 26576764"/>
+              <a:gd name="connsiteY13" fmla="*/ 5397780 h 7464721"/>
+              <a:gd name="connsiteX14" fmla="*/ 0 w 26576764"/>
+              <a:gd name="connsiteY14" fmla="*/ 3778446 h 7464721"/>
+              <a:gd name="connsiteX15" fmla="*/ 0 w 26576764"/>
+              <a:gd name="connsiteY15" fmla="*/ 3778446 h 7464721"/>
+              <a:gd name="connsiteX16" fmla="*/ 0 w 26576764"/>
+              <a:gd name="connsiteY16" fmla="*/ 0 h 7464721"/>
+              <a:gd name="connsiteX0" fmla="*/ 0 w 26576764"/>
+              <a:gd name="connsiteY0" fmla="*/ 0 h 7099885"/>
+              <a:gd name="connsiteX1" fmla="*/ 15503112 w 26576764"/>
+              <a:gd name="connsiteY1" fmla="*/ 0 h 7099885"/>
+              <a:gd name="connsiteX2" fmla="*/ 15503112 w 26576764"/>
+              <a:gd name="connsiteY2" fmla="*/ 0 h 7099885"/>
+              <a:gd name="connsiteX3" fmla="*/ 22147303 w 26576764"/>
+              <a:gd name="connsiteY3" fmla="*/ 0 h 7099885"/>
+              <a:gd name="connsiteX4" fmla="*/ 26576764 w 26576764"/>
+              <a:gd name="connsiteY4" fmla="*/ 0 h 7099885"/>
+              <a:gd name="connsiteX5" fmla="*/ 26576764 w 26576764"/>
+              <a:gd name="connsiteY5" fmla="*/ 3778446 h 7099885"/>
+              <a:gd name="connsiteX6" fmla="*/ 26576764 w 26576764"/>
+              <a:gd name="connsiteY6" fmla="*/ 3778446 h 7099885"/>
+              <a:gd name="connsiteX7" fmla="*/ 26576764 w 26576764"/>
+              <a:gd name="connsiteY7" fmla="*/ 5397780 h 7099885"/>
+              <a:gd name="connsiteX8" fmla="*/ 26576764 w 26576764"/>
+              <a:gd name="connsiteY8" fmla="*/ 6477336 h 7099885"/>
+              <a:gd name="connsiteX9" fmla="*/ 14167086 w 26576764"/>
+              <a:gd name="connsiteY9" fmla="*/ 6487720 h 7099885"/>
+              <a:gd name="connsiteX10" fmla="*/ 13397313 w 26576764"/>
+              <a:gd name="connsiteY10" fmla="*/ 7099885 h 7099885"/>
+              <a:gd name="connsiteX11" fmla="*/ 12690327 w 26576764"/>
+              <a:gd name="connsiteY11" fmla="*/ 6448849 h 7099885"/>
+              <a:gd name="connsiteX12" fmla="*/ 0 w 26576764"/>
+              <a:gd name="connsiteY12" fmla="*/ 6477336 h 7099885"/>
+              <a:gd name="connsiteX13" fmla="*/ 0 w 26576764"/>
+              <a:gd name="connsiteY13" fmla="*/ 5397780 h 7099885"/>
+              <a:gd name="connsiteX14" fmla="*/ 0 w 26576764"/>
+              <a:gd name="connsiteY14" fmla="*/ 3778446 h 7099885"/>
+              <a:gd name="connsiteX15" fmla="*/ 0 w 26576764"/>
+              <a:gd name="connsiteY15" fmla="*/ 3778446 h 7099885"/>
+              <a:gd name="connsiteX16" fmla="*/ 0 w 26576764"/>
+              <a:gd name="connsiteY16" fmla="*/ 0 h 7099885"/>
+              <a:gd name="connsiteX0" fmla="*/ 0 w 26576764"/>
+              <a:gd name="connsiteY0" fmla="*/ 0 h 7099885"/>
+              <a:gd name="connsiteX1" fmla="*/ 15503112 w 26576764"/>
+              <a:gd name="connsiteY1" fmla="*/ 0 h 7099885"/>
+              <a:gd name="connsiteX2" fmla="*/ 15503112 w 26576764"/>
+              <a:gd name="connsiteY2" fmla="*/ 0 h 7099885"/>
+              <a:gd name="connsiteX3" fmla="*/ 22147303 w 26576764"/>
+              <a:gd name="connsiteY3" fmla="*/ 0 h 7099885"/>
+              <a:gd name="connsiteX4" fmla="*/ 26576764 w 26576764"/>
+              <a:gd name="connsiteY4" fmla="*/ 0 h 7099885"/>
+              <a:gd name="connsiteX5" fmla="*/ 26576764 w 26576764"/>
+              <a:gd name="connsiteY5" fmla="*/ 3778446 h 7099885"/>
+              <a:gd name="connsiteX6" fmla="*/ 26576764 w 26576764"/>
+              <a:gd name="connsiteY6" fmla="*/ 3778446 h 7099885"/>
+              <a:gd name="connsiteX7" fmla="*/ 26576764 w 26576764"/>
+              <a:gd name="connsiteY7" fmla="*/ 5397780 h 7099885"/>
+              <a:gd name="connsiteX8" fmla="*/ 26576764 w 26576764"/>
+              <a:gd name="connsiteY8" fmla="*/ 6477336 h 7099885"/>
+              <a:gd name="connsiteX9" fmla="*/ 14167086 w 26576764"/>
+              <a:gd name="connsiteY9" fmla="*/ 6487720 h 7099885"/>
+              <a:gd name="connsiteX10" fmla="*/ 13397313 w 26576764"/>
+              <a:gd name="connsiteY10" fmla="*/ 7099885 h 7099885"/>
+              <a:gd name="connsiteX11" fmla="*/ 12077197 w 26576764"/>
+              <a:gd name="connsiteY11" fmla="*/ 6466957 h 7099885"/>
+              <a:gd name="connsiteX12" fmla="*/ 0 w 26576764"/>
+              <a:gd name="connsiteY12" fmla="*/ 6477336 h 7099885"/>
+              <a:gd name="connsiteX13" fmla="*/ 0 w 26576764"/>
+              <a:gd name="connsiteY13" fmla="*/ 5397780 h 7099885"/>
+              <a:gd name="connsiteX14" fmla="*/ 0 w 26576764"/>
+              <a:gd name="connsiteY14" fmla="*/ 3778446 h 7099885"/>
+              <a:gd name="connsiteX15" fmla="*/ 0 w 26576764"/>
+              <a:gd name="connsiteY15" fmla="*/ 3778446 h 7099885"/>
+              <a:gd name="connsiteX16" fmla="*/ 0 w 26576764"/>
+              <a:gd name="connsiteY16" fmla="*/ 0 h 7099885"/>
+              <a:gd name="connsiteX0" fmla="*/ 0 w 26576764"/>
+              <a:gd name="connsiteY0" fmla="*/ 0 h 7099885"/>
+              <a:gd name="connsiteX1" fmla="*/ 15503112 w 26576764"/>
+              <a:gd name="connsiteY1" fmla="*/ 0 h 7099885"/>
+              <a:gd name="connsiteX2" fmla="*/ 15503112 w 26576764"/>
+              <a:gd name="connsiteY2" fmla="*/ 0 h 7099885"/>
+              <a:gd name="connsiteX3" fmla="*/ 22147303 w 26576764"/>
+              <a:gd name="connsiteY3" fmla="*/ 0 h 7099885"/>
+              <a:gd name="connsiteX4" fmla="*/ 26576764 w 26576764"/>
+              <a:gd name="connsiteY4" fmla="*/ 0 h 7099885"/>
+              <a:gd name="connsiteX5" fmla="*/ 26576764 w 26576764"/>
+              <a:gd name="connsiteY5" fmla="*/ 3778446 h 7099885"/>
+              <a:gd name="connsiteX6" fmla="*/ 26576764 w 26576764"/>
+              <a:gd name="connsiteY6" fmla="*/ 3778446 h 7099885"/>
+              <a:gd name="connsiteX7" fmla="*/ 26576764 w 26576764"/>
+              <a:gd name="connsiteY7" fmla="*/ 5397780 h 7099885"/>
+              <a:gd name="connsiteX8" fmla="*/ 26576764 w 26576764"/>
+              <a:gd name="connsiteY8" fmla="*/ 6477336 h 7099885"/>
+              <a:gd name="connsiteX9" fmla="*/ 13553955 w 26576764"/>
+              <a:gd name="connsiteY9" fmla="*/ 6487720 h 7099885"/>
+              <a:gd name="connsiteX10" fmla="*/ 13397313 w 26576764"/>
+              <a:gd name="connsiteY10" fmla="*/ 7099885 h 7099885"/>
+              <a:gd name="connsiteX11" fmla="*/ 12077197 w 26576764"/>
+              <a:gd name="connsiteY11" fmla="*/ 6466957 h 7099885"/>
+              <a:gd name="connsiteX12" fmla="*/ 0 w 26576764"/>
+              <a:gd name="connsiteY12" fmla="*/ 6477336 h 7099885"/>
+              <a:gd name="connsiteX13" fmla="*/ 0 w 26576764"/>
+              <a:gd name="connsiteY13" fmla="*/ 5397780 h 7099885"/>
+              <a:gd name="connsiteX14" fmla="*/ 0 w 26576764"/>
+              <a:gd name="connsiteY14" fmla="*/ 3778446 h 7099885"/>
+              <a:gd name="connsiteX15" fmla="*/ 0 w 26576764"/>
+              <a:gd name="connsiteY15" fmla="*/ 3778446 h 7099885"/>
+              <a:gd name="connsiteX16" fmla="*/ 0 w 26576764"/>
+              <a:gd name="connsiteY16" fmla="*/ 0 h 7099885"/>
+              <a:gd name="connsiteX0" fmla="*/ 0 w 26576764"/>
+              <a:gd name="connsiteY0" fmla="*/ 0 h 7190428"/>
+              <a:gd name="connsiteX1" fmla="*/ 15503112 w 26576764"/>
+              <a:gd name="connsiteY1" fmla="*/ 0 h 7190428"/>
+              <a:gd name="connsiteX2" fmla="*/ 15503112 w 26576764"/>
+              <a:gd name="connsiteY2" fmla="*/ 0 h 7190428"/>
+              <a:gd name="connsiteX3" fmla="*/ 22147303 w 26576764"/>
+              <a:gd name="connsiteY3" fmla="*/ 0 h 7190428"/>
+              <a:gd name="connsiteX4" fmla="*/ 26576764 w 26576764"/>
+              <a:gd name="connsiteY4" fmla="*/ 0 h 7190428"/>
+              <a:gd name="connsiteX5" fmla="*/ 26576764 w 26576764"/>
+              <a:gd name="connsiteY5" fmla="*/ 3778446 h 7190428"/>
+              <a:gd name="connsiteX6" fmla="*/ 26576764 w 26576764"/>
+              <a:gd name="connsiteY6" fmla="*/ 3778446 h 7190428"/>
+              <a:gd name="connsiteX7" fmla="*/ 26576764 w 26576764"/>
+              <a:gd name="connsiteY7" fmla="*/ 5397780 h 7190428"/>
+              <a:gd name="connsiteX8" fmla="*/ 26576764 w 26576764"/>
+              <a:gd name="connsiteY8" fmla="*/ 6477336 h 7190428"/>
+              <a:gd name="connsiteX9" fmla="*/ 13553955 w 26576764"/>
+              <a:gd name="connsiteY9" fmla="*/ 6487720 h 7190428"/>
+              <a:gd name="connsiteX10" fmla="*/ 13124811 w 26576764"/>
+              <a:gd name="connsiteY10" fmla="*/ 7190428 h 7190428"/>
+              <a:gd name="connsiteX11" fmla="*/ 12077197 w 26576764"/>
+              <a:gd name="connsiteY11" fmla="*/ 6466957 h 7190428"/>
+              <a:gd name="connsiteX12" fmla="*/ 0 w 26576764"/>
+              <a:gd name="connsiteY12" fmla="*/ 6477336 h 7190428"/>
+              <a:gd name="connsiteX13" fmla="*/ 0 w 26576764"/>
+              <a:gd name="connsiteY13" fmla="*/ 5397780 h 7190428"/>
+              <a:gd name="connsiteX14" fmla="*/ 0 w 26576764"/>
+              <a:gd name="connsiteY14" fmla="*/ 3778446 h 7190428"/>
+              <a:gd name="connsiteX15" fmla="*/ 0 w 26576764"/>
+              <a:gd name="connsiteY15" fmla="*/ 3778446 h 7190428"/>
+              <a:gd name="connsiteX16" fmla="*/ 0 w 26576764"/>
+              <a:gd name="connsiteY16" fmla="*/ 0 h 7190428"/>
+              <a:gd name="connsiteX0" fmla="*/ 0 w 26576764"/>
+              <a:gd name="connsiteY0" fmla="*/ 0 h 7190428"/>
+              <a:gd name="connsiteX1" fmla="*/ 15503112 w 26576764"/>
+              <a:gd name="connsiteY1" fmla="*/ 0 h 7190428"/>
+              <a:gd name="connsiteX2" fmla="*/ 15503112 w 26576764"/>
+              <a:gd name="connsiteY2" fmla="*/ 0 h 7190428"/>
+              <a:gd name="connsiteX3" fmla="*/ 22147303 w 26576764"/>
+              <a:gd name="connsiteY3" fmla="*/ 0 h 7190428"/>
+              <a:gd name="connsiteX4" fmla="*/ 26576764 w 26576764"/>
+              <a:gd name="connsiteY4" fmla="*/ 0 h 7190428"/>
+              <a:gd name="connsiteX5" fmla="*/ 26576764 w 26576764"/>
+              <a:gd name="connsiteY5" fmla="*/ 3778446 h 7190428"/>
+              <a:gd name="connsiteX6" fmla="*/ 26576764 w 26576764"/>
+              <a:gd name="connsiteY6" fmla="*/ 3778446 h 7190428"/>
+              <a:gd name="connsiteX7" fmla="*/ 26576764 w 26576764"/>
+              <a:gd name="connsiteY7" fmla="*/ 5397780 h 7190428"/>
+              <a:gd name="connsiteX8" fmla="*/ 26576764 w 26576764"/>
+              <a:gd name="connsiteY8" fmla="*/ 6477336 h 7190428"/>
+              <a:gd name="connsiteX9" fmla="*/ 13553955 w 26576764"/>
+              <a:gd name="connsiteY9" fmla="*/ 6487720 h 7190428"/>
+              <a:gd name="connsiteX10" fmla="*/ 13124811 w 26576764"/>
+              <a:gd name="connsiteY10" fmla="*/ 7190428 h 7190428"/>
+              <a:gd name="connsiteX11" fmla="*/ 12315637 w 26576764"/>
+              <a:gd name="connsiteY11" fmla="*/ 6466957 h 7190428"/>
+              <a:gd name="connsiteX12" fmla="*/ 0 w 26576764"/>
+              <a:gd name="connsiteY12" fmla="*/ 6477336 h 7190428"/>
+              <a:gd name="connsiteX13" fmla="*/ 0 w 26576764"/>
+              <a:gd name="connsiteY13" fmla="*/ 5397780 h 7190428"/>
+              <a:gd name="connsiteX14" fmla="*/ 0 w 26576764"/>
+              <a:gd name="connsiteY14" fmla="*/ 3778446 h 7190428"/>
+              <a:gd name="connsiteX15" fmla="*/ 0 w 26576764"/>
+              <a:gd name="connsiteY15" fmla="*/ 3778446 h 7190428"/>
+              <a:gd name="connsiteX16" fmla="*/ 0 w 26576764"/>
+              <a:gd name="connsiteY16" fmla="*/ 0 h 7190428"/>
+              <a:gd name="connsiteX0" fmla="*/ 0 w 26576764"/>
+              <a:gd name="connsiteY0" fmla="*/ 0 h 7190428"/>
+              <a:gd name="connsiteX1" fmla="*/ 15503112 w 26576764"/>
+              <a:gd name="connsiteY1" fmla="*/ 0 h 7190428"/>
+              <a:gd name="connsiteX2" fmla="*/ 15503112 w 26576764"/>
+              <a:gd name="connsiteY2" fmla="*/ 0 h 7190428"/>
+              <a:gd name="connsiteX3" fmla="*/ 22147303 w 26576764"/>
+              <a:gd name="connsiteY3" fmla="*/ 0 h 7190428"/>
+              <a:gd name="connsiteX4" fmla="*/ 26576764 w 26576764"/>
+              <a:gd name="connsiteY4" fmla="*/ 0 h 7190428"/>
+              <a:gd name="connsiteX5" fmla="*/ 26576764 w 26576764"/>
+              <a:gd name="connsiteY5" fmla="*/ 3778446 h 7190428"/>
+              <a:gd name="connsiteX6" fmla="*/ 26576764 w 26576764"/>
+              <a:gd name="connsiteY6" fmla="*/ 3778446 h 7190428"/>
+              <a:gd name="connsiteX7" fmla="*/ 26576764 w 26576764"/>
+              <a:gd name="connsiteY7" fmla="*/ 5397780 h 7190428"/>
+              <a:gd name="connsiteX8" fmla="*/ 26576764 w 26576764"/>
+              <a:gd name="connsiteY8" fmla="*/ 6477336 h 7190428"/>
+              <a:gd name="connsiteX9" fmla="*/ 13553955 w 26576764"/>
+              <a:gd name="connsiteY9" fmla="*/ 6487720 h 7190428"/>
+              <a:gd name="connsiteX10" fmla="*/ 13124811 w 26576764"/>
+              <a:gd name="connsiteY10" fmla="*/ 7190428 h 7190428"/>
+              <a:gd name="connsiteX11" fmla="*/ 12485951 w 26576764"/>
+              <a:gd name="connsiteY11" fmla="*/ 6466957 h 7190428"/>
+              <a:gd name="connsiteX12" fmla="*/ 0 w 26576764"/>
+              <a:gd name="connsiteY12" fmla="*/ 6477336 h 7190428"/>
+              <a:gd name="connsiteX13" fmla="*/ 0 w 26576764"/>
+              <a:gd name="connsiteY13" fmla="*/ 5397780 h 7190428"/>
+              <a:gd name="connsiteX14" fmla="*/ 0 w 26576764"/>
+              <a:gd name="connsiteY14" fmla="*/ 3778446 h 7190428"/>
+              <a:gd name="connsiteX15" fmla="*/ 0 w 26576764"/>
+              <a:gd name="connsiteY15" fmla="*/ 3778446 h 7190428"/>
+              <a:gd name="connsiteX16" fmla="*/ 0 w 26576764"/>
+              <a:gd name="connsiteY16" fmla="*/ 0 h 7190428"/>
+              <a:gd name="connsiteX0" fmla="*/ 0 w 26576764"/>
+              <a:gd name="connsiteY0" fmla="*/ 0 h 7190428"/>
+              <a:gd name="connsiteX1" fmla="*/ 15503112 w 26576764"/>
+              <a:gd name="connsiteY1" fmla="*/ 0 h 7190428"/>
+              <a:gd name="connsiteX2" fmla="*/ 15503112 w 26576764"/>
+              <a:gd name="connsiteY2" fmla="*/ 0 h 7190428"/>
+              <a:gd name="connsiteX3" fmla="*/ 22147303 w 26576764"/>
+              <a:gd name="connsiteY3" fmla="*/ 0 h 7190428"/>
+              <a:gd name="connsiteX4" fmla="*/ 26576764 w 26576764"/>
+              <a:gd name="connsiteY4" fmla="*/ 0 h 7190428"/>
+              <a:gd name="connsiteX5" fmla="*/ 26576764 w 26576764"/>
+              <a:gd name="connsiteY5" fmla="*/ 3778446 h 7190428"/>
+              <a:gd name="connsiteX6" fmla="*/ 26576764 w 26576764"/>
+              <a:gd name="connsiteY6" fmla="*/ 3778446 h 7190428"/>
+              <a:gd name="connsiteX7" fmla="*/ 26576764 w 26576764"/>
+              <a:gd name="connsiteY7" fmla="*/ 5397780 h 7190428"/>
+              <a:gd name="connsiteX8" fmla="*/ 26576764 w 26576764"/>
+              <a:gd name="connsiteY8" fmla="*/ 6477336 h 7190428"/>
+              <a:gd name="connsiteX9" fmla="*/ 13553955 w 26576764"/>
+              <a:gd name="connsiteY9" fmla="*/ 6487720 h 7190428"/>
+              <a:gd name="connsiteX10" fmla="*/ 13124811 w 26576764"/>
+              <a:gd name="connsiteY10" fmla="*/ 7190428 h 7190428"/>
+              <a:gd name="connsiteX11" fmla="*/ 12758453 w 26576764"/>
+              <a:gd name="connsiteY11" fmla="*/ 6466957 h 7190428"/>
+              <a:gd name="connsiteX12" fmla="*/ 0 w 26576764"/>
+              <a:gd name="connsiteY12" fmla="*/ 6477336 h 7190428"/>
+              <a:gd name="connsiteX13" fmla="*/ 0 w 26576764"/>
+              <a:gd name="connsiteY13" fmla="*/ 5397780 h 7190428"/>
+              <a:gd name="connsiteX14" fmla="*/ 0 w 26576764"/>
+              <a:gd name="connsiteY14" fmla="*/ 3778446 h 7190428"/>
+              <a:gd name="connsiteX15" fmla="*/ 0 w 26576764"/>
+              <a:gd name="connsiteY15" fmla="*/ 3778446 h 7190428"/>
+              <a:gd name="connsiteX16" fmla="*/ 0 w 26576764"/>
+              <a:gd name="connsiteY16" fmla="*/ 0 h 7190428"/>
+              <a:gd name="connsiteX0" fmla="*/ 0 w 26576764"/>
+              <a:gd name="connsiteY0" fmla="*/ 0 h 7190428"/>
+              <a:gd name="connsiteX1" fmla="*/ 15503112 w 26576764"/>
+              <a:gd name="connsiteY1" fmla="*/ 0 h 7190428"/>
+              <a:gd name="connsiteX2" fmla="*/ 15503112 w 26576764"/>
+              <a:gd name="connsiteY2" fmla="*/ 0 h 7190428"/>
+              <a:gd name="connsiteX3" fmla="*/ 22147303 w 26576764"/>
+              <a:gd name="connsiteY3" fmla="*/ 0 h 7190428"/>
+              <a:gd name="connsiteX4" fmla="*/ 26576764 w 26576764"/>
+              <a:gd name="connsiteY4" fmla="*/ 0 h 7190428"/>
+              <a:gd name="connsiteX5" fmla="*/ 26576764 w 26576764"/>
+              <a:gd name="connsiteY5" fmla="*/ 3778446 h 7190428"/>
+              <a:gd name="connsiteX6" fmla="*/ 26576764 w 26576764"/>
+              <a:gd name="connsiteY6" fmla="*/ 3778446 h 7190428"/>
+              <a:gd name="connsiteX7" fmla="*/ 26576764 w 26576764"/>
+              <a:gd name="connsiteY7" fmla="*/ 5397780 h 7190428"/>
+              <a:gd name="connsiteX8" fmla="*/ 26576764 w 26576764"/>
+              <a:gd name="connsiteY8" fmla="*/ 6477336 h 7190428"/>
+              <a:gd name="connsiteX9" fmla="*/ 13553955 w 26576764"/>
+              <a:gd name="connsiteY9" fmla="*/ 6487720 h 7190428"/>
+              <a:gd name="connsiteX10" fmla="*/ 13124811 w 26576764"/>
+              <a:gd name="connsiteY10" fmla="*/ 7190428 h 7190428"/>
+              <a:gd name="connsiteX11" fmla="*/ 12554076 w 26576764"/>
+              <a:gd name="connsiteY11" fmla="*/ 6448848 h 7190428"/>
+              <a:gd name="connsiteX12" fmla="*/ 0 w 26576764"/>
+              <a:gd name="connsiteY12" fmla="*/ 6477336 h 7190428"/>
+              <a:gd name="connsiteX13" fmla="*/ 0 w 26576764"/>
+              <a:gd name="connsiteY13" fmla="*/ 5397780 h 7190428"/>
+              <a:gd name="connsiteX14" fmla="*/ 0 w 26576764"/>
+              <a:gd name="connsiteY14" fmla="*/ 3778446 h 7190428"/>
+              <a:gd name="connsiteX15" fmla="*/ 0 w 26576764"/>
+              <a:gd name="connsiteY15" fmla="*/ 3778446 h 7190428"/>
+              <a:gd name="connsiteX16" fmla="*/ 0 w 26576764"/>
+              <a:gd name="connsiteY16" fmla="*/ 0 h 7190428"/>
+              <a:gd name="connsiteX0" fmla="*/ 0 w 26576764"/>
+              <a:gd name="connsiteY0" fmla="*/ 0 h 7190428"/>
+              <a:gd name="connsiteX1" fmla="*/ 15503112 w 26576764"/>
+              <a:gd name="connsiteY1" fmla="*/ 0 h 7190428"/>
+              <a:gd name="connsiteX2" fmla="*/ 15503112 w 26576764"/>
+              <a:gd name="connsiteY2" fmla="*/ 0 h 7190428"/>
+              <a:gd name="connsiteX3" fmla="*/ 22147303 w 26576764"/>
+              <a:gd name="connsiteY3" fmla="*/ 0 h 7190428"/>
+              <a:gd name="connsiteX4" fmla="*/ 26576764 w 26576764"/>
+              <a:gd name="connsiteY4" fmla="*/ 0 h 7190428"/>
+              <a:gd name="connsiteX5" fmla="*/ 26576764 w 26576764"/>
+              <a:gd name="connsiteY5" fmla="*/ 3778446 h 7190428"/>
+              <a:gd name="connsiteX6" fmla="*/ 26576764 w 26576764"/>
+              <a:gd name="connsiteY6" fmla="*/ 3778446 h 7190428"/>
+              <a:gd name="connsiteX7" fmla="*/ 26576764 w 26576764"/>
+              <a:gd name="connsiteY7" fmla="*/ 5397780 h 7190428"/>
+              <a:gd name="connsiteX8" fmla="*/ 26576764 w 26576764"/>
+              <a:gd name="connsiteY8" fmla="*/ 6477336 h 7190428"/>
+              <a:gd name="connsiteX9" fmla="*/ 13553955 w 26576764"/>
+              <a:gd name="connsiteY9" fmla="*/ 6487720 h 7190428"/>
+              <a:gd name="connsiteX10" fmla="*/ 13124811 w 26576764"/>
+              <a:gd name="connsiteY10" fmla="*/ 7190428 h 7190428"/>
+              <a:gd name="connsiteX11" fmla="*/ 12588138 w 26576764"/>
+              <a:gd name="connsiteY11" fmla="*/ 6485065 h 7190428"/>
+              <a:gd name="connsiteX12" fmla="*/ 0 w 26576764"/>
+              <a:gd name="connsiteY12" fmla="*/ 6477336 h 7190428"/>
+              <a:gd name="connsiteX13" fmla="*/ 0 w 26576764"/>
+              <a:gd name="connsiteY13" fmla="*/ 5397780 h 7190428"/>
+              <a:gd name="connsiteX14" fmla="*/ 0 w 26576764"/>
+              <a:gd name="connsiteY14" fmla="*/ 3778446 h 7190428"/>
+              <a:gd name="connsiteX15" fmla="*/ 0 w 26576764"/>
+              <a:gd name="connsiteY15" fmla="*/ 3778446 h 7190428"/>
+              <a:gd name="connsiteX16" fmla="*/ 0 w 26576764"/>
+              <a:gd name="connsiteY16" fmla="*/ 0 h 7190428"/>
+            </a:gdLst>
+            <a:ahLst/>
+            <a:cxnLst>
+              <a:cxn ang="0">
+                <a:pos x="connsiteX0" y="connsiteY0"/>
+              </a:cxn>
+              <a:cxn ang="0">
+                <a:pos x="connsiteX1" y="connsiteY1"/>
+              </a:cxn>
+              <a:cxn ang="0">
+                <a:pos x="connsiteX2" y="connsiteY2"/>
+              </a:cxn>
+              <a:cxn ang="0">
+                <a:pos x="connsiteX3" y="connsiteY3"/>
+              </a:cxn>
+              <a:cxn ang="0">
+                <a:pos x="connsiteX4" y="connsiteY4"/>
+              </a:cxn>
+              <a:cxn ang="0">
+                <a:pos x="connsiteX5" y="connsiteY5"/>
+              </a:cxn>
+              <a:cxn ang="0">
+                <a:pos x="connsiteX6" y="connsiteY6"/>
+              </a:cxn>
+              <a:cxn ang="0">
+                <a:pos x="connsiteX7" y="connsiteY7"/>
+              </a:cxn>
+              <a:cxn ang="0">
+                <a:pos x="connsiteX8" y="connsiteY8"/>
+              </a:cxn>
+              <a:cxn ang="0">
+                <a:pos x="connsiteX9" y="connsiteY9"/>
+              </a:cxn>
+              <a:cxn ang="0">
+                <a:pos x="connsiteX10" y="connsiteY10"/>
+              </a:cxn>
+              <a:cxn ang="0">
+                <a:pos x="connsiteX11" y="connsiteY11"/>
+              </a:cxn>
+              <a:cxn ang="0">
+                <a:pos x="connsiteX12" y="connsiteY12"/>
+              </a:cxn>
+              <a:cxn ang="0">
+                <a:pos x="connsiteX13" y="connsiteY13"/>
+              </a:cxn>
+              <a:cxn ang="0">
+                <a:pos x="connsiteX14" y="connsiteY14"/>
+              </a:cxn>
+              <a:cxn ang="0">
+                <a:pos x="connsiteX15" y="connsiteY15"/>
+              </a:cxn>
+              <a:cxn ang="0">
+                <a:pos x="connsiteX16" y="connsiteY16"/>
+              </a:cxn>
+            </a:cxnLst>
+            <a:rect l="l" t="t" r="r" b="b"/>
+            <a:pathLst>
+              <a:path w="26576764" h="7190428">
+                <a:moveTo>
+                  <a:pt x="0" y="0"/>
+                </a:moveTo>
+                <a:lnTo>
+                  <a:pt x="15503112" y="0"/>
+                </a:lnTo>
+                <a:lnTo>
+                  <a:pt x="15503112" y="0"/>
+                </a:lnTo>
+                <a:lnTo>
+                  <a:pt x="22147303" y="0"/>
+                </a:lnTo>
+                <a:lnTo>
+                  <a:pt x="26576764" y="0"/>
+                </a:lnTo>
+                <a:lnTo>
+                  <a:pt x="26576764" y="3778446"/>
+                </a:lnTo>
+                <a:lnTo>
+                  <a:pt x="26576764" y="3778446"/>
+                </a:lnTo>
+                <a:lnTo>
+                  <a:pt x="26576764" y="5397780"/>
+                </a:lnTo>
+                <a:lnTo>
+                  <a:pt x="26576764" y="6477336"/>
+                </a:lnTo>
+                <a:lnTo>
+                  <a:pt x="13553955" y="6487720"/>
+                </a:lnTo>
+                <a:lnTo>
+                  <a:pt x="13124811" y="7190428"/>
+                </a:lnTo>
+                <a:lnTo>
+                  <a:pt x="12588138" y="6485065"/>
+                </a:lnTo>
+                <a:lnTo>
+                  <a:pt x="0" y="6477336"/>
+                </a:lnTo>
+                <a:lnTo>
+                  <a:pt x="0" y="5397780"/>
+                </a:lnTo>
+                <a:lnTo>
+                  <a:pt x="0" y="3778446"/>
+                </a:lnTo>
+                <a:lnTo>
+                  <a:pt x="0" y="3778446"/>
+                </a:lnTo>
+                <a:lnTo>
+                  <a:pt x="0" y="0"/>
+                </a:lnTo>
+                <a:close/>
+              </a:path>
+            </a:pathLst>
+          </a:custGeom>
+          <a:solidFill>
+            <a:schemeClr val="accent6">
+              <a:lumMod val="20000"/>
+              <a:lumOff val="80000"/>
+            </a:schemeClr>
+          </a:solidFill>
+          <a:ln w="12700">
+            <a:solidFill>
+              <a:schemeClr val="accent6">
+                <a:lumMod val="75000"/>
+              </a:schemeClr>
+            </a:solidFill>
+          </a:ln>
+        </p:spPr>
+        <p:style>
+          <a:lnRef idx="2">
+            <a:schemeClr val="accent1">
+              <a:shade val="50000"/>
+            </a:schemeClr>
+          </a:lnRef>
+          <a:fillRef idx="1">
+            <a:schemeClr val="accent1"/>
+          </a:fillRef>
+          <a:effectRef idx="0">
+            <a:schemeClr val="accent1"/>
+          </a:effectRef>
+          <a:fontRef idx="minor">
+            <a:schemeClr val="lt1"/>
+          </a:fontRef>
+        </p:style>
+        <p:txBody>
+          <a:bodyPr rtlCol="0" anchor="ctr"/>
+          <a:lstStyle/>
+          <a:p>
+            <a:pPr algn="ctr"/>
+            <a:endParaRPr kumimoji="1" lang="ja-JP" altLang="en-US"/>
+          </a:p>
+        </p:txBody>
+      </p:sp>
+      <p:sp>
+        <p:nvSpPr>
+          <p:cNvPr id="110" name="正方形/長方形 109">
+            <a:extLst>
+              <a:ext uri="{FF2B5EF4-FFF2-40B4-BE49-F238E27FC236}">
+                <a16:creationId xmlns:a16="http://schemas.microsoft.com/office/drawing/2014/main" id="{F6DEEFC4-C0E1-FC45-9EA7-7663FC148378}"/>
+              </a:ext>
+            </a:extLst>
+          </p:cNvPr>
+          <p:cNvSpPr/>
+          <p:nvPr/>
+        </p:nvSpPr>
+        <p:spPr>
+          <a:xfrm>
+            <a:off x="2099709" y="24086268"/>
+            <a:ext cx="6279820" cy="1021127"/>
+          </a:xfrm>
+          <a:prstGeom prst="rect">
+            <a:avLst/>
+          </a:prstGeom>
+          <a:solidFill>
+            <a:schemeClr val="bg1"/>
+          </a:solidFill>
+          <a:ln w="38100">
+            <a:solidFill>
+              <a:schemeClr val="accent6">
+                <a:lumMod val="75000"/>
+              </a:schemeClr>
+            </a:solidFill>
+          </a:ln>
+        </p:spPr>
+        <p:style>
+          <a:lnRef idx="2">
+            <a:schemeClr val="accent1">
+              <a:shade val="50000"/>
+            </a:schemeClr>
+          </a:lnRef>
+          <a:fillRef idx="1">
+            <a:schemeClr val="accent1"/>
+          </a:fillRef>
+          <a:effectRef idx="0">
+            <a:schemeClr val="accent1"/>
+          </a:effectRef>
+          <a:fontRef idx="minor">
+            <a:schemeClr val="lt1"/>
+          </a:fontRef>
+        </p:style>
+        <p:txBody>
+          <a:bodyPr rtlCol="0" anchor="ctr"/>
+          <a:lstStyle/>
+          <a:p>
+            <a:pPr algn="ctr"/>
+            <a:r>
+              <a:rPr lang="en-US" altLang="ja-JP" sz="4800" b="1" dirty="0">
+                <a:solidFill>
+                  <a:srgbClr val="FF0000"/>
+                </a:solidFill>
+              </a:rPr>
+              <a:t>①</a:t>
+            </a:r>
+            <a:r>
+              <a:rPr lang="ja-JP" altLang="en-US" sz="4800" b="1">
+                <a:solidFill>
+                  <a:srgbClr val="FF0000"/>
+                </a:solidFill>
+              </a:rPr>
+              <a:t>前処理</a:t>
+            </a:r>
+            <a:endParaRPr kumimoji="1" lang="ja-JP" altLang="en-US" sz="4800" b="1">
+              <a:solidFill>
+                <a:srgbClr val="FF0000"/>
+              </a:solidFill>
+            </a:endParaRPr>
+          </a:p>
+        </p:txBody>
+      </p:sp>
+      <p:sp>
+        <p:nvSpPr>
+          <p:cNvPr id="111" name="正方形/長方形 110">
+            <a:extLst>
+              <a:ext uri="{FF2B5EF4-FFF2-40B4-BE49-F238E27FC236}">
+                <a16:creationId xmlns:a16="http://schemas.microsoft.com/office/drawing/2014/main" id="{6C26FE84-C1C7-034F-A263-4D1A5DA44E33}"/>
+              </a:ext>
+            </a:extLst>
+          </p:cNvPr>
+          <p:cNvSpPr/>
+          <p:nvPr/>
+        </p:nvSpPr>
+        <p:spPr>
+          <a:xfrm>
+            <a:off x="2099709" y="25099003"/>
+            <a:ext cx="6279820" cy="4928918"/>
+          </a:xfrm>
+          <a:prstGeom prst="rect">
+            <a:avLst/>
+          </a:prstGeom>
+          <a:solidFill>
+            <a:schemeClr val="bg1"/>
+          </a:solidFill>
+          <a:ln w="38100">
+            <a:solidFill>
+              <a:schemeClr val="accent6">
+                <a:lumMod val="75000"/>
+              </a:schemeClr>
+            </a:solidFill>
+          </a:ln>
+        </p:spPr>
+        <p:style>
+          <a:lnRef idx="2">
+            <a:schemeClr val="accent1">
+              <a:shade val="50000"/>
+            </a:schemeClr>
+          </a:lnRef>
+          <a:fillRef idx="1">
+            <a:schemeClr val="accent1"/>
+          </a:fillRef>
+          <a:effectRef idx="0">
+            <a:schemeClr val="accent1"/>
+          </a:effectRef>
+          <a:fontRef idx="minor">
+            <a:schemeClr val="lt1"/>
+          </a:fontRef>
+        </p:style>
+        <p:txBody>
+          <a:bodyPr rtlCol="0" anchor="ctr"/>
+          <a:lstStyle/>
+          <a:p>
+            <a:pPr algn="ctr"/>
+            <a:endParaRPr kumimoji="1" lang="ja-JP" altLang="en-US"/>
+          </a:p>
+        </p:txBody>
+      </p:sp>
+      <p:sp>
+        <p:nvSpPr>
+          <p:cNvPr id="112" name="テキスト ボックス 111">
+            <a:extLst>
+              <a:ext uri="{FF2B5EF4-FFF2-40B4-BE49-F238E27FC236}">
+                <a16:creationId xmlns:a16="http://schemas.microsoft.com/office/drawing/2014/main" id="{FD6D1700-A0F0-2242-81EA-C3CAB551FA14}"/>
+              </a:ext>
+            </a:extLst>
+          </p:cNvPr>
+          <p:cNvSpPr txBox="1"/>
+          <p:nvPr/>
+        </p:nvSpPr>
+        <p:spPr>
+          <a:xfrm>
+            <a:off x="2323176" y="25711736"/>
+            <a:ext cx="5832884" cy="3785652"/>
+          </a:xfrm>
+          <a:prstGeom prst="rect">
+            <a:avLst/>
+          </a:prstGeom>
+          <a:noFill/>
+        </p:spPr>
+        <p:txBody>
+          <a:bodyPr wrap="square" rtlCol="0">
+            <a:spAutoFit/>
+          </a:bodyPr>
+          <a:lstStyle/>
+          <a:p>
+            <a:r>
+              <a:rPr kumimoji="1" lang="ja-JP" altLang="en-US" sz="4000"/>
+              <a:t>形態素解析により</a:t>
+            </a:r>
+            <a:r>
+              <a:rPr lang="ja-JP" altLang="en-US" sz="4000"/>
+              <a:t>品詞の原形を抽出</a:t>
+            </a:r>
+            <a:endParaRPr lang="en-US" altLang="ja-JP" sz="4000" dirty="0"/>
+          </a:p>
+          <a:p>
+            <a:endParaRPr kumimoji="1" lang="en-US" altLang="ja-JP" sz="4000" dirty="0"/>
+          </a:p>
+          <a:p>
+            <a:endParaRPr kumimoji="1" lang="en-US" altLang="ja-JP" sz="4000" dirty="0"/>
+          </a:p>
+          <a:p>
+            <a:r>
+              <a:rPr lang="ja-JP" altLang="en-US" sz="4000"/>
+              <a:t>特徴語辞書、コーパスを作成</a:t>
+            </a:r>
+            <a:endParaRPr kumimoji="1" lang="ja-JP" altLang="en-US" sz="4000"/>
+          </a:p>
+        </p:txBody>
+      </p:sp>
+      <p:sp>
+        <p:nvSpPr>
+          <p:cNvPr id="113" name="右矢印 112">
+            <a:extLst>
+              <a:ext uri="{FF2B5EF4-FFF2-40B4-BE49-F238E27FC236}">
+                <a16:creationId xmlns:a16="http://schemas.microsoft.com/office/drawing/2014/main" id="{C8DDB770-96C6-8A4D-A900-6B7021ECCDF7}"/>
+              </a:ext>
+            </a:extLst>
+          </p:cNvPr>
+          <p:cNvSpPr/>
+          <p:nvPr/>
+        </p:nvSpPr>
+        <p:spPr>
+          <a:xfrm rot="5400000">
+            <a:off x="4803362" y="27093985"/>
+            <a:ext cx="940246" cy="843133"/>
+          </a:xfrm>
+          <a:prstGeom prst="rightArrow">
+            <a:avLst/>
+          </a:prstGeom>
+          <a:solidFill>
+            <a:schemeClr val="accent6">
+              <a:lumMod val="75000"/>
+            </a:schemeClr>
+          </a:solidFill>
+          <a:ln>
+            <a:solidFill>
+              <a:schemeClr val="accent6">
+                <a:lumMod val="75000"/>
+              </a:schemeClr>
+            </a:solidFill>
+          </a:ln>
+        </p:spPr>
+        <p:style>
+          <a:lnRef idx="2">
+            <a:schemeClr val="accent1">
+              <a:shade val="50000"/>
+            </a:schemeClr>
+          </a:lnRef>
+          <a:fillRef idx="1">
+            <a:schemeClr val="accent1"/>
+          </a:fillRef>
+          <a:effectRef idx="0">
+            <a:schemeClr val="accent1"/>
+          </a:effectRef>
+          <a:fontRef idx="minor">
+            <a:schemeClr val="lt1"/>
+          </a:fontRef>
+        </p:style>
+        <p:txBody>
+          <a:bodyPr rtlCol="0" anchor="ctr"/>
+          <a:lstStyle/>
+          <a:p>
+            <a:pPr algn="ctr"/>
+            <a:endParaRPr kumimoji="1" lang="ja-JP" altLang="en-US"/>
+          </a:p>
+        </p:txBody>
+      </p:sp>
+      <p:sp>
+        <p:nvSpPr>
+          <p:cNvPr id="114" name="右矢印 113">
+            <a:extLst>
+              <a:ext uri="{FF2B5EF4-FFF2-40B4-BE49-F238E27FC236}">
+                <a16:creationId xmlns:a16="http://schemas.microsoft.com/office/drawing/2014/main" id="{82255AAC-166D-0D4B-B897-1D90A15A9E10}"/>
+              </a:ext>
+            </a:extLst>
+          </p:cNvPr>
+          <p:cNvSpPr/>
+          <p:nvPr/>
+        </p:nvSpPr>
+        <p:spPr>
+          <a:xfrm rot="5400000">
+            <a:off x="11258456" y="27161275"/>
+            <a:ext cx="1014154" cy="965694"/>
+          </a:xfrm>
+          <a:prstGeom prst="rightArrow">
+            <a:avLst/>
+          </a:prstGeom>
+          <a:solidFill>
+            <a:schemeClr val="accent6">
+              <a:lumMod val="75000"/>
+            </a:schemeClr>
+          </a:solidFill>
+          <a:ln>
+            <a:solidFill>
+              <a:schemeClr val="accent6">
+                <a:lumMod val="75000"/>
+              </a:schemeClr>
+            </a:solidFill>
+          </a:ln>
+        </p:spPr>
+        <p:style>
+          <a:lnRef idx="2">
+            <a:schemeClr val="accent1">
+              <a:shade val="50000"/>
+            </a:schemeClr>
+          </a:lnRef>
+          <a:fillRef idx="1">
+            <a:schemeClr val="accent1"/>
+          </a:fillRef>
+          <a:effectRef idx="0">
+            <a:schemeClr val="accent1"/>
+          </a:effectRef>
+          <a:fontRef idx="minor">
+            <a:schemeClr val="lt1"/>
+          </a:fontRef>
+        </p:style>
+        <p:txBody>
+          <a:bodyPr rtlCol="0" anchor="ctr"/>
+          <a:lstStyle/>
+          <a:p>
+            <a:pPr algn="ctr"/>
+            <a:endParaRPr kumimoji="1" lang="ja-JP" altLang="en-US"/>
+          </a:p>
+        </p:txBody>
+      </p:sp>
+      <p:sp>
+        <p:nvSpPr>
+          <p:cNvPr id="115" name="正方形/長方形 114">
+            <a:extLst>
+              <a:ext uri="{FF2B5EF4-FFF2-40B4-BE49-F238E27FC236}">
+                <a16:creationId xmlns:a16="http://schemas.microsoft.com/office/drawing/2014/main" id="{AC474A6E-E240-BB47-A144-6829092E6443}"/>
+              </a:ext>
+            </a:extLst>
+          </p:cNvPr>
+          <p:cNvSpPr/>
+          <p:nvPr/>
+        </p:nvSpPr>
+        <p:spPr>
+          <a:xfrm>
+            <a:off x="8734006" y="24103058"/>
+            <a:ext cx="12600000" cy="1021127"/>
+          </a:xfrm>
+          <a:prstGeom prst="rect">
+            <a:avLst/>
+          </a:prstGeom>
+          <a:solidFill>
+            <a:schemeClr val="bg1"/>
+          </a:solidFill>
+          <a:ln w="38100">
+            <a:solidFill>
+              <a:schemeClr val="accent6">
+                <a:lumMod val="75000"/>
+              </a:schemeClr>
+            </a:solidFill>
+          </a:ln>
+        </p:spPr>
+        <p:style>
+          <a:lnRef idx="2">
+            <a:schemeClr val="accent1">
+              <a:shade val="50000"/>
+            </a:schemeClr>
+          </a:lnRef>
+          <a:fillRef idx="1">
+            <a:schemeClr val="accent1"/>
+          </a:fillRef>
+          <a:effectRef idx="0">
+            <a:schemeClr val="accent1"/>
+          </a:effectRef>
+          <a:fontRef idx="minor">
+            <a:schemeClr val="lt1"/>
+          </a:fontRef>
+        </p:style>
+        <p:txBody>
+          <a:bodyPr rtlCol="0" anchor="ctr"/>
+          <a:lstStyle/>
+          <a:p>
+            <a:pPr algn="ctr"/>
+            <a:r>
+              <a:rPr lang="ja-JP" altLang="en-US" sz="4800" b="1">
+                <a:solidFill>
+                  <a:srgbClr val="FF0000"/>
+                </a:solidFill>
+              </a:rPr>
+              <a:t>②トピックモデルの構築</a:t>
+            </a:r>
+            <a:endParaRPr kumimoji="1" lang="ja-JP" altLang="en-US" sz="4800" b="1">
+              <a:solidFill>
+                <a:srgbClr val="FF0000"/>
+              </a:solidFill>
+            </a:endParaRPr>
+          </a:p>
+        </p:txBody>
+      </p:sp>
+      <p:sp>
+        <p:nvSpPr>
+          <p:cNvPr id="116" name="正方形/長方形 115">
+            <a:extLst>
+              <a:ext uri="{FF2B5EF4-FFF2-40B4-BE49-F238E27FC236}">
+                <a16:creationId xmlns:a16="http://schemas.microsoft.com/office/drawing/2014/main" id="{D5683745-9A98-FB40-9052-1A9BA0DB3B7E}"/>
+              </a:ext>
+            </a:extLst>
+          </p:cNvPr>
+          <p:cNvSpPr/>
+          <p:nvPr/>
+        </p:nvSpPr>
+        <p:spPr>
+          <a:xfrm>
+            <a:off x="8734006" y="25120741"/>
+            <a:ext cx="12600000" cy="4928918"/>
+          </a:xfrm>
+          <a:prstGeom prst="rect">
+            <a:avLst/>
+          </a:prstGeom>
+          <a:solidFill>
+            <a:schemeClr val="bg1"/>
+          </a:solidFill>
+          <a:ln w="38100">
+            <a:solidFill>
+              <a:schemeClr val="accent6">
+                <a:lumMod val="75000"/>
+              </a:schemeClr>
+            </a:solidFill>
+          </a:ln>
+        </p:spPr>
+        <p:style>
+          <a:lnRef idx="2">
+            <a:schemeClr val="accent1">
+              <a:shade val="50000"/>
+            </a:schemeClr>
+          </a:lnRef>
+          <a:fillRef idx="1">
+            <a:schemeClr val="accent1"/>
+          </a:fillRef>
+          <a:effectRef idx="0">
+            <a:schemeClr val="accent1"/>
+          </a:effectRef>
+          <a:fontRef idx="minor">
+            <a:schemeClr val="lt1"/>
+          </a:fontRef>
+        </p:style>
+        <p:txBody>
+          <a:bodyPr rtlCol="0" anchor="ctr"/>
+          <a:lstStyle/>
+          <a:p>
+            <a:pPr algn="ctr"/>
+            <a:endParaRPr kumimoji="1" lang="ja-JP" altLang="en-US"/>
+          </a:p>
+        </p:txBody>
+      </p:sp>
+      <p:sp>
+        <p:nvSpPr>
+          <p:cNvPr id="117" name="テキスト ボックス 116">
+            <a:extLst>
+              <a:ext uri="{FF2B5EF4-FFF2-40B4-BE49-F238E27FC236}">
+                <a16:creationId xmlns:a16="http://schemas.microsoft.com/office/drawing/2014/main" id="{60B1EB08-2454-AE4F-9A39-CAE920A5BA70}"/>
+              </a:ext>
+            </a:extLst>
+          </p:cNvPr>
+          <p:cNvSpPr txBox="1"/>
+          <p:nvPr/>
+        </p:nvSpPr>
+        <p:spPr>
+          <a:xfrm>
+            <a:off x="9183233" y="25692374"/>
+            <a:ext cx="11577033" cy="3785652"/>
+          </a:xfrm>
+          <a:prstGeom prst="rect">
+            <a:avLst/>
+          </a:prstGeom>
+          <a:noFill/>
+        </p:spPr>
+        <p:txBody>
+          <a:bodyPr wrap="square" rtlCol="0">
+            <a:spAutoFit/>
+          </a:bodyPr>
+          <a:lstStyle/>
+          <a:p>
+            <a:pPr marL="742950" indent="-742950">
+              <a:buFont typeface="+mj-lt"/>
+              <a:buAutoNum type="arabicPeriod"/>
+            </a:pPr>
+            <a:r>
+              <a:rPr lang="ja-JP" altLang="en-US" sz="4000"/>
+              <a:t>レビュー文書群に含まれる潜在的な</a:t>
+            </a:r>
+            <a:r>
+              <a:rPr kumimoji="1" lang="ja-JP" altLang="en-US" sz="4000"/>
+              <a:t>トピックを</a:t>
+            </a:r>
+            <a:r>
+              <a:rPr lang="ja-JP" altLang="en-US" sz="4000"/>
+              <a:t>抽出</a:t>
+            </a:r>
+            <a:endParaRPr lang="en-US" altLang="ja-JP" sz="4000" dirty="0"/>
+          </a:p>
+          <a:p>
+            <a:pPr marL="742950" indent="-742950">
+              <a:buFont typeface="+mj-lt"/>
+              <a:buAutoNum type="arabicPeriod"/>
+            </a:pPr>
+            <a:r>
+              <a:rPr kumimoji="1" lang="ja-JP" altLang="en-US" sz="4000"/>
+              <a:t>各スポットごとのレビュー文書を分析</a:t>
+            </a:r>
+            <a:endParaRPr kumimoji="1" lang="en-US" altLang="ja-JP" sz="4000" dirty="0"/>
+          </a:p>
+          <a:p>
+            <a:pPr marL="742950" indent="-742950">
+              <a:buFont typeface="Arial" panose="020B0604020202020204" pitchFamily="34" charset="0"/>
+              <a:buChar char="•"/>
+            </a:pPr>
+            <a:endParaRPr kumimoji="1" lang="en-US" altLang="ja-JP" sz="4000" dirty="0"/>
+          </a:p>
+          <a:p>
+            <a:pPr marL="742950" indent="-742950">
+              <a:buFont typeface="Arial" panose="020B0604020202020204" pitchFamily="34" charset="0"/>
+              <a:buChar char="•"/>
+            </a:pPr>
+            <a:endParaRPr kumimoji="1" lang="en-US" altLang="ja-JP" sz="4000" dirty="0"/>
+          </a:p>
+          <a:p>
+            <a:pPr algn="ctr"/>
+            <a:r>
+              <a:rPr lang="ja-JP" altLang="en-US" sz="4000"/>
+              <a:t>スポットごとの</a:t>
+            </a:r>
+            <a:r>
+              <a:rPr kumimoji="1" lang="ja-JP" altLang="en-US" sz="4000"/>
+              <a:t>トピックの分布を算出</a:t>
+            </a:r>
+            <a:endParaRPr kumimoji="1" lang="en-US" altLang="ja-JP" sz="4000" dirty="0"/>
+          </a:p>
+        </p:txBody>
+      </p:sp>
+      <p:sp>
+        <p:nvSpPr>
+          <p:cNvPr id="118" name="正方形/長方形 117">
+            <a:extLst>
+              <a:ext uri="{FF2B5EF4-FFF2-40B4-BE49-F238E27FC236}">
+                <a16:creationId xmlns:a16="http://schemas.microsoft.com/office/drawing/2014/main" id="{C990FA60-D64B-8A45-998C-BDA5F59FA949}"/>
+              </a:ext>
+            </a:extLst>
+          </p:cNvPr>
+          <p:cNvSpPr/>
+          <p:nvPr/>
+        </p:nvSpPr>
+        <p:spPr>
+          <a:xfrm>
+            <a:off x="-11104136" y="11813355"/>
+            <a:ext cx="9540000" cy="1021127"/>
+          </a:xfrm>
+          <a:prstGeom prst="rect">
+            <a:avLst/>
+          </a:prstGeom>
+          <a:solidFill>
+            <a:schemeClr val="bg1"/>
+          </a:solidFill>
+          <a:ln w="38100">
+            <a:solidFill>
+              <a:schemeClr val="accent6">
+                <a:lumMod val="75000"/>
+              </a:schemeClr>
+            </a:solidFill>
+          </a:ln>
+        </p:spPr>
+        <p:style>
+          <a:lnRef idx="2">
+            <a:schemeClr val="accent1">
+              <a:shade val="50000"/>
+            </a:schemeClr>
+          </a:lnRef>
+          <a:fillRef idx="1">
+            <a:schemeClr val="accent1"/>
+          </a:fillRef>
+          <a:effectRef idx="0">
+            <a:schemeClr val="accent1"/>
+          </a:effectRef>
+          <a:fontRef idx="minor">
+            <a:schemeClr val="lt1"/>
+          </a:fontRef>
+        </p:style>
+        <p:txBody>
+          <a:bodyPr rtlCol="0" anchor="ctr"/>
+          <a:lstStyle/>
+          <a:p>
+            <a:pPr algn="ctr"/>
+            <a:r>
+              <a:rPr lang="en-US" altLang="ja-JP" sz="4800" b="1" dirty="0">
+                <a:solidFill>
+                  <a:schemeClr val="accent6">
+                    <a:lumMod val="75000"/>
+                  </a:schemeClr>
+                </a:solidFill>
+              </a:rPr>
+              <a:t>③</a:t>
+            </a:r>
+            <a:r>
+              <a:rPr lang="ja-JP" altLang="en-US" sz="4800" b="1">
+                <a:solidFill>
+                  <a:schemeClr val="accent6">
+                    <a:lumMod val="75000"/>
+                  </a:schemeClr>
+                </a:solidFill>
+              </a:rPr>
+              <a:t>類似度算出</a:t>
+            </a:r>
+            <a:endParaRPr kumimoji="1" lang="ja-JP" altLang="en-US" sz="4800" b="1">
+              <a:solidFill>
+                <a:schemeClr val="accent6">
+                  <a:lumMod val="75000"/>
+                </a:schemeClr>
+              </a:solidFill>
+            </a:endParaRPr>
+          </a:p>
+        </p:txBody>
+      </p:sp>
+      <p:sp>
+        <p:nvSpPr>
+          <p:cNvPr id="119" name="正方形/長方形 118">
+            <a:extLst>
+              <a:ext uri="{FF2B5EF4-FFF2-40B4-BE49-F238E27FC236}">
+                <a16:creationId xmlns:a16="http://schemas.microsoft.com/office/drawing/2014/main" id="{F625D8DD-A215-AD4B-9F61-10D532022F8F}"/>
+              </a:ext>
+            </a:extLst>
+          </p:cNvPr>
+          <p:cNvSpPr/>
+          <p:nvPr/>
+        </p:nvSpPr>
+        <p:spPr>
+          <a:xfrm>
+            <a:off x="-11096669" y="12810596"/>
+            <a:ext cx="9540000" cy="4928918"/>
+          </a:xfrm>
+          <a:prstGeom prst="rect">
+            <a:avLst/>
+          </a:prstGeom>
+          <a:solidFill>
+            <a:schemeClr val="bg1"/>
+          </a:solidFill>
+          <a:ln w="38100">
+            <a:solidFill>
+              <a:schemeClr val="accent6">
+                <a:lumMod val="75000"/>
+              </a:schemeClr>
+            </a:solidFill>
+          </a:ln>
+        </p:spPr>
+        <p:style>
+          <a:lnRef idx="2">
+            <a:schemeClr val="accent1">
+              <a:shade val="50000"/>
+            </a:schemeClr>
+          </a:lnRef>
+          <a:fillRef idx="1">
+            <a:schemeClr val="accent1"/>
+          </a:fillRef>
+          <a:effectRef idx="0">
+            <a:schemeClr val="accent1"/>
+          </a:effectRef>
+          <a:fontRef idx="minor">
+            <a:schemeClr val="lt1"/>
+          </a:fontRef>
+        </p:style>
+        <p:txBody>
+          <a:bodyPr rtlCol="0" anchor="ctr"/>
+          <a:lstStyle/>
+          <a:p>
+            <a:endParaRPr kumimoji="1" lang="ja-JP" altLang="en-US">
+              <a:solidFill>
+                <a:srgbClr val="FF0000"/>
+              </a:solidFill>
+            </a:endParaRPr>
+          </a:p>
+        </p:txBody>
+      </p:sp>
+      <p:sp>
+        <p:nvSpPr>
+          <p:cNvPr id="120" name="テキスト ボックス 119">
+            <a:extLst>
+              <a:ext uri="{FF2B5EF4-FFF2-40B4-BE49-F238E27FC236}">
+                <a16:creationId xmlns:a16="http://schemas.microsoft.com/office/drawing/2014/main" id="{BF814445-C930-7545-B5F7-0B56EFF647FE}"/>
+              </a:ext>
+            </a:extLst>
+          </p:cNvPr>
+          <p:cNvSpPr txBox="1"/>
+          <p:nvPr/>
+        </p:nvSpPr>
+        <p:spPr>
+          <a:xfrm>
+            <a:off x="-10126116" y="13613674"/>
+            <a:ext cx="8459237" cy="1323439"/>
+          </a:xfrm>
+          <a:prstGeom prst="rect">
+            <a:avLst/>
+          </a:prstGeom>
+          <a:noFill/>
+        </p:spPr>
+        <p:txBody>
+          <a:bodyPr wrap="square" rtlCol="0">
+            <a:spAutoFit/>
+          </a:bodyPr>
+          <a:lstStyle/>
+          <a:p>
+            <a:r>
+              <a:rPr lang="ja-JP" altLang="en-US" sz="4000"/>
+              <a:t>各レビュー文書の</a:t>
+            </a:r>
+            <a:endParaRPr lang="en-US" altLang="ja-JP" sz="4000" dirty="0"/>
+          </a:p>
+          <a:p>
+            <a:r>
+              <a:rPr lang="ja-JP" altLang="en-US" sz="4000"/>
+              <a:t>トピックの分布の類似度を算出</a:t>
+            </a:r>
+            <a:endParaRPr kumimoji="1" lang="en-US" altLang="ja-JP" sz="4000" dirty="0"/>
+          </a:p>
+        </p:txBody>
+      </p:sp>
+      <p:sp>
+        <p:nvSpPr>
+          <p:cNvPr id="121" name="右矢印 120">
+            <a:extLst>
+              <a:ext uri="{FF2B5EF4-FFF2-40B4-BE49-F238E27FC236}">
+                <a16:creationId xmlns:a16="http://schemas.microsoft.com/office/drawing/2014/main" id="{C2ED3AEE-61CC-2640-8B2C-2B56528BF43C}"/>
+              </a:ext>
+            </a:extLst>
+          </p:cNvPr>
+          <p:cNvSpPr/>
+          <p:nvPr/>
+        </p:nvSpPr>
+        <p:spPr>
+          <a:xfrm rot="5400000">
+            <a:off x="14737810" y="27713648"/>
+            <a:ext cx="940246" cy="843133"/>
+          </a:xfrm>
+          <a:prstGeom prst="rightArrow">
+            <a:avLst/>
+          </a:prstGeom>
+          <a:solidFill>
+            <a:schemeClr val="accent6">
+              <a:lumMod val="75000"/>
+            </a:schemeClr>
+          </a:solidFill>
+          <a:ln>
+            <a:solidFill>
+              <a:schemeClr val="accent6">
+                <a:lumMod val="75000"/>
+              </a:schemeClr>
+            </a:solidFill>
+          </a:ln>
+        </p:spPr>
+        <p:style>
+          <a:lnRef idx="2">
+            <a:schemeClr val="accent1">
+              <a:shade val="50000"/>
+            </a:schemeClr>
+          </a:lnRef>
+          <a:fillRef idx="1">
+            <a:schemeClr val="accent1"/>
+          </a:fillRef>
+          <a:effectRef idx="0">
+            <a:schemeClr val="accent1"/>
+          </a:effectRef>
+          <a:fontRef idx="minor">
+            <a:schemeClr val="lt1"/>
+          </a:fontRef>
+        </p:style>
+        <p:txBody>
+          <a:bodyPr rtlCol="0" anchor="ctr"/>
+          <a:lstStyle/>
+          <a:p>
+            <a:pPr algn="ctr"/>
+            <a:endParaRPr kumimoji="1" lang="ja-JP" altLang="en-US"/>
+          </a:p>
+        </p:txBody>
+      </p:sp>
+      <p:sp>
+        <p:nvSpPr>
+          <p:cNvPr id="122" name="四角形吹き出し 17">
+            <a:extLst>
+              <a:ext uri="{FF2B5EF4-FFF2-40B4-BE49-F238E27FC236}">
+                <a16:creationId xmlns:a16="http://schemas.microsoft.com/office/drawing/2014/main" id="{9DA31379-9A43-9540-8689-B1AEDADEA6AA}"/>
+              </a:ext>
+            </a:extLst>
+          </p:cNvPr>
+          <p:cNvSpPr>
+            <a:spLocks/>
+          </p:cNvSpPr>
+          <p:nvPr/>
+        </p:nvSpPr>
+        <p:spPr>
+          <a:xfrm rot="10800000">
+            <a:off x="-27949787" y="33161659"/>
+            <a:ext cx="26604000" cy="8020773"/>
+          </a:xfrm>
+          <a:custGeom>
+            <a:avLst/>
+            <a:gdLst>
+              <a:gd name="connsiteX0" fmla="*/ 0 w 26576764"/>
+              <a:gd name="connsiteY0" fmla="*/ 0 h 6477336"/>
+              <a:gd name="connsiteX1" fmla="*/ 15503112 w 26576764"/>
+              <a:gd name="connsiteY1" fmla="*/ 0 h 6477336"/>
+              <a:gd name="connsiteX2" fmla="*/ 15503112 w 26576764"/>
+              <a:gd name="connsiteY2" fmla="*/ 0 h 6477336"/>
+              <a:gd name="connsiteX3" fmla="*/ 22147303 w 26576764"/>
+              <a:gd name="connsiteY3" fmla="*/ 0 h 6477336"/>
+              <a:gd name="connsiteX4" fmla="*/ 26576764 w 26576764"/>
+              <a:gd name="connsiteY4" fmla="*/ 0 h 6477336"/>
+              <a:gd name="connsiteX5" fmla="*/ 26576764 w 26576764"/>
+              <a:gd name="connsiteY5" fmla="*/ 3778446 h 6477336"/>
+              <a:gd name="connsiteX6" fmla="*/ 26576764 w 26576764"/>
+              <a:gd name="connsiteY6" fmla="*/ 3778446 h 6477336"/>
+              <a:gd name="connsiteX7" fmla="*/ 26576764 w 26576764"/>
+              <a:gd name="connsiteY7" fmla="*/ 5397780 h 6477336"/>
+              <a:gd name="connsiteX8" fmla="*/ 26576764 w 26576764"/>
+              <a:gd name="connsiteY8" fmla="*/ 6477336 h 6477336"/>
+              <a:gd name="connsiteX9" fmla="*/ 22147303 w 26576764"/>
+              <a:gd name="connsiteY9" fmla="*/ 6477336 h 6477336"/>
+              <a:gd name="connsiteX10" fmla="*/ 13321337 w 26576764"/>
+              <a:gd name="connsiteY10" fmla="*/ 7702589 h 6477336"/>
+              <a:gd name="connsiteX11" fmla="*/ 15503112 w 26576764"/>
+              <a:gd name="connsiteY11" fmla="*/ 6477336 h 6477336"/>
+              <a:gd name="connsiteX12" fmla="*/ 0 w 26576764"/>
+              <a:gd name="connsiteY12" fmla="*/ 6477336 h 6477336"/>
+              <a:gd name="connsiteX13" fmla="*/ 0 w 26576764"/>
+              <a:gd name="connsiteY13" fmla="*/ 5397780 h 6477336"/>
+              <a:gd name="connsiteX14" fmla="*/ 0 w 26576764"/>
+              <a:gd name="connsiteY14" fmla="*/ 3778446 h 6477336"/>
+              <a:gd name="connsiteX15" fmla="*/ 0 w 26576764"/>
+              <a:gd name="connsiteY15" fmla="*/ 3778446 h 6477336"/>
+              <a:gd name="connsiteX16" fmla="*/ 0 w 26576764"/>
+              <a:gd name="connsiteY16" fmla="*/ 0 h 6477336"/>
+              <a:gd name="connsiteX0" fmla="*/ 0 w 26576764"/>
+              <a:gd name="connsiteY0" fmla="*/ 0 h 7702589"/>
+              <a:gd name="connsiteX1" fmla="*/ 15503112 w 26576764"/>
+              <a:gd name="connsiteY1" fmla="*/ 0 h 7702589"/>
+              <a:gd name="connsiteX2" fmla="*/ 15503112 w 26576764"/>
+              <a:gd name="connsiteY2" fmla="*/ 0 h 7702589"/>
+              <a:gd name="connsiteX3" fmla="*/ 22147303 w 26576764"/>
+              <a:gd name="connsiteY3" fmla="*/ 0 h 7702589"/>
+              <a:gd name="connsiteX4" fmla="*/ 26576764 w 26576764"/>
+              <a:gd name="connsiteY4" fmla="*/ 0 h 7702589"/>
+              <a:gd name="connsiteX5" fmla="*/ 26576764 w 26576764"/>
+              <a:gd name="connsiteY5" fmla="*/ 3778446 h 7702589"/>
+              <a:gd name="connsiteX6" fmla="*/ 26576764 w 26576764"/>
+              <a:gd name="connsiteY6" fmla="*/ 3778446 h 7702589"/>
+              <a:gd name="connsiteX7" fmla="*/ 26576764 w 26576764"/>
+              <a:gd name="connsiteY7" fmla="*/ 5397780 h 7702589"/>
+              <a:gd name="connsiteX8" fmla="*/ 26576764 w 26576764"/>
+              <a:gd name="connsiteY8" fmla="*/ 6477336 h 7702589"/>
+              <a:gd name="connsiteX9" fmla="*/ 22147303 w 26576764"/>
+              <a:gd name="connsiteY9" fmla="*/ 6477336 h 7702589"/>
+              <a:gd name="connsiteX10" fmla="*/ 13321337 w 26576764"/>
+              <a:gd name="connsiteY10" fmla="*/ 7702589 h 7702589"/>
+              <a:gd name="connsiteX11" fmla="*/ 12385839 w 26576764"/>
+              <a:gd name="connsiteY11" fmla="*/ 6477336 h 7702589"/>
+              <a:gd name="connsiteX12" fmla="*/ 0 w 26576764"/>
+              <a:gd name="connsiteY12" fmla="*/ 6477336 h 7702589"/>
+              <a:gd name="connsiteX13" fmla="*/ 0 w 26576764"/>
+              <a:gd name="connsiteY13" fmla="*/ 5397780 h 7702589"/>
+              <a:gd name="connsiteX14" fmla="*/ 0 w 26576764"/>
+              <a:gd name="connsiteY14" fmla="*/ 3778446 h 7702589"/>
+              <a:gd name="connsiteX15" fmla="*/ 0 w 26576764"/>
+              <a:gd name="connsiteY15" fmla="*/ 3778446 h 7702589"/>
+              <a:gd name="connsiteX16" fmla="*/ 0 w 26576764"/>
+              <a:gd name="connsiteY16" fmla="*/ 0 h 7702589"/>
+              <a:gd name="connsiteX0" fmla="*/ 0 w 26576764"/>
+              <a:gd name="connsiteY0" fmla="*/ 0 h 7702589"/>
+              <a:gd name="connsiteX1" fmla="*/ 15503112 w 26576764"/>
+              <a:gd name="connsiteY1" fmla="*/ 0 h 7702589"/>
+              <a:gd name="connsiteX2" fmla="*/ 15503112 w 26576764"/>
+              <a:gd name="connsiteY2" fmla="*/ 0 h 7702589"/>
+              <a:gd name="connsiteX3" fmla="*/ 22147303 w 26576764"/>
+              <a:gd name="connsiteY3" fmla="*/ 0 h 7702589"/>
+              <a:gd name="connsiteX4" fmla="*/ 26576764 w 26576764"/>
+              <a:gd name="connsiteY4" fmla="*/ 0 h 7702589"/>
+              <a:gd name="connsiteX5" fmla="*/ 26576764 w 26576764"/>
+              <a:gd name="connsiteY5" fmla="*/ 3778446 h 7702589"/>
+              <a:gd name="connsiteX6" fmla="*/ 26576764 w 26576764"/>
+              <a:gd name="connsiteY6" fmla="*/ 3778446 h 7702589"/>
+              <a:gd name="connsiteX7" fmla="*/ 26576764 w 26576764"/>
+              <a:gd name="connsiteY7" fmla="*/ 5397780 h 7702589"/>
+              <a:gd name="connsiteX8" fmla="*/ 26576764 w 26576764"/>
+              <a:gd name="connsiteY8" fmla="*/ 6477336 h 7702589"/>
+              <a:gd name="connsiteX9" fmla="*/ 14167086 w 26576764"/>
+              <a:gd name="connsiteY9" fmla="*/ 6560463 h 7702589"/>
+              <a:gd name="connsiteX10" fmla="*/ 13321337 w 26576764"/>
+              <a:gd name="connsiteY10" fmla="*/ 7702589 h 7702589"/>
+              <a:gd name="connsiteX11" fmla="*/ 12385839 w 26576764"/>
+              <a:gd name="connsiteY11" fmla="*/ 6477336 h 7702589"/>
+              <a:gd name="connsiteX12" fmla="*/ 0 w 26576764"/>
+              <a:gd name="connsiteY12" fmla="*/ 6477336 h 7702589"/>
+              <a:gd name="connsiteX13" fmla="*/ 0 w 26576764"/>
+              <a:gd name="connsiteY13" fmla="*/ 5397780 h 7702589"/>
+              <a:gd name="connsiteX14" fmla="*/ 0 w 26576764"/>
+              <a:gd name="connsiteY14" fmla="*/ 3778446 h 7702589"/>
+              <a:gd name="connsiteX15" fmla="*/ 0 w 26576764"/>
+              <a:gd name="connsiteY15" fmla="*/ 3778446 h 7702589"/>
+              <a:gd name="connsiteX16" fmla="*/ 0 w 26576764"/>
+              <a:gd name="connsiteY16" fmla="*/ 0 h 7702589"/>
+              <a:gd name="connsiteX0" fmla="*/ 0 w 26576764"/>
+              <a:gd name="connsiteY0" fmla="*/ 0 h 7702589"/>
+              <a:gd name="connsiteX1" fmla="*/ 15503112 w 26576764"/>
+              <a:gd name="connsiteY1" fmla="*/ 0 h 7702589"/>
+              <a:gd name="connsiteX2" fmla="*/ 15503112 w 26576764"/>
+              <a:gd name="connsiteY2" fmla="*/ 0 h 7702589"/>
+              <a:gd name="connsiteX3" fmla="*/ 22147303 w 26576764"/>
+              <a:gd name="connsiteY3" fmla="*/ 0 h 7702589"/>
+              <a:gd name="connsiteX4" fmla="*/ 26576764 w 26576764"/>
+              <a:gd name="connsiteY4" fmla="*/ 0 h 7702589"/>
+              <a:gd name="connsiteX5" fmla="*/ 26576764 w 26576764"/>
+              <a:gd name="connsiteY5" fmla="*/ 3778446 h 7702589"/>
+              <a:gd name="connsiteX6" fmla="*/ 26576764 w 26576764"/>
+              <a:gd name="connsiteY6" fmla="*/ 3778446 h 7702589"/>
+              <a:gd name="connsiteX7" fmla="*/ 26576764 w 26576764"/>
+              <a:gd name="connsiteY7" fmla="*/ 5397780 h 7702589"/>
+              <a:gd name="connsiteX8" fmla="*/ 26576764 w 26576764"/>
+              <a:gd name="connsiteY8" fmla="*/ 6477336 h 7702589"/>
+              <a:gd name="connsiteX9" fmla="*/ 14167086 w 26576764"/>
+              <a:gd name="connsiteY9" fmla="*/ 6518900 h 7702589"/>
+              <a:gd name="connsiteX10" fmla="*/ 13321337 w 26576764"/>
+              <a:gd name="connsiteY10" fmla="*/ 7702589 h 7702589"/>
+              <a:gd name="connsiteX11" fmla="*/ 12385839 w 26576764"/>
+              <a:gd name="connsiteY11" fmla="*/ 6477336 h 7702589"/>
+              <a:gd name="connsiteX12" fmla="*/ 0 w 26576764"/>
+              <a:gd name="connsiteY12" fmla="*/ 6477336 h 7702589"/>
+              <a:gd name="connsiteX13" fmla="*/ 0 w 26576764"/>
+              <a:gd name="connsiteY13" fmla="*/ 5397780 h 7702589"/>
+              <a:gd name="connsiteX14" fmla="*/ 0 w 26576764"/>
+              <a:gd name="connsiteY14" fmla="*/ 3778446 h 7702589"/>
+              <a:gd name="connsiteX15" fmla="*/ 0 w 26576764"/>
+              <a:gd name="connsiteY15" fmla="*/ 3778446 h 7702589"/>
+              <a:gd name="connsiteX16" fmla="*/ 0 w 26576764"/>
+              <a:gd name="connsiteY16" fmla="*/ 0 h 7702589"/>
+              <a:gd name="connsiteX0" fmla="*/ 0 w 26576764"/>
+              <a:gd name="connsiteY0" fmla="*/ 0 h 9531389"/>
+              <a:gd name="connsiteX1" fmla="*/ 15503112 w 26576764"/>
+              <a:gd name="connsiteY1" fmla="*/ 0 h 9531389"/>
+              <a:gd name="connsiteX2" fmla="*/ 15503112 w 26576764"/>
+              <a:gd name="connsiteY2" fmla="*/ 0 h 9531389"/>
+              <a:gd name="connsiteX3" fmla="*/ 22147303 w 26576764"/>
+              <a:gd name="connsiteY3" fmla="*/ 0 h 9531389"/>
+              <a:gd name="connsiteX4" fmla="*/ 26576764 w 26576764"/>
+              <a:gd name="connsiteY4" fmla="*/ 0 h 9531389"/>
+              <a:gd name="connsiteX5" fmla="*/ 26576764 w 26576764"/>
+              <a:gd name="connsiteY5" fmla="*/ 3778446 h 9531389"/>
+              <a:gd name="connsiteX6" fmla="*/ 26576764 w 26576764"/>
+              <a:gd name="connsiteY6" fmla="*/ 3778446 h 9531389"/>
+              <a:gd name="connsiteX7" fmla="*/ 26576764 w 26576764"/>
+              <a:gd name="connsiteY7" fmla="*/ 5397780 h 9531389"/>
+              <a:gd name="connsiteX8" fmla="*/ 26576764 w 26576764"/>
+              <a:gd name="connsiteY8" fmla="*/ 6477336 h 9531389"/>
+              <a:gd name="connsiteX9" fmla="*/ 14167086 w 26576764"/>
+              <a:gd name="connsiteY9" fmla="*/ 6518900 h 9531389"/>
+              <a:gd name="connsiteX10" fmla="*/ 13238209 w 26576764"/>
+              <a:gd name="connsiteY10" fmla="*/ 9531389 h 9531389"/>
+              <a:gd name="connsiteX11" fmla="*/ 12385839 w 26576764"/>
+              <a:gd name="connsiteY11" fmla="*/ 6477336 h 9531389"/>
+              <a:gd name="connsiteX12" fmla="*/ 0 w 26576764"/>
+              <a:gd name="connsiteY12" fmla="*/ 6477336 h 9531389"/>
+              <a:gd name="connsiteX13" fmla="*/ 0 w 26576764"/>
+              <a:gd name="connsiteY13" fmla="*/ 5397780 h 9531389"/>
+              <a:gd name="connsiteX14" fmla="*/ 0 w 26576764"/>
+              <a:gd name="connsiteY14" fmla="*/ 3778446 h 9531389"/>
+              <a:gd name="connsiteX15" fmla="*/ 0 w 26576764"/>
+              <a:gd name="connsiteY15" fmla="*/ 3778446 h 9531389"/>
+              <a:gd name="connsiteX16" fmla="*/ 0 w 26576764"/>
+              <a:gd name="connsiteY16" fmla="*/ 0 h 9531389"/>
+              <a:gd name="connsiteX0" fmla="*/ 0 w 26576764"/>
+              <a:gd name="connsiteY0" fmla="*/ 0 h 7948997"/>
+              <a:gd name="connsiteX1" fmla="*/ 15503112 w 26576764"/>
+              <a:gd name="connsiteY1" fmla="*/ 0 h 7948997"/>
+              <a:gd name="connsiteX2" fmla="*/ 15503112 w 26576764"/>
+              <a:gd name="connsiteY2" fmla="*/ 0 h 7948997"/>
+              <a:gd name="connsiteX3" fmla="*/ 22147303 w 26576764"/>
+              <a:gd name="connsiteY3" fmla="*/ 0 h 7948997"/>
+              <a:gd name="connsiteX4" fmla="*/ 26576764 w 26576764"/>
+              <a:gd name="connsiteY4" fmla="*/ 0 h 7948997"/>
+              <a:gd name="connsiteX5" fmla="*/ 26576764 w 26576764"/>
+              <a:gd name="connsiteY5" fmla="*/ 3778446 h 7948997"/>
+              <a:gd name="connsiteX6" fmla="*/ 26576764 w 26576764"/>
+              <a:gd name="connsiteY6" fmla="*/ 3778446 h 7948997"/>
+              <a:gd name="connsiteX7" fmla="*/ 26576764 w 26576764"/>
+              <a:gd name="connsiteY7" fmla="*/ 5397780 h 7948997"/>
+              <a:gd name="connsiteX8" fmla="*/ 26576764 w 26576764"/>
+              <a:gd name="connsiteY8" fmla="*/ 6477336 h 7948997"/>
+              <a:gd name="connsiteX9" fmla="*/ 14167086 w 26576764"/>
+              <a:gd name="connsiteY9" fmla="*/ 6518900 h 7948997"/>
+              <a:gd name="connsiteX10" fmla="*/ 13329649 w 26576764"/>
+              <a:gd name="connsiteY10" fmla="*/ 7948997 h 7948997"/>
+              <a:gd name="connsiteX11" fmla="*/ 12385839 w 26576764"/>
+              <a:gd name="connsiteY11" fmla="*/ 6477336 h 7948997"/>
+              <a:gd name="connsiteX12" fmla="*/ 0 w 26576764"/>
+              <a:gd name="connsiteY12" fmla="*/ 6477336 h 7948997"/>
+              <a:gd name="connsiteX13" fmla="*/ 0 w 26576764"/>
+              <a:gd name="connsiteY13" fmla="*/ 5397780 h 7948997"/>
+              <a:gd name="connsiteX14" fmla="*/ 0 w 26576764"/>
+              <a:gd name="connsiteY14" fmla="*/ 3778446 h 7948997"/>
+              <a:gd name="connsiteX15" fmla="*/ 0 w 26576764"/>
+              <a:gd name="connsiteY15" fmla="*/ 3778446 h 7948997"/>
+              <a:gd name="connsiteX16" fmla="*/ 0 w 26576764"/>
+              <a:gd name="connsiteY16" fmla="*/ 0 h 7948997"/>
+              <a:gd name="connsiteX0" fmla="*/ 0 w 26576764"/>
+              <a:gd name="connsiteY0" fmla="*/ 0 h 7948997"/>
+              <a:gd name="connsiteX1" fmla="*/ 15503112 w 26576764"/>
+              <a:gd name="connsiteY1" fmla="*/ 0 h 7948997"/>
+              <a:gd name="connsiteX2" fmla="*/ 15503112 w 26576764"/>
+              <a:gd name="connsiteY2" fmla="*/ 0 h 7948997"/>
+              <a:gd name="connsiteX3" fmla="*/ 22147303 w 26576764"/>
+              <a:gd name="connsiteY3" fmla="*/ 0 h 7948997"/>
+              <a:gd name="connsiteX4" fmla="*/ 26576764 w 26576764"/>
+              <a:gd name="connsiteY4" fmla="*/ 0 h 7948997"/>
+              <a:gd name="connsiteX5" fmla="*/ 26576764 w 26576764"/>
+              <a:gd name="connsiteY5" fmla="*/ 3778446 h 7948997"/>
+              <a:gd name="connsiteX6" fmla="*/ 26576764 w 26576764"/>
+              <a:gd name="connsiteY6" fmla="*/ 3778446 h 7948997"/>
+              <a:gd name="connsiteX7" fmla="*/ 26576764 w 26576764"/>
+              <a:gd name="connsiteY7" fmla="*/ 5397780 h 7948997"/>
+              <a:gd name="connsiteX8" fmla="*/ 26576764 w 26576764"/>
+              <a:gd name="connsiteY8" fmla="*/ 6477336 h 7948997"/>
+              <a:gd name="connsiteX9" fmla="*/ 14167086 w 26576764"/>
+              <a:gd name="connsiteY9" fmla="*/ 6487720 h 7948997"/>
+              <a:gd name="connsiteX10" fmla="*/ 13329649 w 26576764"/>
+              <a:gd name="connsiteY10" fmla="*/ 7948997 h 7948997"/>
+              <a:gd name="connsiteX11" fmla="*/ 12385839 w 26576764"/>
+              <a:gd name="connsiteY11" fmla="*/ 6477336 h 7948997"/>
+              <a:gd name="connsiteX12" fmla="*/ 0 w 26576764"/>
+              <a:gd name="connsiteY12" fmla="*/ 6477336 h 7948997"/>
+              <a:gd name="connsiteX13" fmla="*/ 0 w 26576764"/>
+              <a:gd name="connsiteY13" fmla="*/ 5397780 h 7948997"/>
+              <a:gd name="connsiteX14" fmla="*/ 0 w 26576764"/>
+              <a:gd name="connsiteY14" fmla="*/ 3778446 h 7948997"/>
+              <a:gd name="connsiteX15" fmla="*/ 0 w 26576764"/>
+              <a:gd name="connsiteY15" fmla="*/ 3778446 h 7948997"/>
+              <a:gd name="connsiteX16" fmla="*/ 0 w 26576764"/>
+              <a:gd name="connsiteY16" fmla="*/ 0 h 7948997"/>
+            </a:gdLst>
+            <a:ahLst/>
+            <a:cxnLst>
+              <a:cxn ang="0">
+                <a:pos x="connsiteX0" y="connsiteY0"/>
+              </a:cxn>
+              <a:cxn ang="0">
+                <a:pos x="connsiteX1" y="connsiteY1"/>
+              </a:cxn>
+              <a:cxn ang="0">
+                <a:pos x="connsiteX2" y="connsiteY2"/>
+              </a:cxn>
+              <a:cxn ang="0">
+                <a:pos x="connsiteX3" y="connsiteY3"/>
+              </a:cxn>
+              <a:cxn ang="0">
+                <a:pos x="connsiteX4" y="connsiteY4"/>
+              </a:cxn>
+              <a:cxn ang="0">
+                <a:pos x="connsiteX5" y="connsiteY5"/>
+              </a:cxn>
+              <a:cxn ang="0">
+                <a:pos x="connsiteX6" y="connsiteY6"/>
+              </a:cxn>
+              <a:cxn ang="0">
+                <a:pos x="connsiteX7" y="connsiteY7"/>
+              </a:cxn>
+              <a:cxn ang="0">
+                <a:pos x="connsiteX8" y="connsiteY8"/>
+              </a:cxn>
+              <a:cxn ang="0">
+                <a:pos x="connsiteX9" y="connsiteY9"/>
+              </a:cxn>
+              <a:cxn ang="0">
+                <a:pos x="connsiteX10" y="connsiteY10"/>
+              </a:cxn>
+              <a:cxn ang="0">
+                <a:pos x="connsiteX11" y="connsiteY11"/>
+              </a:cxn>
+              <a:cxn ang="0">
+                <a:pos x="connsiteX12" y="connsiteY12"/>
+              </a:cxn>
+              <a:cxn ang="0">
+                <a:pos x="connsiteX13" y="connsiteY13"/>
+              </a:cxn>
+              <a:cxn ang="0">
+                <a:pos x="connsiteX14" y="connsiteY14"/>
+              </a:cxn>
+              <a:cxn ang="0">
+                <a:pos x="connsiteX15" y="connsiteY15"/>
+              </a:cxn>
+              <a:cxn ang="0">
+                <a:pos x="connsiteX16" y="connsiteY16"/>
+              </a:cxn>
+            </a:cxnLst>
+            <a:rect l="l" t="t" r="r" b="b"/>
+            <a:pathLst>
+              <a:path w="26576764" h="7948997">
+                <a:moveTo>
+                  <a:pt x="0" y="0"/>
+                </a:moveTo>
+                <a:lnTo>
+                  <a:pt x="15503112" y="0"/>
+                </a:lnTo>
+                <a:lnTo>
+                  <a:pt x="15503112" y="0"/>
+                </a:lnTo>
+                <a:lnTo>
+                  <a:pt x="22147303" y="0"/>
+                </a:lnTo>
+                <a:lnTo>
+                  <a:pt x="26576764" y="0"/>
+                </a:lnTo>
+                <a:lnTo>
+                  <a:pt x="26576764" y="3778446"/>
+                </a:lnTo>
+                <a:lnTo>
+                  <a:pt x="26576764" y="3778446"/>
+                </a:lnTo>
+                <a:lnTo>
+                  <a:pt x="26576764" y="5397780"/>
+                </a:lnTo>
+                <a:lnTo>
+                  <a:pt x="26576764" y="6477336"/>
+                </a:lnTo>
+                <a:lnTo>
+                  <a:pt x="14167086" y="6487720"/>
+                </a:lnTo>
+                <a:lnTo>
+                  <a:pt x="13329649" y="7948997"/>
+                </a:lnTo>
+                <a:lnTo>
+                  <a:pt x="12385839" y="6477336"/>
+                </a:lnTo>
+                <a:lnTo>
+                  <a:pt x="0" y="6477336"/>
+                </a:lnTo>
+                <a:lnTo>
+                  <a:pt x="0" y="5397780"/>
+                </a:lnTo>
+                <a:lnTo>
+                  <a:pt x="0" y="3778446"/>
+                </a:lnTo>
+                <a:lnTo>
+                  <a:pt x="0" y="3778446"/>
+                </a:lnTo>
+                <a:lnTo>
+                  <a:pt x="0" y="0"/>
+                </a:lnTo>
+                <a:close/>
+              </a:path>
+            </a:pathLst>
+          </a:custGeom>
+          <a:solidFill>
+            <a:schemeClr val="accent6">
+              <a:lumMod val="20000"/>
+              <a:lumOff val="80000"/>
+            </a:schemeClr>
+          </a:solidFill>
+          <a:ln w="12700">
+            <a:solidFill>
+              <a:schemeClr val="accent6">
+                <a:lumMod val="75000"/>
+              </a:schemeClr>
+            </a:solidFill>
+          </a:ln>
+        </p:spPr>
+        <p:style>
+          <a:lnRef idx="2">
+            <a:schemeClr val="accent1">
+              <a:shade val="50000"/>
+            </a:schemeClr>
+          </a:lnRef>
+          <a:fillRef idx="1">
+            <a:schemeClr val="accent1"/>
+          </a:fillRef>
+          <a:effectRef idx="0">
+            <a:schemeClr val="accent1"/>
+          </a:effectRef>
+          <a:fontRef idx="minor">
+            <a:schemeClr val="lt1"/>
+          </a:fontRef>
+        </p:style>
+        <p:txBody>
+          <a:bodyPr rtlCol="0" anchor="ctr"/>
+          <a:lstStyle/>
+          <a:p>
+            <a:pPr algn="ctr"/>
+            <a:endParaRPr kumimoji="1" lang="ja-JP" altLang="en-US"/>
+          </a:p>
+        </p:txBody>
+      </p:sp>
+      <p:sp>
+        <p:nvSpPr>
+          <p:cNvPr id="123" name="正方形/長方形 122">
+            <a:extLst>
+              <a:ext uri="{FF2B5EF4-FFF2-40B4-BE49-F238E27FC236}">
+                <a16:creationId xmlns:a16="http://schemas.microsoft.com/office/drawing/2014/main" id="{B59DA1E6-9785-0643-8113-A3E7DD88F64B}"/>
+              </a:ext>
+            </a:extLst>
+          </p:cNvPr>
+          <p:cNvSpPr/>
+          <p:nvPr/>
+        </p:nvSpPr>
+        <p:spPr>
+          <a:xfrm>
+            <a:off x="21728813" y="24099614"/>
+            <a:ext cx="6279820" cy="1021127"/>
+          </a:xfrm>
+          <a:prstGeom prst="rect">
+            <a:avLst/>
+          </a:prstGeom>
+          <a:solidFill>
+            <a:schemeClr val="bg1"/>
+          </a:solidFill>
+          <a:ln w="38100">
+            <a:solidFill>
+              <a:schemeClr val="accent6">
+                <a:lumMod val="75000"/>
+              </a:schemeClr>
+            </a:solidFill>
+          </a:ln>
+        </p:spPr>
+        <p:style>
+          <a:lnRef idx="2">
+            <a:schemeClr val="accent1">
+              <a:shade val="50000"/>
+            </a:schemeClr>
+          </a:lnRef>
+          <a:fillRef idx="1">
+            <a:schemeClr val="accent1"/>
+          </a:fillRef>
+          <a:effectRef idx="0">
+            <a:schemeClr val="accent1"/>
+          </a:effectRef>
+          <a:fontRef idx="minor">
+            <a:schemeClr val="lt1"/>
+          </a:fontRef>
+        </p:style>
+        <p:txBody>
+          <a:bodyPr rtlCol="0" anchor="ctr"/>
+          <a:lstStyle/>
+          <a:p>
+            <a:pPr algn="ctr"/>
+            <a:r>
+              <a:rPr lang="en-US" altLang="ja-JP" sz="4800" b="1" dirty="0">
+                <a:solidFill>
+                  <a:srgbClr val="FF0000"/>
+                </a:solidFill>
+              </a:rPr>
+              <a:t>③</a:t>
+            </a:r>
+            <a:r>
+              <a:rPr lang="ja-JP" altLang="en-US" sz="4800" b="1">
+                <a:solidFill>
+                  <a:srgbClr val="FF0000"/>
+                </a:solidFill>
+              </a:rPr>
+              <a:t>類似度算出</a:t>
+            </a:r>
+          </a:p>
+        </p:txBody>
+      </p:sp>
+      <p:sp>
+        <p:nvSpPr>
+          <p:cNvPr id="124" name="正方形/長方形 123">
+            <a:extLst>
+              <a:ext uri="{FF2B5EF4-FFF2-40B4-BE49-F238E27FC236}">
+                <a16:creationId xmlns:a16="http://schemas.microsoft.com/office/drawing/2014/main" id="{14083ADA-3DB9-E244-A5DD-2CD74BA9F400}"/>
+              </a:ext>
+            </a:extLst>
+          </p:cNvPr>
+          <p:cNvSpPr/>
+          <p:nvPr/>
+        </p:nvSpPr>
+        <p:spPr>
+          <a:xfrm>
+            <a:off x="21728813" y="25121096"/>
+            <a:ext cx="6279820" cy="4928918"/>
+          </a:xfrm>
+          <a:prstGeom prst="rect">
+            <a:avLst/>
+          </a:prstGeom>
+          <a:solidFill>
+            <a:schemeClr val="bg1"/>
+          </a:solidFill>
+          <a:ln w="38100">
+            <a:solidFill>
+              <a:schemeClr val="accent6">
+                <a:lumMod val="75000"/>
+              </a:schemeClr>
+            </a:solidFill>
+          </a:ln>
+        </p:spPr>
+        <p:style>
+          <a:lnRef idx="2">
+            <a:schemeClr val="accent1">
+              <a:shade val="50000"/>
+            </a:schemeClr>
+          </a:lnRef>
+          <a:fillRef idx="1">
+            <a:schemeClr val="accent1"/>
+          </a:fillRef>
+          <a:effectRef idx="0">
+            <a:schemeClr val="accent1"/>
+          </a:effectRef>
+          <a:fontRef idx="minor">
+            <a:schemeClr val="lt1"/>
+          </a:fontRef>
+        </p:style>
+        <p:txBody>
+          <a:bodyPr rtlCol="0" anchor="ctr"/>
+          <a:lstStyle/>
+          <a:p>
+            <a:pPr algn="ctr"/>
+            <a:endParaRPr kumimoji="1" lang="ja-JP" altLang="en-US"/>
+          </a:p>
+        </p:txBody>
+      </p:sp>
+      <p:sp>
+        <p:nvSpPr>
+          <p:cNvPr id="125" name="テキスト ボックス 124">
+            <a:extLst>
+              <a:ext uri="{FF2B5EF4-FFF2-40B4-BE49-F238E27FC236}">
+                <a16:creationId xmlns:a16="http://schemas.microsoft.com/office/drawing/2014/main" id="{B68CAE6D-8788-8F4E-AE42-18D3C5871A55}"/>
+              </a:ext>
+            </a:extLst>
+          </p:cNvPr>
+          <p:cNvSpPr txBox="1"/>
+          <p:nvPr/>
+        </p:nvSpPr>
+        <p:spPr>
+          <a:xfrm>
+            <a:off x="21902592" y="26481296"/>
+            <a:ext cx="5946979" cy="1938992"/>
+          </a:xfrm>
+          <a:prstGeom prst="rect">
+            <a:avLst/>
+          </a:prstGeom>
+          <a:noFill/>
+        </p:spPr>
+        <p:txBody>
+          <a:bodyPr wrap="square" rtlCol="0">
+            <a:spAutoFit/>
+          </a:bodyPr>
+          <a:lstStyle/>
+          <a:p>
+            <a:r>
+              <a:rPr lang="ja-JP" altLang="en-US" sz="4000"/>
+              <a:t>各レビュー文書の</a:t>
+            </a:r>
+            <a:endParaRPr lang="en-US" altLang="ja-JP" sz="4000" dirty="0"/>
+          </a:p>
+          <a:p>
+            <a:r>
+              <a:rPr lang="ja-JP" altLang="en-US" sz="4000"/>
+              <a:t>トピックの分布の類似度を算出</a:t>
+            </a:r>
+            <a:endParaRPr kumimoji="1" lang="en-US" altLang="ja-JP" sz="4000" dirty="0"/>
+          </a:p>
+        </p:txBody>
+      </p:sp>
+      <p:grpSp>
+        <p:nvGrpSpPr>
+          <p:cNvPr id="19" name="グループ化 18">
+            <a:extLst>
+              <a:ext uri="{FF2B5EF4-FFF2-40B4-BE49-F238E27FC236}">
+                <a16:creationId xmlns:a16="http://schemas.microsoft.com/office/drawing/2014/main" id="{A180CD74-4884-CB4A-AC86-8D3A062BD7A0}"/>
+              </a:ext>
+            </a:extLst>
+          </p:cNvPr>
+          <p:cNvGrpSpPr/>
+          <p:nvPr/>
+        </p:nvGrpSpPr>
+        <p:grpSpPr>
+          <a:xfrm>
+            <a:off x="32115450" y="38218007"/>
+            <a:ext cx="27643017" cy="4903052"/>
+            <a:chOff x="1445785" y="37167367"/>
+            <a:chExt cx="27643017" cy="4903052"/>
+          </a:xfrm>
+        </p:grpSpPr>
+        <p:sp>
+          <p:nvSpPr>
+            <p:cNvPr id="126" name="正方形/長方形 125">
+              <a:extLst>
+                <a:ext uri="{FF2B5EF4-FFF2-40B4-BE49-F238E27FC236}">
+                  <a16:creationId xmlns:a16="http://schemas.microsoft.com/office/drawing/2014/main" id="{C4F98C04-767E-DB42-B269-E4799B018BBA}"/>
+                </a:ext>
+              </a:extLst>
+            </p:cNvPr>
+            <p:cNvSpPr>
+              <a:spLocks/>
+            </p:cNvSpPr>
+            <p:nvPr/>
+          </p:nvSpPr>
+          <p:spPr>
+            <a:xfrm>
+              <a:off x="1445787" y="37167367"/>
+              <a:ext cx="27643015" cy="1398979"/>
+            </a:xfrm>
+            <a:prstGeom prst="rect">
+              <a:avLst/>
+            </a:prstGeom>
+            <a:solidFill>
+              <a:schemeClr val="accent6">
+                <a:lumMod val="75000"/>
+              </a:schemeClr>
+            </a:solidFill>
+            <a:ln w="44450">
+              <a:solidFill>
+                <a:schemeClr val="accent6">
+                  <a:lumMod val="75000"/>
+                </a:schemeClr>
+              </a:solidFill>
+            </a:ln>
+          </p:spPr>
+          <p:style>
+            <a:lnRef idx="2">
+              <a:schemeClr val="accent1">
+                <a:shade val="50000"/>
+              </a:schemeClr>
+            </a:lnRef>
+            <a:fillRef idx="1">
+              <a:schemeClr val="accent1"/>
+            </a:fillRef>
+            <a:effectRef idx="0">
+              <a:schemeClr val="accent1"/>
+            </a:effectRef>
+            <a:fontRef idx="minor">
+              <a:schemeClr val="lt1"/>
+            </a:fontRef>
+          </p:style>
+          <p:txBody>
+            <a:bodyPr rtlCol="0" anchor="ctr"/>
+            <a:lstStyle/>
+            <a:p>
+              <a:r>
+                <a:rPr kumimoji="1" lang="en-US" altLang="ja-JP" sz="7200" b="1" dirty="0"/>
+                <a:t>  </a:t>
+              </a:r>
+              <a:r>
+                <a:rPr kumimoji="1" lang="ja-JP" altLang="en-US" sz="7200" b="1"/>
+                <a:t>今後の予定</a:t>
+              </a:r>
+            </a:p>
+          </p:txBody>
+        </p:sp>
+        <p:sp>
+          <p:nvSpPr>
+            <p:cNvPr id="127" name="正方形/長方形 126">
+              <a:extLst>
+                <a:ext uri="{FF2B5EF4-FFF2-40B4-BE49-F238E27FC236}">
+                  <a16:creationId xmlns:a16="http://schemas.microsoft.com/office/drawing/2014/main" id="{E0211CA3-BE6E-994E-B233-B4FDDEE0221F}"/>
+                </a:ext>
+              </a:extLst>
+            </p:cNvPr>
+            <p:cNvSpPr>
+              <a:spLocks/>
+            </p:cNvSpPr>
+            <p:nvPr/>
+          </p:nvSpPr>
+          <p:spPr>
+            <a:xfrm>
+              <a:off x="1445785" y="38574162"/>
+              <a:ext cx="27643017" cy="3496257"/>
+            </a:xfrm>
+            <a:prstGeom prst="rect">
+              <a:avLst/>
+            </a:prstGeom>
+            <a:noFill/>
+            <a:ln w="44450">
+              <a:solidFill>
+                <a:schemeClr val="accent6">
+                  <a:lumMod val="75000"/>
+                </a:schemeClr>
+              </a:solidFill>
+            </a:ln>
+          </p:spPr>
+          <p:style>
+            <a:lnRef idx="2">
+              <a:schemeClr val="accent1">
+                <a:shade val="50000"/>
+              </a:schemeClr>
+            </a:lnRef>
+            <a:fillRef idx="1">
+              <a:schemeClr val="accent1"/>
+            </a:fillRef>
+            <a:effectRef idx="0">
+              <a:schemeClr val="accent1"/>
+            </a:effectRef>
+            <a:fontRef idx="minor">
+              <a:schemeClr val="lt1"/>
+            </a:fontRef>
+          </p:style>
+          <p:txBody>
+            <a:bodyPr rtlCol="0" anchor="ctr"/>
+            <a:lstStyle/>
+            <a:p>
+              <a:pPr algn="ctr"/>
+              <a:endParaRPr kumimoji="1" lang="ja-JP" altLang="en-US" sz="11500" b="1"/>
+            </a:p>
+          </p:txBody>
+        </p:sp>
+        <p:sp>
+          <p:nvSpPr>
+            <p:cNvPr id="128" name="テキスト ボックス 127">
+              <a:extLst>
+                <a:ext uri="{FF2B5EF4-FFF2-40B4-BE49-F238E27FC236}">
+                  <a16:creationId xmlns:a16="http://schemas.microsoft.com/office/drawing/2014/main" id="{94B32377-2715-5A45-B1CE-82696763EAD8}"/>
+                </a:ext>
+              </a:extLst>
+            </p:cNvPr>
+            <p:cNvSpPr txBox="1"/>
+            <p:nvPr/>
+          </p:nvSpPr>
+          <p:spPr>
+            <a:xfrm>
+              <a:off x="2142797" y="38995254"/>
+              <a:ext cx="16978519" cy="3046988"/>
+            </a:xfrm>
+            <a:prstGeom prst="rect">
+              <a:avLst/>
+            </a:prstGeom>
+            <a:noFill/>
+          </p:spPr>
+          <p:txBody>
+            <a:bodyPr wrap="square" rtlCol="0">
+              <a:spAutoFit/>
+            </a:bodyPr>
+            <a:lstStyle/>
+            <a:p>
+              <a:pPr marL="685800" indent="-685800">
+                <a:buFont typeface="Arial" panose="020B0604020202020204" pitchFamily="34" charset="0"/>
+                <a:buChar char="•"/>
+              </a:pPr>
+              <a:r>
+                <a:rPr lang="ja-JP" altLang="en-US" sz="4800"/>
+                <a:t>特徴抽出、類似度計算手法の調査</a:t>
+              </a:r>
+              <a:endParaRPr kumimoji="1" lang="en-US" altLang="ja-JP" sz="4800" dirty="0"/>
+            </a:p>
+            <a:p>
+              <a:pPr marL="685800" indent="-685800">
+                <a:buFont typeface="Arial" panose="020B0604020202020204" pitchFamily="34" charset="0"/>
+                <a:buChar char="•"/>
+              </a:pPr>
+              <a:r>
+                <a:rPr lang="ja-JP" altLang="en-US" sz="4800"/>
+                <a:t>対象</a:t>
+              </a:r>
+              <a:r>
+                <a:rPr kumimoji="1" lang="ja-JP" altLang="en-US" sz="4800"/>
+                <a:t>地域を広げてスクレイピング</a:t>
+              </a:r>
+              <a:endParaRPr kumimoji="1" lang="en-US" altLang="ja-JP" sz="4800" dirty="0"/>
+            </a:p>
+            <a:p>
+              <a:pPr marL="685800" indent="-685800">
+                <a:buFont typeface="Arial" panose="020B0604020202020204" pitchFamily="34" charset="0"/>
+                <a:buChar char="•"/>
+              </a:pPr>
+              <a:r>
+                <a:rPr lang="ja-JP" altLang="en-US" sz="4800"/>
+                <a:t>システム開発を進める</a:t>
+              </a:r>
+              <a:endParaRPr lang="en-US" altLang="ja-JP" sz="4800" dirty="0"/>
+            </a:p>
+            <a:p>
+              <a:pPr marL="685800" indent="-685800">
+                <a:buFont typeface="Arial" panose="020B0604020202020204" pitchFamily="34" charset="0"/>
+                <a:buChar char="•"/>
+              </a:pPr>
+              <a:r>
+                <a:rPr lang="ja-JP" altLang="en-US" sz="4800"/>
+                <a:t>本実験：被験者の入力からレコメンドシステムの評価</a:t>
+              </a:r>
+              <a:endParaRPr kumimoji="1" lang="ja-JP" altLang="en-US" sz="4800"/>
+            </a:p>
+          </p:txBody>
+        </p:sp>
+      </p:grpSp>
+      <p:sp>
+        <p:nvSpPr>
+          <p:cNvPr id="129" name="正方形/長方形 128">
+            <a:extLst>
+              <a:ext uri="{FF2B5EF4-FFF2-40B4-BE49-F238E27FC236}">
+                <a16:creationId xmlns:a16="http://schemas.microsoft.com/office/drawing/2014/main" id="{8D8B1E62-6D94-6D46-BA63-A73FF333259B}"/>
+              </a:ext>
+            </a:extLst>
+          </p:cNvPr>
+          <p:cNvSpPr>
+            <a:spLocks/>
+          </p:cNvSpPr>
+          <p:nvPr/>
+        </p:nvSpPr>
+        <p:spPr>
+          <a:xfrm>
+            <a:off x="1219847" y="36992199"/>
+            <a:ext cx="13500000" cy="1398979"/>
+          </a:xfrm>
+          <a:prstGeom prst="rect">
+            <a:avLst/>
+          </a:prstGeom>
+          <a:solidFill>
+            <a:schemeClr val="accent6">
+              <a:lumMod val="75000"/>
+            </a:schemeClr>
+          </a:solidFill>
+          <a:ln w="44450">
+            <a:solidFill>
+              <a:schemeClr val="accent6">
+                <a:lumMod val="75000"/>
+              </a:schemeClr>
+            </a:solidFill>
+          </a:ln>
+        </p:spPr>
+        <p:style>
+          <a:lnRef idx="2">
+            <a:schemeClr val="accent1">
+              <a:shade val="50000"/>
+            </a:schemeClr>
+          </a:lnRef>
+          <a:fillRef idx="1">
+            <a:schemeClr val="accent1"/>
+          </a:fillRef>
+          <a:effectRef idx="0">
+            <a:schemeClr val="accent1"/>
+          </a:effectRef>
+          <a:fontRef idx="minor">
+            <a:schemeClr val="lt1"/>
+          </a:fontRef>
+        </p:style>
+        <p:txBody>
+          <a:bodyPr rtlCol="0" anchor="ctr"/>
+          <a:lstStyle/>
+          <a:p>
+            <a:r>
+              <a:rPr kumimoji="1" lang="en-US" altLang="ja-JP" sz="6600" b="1" dirty="0"/>
+              <a:t>  </a:t>
+            </a:r>
+            <a:r>
+              <a:rPr kumimoji="1" lang="ja-JP" altLang="en-US" sz="6600" b="1"/>
+              <a:t>評価実験</a:t>
+            </a:r>
+          </a:p>
+        </p:txBody>
+      </p:sp>
+      <p:sp>
+        <p:nvSpPr>
+          <p:cNvPr id="130" name="正方形/長方形 129">
+            <a:extLst>
+              <a:ext uri="{FF2B5EF4-FFF2-40B4-BE49-F238E27FC236}">
+                <a16:creationId xmlns:a16="http://schemas.microsoft.com/office/drawing/2014/main" id="{C6A4F73E-C52E-5642-B5D4-455DD719B751}"/>
+              </a:ext>
+            </a:extLst>
+          </p:cNvPr>
+          <p:cNvSpPr>
+            <a:spLocks/>
+          </p:cNvSpPr>
+          <p:nvPr/>
+        </p:nvSpPr>
+        <p:spPr>
+          <a:xfrm>
+            <a:off x="1219846" y="38428624"/>
+            <a:ext cx="13500001" cy="3496257"/>
+          </a:xfrm>
+          <a:prstGeom prst="rect">
+            <a:avLst/>
+          </a:prstGeom>
+          <a:noFill/>
+          <a:ln w="44450">
+            <a:solidFill>
+              <a:schemeClr val="accent6">
+                <a:lumMod val="75000"/>
+              </a:schemeClr>
+            </a:solidFill>
+          </a:ln>
+        </p:spPr>
+        <p:style>
+          <a:lnRef idx="2">
+            <a:schemeClr val="accent1">
+              <a:shade val="50000"/>
+            </a:schemeClr>
+          </a:lnRef>
+          <a:fillRef idx="1">
+            <a:schemeClr val="accent1"/>
+          </a:fillRef>
+          <a:effectRef idx="0">
+            <a:schemeClr val="accent1"/>
+          </a:effectRef>
+          <a:fontRef idx="minor">
+            <a:schemeClr val="lt1"/>
+          </a:fontRef>
+        </p:style>
+        <p:txBody>
+          <a:bodyPr rtlCol="0" anchor="ctr"/>
+          <a:lstStyle/>
+          <a:p>
+            <a:pPr algn="ctr"/>
+            <a:endParaRPr kumimoji="1" lang="ja-JP" altLang="en-US" sz="11500" b="1"/>
+          </a:p>
+        </p:txBody>
+      </p:sp>
+      <p:sp>
+        <p:nvSpPr>
+          <p:cNvPr id="135" name="テキスト ボックス 134">
+            <a:extLst>
+              <a:ext uri="{FF2B5EF4-FFF2-40B4-BE49-F238E27FC236}">
+                <a16:creationId xmlns:a16="http://schemas.microsoft.com/office/drawing/2014/main" id="{045AB5FA-5918-A547-8C8A-20863B545757}"/>
+              </a:ext>
+            </a:extLst>
+          </p:cNvPr>
+          <p:cNvSpPr txBox="1"/>
+          <p:nvPr/>
+        </p:nvSpPr>
+        <p:spPr>
+          <a:xfrm>
+            <a:off x="1764182" y="38830281"/>
+            <a:ext cx="12467123" cy="2202206"/>
+          </a:xfrm>
+          <a:prstGeom prst="rect">
+            <a:avLst/>
+          </a:prstGeom>
+          <a:noFill/>
+        </p:spPr>
+        <p:txBody>
+          <a:bodyPr wrap="square" rtlCol="0">
+            <a:spAutoFit/>
+          </a:bodyPr>
+          <a:lstStyle/>
+          <a:p>
+            <a:pPr marL="685800" indent="-685800">
+              <a:lnSpc>
+                <a:spcPct val="150000"/>
+              </a:lnSpc>
+              <a:buFont typeface="Arial" panose="020B0604020202020204" pitchFamily="34" charset="0"/>
+              <a:buChar char="•"/>
+            </a:pPr>
+            <a:r>
+              <a:rPr lang="ja-JP" altLang="en-US" sz="4800"/>
+              <a:t>被験者の入力からレコメンドを出力</a:t>
+            </a:r>
+            <a:endParaRPr lang="en-US" altLang="ja-JP" sz="4800" dirty="0"/>
+          </a:p>
+          <a:p>
+            <a:pPr>
+              <a:lnSpc>
+                <a:spcPct val="150000"/>
+              </a:lnSpc>
+            </a:pPr>
+            <a:r>
+              <a:rPr lang="en-US" altLang="ja-JP" sz="4800" dirty="0"/>
+              <a:t>→ </a:t>
+            </a:r>
+            <a:r>
+              <a:rPr lang="ja-JP" altLang="en-US" sz="4800"/>
+              <a:t>他ロジックとの比較によりスコアを算出</a:t>
+            </a:r>
+            <a:endParaRPr lang="en-US" altLang="ja-JP" sz="4800" dirty="0"/>
+          </a:p>
+        </p:txBody>
+      </p:sp>
+      <p:graphicFrame>
+        <p:nvGraphicFramePr>
+          <p:cNvPr id="6" name="表 5">
+            <a:extLst>
+              <a:ext uri="{FF2B5EF4-FFF2-40B4-BE49-F238E27FC236}">
+                <a16:creationId xmlns:a16="http://schemas.microsoft.com/office/drawing/2014/main" id="{6681EC5B-199B-D741-B5A5-E3CB95CE6667}"/>
+              </a:ext>
+            </a:extLst>
+          </p:cNvPr>
+          <p:cNvGraphicFramePr>
+            <a:graphicFrameLocks noGrp="1"/>
+          </p:cNvGraphicFramePr>
+          <p:nvPr>
+            <p:extLst>
+              <p:ext uri="{D42A27DB-BD31-4B8C-83A1-F6EECF244321}">
+                <p14:modId xmlns:p14="http://schemas.microsoft.com/office/powerpoint/2010/main" val="4283496678"/>
+              </p:ext>
+            </p:extLst>
+          </p:nvPr>
+        </p:nvGraphicFramePr>
+        <p:xfrm>
+          <a:off x="2326308" y="32136860"/>
+          <a:ext cx="3972761" cy="3330052"/>
+        </p:xfrm>
+        <a:graphic>
+          <a:graphicData uri="http://schemas.openxmlformats.org/drawingml/2006/table">
+            <a:tbl>
+              <a:tblPr firstRow="1" bandRow="1">
+                <a:tableStyleId>{2A488322-F2BA-4B5B-9748-0D474271808F}</a:tableStyleId>
+              </a:tblPr>
+              <a:tblGrid>
+                <a:gridCol w="1674642">
+                  <a:extLst>
+                    <a:ext uri="{9D8B030D-6E8A-4147-A177-3AD203B41FA5}">
+                      <a16:colId xmlns:a16="http://schemas.microsoft.com/office/drawing/2014/main" val="476507974"/>
+                    </a:ext>
+                  </a:extLst>
+                </a:gridCol>
+                <a:gridCol w="2298119">
+                  <a:extLst>
+                    <a:ext uri="{9D8B030D-6E8A-4147-A177-3AD203B41FA5}">
+                      <a16:colId xmlns:a16="http://schemas.microsoft.com/office/drawing/2014/main" val="1990266496"/>
+                    </a:ext>
+                  </a:extLst>
+                </a:gridCol>
+              </a:tblGrid>
+              <a:tr h="577696">
+                <a:tc>
+                  <a:txBody>
+                    <a:bodyPr/>
+                    <a:lstStyle/>
+                    <a:p>
+                      <a:pPr algn="ctr"/>
+                      <a:r>
+                        <a:rPr kumimoji="1" lang="ja-JP" altLang="en-US" sz="3200"/>
+                        <a:t>単語</a:t>
+                      </a:r>
+                    </a:p>
+                  </a:txBody>
+                  <a:tcPr/>
+                </a:tc>
+                <a:tc>
+                  <a:txBody>
+                    <a:bodyPr/>
+                    <a:lstStyle/>
+                    <a:p>
+                      <a:pPr algn="ctr"/>
+                      <a:r>
+                        <a:rPr kumimoji="1" lang="ja-JP" altLang="en-US" sz="3200"/>
+                        <a:t>確率</a:t>
+                      </a:r>
+                    </a:p>
+                  </a:txBody>
+                  <a:tcPr/>
+                </a:tc>
+                <a:extLst>
+                  <a:ext uri="{0D108BD9-81ED-4DB2-BD59-A6C34878D82A}">
+                    <a16:rowId xmlns:a16="http://schemas.microsoft.com/office/drawing/2014/main" val="523836565"/>
+                  </a:ext>
+                </a:extLst>
+              </a:tr>
+              <a:tr h="687733">
+                <a:tc>
+                  <a:txBody>
+                    <a:bodyPr/>
+                    <a:lstStyle/>
+                    <a:p>
+                      <a:r>
+                        <a:rPr lang="ja-JP" altLang="en-US" sz="3200"/>
+                        <a:t>神社</a:t>
+                      </a:r>
+                      <a:endParaRPr kumimoji="1" lang="ja-JP" altLang="en-US" sz="3200"/>
+                    </a:p>
+                  </a:txBody>
+                  <a:tcPr/>
+                </a:tc>
+                <a:tc>
+                  <a:txBody>
+                    <a:bodyPr/>
+                    <a:lstStyle/>
+                    <a:p>
+                      <a:r>
+                        <a:rPr lang="en-US" altLang="ja-JP" sz="3200" dirty="0"/>
+                        <a:t>0.0678797…</a:t>
+                      </a:r>
+                      <a:endParaRPr kumimoji="1" lang="ja-JP" altLang="en-US" sz="3200"/>
+                    </a:p>
+                  </a:txBody>
+                  <a:tcPr/>
+                </a:tc>
+                <a:extLst>
+                  <a:ext uri="{0D108BD9-81ED-4DB2-BD59-A6C34878D82A}">
+                    <a16:rowId xmlns:a16="http://schemas.microsoft.com/office/drawing/2014/main" val="4074486588"/>
+                  </a:ext>
+                </a:extLst>
+              </a:tr>
+              <a:tr h="687733">
+                <a:tc>
+                  <a:txBody>
+                    <a:bodyPr/>
+                    <a:lstStyle/>
+                    <a:p>
+                      <a:r>
+                        <a:rPr lang="ja-JP" altLang="en-US" sz="3200"/>
+                        <a:t>境内 </a:t>
+                      </a:r>
+                      <a:endParaRPr kumimoji="1" lang="ja-JP" altLang="en-US" sz="3200"/>
+                    </a:p>
+                  </a:txBody>
+                  <a:tcPr/>
+                </a:tc>
+                <a:tc>
+                  <a:txBody>
+                    <a:bodyPr/>
+                    <a:lstStyle/>
+                    <a:p>
+                      <a:r>
+                        <a:rPr lang="en-US" altLang="ja-JP" sz="3200" dirty="0"/>
+                        <a:t>0.0212040…</a:t>
+                      </a:r>
+                      <a:endParaRPr kumimoji="1" lang="ja-JP" altLang="en-US" sz="3200"/>
+                    </a:p>
+                  </a:txBody>
+                  <a:tcPr/>
+                </a:tc>
+                <a:extLst>
+                  <a:ext uri="{0D108BD9-81ED-4DB2-BD59-A6C34878D82A}">
+                    <a16:rowId xmlns:a16="http://schemas.microsoft.com/office/drawing/2014/main" val="29630606"/>
+                  </a:ext>
+                </a:extLst>
+              </a:tr>
+              <a:tr h="687733">
+                <a:tc>
+                  <a:txBody>
+                    <a:bodyPr/>
+                    <a:lstStyle/>
+                    <a:p>
+                      <a:r>
+                        <a:rPr lang="ja-JP" altLang="en-US" sz="3200"/>
+                        <a:t>参拝 </a:t>
+                      </a:r>
+                      <a:endParaRPr kumimoji="1" lang="ja-JP" altLang="en-US" sz="3200"/>
+                    </a:p>
+                  </a:txBody>
+                  <a:tcPr/>
+                </a:tc>
+                <a:tc>
+                  <a:txBody>
+                    <a:bodyPr/>
+                    <a:lstStyle/>
+                    <a:p>
+                      <a:r>
+                        <a:rPr lang="en-US" altLang="ja-JP" sz="3200" dirty="0"/>
+                        <a:t>0.0166709…</a:t>
+                      </a:r>
+                    </a:p>
+                  </a:txBody>
+                  <a:tcPr/>
+                </a:tc>
+                <a:extLst>
+                  <a:ext uri="{0D108BD9-81ED-4DB2-BD59-A6C34878D82A}">
+                    <a16:rowId xmlns:a16="http://schemas.microsoft.com/office/drawing/2014/main" val="176714018"/>
+                  </a:ext>
+                </a:extLst>
+              </a:tr>
+              <a:tr h="687733">
+                <a:tc>
+                  <a:txBody>
+                    <a:bodyPr/>
+                    <a:lstStyle/>
+                    <a:p>
+                      <a:r>
+                        <a:rPr lang="ja-JP" altLang="en-US" sz="3200"/>
+                        <a:t>お参り </a:t>
+                      </a:r>
+                      <a:endParaRPr kumimoji="1" lang="ja-JP" altLang="en-US" sz="3200"/>
+                    </a:p>
+                  </a:txBody>
+                  <a:tcPr/>
+                </a:tc>
+                <a:tc>
+                  <a:txBody>
+                    <a:bodyPr/>
+                    <a:lstStyle/>
+                    <a:p>
+                      <a:r>
+                        <a:rPr lang="en-US" altLang="ja-JP" sz="3200" dirty="0"/>
+                        <a:t>0.0153253…</a:t>
+                      </a:r>
+                    </a:p>
+                  </a:txBody>
+                  <a:tcPr/>
+                </a:tc>
+                <a:extLst>
+                  <a:ext uri="{0D108BD9-81ED-4DB2-BD59-A6C34878D82A}">
+                    <a16:rowId xmlns:a16="http://schemas.microsoft.com/office/drawing/2014/main" val="4162520137"/>
+                  </a:ext>
+                </a:extLst>
+              </a:tr>
+            </a:tbl>
+          </a:graphicData>
+        </a:graphic>
+      </p:graphicFrame>
+      <p:graphicFrame>
+        <p:nvGraphicFramePr>
+          <p:cNvPr id="137" name="表 136">
+            <a:extLst>
+              <a:ext uri="{FF2B5EF4-FFF2-40B4-BE49-F238E27FC236}">
+                <a16:creationId xmlns:a16="http://schemas.microsoft.com/office/drawing/2014/main" id="{B67E3F7E-0012-704B-92DD-8CC28B6B6B69}"/>
+              </a:ext>
+            </a:extLst>
+          </p:cNvPr>
+          <p:cNvGraphicFramePr>
+            <a:graphicFrameLocks noGrp="1"/>
+          </p:cNvGraphicFramePr>
+          <p:nvPr>
+            <p:extLst>
+              <p:ext uri="{D42A27DB-BD31-4B8C-83A1-F6EECF244321}">
+                <p14:modId xmlns:p14="http://schemas.microsoft.com/office/powerpoint/2010/main" val="3299245873"/>
+              </p:ext>
+            </p:extLst>
+          </p:nvPr>
+        </p:nvGraphicFramePr>
+        <p:xfrm>
+          <a:off x="-7680131" y="29699664"/>
+          <a:ext cx="5675740" cy="3688080"/>
+        </p:xfrm>
+        <a:graphic>
+          <a:graphicData uri="http://schemas.openxmlformats.org/drawingml/2006/table">
+            <a:tbl>
+              <a:tblPr firstRow="1" bandRow="1">
+                <a:tableStyleId>{2A488322-F2BA-4B5B-9748-0D474271808F}</a:tableStyleId>
+              </a:tblPr>
+              <a:tblGrid>
+                <a:gridCol w="1959820">
+                  <a:extLst>
+                    <a:ext uri="{9D8B030D-6E8A-4147-A177-3AD203B41FA5}">
+                      <a16:colId xmlns:a16="http://schemas.microsoft.com/office/drawing/2014/main" val="476507974"/>
+                    </a:ext>
+                  </a:extLst>
+                </a:gridCol>
+                <a:gridCol w="3715920">
+                  <a:extLst>
+                    <a:ext uri="{9D8B030D-6E8A-4147-A177-3AD203B41FA5}">
+                      <a16:colId xmlns:a16="http://schemas.microsoft.com/office/drawing/2014/main" val="1990266496"/>
+                    </a:ext>
+                  </a:extLst>
+                </a:gridCol>
+              </a:tblGrid>
+              <a:tr h="468680">
+                <a:tc>
+                  <a:txBody>
+                    <a:bodyPr/>
+                    <a:lstStyle/>
+                    <a:p>
+                      <a:pPr algn="ctr"/>
+                      <a:r>
+                        <a:rPr kumimoji="1" lang="ja-JP" altLang="en-US" sz="3600"/>
+                        <a:t>単語</a:t>
+                      </a:r>
+                    </a:p>
+                  </a:txBody>
+                  <a:tcPr/>
+                </a:tc>
+                <a:tc>
+                  <a:txBody>
+                    <a:bodyPr/>
+                    <a:lstStyle/>
+                    <a:p>
+                      <a:pPr algn="ctr"/>
+                      <a:r>
+                        <a:rPr kumimoji="1" lang="ja-JP" altLang="en-US" sz="3600"/>
+                        <a:t>確率</a:t>
+                      </a:r>
+                    </a:p>
+                  </a:txBody>
+                  <a:tcPr/>
+                </a:tc>
+                <a:extLst>
+                  <a:ext uri="{0D108BD9-81ED-4DB2-BD59-A6C34878D82A}">
+                    <a16:rowId xmlns:a16="http://schemas.microsoft.com/office/drawing/2014/main" val="523836565"/>
+                  </a:ext>
+                </a:extLst>
+              </a:tr>
+              <a:tr h="734632">
+                <a:tc>
+                  <a:txBody>
+                    <a:bodyPr/>
+                    <a:lstStyle/>
+                    <a:p>
+                      <a:r>
+                        <a:rPr kumimoji="1" lang="ja-JP" altLang="en-US" sz="4400"/>
+                        <a:t>街</a:t>
+                      </a:r>
+                    </a:p>
+                  </a:txBody>
+                  <a:tcPr/>
+                </a:tc>
+                <a:tc>
+                  <a:txBody>
+                    <a:bodyPr/>
+                    <a:lstStyle/>
+                    <a:p>
+                      <a:r>
+                        <a:rPr lang="en-US" altLang="ja-JP" sz="4400" dirty="0"/>
+                        <a:t>0.0118167…</a:t>
+                      </a:r>
+                      <a:endParaRPr kumimoji="1" lang="ja-JP" altLang="en-US" sz="4400"/>
+                    </a:p>
+                  </a:txBody>
+                  <a:tcPr/>
+                </a:tc>
+                <a:extLst>
+                  <a:ext uri="{0D108BD9-81ED-4DB2-BD59-A6C34878D82A}">
+                    <a16:rowId xmlns:a16="http://schemas.microsoft.com/office/drawing/2014/main" val="4074486588"/>
+                  </a:ext>
+                </a:extLst>
+              </a:tr>
+              <a:tr h="734632">
+                <a:tc>
+                  <a:txBody>
+                    <a:bodyPr/>
+                    <a:lstStyle/>
+                    <a:p>
+                      <a:r>
+                        <a:rPr lang="ja-JP" altLang="en-US" sz="4400"/>
+                        <a:t>観光 </a:t>
+                      </a:r>
+                      <a:endParaRPr kumimoji="1" lang="ja-JP" altLang="en-US" sz="4400"/>
+                    </a:p>
+                  </a:txBody>
+                  <a:tcPr/>
+                </a:tc>
+                <a:tc>
+                  <a:txBody>
+                    <a:bodyPr/>
+                    <a:lstStyle/>
+                    <a:p>
+                      <a:r>
+                        <a:rPr lang="en-US" altLang="ja-JP" sz="4400" dirty="0"/>
+                        <a:t>0.0109105…</a:t>
+                      </a:r>
+                      <a:endParaRPr kumimoji="1" lang="ja-JP" altLang="en-US" sz="4400"/>
+                    </a:p>
+                  </a:txBody>
+                  <a:tcPr/>
+                </a:tc>
+                <a:extLst>
+                  <a:ext uri="{0D108BD9-81ED-4DB2-BD59-A6C34878D82A}">
+                    <a16:rowId xmlns:a16="http://schemas.microsoft.com/office/drawing/2014/main" val="29630606"/>
+                  </a:ext>
+                </a:extLst>
+              </a:tr>
+              <a:tr h="734632">
+                <a:tc>
+                  <a:txBody>
+                    <a:bodyPr/>
+                    <a:lstStyle/>
+                    <a:p>
+                      <a:r>
+                        <a:rPr lang="ja-JP" altLang="en-US" sz="4400"/>
+                        <a:t>案内 </a:t>
+                      </a:r>
+                      <a:endParaRPr kumimoji="1" lang="ja-JP" altLang="en-US" sz="4400"/>
+                    </a:p>
+                  </a:txBody>
+                  <a:tcPr/>
+                </a:tc>
+                <a:tc>
+                  <a:txBody>
+                    <a:bodyPr/>
+                    <a:lstStyle/>
+                    <a:p>
+                      <a:r>
+                        <a:rPr lang="en-US" altLang="ja-JP" sz="4400" dirty="0"/>
+                        <a:t>0.0073654…</a:t>
+                      </a:r>
+                    </a:p>
+                  </a:txBody>
+                  <a:tcPr/>
+                </a:tc>
+                <a:extLst>
+                  <a:ext uri="{0D108BD9-81ED-4DB2-BD59-A6C34878D82A}">
+                    <a16:rowId xmlns:a16="http://schemas.microsoft.com/office/drawing/2014/main" val="176714018"/>
+                  </a:ext>
+                </a:extLst>
+              </a:tr>
+              <a:tr h="734632">
+                <a:tc>
+                  <a:txBody>
+                    <a:bodyPr/>
+                    <a:lstStyle/>
+                    <a:p>
+                      <a:r>
+                        <a:rPr lang="ja-JP" altLang="en-US" sz="4400"/>
+                        <a:t>観戦 </a:t>
+                      </a:r>
+                      <a:endParaRPr kumimoji="1" lang="ja-JP" altLang="en-US" sz="4400"/>
+                    </a:p>
+                  </a:txBody>
+                  <a:tcPr/>
+                </a:tc>
+                <a:tc>
+                  <a:txBody>
+                    <a:bodyPr/>
+                    <a:lstStyle/>
+                    <a:p>
+                      <a:r>
+                        <a:rPr lang="en-US" altLang="ja-JP" sz="4400" dirty="0"/>
+                        <a:t>0.0068173…</a:t>
+                      </a:r>
+                    </a:p>
+                  </a:txBody>
+                  <a:tcPr/>
+                </a:tc>
+                <a:extLst>
+                  <a:ext uri="{0D108BD9-81ED-4DB2-BD59-A6C34878D82A}">
+                    <a16:rowId xmlns:a16="http://schemas.microsoft.com/office/drawing/2014/main" val="4162520137"/>
+                  </a:ext>
+                </a:extLst>
+              </a:tr>
+            </a:tbl>
+          </a:graphicData>
+        </a:graphic>
+      </p:graphicFrame>
+      <p:sp>
+        <p:nvSpPr>
+          <p:cNvPr id="40" name="テキスト ボックス 39">
+            <a:extLst>
+              <a:ext uri="{FF2B5EF4-FFF2-40B4-BE49-F238E27FC236}">
+                <a16:creationId xmlns:a16="http://schemas.microsoft.com/office/drawing/2014/main" id="{380F16E4-F201-DF40-A0FE-F061ABA9CBB0}"/>
+              </a:ext>
+            </a:extLst>
+          </p:cNvPr>
+          <p:cNvSpPr txBox="1"/>
+          <p:nvPr/>
+        </p:nvSpPr>
+        <p:spPr>
+          <a:xfrm>
+            <a:off x="2146734" y="31312671"/>
+            <a:ext cx="4339650" cy="646331"/>
+          </a:xfrm>
+          <a:prstGeom prst="rect">
+            <a:avLst/>
+          </a:prstGeom>
+          <a:noFill/>
+        </p:spPr>
+        <p:txBody>
+          <a:bodyPr wrap="none" rtlCol="0">
+            <a:spAutoFit/>
+          </a:bodyPr>
+          <a:lstStyle/>
+          <a:p>
+            <a:r>
+              <a:rPr kumimoji="1" lang="ja-JP" altLang="en-US" sz="3600"/>
+              <a:t>トピック＃０の分布</a:t>
+            </a:r>
+          </a:p>
+        </p:txBody>
+      </p:sp>
+      <p:sp>
+        <p:nvSpPr>
+          <p:cNvPr id="138" name="テキスト ボックス 137">
+            <a:extLst>
+              <a:ext uri="{FF2B5EF4-FFF2-40B4-BE49-F238E27FC236}">
+                <a16:creationId xmlns:a16="http://schemas.microsoft.com/office/drawing/2014/main" id="{6DAD1E89-E75D-8E48-A040-08FD5A6EDF14}"/>
+              </a:ext>
+            </a:extLst>
+          </p:cNvPr>
+          <p:cNvSpPr txBox="1"/>
+          <p:nvPr/>
+        </p:nvSpPr>
+        <p:spPr>
+          <a:xfrm>
+            <a:off x="6464677" y="31299204"/>
+            <a:ext cx="4339650" cy="646331"/>
+          </a:xfrm>
+          <a:prstGeom prst="rect">
+            <a:avLst/>
+          </a:prstGeom>
+          <a:noFill/>
+        </p:spPr>
+        <p:txBody>
+          <a:bodyPr wrap="none" rtlCol="0">
+            <a:spAutoFit/>
+          </a:bodyPr>
+          <a:lstStyle/>
+          <a:p>
+            <a:r>
+              <a:rPr kumimoji="1" lang="ja-JP" altLang="en-US" sz="3600"/>
+              <a:t>トピック＃１の分布</a:t>
+            </a:r>
+          </a:p>
+        </p:txBody>
+      </p:sp>
+      <p:graphicFrame>
+        <p:nvGraphicFramePr>
+          <p:cNvPr id="139" name="表 138">
+            <a:extLst>
+              <a:ext uri="{FF2B5EF4-FFF2-40B4-BE49-F238E27FC236}">
+                <a16:creationId xmlns:a16="http://schemas.microsoft.com/office/drawing/2014/main" id="{1C54F661-39C1-754B-9BD5-7F591567ACDA}"/>
+              </a:ext>
+            </a:extLst>
+          </p:cNvPr>
+          <p:cNvGraphicFramePr>
+            <a:graphicFrameLocks noGrp="1"/>
+          </p:cNvGraphicFramePr>
+          <p:nvPr>
+            <p:extLst>
+              <p:ext uri="{D42A27DB-BD31-4B8C-83A1-F6EECF244321}">
+                <p14:modId xmlns:p14="http://schemas.microsoft.com/office/powerpoint/2010/main" val="1487283262"/>
+              </p:ext>
+            </p:extLst>
+          </p:nvPr>
+        </p:nvGraphicFramePr>
+        <p:xfrm>
+          <a:off x="6634157" y="32117581"/>
+          <a:ext cx="3984772" cy="3330052"/>
+        </p:xfrm>
+        <a:graphic>
+          <a:graphicData uri="http://schemas.openxmlformats.org/drawingml/2006/table">
+            <a:tbl>
+              <a:tblPr firstRow="1" bandRow="1">
+                <a:tableStyleId>{2A488322-F2BA-4B5B-9748-0D474271808F}</a:tableStyleId>
+              </a:tblPr>
+              <a:tblGrid>
+                <a:gridCol w="1674642">
+                  <a:extLst>
+                    <a:ext uri="{9D8B030D-6E8A-4147-A177-3AD203B41FA5}">
+                      <a16:colId xmlns:a16="http://schemas.microsoft.com/office/drawing/2014/main" val="476507974"/>
+                    </a:ext>
+                  </a:extLst>
+                </a:gridCol>
+                <a:gridCol w="2310130">
+                  <a:extLst>
+                    <a:ext uri="{9D8B030D-6E8A-4147-A177-3AD203B41FA5}">
+                      <a16:colId xmlns:a16="http://schemas.microsoft.com/office/drawing/2014/main" val="1990266496"/>
+                    </a:ext>
+                  </a:extLst>
+                </a:gridCol>
+              </a:tblGrid>
+              <a:tr h="577696">
+                <a:tc>
+                  <a:txBody>
+                    <a:bodyPr/>
+                    <a:lstStyle/>
+                    <a:p>
+                      <a:pPr algn="ctr"/>
+                      <a:r>
+                        <a:rPr kumimoji="1" lang="ja-JP" altLang="en-US" sz="3200"/>
+                        <a:t>単語</a:t>
+                      </a:r>
+                    </a:p>
+                  </a:txBody>
+                  <a:tcPr/>
+                </a:tc>
+                <a:tc>
+                  <a:txBody>
+                    <a:bodyPr/>
+                    <a:lstStyle/>
+                    <a:p>
+                      <a:pPr algn="ctr"/>
+                      <a:r>
+                        <a:rPr kumimoji="1" lang="ja-JP" altLang="en-US" sz="3200"/>
+                        <a:t>確率</a:t>
+                      </a:r>
+                    </a:p>
+                  </a:txBody>
+                  <a:tcPr/>
+                </a:tc>
+                <a:extLst>
+                  <a:ext uri="{0D108BD9-81ED-4DB2-BD59-A6C34878D82A}">
+                    <a16:rowId xmlns:a16="http://schemas.microsoft.com/office/drawing/2014/main" val="523836565"/>
+                  </a:ext>
+                </a:extLst>
+              </a:tr>
+              <a:tr h="687733">
+                <a:tc>
+                  <a:txBody>
+                    <a:bodyPr/>
+                    <a:lstStyle/>
+                    <a:p>
+                      <a:r>
+                        <a:rPr kumimoji="1" lang="ja-JP" altLang="en-US" sz="3200"/>
+                        <a:t>街</a:t>
+                      </a:r>
+                    </a:p>
+                  </a:txBody>
+                  <a:tcPr/>
+                </a:tc>
+                <a:tc>
+                  <a:txBody>
+                    <a:bodyPr/>
+                    <a:lstStyle/>
+                    <a:p>
+                      <a:r>
+                        <a:rPr lang="en-US" altLang="ja-JP" sz="3200" dirty="0"/>
+                        <a:t>0.0118167…</a:t>
+                      </a:r>
+                      <a:endParaRPr kumimoji="1" lang="ja-JP" altLang="en-US" sz="3200"/>
+                    </a:p>
+                  </a:txBody>
+                  <a:tcPr/>
+                </a:tc>
+                <a:extLst>
+                  <a:ext uri="{0D108BD9-81ED-4DB2-BD59-A6C34878D82A}">
+                    <a16:rowId xmlns:a16="http://schemas.microsoft.com/office/drawing/2014/main" val="4074486588"/>
+                  </a:ext>
+                </a:extLst>
+              </a:tr>
+              <a:tr h="687733">
+                <a:tc>
+                  <a:txBody>
+                    <a:bodyPr/>
+                    <a:lstStyle/>
+                    <a:p>
+                      <a:r>
+                        <a:rPr lang="ja-JP" altLang="en-US" sz="3200"/>
+                        <a:t>観光 </a:t>
+                      </a:r>
+                      <a:endParaRPr kumimoji="1" lang="ja-JP" altLang="en-US" sz="3200"/>
+                    </a:p>
+                  </a:txBody>
+                  <a:tcPr/>
+                </a:tc>
+                <a:tc>
+                  <a:txBody>
+                    <a:bodyPr/>
+                    <a:lstStyle/>
+                    <a:p>
+                      <a:r>
+                        <a:rPr lang="en-US" altLang="ja-JP" sz="3200" dirty="0"/>
+                        <a:t>0.0109105…</a:t>
+                      </a:r>
+                      <a:endParaRPr kumimoji="1" lang="ja-JP" altLang="en-US" sz="3200"/>
+                    </a:p>
+                  </a:txBody>
+                  <a:tcPr/>
+                </a:tc>
+                <a:extLst>
+                  <a:ext uri="{0D108BD9-81ED-4DB2-BD59-A6C34878D82A}">
+                    <a16:rowId xmlns:a16="http://schemas.microsoft.com/office/drawing/2014/main" val="29630606"/>
+                  </a:ext>
+                </a:extLst>
+              </a:tr>
+              <a:tr h="687733">
+                <a:tc>
+                  <a:txBody>
+                    <a:bodyPr/>
+                    <a:lstStyle/>
+                    <a:p>
+                      <a:r>
+                        <a:rPr lang="ja-JP" altLang="en-US" sz="3200"/>
+                        <a:t>案内 </a:t>
+                      </a:r>
+                      <a:endParaRPr kumimoji="1" lang="ja-JP" altLang="en-US" sz="3200"/>
+                    </a:p>
+                  </a:txBody>
+                  <a:tcPr/>
+                </a:tc>
+                <a:tc>
+                  <a:txBody>
+                    <a:bodyPr/>
+                    <a:lstStyle/>
+                    <a:p>
+                      <a:r>
+                        <a:rPr lang="en-US" altLang="ja-JP" sz="3200" dirty="0"/>
+                        <a:t>0.0073654…</a:t>
+                      </a:r>
+                    </a:p>
+                  </a:txBody>
+                  <a:tcPr/>
+                </a:tc>
+                <a:extLst>
+                  <a:ext uri="{0D108BD9-81ED-4DB2-BD59-A6C34878D82A}">
+                    <a16:rowId xmlns:a16="http://schemas.microsoft.com/office/drawing/2014/main" val="176714018"/>
+                  </a:ext>
+                </a:extLst>
+              </a:tr>
+              <a:tr h="687733">
+                <a:tc>
+                  <a:txBody>
+                    <a:bodyPr/>
+                    <a:lstStyle/>
+                    <a:p>
+                      <a:r>
+                        <a:rPr lang="ja-JP" altLang="en-US" sz="3200"/>
+                        <a:t>観戦 </a:t>
+                      </a:r>
+                      <a:endParaRPr kumimoji="1" lang="ja-JP" altLang="en-US" sz="3200"/>
+                    </a:p>
+                  </a:txBody>
+                  <a:tcPr/>
+                </a:tc>
+                <a:tc>
+                  <a:txBody>
+                    <a:bodyPr/>
+                    <a:lstStyle/>
+                    <a:p>
+                      <a:r>
+                        <a:rPr lang="en-US" altLang="ja-JP" sz="3200" dirty="0"/>
+                        <a:t>0.0068173…</a:t>
+                      </a:r>
+                    </a:p>
+                  </a:txBody>
+                  <a:tcPr/>
+                </a:tc>
+                <a:extLst>
+                  <a:ext uri="{0D108BD9-81ED-4DB2-BD59-A6C34878D82A}">
+                    <a16:rowId xmlns:a16="http://schemas.microsoft.com/office/drawing/2014/main" val="4162520137"/>
+                  </a:ext>
+                </a:extLst>
+              </a:tr>
+            </a:tbl>
+          </a:graphicData>
+        </a:graphic>
+      </p:graphicFrame>
+      <p:sp>
+        <p:nvSpPr>
+          <p:cNvPr id="140" name="テキスト ボックス 139">
+            <a:extLst>
+              <a:ext uri="{FF2B5EF4-FFF2-40B4-BE49-F238E27FC236}">
+                <a16:creationId xmlns:a16="http://schemas.microsoft.com/office/drawing/2014/main" id="{3F2A80E1-F3E0-4144-BCAE-7E48A3A72D51}"/>
+              </a:ext>
+            </a:extLst>
+          </p:cNvPr>
+          <p:cNvSpPr txBox="1"/>
+          <p:nvPr/>
+        </p:nvSpPr>
+        <p:spPr>
+          <a:xfrm>
+            <a:off x="15200270" y="31346585"/>
+            <a:ext cx="1569660" cy="646331"/>
+          </a:xfrm>
+          <a:prstGeom prst="rect">
+            <a:avLst/>
+          </a:prstGeom>
+          <a:noFill/>
+        </p:spPr>
+        <p:txBody>
+          <a:bodyPr wrap="none" rtlCol="0">
+            <a:spAutoFit/>
+          </a:bodyPr>
+          <a:lstStyle/>
+          <a:p>
+            <a:r>
+              <a:rPr kumimoji="1" lang="ja-JP" altLang="en-US" sz="3600"/>
+              <a:t>・・・</a:t>
+            </a:r>
+          </a:p>
+        </p:txBody>
+      </p:sp>
+      <p:sp>
+        <p:nvSpPr>
+          <p:cNvPr id="141" name="テキスト ボックス 140">
+            <a:extLst>
+              <a:ext uri="{FF2B5EF4-FFF2-40B4-BE49-F238E27FC236}">
+                <a16:creationId xmlns:a16="http://schemas.microsoft.com/office/drawing/2014/main" id="{E91F0C88-229B-794D-B462-2152C26E648B}"/>
+              </a:ext>
+            </a:extLst>
+          </p:cNvPr>
+          <p:cNvSpPr txBox="1"/>
+          <p:nvPr/>
+        </p:nvSpPr>
+        <p:spPr>
+          <a:xfrm>
+            <a:off x="15275667" y="33587328"/>
+            <a:ext cx="1569660" cy="646331"/>
+          </a:xfrm>
+          <a:prstGeom prst="rect">
+            <a:avLst/>
+          </a:prstGeom>
+          <a:noFill/>
+        </p:spPr>
+        <p:txBody>
+          <a:bodyPr wrap="none" rtlCol="0">
+            <a:spAutoFit/>
+          </a:bodyPr>
+          <a:lstStyle/>
+          <a:p>
+            <a:r>
+              <a:rPr kumimoji="1" lang="ja-JP" altLang="en-US" sz="3600"/>
+              <a:t>・・・</a:t>
+            </a:r>
+          </a:p>
+        </p:txBody>
+      </p:sp>
+      <p:sp>
+        <p:nvSpPr>
+          <p:cNvPr id="142" name="テキスト ボックス 141">
+            <a:extLst>
+              <a:ext uri="{FF2B5EF4-FFF2-40B4-BE49-F238E27FC236}">
+                <a16:creationId xmlns:a16="http://schemas.microsoft.com/office/drawing/2014/main" id="{BC723081-F192-A440-87BF-F053A844265F}"/>
+              </a:ext>
+            </a:extLst>
+          </p:cNvPr>
+          <p:cNvSpPr txBox="1"/>
+          <p:nvPr/>
+        </p:nvSpPr>
+        <p:spPr>
+          <a:xfrm>
+            <a:off x="19550152" y="31334015"/>
+            <a:ext cx="8494633" cy="646331"/>
+          </a:xfrm>
+          <a:prstGeom prst="rect">
+            <a:avLst/>
+          </a:prstGeom>
+          <a:noFill/>
+        </p:spPr>
+        <p:txBody>
+          <a:bodyPr wrap="none" rtlCol="0">
+            <a:spAutoFit/>
+          </a:bodyPr>
+          <a:lstStyle/>
+          <a:p>
+            <a:r>
+              <a:rPr lang="ja-JP" altLang="en-US" sz="3600"/>
+              <a:t>「横浜赤レンガ倉庫」のトピックの分布</a:t>
+            </a:r>
+          </a:p>
+        </p:txBody>
+      </p:sp>
+      <p:graphicFrame>
+        <p:nvGraphicFramePr>
+          <p:cNvPr id="143" name="表 142">
+            <a:extLst>
+              <a:ext uri="{FF2B5EF4-FFF2-40B4-BE49-F238E27FC236}">
+                <a16:creationId xmlns:a16="http://schemas.microsoft.com/office/drawing/2014/main" id="{0E4B100A-27E9-5848-9D88-37A1787F98E0}"/>
+              </a:ext>
+            </a:extLst>
+          </p:cNvPr>
+          <p:cNvGraphicFramePr>
+            <a:graphicFrameLocks noGrp="1"/>
+          </p:cNvGraphicFramePr>
+          <p:nvPr>
+            <p:extLst>
+              <p:ext uri="{D42A27DB-BD31-4B8C-83A1-F6EECF244321}">
+                <p14:modId xmlns:p14="http://schemas.microsoft.com/office/powerpoint/2010/main" val="1990620695"/>
+              </p:ext>
+            </p:extLst>
+          </p:nvPr>
+        </p:nvGraphicFramePr>
+        <p:xfrm>
+          <a:off x="21153176" y="32136860"/>
+          <a:ext cx="6073244" cy="3330052"/>
+        </p:xfrm>
+        <a:graphic>
+          <a:graphicData uri="http://schemas.openxmlformats.org/drawingml/2006/table">
+            <a:tbl>
+              <a:tblPr firstRow="1" bandRow="1">
+                <a:tableStyleId>{2A488322-F2BA-4B5B-9748-0D474271808F}</a:tableStyleId>
+              </a:tblPr>
+              <a:tblGrid>
+                <a:gridCol w="3694982">
+                  <a:extLst>
+                    <a:ext uri="{9D8B030D-6E8A-4147-A177-3AD203B41FA5}">
+                      <a16:colId xmlns:a16="http://schemas.microsoft.com/office/drawing/2014/main" val="476507974"/>
+                    </a:ext>
+                  </a:extLst>
+                </a:gridCol>
+                <a:gridCol w="2378262">
+                  <a:extLst>
+                    <a:ext uri="{9D8B030D-6E8A-4147-A177-3AD203B41FA5}">
+                      <a16:colId xmlns:a16="http://schemas.microsoft.com/office/drawing/2014/main" val="1990266496"/>
+                    </a:ext>
+                  </a:extLst>
+                </a:gridCol>
+              </a:tblGrid>
+              <a:tr h="577696">
+                <a:tc>
+                  <a:txBody>
+                    <a:bodyPr/>
+                    <a:lstStyle/>
+                    <a:p>
+                      <a:pPr algn="ctr"/>
+                      <a:r>
+                        <a:rPr kumimoji="1" lang="ja-JP" altLang="en-US" sz="3200"/>
+                        <a:t>トピック番号</a:t>
+                      </a:r>
+                    </a:p>
+                  </a:txBody>
+                  <a:tcPr/>
+                </a:tc>
+                <a:tc>
+                  <a:txBody>
+                    <a:bodyPr/>
+                    <a:lstStyle/>
+                    <a:p>
+                      <a:pPr algn="ctr"/>
+                      <a:r>
+                        <a:rPr kumimoji="1" lang="ja-JP" altLang="en-US" sz="3200"/>
+                        <a:t>確率</a:t>
+                      </a:r>
+                    </a:p>
+                  </a:txBody>
+                  <a:tcPr/>
+                </a:tc>
+                <a:extLst>
+                  <a:ext uri="{0D108BD9-81ED-4DB2-BD59-A6C34878D82A}">
+                    <a16:rowId xmlns:a16="http://schemas.microsoft.com/office/drawing/2014/main" val="523836565"/>
+                  </a:ext>
+                </a:extLst>
+              </a:tr>
+              <a:tr h="687733">
+                <a:tc>
+                  <a:txBody>
+                    <a:bodyPr/>
+                    <a:lstStyle/>
+                    <a:p>
+                      <a:r>
+                        <a:rPr kumimoji="1" lang="en-US" altLang="ja-JP" sz="3200" dirty="0"/>
+                        <a:t>2</a:t>
+                      </a:r>
+                      <a:endParaRPr kumimoji="1" lang="ja-JP" altLang="en-US" sz="3200"/>
+                    </a:p>
+                  </a:txBody>
+                  <a:tcPr/>
+                </a:tc>
+                <a:tc>
+                  <a:txBody>
+                    <a:bodyPr/>
+                    <a:lstStyle/>
+                    <a:p>
+                      <a:r>
+                        <a:rPr lang="en-US" altLang="ja-JP" sz="3200" dirty="0"/>
+                        <a:t>0.5783680…</a:t>
+                      </a:r>
+                      <a:endParaRPr kumimoji="1" lang="ja-JP" altLang="en-US" sz="3200"/>
+                    </a:p>
+                  </a:txBody>
+                  <a:tcPr/>
+                </a:tc>
+                <a:extLst>
+                  <a:ext uri="{0D108BD9-81ED-4DB2-BD59-A6C34878D82A}">
+                    <a16:rowId xmlns:a16="http://schemas.microsoft.com/office/drawing/2014/main" val="4074486588"/>
+                  </a:ext>
+                </a:extLst>
+              </a:tr>
+              <a:tr h="687733">
+                <a:tc>
+                  <a:txBody>
+                    <a:bodyPr/>
+                    <a:lstStyle/>
+                    <a:p>
+                      <a:r>
+                        <a:rPr lang="en-US" altLang="ja-JP" sz="3200" dirty="0"/>
+                        <a:t>6</a:t>
+                      </a:r>
+                      <a:r>
+                        <a:rPr lang="ja-JP" altLang="en-US" sz="3200"/>
+                        <a:t> </a:t>
+                      </a:r>
+                      <a:endParaRPr kumimoji="1" lang="ja-JP" altLang="en-US" sz="3200"/>
+                    </a:p>
+                  </a:txBody>
+                  <a:tcPr/>
+                </a:tc>
+                <a:tc>
+                  <a:txBody>
+                    <a:bodyPr/>
+                    <a:lstStyle/>
+                    <a:p>
+                      <a:r>
+                        <a:rPr lang="en-US" altLang="ja-JP" sz="3200" dirty="0"/>
+                        <a:t>0.1379101…</a:t>
+                      </a:r>
+                      <a:endParaRPr kumimoji="1" lang="ja-JP" altLang="en-US" sz="3200"/>
+                    </a:p>
+                  </a:txBody>
+                  <a:tcPr/>
+                </a:tc>
+                <a:extLst>
+                  <a:ext uri="{0D108BD9-81ED-4DB2-BD59-A6C34878D82A}">
+                    <a16:rowId xmlns:a16="http://schemas.microsoft.com/office/drawing/2014/main" val="29630606"/>
+                  </a:ext>
+                </a:extLst>
+              </a:tr>
+              <a:tr h="687733">
+                <a:tc>
+                  <a:txBody>
+                    <a:bodyPr/>
+                    <a:lstStyle/>
+                    <a:p>
+                      <a:r>
+                        <a:rPr lang="en-US" altLang="ja-JP" sz="3200" dirty="0"/>
+                        <a:t>9</a:t>
+                      </a:r>
+                      <a:r>
+                        <a:rPr lang="ja-JP" altLang="en-US" sz="3200"/>
+                        <a:t> </a:t>
+                      </a:r>
+                      <a:endParaRPr kumimoji="1" lang="ja-JP" altLang="en-US" sz="3200"/>
+                    </a:p>
+                  </a:txBody>
+                  <a:tcPr/>
+                </a:tc>
+                <a:tc>
+                  <a:txBody>
+                    <a:bodyPr/>
+                    <a:lstStyle/>
+                    <a:p>
+                      <a:r>
+                        <a:rPr lang="en-US" altLang="ja-JP" sz="3200" dirty="0"/>
+                        <a:t>0.1238372…</a:t>
+                      </a:r>
+                    </a:p>
+                  </a:txBody>
+                  <a:tcPr/>
+                </a:tc>
+                <a:extLst>
+                  <a:ext uri="{0D108BD9-81ED-4DB2-BD59-A6C34878D82A}">
+                    <a16:rowId xmlns:a16="http://schemas.microsoft.com/office/drawing/2014/main" val="176714018"/>
+                  </a:ext>
+                </a:extLst>
+              </a:tr>
+              <a:tr h="687733">
+                <a:tc>
+                  <a:txBody>
+                    <a:bodyPr/>
+                    <a:lstStyle/>
+                    <a:p>
+                      <a:r>
+                        <a:rPr lang="en-US" altLang="ja-JP" sz="3200" dirty="0"/>
+                        <a:t>4</a:t>
+                      </a:r>
+                      <a:endParaRPr kumimoji="1" lang="ja-JP" altLang="en-US" sz="3200"/>
+                    </a:p>
+                  </a:txBody>
+                  <a:tcPr/>
+                </a:tc>
+                <a:tc>
+                  <a:txBody>
+                    <a:bodyPr/>
+                    <a:lstStyle/>
+                    <a:p>
+                      <a:r>
+                        <a:rPr lang="en-US" altLang="ja-JP" sz="3200" dirty="0"/>
+                        <a:t>0.0762224…</a:t>
+                      </a:r>
+                    </a:p>
+                  </a:txBody>
+                  <a:tcPr/>
+                </a:tc>
+                <a:extLst>
+                  <a:ext uri="{0D108BD9-81ED-4DB2-BD59-A6C34878D82A}">
+                    <a16:rowId xmlns:a16="http://schemas.microsoft.com/office/drawing/2014/main" val="4162520137"/>
+                  </a:ext>
+                </a:extLst>
+              </a:tr>
+            </a:tbl>
+          </a:graphicData>
+        </a:graphic>
+      </p:graphicFrame>
+      <p:sp>
+        <p:nvSpPr>
+          <p:cNvPr id="144" name="テキスト ボックス 143">
+            <a:extLst>
+              <a:ext uri="{FF2B5EF4-FFF2-40B4-BE49-F238E27FC236}">
+                <a16:creationId xmlns:a16="http://schemas.microsoft.com/office/drawing/2014/main" id="{4716FAF7-B1CD-BE46-ABE6-8DC91CCC4569}"/>
+              </a:ext>
+            </a:extLst>
+          </p:cNvPr>
+          <p:cNvSpPr txBox="1"/>
+          <p:nvPr/>
+        </p:nvSpPr>
+        <p:spPr>
+          <a:xfrm>
+            <a:off x="10786034" y="31312671"/>
+            <a:ext cx="4339650" cy="646331"/>
+          </a:xfrm>
+          <a:prstGeom prst="rect">
+            <a:avLst/>
+          </a:prstGeom>
+          <a:noFill/>
+        </p:spPr>
+        <p:txBody>
+          <a:bodyPr wrap="none" rtlCol="0">
+            <a:spAutoFit/>
+          </a:bodyPr>
+          <a:lstStyle/>
+          <a:p>
+            <a:r>
+              <a:rPr kumimoji="1" lang="ja-JP" altLang="en-US" sz="3600"/>
+              <a:t>トピック＃</a:t>
+            </a:r>
+            <a:r>
+              <a:rPr lang="ja-JP" altLang="en-US" sz="3600"/>
+              <a:t>２</a:t>
+            </a:r>
+            <a:r>
+              <a:rPr kumimoji="1" lang="ja-JP" altLang="en-US" sz="3600"/>
+              <a:t>の分布</a:t>
+            </a:r>
+          </a:p>
+        </p:txBody>
+      </p:sp>
+      <p:graphicFrame>
+        <p:nvGraphicFramePr>
+          <p:cNvPr id="145" name="表 144">
+            <a:extLst>
+              <a:ext uri="{FF2B5EF4-FFF2-40B4-BE49-F238E27FC236}">
+                <a16:creationId xmlns:a16="http://schemas.microsoft.com/office/drawing/2014/main" id="{1E8D319F-D342-B142-9191-2E2B86F16C31}"/>
+              </a:ext>
+            </a:extLst>
+          </p:cNvPr>
+          <p:cNvGraphicFramePr>
+            <a:graphicFrameLocks noGrp="1"/>
+          </p:cNvGraphicFramePr>
+          <p:nvPr>
+            <p:extLst>
+              <p:ext uri="{D42A27DB-BD31-4B8C-83A1-F6EECF244321}">
+                <p14:modId xmlns:p14="http://schemas.microsoft.com/office/powerpoint/2010/main" val="3821792087"/>
+              </p:ext>
+            </p:extLst>
+          </p:nvPr>
+        </p:nvGraphicFramePr>
+        <p:xfrm>
+          <a:off x="11020270" y="32136860"/>
+          <a:ext cx="3984772" cy="3330052"/>
+        </p:xfrm>
+        <a:graphic>
+          <a:graphicData uri="http://schemas.openxmlformats.org/drawingml/2006/table">
+            <a:tbl>
+              <a:tblPr firstRow="1" bandRow="1">
+                <a:tableStyleId>{2A488322-F2BA-4B5B-9748-0D474271808F}</a:tableStyleId>
+              </a:tblPr>
+              <a:tblGrid>
+                <a:gridCol w="1674642">
+                  <a:extLst>
+                    <a:ext uri="{9D8B030D-6E8A-4147-A177-3AD203B41FA5}">
+                      <a16:colId xmlns:a16="http://schemas.microsoft.com/office/drawing/2014/main" val="476507974"/>
+                    </a:ext>
+                  </a:extLst>
+                </a:gridCol>
+                <a:gridCol w="2310130">
+                  <a:extLst>
+                    <a:ext uri="{9D8B030D-6E8A-4147-A177-3AD203B41FA5}">
+                      <a16:colId xmlns:a16="http://schemas.microsoft.com/office/drawing/2014/main" val="1990266496"/>
+                    </a:ext>
+                  </a:extLst>
+                </a:gridCol>
+              </a:tblGrid>
+              <a:tr h="577696">
+                <a:tc>
+                  <a:txBody>
+                    <a:bodyPr/>
+                    <a:lstStyle/>
+                    <a:p>
+                      <a:pPr algn="ctr"/>
+                      <a:r>
+                        <a:rPr kumimoji="1" lang="ja-JP" altLang="en-US" sz="3200"/>
+                        <a:t>単語</a:t>
+                      </a:r>
+                    </a:p>
+                  </a:txBody>
+                  <a:tcPr/>
+                </a:tc>
+                <a:tc>
+                  <a:txBody>
+                    <a:bodyPr/>
+                    <a:lstStyle/>
+                    <a:p>
+                      <a:pPr algn="ctr"/>
+                      <a:r>
+                        <a:rPr kumimoji="1" lang="ja-JP" altLang="en-US" sz="3200"/>
+                        <a:t>確率</a:t>
+                      </a:r>
+                    </a:p>
+                  </a:txBody>
+                  <a:tcPr/>
+                </a:tc>
+                <a:extLst>
+                  <a:ext uri="{0D108BD9-81ED-4DB2-BD59-A6C34878D82A}">
+                    <a16:rowId xmlns:a16="http://schemas.microsoft.com/office/drawing/2014/main" val="523836565"/>
+                  </a:ext>
+                </a:extLst>
+              </a:tr>
+              <a:tr h="687733">
+                <a:tc>
+                  <a:txBody>
+                    <a:bodyPr/>
+                    <a:lstStyle/>
+                    <a:p>
+                      <a:r>
+                        <a:rPr kumimoji="1" lang="ja-JP" altLang="en-US" sz="3200"/>
+                        <a:t>展示</a:t>
+                      </a:r>
+                    </a:p>
+                  </a:txBody>
+                  <a:tcPr/>
+                </a:tc>
+                <a:tc>
+                  <a:txBody>
+                    <a:bodyPr/>
+                    <a:lstStyle/>
+                    <a:p>
+                      <a:r>
+                        <a:rPr lang="en-US" altLang="ja-JP" sz="3200" dirty="0"/>
+                        <a:t>0.0383013…</a:t>
+                      </a:r>
+                      <a:endParaRPr kumimoji="1" lang="ja-JP" altLang="en-US" sz="3200"/>
+                    </a:p>
+                  </a:txBody>
+                  <a:tcPr/>
+                </a:tc>
+                <a:extLst>
+                  <a:ext uri="{0D108BD9-81ED-4DB2-BD59-A6C34878D82A}">
+                    <a16:rowId xmlns:a16="http://schemas.microsoft.com/office/drawing/2014/main" val="4074486588"/>
+                  </a:ext>
+                </a:extLst>
+              </a:tr>
+              <a:tr h="687733">
+                <a:tc>
+                  <a:txBody>
+                    <a:bodyPr/>
+                    <a:lstStyle/>
+                    <a:p>
+                      <a:r>
+                        <a:rPr lang="ja-JP" altLang="en-US" sz="3200"/>
+                        <a:t>美術館 </a:t>
+                      </a:r>
+                      <a:endParaRPr kumimoji="1" lang="ja-JP" altLang="en-US" sz="3200"/>
+                    </a:p>
+                  </a:txBody>
+                  <a:tcPr/>
+                </a:tc>
+                <a:tc>
+                  <a:txBody>
+                    <a:bodyPr/>
+                    <a:lstStyle/>
+                    <a:p>
+                      <a:r>
+                        <a:rPr lang="en-US" altLang="ja-JP" sz="3200" dirty="0"/>
+                        <a:t>0.0185850…</a:t>
+                      </a:r>
+                      <a:endParaRPr kumimoji="1" lang="ja-JP" altLang="en-US" sz="3200"/>
+                    </a:p>
+                  </a:txBody>
+                  <a:tcPr/>
+                </a:tc>
+                <a:extLst>
+                  <a:ext uri="{0D108BD9-81ED-4DB2-BD59-A6C34878D82A}">
+                    <a16:rowId xmlns:a16="http://schemas.microsoft.com/office/drawing/2014/main" val="29630606"/>
+                  </a:ext>
+                </a:extLst>
+              </a:tr>
+              <a:tr h="687733">
+                <a:tc>
+                  <a:txBody>
+                    <a:bodyPr/>
+                    <a:lstStyle/>
+                    <a:p>
+                      <a:r>
+                        <a:rPr lang="ja-JP" altLang="en-US" sz="3200"/>
+                        <a:t>見学 </a:t>
+                      </a:r>
+                      <a:endParaRPr kumimoji="1" lang="ja-JP" altLang="en-US" sz="3200"/>
+                    </a:p>
+                  </a:txBody>
+                  <a:tcPr/>
+                </a:tc>
+                <a:tc>
+                  <a:txBody>
+                    <a:bodyPr/>
+                    <a:lstStyle/>
+                    <a:p>
+                      <a:r>
+                        <a:rPr lang="en-US" altLang="ja-JP" sz="3200" dirty="0"/>
+                        <a:t>0.0123906…</a:t>
+                      </a:r>
+                    </a:p>
+                  </a:txBody>
+                  <a:tcPr/>
+                </a:tc>
+                <a:extLst>
+                  <a:ext uri="{0D108BD9-81ED-4DB2-BD59-A6C34878D82A}">
+                    <a16:rowId xmlns:a16="http://schemas.microsoft.com/office/drawing/2014/main" val="176714018"/>
+                  </a:ext>
+                </a:extLst>
+              </a:tr>
+              <a:tr h="687733">
+                <a:tc>
+                  <a:txBody>
+                    <a:bodyPr/>
+                    <a:lstStyle/>
+                    <a:p>
+                      <a:r>
+                        <a:rPr lang="ja-JP" altLang="en-US" sz="3200"/>
+                        <a:t>作品 </a:t>
+                      </a:r>
+                      <a:endParaRPr kumimoji="1" lang="ja-JP" altLang="en-US" sz="3200"/>
+                    </a:p>
+                  </a:txBody>
+                  <a:tcPr/>
+                </a:tc>
+                <a:tc>
+                  <a:txBody>
+                    <a:bodyPr/>
+                    <a:lstStyle/>
+                    <a:p>
+                      <a:r>
+                        <a:rPr lang="en-US" altLang="ja-JP" sz="3200" dirty="0"/>
+                        <a:t>0.0095898…</a:t>
+                      </a:r>
+                    </a:p>
+                  </a:txBody>
+                  <a:tcPr/>
+                </a:tc>
+                <a:extLst>
+                  <a:ext uri="{0D108BD9-81ED-4DB2-BD59-A6C34878D82A}">
+                    <a16:rowId xmlns:a16="http://schemas.microsoft.com/office/drawing/2014/main" val="4162520137"/>
+                  </a:ext>
+                </a:extLst>
+              </a:tr>
+            </a:tbl>
+          </a:graphicData>
+        </a:graphic>
+      </p:graphicFrame>
+      <p:sp>
+        <p:nvSpPr>
+          <p:cNvPr id="146" name="右矢印 145">
+            <a:extLst>
+              <a:ext uri="{FF2B5EF4-FFF2-40B4-BE49-F238E27FC236}">
+                <a16:creationId xmlns:a16="http://schemas.microsoft.com/office/drawing/2014/main" id="{8377F280-058A-564D-AEB1-BD724A264C98}"/>
+              </a:ext>
+            </a:extLst>
+          </p:cNvPr>
+          <p:cNvSpPr/>
+          <p:nvPr/>
+        </p:nvSpPr>
+        <p:spPr>
+          <a:xfrm>
+            <a:off x="17732500" y="33451873"/>
+            <a:ext cx="1871880" cy="843133"/>
+          </a:xfrm>
+          <a:prstGeom prst="rightArrow">
+            <a:avLst/>
+          </a:prstGeom>
+          <a:solidFill>
+            <a:schemeClr val="accent6">
+              <a:lumMod val="75000"/>
             </a:schemeClr>
           </a:solidFill>
           <a:ln>

--- a/notebooks/interrim_presentattion_poster.pptx
+++ b/notebooks/interrim_presentattion_poster.pptx
@@ -643,6 +643,23 @@
             <a:endParaRPr kumimoji="1" lang="en-US" altLang="ja-JP" dirty="0"/>
           </a:p>
           <a:p>
+            <a:pPr marL="0" marR="0" lvl="0" indent="0" algn="l" defTabSz="914400" rtl="0" eaLnBrk="1" fontAlgn="auto" latinLnBrk="0" hangingPunct="1">
+              <a:lnSpc>
+                <a:spcPct val="100000"/>
+              </a:lnSpc>
+              <a:spcBef>
+                <a:spcPts val="0"/>
+              </a:spcBef>
+              <a:spcAft>
+                <a:spcPts val="0"/>
+              </a:spcAft>
+              <a:buClrTx/>
+              <a:buSzTx/>
+              <a:buFontTx/>
+              <a:buNone/>
+              <a:tabLst/>
+              <a:defRPr/>
+            </a:pPr>
             <a:r>
               <a:rPr kumimoji="1" lang="en-US" altLang="ja-JP" dirty="0"/>
               <a:t>http://</a:t>
@@ -687,6 +704,46 @@
               <a:rPr kumimoji="1" lang="ja-JP" altLang="en-US"/>
               <a:t> （「ほとんど」の部分を数値化する）</a:t>
             </a:r>
+            <a:r>
+              <a:rPr kumimoji="1" lang="en-US" altLang="ja-JP" dirty="0"/>
+              <a:t>→46% </a:t>
+            </a:r>
+            <a:r>
+              <a:rPr kumimoji="1" lang="en-US" altLang="ja-JP" sz="1200" kern="1200" dirty="0">
+                <a:solidFill>
+                  <a:schemeClr val="tx1"/>
+                </a:solidFill>
+                <a:effectLst/>
+                <a:latin typeface="+mn-lt"/>
+                <a:ea typeface="+mn-ea"/>
+                <a:cs typeface="+mn-cs"/>
+              </a:rPr>
+              <a:t>(211 + 122 + 57)</a:t>
+            </a:r>
+            <a:r>
+              <a:rPr kumimoji="1" lang="ja-JP" altLang="en-US" sz="1200" kern="1200">
+                <a:solidFill>
+                  <a:schemeClr val="tx1"/>
+                </a:solidFill>
+                <a:effectLst/>
+                <a:latin typeface="+mn-lt"/>
+                <a:ea typeface="+mn-ea"/>
+                <a:cs typeface="+mn-cs"/>
+              </a:rPr>
+              <a:t> </a:t>
+            </a:r>
+            <a:r>
+              <a:rPr kumimoji="1" lang="en-US" altLang="ja-JP" sz="1200" kern="1200" dirty="0">
+                <a:solidFill>
+                  <a:schemeClr val="tx1"/>
+                </a:solidFill>
+                <a:effectLst/>
+                <a:latin typeface="+mn-lt"/>
+                <a:ea typeface="+mn-ea"/>
+                <a:cs typeface="+mn-cs"/>
+              </a:rPr>
+              <a:t>/ 830</a:t>
+            </a:r>
             <a:endParaRPr kumimoji="1" lang="en-US" altLang="ja-JP" dirty="0"/>
           </a:p>
           <a:p>
@@ -838,6 +895,320 @@
               <a:rPr kumimoji="1" lang="ja-JP" altLang="en-US"/>
               <a:t>スポットごとのレビューのトピック分布に関する類似度</a:t>
             </a:r>
+            <a:endParaRPr kumimoji="1" lang="en-US" altLang="ja-JP" dirty="0"/>
+          </a:p>
+          <a:p>
+            <a:endParaRPr kumimoji="1" lang="en-US" altLang="ja-JP" dirty="0"/>
+          </a:p>
+          <a:p>
+            <a:r>
+              <a:rPr kumimoji="1" lang="en-US" altLang="ja-JP" dirty="0"/>
+              <a:t>## </a:t>
+            </a:r>
+            <a:r>
+              <a:rPr kumimoji="1" lang="ja-JP" altLang="en-US"/>
+              <a:t>中間発表原稿のようなもの</a:t>
+            </a:r>
+          </a:p>
+          <a:p>
+            <a:endParaRPr kumimoji="1" lang="ja-JP" altLang="en-US"/>
+          </a:p>
+          <a:p>
+            <a:r>
+              <a:rPr kumimoji="1" lang="en-US" altLang="ja-JP" dirty="0"/>
+              <a:t>### </a:t>
+            </a:r>
+            <a:r>
+              <a:rPr kumimoji="1" lang="ja-JP" altLang="en-US"/>
+              <a:t>背景・目的</a:t>
+            </a:r>
+          </a:p>
+          <a:p>
+            <a:endParaRPr kumimoji="1" lang="ja-JP" altLang="en-US"/>
+          </a:p>
+          <a:p>
+            <a:r>
+              <a:rPr kumimoji="1" lang="en-US" altLang="ja-JP" dirty="0"/>
+              <a:t>- </a:t>
+            </a:r>
+            <a:r>
+              <a:rPr kumimoji="1" lang="ja-JP" altLang="en-US"/>
+              <a:t>まず、背景と目的です。</a:t>
+            </a:r>
+          </a:p>
+          <a:p>
+            <a:endParaRPr kumimoji="1" lang="ja-JP" altLang="en-US"/>
+          </a:p>
+          <a:p>
+            <a:r>
+              <a:rPr kumimoji="1" lang="en-US" altLang="ja-JP" dirty="0"/>
+              <a:t>#### </a:t>
+            </a:r>
+            <a:r>
+              <a:rPr kumimoji="1" lang="ja-JP" altLang="en-US"/>
+              <a:t>目的</a:t>
+            </a:r>
+          </a:p>
+          <a:p>
+            <a:r>
+              <a:rPr kumimoji="1" lang="en-US" altLang="ja-JP" dirty="0"/>
+              <a:t>- </a:t>
+            </a:r>
+            <a:r>
+              <a:rPr kumimoji="1" lang="ja-JP" altLang="en-US"/>
+              <a:t>この研究の目的は、ユーザの入力とレビューを元に高好感度な観光地をレコメンドする</a:t>
+            </a:r>
+          </a:p>
+          <a:p>
+            <a:endParaRPr kumimoji="1" lang="ja-JP" altLang="en-US"/>
+          </a:p>
+          <a:p>
+            <a:r>
+              <a:rPr kumimoji="1" lang="en-US" altLang="ja-JP" dirty="0"/>
+              <a:t>#### </a:t>
+            </a:r>
+            <a:r>
+              <a:rPr kumimoji="1" lang="ja-JP" altLang="en-US"/>
+              <a:t>背景</a:t>
+            </a:r>
+          </a:p>
+          <a:p>
+            <a:r>
+              <a:rPr kumimoji="1" lang="en-US" altLang="ja-JP" dirty="0"/>
+              <a:t>- </a:t>
+            </a:r>
+            <a:r>
+              <a:rPr kumimoji="1" lang="ja-JP" altLang="en-US"/>
+              <a:t>まず背景としては、海外旅行客が増える中で、訪日客のおよそ</a:t>
+            </a:r>
+            <a:r>
+              <a:rPr kumimoji="1" lang="en-US" altLang="ja-JP" dirty="0"/>
+              <a:t>46%</a:t>
+            </a:r>
+            <a:r>
+              <a:rPr kumimoji="1" lang="ja-JP" altLang="en-US"/>
+              <a:t>が黄金ルートと呼ばれる東京・大阪・京都に宿泊しており、そのうちの半数は東京に宿泊しています。</a:t>
+            </a:r>
+          </a:p>
+          <a:p>
+            <a:r>
+              <a:rPr kumimoji="1" lang="en-US" altLang="ja-JP" dirty="0"/>
+              <a:t>- </a:t>
+            </a:r>
+            <a:r>
+              <a:rPr kumimoji="1" lang="ja-JP" altLang="en-US"/>
+              <a:t>地方の魅力を適切に伝えたり受け取ったりすることは外国人観光客だけでなく、国内の観光客にとっても困難です</a:t>
+            </a:r>
+          </a:p>
+          <a:p>
+            <a:endParaRPr kumimoji="1" lang="ja-JP" altLang="en-US"/>
+          </a:p>
+          <a:p>
+            <a:r>
+              <a:rPr kumimoji="1" lang="en-US" altLang="ja-JP" dirty="0"/>
+              <a:t>#### </a:t>
+            </a:r>
+            <a:r>
+              <a:rPr kumimoji="1" lang="ja-JP" altLang="en-US"/>
+              <a:t>レコメンドの現状</a:t>
+            </a:r>
+          </a:p>
+          <a:p>
+            <a:r>
+              <a:rPr kumimoji="1" lang="en-US" altLang="ja-JP" dirty="0"/>
+              <a:t>- </a:t>
+            </a:r>
+            <a:r>
+              <a:rPr kumimoji="1" lang="ja-JP" altLang="en-US"/>
+              <a:t>レコメンドの現状としては</a:t>
+            </a:r>
+          </a:p>
+          <a:p>
+            <a:r>
+              <a:rPr kumimoji="1" lang="ja-JP" altLang="en-US"/>
+              <a:t>  </a:t>
+            </a:r>
+            <a:r>
+              <a:rPr kumimoji="1" lang="en-US" altLang="ja-JP" dirty="0"/>
+              <a:t>- </a:t>
+            </a:r>
+            <a:r>
+              <a:rPr kumimoji="1" lang="ja-JP" altLang="en-US"/>
+              <a:t>著名なもの</a:t>
+            </a:r>
+            <a:r>
+              <a:rPr kumimoji="1" lang="en-US" altLang="ja-JP" dirty="0"/>
+              <a:t>2</a:t>
+            </a:r>
+            <a:r>
+              <a:rPr kumimoji="1" lang="ja-JP" altLang="en-US"/>
+              <a:t>つあげるとコンテンツベースレコメンドと協調フィルタリングがあり、</a:t>
+            </a:r>
+          </a:p>
+          <a:p>
+            <a:r>
+              <a:rPr kumimoji="1" lang="ja-JP" altLang="en-US"/>
+              <a:t>  </a:t>
+            </a:r>
+            <a:r>
+              <a:rPr kumimoji="1" lang="en-US" altLang="ja-JP" dirty="0"/>
+              <a:t>- </a:t>
+            </a:r>
+            <a:r>
+              <a:rPr kumimoji="1" lang="ja-JP" altLang="en-US"/>
+              <a:t>コンテンツベースレコメンドとは、コンテンツの類似度からレコメンドを算出するもので、協調フィルタリングは過去の行動履歴を他の人の類似した行動履歴を用いてレコメンドを算出するものです。</a:t>
+            </a:r>
+          </a:p>
+          <a:p>
+            <a:r>
+              <a:rPr kumimoji="1" lang="en-US" altLang="ja-JP" dirty="0"/>
+              <a:t>- </a:t>
+            </a:r>
+            <a:r>
+              <a:rPr kumimoji="1" lang="ja-JP" altLang="en-US"/>
+              <a:t>これらの問題点としては、コンテンツベースのレコメンドに関しては、レコメンドの結果に多様性が生まれないということが挙げられ、協調フィルタリングに関しては、履歴を元にしているので人気のないスポットがレコメンドされにくいということが挙げられます</a:t>
+            </a:r>
+          </a:p>
+          <a:p>
+            <a:endParaRPr kumimoji="1" lang="ja-JP" altLang="en-US"/>
+          </a:p>
+          <a:p>
+            <a:r>
+              <a:rPr kumimoji="1" lang="en-US" altLang="ja-JP" dirty="0"/>
+              <a:t>#### </a:t>
+            </a:r>
+            <a:r>
+              <a:rPr kumimoji="1" lang="ja-JP" altLang="en-US"/>
+              <a:t>レビューを利用したレコメンド</a:t>
+            </a:r>
+          </a:p>
+          <a:p>
+            <a:r>
+              <a:rPr kumimoji="1" lang="en-US" altLang="ja-JP" dirty="0"/>
+              <a:t>- </a:t>
+            </a:r>
+            <a:r>
+              <a:rPr kumimoji="1" lang="ja-JP" altLang="en-US"/>
+              <a:t>そして今回のレビューを利用したレコメンドでは、レビューに含まれるコンテンツや、形容詞等に含まれる感情から多様性のあるレコメンドを算出することで、この目的を満たせると考えています</a:t>
+            </a:r>
+            <a:endParaRPr kumimoji="1" lang="en-US" altLang="ja-JP" dirty="0"/>
+          </a:p>
+          <a:p>
+            <a:endParaRPr kumimoji="1" lang="en-US" altLang="ja-JP" dirty="0"/>
+          </a:p>
+          <a:p>
+            <a:r>
+              <a:rPr kumimoji="1" lang="en-US" altLang="ja-JP" dirty="0"/>
+              <a:t>5</a:t>
+            </a:r>
+            <a:r>
+              <a:rPr kumimoji="1" lang="ja-JP" altLang="en-US"/>
+              <a:t>分</a:t>
+            </a:r>
+            <a:r>
+              <a:rPr kumimoji="1" lang="en-US" altLang="ja-JP" dirty="0"/>
+              <a:t>15</a:t>
+            </a:r>
+            <a:r>
+              <a:rPr kumimoji="1" lang="ja-JP" altLang="en-US"/>
+              <a:t>秒</a:t>
+            </a:r>
+          </a:p>
+          <a:p>
+            <a:endParaRPr kumimoji="1" lang="ja-JP" altLang="en-US"/>
+          </a:p>
+          <a:p>
+            <a:r>
+              <a:rPr kumimoji="1" lang="en-US" altLang="ja-JP" dirty="0"/>
+              <a:t>9000</a:t>
+            </a:r>
+            <a:r>
+              <a:rPr kumimoji="1" lang="ja-JP" altLang="en-US"/>
+              <a:t>箇所のスポットから作成した</a:t>
+            </a:r>
+            <a:endParaRPr kumimoji="1" lang="en-US" altLang="ja-JP" dirty="0"/>
+          </a:p>
+          <a:p>
+            <a:endParaRPr kumimoji="1" lang="en-US" altLang="ja-JP" dirty="0"/>
+          </a:p>
+          <a:p>
+            <a:r>
+              <a:rPr kumimoji="1" lang="ja-JP" altLang="en-US"/>
+              <a:t>・訪日客</a:t>
+            </a:r>
+            <a:endParaRPr kumimoji="1" lang="en-US" altLang="ja-JP" dirty="0"/>
+          </a:p>
+          <a:p>
+            <a:r>
+              <a:rPr kumimoji="1" lang="en-US" altLang="ja-JP" dirty="0"/>
+              <a:t>→</a:t>
+            </a:r>
+            <a:r>
+              <a:rPr kumimoji="1" lang="ja-JP" altLang="en-US"/>
+              <a:t>例として訪日客の例をあげましたが、</a:t>
+            </a:r>
+            <a:endParaRPr kumimoji="1" lang="en-US" altLang="ja-JP" dirty="0"/>
+          </a:p>
+          <a:p>
+            <a:endParaRPr kumimoji="1" lang="en-US" altLang="ja-JP" dirty="0"/>
+          </a:p>
+          <a:p>
+            <a:r>
+              <a:rPr kumimoji="1" lang="ja-JP" altLang="en-US"/>
+              <a:t>多様性のあるレコメンド</a:t>
+            </a:r>
+            <a:r>
+              <a:rPr kumimoji="1" lang="en-US" altLang="ja-JP" dirty="0"/>
+              <a:t>→</a:t>
+            </a:r>
+            <a:r>
+              <a:rPr kumimoji="1" lang="ja-JP" altLang="en-US"/>
+              <a:t>「地方の」だと対象が分かりづらくなる</a:t>
+            </a:r>
+            <a:endParaRPr kumimoji="1" lang="en-US" altLang="ja-JP" dirty="0"/>
+          </a:p>
+          <a:p>
+            <a:endParaRPr kumimoji="1" lang="en-US" altLang="ja-JP" dirty="0"/>
+          </a:p>
+          <a:p>
+            <a:r>
+              <a:rPr kumimoji="1" lang="ja-JP" altLang="en-US"/>
+              <a:t>潜在的な感情</a:t>
+            </a:r>
+            <a:r>
+              <a:rPr kumimoji="1" lang="en-US" altLang="ja-JP" dirty="0"/>
+              <a:t>→</a:t>
+            </a:r>
+            <a:r>
+              <a:rPr kumimoji="1" lang="ja-JP" altLang="en-US"/>
+              <a:t>発表のどこにでてきた？</a:t>
+            </a:r>
+            <a:endParaRPr kumimoji="1" lang="en-US" altLang="ja-JP" dirty="0"/>
+          </a:p>
+          <a:p>
+            <a:r>
+              <a:rPr kumimoji="1" lang="ja-JP" altLang="en-US"/>
+              <a:t>・</a:t>
+            </a:r>
+            <a:endParaRPr kumimoji="1" lang="en-US" altLang="ja-JP" dirty="0"/>
+          </a:p>
+          <a:p>
+            <a:r>
+              <a:rPr kumimoji="1" lang="ja-JP" altLang="en-US"/>
+              <a:t>・こういうやり方したんだけどうまくいかない</a:t>
+            </a:r>
+            <a:endParaRPr kumimoji="1" lang="en-US" altLang="ja-JP" dirty="0"/>
+          </a:p>
+          <a:p>
+            <a:endParaRPr kumimoji="1" lang="en-US" altLang="ja-JP" dirty="0"/>
+          </a:p>
+          <a:p>
+            <a:endParaRPr kumimoji="1" lang="en-US" altLang="ja-JP" dirty="0"/>
+          </a:p>
+          <a:p>
+            <a:endParaRPr kumimoji="1" lang="en-US" altLang="ja-JP" dirty="0"/>
+          </a:p>
+          <a:p>
             <a:endParaRPr kumimoji="1" lang="en-US" altLang="ja-JP" dirty="0"/>
           </a:p>
         </p:txBody>
@@ -5339,8 +5710,8 @@
         </p:nvSpPr>
         <p:spPr>
           <a:xfrm>
-            <a:off x="1240177" y="6061763"/>
-            <a:ext cx="27789263" cy="1398979"/>
+            <a:off x="1261958" y="6038622"/>
+            <a:ext cx="27766388" cy="1398979"/>
           </a:xfrm>
           <a:prstGeom prst="rect">
             <a:avLst/>
@@ -5459,7 +5830,7 @@
         </p:nvSpPr>
         <p:spPr>
           <a:xfrm>
-            <a:off x="1582788" y="7890953"/>
+            <a:off x="1582788" y="9079673"/>
             <a:ext cx="8748000" cy="1038604"/>
           </a:xfrm>
           <a:prstGeom prst="rect">
@@ -5522,7 +5893,7 @@
         </p:nvSpPr>
         <p:spPr>
           <a:xfrm>
-            <a:off x="10667354" y="7890953"/>
+            <a:off x="10667354" y="9079673"/>
             <a:ext cx="8748000" cy="1038604"/>
           </a:xfrm>
           <a:prstGeom prst="rect">
@@ -5595,7 +5966,7 @@
         </p:nvSpPr>
         <p:spPr>
           <a:xfrm>
-            <a:off x="19831434" y="7899351"/>
+            <a:off x="19831434" y="9088071"/>
             <a:ext cx="8748000" cy="1038604"/>
           </a:xfrm>
           <a:prstGeom prst="rect">
@@ -5665,8 +6036,8 @@
         </p:nvSpPr>
         <p:spPr>
           <a:xfrm>
-            <a:off x="1590255" y="8929557"/>
-            <a:ext cx="8748000" cy="4332785"/>
+            <a:off x="1590255" y="10118277"/>
+            <a:ext cx="8740533" cy="4332785"/>
           </a:xfrm>
           <a:prstGeom prst="rect">
             <a:avLst/>
@@ -5719,7 +6090,7 @@
         </p:nvSpPr>
         <p:spPr>
           <a:xfrm>
-            <a:off x="10662284" y="8929557"/>
+            <a:off x="10662284" y="10118277"/>
             <a:ext cx="8748000" cy="4332786"/>
           </a:xfrm>
           <a:prstGeom prst="rect">
@@ -5773,7 +6144,7 @@
         </p:nvSpPr>
         <p:spPr>
           <a:xfrm>
-            <a:off x="19831434" y="8944069"/>
+            <a:off x="19831434" y="10108726"/>
             <a:ext cx="8748000" cy="4332787"/>
           </a:xfrm>
           <a:prstGeom prst="rect">
@@ -5827,7 +6198,7 @@
         </p:nvSpPr>
         <p:spPr>
           <a:xfrm>
-            <a:off x="2068627" y="10913402"/>
+            <a:off x="2068627" y="10395242"/>
             <a:ext cx="7952153" cy="2123658"/>
           </a:xfrm>
           <a:prstGeom prst="rect">
@@ -5867,7 +6238,7 @@
         </p:nvSpPr>
         <p:spPr>
           <a:xfrm>
-            <a:off x="10627334" y="9057831"/>
+            <a:off x="10627334" y="10246551"/>
             <a:ext cx="8655949" cy="830997"/>
           </a:xfrm>
           <a:prstGeom prst="rect">
@@ -5903,7 +6274,7 @@
         </p:nvSpPr>
         <p:spPr>
           <a:xfrm>
-            <a:off x="10631814" y="10795434"/>
+            <a:off x="10631814" y="11984154"/>
             <a:ext cx="8655949" cy="830997"/>
           </a:xfrm>
           <a:prstGeom prst="rect">
@@ -5939,7 +6310,7 @@
         </p:nvSpPr>
         <p:spPr>
           <a:xfrm>
-            <a:off x="11219056" y="11709517"/>
+            <a:off x="11219056" y="12898237"/>
             <a:ext cx="8271907" cy="1323439"/>
           </a:xfrm>
           <a:prstGeom prst="rect">
@@ -5987,7 +6358,7 @@
         </p:nvSpPr>
         <p:spPr>
           <a:xfrm>
-            <a:off x="11243556" y="9782643"/>
+            <a:off x="11243556" y="10971363"/>
             <a:ext cx="8271907" cy="769441"/>
           </a:xfrm>
           <a:prstGeom prst="rect">
@@ -6022,45 +6393,6 @@
               <a:t>　</a:t>
             </a:r>
             <a:endParaRPr lang="en-US" altLang="ja-JP" sz="4400" dirty="0"/>
-          </a:p>
-        </p:txBody>
-      </p:sp>
-      <p:sp>
-        <p:nvSpPr>
-          <p:cNvPr id="24" name="テキスト ボックス 23">
-            <a:extLst>
-              <a:ext uri="{FF2B5EF4-FFF2-40B4-BE49-F238E27FC236}">
-                <a16:creationId xmlns:a16="http://schemas.microsoft.com/office/drawing/2014/main" id="{898DA034-7E82-3E49-B445-270761A1D4CA}"/>
-              </a:ext>
-            </a:extLst>
-          </p:cNvPr>
-          <p:cNvSpPr txBox="1"/>
-          <p:nvPr/>
-        </p:nvSpPr>
-        <p:spPr>
-          <a:xfrm>
-            <a:off x="6020509" y="13424308"/>
-            <a:ext cx="20650200" cy="1080000"/>
-          </a:xfrm>
-          <a:prstGeom prst="rect">
-            <a:avLst/>
-          </a:prstGeom>
-          <a:noFill/>
-        </p:spPr>
-        <p:txBody>
-          <a:bodyPr wrap="square" rtlCol="0">
-            <a:spAutoFit/>
-          </a:bodyPr>
-          <a:lstStyle/>
-          <a:p>
-            <a:r>
-              <a:rPr kumimoji="1" lang="ja-JP" altLang="en-US" sz="4800" b="1"/>
-              <a:t>目的：ユーザの入力とレビューを元に高好感度な観光地をレコメンドする</a:t>
-            </a:r>
-            <a:r>
-              <a:rPr kumimoji="1" lang="ja-JP" altLang="en-US"/>
-              <a:t>　　　　　</a:t>
-            </a:r>
           </a:p>
         </p:txBody>
       </p:sp>
@@ -6078,7 +6410,7 @@
         </p:nvSpPr>
         <p:spPr>
           <a:xfrm>
-            <a:off x="19917107" y="10032957"/>
+            <a:off x="19917107" y="11221677"/>
             <a:ext cx="3927908" cy="2308324"/>
           </a:xfrm>
           <a:prstGeom prst="rect">
@@ -6130,7 +6462,7 @@
         </p:nvSpPr>
         <p:spPr>
           <a:xfrm>
-            <a:off x="23633483" y="10566449"/>
+            <a:off x="23633483" y="11755169"/>
             <a:ext cx="1031779" cy="916327"/>
           </a:xfrm>
           <a:prstGeom prst="rightArrow">
@@ -6184,7 +6516,7 @@
         </p:nvSpPr>
         <p:spPr>
           <a:xfrm>
-            <a:off x="24732016" y="10374543"/>
+            <a:off x="24732016" y="11563263"/>
             <a:ext cx="3877985" cy="1569660"/>
           </a:xfrm>
           <a:prstGeom prst="rect">
@@ -7648,6 +7980,45 @@
       </p:sp>
       <p:sp>
         <p:nvSpPr>
+          <p:cNvPr id="24" name="テキスト ボックス 23">
+            <a:extLst>
+              <a:ext uri="{FF2B5EF4-FFF2-40B4-BE49-F238E27FC236}">
+                <a16:creationId xmlns:a16="http://schemas.microsoft.com/office/drawing/2014/main" id="{898DA034-7E82-3E49-B445-270761A1D4CA}"/>
+              </a:ext>
+            </a:extLst>
+          </p:cNvPr>
+          <p:cNvSpPr txBox="1"/>
+          <p:nvPr/>
+        </p:nvSpPr>
+        <p:spPr>
+          <a:xfrm>
+            <a:off x="4879780" y="7666014"/>
+            <a:ext cx="20650200" cy="1155060"/>
+          </a:xfrm>
+          <a:prstGeom prst="rect">
+            <a:avLst/>
+          </a:prstGeom>
+          <a:noFill/>
+        </p:spPr>
+        <p:txBody>
+          <a:bodyPr wrap="square" rtlCol="0">
+            <a:spAutoFit/>
+          </a:bodyPr>
+          <a:lstStyle/>
+          <a:p>
+            <a:r>
+              <a:rPr kumimoji="1" lang="ja-JP" altLang="en-US" sz="4800" b="1"/>
+              <a:t>目的：ユーザの入力とレビューを元に高好感度な観光地をレコメンドする</a:t>
+            </a:r>
+            <a:r>
+              <a:rPr kumimoji="1" lang="ja-JP" altLang="en-US"/>
+              <a:t>　　　　　</a:t>
+            </a:r>
+          </a:p>
+        </p:txBody>
+      </p:sp>
+      <p:sp>
+        <p:nvSpPr>
           <p:cNvPr id="90" name="正方形/長方形 89">
             <a:extLst>
               <a:ext uri="{FF2B5EF4-FFF2-40B4-BE49-F238E27FC236}">
@@ -7660,7 +8031,7 @@
         </p:nvSpPr>
         <p:spPr>
           <a:xfrm>
-            <a:off x="7667315" y="13511885"/>
+            <a:off x="6526586" y="7753591"/>
             <a:ext cx="18741003" cy="1021495"/>
           </a:xfrm>
           <a:prstGeom prst="rect">
@@ -7712,7 +8083,7 @@
         </p:nvSpPr>
         <p:spPr>
           <a:xfrm>
-            <a:off x="5521365" y="13513715"/>
+            <a:off x="4380636" y="7755421"/>
             <a:ext cx="2160000" cy="1020820"/>
           </a:xfrm>
           <a:prstGeom prst="rect">
@@ -7769,8 +8140,8 @@
         </p:nvSpPr>
         <p:spPr>
           <a:xfrm>
-            <a:off x="2028288" y="9295184"/>
-            <a:ext cx="7952153" cy="2123658"/>
+            <a:off x="2028288" y="12739424"/>
+            <a:ext cx="7952153" cy="1446550"/>
           </a:xfrm>
           <a:prstGeom prst="rect">
             <a:avLst/>
@@ -7791,13 +8162,6 @@
               <a:rPr lang="ja-JP" altLang="en-US" sz="4400"/>
               <a:t>地方の魅力を適切に伝えるのは困難</a:t>
             </a:r>
-            <a:endParaRPr lang="en-US" altLang="ja-JP" sz="4400" dirty="0"/>
-          </a:p>
-          <a:p>
-            <a:pPr marL="571500" indent="-571500">
-              <a:buFont typeface="Arial" panose="020B0604020202020204" pitchFamily="34" charset="0"/>
-              <a:buChar char="•"/>
-            </a:pPr>
             <a:endParaRPr lang="en-US" altLang="ja-JP" sz="4400" dirty="0"/>
           </a:p>
         </p:txBody>
@@ -8775,7 +9139,7 @@
         </p:nvSpPr>
         <p:spPr>
           <a:xfrm>
-            <a:off x="-26621599" y="17798080"/>
+            <a:off x="-28845847" y="17803622"/>
             <a:ext cx="26659894" cy="8842085"/>
           </a:xfrm>
           <a:custGeom>
@@ -10600,7 +10964,9 @@
             <a:r>
               <a:rPr lang="en-US" altLang="ja-JP" sz="4800" b="1" dirty="0">
                 <a:solidFill>
-                  <a:srgbClr val="FF0000"/>
+                  <a:schemeClr val="accent6">
+                    <a:lumMod val="75000"/>
+                  </a:schemeClr>
                 </a:solidFill>
               </a:rPr>
               <a:t>①</a:t>
@@ -10608,14 +10974,18 @@
             <a:r>
               <a:rPr lang="ja-JP" altLang="en-US" sz="4800" b="1">
                 <a:solidFill>
-                  <a:srgbClr val="FF0000"/>
+                  <a:schemeClr val="accent6">
+                    <a:lumMod val="75000"/>
+                  </a:schemeClr>
                 </a:solidFill>
               </a:rPr>
               <a:t>前処理</a:t>
             </a:r>
             <a:endParaRPr kumimoji="1" lang="ja-JP" altLang="en-US" sz="4800" b="1">
               <a:solidFill>
-                <a:srgbClr val="FF0000"/>
+                <a:schemeClr val="accent6">
+                  <a:lumMod val="75000"/>
+                </a:schemeClr>
               </a:solidFill>
             </a:endParaRPr>
           </a:p>
@@ -10901,14 +11271,36 @@
             <a:r>
               <a:rPr lang="ja-JP" altLang="en-US" sz="4800" b="1">
                 <a:solidFill>
-                  <a:srgbClr val="FF0000"/>
+                  <a:schemeClr val="accent6">
+                    <a:lumMod val="75000"/>
+                  </a:schemeClr>
                 </a:solidFill>
               </a:rPr>
-              <a:t>②トピックモデルの構築</a:t>
+              <a:t>②</a:t>
+            </a:r>
+            <a:r>
+              <a:rPr lang="ja-JP" altLang="en-US" sz="4800" b="1">
+                <a:solidFill>
+                  <a:srgbClr val="EF0023"/>
+                </a:solidFill>
+              </a:rPr>
+              <a:t>トピックモデル</a:t>
+            </a:r>
+            <a:r>
+              <a:rPr lang="ja-JP" altLang="en-US" sz="4800" b="1">
+                <a:solidFill>
+                  <a:schemeClr val="accent6">
+                    <a:lumMod val="75000"/>
+                  </a:schemeClr>
+                </a:solidFill>
+              </a:rPr>
+              <a:t>の構築</a:t>
             </a:r>
             <a:endParaRPr kumimoji="1" lang="ja-JP" altLang="en-US" sz="4800" b="1">
               <a:solidFill>
-                <a:srgbClr val="FF0000"/>
+                <a:schemeClr val="accent6">
+                  <a:lumMod val="75000"/>
+                </a:schemeClr>
               </a:solidFill>
             </a:endParaRPr>
           </a:p>
@@ -11764,7 +12156,9 @@
             <a:r>
               <a:rPr lang="en-US" altLang="ja-JP" sz="4800" b="1" dirty="0">
                 <a:solidFill>
-                  <a:srgbClr val="FF0000"/>
+                  <a:schemeClr val="accent6">
+                    <a:lumMod val="75000"/>
+                  </a:schemeClr>
                 </a:solidFill>
               </a:rPr>
               <a:t>③</a:t>
@@ -11772,10 +12166,20 @@
             <a:r>
               <a:rPr lang="ja-JP" altLang="en-US" sz="4800" b="1">
                 <a:solidFill>
-                  <a:srgbClr val="FF0000"/>
+                  <a:srgbClr val="EF0023"/>
                 </a:solidFill>
               </a:rPr>
-              <a:t>類似度算出</a:t>
+              <a:t>類似度</a:t>
+            </a:r>
+            <a:r>
+              <a:rPr lang="ja-JP" altLang="en-US" sz="4800" b="1">
+                <a:solidFill>
+                  <a:schemeClr val="accent6">
+                    <a:lumMod val="75000"/>
+                  </a:schemeClr>
+                </a:solidFill>
+              </a:rPr>
+              <a:t>算出</a:t>
             </a:r>
           </a:p>
         </p:txBody>
@@ -12235,8 +12639,8 @@
         </p:nvSpPr>
         <p:spPr>
           <a:xfrm>
-            <a:off x="1764182" y="38830281"/>
-            <a:ext cx="12467123" cy="2202206"/>
+            <a:off x="1620988" y="39054718"/>
+            <a:ext cx="12467123" cy="1723549"/>
           </a:xfrm>
           <a:prstGeom prst="rect">
             <a:avLst/>
@@ -12250,9 +12654,12 @@
           <a:lstStyle/>
           <a:p>
             <a:pPr marL="685800" indent="-685800">
-              <a:lnSpc>
-                <a:spcPct val="150000"/>
-              </a:lnSpc>
+              <a:spcBef>
+                <a:spcPts val="600"/>
+              </a:spcBef>
+              <a:spcAft>
+                <a:spcPts val="600"/>
+              </a:spcAft>
               <a:buFont typeface="Arial" panose="020B0604020202020204" pitchFamily="34" charset="0"/>
               <a:buChar char="•"/>
             </a:pPr>
@@ -12264,13 +12671,16 @@
           </a:p>
           <a:p>
             <a:pPr>
-              <a:lnSpc>
-                <a:spcPct val="150000"/>
-              </a:lnSpc>
+              <a:spcBef>
+                <a:spcPts val="600"/>
+              </a:spcBef>
+              <a:spcAft>
+                <a:spcPts val="600"/>
+              </a:spcAft>
             </a:pPr>
             <a:r>
               <a:rPr lang="en-US" altLang="ja-JP" sz="4800" dirty="0"/>
-              <a:t>→ </a:t>
+              <a:t>→  </a:t>
             </a:r>
             <a:r>
               <a:rPr lang="ja-JP" altLang="en-US" sz="4800"/>
@@ -12740,7 +13150,7 @@
         <p:spPr>
           <a:xfrm>
             <a:off x="2146734" y="31312671"/>
-            <a:ext cx="4339650" cy="646331"/>
+            <a:ext cx="2954655" cy="646331"/>
           </a:xfrm>
           <a:prstGeom prst="rect">
             <a:avLst/>
@@ -12755,8 +13165,9 @@
           <a:p>
             <a:r>
               <a:rPr kumimoji="1" lang="ja-JP" altLang="en-US" sz="3600"/>
-              <a:t>トピック＃０の分布</a:t>
-            </a:r>
+              <a:t>トピック＃０</a:t>
+            </a:r>
+            <a:endParaRPr kumimoji="1" lang="en-US" altLang="ja-JP" sz="3600"/>
           </a:p>
         </p:txBody>
       </p:sp>

--- a/notebooks/interrim_presentattion_poster.pptx
+++ b/notebooks/interrim_presentattion_poster.pptx
@@ -117,7 +117,7 @@
 
 <file path=ppt/commentAuthors.xml><?xml version="1.0" encoding="utf-8"?>
 <p:cmAuthorLst xmlns:a="http://schemas.openxmlformats.org/drawingml/2006/main" xmlns:r="http://schemas.openxmlformats.org/officeDocument/2006/relationships" xmlns:p="http://schemas.openxmlformats.org/presentationml/2006/main">
-  <p:cmAuthor id="1" name="和田　龍樹" initials="和田　龍樹" lastIdx="9" clrIdx="0">
+  <p:cmAuthor id="1" name="和田　龍樹" initials="和田　龍樹" lastIdx="10" clrIdx="0">
     <p:extLst>
       <p:ext uri="{19B8F6BF-5375-455C-9EA6-DF929625EA0E}">
         <p15:presenceInfo xmlns:p15="http://schemas.microsoft.com/office/powerpoint/2012/main" userId="27693e61-15af-4e20-97bf-0105e335e4cc" providerId="Windows Live"/>
@@ -195,6 +195,15 @@
   <p:cm authorId="1" dt="2018-07-17T17:54:04.204" idx="9">
     <p:pos x="10" y="10"/>
     <p:text>色目が強い</p:text>
+    <p:extLst>
+      <p:ext uri="{C676402C-5697-4E1C-873F-D02D1690AC5C}">
+        <p15:threadingInfo xmlns:p15="http://schemas.microsoft.com/office/powerpoint/2012/main" timeZoneBias="-540"/>
+      </p:ext>
+    </p:extLst>
+  </p:cm>
+  <p:cm authorId="1" dt="2018-07-24T19:47:02.869" idx="10">
+    <p:pos x="14892" y="10936"/>
+    <p:text>レコメンド対象を説明する(広くとるような説明をする)</p:text>
     <p:extLst>
       <p:ext uri="{C676402C-5697-4E1C-873F-D02D1690AC5C}">
         <p15:threadingInfo xmlns:p15="http://schemas.microsoft.com/office/powerpoint/2012/main" timeZoneBias="-540"/>
@@ -12705,13 +12714,13 @@
           <p:nvPr>
             <p:extLst>
               <p:ext uri="{D42A27DB-BD31-4B8C-83A1-F6EECF244321}">
-                <p14:modId xmlns:p14="http://schemas.microsoft.com/office/powerpoint/2010/main" val="4283496678"/>
+                <p14:modId xmlns:p14="http://schemas.microsoft.com/office/powerpoint/2010/main" val="426356299"/>
               </p:ext>
             </p:extLst>
           </p:nvPr>
         </p:nvGraphicFramePr>
         <p:xfrm>
-          <a:off x="2326308" y="32136860"/>
+          <a:off x="2326308" y="31862540"/>
           <a:ext cx="3972761" cy="3330052"/>
         </p:xfrm>
         <a:graphic>
@@ -13149,7 +13158,7 @@
         </p:nvSpPr>
         <p:spPr>
           <a:xfrm>
-            <a:off x="2146734" y="31312671"/>
+            <a:off x="2740397" y="31038351"/>
             <a:ext cx="2954655" cy="646331"/>
           </a:xfrm>
           <a:prstGeom prst="rect">
@@ -13167,7 +13176,7 @@
               <a:rPr kumimoji="1" lang="ja-JP" altLang="en-US" sz="3600"/>
               <a:t>トピック＃０</a:t>
             </a:r>
-            <a:endParaRPr kumimoji="1" lang="en-US" altLang="ja-JP" sz="3600"/>
+            <a:endParaRPr kumimoji="1" lang="en-US" altLang="ja-JP" sz="3600" dirty="0"/>
           </a:p>
         </p:txBody>
       </p:sp>
@@ -13185,8 +13194,8 @@
         </p:nvSpPr>
         <p:spPr>
           <a:xfrm>
-            <a:off x="6464677" y="31299204"/>
-            <a:ext cx="4339650" cy="646331"/>
+            <a:off x="6997946" y="31059694"/>
+            <a:ext cx="2954655" cy="646331"/>
           </a:xfrm>
           <a:prstGeom prst="rect">
             <a:avLst/>
@@ -13201,7 +13210,7 @@
           <a:p>
             <a:r>
               <a:rPr kumimoji="1" lang="ja-JP" altLang="en-US" sz="3600"/>
-              <a:t>トピック＃１の分布</a:t>
+              <a:t>トピック＃１</a:t>
             </a:r>
           </a:p>
         </p:txBody>
@@ -13221,13 +13230,13 @@
           <p:nvPr>
             <p:extLst>
               <p:ext uri="{D42A27DB-BD31-4B8C-83A1-F6EECF244321}">
-                <p14:modId xmlns:p14="http://schemas.microsoft.com/office/powerpoint/2010/main" val="1487283262"/>
+                <p14:modId xmlns:p14="http://schemas.microsoft.com/office/powerpoint/2010/main" val="2670357649"/>
               </p:ext>
             </p:extLst>
           </p:nvPr>
         </p:nvGraphicFramePr>
         <p:xfrm>
-          <a:off x="6634157" y="32117581"/>
+          <a:off x="6634157" y="31843261"/>
           <a:ext cx="3984772" cy="3330052"/>
         </p:xfrm>
         <a:graphic>
@@ -13442,7 +13451,7 @@
         </p:nvSpPr>
         <p:spPr>
           <a:xfrm>
-            <a:off x="15200270" y="31346585"/>
+            <a:off x="15200270" y="31072265"/>
             <a:ext cx="1569660" cy="646331"/>
           </a:xfrm>
           <a:prstGeom prst="rect">
@@ -13477,7 +13486,7 @@
         </p:nvSpPr>
         <p:spPr>
           <a:xfrm>
-            <a:off x="15275667" y="33587328"/>
+            <a:off x="15275667" y="33313008"/>
             <a:ext cx="1569660" cy="646331"/>
           </a:xfrm>
           <a:prstGeom prst="rect">
@@ -13512,8 +13521,8 @@
         </p:nvSpPr>
         <p:spPr>
           <a:xfrm>
-            <a:off x="19550152" y="31334015"/>
-            <a:ext cx="8494633" cy="646331"/>
+            <a:off x="20555992" y="31059695"/>
+            <a:ext cx="7109639" cy="646331"/>
           </a:xfrm>
           <a:prstGeom prst="rect">
             <a:avLst/>
@@ -13527,8 +13536,20 @@
           <a:lstStyle/>
           <a:p>
             <a:r>
+              <a:rPr lang="en-US" altLang="ja-JP" sz="3600" dirty="0"/>
+              <a:t>『</a:t>
+            </a:r>
+            <a:r>
               <a:rPr lang="ja-JP" altLang="en-US" sz="3600"/>
-              <a:t>「横浜赤レンガ倉庫」のトピックの分布</a:t>
+              <a:t>横浜赤レンガ倉庫</a:t>
+            </a:r>
+            <a:r>
+              <a:rPr lang="en-US" altLang="ja-JP" sz="3600" dirty="0"/>
+              <a:t>』</a:t>
+            </a:r>
+            <a:r>
+              <a:rPr lang="ja-JP" altLang="en-US" sz="3600"/>
+              <a:t>のトピック</a:t>
             </a:r>
           </a:p>
         </p:txBody>
@@ -13548,13 +13569,13 @@
           <p:nvPr>
             <p:extLst>
               <p:ext uri="{D42A27DB-BD31-4B8C-83A1-F6EECF244321}">
-                <p14:modId xmlns:p14="http://schemas.microsoft.com/office/powerpoint/2010/main" val="1990620695"/>
+                <p14:modId xmlns:p14="http://schemas.microsoft.com/office/powerpoint/2010/main" val="103959385"/>
               </p:ext>
             </p:extLst>
           </p:nvPr>
         </p:nvGraphicFramePr>
         <p:xfrm>
-          <a:off x="21153176" y="32136860"/>
+          <a:off x="21153176" y="31862540"/>
           <a:ext cx="6073244" cy="3330052"/>
         </p:xfrm>
         <a:graphic>
@@ -13778,8 +13799,8 @@
         </p:nvSpPr>
         <p:spPr>
           <a:xfrm>
-            <a:off x="10786034" y="31312671"/>
-            <a:ext cx="4339650" cy="646331"/>
+            <a:off x="11485994" y="31038351"/>
+            <a:ext cx="2954655" cy="646331"/>
           </a:xfrm>
           <a:prstGeom prst="rect">
             <a:avLst/>
@@ -13800,10 +13821,7 @@
               <a:rPr lang="ja-JP" altLang="en-US" sz="3600"/>
               <a:t>２</a:t>
             </a:r>
-            <a:r>
-              <a:rPr kumimoji="1" lang="ja-JP" altLang="en-US" sz="3600"/>
-              <a:t>の分布</a:t>
-            </a:r>
+            <a:endParaRPr kumimoji="1" lang="ja-JP" altLang="en-US" sz="3600"/>
           </a:p>
         </p:txBody>
       </p:sp>
@@ -13822,13 +13840,13 @@
           <p:nvPr>
             <p:extLst>
               <p:ext uri="{D42A27DB-BD31-4B8C-83A1-F6EECF244321}">
-                <p14:modId xmlns:p14="http://schemas.microsoft.com/office/powerpoint/2010/main" val="3821792087"/>
+                <p14:modId xmlns:p14="http://schemas.microsoft.com/office/powerpoint/2010/main" val="2843742382"/>
               </p:ext>
             </p:extLst>
           </p:nvPr>
         </p:nvGraphicFramePr>
         <p:xfrm>
-          <a:off x="11020270" y="32136860"/>
+          <a:off x="11020270" y="31862540"/>
           <a:ext cx="3984772" cy="3330052"/>
         </p:xfrm>
         <a:graphic>
@@ -14043,7 +14061,7 @@
         </p:nvSpPr>
         <p:spPr>
           <a:xfrm>
-            <a:off x="17732500" y="33451873"/>
+            <a:off x="17732500" y="33177553"/>
             <a:ext cx="1871880" cy="843133"/>
           </a:xfrm>
           <a:prstGeom prst="rightArrow">

--- a/notebooks/interrim_presentattion_poster.pptx
+++ b/notebooks/interrim_presentattion_poster.pptx
@@ -109,7 +109,18 @@
   </p:defaultTextStyle>
   <p:extLst>
     <p:ext uri="{EFAFB233-063F-42B5-8137-9DF3F51BA10A}">
-      <p15:sldGuideLst xmlns:p15="http://schemas.microsoft.com/office/powerpoint/2012/main"/>
+      <p15:sldGuideLst xmlns:p15="http://schemas.microsoft.com/office/powerpoint/2012/main">
+        <p15:guide id="1" orient="horz" pos="13481" userDrawn="1">
+          <p15:clr>
+            <a:srgbClr val="A4A3A4"/>
+          </p15:clr>
+        </p15:guide>
+        <p15:guide id="2" pos="9535" userDrawn="1">
+          <p15:clr>
+            <a:srgbClr val="A4A3A4"/>
+          </p15:clr>
+        </p15:guide>
+      </p15:sldGuideLst>
     </p:ext>
   </p:extLst>
 </p:presentation>
@@ -202,7 +213,7 @@
     </p:extLst>
   </p:cm>
   <p:cm authorId="1" dt="2018-07-24T19:47:02.869" idx="10">
-    <p:pos x="14892" y="10936"/>
+    <p:pos x="13682" y="11435"/>
     <p:text>レコメンド対象を説明する(広くとるような説明をする)</p:text>
     <p:extLst>
       <p:ext uri="{C676402C-5697-4E1C-873F-D02D1690AC5C}">
@@ -4490,7 +4501,10 @@
           <a:lstStyle/>
           <a:p>
             <a:pPr algn="ctr"/>
-            <a:endParaRPr kumimoji="1" lang="ja-JP" altLang="en-US"/>
+            <a:endParaRPr kumimoji="1" lang="ja-JP" altLang="en-US">
+              <a:latin typeface="Hiragino Sans W4" panose="020B0400000000000000" pitchFamily="34" charset="-128"/>
+              <a:ea typeface="Hiragino Sans W4" panose="020B0400000000000000" pitchFamily="34" charset="-128"/>
+            </a:endParaRPr>
           </a:p>
         </p:txBody>
       </p:sp>
@@ -5605,18 +5619,30 @@
           <a:p>
             <a:pPr algn="ctr"/>
             <a:r>
-              <a:rPr lang="ja-JP" altLang="en-US" sz="9600" b="1"/>
+              <a:rPr lang="ja-JP" altLang="en-US" sz="9600" b="1">
+                <a:latin typeface="Hiragino Sans W4" panose="020B0400000000000000" pitchFamily="34" charset="-128"/>
+                <a:ea typeface="Hiragino Sans W4" panose="020B0400000000000000" pitchFamily="34" charset="-128"/>
+              </a:rPr>
               <a:t>観光レビューを利用した高好感度観光地</a:t>
             </a:r>
-            <a:endParaRPr lang="en-US" altLang="ja-JP" sz="9600" b="1" dirty="0"/>
+            <a:endParaRPr lang="en-US" altLang="ja-JP" sz="9600" b="1" dirty="0">
+              <a:latin typeface="Hiragino Sans W4" panose="020B0400000000000000" pitchFamily="34" charset="-128"/>
+              <a:ea typeface="Hiragino Sans W4" panose="020B0400000000000000" pitchFamily="34" charset="-128"/>
+            </a:endParaRPr>
           </a:p>
           <a:p>
             <a:pPr algn="ctr"/>
             <a:r>
-              <a:rPr lang="ja-JP" altLang="en-US" sz="9600" b="1"/>
-              <a:t>レコメンデーションシステムの構築</a:t>
-            </a:r>
-            <a:endParaRPr kumimoji="1" lang="ja-JP" altLang="en-US" sz="9600" b="1"/>
+              <a:rPr lang="ja-JP" altLang="en-US" sz="9600" b="1">
+                <a:latin typeface="Hiragino Sans W4" panose="020B0400000000000000" pitchFamily="34" charset="-128"/>
+                <a:ea typeface="Hiragino Sans W4" panose="020B0400000000000000" pitchFamily="34" charset="-128"/>
+              </a:rPr>
+              <a:t>レコメンデーションシステム</a:t>
+            </a:r>
+            <a:endParaRPr kumimoji="1" lang="ja-JP" altLang="en-US" sz="9600" b="1">
+              <a:latin typeface="Hiragino Sans W4" panose="020B0400000000000000" pitchFamily="34" charset="-128"/>
+              <a:ea typeface="Hiragino Sans W4" panose="020B0400000000000000" pitchFamily="34" charset="-128"/>
+            </a:endParaRPr>
           </a:p>
         </p:txBody>
       </p:sp>
@@ -5634,8 +5660,8 @@
         </p:nvSpPr>
         <p:spPr>
           <a:xfrm>
-            <a:off x="2972149" y="4922341"/>
-            <a:ext cx="24042159" cy="1107996"/>
+            <a:off x="5377716" y="4800219"/>
+            <a:ext cx="19504057" cy="1107996"/>
           </a:xfrm>
           <a:prstGeom prst="rect">
             <a:avLst/>
@@ -5649,55 +5675,87 @@
           <a:lstStyle/>
           <a:p>
             <a:r>
-              <a:rPr kumimoji="1" lang="en-US" altLang="ja-JP" sz="6600" dirty="0"/>
-              <a:t>18115233 </a:t>
-            </a:r>
-            <a:r>
-              <a:rPr kumimoji="1" lang="ja-JP" altLang="en-US" sz="6600"/>
-              <a:t>社会情報学部</a:t>
-            </a:r>
-            <a:r>
-              <a:rPr kumimoji="1" lang="en-US" altLang="ja-JP" sz="6600" dirty="0"/>
+              <a:rPr lang="en-US" altLang="ja-JP" sz="6600" dirty="0">
+                <a:latin typeface="Hiragino Sans W4" panose="020B0400000000000000" pitchFamily="34" charset="-128"/>
+                <a:ea typeface="Hiragino Sans W4" panose="020B0400000000000000" pitchFamily="34" charset="-128"/>
+              </a:rPr>
+              <a:t>18115233 4</a:t>
+            </a:r>
+            <a:r>
+              <a:rPr kumimoji="1" lang="ja-JP" altLang="en-US" sz="6600">
+                <a:latin typeface="Hiragino Sans W4" panose="020B0400000000000000" pitchFamily="34" charset="-128"/>
+                <a:ea typeface="Hiragino Sans W4" panose="020B0400000000000000" pitchFamily="34" charset="-128"/>
+              </a:rPr>
+              <a:t>年</a:t>
+            </a:r>
+            <a:r>
+              <a:rPr kumimoji="1" lang="en-US" altLang="ja-JP" sz="6600" dirty="0">
+                <a:latin typeface="Hiragino Sans W4" panose="020B0400000000000000" pitchFamily="34" charset="-128"/>
+                <a:ea typeface="Hiragino Sans W4" panose="020B0400000000000000" pitchFamily="34" charset="-128"/>
+              </a:rPr>
+              <a:t>E</a:t>
+            </a:r>
+            <a:r>
+              <a:rPr kumimoji="1" lang="ja-JP" altLang="en-US" sz="6600">
+                <a:latin typeface="Hiragino Sans W4" panose="020B0400000000000000" pitchFamily="34" charset="-128"/>
+                <a:ea typeface="Hiragino Sans W4" panose="020B0400000000000000" pitchFamily="34" charset="-128"/>
+              </a:rPr>
+              <a:t>組</a:t>
+            </a:r>
+            <a:r>
+              <a:rPr kumimoji="1" lang="en-US" altLang="ja-JP" sz="6600" dirty="0">
+                <a:latin typeface="Hiragino Sans W4" panose="020B0400000000000000" pitchFamily="34" charset="-128"/>
+                <a:ea typeface="Hiragino Sans W4" panose="020B0400000000000000" pitchFamily="34" charset="-128"/>
+              </a:rPr>
               <a:t> </a:t>
             </a:r>
             <a:r>
-              <a:rPr lang="ja-JP" altLang="en-US" sz="6600"/>
-              <a:t>４</a:t>
-            </a:r>
-            <a:r>
-              <a:rPr kumimoji="1" lang="ja-JP" altLang="en-US" sz="6600"/>
-              <a:t>年Ｅ組</a:t>
-            </a:r>
-            <a:r>
-              <a:rPr kumimoji="1" lang="en-US" altLang="ja-JP" sz="6600" dirty="0"/>
+              <a:rPr kumimoji="1" lang="ja-JP" altLang="en-US" sz="6600">
+                <a:latin typeface="Hiragino Sans W4" panose="020B0400000000000000" pitchFamily="34" charset="-128"/>
+                <a:ea typeface="Hiragino Sans W4" panose="020B0400000000000000" pitchFamily="34" charset="-128"/>
+              </a:rPr>
+              <a:t>和田</a:t>
+            </a:r>
+            <a:r>
+              <a:rPr kumimoji="1" lang="en-US" altLang="ja-JP" sz="6600" dirty="0">
+                <a:latin typeface="Hiragino Sans W4" panose="020B0400000000000000" pitchFamily="34" charset="-128"/>
+                <a:ea typeface="Hiragino Sans W4" panose="020B0400000000000000" pitchFamily="34" charset="-128"/>
+              </a:rPr>
               <a:t> </a:t>
             </a:r>
             <a:r>
-              <a:rPr kumimoji="1" lang="ja-JP" altLang="en-US" sz="6600"/>
-              <a:t>和田</a:t>
-            </a:r>
-            <a:r>
-              <a:rPr kumimoji="1" lang="en-US" altLang="ja-JP" sz="6600" dirty="0"/>
+              <a:rPr kumimoji="1" lang="ja-JP" altLang="en-US" sz="6600">
+                <a:latin typeface="Hiragino Sans W4" panose="020B0400000000000000" pitchFamily="34" charset="-128"/>
+                <a:ea typeface="Hiragino Sans W4" panose="020B0400000000000000" pitchFamily="34" charset="-128"/>
+              </a:rPr>
+              <a:t>龍樹</a:t>
+            </a:r>
+            <a:r>
+              <a:rPr kumimoji="1" lang="en-US" altLang="ja-JP" sz="6600" dirty="0">
+                <a:latin typeface="Hiragino Sans W4" panose="020B0400000000000000" pitchFamily="34" charset="-128"/>
+                <a:ea typeface="Hiragino Sans W4" panose="020B0400000000000000" pitchFamily="34" charset="-128"/>
+              </a:rPr>
               <a:t> </a:t>
             </a:r>
             <a:r>
-              <a:rPr kumimoji="1" lang="ja-JP" altLang="en-US" sz="6600"/>
-              <a:t>龍樹</a:t>
-            </a:r>
-            <a:r>
-              <a:rPr lang="ja-JP" altLang="en-US" sz="6600" dirty="0"/>
-              <a:t>　</a:t>
-            </a:r>
-            <a:r>
-              <a:rPr kumimoji="1" lang="ja-JP" altLang="en-US" sz="6600"/>
+              <a:rPr kumimoji="1" lang="ja-JP" altLang="en-US" sz="6600">
+                <a:latin typeface="Hiragino Sans W4" panose="020B0400000000000000" pitchFamily="34" charset="-128"/>
+                <a:ea typeface="Hiragino Sans W4" panose="020B0400000000000000" pitchFamily="34" charset="-128"/>
+              </a:rPr>
               <a:t>担当教員：宮治</a:t>
             </a:r>
             <a:r>
-              <a:rPr kumimoji="1" lang="en-US" altLang="ja-JP" sz="6600" dirty="0"/>
+              <a:rPr kumimoji="1" lang="en-US" altLang="ja-JP" sz="6600" dirty="0">
+                <a:latin typeface="Hiragino Sans W4" panose="020B0400000000000000" pitchFamily="34" charset="-128"/>
+                <a:ea typeface="Hiragino Sans W4" panose="020B0400000000000000" pitchFamily="34" charset="-128"/>
+              </a:rPr>
               <a:t> </a:t>
             </a:r>
             <a:r>
-              <a:rPr kumimoji="1" lang="ja-JP" altLang="en-US" sz="6600"/>
+              <a:rPr kumimoji="1" lang="ja-JP" altLang="en-US" sz="6600">
+                <a:latin typeface="Hiragino Sans W4" panose="020B0400000000000000" pitchFamily="34" charset="-128"/>
+                <a:ea typeface="Hiragino Sans W4" panose="020B0400000000000000" pitchFamily="34" charset="-128"/>
+              </a:rPr>
               <a:t>裕</a:t>
             </a:r>
           </a:p>
@@ -5759,11 +5817,17 @@
           <a:lstStyle/>
           <a:p>
             <a:r>
-              <a:rPr kumimoji="1" lang="en-US" altLang="ja-JP" sz="6600" b="1" dirty="0"/>
+              <a:rPr kumimoji="1" lang="en-US" altLang="ja-JP" sz="6600" b="1" dirty="0">
+                <a:latin typeface="Hiragino Sans W4" panose="020B0400000000000000" pitchFamily="34" charset="-128"/>
+                <a:ea typeface="Hiragino Sans W4" panose="020B0400000000000000" pitchFamily="34" charset="-128"/>
+              </a:rPr>
               <a:t>  </a:t>
             </a:r>
             <a:r>
-              <a:rPr kumimoji="1" lang="ja-JP" altLang="en-US" sz="6600" b="1"/>
+              <a:rPr kumimoji="1" lang="ja-JP" altLang="en-US" sz="6600" b="1">
+                <a:latin typeface="Hiragino Sans W4" panose="020B0400000000000000" pitchFamily="34" charset="-128"/>
+                <a:ea typeface="Hiragino Sans W4" panose="020B0400000000000000" pitchFamily="34" charset="-128"/>
+              </a:rPr>
               <a:t>背景・目的</a:t>
             </a:r>
           </a:p>
@@ -5876,12 +5940,14 @@
           <a:p>
             <a:pPr algn="ctr"/>
             <a:r>
-              <a:rPr kumimoji="1" lang="ja-JP" altLang="en-US" sz="4800" b="1">
+              <a:rPr kumimoji="1" lang="ja-JP" altLang="en-US" sz="4700" b="1">
                 <a:solidFill>
                   <a:schemeClr val="accent6">
                     <a:lumMod val="75000"/>
                   </a:schemeClr>
                 </a:solidFill>
+                <a:latin typeface="Hiragino Sans W4" panose="020B0400000000000000" pitchFamily="34" charset="-128"/>
+                <a:ea typeface="Hiragino Sans W4" panose="020B0400000000000000" pitchFamily="34" charset="-128"/>
               </a:rPr>
               <a:t>背景</a:t>
             </a:r>
@@ -5939,22 +6005,26 @@
           <a:p>
             <a:pPr algn="ctr"/>
             <a:r>
-              <a:rPr lang="ja-JP" altLang="en-US" sz="4800" b="1">
+              <a:rPr lang="ja-JP" altLang="en-US" sz="4700" b="1">
                 <a:solidFill>
                   <a:schemeClr val="accent6">
                     <a:lumMod val="75000"/>
                   </a:schemeClr>
                 </a:solidFill>
+                <a:latin typeface="Hiragino Sans W4" panose="020B0400000000000000" pitchFamily="34" charset="-128"/>
+                <a:ea typeface="Hiragino Sans W4" panose="020B0400000000000000" pitchFamily="34" charset="-128"/>
               </a:rPr>
               <a:t>レ</a:t>
             </a:r>
             <a:r>
-              <a:rPr kumimoji="1" lang="ja-JP" altLang="en-US" sz="4800" b="1">
+              <a:rPr kumimoji="1" lang="ja-JP" altLang="en-US" sz="4700" b="1">
                 <a:solidFill>
                   <a:schemeClr val="accent6">
                     <a:lumMod val="75000"/>
                   </a:schemeClr>
                 </a:solidFill>
+                <a:latin typeface="Hiragino Sans W4" panose="020B0400000000000000" pitchFamily="34" charset="-128"/>
+                <a:ea typeface="Hiragino Sans W4" panose="020B0400000000000000" pitchFamily="34" charset="-128"/>
               </a:rPr>
               <a:t>コメンドの現状</a:t>
             </a:r>
@@ -6012,21 +6082,25 @@
           <a:p>
             <a:pPr algn="ctr"/>
             <a:r>
-              <a:rPr lang="ja-JP" altLang="en-US" sz="4800" b="1">
+              <a:rPr lang="ja-JP" altLang="en-US" sz="4700" b="1">
                 <a:solidFill>
                   <a:schemeClr val="accent6">
                     <a:lumMod val="75000"/>
                   </a:schemeClr>
                 </a:solidFill>
+                <a:latin typeface="Hiragino Sans W4" panose="020B0400000000000000" pitchFamily="34" charset="-128"/>
+                <a:ea typeface="Hiragino Sans W4" panose="020B0400000000000000" pitchFamily="34" charset="-128"/>
               </a:rPr>
               <a:t>レビューを利用したレコメンド</a:t>
             </a:r>
-            <a:endParaRPr kumimoji="1" lang="ja-JP" altLang="en-US" sz="4800" b="1">
+            <a:endParaRPr kumimoji="1" lang="ja-JP" altLang="en-US" sz="4700" b="1">
               <a:solidFill>
                 <a:schemeClr val="accent6">
                   <a:lumMod val="75000"/>
                 </a:schemeClr>
               </a:solidFill>
+              <a:latin typeface="Hiragino Sans W4" panose="020B0400000000000000" pitchFamily="34" charset="-128"/>
+              <a:ea typeface="Hiragino Sans W4" panose="020B0400000000000000" pitchFamily="34" charset="-128"/>
             </a:endParaRPr>
           </a:p>
         </p:txBody>
@@ -6081,7 +6155,10 @@
           <a:lstStyle/>
           <a:p>
             <a:pPr algn="ctr"/>
-            <a:endParaRPr kumimoji="1" lang="ja-JP" altLang="en-US"/>
+            <a:endParaRPr kumimoji="1" lang="ja-JP" altLang="en-US">
+              <a:latin typeface="Hiragino Sans W4" panose="020B0400000000000000" pitchFamily="34" charset="-128"/>
+              <a:ea typeface="Hiragino Sans W4" panose="020B0400000000000000" pitchFamily="34" charset="-128"/>
+            </a:endParaRPr>
           </a:p>
         </p:txBody>
       </p:sp>
@@ -6135,7 +6212,10 @@
           <a:lstStyle/>
           <a:p>
             <a:pPr algn="ctr"/>
-            <a:endParaRPr kumimoji="1" lang="ja-JP" altLang="en-US"/>
+            <a:endParaRPr kumimoji="1" lang="ja-JP" altLang="en-US">
+              <a:latin typeface="Hiragino Sans W4" panose="020B0400000000000000" pitchFamily="34" charset="-128"/>
+              <a:ea typeface="Hiragino Sans W4" panose="020B0400000000000000" pitchFamily="34" charset="-128"/>
+            </a:endParaRPr>
           </a:p>
         </p:txBody>
       </p:sp>
@@ -6189,7 +6269,10 @@
           <a:lstStyle/>
           <a:p>
             <a:pPr algn="ctr"/>
-            <a:endParaRPr kumimoji="1" lang="ja-JP" altLang="en-US"/>
+            <a:endParaRPr kumimoji="1" lang="ja-JP" altLang="en-US">
+              <a:latin typeface="Hiragino Sans W4" panose="020B0400000000000000" pitchFamily="34" charset="-128"/>
+              <a:ea typeface="Hiragino Sans W4" panose="020B0400000000000000" pitchFamily="34" charset="-128"/>
+            </a:endParaRPr>
           </a:p>
         </p:txBody>
       </p:sp>
@@ -6226,10 +6309,16 @@
               <a:buChar char="•"/>
             </a:pPr>
             <a:r>
-              <a:rPr lang="ja-JP" altLang="en-US" sz="4400"/>
+              <a:rPr lang="ja-JP" altLang="en-US" sz="4400">
+                <a:latin typeface="Hiragino Sans W4" panose="020B0400000000000000" pitchFamily="34" charset="-128"/>
+                <a:ea typeface="Hiragino Sans W4" panose="020B0400000000000000" pitchFamily="34" charset="-128"/>
+              </a:rPr>
               <a:t>訪日客のほとんどが黄金ルートと呼ばれる東京・大阪・京都に宿泊</a:t>
             </a:r>
-            <a:endParaRPr lang="en-US" altLang="ja-JP" sz="4400" dirty="0"/>
+            <a:endParaRPr lang="en-US" altLang="ja-JP" sz="4400" dirty="0">
+              <a:latin typeface="Hiragino Sans W4" panose="020B0400000000000000" pitchFamily="34" charset="-128"/>
+              <a:ea typeface="Hiragino Sans W4" panose="020B0400000000000000" pitchFamily="34" charset="-128"/>
+            </a:endParaRPr>
           </a:p>
         </p:txBody>
       </p:sp>
@@ -6262,10 +6351,16 @@
           <a:lstStyle/>
           <a:p>
             <a:r>
-              <a:rPr kumimoji="1" lang="ja-JP" altLang="en-US" sz="4800"/>
+              <a:rPr kumimoji="1" lang="ja-JP" altLang="en-US" sz="4800">
+                <a:latin typeface="Hiragino Sans W4" panose="020B0400000000000000" pitchFamily="34" charset="-128"/>
+                <a:ea typeface="Hiragino Sans W4" panose="020B0400000000000000" pitchFamily="34" charset="-128"/>
+              </a:rPr>
               <a:t>・コンテンツベース</a:t>
             </a:r>
-            <a:endParaRPr kumimoji="1" lang="en-US" altLang="ja-JP" sz="4800" dirty="0"/>
+            <a:endParaRPr kumimoji="1" lang="en-US" altLang="ja-JP" sz="4800" dirty="0">
+              <a:latin typeface="Hiragino Sans W4" panose="020B0400000000000000" pitchFamily="34" charset="-128"/>
+              <a:ea typeface="Hiragino Sans W4" panose="020B0400000000000000" pitchFamily="34" charset="-128"/>
+            </a:endParaRPr>
           </a:p>
         </p:txBody>
       </p:sp>
@@ -6298,10 +6393,16 @@
           <a:lstStyle/>
           <a:p>
             <a:r>
-              <a:rPr kumimoji="1" lang="ja-JP" altLang="en-US" sz="4800"/>
+              <a:rPr kumimoji="1" lang="ja-JP" altLang="en-US" sz="4800">
+                <a:latin typeface="Hiragino Sans W4" panose="020B0400000000000000" pitchFamily="34" charset="-128"/>
+                <a:ea typeface="Hiragino Sans W4" panose="020B0400000000000000" pitchFamily="34" charset="-128"/>
+              </a:rPr>
               <a:t>・協調フィルタリング</a:t>
             </a:r>
-            <a:endParaRPr kumimoji="1" lang="en-US" altLang="ja-JP" sz="4800" dirty="0"/>
+            <a:endParaRPr kumimoji="1" lang="en-US" altLang="ja-JP" sz="4800" dirty="0">
+              <a:latin typeface="Hiragino Sans W4" panose="020B0400000000000000" pitchFamily="34" charset="-128"/>
+              <a:ea typeface="Hiragino Sans W4" panose="020B0400000000000000" pitchFamily="34" charset="-128"/>
+            </a:endParaRPr>
           </a:p>
         </p:txBody>
       </p:sp>
@@ -6338,18 +6439,29 @@
                 <a:solidFill>
                   <a:srgbClr val="FF0000"/>
                 </a:solidFill>
+                <a:latin typeface="Hiragino Sans W4" panose="020B0400000000000000" pitchFamily="34" charset="-128"/>
+                <a:ea typeface="Hiragino Sans W4" panose="020B0400000000000000" pitchFamily="34" charset="-128"/>
               </a:rPr>
               <a:t>履歴</a:t>
             </a:r>
             <a:r>
-              <a:rPr lang="ja-JP" altLang="en-US" sz="3600"/>
+              <a:rPr lang="ja-JP" altLang="en-US" sz="3600">
+                <a:latin typeface="Hiragino Sans W4" panose="020B0400000000000000" pitchFamily="34" charset="-128"/>
+                <a:ea typeface="Hiragino Sans W4" panose="020B0400000000000000" pitchFamily="34" charset="-128"/>
+              </a:rPr>
               <a:t>を元にしているので、人気のないスポットはレコメンドされにくい</a:t>
             </a:r>
             <a:r>
-              <a:rPr lang="ja-JP" altLang="en-US" sz="4400"/>
+              <a:rPr lang="ja-JP" altLang="en-US" sz="4400">
+                <a:latin typeface="Hiragino Sans W4" panose="020B0400000000000000" pitchFamily="34" charset="-128"/>
+                <a:ea typeface="Hiragino Sans W4" panose="020B0400000000000000" pitchFamily="34" charset="-128"/>
+              </a:rPr>
               <a:t>　</a:t>
             </a:r>
-            <a:endParaRPr lang="en-US" altLang="ja-JP" sz="4400" dirty="0"/>
+            <a:endParaRPr lang="en-US" altLang="ja-JP" sz="4400" dirty="0">
+              <a:latin typeface="Hiragino Sans W4" panose="020B0400000000000000" pitchFamily="34" charset="-128"/>
+              <a:ea typeface="Hiragino Sans W4" panose="020B0400000000000000" pitchFamily="34" charset="-128"/>
+            </a:endParaRPr>
           </a:p>
         </p:txBody>
       </p:sp>
@@ -6382,7 +6494,10 @@
           <a:lstStyle/>
           <a:p>
             <a:r>
-              <a:rPr lang="ja-JP" altLang="en-US" sz="3600"/>
+              <a:rPr lang="ja-JP" altLang="en-US" sz="3600">
+                <a:latin typeface="Hiragino Sans W4" panose="020B0400000000000000" pitchFamily="34" charset="-128"/>
+                <a:ea typeface="Hiragino Sans W4" panose="020B0400000000000000" pitchFamily="34" charset="-128"/>
+              </a:rPr>
               <a:t>レコメンドの結果に</a:t>
             </a:r>
             <a:r>
@@ -6390,18 +6505,29 @@
                 <a:solidFill>
                   <a:srgbClr val="FF0000"/>
                 </a:solidFill>
+                <a:latin typeface="Hiragino Sans W4" panose="020B0400000000000000" pitchFamily="34" charset="-128"/>
+                <a:ea typeface="Hiragino Sans W4" panose="020B0400000000000000" pitchFamily="34" charset="-128"/>
               </a:rPr>
               <a:t>多様性</a:t>
             </a:r>
             <a:r>
-              <a:rPr lang="ja-JP" altLang="en-US" sz="3600"/>
+              <a:rPr lang="ja-JP" altLang="en-US" sz="3600">
+                <a:latin typeface="Hiragino Sans W4" panose="020B0400000000000000" pitchFamily="34" charset="-128"/>
+                <a:ea typeface="Hiragino Sans W4" panose="020B0400000000000000" pitchFamily="34" charset="-128"/>
+              </a:rPr>
               <a:t>がない</a:t>
             </a:r>
             <a:r>
-              <a:rPr lang="ja-JP" altLang="en-US" sz="4400"/>
+              <a:rPr lang="ja-JP" altLang="en-US" sz="4400">
+                <a:latin typeface="Hiragino Sans W4" panose="020B0400000000000000" pitchFamily="34" charset="-128"/>
+                <a:ea typeface="Hiragino Sans W4" panose="020B0400000000000000" pitchFamily="34" charset="-128"/>
+              </a:rPr>
               <a:t>　</a:t>
             </a:r>
-            <a:endParaRPr lang="en-US" altLang="ja-JP" sz="4400" dirty="0"/>
+            <a:endParaRPr lang="en-US" altLang="ja-JP" sz="4400" dirty="0">
+              <a:latin typeface="Hiragino Sans W4" panose="020B0400000000000000" pitchFamily="34" charset="-128"/>
+              <a:ea typeface="Hiragino Sans W4" panose="020B0400000000000000" pitchFamily="34" charset="-128"/>
+            </a:endParaRPr>
           </a:p>
         </p:txBody>
       </p:sp>
@@ -6435,23 +6561,38 @@
           <a:p>
             <a:pPr algn="ctr"/>
             <a:r>
-              <a:rPr lang="ja-JP" altLang="en-US" sz="4800"/>
+              <a:rPr lang="ja-JP" altLang="en-US" sz="4800">
+                <a:latin typeface="Hiragino Sans W4" panose="020B0400000000000000" pitchFamily="34" charset="-128"/>
+                <a:ea typeface="Hiragino Sans W4" panose="020B0400000000000000" pitchFamily="34" charset="-128"/>
+              </a:rPr>
               <a:t>コンテンツ</a:t>
             </a:r>
-            <a:endParaRPr lang="en-US" altLang="ja-JP" sz="4800" dirty="0"/>
+            <a:endParaRPr lang="en-US" altLang="ja-JP" sz="4800" dirty="0">
+              <a:latin typeface="Hiragino Sans W4" panose="020B0400000000000000" pitchFamily="34" charset="-128"/>
+              <a:ea typeface="Hiragino Sans W4" panose="020B0400000000000000" pitchFamily="34" charset="-128"/>
+            </a:endParaRPr>
           </a:p>
           <a:p>
             <a:pPr algn="ctr"/>
             <a:r>
-              <a:rPr lang="ja-JP" altLang="en-US" sz="4800"/>
+              <a:rPr lang="ja-JP" altLang="en-US" sz="4800">
+                <a:latin typeface="Hiragino Sans W4" panose="020B0400000000000000" pitchFamily="34" charset="-128"/>
+                <a:ea typeface="Hiragino Sans W4" panose="020B0400000000000000" pitchFamily="34" charset="-128"/>
+              </a:rPr>
               <a:t>＋</a:t>
             </a:r>
-            <a:endParaRPr lang="en-US" altLang="ja-JP" sz="4800" dirty="0"/>
+            <a:endParaRPr lang="en-US" altLang="ja-JP" sz="4800" dirty="0">
+              <a:latin typeface="Hiragino Sans W4" panose="020B0400000000000000" pitchFamily="34" charset="-128"/>
+              <a:ea typeface="Hiragino Sans W4" panose="020B0400000000000000" pitchFamily="34" charset="-128"/>
+            </a:endParaRPr>
           </a:p>
           <a:p>
             <a:pPr algn="ctr"/>
             <a:r>
-              <a:rPr kumimoji="1" lang="ja-JP" altLang="en-US" sz="4800"/>
+              <a:rPr kumimoji="1" lang="ja-JP" altLang="en-US" sz="4800">
+                <a:latin typeface="Hiragino Sans W4" panose="020B0400000000000000" pitchFamily="34" charset="-128"/>
+                <a:ea typeface="Hiragino Sans W4" panose="020B0400000000000000" pitchFamily="34" charset="-128"/>
+              </a:rPr>
               <a:t>潜在的な感情</a:t>
             </a:r>
           </a:p>
@@ -6507,7 +6648,10 @@
           <a:lstStyle/>
           <a:p>
             <a:pPr algn="ctr"/>
-            <a:endParaRPr kumimoji="1" lang="ja-JP" altLang="en-US"/>
+            <a:endParaRPr kumimoji="1" lang="ja-JP" altLang="en-US">
+              <a:latin typeface="Hiragino Sans W4" panose="020B0400000000000000" pitchFamily="34" charset="-128"/>
+              <a:ea typeface="Hiragino Sans W4" panose="020B0400000000000000" pitchFamily="34" charset="-128"/>
+            </a:endParaRPr>
           </a:p>
         </p:txBody>
       </p:sp>
@@ -6540,15 +6684,24 @@
           <a:lstStyle/>
           <a:p>
             <a:r>
-              <a:rPr kumimoji="1" lang="ja-JP" altLang="en-US" sz="4800"/>
+              <a:rPr kumimoji="1" lang="ja-JP" altLang="en-US" sz="4800">
+                <a:latin typeface="Hiragino Sans W4" panose="020B0400000000000000" pitchFamily="34" charset="-128"/>
+                <a:ea typeface="Hiragino Sans W4" panose="020B0400000000000000" pitchFamily="34" charset="-128"/>
+              </a:rPr>
               <a:t>多様性のある</a:t>
             </a:r>
-            <a:endParaRPr kumimoji="1" lang="en-US" altLang="ja-JP" sz="4800" dirty="0"/>
+            <a:endParaRPr kumimoji="1" lang="en-US" altLang="ja-JP" sz="4800" dirty="0">
+              <a:latin typeface="Hiragino Sans W4" panose="020B0400000000000000" pitchFamily="34" charset="-128"/>
+              <a:ea typeface="Hiragino Sans W4" panose="020B0400000000000000" pitchFamily="34" charset="-128"/>
+            </a:endParaRPr>
           </a:p>
           <a:p>
             <a:pPr algn="ctr"/>
             <a:r>
-              <a:rPr kumimoji="1" lang="ja-JP" altLang="en-US" sz="4800"/>
+              <a:rPr kumimoji="1" lang="ja-JP" altLang="en-US" sz="4800">
+                <a:latin typeface="Hiragino Sans W4" panose="020B0400000000000000" pitchFamily="34" charset="-128"/>
+                <a:ea typeface="Hiragino Sans W4" panose="020B0400000000000000" pitchFamily="34" charset="-128"/>
+              </a:rPr>
               <a:t>レコメンド</a:t>
             </a:r>
           </a:p>
@@ -6666,14 +6819,23 @@
           <a:lstStyle/>
           <a:p>
             <a:r>
-              <a:rPr kumimoji="1" lang="en-US" altLang="ja-JP" sz="6600" b="1" dirty="0"/>
+              <a:rPr kumimoji="1" lang="en-US" altLang="ja-JP" sz="6600" b="1" dirty="0">
+                <a:latin typeface="Hiragino Sans W4" panose="020B0400000000000000" pitchFamily="34" charset="-128"/>
+                <a:ea typeface="Hiragino Sans W4" panose="020B0400000000000000" pitchFamily="34" charset="-128"/>
+              </a:rPr>
               <a:t>  </a:t>
             </a:r>
             <a:r>
-              <a:rPr lang="ja-JP" altLang="en-US" sz="6600" b="1"/>
+              <a:rPr lang="ja-JP" altLang="en-US" sz="6600" b="1">
+                <a:latin typeface="Hiragino Sans W4" panose="020B0400000000000000" pitchFamily="34" charset="-128"/>
+                <a:ea typeface="Hiragino Sans W4" panose="020B0400000000000000" pitchFamily="34" charset="-128"/>
+              </a:rPr>
               <a:t>システム概要</a:t>
             </a:r>
-            <a:endParaRPr kumimoji="1" lang="ja-JP" altLang="en-US" sz="6600" b="1"/>
+            <a:endParaRPr kumimoji="1" lang="ja-JP" altLang="en-US" sz="6600" b="1">
+              <a:latin typeface="Hiragino Sans W4" panose="020B0400000000000000" pitchFamily="34" charset="-128"/>
+              <a:ea typeface="Hiragino Sans W4" panose="020B0400000000000000" pitchFamily="34" charset="-128"/>
+            </a:endParaRPr>
           </a:p>
         </p:txBody>
       </p:sp>
@@ -6733,14 +6895,23 @@
           <a:lstStyle/>
           <a:p>
             <a:r>
-              <a:rPr kumimoji="1" lang="en-US" altLang="ja-JP" sz="7200" b="1" dirty="0"/>
+              <a:rPr kumimoji="1" lang="en-US" altLang="ja-JP" sz="7200" b="1" dirty="0">
+                <a:latin typeface="Hiragino Sans W4" panose="020B0400000000000000" pitchFamily="34" charset="-128"/>
+                <a:ea typeface="Hiragino Sans W4" panose="020B0400000000000000" pitchFamily="34" charset="-128"/>
+              </a:rPr>
               <a:t>  </a:t>
             </a:r>
             <a:r>
-              <a:rPr kumimoji="1" lang="ja-JP" altLang="en-US" sz="6600" b="1"/>
+              <a:rPr kumimoji="1" lang="ja-JP" altLang="en-US" sz="6600" b="1">
+                <a:latin typeface="Hiragino Sans W4" panose="020B0400000000000000" pitchFamily="34" charset="-128"/>
+                <a:ea typeface="Hiragino Sans W4" panose="020B0400000000000000" pitchFamily="34" charset="-128"/>
+              </a:rPr>
               <a:t>今後の予定</a:t>
             </a:r>
-            <a:endParaRPr kumimoji="1" lang="ja-JP" altLang="en-US" sz="7200" b="1"/>
+            <a:endParaRPr kumimoji="1" lang="ja-JP" altLang="en-US" sz="7200" b="1">
+              <a:latin typeface="Hiragino Sans W4" panose="020B0400000000000000" pitchFamily="34" charset="-128"/>
+              <a:ea typeface="Hiragino Sans W4" panose="020B0400000000000000" pitchFamily="34" charset="-128"/>
+            </a:endParaRPr>
           </a:p>
         </p:txBody>
       </p:sp>
@@ -6796,7 +6967,10 @@
           <a:lstStyle/>
           <a:p>
             <a:pPr algn="ctr"/>
-            <a:endParaRPr kumimoji="1" lang="ja-JP" altLang="en-US" sz="11500" b="1"/>
+            <a:endParaRPr kumimoji="1" lang="ja-JP" altLang="en-US" sz="11500" b="1">
+              <a:latin typeface="Hiragino Sans W4" panose="020B0400000000000000" pitchFamily="34" charset="-128"/>
+              <a:ea typeface="Hiragino Sans W4" panose="020B0400000000000000" pitchFamily="34" charset="-128"/>
+            </a:endParaRPr>
           </a:p>
         </p:txBody>
       </p:sp>
@@ -6836,10 +7010,16 @@
               <a:buChar char="•"/>
             </a:pPr>
             <a:r>
-              <a:rPr lang="ja-JP" altLang="en-US" sz="4800"/>
+              <a:rPr lang="ja-JP" altLang="en-US" sz="4800">
+                <a:latin typeface="Hiragino Sans W4" panose="020B0400000000000000" pitchFamily="34" charset="-128"/>
+                <a:ea typeface="Hiragino Sans W4" panose="020B0400000000000000" pitchFamily="34" charset="-128"/>
+              </a:rPr>
               <a:t>特徴抽出、類似度計算手法の調査</a:t>
             </a:r>
-            <a:endParaRPr kumimoji="1" lang="en-US" altLang="ja-JP" sz="4800" dirty="0"/>
+            <a:endParaRPr kumimoji="1" lang="en-US" altLang="ja-JP" sz="4800" dirty="0">
+              <a:latin typeface="Hiragino Sans W4" panose="020B0400000000000000" pitchFamily="34" charset="-128"/>
+              <a:ea typeface="Hiragino Sans W4" panose="020B0400000000000000" pitchFamily="34" charset="-128"/>
+            </a:endParaRPr>
           </a:p>
           <a:p>
             <a:pPr marL="685800" indent="-685800">
@@ -6850,14 +7030,23 @@
               <a:buChar char="•"/>
             </a:pPr>
             <a:r>
-              <a:rPr lang="ja-JP" altLang="en-US" sz="4800"/>
+              <a:rPr lang="ja-JP" altLang="en-US" sz="4800">
+                <a:latin typeface="Hiragino Sans W4" panose="020B0400000000000000" pitchFamily="34" charset="-128"/>
+                <a:ea typeface="Hiragino Sans W4" panose="020B0400000000000000" pitchFamily="34" charset="-128"/>
+              </a:rPr>
               <a:t>対象</a:t>
             </a:r>
             <a:r>
-              <a:rPr kumimoji="1" lang="ja-JP" altLang="en-US" sz="4800"/>
+              <a:rPr kumimoji="1" lang="ja-JP" altLang="en-US" sz="4800">
+                <a:latin typeface="Hiragino Sans W4" panose="020B0400000000000000" pitchFamily="34" charset="-128"/>
+                <a:ea typeface="Hiragino Sans W4" panose="020B0400000000000000" pitchFamily="34" charset="-128"/>
+              </a:rPr>
               <a:t>地域を広げてスクレイピング</a:t>
             </a:r>
-            <a:endParaRPr kumimoji="1" lang="en-US" altLang="ja-JP" sz="4800" dirty="0"/>
+            <a:endParaRPr kumimoji="1" lang="en-US" altLang="ja-JP" sz="4800" dirty="0">
+              <a:latin typeface="Hiragino Sans W4" panose="020B0400000000000000" pitchFamily="34" charset="-128"/>
+              <a:ea typeface="Hiragino Sans W4" panose="020B0400000000000000" pitchFamily="34" charset="-128"/>
+            </a:endParaRPr>
           </a:p>
           <a:p>
             <a:pPr marL="685800" indent="-685800">
@@ -6868,10 +7057,16 @@
               <a:buChar char="•"/>
             </a:pPr>
             <a:r>
-              <a:rPr lang="ja-JP" altLang="en-US" sz="4800"/>
+              <a:rPr lang="ja-JP" altLang="en-US" sz="4800">
+                <a:latin typeface="Hiragino Sans W4" panose="020B0400000000000000" pitchFamily="34" charset="-128"/>
+                <a:ea typeface="Hiragino Sans W4" panose="020B0400000000000000" pitchFamily="34" charset="-128"/>
+              </a:rPr>
               <a:t>システム開発を進める</a:t>
             </a:r>
-            <a:endParaRPr lang="en-US" altLang="ja-JP" sz="4800" dirty="0"/>
+            <a:endParaRPr lang="en-US" altLang="ja-JP" sz="4800" dirty="0">
+              <a:latin typeface="Hiragino Sans W4" panose="020B0400000000000000" pitchFamily="34" charset="-128"/>
+              <a:ea typeface="Hiragino Sans W4" panose="020B0400000000000000" pitchFamily="34" charset="-128"/>
+            </a:endParaRPr>
           </a:p>
         </p:txBody>
       </p:sp>
@@ -6890,7 +7085,7 @@
         <p:spPr>
           <a:xfrm>
             <a:off x="2044800" y="17331144"/>
-            <a:ext cx="21061407" cy="1155060"/>
+            <a:ext cx="21432470" cy="1155060"/>
           </a:xfrm>
           <a:prstGeom prst="rect">
             <a:avLst/>
@@ -6904,18 +7099,23 @@
           <a:lstStyle/>
           <a:p>
             <a:r>
-              <a:rPr kumimoji="1" lang="ja-JP" altLang="en-US"/>
+              <a:rPr kumimoji="1" lang="ja-JP" altLang="en-US">
+                <a:latin typeface="Hiragino Sans W4" panose="020B0400000000000000" pitchFamily="34" charset="-128"/>
+                <a:ea typeface="Hiragino Sans W4" panose="020B0400000000000000" pitchFamily="34" charset="-128"/>
+              </a:rPr>
               <a:t>構築環境：</a:t>
             </a:r>
             <a:r>
-              <a:rPr lang="en-US" altLang="ja-JP" dirty="0"/>
-              <a:t>HTML / JavaScript / Python / MySQL / </a:t>
-            </a:r>
-            <a:r>
-              <a:rPr lang="en-US" altLang="ja-JP" dirty="0" err="1"/>
-              <a:t>Redis</a:t>
-            </a:r>
-            <a:endParaRPr kumimoji="1" lang="ja-JP" altLang="en-US"/>
+              <a:rPr lang="en-US" altLang="ja-JP" dirty="0">
+                <a:latin typeface="Hiragino Sans W4" panose="020B0400000000000000" pitchFamily="34" charset="-128"/>
+                <a:ea typeface="Hiragino Sans W4" panose="020B0400000000000000" pitchFamily="34" charset="-128"/>
+              </a:rPr>
+              <a:t>HTML / JavaScript / Python / MySQL</a:t>
+            </a:r>
+            <a:endParaRPr kumimoji="1" lang="ja-JP" altLang="en-US">
+              <a:latin typeface="Hiragino Sans W4" panose="020B0400000000000000" pitchFamily="34" charset="-128"/>
+              <a:ea typeface="Hiragino Sans W4" panose="020B0400000000000000" pitchFamily="34" charset="-128"/>
+            </a:endParaRPr>
           </a:p>
         </p:txBody>
       </p:sp>
@@ -7033,7 +7233,10 @@
           <a:lstStyle/>
           <a:p>
             <a:pPr algn="ctr"/>
-            <a:endParaRPr kumimoji="1" lang="ja-JP" altLang="en-US"/>
+            <a:endParaRPr kumimoji="1" lang="ja-JP" altLang="en-US">
+              <a:latin typeface="Hiragino Sans W4" panose="020B0400000000000000" pitchFamily="34" charset="-128"/>
+              <a:ea typeface="Hiragino Sans W4" panose="020B0400000000000000" pitchFamily="34" charset="-128"/>
+            </a:endParaRPr>
           </a:p>
         </p:txBody>
       </p:sp>
@@ -7087,7 +7290,10 @@
           <a:lstStyle/>
           <a:p>
             <a:pPr algn="ctr"/>
-            <a:endParaRPr kumimoji="1" lang="ja-JP" altLang="en-US"/>
+            <a:endParaRPr kumimoji="1" lang="ja-JP" altLang="en-US">
+              <a:latin typeface="Hiragino Sans W4" panose="020B0400000000000000" pitchFamily="34" charset="-128"/>
+              <a:ea typeface="Hiragino Sans W4" panose="020B0400000000000000" pitchFamily="34" charset="-128"/>
+            </a:endParaRPr>
           </a:p>
         </p:txBody>
       </p:sp>
@@ -7106,7 +7312,7 @@
         <p:spPr>
           <a:xfrm>
             <a:off x="2079000" y="18918514"/>
-            <a:ext cx="5724644" cy="830997"/>
+            <a:ext cx="5840060" cy="830997"/>
           </a:xfrm>
           <a:prstGeom prst="rect">
             <a:avLst/>
@@ -7120,7 +7326,10 @@
           <a:lstStyle/>
           <a:p>
             <a:r>
-              <a:rPr kumimoji="1" lang="ja-JP" altLang="en-US" sz="4800" b="1"/>
+              <a:rPr kumimoji="1" lang="ja-JP" altLang="en-US" sz="4800" b="1">
+                <a:latin typeface="Hiragino Sans W4" panose="020B0400000000000000" pitchFamily="34" charset="-128"/>
+                <a:ea typeface="Hiragino Sans W4" panose="020B0400000000000000" pitchFamily="34" charset="-128"/>
+              </a:rPr>
               <a:t>観光レビューサイト</a:t>
             </a:r>
           </a:p>
@@ -7141,7 +7350,7 @@
         <p:spPr>
           <a:xfrm>
             <a:off x="12631344" y="20428949"/>
-            <a:ext cx="2031325" cy="646331"/>
+            <a:ext cx="2069797" cy="646331"/>
           </a:xfrm>
           <a:prstGeom prst="rect">
             <a:avLst/>
@@ -7155,7 +7364,10 @@
           <a:lstStyle/>
           <a:p>
             <a:r>
-              <a:rPr kumimoji="1" lang="ja-JP" altLang="en-US" sz="3600" b="1"/>
+              <a:rPr kumimoji="1" lang="ja-JP" altLang="en-US" sz="3600" b="1">
+                <a:latin typeface="Hiragino Sans W4" panose="020B0400000000000000" pitchFamily="34" charset="-128"/>
+                <a:ea typeface="Hiragino Sans W4" panose="020B0400000000000000" pitchFamily="34" charset="-128"/>
+              </a:rPr>
               <a:t>基本ＤＢ</a:t>
             </a:r>
           </a:p>
@@ -7176,7 +7388,7 @@
         <p:spPr>
           <a:xfrm>
             <a:off x="15802695" y="20387384"/>
-            <a:ext cx="2492990" cy="646331"/>
+            <a:ext cx="2541080" cy="646331"/>
           </a:xfrm>
           <a:prstGeom prst="rect">
             <a:avLst/>
@@ -7190,11 +7402,17 @@
           <a:lstStyle/>
           <a:p>
             <a:r>
-              <a:rPr lang="ja-JP" altLang="en-US" sz="3600" b="1"/>
+              <a:rPr lang="ja-JP" altLang="en-US" sz="3600" b="1">
+                <a:latin typeface="Hiragino Sans W4" panose="020B0400000000000000" pitchFamily="34" charset="-128"/>
+                <a:ea typeface="Hiragino Sans W4" panose="020B0400000000000000" pitchFamily="34" charset="-128"/>
+              </a:rPr>
               <a:t>類似度</a:t>
             </a:r>
             <a:r>
-              <a:rPr kumimoji="1" lang="ja-JP" altLang="en-US" sz="3600" b="1"/>
+              <a:rPr kumimoji="1" lang="ja-JP" altLang="en-US" sz="3600" b="1">
+                <a:latin typeface="Hiragino Sans W4" panose="020B0400000000000000" pitchFamily="34" charset="-128"/>
+                <a:ea typeface="Hiragino Sans W4" panose="020B0400000000000000" pitchFamily="34" charset="-128"/>
+              </a:rPr>
               <a:t>ＤＢ</a:t>
             </a:r>
           </a:p>
@@ -7215,7 +7433,7 @@
         <p:spPr>
           <a:xfrm>
             <a:off x="24223082" y="19005636"/>
-            <a:ext cx="3206840" cy="830997"/>
+            <a:ext cx="3514104" cy="830997"/>
           </a:xfrm>
           <a:prstGeom prst="rect">
             <a:avLst/>
@@ -7229,11 +7447,17 @@
           <a:lstStyle/>
           <a:p>
             <a:r>
-              <a:rPr kumimoji="1" lang="en-US" altLang="ja-JP" sz="4800" b="1" dirty="0"/>
+              <a:rPr kumimoji="1" lang="en-US" altLang="ja-JP" sz="4800" b="1" dirty="0">
+                <a:latin typeface="Hiragino Sans W4" panose="020B0400000000000000" pitchFamily="34" charset="-128"/>
+                <a:ea typeface="Hiragino Sans W4" panose="020B0400000000000000" pitchFamily="34" charset="-128"/>
+              </a:rPr>
               <a:t>Web</a:t>
             </a:r>
             <a:r>
-              <a:rPr kumimoji="1" lang="ja-JP" altLang="en-US" sz="4800" b="1"/>
+              <a:rPr kumimoji="1" lang="ja-JP" altLang="en-US" sz="4800" b="1">
+                <a:latin typeface="Hiragino Sans W4" panose="020B0400000000000000" pitchFamily="34" charset="-128"/>
+                <a:ea typeface="Hiragino Sans W4" panose="020B0400000000000000" pitchFamily="34" charset="-128"/>
+              </a:rPr>
               <a:t>ページ</a:t>
             </a:r>
           </a:p>
@@ -7268,14 +7492,23 @@
           <a:lstStyle/>
           <a:p>
             <a:r>
-              <a:rPr kumimoji="1" lang="ja-JP" altLang="en-US" sz="3500"/>
+              <a:rPr kumimoji="1" lang="ja-JP" altLang="en-US" sz="3500">
+                <a:latin typeface="Hiragino Sans W4" panose="020B0400000000000000" pitchFamily="34" charset="-128"/>
+                <a:ea typeface="Hiragino Sans W4" panose="020B0400000000000000" pitchFamily="34" charset="-128"/>
+              </a:rPr>
               <a:t>スポット情報・レビューの</a:t>
             </a:r>
-            <a:endParaRPr kumimoji="1" lang="en-US" altLang="ja-JP" sz="3500" dirty="0"/>
-          </a:p>
-          <a:p>
-            <a:r>
-              <a:rPr kumimoji="1" lang="ja-JP" altLang="en-US" sz="3500"/>
+            <a:endParaRPr kumimoji="1" lang="en-US" altLang="ja-JP" sz="3500" dirty="0">
+              <a:latin typeface="Hiragino Sans W4" panose="020B0400000000000000" pitchFamily="34" charset="-128"/>
+              <a:ea typeface="Hiragino Sans W4" panose="020B0400000000000000" pitchFamily="34" charset="-128"/>
+            </a:endParaRPr>
+          </a:p>
+          <a:p>
+            <a:r>
+              <a:rPr kumimoji="1" lang="ja-JP" altLang="en-US" sz="3500">
+                <a:latin typeface="Hiragino Sans W4" panose="020B0400000000000000" pitchFamily="34" charset="-128"/>
+                <a:ea typeface="Hiragino Sans W4" panose="020B0400000000000000" pitchFamily="34" charset="-128"/>
+              </a:rPr>
               <a:t>スクレイピング</a:t>
             </a:r>
           </a:p>
@@ -8001,8 +8234,8 @@
         </p:nvSpPr>
         <p:spPr>
           <a:xfrm>
-            <a:off x="4879780" y="7666014"/>
-            <a:ext cx="20650200" cy="1155060"/>
+            <a:off x="4879780" y="7605054"/>
+            <a:ext cx="21211100" cy="1155060"/>
           </a:xfrm>
           <a:prstGeom prst="rect">
             <a:avLst/>
@@ -8016,11 +8249,17 @@
           <a:lstStyle/>
           <a:p>
             <a:r>
-              <a:rPr kumimoji="1" lang="ja-JP" altLang="en-US" sz="4800" b="1"/>
+              <a:rPr kumimoji="1" lang="ja-JP" altLang="en-US" sz="4800" b="1">
+                <a:latin typeface="Hiragino Sans W4" panose="020B0400000000000000" pitchFamily="34" charset="-128"/>
+                <a:ea typeface="Hiragino Sans W4" panose="020B0400000000000000" pitchFamily="34" charset="-128"/>
+              </a:rPr>
               <a:t>目的：ユーザの入力とレビューを元に高好感度な観光地をレコメンドする</a:t>
             </a:r>
             <a:r>
-              <a:rPr kumimoji="1" lang="ja-JP" altLang="en-US"/>
+              <a:rPr kumimoji="1" lang="ja-JP" altLang="en-US">
+                <a:latin typeface="Hiragino Sans W4" panose="020B0400000000000000" pitchFamily="34" charset="-128"/>
+                <a:ea typeface="Hiragino Sans W4" panose="020B0400000000000000" pitchFamily="34" charset="-128"/>
+              </a:rPr>
               <a:t>　　　　　</a:t>
             </a:r>
           </a:p>
@@ -8041,7 +8280,7 @@
         <p:spPr>
           <a:xfrm>
             <a:off x="6526586" y="7753591"/>
-            <a:ext cx="18741003" cy="1021495"/>
+            <a:ext cx="19198534" cy="1021495"/>
           </a:xfrm>
           <a:prstGeom prst="rect">
             <a:avLst/>
@@ -8074,7 +8313,10 @@
           <a:lstStyle/>
           <a:p>
             <a:pPr algn="ctr"/>
-            <a:endParaRPr kumimoji="1" lang="ja-JP" altLang="en-US"/>
+            <a:endParaRPr kumimoji="1" lang="ja-JP" altLang="en-US">
+              <a:latin typeface="Hiragino Sans W4" panose="020B0400000000000000" pitchFamily="34" charset="-128"/>
+              <a:ea typeface="Hiragino Sans W4" panose="020B0400000000000000" pitchFamily="34" charset="-128"/>
+            </a:endParaRPr>
           </a:p>
         </p:txBody>
       </p:sp>
@@ -8129,7 +8371,10 @@
           <a:p>
             <a:pPr algn="ctr"/>
             <a:r>
-              <a:rPr kumimoji="1" lang="ja-JP" altLang="en-US" sz="4800" b="1"/>
+              <a:rPr kumimoji="1" lang="ja-JP" altLang="en-US" sz="4800" b="1">
+                <a:latin typeface="Hiragino Sans W4" panose="020B0400000000000000" pitchFamily="34" charset="-128"/>
+                <a:ea typeface="Hiragino Sans W4" panose="020B0400000000000000" pitchFamily="34" charset="-128"/>
+              </a:rPr>
               <a:t>目的</a:t>
             </a:r>
           </a:p>
@@ -8168,10 +8413,16 @@
               <a:buChar char="•"/>
             </a:pPr>
             <a:r>
-              <a:rPr lang="ja-JP" altLang="en-US" sz="4400"/>
+              <a:rPr lang="ja-JP" altLang="en-US" sz="4400">
+                <a:latin typeface="Hiragino Sans W4" panose="020B0400000000000000" pitchFamily="34" charset="-128"/>
+                <a:ea typeface="Hiragino Sans W4" panose="020B0400000000000000" pitchFamily="34" charset="-128"/>
+              </a:rPr>
               <a:t>地方の魅力を適切に伝えるのは困難</a:t>
             </a:r>
-            <a:endParaRPr lang="en-US" altLang="ja-JP" sz="4400" dirty="0"/>
+            <a:endParaRPr lang="en-US" altLang="ja-JP" sz="4400" dirty="0">
+              <a:latin typeface="Hiragino Sans W4" panose="020B0400000000000000" pitchFamily="34" charset="-128"/>
+              <a:ea typeface="Hiragino Sans W4" panose="020B0400000000000000" pitchFamily="34" charset="-128"/>
+            </a:endParaRPr>
           </a:p>
         </p:txBody>
       </p:sp>
@@ -9584,7 +9835,10 @@
           <a:lstStyle/>
           <a:p>
             <a:pPr algn="ctr"/>
-            <a:endParaRPr kumimoji="1" lang="ja-JP" altLang="en-US"/>
+            <a:endParaRPr kumimoji="1" lang="ja-JP" altLang="en-US">
+              <a:latin typeface="Hiragino Sans W4" panose="020B0400000000000000" pitchFamily="34" charset="-128"/>
+              <a:ea typeface="Hiragino Sans W4" panose="020B0400000000000000" pitchFamily="34" charset="-128"/>
+            </a:endParaRPr>
           </a:p>
         </p:txBody>
       </p:sp>
@@ -9633,7 +9887,7 @@
         <p:spPr>
           <a:xfrm>
             <a:off x="13666035" y="18921052"/>
-            <a:ext cx="3262432" cy="830997"/>
+            <a:ext cx="3326552" cy="830997"/>
           </a:xfrm>
           <a:prstGeom prst="rect">
             <a:avLst/>
@@ -9647,7 +9901,10 @@
           <a:lstStyle/>
           <a:p>
             <a:r>
-              <a:rPr kumimoji="1" lang="ja-JP" altLang="en-US" sz="4800" b="1"/>
+              <a:rPr kumimoji="1" lang="ja-JP" altLang="en-US" sz="4800" b="1">
+                <a:latin typeface="Hiragino Sans W4" panose="020B0400000000000000" pitchFamily="34" charset="-128"/>
+                <a:ea typeface="Hiragino Sans W4" panose="020B0400000000000000" pitchFamily="34" charset="-128"/>
+              </a:rPr>
               <a:t>本システム</a:t>
             </a:r>
           </a:p>
@@ -10977,6 +11234,8 @@
                     <a:lumMod val="75000"/>
                   </a:schemeClr>
                 </a:solidFill>
+                <a:latin typeface="Hiragino Sans W4" panose="020B0400000000000000" pitchFamily="34" charset="-128"/>
+                <a:ea typeface="Hiragino Sans W4" panose="020B0400000000000000" pitchFamily="34" charset="-128"/>
               </a:rPr>
               <a:t>①</a:t>
             </a:r>
@@ -10987,6 +11246,8 @@
                     <a:lumMod val="75000"/>
                   </a:schemeClr>
                 </a:solidFill>
+                <a:latin typeface="Hiragino Sans W4" panose="020B0400000000000000" pitchFamily="34" charset="-128"/>
+                <a:ea typeface="Hiragino Sans W4" panose="020B0400000000000000" pitchFamily="34" charset="-128"/>
               </a:rPr>
               <a:t>前処理</a:t>
             </a:r>
@@ -10996,6 +11257,8 @@
                   <a:lumMod val="75000"/>
                 </a:schemeClr>
               </a:solidFill>
+              <a:latin typeface="Hiragino Sans W4" panose="020B0400000000000000" pitchFamily="34" charset="-128"/>
+              <a:ea typeface="Hiragino Sans W4" panose="020B0400000000000000" pitchFamily="34" charset="-128"/>
             </a:endParaRPr>
           </a:p>
         </p:txBody>
@@ -11052,7 +11315,10 @@
           <a:lstStyle/>
           <a:p>
             <a:pPr algn="ctr"/>
-            <a:endParaRPr kumimoji="1" lang="ja-JP" altLang="en-US"/>
+            <a:endParaRPr kumimoji="1" lang="ja-JP" altLang="en-US">
+              <a:latin typeface="Hiragino Sans W4" panose="020B0400000000000000" pitchFamily="34" charset="-128"/>
+              <a:ea typeface="Hiragino Sans W4" panose="020B0400000000000000" pitchFamily="34" charset="-128"/>
+            </a:endParaRPr>
           </a:p>
         </p:txBody>
       </p:sp>
@@ -11085,27 +11351,48 @@
           <a:lstStyle/>
           <a:p>
             <a:r>
-              <a:rPr kumimoji="1" lang="ja-JP" altLang="en-US" sz="4000"/>
+              <a:rPr kumimoji="1" lang="ja-JP" altLang="en-US" sz="4000">
+                <a:latin typeface="Hiragino Sans W4" panose="020B0400000000000000" pitchFamily="34" charset="-128"/>
+                <a:ea typeface="Hiragino Sans W4" panose="020B0400000000000000" pitchFamily="34" charset="-128"/>
+              </a:rPr>
               <a:t>形態素解析により</a:t>
             </a:r>
             <a:r>
-              <a:rPr lang="ja-JP" altLang="en-US" sz="4000"/>
+              <a:rPr lang="ja-JP" altLang="en-US" sz="4000">
+                <a:latin typeface="Hiragino Sans W4" panose="020B0400000000000000" pitchFamily="34" charset="-128"/>
+                <a:ea typeface="Hiragino Sans W4" panose="020B0400000000000000" pitchFamily="34" charset="-128"/>
+              </a:rPr>
               <a:t>品詞の原形を抽出</a:t>
             </a:r>
-            <a:endParaRPr lang="en-US" altLang="ja-JP" sz="4000" dirty="0"/>
-          </a:p>
-          <a:p>
-            <a:endParaRPr kumimoji="1" lang="en-US" altLang="ja-JP" sz="4000" dirty="0"/>
-          </a:p>
-          <a:p>
-            <a:endParaRPr kumimoji="1" lang="en-US" altLang="ja-JP" sz="4000" dirty="0"/>
-          </a:p>
-          <a:p>
-            <a:r>
-              <a:rPr lang="ja-JP" altLang="en-US" sz="4000"/>
+            <a:endParaRPr lang="en-US" altLang="ja-JP" sz="4000" dirty="0">
+              <a:latin typeface="Hiragino Sans W4" panose="020B0400000000000000" pitchFamily="34" charset="-128"/>
+              <a:ea typeface="Hiragino Sans W4" panose="020B0400000000000000" pitchFamily="34" charset="-128"/>
+            </a:endParaRPr>
+          </a:p>
+          <a:p>
+            <a:endParaRPr kumimoji="1" lang="en-US" altLang="ja-JP" sz="4000" dirty="0">
+              <a:latin typeface="Hiragino Sans W4" panose="020B0400000000000000" pitchFamily="34" charset="-128"/>
+              <a:ea typeface="Hiragino Sans W4" panose="020B0400000000000000" pitchFamily="34" charset="-128"/>
+            </a:endParaRPr>
+          </a:p>
+          <a:p>
+            <a:endParaRPr kumimoji="1" lang="en-US" altLang="ja-JP" sz="4000" dirty="0">
+              <a:latin typeface="Hiragino Sans W4" panose="020B0400000000000000" pitchFamily="34" charset="-128"/>
+              <a:ea typeface="Hiragino Sans W4" panose="020B0400000000000000" pitchFamily="34" charset="-128"/>
+            </a:endParaRPr>
+          </a:p>
+          <a:p>
+            <a:r>
+              <a:rPr lang="ja-JP" altLang="en-US" sz="4000">
+                <a:latin typeface="Hiragino Sans W4" panose="020B0400000000000000" pitchFamily="34" charset="-128"/>
+                <a:ea typeface="Hiragino Sans W4" panose="020B0400000000000000" pitchFamily="34" charset="-128"/>
+              </a:rPr>
               <a:t>特徴語辞書、コーパスを作成</a:t>
             </a:r>
-            <a:endParaRPr kumimoji="1" lang="ja-JP" altLang="en-US" sz="4000"/>
+            <a:endParaRPr kumimoji="1" lang="ja-JP" altLang="en-US" sz="4000">
+              <a:latin typeface="Hiragino Sans W4" panose="020B0400000000000000" pitchFamily="34" charset="-128"/>
+              <a:ea typeface="Hiragino Sans W4" panose="020B0400000000000000" pitchFamily="34" charset="-128"/>
+            </a:endParaRPr>
           </a:p>
         </p:txBody>
       </p:sp>
@@ -11163,7 +11450,10 @@
           <a:lstStyle/>
           <a:p>
             <a:pPr algn="ctr"/>
-            <a:endParaRPr kumimoji="1" lang="ja-JP" altLang="en-US"/>
+            <a:endParaRPr kumimoji="1" lang="ja-JP" altLang="en-US">
+              <a:latin typeface="Hiragino Sans W4" panose="020B0400000000000000" pitchFamily="34" charset="-128"/>
+              <a:ea typeface="Hiragino Sans W4" panose="020B0400000000000000" pitchFamily="34" charset="-128"/>
+            </a:endParaRPr>
           </a:p>
         </p:txBody>
       </p:sp>
@@ -11221,7 +11511,10 @@
           <a:lstStyle/>
           <a:p>
             <a:pPr algn="ctr"/>
-            <a:endParaRPr kumimoji="1" lang="ja-JP" altLang="en-US"/>
+            <a:endParaRPr kumimoji="1" lang="ja-JP" altLang="en-US">
+              <a:latin typeface="Hiragino Sans W4" panose="020B0400000000000000" pitchFamily="34" charset="-128"/>
+              <a:ea typeface="Hiragino Sans W4" panose="020B0400000000000000" pitchFamily="34" charset="-128"/>
+            </a:endParaRPr>
           </a:p>
         </p:txBody>
       </p:sp>
@@ -11284,6 +11577,8 @@
                     <a:lumMod val="75000"/>
                   </a:schemeClr>
                 </a:solidFill>
+                <a:latin typeface="Hiragino Sans W4" panose="020B0400000000000000" pitchFamily="34" charset="-128"/>
+                <a:ea typeface="Hiragino Sans W4" panose="020B0400000000000000" pitchFamily="34" charset="-128"/>
               </a:rPr>
               <a:t>②</a:t>
             </a:r>
@@ -11292,6 +11587,8 @@
                 <a:solidFill>
                   <a:srgbClr val="EF0023"/>
                 </a:solidFill>
+                <a:latin typeface="Hiragino Sans W4" panose="020B0400000000000000" pitchFamily="34" charset="-128"/>
+                <a:ea typeface="Hiragino Sans W4" panose="020B0400000000000000" pitchFamily="34" charset="-128"/>
               </a:rPr>
               <a:t>トピックモデル</a:t>
             </a:r>
@@ -11302,6 +11599,8 @@
                     <a:lumMod val="75000"/>
                   </a:schemeClr>
                 </a:solidFill>
+                <a:latin typeface="Hiragino Sans W4" panose="020B0400000000000000" pitchFamily="34" charset="-128"/>
+                <a:ea typeface="Hiragino Sans W4" panose="020B0400000000000000" pitchFamily="34" charset="-128"/>
               </a:rPr>
               <a:t>の構築</a:t>
             </a:r>
@@ -11311,6 +11610,8 @@
                   <a:lumMod val="75000"/>
                 </a:schemeClr>
               </a:solidFill>
+              <a:latin typeface="Hiragino Sans W4" panose="020B0400000000000000" pitchFamily="34" charset="-128"/>
+              <a:ea typeface="Hiragino Sans W4" panose="020B0400000000000000" pitchFamily="34" charset="-128"/>
             </a:endParaRPr>
           </a:p>
         </p:txBody>
@@ -11367,7 +11668,10 @@
           <a:lstStyle/>
           <a:p>
             <a:pPr algn="ctr"/>
-            <a:endParaRPr kumimoji="1" lang="ja-JP" altLang="en-US"/>
+            <a:endParaRPr kumimoji="1" lang="ja-JP" altLang="en-US">
+              <a:latin typeface="Hiragino Sans W4" panose="020B0400000000000000" pitchFamily="34" charset="-128"/>
+              <a:ea typeface="Hiragino Sans W4" panose="020B0400000000000000" pitchFamily="34" charset="-128"/>
+            </a:endParaRPr>
           </a:p>
         </p:txBody>
       </p:sp>
@@ -11404,18 +11708,30 @@
               <a:buAutoNum type="arabicPeriod"/>
             </a:pPr>
             <a:r>
-              <a:rPr lang="ja-JP" altLang="en-US" sz="4000"/>
+              <a:rPr lang="ja-JP" altLang="en-US" sz="4000">
+                <a:latin typeface="Hiragino Sans W4" panose="020B0400000000000000" pitchFamily="34" charset="-128"/>
+                <a:ea typeface="Hiragino Sans W4" panose="020B0400000000000000" pitchFamily="34" charset="-128"/>
+              </a:rPr>
               <a:t>レビュー文書群に含まれる潜在的な</a:t>
             </a:r>
             <a:r>
-              <a:rPr kumimoji="1" lang="ja-JP" altLang="en-US" sz="4000"/>
+              <a:rPr kumimoji="1" lang="ja-JP" altLang="en-US" sz="4000">
+                <a:latin typeface="Hiragino Sans W4" panose="020B0400000000000000" pitchFamily="34" charset="-128"/>
+                <a:ea typeface="Hiragino Sans W4" panose="020B0400000000000000" pitchFamily="34" charset="-128"/>
+              </a:rPr>
               <a:t>トピックを</a:t>
             </a:r>
             <a:r>
-              <a:rPr lang="ja-JP" altLang="en-US" sz="4000"/>
+              <a:rPr lang="ja-JP" altLang="en-US" sz="4000">
+                <a:latin typeface="Hiragino Sans W4" panose="020B0400000000000000" pitchFamily="34" charset="-128"/>
+                <a:ea typeface="Hiragino Sans W4" panose="020B0400000000000000" pitchFamily="34" charset="-128"/>
+              </a:rPr>
               <a:t>抽出</a:t>
             </a:r>
-            <a:endParaRPr lang="en-US" altLang="ja-JP" sz="4000" dirty="0"/>
+            <a:endParaRPr lang="en-US" altLang="ja-JP" sz="4000" dirty="0">
+              <a:latin typeface="Hiragino Sans W4" panose="020B0400000000000000" pitchFamily="34" charset="-128"/>
+              <a:ea typeface="Hiragino Sans W4" panose="020B0400000000000000" pitchFamily="34" charset="-128"/>
+            </a:endParaRPr>
           </a:p>
           <a:p>
             <a:pPr marL="742950" indent="-742950">
@@ -11423,36 +11739,57 @@
               <a:buAutoNum type="arabicPeriod"/>
             </a:pPr>
             <a:r>
-              <a:rPr kumimoji="1" lang="ja-JP" altLang="en-US" sz="4000"/>
+              <a:rPr kumimoji="1" lang="ja-JP" altLang="en-US" sz="4000">
+                <a:latin typeface="Hiragino Sans W4" panose="020B0400000000000000" pitchFamily="34" charset="-128"/>
+                <a:ea typeface="Hiragino Sans W4" panose="020B0400000000000000" pitchFamily="34" charset="-128"/>
+              </a:rPr>
               <a:t>各スポットごとのレビュー文書を分析</a:t>
             </a:r>
-            <a:endParaRPr kumimoji="1" lang="en-US" altLang="ja-JP" sz="4000" dirty="0"/>
+            <a:endParaRPr kumimoji="1" lang="en-US" altLang="ja-JP" sz="4000" dirty="0">
+              <a:latin typeface="Hiragino Sans W4" panose="020B0400000000000000" pitchFamily="34" charset="-128"/>
+              <a:ea typeface="Hiragino Sans W4" panose="020B0400000000000000" pitchFamily="34" charset="-128"/>
+            </a:endParaRPr>
           </a:p>
           <a:p>
             <a:pPr marL="742950" indent="-742950">
               <a:buFont typeface="Arial" panose="020B0604020202020204" pitchFamily="34" charset="0"/>
               <a:buChar char="•"/>
             </a:pPr>
-            <a:endParaRPr kumimoji="1" lang="en-US" altLang="ja-JP" sz="4000" dirty="0"/>
+            <a:endParaRPr kumimoji="1" lang="en-US" altLang="ja-JP" sz="4000" dirty="0">
+              <a:latin typeface="Hiragino Sans W4" panose="020B0400000000000000" pitchFamily="34" charset="-128"/>
+              <a:ea typeface="Hiragino Sans W4" panose="020B0400000000000000" pitchFamily="34" charset="-128"/>
+            </a:endParaRPr>
           </a:p>
           <a:p>
             <a:pPr marL="742950" indent="-742950">
               <a:buFont typeface="Arial" panose="020B0604020202020204" pitchFamily="34" charset="0"/>
               <a:buChar char="•"/>
             </a:pPr>
-            <a:endParaRPr kumimoji="1" lang="en-US" altLang="ja-JP" sz="4000" dirty="0"/>
+            <a:endParaRPr kumimoji="1" lang="en-US" altLang="ja-JP" sz="4000" dirty="0">
+              <a:latin typeface="Hiragino Sans W4" panose="020B0400000000000000" pitchFamily="34" charset="-128"/>
+              <a:ea typeface="Hiragino Sans W4" panose="020B0400000000000000" pitchFamily="34" charset="-128"/>
+            </a:endParaRPr>
           </a:p>
           <a:p>
             <a:pPr algn="ctr"/>
             <a:r>
-              <a:rPr lang="ja-JP" altLang="en-US" sz="4000"/>
+              <a:rPr lang="ja-JP" altLang="en-US" sz="4000">
+                <a:latin typeface="Hiragino Sans W4" panose="020B0400000000000000" pitchFamily="34" charset="-128"/>
+                <a:ea typeface="Hiragino Sans W4" panose="020B0400000000000000" pitchFamily="34" charset="-128"/>
+              </a:rPr>
               <a:t>スポットごとの</a:t>
             </a:r>
             <a:r>
-              <a:rPr kumimoji="1" lang="ja-JP" altLang="en-US" sz="4000"/>
+              <a:rPr kumimoji="1" lang="ja-JP" altLang="en-US" sz="4000">
+                <a:latin typeface="Hiragino Sans W4" panose="020B0400000000000000" pitchFamily="34" charset="-128"/>
+                <a:ea typeface="Hiragino Sans W4" panose="020B0400000000000000" pitchFamily="34" charset="-128"/>
+              </a:rPr>
               <a:t>トピックの分布を算出</a:t>
             </a:r>
-            <a:endParaRPr kumimoji="1" lang="en-US" altLang="ja-JP" sz="4000" dirty="0"/>
+            <a:endParaRPr kumimoji="1" lang="en-US" altLang="ja-JP" sz="4000" dirty="0">
+              <a:latin typeface="Hiragino Sans W4" panose="020B0400000000000000" pitchFamily="34" charset="-128"/>
+              <a:ea typeface="Hiragino Sans W4" panose="020B0400000000000000" pitchFamily="34" charset="-128"/>
+            </a:endParaRPr>
           </a:p>
         </p:txBody>
       </p:sp>
@@ -11654,7 +11991,7 @@
         </p:nvSpPr>
         <p:spPr>
           <a:xfrm rot="5400000">
-            <a:off x="14737810" y="27713648"/>
+            <a:off x="14707330" y="27713648"/>
             <a:ext cx="940246" cy="843133"/>
           </a:xfrm>
           <a:prstGeom prst="rightArrow">
@@ -11694,7 +12031,10 @@
           <a:lstStyle/>
           <a:p>
             <a:pPr algn="ctr"/>
-            <a:endParaRPr kumimoji="1" lang="ja-JP" altLang="en-US"/>
+            <a:endParaRPr kumimoji="1" lang="ja-JP" altLang="en-US">
+              <a:latin typeface="Hiragino Sans W4" panose="020B0400000000000000" pitchFamily="34" charset="-128"/>
+              <a:ea typeface="Hiragino Sans W4" panose="020B0400000000000000" pitchFamily="34" charset="-128"/>
+            </a:endParaRPr>
           </a:p>
         </p:txBody>
       </p:sp>
@@ -12169,6 +12509,8 @@
                     <a:lumMod val="75000"/>
                   </a:schemeClr>
                 </a:solidFill>
+                <a:latin typeface="Hiragino Sans W4" panose="020B0400000000000000" pitchFamily="34" charset="-128"/>
+                <a:ea typeface="Hiragino Sans W4" panose="020B0400000000000000" pitchFamily="34" charset="-128"/>
               </a:rPr>
               <a:t>③</a:t>
             </a:r>
@@ -12177,6 +12519,8 @@
                 <a:solidFill>
                   <a:srgbClr val="EF0023"/>
                 </a:solidFill>
+                <a:latin typeface="Hiragino Sans W4" panose="020B0400000000000000" pitchFamily="34" charset="-128"/>
+                <a:ea typeface="Hiragino Sans W4" panose="020B0400000000000000" pitchFamily="34" charset="-128"/>
               </a:rPr>
               <a:t>類似度</a:t>
             </a:r>
@@ -12187,6 +12531,8 @@
                     <a:lumMod val="75000"/>
                   </a:schemeClr>
                 </a:solidFill>
+                <a:latin typeface="Hiragino Sans W4" panose="020B0400000000000000" pitchFamily="34" charset="-128"/>
+                <a:ea typeface="Hiragino Sans W4" panose="020B0400000000000000" pitchFamily="34" charset="-128"/>
               </a:rPr>
               <a:t>算出</a:t>
             </a:r>
@@ -12245,7 +12591,10 @@
           <a:lstStyle/>
           <a:p>
             <a:pPr algn="ctr"/>
-            <a:endParaRPr kumimoji="1" lang="ja-JP" altLang="en-US"/>
+            <a:endParaRPr kumimoji="1" lang="ja-JP" altLang="en-US">
+              <a:latin typeface="Hiragino Sans W4" panose="020B0400000000000000" pitchFamily="34" charset="-128"/>
+              <a:ea typeface="Hiragino Sans W4" panose="020B0400000000000000" pitchFamily="34" charset="-128"/>
+            </a:endParaRPr>
           </a:p>
         </p:txBody>
       </p:sp>
@@ -12278,17 +12627,29 @@
           <a:lstStyle/>
           <a:p>
             <a:r>
-              <a:rPr lang="ja-JP" altLang="en-US" sz="4000"/>
+              <a:rPr lang="ja-JP" altLang="en-US" sz="4000">
+                <a:latin typeface="Hiragino Sans W4" panose="020B0400000000000000" pitchFamily="34" charset="-128"/>
+                <a:ea typeface="Hiragino Sans W4" panose="020B0400000000000000" pitchFamily="34" charset="-128"/>
+              </a:rPr>
               <a:t>各レビュー文書の</a:t>
             </a:r>
-            <a:endParaRPr lang="en-US" altLang="ja-JP" sz="4000" dirty="0"/>
-          </a:p>
-          <a:p>
-            <a:r>
-              <a:rPr lang="ja-JP" altLang="en-US" sz="4000"/>
+            <a:endParaRPr lang="en-US" altLang="ja-JP" sz="4000" dirty="0">
+              <a:latin typeface="Hiragino Sans W4" panose="020B0400000000000000" pitchFamily="34" charset="-128"/>
+              <a:ea typeface="Hiragino Sans W4" panose="020B0400000000000000" pitchFamily="34" charset="-128"/>
+            </a:endParaRPr>
+          </a:p>
+          <a:p>
+            <a:r>
+              <a:rPr lang="ja-JP" altLang="en-US" sz="4000">
+                <a:latin typeface="Hiragino Sans W4" panose="020B0400000000000000" pitchFamily="34" charset="-128"/>
+                <a:ea typeface="Hiragino Sans W4" panose="020B0400000000000000" pitchFamily="34" charset="-128"/>
+              </a:rPr>
               <a:t>トピックの分布の類似度を算出</a:t>
             </a:r>
-            <a:endParaRPr kumimoji="1" lang="en-US" altLang="ja-JP" sz="4000" dirty="0"/>
+            <a:endParaRPr kumimoji="1" lang="en-US" altLang="ja-JP" sz="4000" dirty="0">
+              <a:latin typeface="Hiragino Sans W4" panose="020B0400000000000000" pitchFamily="34" charset="-128"/>
+              <a:ea typeface="Hiragino Sans W4" panose="020B0400000000000000" pitchFamily="34" charset="-128"/>
+            </a:endParaRPr>
           </a:p>
         </p:txBody>
       </p:sp>
@@ -12568,11 +12929,17 @@
           <a:lstStyle/>
           <a:p>
             <a:r>
-              <a:rPr kumimoji="1" lang="en-US" altLang="ja-JP" sz="6600" b="1" dirty="0"/>
+              <a:rPr kumimoji="1" lang="en-US" altLang="ja-JP" sz="6600" b="1" dirty="0">
+                <a:latin typeface="Hiragino Sans W4" panose="020B0400000000000000" pitchFamily="34" charset="-128"/>
+                <a:ea typeface="Hiragino Sans W4" panose="020B0400000000000000" pitchFamily="34" charset="-128"/>
+              </a:rPr>
               <a:t>  </a:t>
             </a:r>
             <a:r>
-              <a:rPr kumimoji="1" lang="ja-JP" altLang="en-US" sz="6600" b="1"/>
+              <a:rPr kumimoji="1" lang="ja-JP" altLang="en-US" sz="6600" b="1">
+                <a:latin typeface="Hiragino Sans W4" panose="020B0400000000000000" pitchFamily="34" charset="-128"/>
+                <a:ea typeface="Hiragino Sans W4" panose="020B0400000000000000" pitchFamily="34" charset="-128"/>
+              </a:rPr>
               <a:t>評価実験</a:t>
             </a:r>
           </a:p>
@@ -12630,7 +12997,10 @@
           <a:lstStyle/>
           <a:p>
             <a:pPr algn="ctr"/>
-            <a:endParaRPr kumimoji="1" lang="ja-JP" altLang="en-US" sz="11500" b="1"/>
+            <a:endParaRPr kumimoji="1" lang="ja-JP" altLang="en-US" sz="11500" b="1">
+              <a:latin typeface="Hiragino Sans W4" panose="020B0400000000000000" pitchFamily="34" charset="-128"/>
+              <a:ea typeface="Hiragino Sans W4" panose="020B0400000000000000" pitchFamily="34" charset="-128"/>
+            </a:endParaRPr>
           </a:p>
         </p:txBody>
       </p:sp>
@@ -12673,10 +13043,16 @@
               <a:buChar char="•"/>
             </a:pPr>
             <a:r>
-              <a:rPr lang="ja-JP" altLang="en-US" sz="4800"/>
+              <a:rPr lang="ja-JP" altLang="en-US" sz="4800">
+                <a:latin typeface="Hiragino Sans W4" panose="020B0400000000000000" pitchFamily="34" charset="-128"/>
+                <a:ea typeface="Hiragino Sans W4" panose="020B0400000000000000" pitchFamily="34" charset="-128"/>
+              </a:rPr>
               <a:t>被験者の入力からレコメンドを出力</a:t>
             </a:r>
-            <a:endParaRPr lang="en-US" altLang="ja-JP" sz="4800" dirty="0"/>
+            <a:endParaRPr lang="en-US" altLang="ja-JP" sz="4800" dirty="0">
+              <a:latin typeface="Hiragino Sans W4" panose="020B0400000000000000" pitchFamily="34" charset="-128"/>
+              <a:ea typeface="Hiragino Sans W4" panose="020B0400000000000000" pitchFamily="34" charset="-128"/>
+            </a:endParaRPr>
           </a:p>
           <a:p>
             <a:pPr>
@@ -12688,14 +13064,23 @@
               </a:spcAft>
             </a:pPr>
             <a:r>
-              <a:rPr lang="en-US" altLang="ja-JP" sz="4800" dirty="0"/>
+              <a:rPr lang="en-US" altLang="ja-JP" sz="4800" dirty="0">
+                <a:latin typeface="Hiragino Sans W4" panose="020B0400000000000000" pitchFamily="34" charset="-128"/>
+                <a:ea typeface="Hiragino Sans W4" panose="020B0400000000000000" pitchFamily="34" charset="-128"/>
+              </a:rPr>
               <a:t>→  </a:t>
             </a:r>
             <a:r>
-              <a:rPr lang="ja-JP" altLang="en-US" sz="4800"/>
+              <a:rPr lang="ja-JP" altLang="en-US" sz="4800">
+                <a:latin typeface="Hiragino Sans W4" panose="020B0400000000000000" pitchFamily="34" charset="-128"/>
+                <a:ea typeface="Hiragino Sans W4" panose="020B0400000000000000" pitchFamily="34" charset="-128"/>
+              </a:rPr>
               <a:t>他ロジックとの比較によりスコアを算出</a:t>
             </a:r>
-            <a:endParaRPr lang="en-US" altLang="ja-JP" sz="4800" dirty="0"/>
+            <a:endParaRPr lang="en-US" altLang="ja-JP" sz="4800" dirty="0">
+              <a:latin typeface="Hiragino Sans W4" panose="020B0400000000000000" pitchFamily="34" charset="-128"/>
+              <a:ea typeface="Hiragino Sans W4" panose="020B0400000000000000" pitchFamily="34" charset="-128"/>
+            </a:endParaRPr>
           </a:p>
         </p:txBody>
       </p:sp>
@@ -12714,14 +13099,14 @@
           <p:nvPr>
             <p:extLst>
               <p:ext uri="{D42A27DB-BD31-4B8C-83A1-F6EECF244321}">
-                <p14:modId xmlns:p14="http://schemas.microsoft.com/office/powerpoint/2010/main" val="426356299"/>
+                <p14:modId xmlns:p14="http://schemas.microsoft.com/office/powerpoint/2010/main" val="1810530699"/>
               </p:ext>
             </p:extLst>
           </p:nvPr>
         </p:nvGraphicFramePr>
         <p:xfrm>
-          <a:off x="2326308" y="31862540"/>
-          <a:ext cx="3972761" cy="3330052"/>
+          <a:off x="2122580" y="31872493"/>
+          <a:ext cx="4479690" cy="3391652"/>
         </p:xfrm>
         <a:graphic>
           <a:graphicData uri="http://schemas.openxmlformats.org/drawingml/2006/table">
@@ -12730,14 +13115,14 @@
                 <a:tableStyleId>{2A488322-F2BA-4B5B-9748-0D474271808F}</a:tableStyleId>
               </a:tblPr>
               <a:tblGrid>
-                <a:gridCol w="1674642">
+                <a:gridCol w="1425469">
                   <a:extLst>
                     <a:ext uri="{9D8B030D-6E8A-4147-A177-3AD203B41FA5}">
                       <a16:colId xmlns:a16="http://schemas.microsoft.com/office/drawing/2014/main" val="476507974"/>
                     </a:ext>
                   </a:extLst>
                 </a:gridCol>
-                <a:gridCol w="2298119">
+                <a:gridCol w="3054221">
                   <a:extLst>
                     <a:ext uri="{9D8B030D-6E8A-4147-A177-3AD203B41FA5}">
                       <a16:colId xmlns:a16="http://schemas.microsoft.com/office/drawing/2014/main" val="1990266496"/>
@@ -12745,7 +13130,7 @@
                   </a:extLst>
                 </a:gridCol>
               </a:tblGrid>
-              <a:tr h="577696">
+              <a:tr h="535335">
                 <a:tc>
                   <a:txBody>
                     <a:bodyPr/>
@@ -12753,7 +13138,10 @@
                     <a:p>
                       <a:pPr algn="ctr"/>
                       <a:r>
-                        <a:rPr kumimoji="1" lang="ja-JP" altLang="en-US" sz="3200"/>
+                        <a:rPr kumimoji="1" lang="ja-JP" altLang="en-US" sz="3200">
+                          <a:latin typeface="Hiragino Sans W4" panose="020B0400000000000000" pitchFamily="34" charset="-128"/>
+                          <a:ea typeface="Hiragino Sans W4" panose="020B0400000000000000" pitchFamily="34" charset="-128"/>
+                        </a:rPr>
                         <a:t>単語</a:t>
                       </a:r>
                     </a:p>
@@ -12767,7 +13155,10 @@
                     <a:p>
                       <a:pPr algn="ctr"/>
                       <a:r>
-                        <a:rPr kumimoji="1" lang="ja-JP" altLang="en-US" sz="3200"/>
+                        <a:rPr kumimoji="1" lang="ja-JP" altLang="en-US" sz="3200">
+                          <a:latin typeface="Hiragino Sans W4" panose="020B0400000000000000" pitchFamily="34" charset="-128"/>
+                          <a:ea typeface="Hiragino Sans W4" panose="020B0400000000000000" pitchFamily="34" charset="-128"/>
+                        </a:rPr>
                         <a:t>確率</a:t>
                       </a:r>
                     </a:p>
@@ -12780,17 +13171,23 @@
                   </a:ext>
                 </a:extLst>
               </a:tr>
-              <a:tr h="687733">
+              <a:tr h="703133">
                 <a:tc>
                   <a:txBody>
                     <a:bodyPr/>
                     <a:lstStyle/>
                     <a:p>
                       <a:r>
-                        <a:rPr lang="ja-JP" altLang="en-US" sz="3200"/>
+                        <a:rPr lang="ja-JP" altLang="en-US" sz="3200">
+                          <a:latin typeface="Hiragino Sans W4" panose="020B0400000000000000" pitchFamily="34" charset="-128"/>
+                          <a:ea typeface="Hiragino Sans W4" panose="020B0400000000000000" pitchFamily="34" charset="-128"/>
+                        </a:rPr>
                         <a:t>神社</a:t>
                       </a:r>
-                      <a:endParaRPr kumimoji="1" lang="ja-JP" altLang="en-US" sz="3200"/>
+                      <a:endParaRPr kumimoji="1" lang="ja-JP" altLang="en-US" sz="3200">
+                        <a:latin typeface="Hiragino Sans W4" panose="020B0400000000000000" pitchFamily="34" charset="-128"/>
+                        <a:ea typeface="Hiragino Sans W4" panose="020B0400000000000000" pitchFamily="34" charset="-128"/>
+                      </a:endParaRPr>
                     </a:p>
                   </a:txBody>
                   <a:tcPr/>
@@ -12801,10 +13198,16 @@
                     <a:lstStyle/>
                     <a:p>
                       <a:r>
-                        <a:rPr lang="en-US" altLang="ja-JP" sz="3200" dirty="0"/>
+                        <a:rPr lang="en-US" altLang="ja-JP" sz="3200" dirty="0">
+                          <a:latin typeface="Hiragino Sans W4" panose="020B0400000000000000" pitchFamily="34" charset="-128"/>
+                          <a:ea typeface="Hiragino Sans W4" panose="020B0400000000000000" pitchFamily="34" charset="-128"/>
+                        </a:rPr>
                         <a:t>0.0678797…</a:t>
                       </a:r>
-                      <a:endParaRPr kumimoji="1" lang="ja-JP" altLang="en-US" sz="3200"/>
+                      <a:endParaRPr kumimoji="1" lang="ja-JP" altLang="en-US" sz="3200">
+                        <a:latin typeface="Hiragino Sans W4" panose="020B0400000000000000" pitchFamily="34" charset="-128"/>
+                        <a:ea typeface="Hiragino Sans W4" panose="020B0400000000000000" pitchFamily="34" charset="-128"/>
+                      </a:endParaRPr>
                     </a:p>
                   </a:txBody>
                   <a:tcPr/>
@@ -12815,17 +13218,23 @@
                   </a:ext>
                 </a:extLst>
               </a:tr>
-              <a:tr h="687733">
+              <a:tr h="703133">
                 <a:tc>
                   <a:txBody>
                     <a:bodyPr/>
                     <a:lstStyle/>
                     <a:p>
                       <a:r>
-                        <a:rPr lang="ja-JP" altLang="en-US" sz="3200"/>
+                        <a:rPr lang="ja-JP" altLang="en-US" sz="3200">
+                          <a:latin typeface="Hiragino Sans W4" panose="020B0400000000000000" pitchFamily="34" charset="-128"/>
+                          <a:ea typeface="Hiragino Sans W4" panose="020B0400000000000000" pitchFamily="34" charset="-128"/>
+                        </a:rPr>
                         <a:t>境内 </a:t>
                       </a:r>
-                      <a:endParaRPr kumimoji="1" lang="ja-JP" altLang="en-US" sz="3200"/>
+                      <a:endParaRPr kumimoji="1" lang="ja-JP" altLang="en-US" sz="3200">
+                        <a:latin typeface="Hiragino Sans W4" panose="020B0400000000000000" pitchFamily="34" charset="-128"/>
+                        <a:ea typeface="Hiragino Sans W4" panose="020B0400000000000000" pitchFamily="34" charset="-128"/>
+                      </a:endParaRPr>
                     </a:p>
                   </a:txBody>
                   <a:tcPr/>
@@ -12836,10 +13245,16 @@
                     <a:lstStyle/>
                     <a:p>
                       <a:r>
-                        <a:rPr lang="en-US" altLang="ja-JP" sz="3200" dirty="0"/>
+                        <a:rPr lang="en-US" altLang="ja-JP" sz="3200" dirty="0">
+                          <a:latin typeface="Hiragino Sans W4" panose="020B0400000000000000" pitchFamily="34" charset="-128"/>
+                          <a:ea typeface="Hiragino Sans W4" panose="020B0400000000000000" pitchFamily="34" charset="-128"/>
+                        </a:rPr>
                         <a:t>0.0212040…</a:t>
                       </a:r>
-                      <a:endParaRPr kumimoji="1" lang="ja-JP" altLang="en-US" sz="3200"/>
+                      <a:endParaRPr kumimoji="1" lang="ja-JP" altLang="en-US" sz="3200">
+                        <a:latin typeface="Hiragino Sans W4" panose="020B0400000000000000" pitchFamily="34" charset="-128"/>
+                        <a:ea typeface="Hiragino Sans W4" panose="020B0400000000000000" pitchFamily="34" charset="-128"/>
+                      </a:endParaRPr>
                     </a:p>
                   </a:txBody>
                   <a:tcPr/>
@@ -12850,17 +13265,23 @@
                   </a:ext>
                 </a:extLst>
               </a:tr>
-              <a:tr h="687733">
+              <a:tr h="703133">
                 <a:tc>
                   <a:txBody>
                     <a:bodyPr/>
                     <a:lstStyle/>
                     <a:p>
                       <a:r>
-                        <a:rPr lang="ja-JP" altLang="en-US" sz="3200"/>
+                        <a:rPr lang="ja-JP" altLang="en-US" sz="3200">
+                          <a:latin typeface="Hiragino Sans W4" panose="020B0400000000000000" pitchFamily="34" charset="-128"/>
+                          <a:ea typeface="Hiragino Sans W4" panose="020B0400000000000000" pitchFamily="34" charset="-128"/>
+                        </a:rPr>
                         <a:t>参拝 </a:t>
                       </a:r>
-                      <a:endParaRPr kumimoji="1" lang="ja-JP" altLang="en-US" sz="3200"/>
+                      <a:endParaRPr kumimoji="1" lang="ja-JP" altLang="en-US" sz="3200">
+                        <a:latin typeface="Hiragino Sans W4" panose="020B0400000000000000" pitchFamily="34" charset="-128"/>
+                        <a:ea typeface="Hiragino Sans W4" panose="020B0400000000000000" pitchFamily="34" charset="-128"/>
+                      </a:endParaRPr>
                     </a:p>
                   </a:txBody>
                   <a:tcPr/>
@@ -12871,7 +13292,10 @@
                     <a:lstStyle/>
                     <a:p>
                       <a:r>
-                        <a:rPr lang="en-US" altLang="ja-JP" sz="3200" dirty="0"/>
+                        <a:rPr lang="en-US" altLang="ja-JP" sz="3200" dirty="0">
+                          <a:latin typeface="Hiragino Sans W4" panose="020B0400000000000000" pitchFamily="34" charset="-128"/>
+                          <a:ea typeface="Hiragino Sans W4" panose="020B0400000000000000" pitchFamily="34" charset="-128"/>
+                        </a:rPr>
                         <a:t>0.0166709…</a:t>
                       </a:r>
                     </a:p>
@@ -12884,17 +13308,23 @@
                   </a:ext>
                 </a:extLst>
               </a:tr>
-              <a:tr h="687733">
+              <a:tr h="703133">
                 <a:tc>
                   <a:txBody>
                     <a:bodyPr/>
                     <a:lstStyle/>
                     <a:p>
                       <a:r>
-                        <a:rPr lang="ja-JP" altLang="en-US" sz="3200"/>
+                        <a:rPr lang="ja-JP" altLang="en-US" sz="3200">
+                          <a:latin typeface="Hiragino Sans W4" panose="020B0400000000000000" pitchFamily="34" charset="-128"/>
+                          <a:ea typeface="Hiragino Sans W4" panose="020B0400000000000000" pitchFamily="34" charset="-128"/>
+                        </a:rPr>
                         <a:t>お参り </a:t>
                       </a:r>
-                      <a:endParaRPr kumimoji="1" lang="ja-JP" altLang="en-US" sz="3200"/>
+                      <a:endParaRPr kumimoji="1" lang="ja-JP" altLang="en-US" sz="3200">
+                        <a:latin typeface="Hiragino Sans W4" panose="020B0400000000000000" pitchFamily="34" charset="-128"/>
+                        <a:ea typeface="Hiragino Sans W4" panose="020B0400000000000000" pitchFamily="34" charset="-128"/>
+                      </a:endParaRPr>
                     </a:p>
                   </a:txBody>
                   <a:tcPr/>
@@ -12905,7 +13335,10 @@
                     <a:lstStyle/>
                     <a:p>
                       <a:r>
-                        <a:rPr lang="en-US" altLang="ja-JP" sz="3200" dirty="0"/>
+                        <a:rPr lang="en-US" altLang="ja-JP" sz="3200" dirty="0">
+                          <a:latin typeface="Hiragino Sans W4" panose="020B0400000000000000" pitchFamily="34" charset="-128"/>
+                          <a:ea typeface="Hiragino Sans W4" panose="020B0400000000000000" pitchFamily="34" charset="-128"/>
+                        </a:rPr>
                         <a:t>0.0153253…</a:t>
                       </a:r>
                     </a:p>
@@ -13158,7 +13591,7 @@
         </p:nvSpPr>
         <p:spPr>
           <a:xfrm>
-            <a:off x="2740397" y="31038351"/>
+            <a:off x="2898026" y="31072264"/>
             <a:ext cx="2954655" cy="646331"/>
           </a:xfrm>
           <a:prstGeom prst="rect">
@@ -13173,10 +13606,16 @@
           <a:lstStyle/>
           <a:p>
             <a:r>
-              <a:rPr kumimoji="1" lang="ja-JP" altLang="en-US" sz="3600"/>
+              <a:rPr kumimoji="1" lang="ja-JP" altLang="en-US" sz="3600">
+                <a:latin typeface="Hiragino Sans W4" panose="020B0400000000000000" pitchFamily="34" charset="-128"/>
+                <a:ea typeface="Hiragino Sans W4" panose="020B0400000000000000" pitchFamily="34" charset="-128"/>
+              </a:rPr>
               <a:t>トピック＃０</a:t>
             </a:r>
-            <a:endParaRPr kumimoji="1" lang="en-US" altLang="ja-JP" sz="3600" dirty="0"/>
+            <a:endParaRPr kumimoji="1" lang="en-US" altLang="ja-JP" sz="3600" dirty="0">
+              <a:latin typeface="Hiragino Sans W4" panose="020B0400000000000000" pitchFamily="34" charset="-128"/>
+              <a:ea typeface="Hiragino Sans W4" panose="020B0400000000000000" pitchFamily="34" charset="-128"/>
+            </a:endParaRPr>
           </a:p>
         </p:txBody>
       </p:sp>
@@ -13194,7 +13633,7 @@
         </p:nvSpPr>
         <p:spPr>
           <a:xfrm>
-            <a:off x="6997946" y="31059694"/>
+            <a:off x="7743385" y="31089856"/>
             <a:ext cx="2954655" cy="646331"/>
           </a:xfrm>
           <a:prstGeom prst="rect">
@@ -13209,7 +13648,10 @@
           <a:lstStyle/>
           <a:p>
             <a:r>
-              <a:rPr kumimoji="1" lang="ja-JP" altLang="en-US" sz="3600"/>
+              <a:rPr kumimoji="1" lang="ja-JP" altLang="en-US" sz="3600">
+                <a:latin typeface="Hiragino Sans W4" panose="020B0400000000000000" pitchFamily="34" charset="-128"/>
+                <a:ea typeface="Hiragino Sans W4" panose="020B0400000000000000" pitchFamily="34" charset="-128"/>
+              </a:rPr>
               <a:t>トピック＃１</a:t>
             </a:r>
           </a:p>
@@ -13230,14 +13672,14 @@
           <p:nvPr>
             <p:extLst>
               <p:ext uri="{D42A27DB-BD31-4B8C-83A1-F6EECF244321}">
-                <p14:modId xmlns:p14="http://schemas.microsoft.com/office/powerpoint/2010/main" val="2670357649"/>
+                <p14:modId xmlns:p14="http://schemas.microsoft.com/office/powerpoint/2010/main" val="3974778773"/>
               </p:ext>
             </p:extLst>
           </p:nvPr>
         </p:nvGraphicFramePr>
         <p:xfrm>
-          <a:off x="6634157" y="31843261"/>
-          <a:ext cx="3984772" cy="3330052"/>
+          <a:off x="7024490" y="31872493"/>
+          <a:ext cx="4392446" cy="3376688"/>
         </p:xfrm>
         <a:graphic>
           <a:graphicData uri="http://schemas.openxmlformats.org/drawingml/2006/table">
@@ -13246,14 +13688,14 @@
                 <a:tableStyleId>{2A488322-F2BA-4B5B-9748-0D474271808F}</a:tableStyleId>
               </a:tblPr>
               <a:tblGrid>
-                <a:gridCol w="1674642">
+                <a:gridCol w="1479800">
                   <a:extLst>
                     <a:ext uri="{9D8B030D-6E8A-4147-A177-3AD203B41FA5}">
                       <a16:colId xmlns:a16="http://schemas.microsoft.com/office/drawing/2014/main" val="476507974"/>
                     </a:ext>
                   </a:extLst>
                 </a:gridCol>
-                <a:gridCol w="2310130">
+                <a:gridCol w="2912646">
                   <a:extLst>
                     <a:ext uri="{9D8B030D-6E8A-4147-A177-3AD203B41FA5}">
                       <a16:colId xmlns:a16="http://schemas.microsoft.com/office/drawing/2014/main" val="1990266496"/>
@@ -13261,7 +13703,7 @@
                   </a:extLst>
                 </a:gridCol>
               </a:tblGrid>
-              <a:tr h="577696">
+              <a:tr h="532486">
                 <a:tc>
                   <a:txBody>
                     <a:bodyPr/>
@@ -13269,7 +13711,10 @@
                     <a:p>
                       <a:pPr algn="ctr"/>
                       <a:r>
-                        <a:rPr kumimoji="1" lang="ja-JP" altLang="en-US" sz="3200"/>
+                        <a:rPr kumimoji="1" lang="ja-JP" altLang="en-US" sz="3200">
+                          <a:latin typeface="Hiragino Sans W4" panose="020B0400000000000000" pitchFamily="34" charset="-128"/>
+                          <a:ea typeface="Hiragino Sans W4" panose="020B0400000000000000" pitchFamily="34" charset="-128"/>
+                        </a:rPr>
                         <a:t>単語</a:t>
                       </a:r>
                     </a:p>
@@ -13283,7 +13728,10 @@
                     <a:p>
                       <a:pPr algn="ctr"/>
                       <a:r>
-                        <a:rPr kumimoji="1" lang="ja-JP" altLang="en-US" sz="3200"/>
+                        <a:rPr kumimoji="1" lang="ja-JP" altLang="en-US" sz="3200">
+                          <a:latin typeface="Hiragino Sans W4" panose="020B0400000000000000" pitchFamily="34" charset="-128"/>
+                          <a:ea typeface="Hiragino Sans W4" panose="020B0400000000000000" pitchFamily="34" charset="-128"/>
+                        </a:rPr>
                         <a:t>確率</a:t>
                       </a:r>
                     </a:p>
@@ -13296,14 +13744,17 @@
                   </a:ext>
                 </a:extLst>
               </a:tr>
-              <a:tr h="687733">
+              <a:tr h="699392">
                 <a:tc>
                   <a:txBody>
                     <a:bodyPr/>
                     <a:lstStyle/>
                     <a:p>
                       <a:r>
-                        <a:rPr kumimoji="1" lang="ja-JP" altLang="en-US" sz="3200"/>
+                        <a:rPr kumimoji="1" lang="ja-JP" altLang="en-US" sz="3200">
+                          <a:latin typeface="Hiragino Sans W4" panose="020B0400000000000000" pitchFamily="34" charset="-128"/>
+                          <a:ea typeface="Hiragino Sans W4" panose="020B0400000000000000" pitchFamily="34" charset="-128"/>
+                        </a:rPr>
                         <a:t>街</a:t>
                       </a:r>
                     </a:p>
@@ -13316,10 +13767,16 @@
                     <a:lstStyle/>
                     <a:p>
                       <a:r>
-                        <a:rPr lang="en-US" altLang="ja-JP" sz="3200" dirty="0"/>
+                        <a:rPr lang="en-US" altLang="ja-JP" sz="3200" dirty="0">
+                          <a:latin typeface="Hiragino Sans W4" panose="020B0400000000000000" pitchFamily="34" charset="-128"/>
+                          <a:ea typeface="Hiragino Sans W4" panose="020B0400000000000000" pitchFamily="34" charset="-128"/>
+                        </a:rPr>
                         <a:t>0.0118167…</a:t>
                       </a:r>
-                      <a:endParaRPr kumimoji="1" lang="ja-JP" altLang="en-US" sz="3200"/>
+                      <a:endParaRPr kumimoji="1" lang="ja-JP" altLang="en-US" sz="3200">
+                        <a:latin typeface="Hiragino Sans W4" panose="020B0400000000000000" pitchFamily="34" charset="-128"/>
+                        <a:ea typeface="Hiragino Sans W4" panose="020B0400000000000000" pitchFamily="34" charset="-128"/>
+                      </a:endParaRPr>
                     </a:p>
                   </a:txBody>
                   <a:tcPr/>
@@ -13330,17 +13787,23 @@
                   </a:ext>
                 </a:extLst>
               </a:tr>
-              <a:tr h="687733">
+              <a:tr h="699392">
                 <a:tc>
                   <a:txBody>
                     <a:bodyPr/>
                     <a:lstStyle/>
                     <a:p>
                       <a:r>
-                        <a:rPr lang="ja-JP" altLang="en-US" sz="3200"/>
+                        <a:rPr lang="ja-JP" altLang="en-US" sz="3200">
+                          <a:latin typeface="Hiragino Sans W4" panose="020B0400000000000000" pitchFamily="34" charset="-128"/>
+                          <a:ea typeface="Hiragino Sans W4" panose="020B0400000000000000" pitchFamily="34" charset="-128"/>
+                        </a:rPr>
                         <a:t>観光 </a:t>
                       </a:r>
-                      <a:endParaRPr kumimoji="1" lang="ja-JP" altLang="en-US" sz="3200"/>
+                      <a:endParaRPr kumimoji="1" lang="ja-JP" altLang="en-US" sz="3200">
+                        <a:latin typeface="Hiragino Sans W4" panose="020B0400000000000000" pitchFamily="34" charset="-128"/>
+                        <a:ea typeface="Hiragino Sans W4" panose="020B0400000000000000" pitchFamily="34" charset="-128"/>
+                      </a:endParaRPr>
                     </a:p>
                   </a:txBody>
                   <a:tcPr/>
@@ -13351,10 +13814,16 @@
                     <a:lstStyle/>
                     <a:p>
                       <a:r>
-                        <a:rPr lang="en-US" altLang="ja-JP" sz="3200" dirty="0"/>
+                        <a:rPr lang="en-US" altLang="ja-JP" sz="3200" dirty="0">
+                          <a:latin typeface="Hiragino Sans W4" panose="020B0400000000000000" pitchFamily="34" charset="-128"/>
+                          <a:ea typeface="Hiragino Sans W4" panose="020B0400000000000000" pitchFamily="34" charset="-128"/>
+                        </a:rPr>
                         <a:t>0.0109105…</a:t>
                       </a:r>
-                      <a:endParaRPr kumimoji="1" lang="ja-JP" altLang="en-US" sz="3200"/>
+                      <a:endParaRPr kumimoji="1" lang="ja-JP" altLang="en-US" sz="3200">
+                        <a:latin typeface="Hiragino Sans W4" panose="020B0400000000000000" pitchFamily="34" charset="-128"/>
+                        <a:ea typeface="Hiragino Sans W4" panose="020B0400000000000000" pitchFamily="34" charset="-128"/>
+                      </a:endParaRPr>
                     </a:p>
                   </a:txBody>
                   <a:tcPr/>
@@ -13365,17 +13834,23 @@
                   </a:ext>
                 </a:extLst>
               </a:tr>
-              <a:tr h="687733">
+              <a:tr h="699392">
                 <a:tc>
                   <a:txBody>
                     <a:bodyPr/>
                     <a:lstStyle/>
                     <a:p>
                       <a:r>
-                        <a:rPr lang="ja-JP" altLang="en-US" sz="3200"/>
+                        <a:rPr lang="ja-JP" altLang="en-US" sz="3200">
+                          <a:latin typeface="Hiragino Sans W4" panose="020B0400000000000000" pitchFamily="34" charset="-128"/>
+                          <a:ea typeface="Hiragino Sans W4" panose="020B0400000000000000" pitchFamily="34" charset="-128"/>
+                        </a:rPr>
                         <a:t>案内 </a:t>
                       </a:r>
-                      <a:endParaRPr kumimoji="1" lang="ja-JP" altLang="en-US" sz="3200"/>
+                      <a:endParaRPr kumimoji="1" lang="ja-JP" altLang="en-US" sz="3200">
+                        <a:latin typeface="Hiragino Sans W4" panose="020B0400000000000000" pitchFamily="34" charset="-128"/>
+                        <a:ea typeface="Hiragino Sans W4" panose="020B0400000000000000" pitchFamily="34" charset="-128"/>
+                      </a:endParaRPr>
                     </a:p>
                   </a:txBody>
                   <a:tcPr/>
@@ -13386,7 +13861,10 @@
                     <a:lstStyle/>
                     <a:p>
                       <a:r>
-                        <a:rPr lang="en-US" altLang="ja-JP" sz="3200" dirty="0"/>
+                        <a:rPr lang="en-US" altLang="ja-JP" sz="3200" dirty="0">
+                          <a:latin typeface="Hiragino Sans W4" panose="020B0400000000000000" pitchFamily="34" charset="-128"/>
+                          <a:ea typeface="Hiragino Sans W4" panose="020B0400000000000000" pitchFamily="34" charset="-128"/>
+                        </a:rPr>
                         <a:t>0.0073654…</a:t>
                       </a:r>
                     </a:p>
@@ -13399,17 +13877,23 @@
                   </a:ext>
                 </a:extLst>
               </a:tr>
-              <a:tr h="687733">
+              <a:tr h="699392">
                 <a:tc>
                   <a:txBody>
                     <a:bodyPr/>
                     <a:lstStyle/>
                     <a:p>
                       <a:r>
-                        <a:rPr lang="ja-JP" altLang="en-US" sz="3200"/>
+                        <a:rPr lang="ja-JP" altLang="en-US" sz="3200">
+                          <a:latin typeface="Hiragino Sans W4" panose="020B0400000000000000" pitchFamily="34" charset="-128"/>
+                          <a:ea typeface="Hiragino Sans W4" panose="020B0400000000000000" pitchFamily="34" charset="-128"/>
+                        </a:rPr>
                         <a:t>観戦 </a:t>
                       </a:r>
-                      <a:endParaRPr kumimoji="1" lang="ja-JP" altLang="en-US" sz="3200"/>
+                      <a:endParaRPr kumimoji="1" lang="ja-JP" altLang="en-US" sz="3200">
+                        <a:latin typeface="Hiragino Sans W4" panose="020B0400000000000000" pitchFamily="34" charset="-128"/>
+                        <a:ea typeface="Hiragino Sans W4" panose="020B0400000000000000" pitchFamily="34" charset="-128"/>
+                      </a:endParaRPr>
                     </a:p>
                   </a:txBody>
                   <a:tcPr/>
@@ -13420,7 +13904,10 @@
                     <a:lstStyle/>
                     <a:p>
                       <a:r>
-                        <a:rPr lang="en-US" altLang="ja-JP" sz="3200" dirty="0"/>
+                        <a:rPr lang="en-US" altLang="ja-JP" sz="3200" dirty="0">
+                          <a:latin typeface="Hiragino Sans W4" panose="020B0400000000000000" pitchFamily="34" charset="-128"/>
+                          <a:ea typeface="Hiragino Sans W4" panose="020B0400000000000000" pitchFamily="34" charset="-128"/>
+                        </a:rPr>
                         <a:t>0.0068173…</a:t>
                       </a:r>
                     </a:p>
@@ -13451,7 +13938,7 @@
         </p:nvSpPr>
         <p:spPr>
           <a:xfrm>
-            <a:off x="15200270" y="31072265"/>
+            <a:off x="16907150" y="31072265"/>
             <a:ext cx="1569660" cy="646331"/>
           </a:xfrm>
           <a:prstGeom prst="rect">
@@ -13466,7 +13953,10 @@
           <a:lstStyle/>
           <a:p>
             <a:r>
-              <a:rPr kumimoji="1" lang="ja-JP" altLang="en-US" sz="3600"/>
+              <a:rPr kumimoji="1" lang="ja-JP" altLang="en-US" sz="3600">
+                <a:latin typeface="Hiragino Sans W4" panose="020B0400000000000000" pitchFamily="34" charset="-128"/>
+                <a:ea typeface="Hiragino Sans W4" panose="020B0400000000000000" pitchFamily="34" charset="-128"/>
+              </a:rPr>
               <a:t>・・・</a:t>
             </a:r>
           </a:p>
@@ -13486,7 +13976,7 @@
         </p:nvSpPr>
         <p:spPr>
           <a:xfrm>
-            <a:off x="15275667" y="33313008"/>
+            <a:off x="16901147" y="33306753"/>
             <a:ext cx="1569660" cy="646331"/>
           </a:xfrm>
           <a:prstGeom prst="rect">
@@ -13501,7 +13991,10 @@
           <a:lstStyle/>
           <a:p>
             <a:r>
-              <a:rPr kumimoji="1" lang="ja-JP" altLang="en-US" sz="3600"/>
+              <a:rPr kumimoji="1" lang="ja-JP" altLang="en-US" sz="3600">
+                <a:latin typeface="Hiragino Sans W4" panose="020B0400000000000000" pitchFamily="34" charset="-128"/>
+                <a:ea typeface="Hiragino Sans W4" panose="020B0400000000000000" pitchFamily="34" charset="-128"/>
+              </a:rPr>
               <a:t>・・・</a:t>
             </a:r>
           </a:p>
@@ -13536,19 +14029,31 @@
           <a:lstStyle/>
           <a:p>
             <a:r>
-              <a:rPr lang="en-US" altLang="ja-JP" sz="3600" dirty="0"/>
+              <a:rPr lang="en-US" altLang="ja-JP" sz="3600" dirty="0">
+                <a:latin typeface="Hiragino Sans W4" panose="020B0400000000000000" pitchFamily="34" charset="-128"/>
+                <a:ea typeface="Hiragino Sans W4" panose="020B0400000000000000" pitchFamily="34" charset="-128"/>
+              </a:rPr>
               <a:t>『</a:t>
             </a:r>
             <a:r>
-              <a:rPr lang="ja-JP" altLang="en-US" sz="3600"/>
+              <a:rPr lang="ja-JP" altLang="en-US" sz="3600">
+                <a:latin typeface="Hiragino Sans W4" panose="020B0400000000000000" pitchFamily="34" charset="-128"/>
+                <a:ea typeface="Hiragino Sans W4" panose="020B0400000000000000" pitchFamily="34" charset="-128"/>
+              </a:rPr>
               <a:t>横浜赤レンガ倉庫</a:t>
             </a:r>
             <a:r>
-              <a:rPr lang="en-US" altLang="ja-JP" sz="3600" dirty="0"/>
+              <a:rPr lang="en-US" altLang="ja-JP" sz="3600" dirty="0">
+                <a:latin typeface="Hiragino Sans W4" panose="020B0400000000000000" pitchFamily="34" charset="-128"/>
+                <a:ea typeface="Hiragino Sans W4" panose="020B0400000000000000" pitchFamily="34" charset="-128"/>
+              </a:rPr>
               <a:t>』</a:t>
             </a:r>
             <a:r>
-              <a:rPr lang="ja-JP" altLang="en-US" sz="3600"/>
+              <a:rPr lang="ja-JP" altLang="en-US" sz="3600">
+                <a:latin typeface="Hiragino Sans W4" panose="020B0400000000000000" pitchFamily="34" charset="-128"/>
+                <a:ea typeface="Hiragino Sans W4" panose="020B0400000000000000" pitchFamily="34" charset="-128"/>
+              </a:rPr>
               <a:t>のトピック</a:t>
             </a:r>
           </a:p>
@@ -13569,14 +14074,14 @@
           <p:nvPr>
             <p:extLst>
               <p:ext uri="{D42A27DB-BD31-4B8C-83A1-F6EECF244321}">
-                <p14:modId xmlns:p14="http://schemas.microsoft.com/office/powerpoint/2010/main" val="103959385"/>
+                <p14:modId xmlns:p14="http://schemas.microsoft.com/office/powerpoint/2010/main" val="91052304"/>
               </p:ext>
             </p:extLst>
           </p:nvPr>
         </p:nvGraphicFramePr>
         <p:xfrm>
-          <a:off x="21153176" y="31862540"/>
-          <a:ext cx="6073244" cy="3330052"/>
+          <a:off x="21354843" y="31872493"/>
+          <a:ext cx="5829862" cy="3376686"/>
         </p:xfrm>
         <a:graphic>
           <a:graphicData uri="http://schemas.openxmlformats.org/drawingml/2006/table">
@@ -13585,14 +14090,14 @@
                 <a:tableStyleId>{2A488322-F2BA-4B5B-9748-0D474271808F}</a:tableStyleId>
               </a:tblPr>
               <a:tblGrid>
-                <a:gridCol w="3694982">
+                <a:gridCol w="2721564">
                   <a:extLst>
                     <a:ext uri="{9D8B030D-6E8A-4147-A177-3AD203B41FA5}">
                       <a16:colId xmlns:a16="http://schemas.microsoft.com/office/drawing/2014/main" val="476507974"/>
                     </a:ext>
                   </a:extLst>
                 </a:gridCol>
-                <a:gridCol w="2378262">
+                <a:gridCol w="3108298">
                   <a:extLst>
                     <a:ext uri="{9D8B030D-6E8A-4147-A177-3AD203B41FA5}">
                       <a16:colId xmlns:a16="http://schemas.microsoft.com/office/drawing/2014/main" val="1990266496"/>
@@ -13600,7 +14105,7 @@
                   </a:extLst>
                 </a:gridCol>
               </a:tblGrid>
-              <a:tr h="577696">
+              <a:tr h="587230">
                 <a:tc>
                   <a:txBody>
                     <a:bodyPr/>
@@ -13608,7 +14113,10 @@
                     <a:p>
                       <a:pPr algn="ctr"/>
                       <a:r>
-                        <a:rPr kumimoji="1" lang="ja-JP" altLang="en-US" sz="3200"/>
+                        <a:rPr kumimoji="1" lang="ja-JP" altLang="en-US" sz="3200">
+                          <a:latin typeface="Hiragino Sans W4" panose="020B0400000000000000" pitchFamily="34" charset="-128"/>
+                          <a:ea typeface="Hiragino Sans W4" panose="020B0400000000000000" pitchFamily="34" charset="-128"/>
+                        </a:rPr>
                         <a:t>トピック番号</a:t>
                       </a:r>
                     </a:p>
@@ -13622,7 +14130,10 @@
                     <a:p>
                       <a:pPr algn="ctr"/>
                       <a:r>
-                        <a:rPr kumimoji="1" lang="ja-JP" altLang="en-US" sz="3200"/>
+                        <a:rPr kumimoji="1" lang="ja-JP" altLang="en-US" sz="3200">
+                          <a:latin typeface="Hiragino Sans W4" panose="020B0400000000000000" pitchFamily="34" charset="-128"/>
+                          <a:ea typeface="Hiragino Sans W4" panose="020B0400000000000000" pitchFamily="34" charset="-128"/>
+                        </a:rPr>
                         <a:t>確率</a:t>
                       </a:r>
                     </a:p>
@@ -13635,17 +14146,23 @@
                   </a:ext>
                 </a:extLst>
               </a:tr>
-              <a:tr h="687733">
+              <a:tr h="697364">
                 <a:tc>
                   <a:txBody>
                     <a:bodyPr/>
                     <a:lstStyle/>
                     <a:p>
                       <a:r>
-                        <a:rPr kumimoji="1" lang="en-US" altLang="ja-JP" sz="3200" dirty="0"/>
+                        <a:rPr kumimoji="1" lang="en-US" altLang="ja-JP" sz="3200" dirty="0">
+                          <a:latin typeface="Hiragino Sans W4" panose="020B0400000000000000" pitchFamily="34" charset="-128"/>
+                          <a:ea typeface="Hiragino Sans W4" panose="020B0400000000000000" pitchFamily="34" charset="-128"/>
+                        </a:rPr>
                         <a:t>2</a:t>
                       </a:r>
-                      <a:endParaRPr kumimoji="1" lang="ja-JP" altLang="en-US" sz="3200"/>
+                      <a:endParaRPr kumimoji="1" lang="ja-JP" altLang="en-US" sz="3200">
+                        <a:latin typeface="Hiragino Sans W4" panose="020B0400000000000000" pitchFamily="34" charset="-128"/>
+                        <a:ea typeface="Hiragino Sans W4" panose="020B0400000000000000" pitchFamily="34" charset="-128"/>
+                      </a:endParaRPr>
                     </a:p>
                   </a:txBody>
                   <a:tcPr/>
@@ -13656,10 +14173,16 @@
                     <a:lstStyle/>
                     <a:p>
                       <a:r>
-                        <a:rPr lang="en-US" altLang="ja-JP" sz="3200" dirty="0"/>
+                        <a:rPr lang="en-US" altLang="ja-JP" sz="3200" dirty="0">
+                          <a:latin typeface="Hiragino Sans W4" panose="020B0400000000000000" pitchFamily="34" charset="-128"/>
+                          <a:ea typeface="Hiragino Sans W4" panose="020B0400000000000000" pitchFamily="34" charset="-128"/>
+                        </a:rPr>
                         <a:t>0.5783680…</a:t>
                       </a:r>
-                      <a:endParaRPr kumimoji="1" lang="ja-JP" altLang="en-US" sz="3200"/>
+                      <a:endParaRPr kumimoji="1" lang="ja-JP" altLang="en-US" sz="3200">
+                        <a:latin typeface="Hiragino Sans W4" panose="020B0400000000000000" pitchFamily="34" charset="-128"/>
+                        <a:ea typeface="Hiragino Sans W4" panose="020B0400000000000000" pitchFamily="34" charset="-128"/>
+                      </a:endParaRPr>
                     </a:p>
                   </a:txBody>
                   <a:tcPr/>
@@ -13670,21 +14193,30 @@
                   </a:ext>
                 </a:extLst>
               </a:tr>
-              <a:tr h="687733">
+              <a:tr h="697364">
                 <a:tc>
                   <a:txBody>
                     <a:bodyPr/>
                     <a:lstStyle/>
                     <a:p>
                       <a:r>
-                        <a:rPr lang="en-US" altLang="ja-JP" sz="3200" dirty="0"/>
+                        <a:rPr lang="en-US" altLang="ja-JP" sz="3200" dirty="0">
+                          <a:latin typeface="Hiragino Sans W4" panose="020B0400000000000000" pitchFamily="34" charset="-128"/>
+                          <a:ea typeface="Hiragino Sans W4" panose="020B0400000000000000" pitchFamily="34" charset="-128"/>
+                        </a:rPr>
                         <a:t>6</a:t>
                       </a:r>
                       <a:r>
-                        <a:rPr lang="ja-JP" altLang="en-US" sz="3200"/>
+                        <a:rPr lang="ja-JP" altLang="en-US" sz="3200">
+                          <a:latin typeface="Hiragino Sans W4" panose="020B0400000000000000" pitchFamily="34" charset="-128"/>
+                          <a:ea typeface="Hiragino Sans W4" panose="020B0400000000000000" pitchFamily="34" charset="-128"/>
+                        </a:rPr>
                         <a:t> </a:t>
                       </a:r>
-                      <a:endParaRPr kumimoji="1" lang="ja-JP" altLang="en-US" sz="3200"/>
+                      <a:endParaRPr kumimoji="1" lang="ja-JP" altLang="en-US" sz="3200">
+                        <a:latin typeface="Hiragino Sans W4" panose="020B0400000000000000" pitchFamily="34" charset="-128"/>
+                        <a:ea typeface="Hiragino Sans W4" panose="020B0400000000000000" pitchFamily="34" charset="-128"/>
+                      </a:endParaRPr>
                     </a:p>
                   </a:txBody>
                   <a:tcPr/>
@@ -13695,10 +14227,16 @@
                     <a:lstStyle/>
                     <a:p>
                       <a:r>
-                        <a:rPr lang="en-US" altLang="ja-JP" sz="3200" dirty="0"/>
+                        <a:rPr lang="en-US" altLang="ja-JP" sz="3200" dirty="0">
+                          <a:latin typeface="Hiragino Sans W4" panose="020B0400000000000000" pitchFamily="34" charset="-128"/>
+                          <a:ea typeface="Hiragino Sans W4" panose="020B0400000000000000" pitchFamily="34" charset="-128"/>
+                        </a:rPr>
                         <a:t>0.1379101…</a:t>
                       </a:r>
-                      <a:endParaRPr kumimoji="1" lang="ja-JP" altLang="en-US" sz="3200"/>
+                      <a:endParaRPr kumimoji="1" lang="ja-JP" altLang="en-US" sz="3200">
+                        <a:latin typeface="Hiragino Sans W4" panose="020B0400000000000000" pitchFamily="34" charset="-128"/>
+                        <a:ea typeface="Hiragino Sans W4" panose="020B0400000000000000" pitchFamily="34" charset="-128"/>
+                      </a:endParaRPr>
                     </a:p>
                   </a:txBody>
                   <a:tcPr/>
@@ -13709,21 +14247,30 @@
                   </a:ext>
                 </a:extLst>
               </a:tr>
-              <a:tr h="687733">
+              <a:tr h="697364">
                 <a:tc>
                   <a:txBody>
                     <a:bodyPr/>
                     <a:lstStyle/>
                     <a:p>
                       <a:r>
-                        <a:rPr lang="en-US" altLang="ja-JP" sz="3200" dirty="0"/>
+                        <a:rPr lang="en-US" altLang="ja-JP" sz="3200" dirty="0">
+                          <a:latin typeface="Hiragino Sans W4" panose="020B0400000000000000" pitchFamily="34" charset="-128"/>
+                          <a:ea typeface="Hiragino Sans W4" panose="020B0400000000000000" pitchFamily="34" charset="-128"/>
+                        </a:rPr>
                         <a:t>9</a:t>
                       </a:r>
                       <a:r>
-                        <a:rPr lang="ja-JP" altLang="en-US" sz="3200"/>
+                        <a:rPr lang="ja-JP" altLang="en-US" sz="3200">
+                          <a:latin typeface="Hiragino Sans W4" panose="020B0400000000000000" pitchFamily="34" charset="-128"/>
+                          <a:ea typeface="Hiragino Sans W4" panose="020B0400000000000000" pitchFamily="34" charset="-128"/>
+                        </a:rPr>
                         <a:t> </a:t>
                       </a:r>
-                      <a:endParaRPr kumimoji="1" lang="ja-JP" altLang="en-US" sz="3200"/>
+                      <a:endParaRPr kumimoji="1" lang="ja-JP" altLang="en-US" sz="3200">
+                        <a:latin typeface="Hiragino Sans W4" panose="020B0400000000000000" pitchFamily="34" charset="-128"/>
+                        <a:ea typeface="Hiragino Sans W4" panose="020B0400000000000000" pitchFamily="34" charset="-128"/>
+                      </a:endParaRPr>
                     </a:p>
                   </a:txBody>
                   <a:tcPr/>
@@ -13734,7 +14281,10 @@
                     <a:lstStyle/>
                     <a:p>
                       <a:r>
-                        <a:rPr lang="en-US" altLang="ja-JP" sz="3200" dirty="0"/>
+                        <a:rPr lang="en-US" altLang="ja-JP" sz="3200" dirty="0">
+                          <a:latin typeface="Hiragino Sans W4" panose="020B0400000000000000" pitchFamily="34" charset="-128"/>
+                          <a:ea typeface="Hiragino Sans W4" panose="020B0400000000000000" pitchFamily="34" charset="-128"/>
+                        </a:rPr>
                         <a:t>0.1238372…</a:t>
                       </a:r>
                     </a:p>
@@ -13747,17 +14297,23 @@
                   </a:ext>
                 </a:extLst>
               </a:tr>
-              <a:tr h="687733">
+              <a:tr h="697364">
                 <a:tc>
                   <a:txBody>
                     <a:bodyPr/>
                     <a:lstStyle/>
                     <a:p>
                       <a:r>
-                        <a:rPr lang="en-US" altLang="ja-JP" sz="3200" dirty="0"/>
+                        <a:rPr lang="en-US" altLang="ja-JP" sz="3200" dirty="0">
+                          <a:latin typeface="Hiragino Sans W4" panose="020B0400000000000000" pitchFamily="34" charset="-128"/>
+                          <a:ea typeface="Hiragino Sans W4" panose="020B0400000000000000" pitchFamily="34" charset="-128"/>
+                        </a:rPr>
                         <a:t>4</a:t>
                       </a:r>
-                      <a:endParaRPr kumimoji="1" lang="ja-JP" altLang="en-US" sz="3200"/>
+                      <a:endParaRPr kumimoji="1" lang="ja-JP" altLang="en-US" sz="3200">
+                        <a:latin typeface="Hiragino Sans W4" panose="020B0400000000000000" pitchFamily="34" charset="-128"/>
+                        <a:ea typeface="Hiragino Sans W4" panose="020B0400000000000000" pitchFamily="34" charset="-128"/>
+                      </a:endParaRPr>
                     </a:p>
                   </a:txBody>
                   <a:tcPr/>
@@ -13768,7 +14324,10 @@
                     <a:lstStyle/>
                     <a:p>
                       <a:r>
-                        <a:rPr lang="en-US" altLang="ja-JP" sz="3200" dirty="0"/>
+                        <a:rPr lang="en-US" altLang="ja-JP" sz="3200" dirty="0">
+                          <a:latin typeface="Hiragino Sans W4" panose="020B0400000000000000" pitchFamily="34" charset="-128"/>
+                          <a:ea typeface="Hiragino Sans W4" panose="020B0400000000000000" pitchFamily="34" charset="-128"/>
+                        </a:rPr>
                         <a:t>0.0762224…</a:t>
                       </a:r>
                     </a:p>
@@ -13799,7 +14358,7 @@
         </p:nvSpPr>
         <p:spPr>
           <a:xfrm>
-            <a:off x="11485994" y="31038351"/>
+            <a:off x="12685782" y="31101164"/>
             <a:ext cx="2954655" cy="646331"/>
           </a:xfrm>
           <a:prstGeom prst="rect">
@@ -13814,14 +14373,23 @@
           <a:lstStyle/>
           <a:p>
             <a:r>
-              <a:rPr kumimoji="1" lang="ja-JP" altLang="en-US" sz="3600"/>
+              <a:rPr kumimoji="1" lang="ja-JP" altLang="en-US" sz="3600">
+                <a:latin typeface="Hiragino Sans W4" panose="020B0400000000000000" pitchFamily="34" charset="-128"/>
+                <a:ea typeface="Hiragino Sans W4" panose="020B0400000000000000" pitchFamily="34" charset="-128"/>
+              </a:rPr>
               <a:t>トピック＃</a:t>
             </a:r>
             <a:r>
-              <a:rPr lang="ja-JP" altLang="en-US" sz="3600"/>
+              <a:rPr lang="ja-JP" altLang="en-US" sz="3600">
+                <a:latin typeface="Hiragino Sans W4" panose="020B0400000000000000" pitchFamily="34" charset="-128"/>
+                <a:ea typeface="Hiragino Sans W4" panose="020B0400000000000000" pitchFamily="34" charset="-128"/>
+              </a:rPr>
               <a:t>２</a:t>
             </a:r>
-            <a:endParaRPr kumimoji="1" lang="ja-JP" altLang="en-US" sz="3600"/>
+            <a:endParaRPr kumimoji="1" lang="ja-JP" altLang="en-US" sz="3600">
+              <a:latin typeface="Hiragino Sans W4" panose="020B0400000000000000" pitchFamily="34" charset="-128"/>
+              <a:ea typeface="Hiragino Sans W4" panose="020B0400000000000000" pitchFamily="34" charset="-128"/>
+            </a:endParaRPr>
           </a:p>
         </p:txBody>
       </p:sp>
@@ -13840,14 +14408,14 @@
           <p:nvPr>
             <p:extLst>
               <p:ext uri="{D42A27DB-BD31-4B8C-83A1-F6EECF244321}">
-                <p14:modId xmlns:p14="http://schemas.microsoft.com/office/powerpoint/2010/main" val="2843742382"/>
+                <p14:modId xmlns:p14="http://schemas.microsoft.com/office/powerpoint/2010/main" val="3217440112"/>
               </p:ext>
             </p:extLst>
           </p:nvPr>
         </p:nvGraphicFramePr>
         <p:xfrm>
-          <a:off x="11020270" y="31862540"/>
-          <a:ext cx="3984772" cy="3330052"/>
+          <a:off x="11911343" y="31902255"/>
+          <a:ext cx="4411931" cy="3347464"/>
         </p:xfrm>
         <a:graphic>
           <a:graphicData uri="http://schemas.openxmlformats.org/drawingml/2006/table">
@@ -13856,14 +14424,14 @@
                 <a:tableStyleId>{2A488322-F2BA-4B5B-9748-0D474271808F}</a:tableStyleId>
               </a:tblPr>
               <a:tblGrid>
-                <a:gridCol w="1674642">
+                <a:gridCol w="1529206">
                   <a:extLst>
                     <a:ext uri="{9D8B030D-6E8A-4147-A177-3AD203B41FA5}">
                       <a16:colId xmlns:a16="http://schemas.microsoft.com/office/drawing/2014/main" val="476507974"/>
                     </a:ext>
                   </a:extLst>
                 </a:gridCol>
-                <a:gridCol w="2310130">
+                <a:gridCol w="2882725">
                   <a:extLst>
                     <a:ext uri="{9D8B030D-6E8A-4147-A177-3AD203B41FA5}">
                       <a16:colId xmlns:a16="http://schemas.microsoft.com/office/drawing/2014/main" val="1990266496"/>
@@ -13871,7 +14439,7 @@
                   </a:extLst>
                 </a:gridCol>
               </a:tblGrid>
-              <a:tr h="577696">
+              <a:tr h="561304">
                 <a:tc>
                   <a:txBody>
                     <a:bodyPr/>
@@ -13879,7 +14447,10 @@
                     <a:p>
                       <a:pPr algn="ctr"/>
                       <a:r>
-                        <a:rPr kumimoji="1" lang="ja-JP" altLang="en-US" sz="3200"/>
+                        <a:rPr kumimoji="1" lang="ja-JP" altLang="en-US" sz="3200">
+                          <a:latin typeface="Hiragino Sans W4" panose="020B0400000000000000" pitchFamily="34" charset="-128"/>
+                          <a:ea typeface="Hiragino Sans W4" panose="020B0400000000000000" pitchFamily="34" charset="-128"/>
+                        </a:rPr>
                         <a:t>単語</a:t>
                       </a:r>
                     </a:p>
@@ -13893,7 +14464,10 @@
                     <a:p>
                       <a:pPr algn="ctr"/>
                       <a:r>
-                        <a:rPr kumimoji="1" lang="ja-JP" altLang="en-US" sz="3200"/>
+                        <a:rPr kumimoji="1" lang="ja-JP" altLang="en-US" sz="3200">
+                          <a:latin typeface="Hiragino Sans W4" panose="020B0400000000000000" pitchFamily="34" charset="-128"/>
+                          <a:ea typeface="Hiragino Sans W4" panose="020B0400000000000000" pitchFamily="34" charset="-128"/>
+                        </a:rPr>
                         <a:t>確率</a:t>
                       </a:r>
                     </a:p>
@@ -13906,14 +14480,17 @@
                   </a:ext>
                 </a:extLst>
               </a:tr>
-              <a:tr h="687733">
+              <a:tr h="692086">
                 <a:tc>
                   <a:txBody>
                     <a:bodyPr/>
                     <a:lstStyle/>
                     <a:p>
                       <a:r>
-                        <a:rPr kumimoji="1" lang="ja-JP" altLang="en-US" sz="3200"/>
+                        <a:rPr kumimoji="1" lang="ja-JP" altLang="en-US" sz="3200">
+                          <a:latin typeface="Hiragino Sans W4" panose="020B0400000000000000" pitchFamily="34" charset="-128"/>
+                          <a:ea typeface="Hiragino Sans W4" panose="020B0400000000000000" pitchFamily="34" charset="-128"/>
+                        </a:rPr>
                         <a:t>展示</a:t>
                       </a:r>
                     </a:p>
@@ -13926,10 +14503,16 @@
                     <a:lstStyle/>
                     <a:p>
                       <a:r>
-                        <a:rPr lang="en-US" altLang="ja-JP" sz="3200" dirty="0"/>
+                        <a:rPr lang="en-US" altLang="ja-JP" sz="3200" dirty="0">
+                          <a:latin typeface="Hiragino Sans W4" panose="020B0400000000000000" pitchFamily="34" charset="-128"/>
+                          <a:ea typeface="Hiragino Sans W4" panose="020B0400000000000000" pitchFamily="34" charset="-128"/>
+                        </a:rPr>
                         <a:t>0.0383013…</a:t>
                       </a:r>
-                      <a:endParaRPr kumimoji="1" lang="ja-JP" altLang="en-US" sz="3200"/>
+                      <a:endParaRPr kumimoji="1" lang="ja-JP" altLang="en-US" sz="3200">
+                        <a:latin typeface="Hiragino Sans W4" panose="020B0400000000000000" pitchFamily="34" charset="-128"/>
+                        <a:ea typeface="Hiragino Sans W4" panose="020B0400000000000000" pitchFamily="34" charset="-128"/>
+                      </a:endParaRPr>
                     </a:p>
                   </a:txBody>
                   <a:tcPr/>
@@ -13940,17 +14523,23 @@
                   </a:ext>
                 </a:extLst>
               </a:tr>
-              <a:tr h="687733">
+              <a:tr h="692086">
                 <a:tc>
                   <a:txBody>
                     <a:bodyPr/>
                     <a:lstStyle/>
                     <a:p>
                       <a:r>
-                        <a:rPr lang="ja-JP" altLang="en-US" sz="3200"/>
+                        <a:rPr lang="ja-JP" altLang="en-US" sz="3200">
+                          <a:latin typeface="Hiragino Sans W4" panose="020B0400000000000000" pitchFamily="34" charset="-128"/>
+                          <a:ea typeface="Hiragino Sans W4" panose="020B0400000000000000" pitchFamily="34" charset="-128"/>
+                        </a:rPr>
                         <a:t>美術館 </a:t>
                       </a:r>
-                      <a:endParaRPr kumimoji="1" lang="ja-JP" altLang="en-US" sz="3200"/>
+                      <a:endParaRPr kumimoji="1" lang="ja-JP" altLang="en-US" sz="3200">
+                        <a:latin typeface="Hiragino Sans W4" panose="020B0400000000000000" pitchFamily="34" charset="-128"/>
+                        <a:ea typeface="Hiragino Sans W4" panose="020B0400000000000000" pitchFamily="34" charset="-128"/>
+                      </a:endParaRPr>
                     </a:p>
                   </a:txBody>
                   <a:tcPr/>
@@ -13961,10 +14550,16 @@
                     <a:lstStyle/>
                     <a:p>
                       <a:r>
-                        <a:rPr lang="en-US" altLang="ja-JP" sz="3200" dirty="0"/>
+                        <a:rPr lang="en-US" altLang="ja-JP" sz="3200" dirty="0">
+                          <a:latin typeface="Hiragino Sans W4" panose="020B0400000000000000" pitchFamily="34" charset="-128"/>
+                          <a:ea typeface="Hiragino Sans W4" panose="020B0400000000000000" pitchFamily="34" charset="-128"/>
+                        </a:rPr>
                         <a:t>0.0185850…</a:t>
                       </a:r>
-                      <a:endParaRPr kumimoji="1" lang="ja-JP" altLang="en-US" sz="3200"/>
+                      <a:endParaRPr kumimoji="1" lang="ja-JP" altLang="en-US" sz="3200">
+                        <a:latin typeface="Hiragino Sans W4" panose="020B0400000000000000" pitchFamily="34" charset="-128"/>
+                        <a:ea typeface="Hiragino Sans W4" panose="020B0400000000000000" pitchFamily="34" charset="-128"/>
+                      </a:endParaRPr>
                     </a:p>
                   </a:txBody>
                   <a:tcPr/>
@@ -13975,17 +14570,23 @@
                   </a:ext>
                 </a:extLst>
               </a:tr>
-              <a:tr h="687733">
+              <a:tr h="692086">
                 <a:tc>
                   <a:txBody>
                     <a:bodyPr/>
                     <a:lstStyle/>
                     <a:p>
                       <a:r>
-                        <a:rPr lang="ja-JP" altLang="en-US" sz="3200"/>
+                        <a:rPr lang="ja-JP" altLang="en-US" sz="3200">
+                          <a:latin typeface="Hiragino Sans W4" panose="020B0400000000000000" pitchFamily="34" charset="-128"/>
+                          <a:ea typeface="Hiragino Sans W4" panose="020B0400000000000000" pitchFamily="34" charset="-128"/>
+                        </a:rPr>
                         <a:t>見学 </a:t>
                       </a:r>
-                      <a:endParaRPr kumimoji="1" lang="ja-JP" altLang="en-US" sz="3200"/>
+                      <a:endParaRPr kumimoji="1" lang="ja-JP" altLang="en-US" sz="3200">
+                        <a:latin typeface="Hiragino Sans W4" panose="020B0400000000000000" pitchFamily="34" charset="-128"/>
+                        <a:ea typeface="Hiragino Sans W4" panose="020B0400000000000000" pitchFamily="34" charset="-128"/>
+                      </a:endParaRPr>
                     </a:p>
                   </a:txBody>
                   <a:tcPr/>
@@ -13996,7 +14597,10 @@
                     <a:lstStyle/>
                     <a:p>
                       <a:r>
-                        <a:rPr lang="en-US" altLang="ja-JP" sz="3200" dirty="0"/>
+                        <a:rPr lang="en-US" altLang="ja-JP" sz="3200" dirty="0">
+                          <a:latin typeface="Hiragino Sans W4" panose="020B0400000000000000" pitchFamily="34" charset="-128"/>
+                          <a:ea typeface="Hiragino Sans W4" panose="020B0400000000000000" pitchFamily="34" charset="-128"/>
+                        </a:rPr>
                         <a:t>0.0123906…</a:t>
                       </a:r>
                     </a:p>
@@ -14009,17 +14613,23 @@
                   </a:ext>
                 </a:extLst>
               </a:tr>
-              <a:tr h="687733">
+              <a:tr h="692086">
                 <a:tc>
                   <a:txBody>
                     <a:bodyPr/>
                     <a:lstStyle/>
                     <a:p>
                       <a:r>
-                        <a:rPr lang="ja-JP" altLang="en-US" sz="3200"/>
+                        <a:rPr lang="ja-JP" altLang="en-US" sz="3200">
+                          <a:latin typeface="Hiragino Sans W4" panose="020B0400000000000000" pitchFamily="34" charset="-128"/>
+                          <a:ea typeface="Hiragino Sans W4" panose="020B0400000000000000" pitchFamily="34" charset="-128"/>
+                        </a:rPr>
                         <a:t>作品 </a:t>
                       </a:r>
-                      <a:endParaRPr kumimoji="1" lang="ja-JP" altLang="en-US" sz="3200"/>
+                      <a:endParaRPr kumimoji="1" lang="ja-JP" altLang="en-US" sz="3200">
+                        <a:latin typeface="Hiragino Sans W4" panose="020B0400000000000000" pitchFamily="34" charset="-128"/>
+                        <a:ea typeface="Hiragino Sans W4" panose="020B0400000000000000" pitchFamily="34" charset="-128"/>
+                      </a:endParaRPr>
                     </a:p>
                   </a:txBody>
                   <a:tcPr/>
@@ -14030,7 +14640,10 @@
                     <a:lstStyle/>
                     <a:p>
                       <a:r>
-                        <a:rPr lang="en-US" altLang="ja-JP" sz="3200" dirty="0"/>
+                        <a:rPr lang="en-US" altLang="ja-JP" sz="3200" dirty="0">
+                          <a:latin typeface="Hiragino Sans W4" panose="020B0400000000000000" pitchFamily="34" charset="-128"/>
+                          <a:ea typeface="Hiragino Sans W4" panose="020B0400000000000000" pitchFamily="34" charset="-128"/>
+                        </a:rPr>
                         <a:t>0.0095898…</a:t>
                       </a:r>
                     </a:p>
@@ -14061,7 +14674,7 @@
         </p:nvSpPr>
         <p:spPr>
           <a:xfrm>
-            <a:off x="17732500" y="33177553"/>
+            <a:off x="18738340" y="33177553"/>
             <a:ext cx="1871880" cy="843133"/>
           </a:xfrm>
           <a:prstGeom prst="rightArrow">
@@ -14101,7 +14714,10 @@
           <a:lstStyle/>
           <a:p>
             <a:pPr algn="ctr"/>
-            <a:endParaRPr kumimoji="1" lang="ja-JP" altLang="en-US"/>
+            <a:endParaRPr kumimoji="1" lang="ja-JP" altLang="en-US">
+              <a:latin typeface="Hiragino Sans W4" panose="020B0400000000000000" pitchFamily="34" charset="-128"/>
+              <a:ea typeface="Hiragino Sans W4" panose="020B0400000000000000" pitchFamily="34" charset="-128"/>
+            </a:endParaRPr>
           </a:p>
         </p:txBody>
       </p:sp>

--- a/notebooks/interrim_presentattion_poster.pptx
+++ b/notebooks/interrim_presentattion_poster.pptx
@@ -306,7 +306,7 @@
           <a:p>
             <a:fld id="{0AFE82F3-11D5-F944-89E9-B99917A57139}" type="datetimeFigureOut">
               <a:rPr kumimoji="1" lang="ja-JP" altLang="en-US" smtClean="0"/>
-              <a:t>2018/7/24</a:t>
+              <a:t>2018/7/26</a:t>
             </a:fld>
             <a:endParaRPr kumimoji="1" lang="ja-JP" altLang="en-US"/>
           </a:p>
@@ -1009,6 +1009,36 @@
               <a:rPr kumimoji="1" lang="ja-JP" altLang="en-US"/>
               <a:t>が黄金ルートと呼ばれる東京・大阪・京都に宿泊しており、そのうちの半数は東京に宿泊しています。</a:t>
             </a:r>
+            <a:endParaRPr kumimoji="1" lang="en-US" altLang="ja-JP" dirty="0"/>
+          </a:p>
+          <a:p>
+            <a:r>
+              <a:rPr kumimoji="1" lang="ja-JP" altLang="en-US"/>
+              <a:t>例として海外旅行客をあげましたが、日本国内で旅行を考えている人も同様で</a:t>
+            </a:r>
+          </a:p>
+          <a:p>
+            <a:pPr marL="171450" indent="-171450">
+              <a:buFontTx/>
+              <a:buChar char="-"/>
+            </a:pPr>
+            <a:r>
+              <a:rPr kumimoji="1" lang="ja-JP" altLang="en-US"/>
+              <a:t>地方の魅力を適切に伝えたり受け取ったりする機会は比較的に少ないと考えられます。</a:t>
+            </a:r>
+          </a:p>
+          <a:p>
+            <a:endParaRPr kumimoji="1" lang="ja-JP" altLang="en-US"/>
+          </a:p>
+          <a:p>
+            <a:r>
+              <a:rPr kumimoji="1" lang="en-US" altLang="ja-JP" dirty="0"/>
+              <a:t>#### </a:t>
+            </a:r>
+            <a:r>
+              <a:rPr kumimoji="1" lang="ja-JP" altLang="en-US"/>
+              <a:t>レコメンドの現状</a:t>
+            </a:r>
           </a:p>
           <a:p>
             <a:r>
@@ -1017,7 +1047,53 @@
             </a:r>
             <a:r>
               <a:rPr kumimoji="1" lang="ja-JP" altLang="en-US"/>
-              <a:t>地方の魅力を適切に伝えたり受け取ったりすることは外国人観光客だけでなく、国内の観光客にとっても困難です</a:t>
+              <a:t>レコメンドの現状としては</a:t>
+            </a:r>
+          </a:p>
+          <a:p>
+            <a:r>
+              <a:rPr kumimoji="1" lang="ja-JP" altLang="en-US"/>
+              <a:t>  </a:t>
+            </a:r>
+            <a:r>
+              <a:rPr kumimoji="1" lang="en-US" altLang="ja-JP" dirty="0"/>
+              <a:t>- </a:t>
+            </a:r>
+            <a:r>
+              <a:rPr kumimoji="1" lang="ja-JP" altLang="en-US"/>
+              <a:t>著名なもの</a:t>
+            </a:r>
+            <a:r>
+              <a:rPr kumimoji="1" lang="en-US" altLang="ja-JP" dirty="0"/>
+              <a:t>2</a:t>
+            </a:r>
+            <a:r>
+              <a:rPr kumimoji="1" lang="ja-JP" altLang="en-US"/>
+              <a:t>つあげるとコンテンツベースレコメンドと協調フィルタリングがあり、</a:t>
+            </a:r>
+          </a:p>
+          <a:p>
+            <a:r>
+              <a:rPr kumimoji="1" lang="ja-JP" altLang="en-US"/>
+              <a:t>  </a:t>
+            </a:r>
+            <a:r>
+              <a:rPr kumimoji="1" lang="en-US" altLang="ja-JP" dirty="0"/>
+              <a:t>- </a:t>
+            </a:r>
+            <a:r>
+              <a:rPr kumimoji="1" lang="ja-JP" altLang="en-US"/>
+              <a:t>コンテンツベースレコメンドとは、コンテンツの類似度からレコメンドを算出するもので、協調フィルタリングは過去の行動履歴を他の人の類似した行動履歴を用いてレコメンドを算出するものです。</a:t>
+            </a:r>
+          </a:p>
+          <a:p>
+            <a:r>
+              <a:rPr kumimoji="1" lang="en-US" altLang="ja-JP" dirty="0"/>
+              <a:t>- </a:t>
+            </a:r>
+            <a:r>
+              <a:rPr kumimoji="1" lang="ja-JP" altLang="en-US"/>
+              <a:t>これらの問題点としては、コンテンツベースのレコメンドに関しては、レコメンドの結果に多様性が生まれないということが挙げられ、協調フィルタリングに関しては、履歴を元にしているので人気のないスポットがレコメンドされにくいということが挙げられます</a:t>
             </a:r>
           </a:p>
           <a:p>
@@ -1030,7 +1106,7 @@
             </a:r>
             <a:r>
               <a:rPr kumimoji="1" lang="ja-JP" altLang="en-US"/>
-              <a:t>レコメンドの現状</a:t>
+              <a:t>レビューを利用したレコメンド</a:t>
             </a:r>
           </a:p>
           <a:p>
@@ -1040,76 +1116,38 @@
             </a:r>
             <a:r>
               <a:rPr kumimoji="1" lang="ja-JP" altLang="en-US"/>
-              <a:t>レコメンドの現状としては</a:t>
-            </a:r>
-          </a:p>
-          <a:p>
+              <a:t>そして今回のレビューを利用したレコメンドでは、レビューに含まれるコンテンツや、形容詞等に含まれる感情から多様性のあるレコメンドを算出することで、この目的を満たせると考えています</a:t>
+            </a:r>
+            <a:endParaRPr kumimoji="1" lang="en-US" altLang="ja-JP" dirty="0"/>
+          </a:p>
+          <a:p>
+            <a:endParaRPr kumimoji="1" lang="en-US" altLang="ja-JP" dirty="0"/>
+          </a:p>
+          <a:p>
+            <a:r>
+              <a:rPr kumimoji="1" lang="en-US" altLang="ja-JP" dirty="0"/>
+              <a:t>1</a:t>
+            </a:r>
             <a:r>
               <a:rPr kumimoji="1" lang="ja-JP" altLang="en-US"/>
-              <a:t>  </a:t>
+              <a:t>回目</a:t>
             </a:r>
             <a:r>
               <a:rPr kumimoji="1" lang="en-US" altLang="ja-JP" dirty="0"/>
-              <a:t>- </a:t>
-            </a:r>
+              <a:t>6m30s1</a:t>
+            </a:r>
+          </a:p>
+          <a:p>
             <a:r>
               <a:rPr kumimoji="1" lang="ja-JP" altLang="en-US"/>
-              <a:t>著名なもの</a:t>
-            </a:r>
-            <a:r>
-              <a:rPr kumimoji="1" lang="en-US" altLang="ja-JP" dirty="0"/>
-              <a:t>2</a:t>
-            </a:r>
+              <a:t>トピックの説明</a:t>
+            </a:r>
+            <a:endParaRPr kumimoji="1" lang="en-US" altLang="ja-JP" dirty="0"/>
+          </a:p>
+          <a:p>
             <a:r>
               <a:rPr kumimoji="1" lang="ja-JP" altLang="en-US"/>
-              <a:t>つあげるとコンテンツベースレコメンドと協調フィルタリングがあり、</a:t>
-            </a:r>
-          </a:p>
-          <a:p>
-            <a:r>
-              <a:rPr kumimoji="1" lang="ja-JP" altLang="en-US"/>
-              <a:t>  </a:t>
-            </a:r>
-            <a:r>
-              <a:rPr kumimoji="1" lang="en-US" altLang="ja-JP" dirty="0"/>
-              <a:t>- </a:t>
-            </a:r>
-            <a:r>
-              <a:rPr kumimoji="1" lang="ja-JP" altLang="en-US"/>
-              <a:t>コンテンツベースレコメンドとは、コンテンツの類似度からレコメンドを算出するもので、協調フィルタリングは過去の行動履歴を他の人の類似した行動履歴を用いてレコメンドを算出するものです。</a:t>
-            </a:r>
-          </a:p>
-          <a:p>
-            <a:r>
-              <a:rPr kumimoji="1" lang="en-US" altLang="ja-JP" dirty="0"/>
-              <a:t>- </a:t>
-            </a:r>
-            <a:r>
-              <a:rPr kumimoji="1" lang="ja-JP" altLang="en-US"/>
-              <a:t>これらの問題点としては、コンテンツベースのレコメンドに関しては、レコメンドの結果に多様性が生まれないということが挙げられ、協調フィルタリングに関しては、履歴を元にしているので人気のないスポットがレコメンドされにくいということが挙げられます</a:t>
-            </a:r>
-          </a:p>
-          <a:p>
-            <a:endParaRPr kumimoji="1" lang="ja-JP" altLang="en-US"/>
-          </a:p>
-          <a:p>
-            <a:r>
-              <a:rPr kumimoji="1" lang="en-US" altLang="ja-JP" dirty="0"/>
-              <a:t>#### </a:t>
-            </a:r>
-            <a:r>
-              <a:rPr kumimoji="1" lang="ja-JP" altLang="en-US"/>
-              <a:t>レビューを利用したレコメンド</a:t>
-            </a:r>
-          </a:p>
-          <a:p>
-            <a:r>
-              <a:rPr kumimoji="1" lang="en-US" altLang="ja-JP" dirty="0"/>
-              <a:t>- </a:t>
-            </a:r>
-            <a:r>
-              <a:rPr kumimoji="1" lang="ja-JP" altLang="en-US"/>
-              <a:t>そして今回のレビューを利用したレコメンドでは、レビューに含まれるコンテンツや、形容詞等に含まれる感情から多様性のあるレコメンドを算出することで、この目的を満たせると考えています</a:t>
+              <a:t>教え方</a:t>
             </a:r>
             <a:endParaRPr kumimoji="1" lang="en-US" altLang="ja-JP" dirty="0"/>
           </a:p>
@@ -1220,15 +1258,67 @@
             <a:endParaRPr kumimoji="1" lang="en-US" altLang="ja-JP" dirty="0"/>
           </a:p>
           <a:p>
+            <a:r>
+              <a:rPr kumimoji="1" lang="ja-JP" altLang="en-US"/>
+              <a:t>トピックモデル説明</a:t>
+            </a:r>
             <a:endParaRPr kumimoji="1" lang="en-US" altLang="ja-JP" dirty="0"/>
           </a:p>
           <a:p>
+            <a:r>
+              <a:rPr kumimoji="1" lang="ja-JP" altLang="en-US"/>
+              <a:t>・系で説明する</a:t>
+            </a:r>
             <a:endParaRPr kumimoji="1" lang="en-US" altLang="ja-JP" dirty="0"/>
           </a:p>
           <a:p>
+            <a:r>
+              <a:rPr kumimoji="1" lang="ja-JP" altLang="en-US"/>
+              <a:t>・番号だけ出されるとよくわからない</a:t>
+            </a:r>
             <a:endParaRPr kumimoji="1" lang="en-US" altLang="ja-JP" dirty="0"/>
           </a:p>
           <a:p>
+            <a:r>
+              <a:rPr kumimoji="1" lang="ja-JP" altLang="en-US"/>
+              <a:t>・赤レンガだけじゃなくて森の美術館とか出す</a:t>
+            </a:r>
+            <a:r>
+              <a:rPr kumimoji="1" lang="en-US" altLang="ja-JP" dirty="0"/>
+              <a:t>(</a:t>
+            </a:r>
+            <a:r>
+              <a:rPr kumimoji="1" lang="ja-JP" altLang="en-US"/>
+              <a:t>だけにてるやつ</a:t>
+            </a:r>
+            <a:r>
+              <a:rPr kumimoji="1" lang="en-US" altLang="ja-JP" dirty="0"/>
+              <a:t>)</a:t>
+            </a:r>
+          </a:p>
+          <a:p>
+            <a:r>
+              <a:rPr kumimoji="1" lang="en-US" altLang="ja-JP" dirty="0"/>
+              <a:t>e</a:t>
+            </a:r>
+            <a:r>
+              <a:rPr kumimoji="1" lang="ja-JP" altLang="en-US"/>
+              <a:t>・特徴語辞書、コーパスいらない</a:t>
+            </a:r>
+            <a:endParaRPr kumimoji="1" lang="en-US" altLang="ja-JP" dirty="0"/>
+          </a:p>
+          <a:p>
+            <a:r>
+              <a:rPr kumimoji="1" lang="ja-JP" altLang="en-US"/>
+              <a:t>・履歴を元にしているので</a:t>
+            </a:r>
+            <a:endParaRPr kumimoji="1" lang="en-US" altLang="ja-JP" dirty="0"/>
+          </a:p>
+          <a:p>
+            <a:r>
+              <a:rPr kumimoji="1" lang="ja-JP" altLang="en-US"/>
+              <a:t>・展トピック番号じゃなくて</a:t>
+            </a:r>
             <a:endParaRPr kumimoji="1" lang="en-US" altLang="ja-JP" dirty="0"/>
           </a:p>
         </p:txBody>
@@ -1400,7 +1490,7 @@
           <a:p>
             <a:fld id="{70296414-D4AB-0445-AC9A-286031D4AA46}" type="datetimeFigureOut">
               <a:rPr kumimoji="1" lang="ja-JP" altLang="en-US" smtClean="0"/>
-              <a:t>2018/7/24</a:t>
+              <a:t>2018/7/26</a:t>
             </a:fld>
             <a:endParaRPr kumimoji="1" lang="ja-JP" altLang="en-US"/>
           </a:p>
@@ -1602,7 +1692,7 @@
           <a:p>
             <a:fld id="{70296414-D4AB-0445-AC9A-286031D4AA46}" type="datetimeFigureOut">
               <a:rPr kumimoji="1" lang="ja-JP" altLang="en-US" smtClean="0"/>
-              <a:t>2018/7/24</a:t>
+              <a:t>2018/7/26</a:t>
             </a:fld>
             <a:endParaRPr kumimoji="1" lang="ja-JP" altLang="en-US"/>
           </a:p>
@@ -1814,7 +1904,7 @@
           <a:p>
             <a:fld id="{70296414-D4AB-0445-AC9A-286031D4AA46}" type="datetimeFigureOut">
               <a:rPr kumimoji="1" lang="ja-JP" altLang="en-US" smtClean="0"/>
-              <a:t>2018/7/24</a:t>
+              <a:t>2018/7/26</a:t>
             </a:fld>
             <a:endParaRPr kumimoji="1" lang="ja-JP" altLang="en-US"/>
           </a:p>
@@ -2016,7 +2106,7 @@
           <a:p>
             <a:fld id="{70296414-D4AB-0445-AC9A-286031D4AA46}" type="datetimeFigureOut">
               <a:rPr kumimoji="1" lang="ja-JP" altLang="en-US" smtClean="0"/>
-              <a:t>2018/7/24</a:t>
+              <a:t>2018/7/26</a:t>
             </a:fld>
             <a:endParaRPr kumimoji="1" lang="ja-JP" altLang="en-US"/>
           </a:p>
@@ -2260,7 +2350,7 @@
           <a:p>
             <a:fld id="{70296414-D4AB-0445-AC9A-286031D4AA46}" type="datetimeFigureOut">
               <a:rPr kumimoji="1" lang="ja-JP" altLang="en-US" smtClean="0"/>
-              <a:t>2018/7/24</a:t>
+              <a:t>2018/7/26</a:t>
             </a:fld>
             <a:endParaRPr kumimoji="1" lang="ja-JP" altLang="en-US"/>
           </a:p>
@@ -2556,7 +2646,7 @@
           <a:p>
             <a:fld id="{70296414-D4AB-0445-AC9A-286031D4AA46}" type="datetimeFigureOut">
               <a:rPr kumimoji="1" lang="ja-JP" altLang="en-US" smtClean="0"/>
-              <a:t>2018/7/24</a:t>
+              <a:t>2018/7/26</a:t>
             </a:fld>
             <a:endParaRPr kumimoji="1" lang="ja-JP" altLang="en-US"/>
           </a:p>
@@ -2987,7 +3077,7 @@
           <a:p>
             <a:fld id="{70296414-D4AB-0445-AC9A-286031D4AA46}" type="datetimeFigureOut">
               <a:rPr kumimoji="1" lang="ja-JP" altLang="en-US" smtClean="0"/>
-              <a:t>2018/7/24</a:t>
+              <a:t>2018/7/26</a:t>
             </a:fld>
             <a:endParaRPr kumimoji="1" lang="ja-JP" altLang="en-US"/>
           </a:p>
@@ -3105,7 +3195,7 @@
           <a:p>
             <a:fld id="{70296414-D4AB-0445-AC9A-286031D4AA46}" type="datetimeFigureOut">
               <a:rPr kumimoji="1" lang="ja-JP" altLang="en-US" smtClean="0"/>
-              <a:t>2018/7/24</a:t>
+              <a:t>2018/7/26</a:t>
             </a:fld>
             <a:endParaRPr kumimoji="1" lang="ja-JP" altLang="en-US"/>
           </a:p>
@@ -3200,7 +3290,7 @@
           <a:p>
             <a:fld id="{70296414-D4AB-0445-AC9A-286031D4AA46}" type="datetimeFigureOut">
               <a:rPr kumimoji="1" lang="ja-JP" altLang="en-US" smtClean="0"/>
-              <a:t>2018/7/24</a:t>
+              <a:t>2018/7/26</a:t>
             </a:fld>
             <a:endParaRPr kumimoji="1" lang="ja-JP" altLang="en-US"/>
           </a:p>
@@ -3509,7 +3599,7 @@
           <a:p>
             <a:fld id="{70296414-D4AB-0445-AC9A-286031D4AA46}" type="datetimeFigureOut">
               <a:rPr kumimoji="1" lang="ja-JP" altLang="en-US" smtClean="0"/>
-              <a:t>2018/7/24</a:t>
+              <a:t>2018/7/26</a:t>
             </a:fld>
             <a:endParaRPr kumimoji="1" lang="ja-JP" altLang="en-US"/>
           </a:p>
@@ -3766,7 +3856,7 @@
           <a:p>
             <a:fld id="{70296414-D4AB-0445-AC9A-286031D4AA46}" type="datetimeFigureOut">
               <a:rPr kumimoji="1" lang="ja-JP" altLang="en-US" smtClean="0"/>
-              <a:t>2018/7/24</a:t>
+              <a:t>2018/7/26</a:t>
             </a:fld>
             <a:endParaRPr kumimoji="1" lang="ja-JP" altLang="en-US"/>
           </a:p>
@@ -4011,7 +4101,7 @@
           <a:p>
             <a:fld id="{70296414-D4AB-0445-AC9A-286031D4AA46}" type="datetimeFigureOut">
               <a:rPr kumimoji="1" lang="ja-JP" altLang="en-US" smtClean="0"/>
-              <a:t>2018/7/24</a:t>
+              <a:t>2018/7/26</a:t>
             </a:fld>
             <a:endParaRPr kumimoji="1" lang="ja-JP" altLang="en-US"/>
           </a:p>
@@ -7387,7 +7477,7 @@
         </p:nvSpPr>
         <p:spPr>
           <a:xfrm>
-            <a:off x="15802695" y="20387384"/>
+            <a:off x="15528345" y="20415462"/>
             <a:ext cx="2541080" cy="646331"/>
           </a:xfrm>
           <a:prstGeom prst="rect">
@@ -12517,16 +12607,6 @@
             <a:r>
               <a:rPr lang="ja-JP" altLang="en-US" sz="4800" b="1">
                 <a:solidFill>
-                  <a:srgbClr val="EF0023"/>
-                </a:solidFill>
-                <a:latin typeface="Hiragino Sans W4" panose="020B0400000000000000" pitchFamily="34" charset="-128"/>
-                <a:ea typeface="Hiragino Sans W4" panose="020B0400000000000000" pitchFamily="34" charset="-128"/>
-              </a:rPr>
-              <a:t>類似度</a:t>
-            </a:r>
-            <a:r>
-              <a:rPr lang="ja-JP" altLang="en-US" sz="4800" b="1">
-                <a:solidFill>
                   <a:schemeClr val="accent6">
                     <a:lumMod val="75000"/>
                   </a:schemeClr>
@@ -12534,7 +12614,7 @@
                 <a:latin typeface="Hiragino Sans W4" panose="020B0400000000000000" pitchFamily="34" charset="-128"/>
                 <a:ea typeface="Hiragino Sans W4" panose="020B0400000000000000" pitchFamily="34" charset="-128"/>
               </a:rPr>
-              <a:t>算出</a:t>
+              <a:t>類似度算出</a:t>
             </a:r>
           </a:p>
         </p:txBody>

--- a/notebooks/interrim_presentattion_poster.pptx
+++ b/notebooks/interrim_presentattion_poster.pptx
@@ -1319,6 +1319,33 @@
               <a:rPr kumimoji="1" lang="ja-JP" altLang="en-US"/>
               <a:t>・展トピック番号じゃなくて</a:t>
             </a:r>
+            <a:endParaRPr kumimoji="1" lang="en-US" altLang="ja-JP" dirty="0"/>
+          </a:p>
+          <a:p>
+            <a:r>
+              <a:rPr kumimoji="1" lang="ja-JP" altLang="en-US"/>
+              <a:t>・黄金ルートに偏ってない？</a:t>
+            </a:r>
+            <a:endParaRPr kumimoji="1" lang="en-US" altLang="ja-JP" dirty="0"/>
+          </a:p>
+          <a:p>
+            <a:r>
+              <a:rPr kumimoji="1" lang="ja-JP" altLang="en-US"/>
+              <a:t>・レビューが少ない場所のトピックが偏りそう</a:t>
+            </a:r>
+            <a:endParaRPr kumimoji="1" lang="en-US" altLang="ja-JP" dirty="0"/>
+          </a:p>
+          <a:p>
+            <a:r>
+              <a:rPr kumimoji="1" lang="ja-JP" altLang="en-US"/>
+              <a:t>・季節を反映</a:t>
+            </a:r>
+            <a:endParaRPr kumimoji="1" lang="en-US" altLang="ja-JP" dirty="0"/>
+          </a:p>
+          <a:p>
+            <a:endParaRPr kumimoji="1" lang="en-US" altLang="ja-JP" dirty="0"/>
+          </a:p>
+          <a:p>
             <a:endParaRPr kumimoji="1" lang="en-US" altLang="ja-JP" dirty="0"/>
           </a:p>
         </p:txBody>
@@ -11279,7 +11306,7 @@
         </p:nvSpPr>
         <p:spPr>
           <a:xfrm>
-            <a:off x="2099709" y="24086268"/>
+            <a:off x="2099709" y="24247632"/>
             <a:ext cx="6279820" cy="1021127"/>
           </a:xfrm>
           <a:prstGeom prst="rect">
@@ -11367,7 +11394,7 @@
         </p:nvSpPr>
         <p:spPr>
           <a:xfrm>
-            <a:off x="2099709" y="25099003"/>
+            <a:off x="2099709" y="25260367"/>
             <a:ext cx="6279820" cy="4928918"/>
           </a:xfrm>
           <a:prstGeom prst="rect">
@@ -11426,8 +11453,8 @@
         </p:nvSpPr>
         <p:spPr>
           <a:xfrm>
-            <a:off x="2323176" y="25711736"/>
-            <a:ext cx="5832884" cy="3785652"/>
+            <a:off x="2323177" y="26944945"/>
+            <a:ext cx="5832884" cy="1323439"/>
           </a:xfrm>
           <a:prstGeom prst="rect">
             <a:avLst/>
@@ -11455,92 +11482,6 @@
               <a:t>品詞の原形を抽出</a:t>
             </a:r>
             <a:endParaRPr lang="en-US" altLang="ja-JP" sz="4000" dirty="0">
-              <a:latin typeface="Hiragino Sans W4" panose="020B0400000000000000" pitchFamily="34" charset="-128"/>
-              <a:ea typeface="Hiragino Sans W4" panose="020B0400000000000000" pitchFamily="34" charset="-128"/>
-            </a:endParaRPr>
-          </a:p>
-          <a:p>
-            <a:endParaRPr kumimoji="1" lang="en-US" altLang="ja-JP" sz="4000" dirty="0">
-              <a:latin typeface="Hiragino Sans W4" panose="020B0400000000000000" pitchFamily="34" charset="-128"/>
-              <a:ea typeface="Hiragino Sans W4" panose="020B0400000000000000" pitchFamily="34" charset="-128"/>
-            </a:endParaRPr>
-          </a:p>
-          <a:p>
-            <a:endParaRPr kumimoji="1" lang="en-US" altLang="ja-JP" sz="4000" dirty="0">
-              <a:latin typeface="Hiragino Sans W4" panose="020B0400000000000000" pitchFamily="34" charset="-128"/>
-              <a:ea typeface="Hiragino Sans W4" panose="020B0400000000000000" pitchFamily="34" charset="-128"/>
-            </a:endParaRPr>
-          </a:p>
-          <a:p>
-            <a:r>
-              <a:rPr lang="ja-JP" altLang="en-US" sz="4000">
-                <a:latin typeface="Hiragino Sans W4" panose="020B0400000000000000" pitchFamily="34" charset="-128"/>
-                <a:ea typeface="Hiragino Sans W4" panose="020B0400000000000000" pitchFamily="34" charset="-128"/>
-              </a:rPr>
-              <a:t>特徴語辞書、コーパスを作成</a:t>
-            </a:r>
-            <a:endParaRPr kumimoji="1" lang="ja-JP" altLang="en-US" sz="4000">
-              <a:latin typeface="Hiragino Sans W4" panose="020B0400000000000000" pitchFamily="34" charset="-128"/>
-              <a:ea typeface="Hiragino Sans W4" panose="020B0400000000000000" pitchFamily="34" charset="-128"/>
-            </a:endParaRPr>
-          </a:p>
-        </p:txBody>
-      </p:sp>
-      <p:sp>
-        <p:nvSpPr>
-          <p:cNvPr id="113" name="右矢印 112">
-            <a:extLst>
-              <a:ext uri="{FF2B5EF4-FFF2-40B4-BE49-F238E27FC236}">
-                <a16:creationId xmlns:a16="http://schemas.microsoft.com/office/drawing/2014/main" id="{C8DDB770-96C6-8A4D-A900-6B7021ECCDF7}"/>
-              </a:ext>
-            </a:extLst>
-          </p:cNvPr>
-          <p:cNvSpPr/>
-          <p:nvPr/>
-        </p:nvSpPr>
-        <p:spPr>
-          <a:xfrm rot="5400000">
-            <a:off x="4803362" y="27093985"/>
-            <a:ext cx="940246" cy="843133"/>
-          </a:xfrm>
-          <a:prstGeom prst="rightArrow">
-            <a:avLst/>
-          </a:prstGeom>
-          <a:solidFill>
-            <a:schemeClr val="accent6">
-              <a:lumMod val="75000"/>
-            </a:schemeClr>
-          </a:solidFill>
-          <a:ln>
-            <a:solidFill>
-              <a:schemeClr val="accent6">
-                <a:lumMod val="75000"/>
-              </a:schemeClr>
-            </a:solidFill>
-          </a:ln>
-        </p:spPr>
-        <p:style>
-          <a:lnRef idx="2">
-            <a:schemeClr val="accent1">
-              <a:shade val="50000"/>
-            </a:schemeClr>
-          </a:lnRef>
-          <a:fillRef idx="1">
-            <a:schemeClr val="accent1"/>
-          </a:fillRef>
-          <a:effectRef idx="0">
-            <a:schemeClr val="accent1"/>
-          </a:effectRef>
-          <a:fontRef idx="minor">
-            <a:schemeClr val="lt1"/>
-          </a:fontRef>
-        </p:style>
-        <p:txBody>
-          <a:bodyPr rtlCol="0" anchor="ctr"/>
-          <a:lstStyle/>
-          <a:p>
-            <a:pPr algn="ctr"/>
-            <a:endParaRPr kumimoji="1" lang="ja-JP" altLang="en-US">
               <a:latin typeface="Hiragino Sans W4" panose="020B0400000000000000" pitchFamily="34" charset="-128"/>
               <a:ea typeface="Hiragino Sans W4" panose="020B0400000000000000" pitchFamily="34" charset="-128"/>
             </a:endParaRPr>
@@ -11561,7 +11502,7 @@
         </p:nvSpPr>
         <p:spPr>
           <a:xfrm rot="5400000">
-            <a:off x="11258456" y="27161275"/>
+            <a:off x="11258456" y="27322639"/>
             <a:ext cx="1014154" cy="965694"/>
           </a:xfrm>
           <a:prstGeom prst="rightArrow">
@@ -11622,7 +11563,7 @@
         </p:nvSpPr>
         <p:spPr>
           <a:xfrm>
-            <a:off x="8734006" y="24103058"/>
+            <a:off x="8734006" y="24264422"/>
             <a:ext cx="12600000" cy="1021127"/>
           </a:xfrm>
           <a:prstGeom prst="rect">
@@ -11720,7 +11661,7 @@
         </p:nvSpPr>
         <p:spPr>
           <a:xfrm>
-            <a:off x="8734006" y="25120741"/>
+            <a:off x="8734006" y="25282105"/>
             <a:ext cx="12600000" cy="4928918"/>
           </a:xfrm>
           <a:prstGeom prst="rect">
@@ -11779,7 +11720,7 @@
         </p:nvSpPr>
         <p:spPr>
           <a:xfrm>
-            <a:off x="9183233" y="25692374"/>
+            <a:off x="9183233" y="25853738"/>
             <a:ext cx="11577033" cy="3785652"/>
           </a:xfrm>
           <a:prstGeom prst="rect">
@@ -12081,7 +12022,7 @@
         </p:nvSpPr>
         <p:spPr>
           <a:xfrm rot="5400000">
-            <a:off x="14707330" y="27713648"/>
+            <a:off x="14707330" y="27875012"/>
             <a:ext cx="940246" cy="843133"/>
           </a:xfrm>
           <a:prstGeom prst="rightArrow">
@@ -12554,7 +12495,7 @@
         </p:nvSpPr>
         <p:spPr>
           <a:xfrm>
-            <a:off x="21728813" y="24099614"/>
+            <a:off x="21728813" y="24260978"/>
             <a:ext cx="6279820" cy="1021127"/>
           </a:xfrm>
           <a:prstGeom prst="rect">
@@ -12633,7 +12574,7 @@
         </p:nvSpPr>
         <p:spPr>
           <a:xfrm>
-            <a:off x="21728813" y="25121096"/>
+            <a:off x="21728813" y="25282460"/>
             <a:ext cx="6279820" cy="4928918"/>
           </a:xfrm>
           <a:prstGeom prst="rect">
@@ -12692,7 +12633,7 @@
         </p:nvSpPr>
         <p:spPr>
           <a:xfrm>
-            <a:off x="21902592" y="26481296"/>
+            <a:off x="21902592" y="26642660"/>
             <a:ext cx="5946979" cy="1938992"/>
           </a:xfrm>
           <a:prstGeom prst="rect">
@@ -12711,7 +12652,7 @@
                 <a:latin typeface="Hiragino Sans W4" panose="020B0400000000000000" pitchFamily="34" charset="-128"/>
                 <a:ea typeface="Hiragino Sans W4" panose="020B0400000000000000" pitchFamily="34" charset="-128"/>
               </a:rPr>
-              <a:t>各レビュー文書の</a:t>
+              <a:t>各スポットの</a:t>
             </a:r>
             <a:endParaRPr lang="en-US" altLang="ja-JP" sz="4000" dirty="0">
               <a:latin typeface="Hiragino Sans W4" panose="020B0400000000000000" pitchFamily="34" charset="-128"/>
@@ -13179,13 +13120,13 @@
           <p:nvPr>
             <p:extLst>
               <p:ext uri="{D42A27DB-BD31-4B8C-83A1-F6EECF244321}">
-                <p14:modId xmlns:p14="http://schemas.microsoft.com/office/powerpoint/2010/main" val="1810530699"/>
+                <p14:modId xmlns:p14="http://schemas.microsoft.com/office/powerpoint/2010/main" val="4251162657"/>
               </p:ext>
             </p:extLst>
           </p:nvPr>
         </p:nvGraphicFramePr>
         <p:xfrm>
-          <a:off x="2122580" y="31872493"/>
+          <a:off x="2122580" y="32033857"/>
           <a:ext cx="4479690" cy="3391652"/>
         </p:xfrm>
         <a:graphic>
@@ -13671,7 +13612,7 @@
         </p:nvSpPr>
         <p:spPr>
           <a:xfrm>
-            <a:off x="2898026" y="31072264"/>
+            <a:off x="2898026" y="31233628"/>
             <a:ext cx="2954655" cy="646331"/>
           </a:xfrm>
           <a:prstGeom prst="rect">
@@ -13713,7 +13654,7 @@
         </p:nvSpPr>
         <p:spPr>
           <a:xfrm>
-            <a:off x="7743385" y="31089856"/>
+            <a:off x="7743385" y="31251220"/>
             <a:ext cx="2954655" cy="646331"/>
           </a:xfrm>
           <a:prstGeom prst="rect">
@@ -13752,13 +13693,13 @@
           <p:nvPr>
             <p:extLst>
               <p:ext uri="{D42A27DB-BD31-4B8C-83A1-F6EECF244321}">
-                <p14:modId xmlns:p14="http://schemas.microsoft.com/office/powerpoint/2010/main" val="3974778773"/>
+                <p14:modId xmlns:p14="http://schemas.microsoft.com/office/powerpoint/2010/main" val="710657566"/>
               </p:ext>
             </p:extLst>
           </p:nvPr>
         </p:nvGraphicFramePr>
         <p:xfrm>
-          <a:off x="7024490" y="31872493"/>
+          <a:off x="7024490" y="32033857"/>
           <a:ext cx="4392446" cy="3376688"/>
         </p:xfrm>
         <a:graphic>
@@ -14018,7 +13959,7 @@
         </p:nvSpPr>
         <p:spPr>
           <a:xfrm>
-            <a:off x="16907150" y="31072265"/>
+            <a:off x="16907150" y="31233629"/>
             <a:ext cx="1569660" cy="646331"/>
           </a:xfrm>
           <a:prstGeom prst="rect">
@@ -14056,7 +13997,7 @@
         </p:nvSpPr>
         <p:spPr>
           <a:xfrm>
-            <a:off x="16901147" y="33306753"/>
+            <a:off x="16901147" y="33468117"/>
             <a:ext cx="1569660" cy="646331"/>
           </a:xfrm>
           <a:prstGeom prst="rect">
@@ -14094,7 +14035,7 @@
         </p:nvSpPr>
         <p:spPr>
           <a:xfrm>
-            <a:off x="20555992" y="31059695"/>
+            <a:off x="20555992" y="31221059"/>
             <a:ext cx="7109639" cy="646331"/>
           </a:xfrm>
           <a:prstGeom prst="rect">
@@ -14154,13 +14095,13 @@
           <p:nvPr>
             <p:extLst>
               <p:ext uri="{D42A27DB-BD31-4B8C-83A1-F6EECF244321}">
-                <p14:modId xmlns:p14="http://schemas.microsoft.com/office/powerpoint/2010/main" val="91052304"/>
+                <p14:modId xmlns:p14="http://schemas.microsoft.com/office/powerpoint/2010/main" val="637599253"/>
               </p:ext>
             </p:extLst>
           </p:nvPr>
         </p:nvGraphicFramePr>
         <p:xfrm>
-          <a:off x="21354843" y="31872493"/>
+          <a:off x="21354843" y="32033857"/>
           <a:ext cx="5829862" cy="3376686"/>
         </p:xfrm>
         <a:graphic>
@@ -14438,7 +14379,7 @@
         </p:nvSpPr>
         <p:spPr>
           <a:xfrm>
-            <a:off x="12685782" y="31101164"/>
+            <a:off x="12685782" y="31262528"/>
             <a:ext cx="2954655" cy="646331"/>
           </a:xfrm>
           <a:prstGeom prst="rect">
@@ -14488,13 +14429,13 @@
           <p:nvPr>
             <p:extLst>
               <p:ext uri="{D42A27DB-BD31-4B8C-83A1-F6EECF244321}">
-                <p14:modId xmlns:p14="http://schemas.microsoft.com/office/powerpoint/2010/main" val="3217440112"/>
+                <p14:modId xmlns:p14="http://schemas.microsoft.com/office/powerpoint/2010/main" val="3996096006"/>
               </p:ext>
             </p:extLst>
           </p:nvPr>
         </p:nvGraphicFramePr>
         <p:xfrm>
-          <a:off x="11911343" y="31902255"/>
+          <a:off x="11911343" y="32063619"/>
           <a:ext cx="4411931" cy="3347464"/>
         </p:xfrm>
         <a:graphic>
@@ -14754,7 +14695,7 @@
         </p:nvSpPr>
         <p:spPr>
           <a:xfrm>
-            <a:off x="18738340" y="33177553"/>
+            <a:off x="18738340" y="33338917"/>
             <a:ext cx="1871880" cy="843133"/>
           </a:xfrm>
           <a:prstGeom prst="rightArrow">

--- a/notebooks/interrim_presentattion_poster.pptx
+++ b/notebooks/interrim_presentattion_poster.pptx
@@ -306,7 +306,7 @@
           <a:p>
             <a:fld id="{0AFE82F3-11D5-F944-89E9-B99917A57139}" type="datetimeFigureOut">
               <a:rPr kumimoji="1" lang="ja-JP" altLang="en-US" smtClean="0"/>
-              <a:t>2018/7/26</a:t>
+              <a:t>2018/7/31</a:t>
             </a:fld>
             <a:endParaRPr kumimoji="1" lang="ja-JP" altLang="en-US"/>
           </a:p>
@@ -1517,7 +1517,7 @@
           <a:p>
             <a:fld id="{70296414-D4AB-0445-AC9A-286031D4AA46}" type="datetimeFigureOut">
               <a:rPr kumimoji="1" lang="ja-JP" altLang="en-US" smtClean="0"/>
-              <a:t>2018/7/26</a:t>
+              <a:t>2018/7/31</a:t>
             </a:fld>
             <a:endParaRPr kumimoji="1" lang="ja-JP" altLang="en-US"/>
           </a:p>
@@ -1719,7 +1719,7 @@
           <a:p>
             <a:fld id="{70296414-D4AB-0445-AC9A-286031D4AA46}" type="datetimeFigureOut">
               <a:rPr kumimoji="1" lang="ja-JP" altLang="en-US" smtClean="0"/>
-              <a:t>2018/7/26</a:t>
+              <a:t>2018/7/31</a:t>
             </a:fld>
             <a:endParaRPr kumimoji="1" lang="ja-JP" altLang="en-US"/>
           </a:p>
@@ -1931,7 +1931,7 @@
           <a:p>
             <a:fld id="{70296414-D4AB-0445-AC9A-286031D4AA46}" type="datetimeFigureOut">
               <a:rPr kumimoji="1" lang="ja-JP" altLang="en-US" smtClean="0"/>
-              <a:t>2018/7/26</a:t>
+              <a:t>2018/7/31</a:t>
             </a:fld>
             <a:endParaRPr kumimoji="1" lang="ja-JP" altLang="en-US"/>
           </a:p>
@@ -2133,7 +2133,7 @@
           <a:p>
             <a:fld id="{70296414-D4AB-0445-AC9A-286031D4AA46}" type="datetimeFigureOut">
               <a:rPr kumimoji="1" lang="ja-JP" altLang="en-US" smtClean="0"/>
-              <a:t>2018/7/26</a:t>
+              <a:t>2018/7/31</a:t>
             </a:fld>
             <a:endParaRPr kumimoji="1" lang="ja-JP" altLang="en-US"/>
           </a:p>
@@ -2377,7 +2377,7 @@
           <a:p>
             <a:fld id="{70296414-D4AB-0445-AC9A-286031D4AA46}" type="datetimeFigureOut">
               <a:rPr kumimoji="1" lang="ja-JP" altLang="en-US" smtClean="0"/>
-              <a:t>2018/7/26</a:t>
+              <a:t>2018/7/31</a:t>
             </a:fld>
             <a:endParaRPr kumimoji="1" lang="ja-JP" altLang="en-US"/>
           </a:p>
@@ -2673,7 +2673,7 @@
           <a:p>
             <a:fld id="{70296414-D4AB-0445-AC9A-286031D4AA46}" type="datetimeFigureOut">
               <a:rPr kumimoji="1" lang="ja-JP" altLang="en-US" smtClean="0"/>
-              <a:t>2018/7/26</a:t>
+              <a:t>2018/7/31</a:t>
             </a:fld>
             <a:endParaRPr kumimoji="1" lang="ja-JP" altLang="en-US"/>
           </a:p>
@@ -3104,7 +3104,7 @@
           <a:p>
             <a:fld id="{70296414-D4AB-0445-AC9A-286031D4AA46}" type="datetimeFigureOut">
               <a:rPr kumimoji="1" lang="ja-JP" altLang="en-US" smtClean="0"/>
-              <a:t>2018/7/26</a:t>
+              <a:t>2018/7/31</a:t>
             </a:fld>
             <a:endParaRPr kumimoji="1" lang="ja-JP" altLang="en-US"/>
           </a:p>
@@ -3222,7 +3222,7 @@
           <a:p>
             <a:fld id="{70296414-D4AB-0445-AC9A-286031D4AA46}" type="datetimeFigureOut">
               <a:rPr kumimoji="1" lang="ja-JP" altLang="en-US" smtClean="0"/>
-              <a:t>2018/7/26</a:t>
+              <a:t>2018/7/31</a:t>
             </a:fld>
             <a:endParaRPr kumimoji="1" lang="ja-JP" altLang="en-US"/>
           </a:p>
@@ -3317,7 +3317,7 @@
           <a:p>
             <a:fld id="{70296414-D4AB-0445-AC9A-286031D4AA46}" type="datetimeFigureOut">
               <a:rPr kumimoji="1" lang="ja-JP" altLang="en-US" smtClean="0"/>
-              <a:t>2018/7/26</a:t>
+              <a:t>2018/7/31</a:t>
             </a:fld>
             <a:endParaRPr kumimoji="1" lang="ja-JP" altLang="en-US"/>
           </a:p>
@@ -3626,7 +3626,7 @@
           <a:p>
             <a:fld id="{70296414-D4AB-0445-AC9A-286031D4AA46}" type="datetimeFigureOut">
               <a:rPr kumimoji="1" lang="ja-JP" altLang="en-US" smtClean="0"/>
-              <a:t>2018/7/26</a:t>
+              <a:t>2018/7/31</a:t>
             </a:fld>
             <a:endParaRPr kumimoji="1" lang="ja-JP" altLang="en-US"/>
           </a:p>
@@ -3883,7 +3883,7 @@
           <a:p>
             <a:fld id="{70296414-D4AB-0445-AC9A-286031D4AA46}" type="datetimeFigureOut">
               <a:rPr kumimoji="1" lang="ja-JP" altLang="en-US" smtClean="0"/>
-              <a:t>2018/7/26</a:t>
+              <a:t>2018/7/31</a:t>
             </a:fld>
             <a:endParaRPr kumimoji="1" lang="ja-JP" altLang="en-US"/>
           </a:p>
@@ -4128,7 +4128,7 @@
           <a:p>
             <a:fld id="{70296414-D4AB-0445-AC9A-286031D4AA46}" type="datetimeFigureOut">
               <a:rPr kumimoji="1" lang="ja-JP" altLang="en-US" smtClean="0"/>
-              <a:t>2018/7/26</a:t>
+              <a:t>2018/7/31</a:t>
             </a:fld>
             <a:endParaRPr kumimoji="1" lang="ja-JP" altLang="en-US"/>
           </a:p>
@@ -6553,20 +6553,10 @@
           <a:p>
             <a:r>
               <a:rPr lang="ja-JP" altLang="en-US" sz="3600">
-                <a:solidFill>
-                  <a:srgbClr val="FF0000"/>
-                </a:solidFill>
                 <a:latin typeface="Hiragino Sans W4" panose="020B0400000000000000" pitchFamily="34" charset="-128"/>
                 <a:ea typeface="Hiragino Sans W4" panose="020B0400000000000000" pitchFamily="34" charset="-128"/>
               </a:rPr>
-              <a:t>履歴</a:t>
-            </a:r>
-            <a:r>
-              <a:rPr lang="ja-JP" altLang="en-US" sz="3600">
-                <a:latin typeface="Hiragino Sans W4" panose="020B0400000000000000" pitchFamily="34" charset="-128"/>
-                <a:ea typeface="Hiragino Sans W4" panose="020B0400000000000000" pitchFamily="34" charset="-128"/>
-              </a:rPr>
-              <a:t>を元にしているので、人気のないスポットはレコメンドされにくい</a:t>
+              <a:t>レコメンドの結果に対して理由づけがなされない</a:t>
             </a:r>
             <a:r>
               <a:rPr lang="ja-JP" altLang="en-US" sz="4400">
@@ -11306,8 +11296,8 @@
         </p:nvSpPr>
         <p:spPr>
           <a:xfrm>
-            <a:off x="2099709" y="24247632"/>
-            <a:ext cx="6279820" cy="1021127"/>
+            <a:off x="2185161" y="25101905"/>
+            <a:ext cx="12600000" cy="1021127"/>
           </a:xfrm>
           <a:prstGeom prst="rect">
             <a:avLst/>
@@ -11394,8 +11384,8 @@
         </p:nvSpPr>
         <p:spPr>
           <a:xfrm>
-            <a:off x="2099709" y="25260367"/>
-            <a:ext cx="6279820" cy="4928918"/>
+            <a:off x="2185161" y="26114639"/>
+            <a:ext cx="12600000" cy="1152000"/>
           </a:xfrm>
           <a:prstGeom prst="rect">
             <a:avLst/>
@@ -11453,8 +11443,8 @@
         </p:nvSpPr>
         <p:spPr>
           <a:xfrm>
-            <a:off x="2323177" y="26944945"/>
-            <a:ext cx="5832884" cy="1323439"/>
+            <a:off x="4238055" y="26390210"/>
+            <a:ext cx="8781106" cy="734059"/>
           </a:xfrm>
           <a:prstGeom prst="rect">
             <a:avLst/>
@@ -11502,7 +11492,7 @@
         </p:nvSpPr>
         <p:spPr>
           <a:xfrm rot="5400000">
-            <a:off x="11258456" y="27322639"/>
+            <a:off x="4709611" y="30695194"/>
             <a:ext cx="1014154" cy="965694"/>
           </a:xfrm>
           <a:prstGeom prst="rightArrow">
@@ -11563,7 +11553,7 @@
         </p:nvSpPr>
         <p:spPr>
           <a:xfrm>
-            <a:off x="8734006" y="24264422"/>
+            <a:off x="2185161" y="27636977"/>
             <a:ext cx="12600000" cy="1021127"/>
           </a:xfrm>
           <a:prstGeom prst="rect">
@@ -11661,8 +11651,8 @@
         </p:nvSpPr>
         <p:spPr>
           <a:xfrm>
-            <a:off x="8734006" y="25282105"/>
-            <a:ext cx="12600000" cy="4928918"/>
+            <a:off x="2185161" y="28654660"/>
+            <a:ext cx="12600000" cy="4448192"/>
           </a:xfrm>
           <a:prstGeom prst="rect">
             <a:avLst/>
@@ -11720,7 +11710,7 @@
         </p:nvSpPr>
         <p:spPr>
           <a:xfrm>
-            <a:off x="9183233" y="25853738"/>
+            <a:off x="2788525" y="28955438"/>
             <a:ext cx="11577033" cy="3785652"/>
           </a:xfrm>
           <a:prstGeom prst="rect">
@@ -12022,7 +12012,7 @@
         </p:nvSpPr>
         <p:spPr>
           <a:xfrm rot="5400000">
-            <a:off x="14707330" y="27875012"/>
+            <a:off x="8158485" y="31247567"/>
             <a:ext cx="940246" cy="843133"/>
           </a:xfrm>
           <a:prstGeom prst="rightArrow">
@@ -12495,8 +12485,8 @@
         </p:nvSpPr>
         <p:spPr>
           <a:xfrm>
-            <a:off x="21728813" y="24260978"/>
-            <a:ext cx="6279820" cy="1021127"/>
+            <a:off x="2185161" y="33514125"/>
+            <a:ext cx="12600000" cy="1021127"/>
           </a:xfrm>
           <a:prstGeom prst="rect">
             <a:avLst/>
@@ -12574,8 +12564,8 @@
         </p:nvSpPr>
         <p:spPr>
           <a:xfrm>
-            <a:off x="21728813" y="25282460"/>
-            <a:ext cx="6279820" cy="4928918"/>
+            <a:off x="2185161" y="34535607"/>
+            <a:ext cx="12600000" cy="1152000"/>
           </a:xfrm>
           <a:prstGeom prst="rect">
             <a:avLst/>
@@ -12633,8 +12623,8 @@
         </p:nvSpPr>
         <p:spPr>
           <a:xfrm>
-            <a:off x="21902592" y="26642660"/>
-            <a:ext cx="5946979" cy="1938992"/>
+            <a:off x="3208789" y="34852124"/>
+            <a:ext cx="10660221" cy="707886"/>
           </a:xfrm>
           <a:prstGeom prst="rect">
             <a:avLst/>
@@ -12652,20 +12642,7 @@
                 <a:latin typeface="Hiragino Sans W4" panose="020B0400000000000000" pitchFamily="34" charset="-128"/>
                 <a:ea typeface="Hiragino Sans W4" panose="020B0400000000000000" pitchFamily="34" charset="-128"/>
               </a:rPr>
-              <a:t>各スポットの</a:t>
-            </a:r>
-            <a:endParaRPr lang="en-US" altLang="ja-JP" sz="4000" dirty="0">
-              <a:latin typeface="Hiragino Sans W4" panose="020B0400000000000000" pitchFamily="34" charset="-128"/>
-              <a:ea typeface="Hiragino Sans W4" panose="020B0400000000000000" pitchFamily="34" charset="-128"/>
-            </a:endParaRPr>
-          </a:p>
-          <a:p>
-            <a:r>
-              <a:rPr lang="ja-JP" altLang="en-US" sz="4000">
-                <a:latin typeface="Hiragino Sans W4" panose="020B0400000000000000" pitchFamily="34" charset="-128"/>
-                <a:ea typeface="Hiragino Sans W4" panose="020B0400000000000000" pitchFamily="34" charset="-128"/>
-              </a:rPr>
-              <a:t>トピックの分布の類似度を算出</a:t>
+              <a:t>各スポットのトピックの分布の類似度を算出</a:t>
             </a:r>
             <a:endParaRPr kumimoji="1" lang="en-US" altLang="ja-JP" sz="4000" dirty="0">
               <a:latin typeface="Hiragino Sans W4" panose="020B0400000000000000" pitchFamily="34" charset="-128"/>
@@ -13120,13 +13097,13 @@
           <p:nvPr>
             <p:extLst>
               <p:ext uri="{D42A27DB-BD31-4B8C-83A1-F6EECF244321}">
-                <p14:modId xmlns:p14="http://schemas.microsoft.com/office/powerpoint/2010/main" val="4251162657"/>
+                <p14:modId xmlns:p14="http://schemas.microsoft.com/office/powerpoint/2010/main" val="3094860152"/>
               </p:ext>
             </p:extLst>
           </p:nvPr>
         </p:nvGraphicFramePr>
         <p:xfrm>
-          <a:off x="2122580" y="32033857"/>
+          <a:off x="-58409406" y="24210876"/>
           <a:ext cx="4479690" cy="3391652"/>
         </p:xfrm>
         <a:graphic>
@@ -13612,7 +13589,7 @@
         </p:nvSpPr>
         <p:spPr>
           <a:xfrm>
-            <a:off x="2898026" y="31233628"/>
+            <a:off x="-57633960" y="23410647"/>
             <a:ext cx="2954655" cy="646331"/>
           </a:xfrm>
           <a:prstGeom prst="rect">
@@ -13654,7 +13631,7 @@
         </p:nvSpPr>
         <p:spPr>
           <a:xfrm>
-            <a:off x="7743385" y="31251220"/>
+            <a:off x="-52788601" y="23428239"/>
             <a:ext cx="2954655" cy="646331"/>
           </a:xfrm>
           <a:prstGeom prst="rect">
@@ -13693,13 +13670,13 @@
           <p:nvPr>
             <p:extLst>
               <p:ext uri="{D42A27DB-BD31-4B8C-83A1-F6EECF244321}">
-                <p14:modId xmlns:p14="http://schemas.microsoft.com/office/powerpoint/2010/main" val="710657566"/>
+                <p14:modId xmlns:p14="http://schemas.microsoft.com/office/powerpoint/2010/main" val="2332432679"/>
               </p:ext>
             </p:extLst>
           </p:nvPr>
         </p:nvGraphicFramePr>
         <p:xfrm>
-          <a:off x="7024490" y="32033857"/>
+          <a:off x="-53507496" y="24210876"/>
           <a:ext cx="4392446" cy="3376688"/>
         </p:xfrm>
         <a:graphic>
@@ -13959,7 +13936,7 @@
         </p:nvSpPr>
         <p:spPr>
           <a:xfrm>
-            <a:off x="16907150" y="31233629"/>
+            <a:off x="-43624836" y="23410648"/>
             <a:ext cx="1569660" cy="646331"/>
           </a:xfrm>
           <a:prstGeom prst="rect">
@@ -13997,7 +13974,7 @@
         </p:nvSpPr>
         <p:spPr>
           <a:xfrm>
-            <a:off x="16901147" y="33468117"/>
+            <a:off x="-43630839" y="25645136"/>
             <a:ext cx="1569660" cy="646331"/>
           </a:xfrm>
           <a:prstGeom prst="rect">
@@ -14035,7 +14012,7 @@
         </p:nvSpPr>
         <p:spPr>
           <a:xfrm>
-            <a:off x="20555992" y="31221059"/>
+            <a:off x="-39975994" y="23398078"/>
             <a:ext cx="7109639" cy="646331"/>
           </a:xfrm>
           <a:prstGeom prst="rect">
@@ -14095,13 +14072,13 @@
           <p:nvPr>
             <p:extLst>
               <p:ext uri="{D42A27DB-BD31-4B8C-83A1-F6EECF244321}">
-                <p14:modId xmlns:p14="http://schemas.microsoft.com/office/powerpoint/2010/main" val="637599253"/>
+                <p14:modId xmlns:p14="http://schemas.microsoft.com/office/powerpoint/2010/main" val="2477452845"/>
               </p:ext>
             </p:extLst>
           </p:nvPr>
         </p:nvGraphicFramePr>
         <p:xfrm>
-          <a:off x="21354843" y="32033857"/>
+          <a:off x="-39177143" y="24210876"/>
           <a:ext cx="5829862" cy="3376686"/>
         </p:xfrm>
         <a:graphic>
@@ -14379,7 +14356,7 @@
         </p:nvSpPr>
         <p:spPr>
           <a:xfrm>
-            <a:off x="12685782" y="31262528"/>
+            <a:off x="-47846204" y="23439547"/>
             <a:ext cx="2954655" cy="646331"/>
           </a:xfrm>
           <a:prstGeom prst="rect">
@@ -14429,13 +14406,13 @@
           <p:nvPr>
             <p:extLst>
               <p:ext uri="{D42A27DB-BD31-4B8C-83A1-F6EECF244321}">
-                <p14:modId xmlns:p14="http://schemas.microsoft.com/office/powerpoint/2010/main" val="3996096006"/>
+                <p14:modId xmlns:p14="http://schemas.microsoft.com/office/powerpoint/2010/main" val="3890842882"/>
               </p:ext>
             </p:extLst>
           </p:nvPr>
         </p:nvGraphicFramePr>
         <p:xfrm>
-          <a:off x="11911343" y="32063619"/>
+          <a:off x="-48620643" y="24240638"/>
           <a:ext cx="4411931" cy="3347464"/>
         </p:xfrm>
         <a:graphic>
@@ -14695,7 +14672,7 @@
         </p:nvSpPr>
         <p:spPr>
           <a:xfrm>
-            <a:off x="18738340" y="33338917"/>
+            <a:off x="-41793646" y="25515936"/>
             <a:ext cx="1871880" cy="843133"/>
           </a:xfrm>
           <a:prstGeom prst="rightArrow">
@@ -14739,6 +14716,525 @@
               <a:latin typeface="Hiragino Sans W4" panose="020B0400000000000000" pitchFamily="34" charset="-128"/>
               <a:ea typeface="Hiragino Sans W4" panose="020B0400000000000000" pitchFamily="34" charset="-128"/>
             </a:endParaRPr>
+          </a:p>
+        </p:txBody>
+      </p:sp>
+      <p:sp>
+        <p:nvSpPr>
+          <p:cNvPr id="131" name="正方形/長方形 130">
+            <a:extLst>
+              <a:ext uri="{FF2B5EF4-FFF2-40B4-BE49-F238E27FC236}">
+                <a16:creationId xmlns:a16="http://schemas.microsoft.com/office/drawing/2014/main" id="{3075F35A-DE06-4D4B-A69D-CB785433EA6F}"/>
+              </a:ext>
+            </a:extLst>
+          </p:cNvPr>
+          <p:cNvSpPr>
+            <a:spLocks/>
+          </p:cNvSpPr>
+          <p:nvPr/>
+        </p:nvSpPr>
+        <p:spPr>
+          <a:xfrm>
+            <a:off x="1846082" y="23870008"/>
+            <a:ext cx="26423736" cy="953082"/>
+          </a:xfrm>
+          <a:prstGeom prst="rect">
+            <a:avLst/>
+          </a:prstGeom>
+          <a:solidFill>
+            <a:schemeClr val="accent6">
+              <a:lumMod val="75000"/>
+            </a:schemeClr>
+          </a:solidFill>
+          <a:ln w="44450">
+            <a:solidFill>
+              <a:schemeClr val="accent6">
+                <a:lumMod val="75000"/>
+              </a:schemeClr>
+            </a:solidFill>
+          </a:ln>
+        </p:spPr>
+        <p:style>
+          <a:lnRef idx="2">
+            <a:schemeClr val="accent1">
+              <a:shade val="50000"/>
+            </a:schemeClr>
+          </a:lnRef>
+          <a:fillRef idx="1">
+            <a:schemeClr val="accent1"/>
+          </a:fillRef>
+          <a:effectRef idx="0">
+            <a:schemeClr val="accent1"/>
+          </a:effectRef>
+          <a:fontRef idx="minor">
+            <a:schemeClr val="lt1"/>
+          </a:fontRef>
+        </p:style>
+        <p:txBody>
+          <a:bodyPr rtlCol="0" anchor="ctr"/>
+          <a:lstStyle/>
+          <a:p>
+            <a:r>
+              <a:rPr kumimoji="1" lang="en-US" altLang="ja-JP" sz="6600" b="1" dirty="0">
+                <a:latin typeface="Hiragino Sans W4" panose="020B0400000000000000" pitchFamily="34" charset="-128"/>
+                <a:ea typeface="Hiragino Sans W4" panose="020B0400000000000000" pitchFamily="34" charset="-128"/>
+              </a:rPr>
+              <a:t>  </a:t>
+            </a:r>
+            <a:r>
+              <a:rPr lang="ja-JP" altLang="en-US" sz="4800" b="1">
+                <a:latin typeface="Hiragino Sans W4" panose="020B0400000000000000" pitchFamily="34" charset="-128"/>
+                <a:ea typeface="Hiragino Sans W4" panose="020B0400000000000000" pitchFamily="34" charset="-128"/>
+              </a:rPr>
+              <a:t>類似度算出</a:t>
+            </a:r>
+            <a:endParaRPr kumimoji="1" lang="ja-JP" altLang="en-US" sz="6600" b="1">
+              <a:latin typeface="Hiragino Sans W4" panose="020B0400000000000000" pitchFamily="34" charset="-128"/>
+              <a:ea typeface="Hiragino Sans W4" panose="020B0400000000000000" pitchFamily="34" charset="-128"/>
+            </a:endParaRPr>
+          </a:p>
+        </p:txBody>
+      </p:sp>
+      <p:sp>
+        <p:nvSpPr>
+          <p:cNvPr id="10" name="テキスト ボックス 9">
+            <a:extLst>
+              <a:ext uri="{FF2B5EF4-FFF2-40B4-BE49-F238E27FC236}">
+                <a16:creationId xmlns:a16="http://schemas.microsoft.com/office/drawing/2014/main" id="{15B8E1DC-4077-5D42-B75D-2ED4208D6BD8}"/>
+              </a:ext>
+            </a:extLst>
+          </p:cNvPr>
+          <p:cNvSpPr txBox="1"/>
+          <p:nvPr/>
+        </p:nvSpPr>
+        <p:spPr>
+          <a:xfrm>
+            <a:off x="15478660" y="25283642"/>
+            <a:ext cx="2085007" cy="830997"/>
+          </a:xfrm>
+          <a:prstGeom prst="rect">
+            <a:avLst/>
+          </a:prstGeom>
+          <a:noFill/>
+        </p:spPr>
+        <p:txBody>
+          <a:bodyPr wrap="square" rtlCol="0">
+            <a:spAutoFit/>
+          </a:bodyPr>
+          <a:lstStyle/>
+          <a:p>
+            <a:r>
+              <a:rPr lang="en-US" altLang="ja-JP" sz="4800" b="1" dirty="0">
+                <a:solidFill>
+                  <a:schemeClr val="accent6">
+                    <a:lumMod val="75000"/>
+                  </a:schemeClr>
+                </a:solidFill>
+                <a:latin typeface="Hiragino Sans W4" panose="020B0400000000000000" pitchFamily="34" charset="-128"/>
+                <a:ea typeface="Hiragino Sans W4" panose="020B0400000000000000" pitchFamily="34" charset="-128"/>
+              </a:rPr>
+              <a:t>②</a:t>
+            </a:r>
+            <a:endParaRPr kumimoji="1" lang="ja-JP" altLang="en-US" sz="4800" b="1">
+              <a:solidFill>
+                <a:schemeClr val="accent6">
+                  <a:lumMod val="75000"/>
+                </a:schemeClr>
+              </a:solidFill>
+              <a:latin typeface="Hiragino Sans W4" panose="020B0400000000000000" pitchFamily="34" charset="-128"/>
+              <a:ea typeface="Hiragino Sans W4" panose="020B0400000000000000" pitchFamily="34" charset="-128"/>
+            </a:endParaRPr>
+          </a:p>
+        </p:txBody>
+      </p:sp>
+      <p:cxnSp>
+        <p:nvCxnSpPr>
+          <p:cNvPr id="29" name="直線コネクタ 28">
+            <a:extLst>
+              <a:ext uri="{FF2B5EF4-FFF2-40B4-BE49-F238E27FC236}">
+                <a16:creationId xmlns:a16="http://schemas.microsoft.com/office/drawing/2014/main" id="{D2451818-06FA-B24D-90E3-8A02FBB36308}"/>
+              </a:ext>
+            </a:extLst>
+          </p:cNvPr>
+          <p:cNvCxnSpPr/>
+          <p:nvPr/>
+        </p:nvCxnSpPr>
+        <p:spPr>
+          <a:xfrm>
+            <a:off x="15136813" y="24823090"/>
+            <a:ext cx="0" cy="11143309"/>
+          </a:xfrm>
+          <a:prstGeom prst="line">
+            <a:avLst/>
+          </a:prstGeom>
+          <a:ln w="44450">
+            <a:solidFill>
+              <a:schemeClr val="accent6">
+                <a:lumMod val="75000"/>
+              </a:schemeClr>
+            </a:solidFill>
+          </a:ln>
+        </p:spPr>
+        <p:style>
+          <a:lnRef idx="1">
+            <a:schemeClr val="accent1"/>
+          </a:lnRef>
+          <a:fillRef idx="0">
+            <a:schemeClr val="accent1"/>
+          </a:fillRef>
+          <a:effectRef idx="0">
+            <a:schemeClr val="accent1"/>
+          </a:effectRef>
+          <a:fontRef idx="minor">
+            <a:schemeClr val="tx1"/>
+          </a:fontRef>
+        </p:style>
+      </p:cxnSp>
+      <p:sp>
+        <p:nvSpPr>
+          <p:cNvPr id="32" name="正方形/長方形 31">
+            <a:extLst>
+              <a:ext uri="{FF2B5EF4-FFF2-40B4-BE49-F238E27FC236}">
+                <a16:creationId xmlns:a16="http://schemas.microsoft.com/office/drawing/2014/main" id="{DCD4D1F2-8961-9F42-AF53-D4C910651392}"/>
+              </a:ext>
+            </a:extLst>
+          </p:cNvPr>
+          <p:cNvSpPr/>
+          <p:nvPr/>
+        </p:nvSpPr>
+        <p:spPr>
+          <a:xfrm>
+            <a:off x="16696435" y="26461066"/>
+            <a:ext cx="1036192" cy="1865171"/>
+          </a:xfrm>
+          <a:prstGeom prst="rect">
+            <a:avLst/>
+          </a:prstGeom>
+          <a:solidFill>
+            <a:schemeClr val="bg1"/>
+          </a:solidFill>
+          <a:ln>
+            <a:solidFill>
+              <a:schemeClr val="bg2">
+                <a:lumMod val="75000"/>
+              </a:schemeClr>
+            </a:solidFill>
+          </a:ln>
+        </p:spPr>
+        <p:style>
+          <a:lnRef idx="2">
+            <a:schemeClr val="accent1">
+              <a:shade val="50000"/>
+            </a:schemeClr>
+          </a:lnRef>
+          <a:fillRef idx="1">
+            <a:schemeClr val="accent1"/>
+          </a:fillRef>
+          <a:effectRef idx="0">
+            <a:schemeClr val="accent1"/>
+          </a:effectRef>
+          <a:fontRef idx="minor">
+            <a:schemeClr val="lt1"/>
+          </a:fontRef>
+        </p:style>
+        <p:txBody>
+          <a:bodyPr rtlCol="0" anchor="ctr"/>
+          <a:lstStyle/>
+          <a:p>
+            <a:pPr algn="ctr"/>
+            <a:endParaRPr kumimoji="1" lang="ja-JP" altLang="en-US"/>
+          </a:p>
+        </p:txBody>
+      </p:sp>
+      <p:sp>
+        <p:nvSpPr>
+          <p:cNvPr id="134" name="正方形/長方形 133">
+            <a:extLst>
+              <a:ext uri="{FF2B5EF4-FFF2-40B4-BE49-F238E27FC236}">
+                <a16:creationId xmlns:a16="http://schemas.microsoft.com/office/drawing/2014/main" id="{963A7C05-B878-7641-9B30-F7345833E573}"/>
+              </a:ext>
+            </a:extLst>
+          </p:cNvPr>
+          <p:cNvSpPr/>
+          <p:nvPr/>
+        </p:nvSpPr>
+        <p:spPr>
+          <a:xfrm>
+            <a:off x="16848835" y="26613466"/>
+            <a:ext cx="1036192" cy="1865171"/>
+          </a:xfrm>
+          <a:prstGeom prst="rect">
+            <a:avLst/>
+          </a:prstGeom>
+          <a:solidFill>
+            <a:schemeClr val="bg1"/>
+          </a:solidFill>
+          <a:ln>
+            <a:solidFill>
+              <a:schemeClr val="bg2">
+                <a:lumMod val="75000"/>
+              </a:schemeClr>
+            </a:solidFill>
+          </a:ln>
+        </p:spPr>
+        <p:style>
+          <a:lnRef idx="2">
+            <a:schemeClr val="accent1">
+              <a:shade val="50000"/>
+            </a:schemeClr>
+          </a:lnRef>
+          <a:fillRef idx="1">
+            <a:schemeClr val="accent1"/>
+          </a:fillRef>
+          <a:effectRef idx="0">
+            <a:schemeClr val="accent1"/>
+          </a:effectRef>
+          <a:fontRef idx="minor">
+            <a:schemeClr val="lt1"/>
+          </a:fontRef>
+        </p:style>
+        <p:txBody>
+          <a:bodyPr rtlCol="0" anchor="ctr"/>
+          <a:lstStyle/>
+          <a:p>
+            <a:pPr algn="ctr"/>
+            <a:endParaRPr kumimoji="1" lang="ja-JP" altLang="en-US"/>
+          </a:p>
+        </p:txBody>
+      </p:sp>
+      <p:sp>
+        <p:nvSpPr>
+          <p:cNvPr id="136" name="正方形/長方形 135">
+            <a:extLst>
+              <a:ext uri="{FF2B5EF4-FFF2-40B4-BE49-F238E27FC236}">
+                <a16:creationId xmlns:a16="http://schemas.microsoft.com/office/drawing/2014/main" id="{986F6CB6-B3E0-3142-A728-9B160C04DCEC}"/>
+              </a:ext>
+            </a:extLst>
+          </p:cNvPr>
+          <p:cNvSpPr/>
+          <p:nvPr/>
+        </p:nvSpPr>
+        <p:spPr>
+          <a:xfrm>
+            <a:off x="17001235" y="26765866"/>
+            <a:ext cx="1036192" cy="1865171"/>
+          </a:xfrm>
+          <a:prstGeom prst="rect">
+            <a:avLst/>
+          </a:prstGeom>
+          <a:solidFill>
+            <a:schemeClr val="bg1"/>
+          </a:solidFill>
+          <a:ln>
+            <a:solidFill>
+              <a:schemeClr val="bg2">
+                <a:lumMod val="75000"/>
+              </a:schemeClr>
+            </a:solidFill>
+          </a:ln>
+        </p:spPr>
+        <p:style>
+          <a:lnRef idx="2">
+            <a:schemeClr val="accent1">
+              <a:shade val="50000"/>
+            </a:schemeClr>
+          </a:lnRef>
+          <a:fillRef idx="1">
+            <a:schemeClr val="accent1"/>
+          </a:fillRef>
+          <a:effectRef idx="0">
+            <a:schemeClr val="accent1"/>
+          </a:effectRef>
+          <a:fontRef idx="minor">
+            <a:schemeClr val="lt1"/>
+          </a:fontRef>
+        </p:style>
+        <p:txBody>
+          <a:bodyPr rtlCol="0" anchor="ctr"/>
+          <a:lstStyle/>
+          <a:p>
+            <a:pPr algn="ctr"/>
+            <a:endParaRPr kumimoji="1" lang="ja-JP" altLang="en-US"/>
+          </a:p>
+        </p:txBody>
+      </p:sp>
+      <p:sp>
+        <p:nvSpPr>
+          <p:cNvPr id="37" name="テキスト ボックス 36">
+            <a:extLst>
+              <a:ext uri="{FF2B5EF4-FFF2-40B4-BE49-F238E27FC236}">
+                <a16:creationId xmlns:a16="http://schemas.microsoft.com/office/drawing/2014/main" id="{996BAA8B-4537-9A44-BFC9-9C8EFBE9108C}"/>
+              </a:ext>
+            </a:extLst>
+          </p:cNvPr>
+          <p:cNvSpPr txBox="1"/>
+          <p:nvPr/>
+        </p:nvSpPr>
+        <p:spPr>
+          <a:xfrm>
+            <a:off x="15631634" y="29014809"/>
+            <a:ext cx="3775393" cy="1323439"/>
+          </a:xfrm>
+          <a:prstGeom prst="rect">
+            <a:avLst/>
+          </a:prstGeom>
+          <a:noFill/>
+        </p:spPr>
+        <p:txBody>
+          <a:bodyPr wrap="none" rtlCol="0">
+            <a:spAutoFit/>
+          </a:bodyPr>
+          <a:lstStyle/>
+          <a:p>
+            <a:pPr algn="ctr"/>
+            <a:r>
+              <a:rPr kumimoji="1" lang="ja-JP" altLang="en-US" sz="4000">
+                <a:latin typeface="Hiragino Sans W4" panose="020B0400000000000000" pitchFamily="34" charset="-128"/>
+                <a:ea typeface="Hiragino Sans W4" panose="020B0400000000000000" pitchFamily="34" charset="-128"/>
+              </a:rPr>
+              <a:t>全スポットの</a:t>
+            </a:r>
+            <a:endParaRPr kumimoji="1" lang="en-US" altLang="ja-JP" sz="4000" dirty="0">
+              <a:latin typeface="Hiragino Sans W4" panose="020B0400000000000000" pitchFamily="34" charset="-128"/>
+              <a:ea typeface="Hiragino Sans W4" panose="020B0400000000000000" pitchFamily="34" charset="-128"/>
+            </a:endParaRPr>
+          </a:p>
+          <a:p>
+            <a:pPr algn="ctr"/>
+            <a:r>
+              <a:rPr kumimoji="1" lang="ja-JP" altLang="en-US" sz="4000">
+                <a:latin typeface="Hiragino Sans W4" panose="020B0400000000000000" pitchFamily="34" charset="-128"/>
+                <a:ea typeface="Hiragino Sans W4" panose="020B0400000000000000" pitchFamily="34" charset="-128"/>
+              </a:rPr>
+              <a:t>レビュー文書群</a:t>
+            </a:r>
+          </a:p>
+        </p:txBody>
+      </p:sp>
+      <p:sp>
+        <p:nvSpPr>
+          <p:cNvPr id="147" name="右矢印 146">
+            <a:extLst>
+              <a:ext uri="{FF2B5EF4-FFF2-40B4-BE49-F238E27FC236}">
+                <a16:creationId xmlns:a16="http://schemas.microsoft.com/office/drawing/2014/main" id="{16C5FAC7-4811-D948-837C-6DCFE8BD24B2}"/>
+              </a:ext>
+            </a:extLst>
+          </p:cNvPr>
+          <p:cNvSpPr/>
+          <p:nvPr/>
+        </p:nvSpPr>
+        <p:spPr>
+          <a:xfrm>
+            <a:off x="19113275" y="27358447"/>
+            <a:ext cx="3006810" cy="936000"/>
+          </a:xfrm>
+          <a:prstGeom prst="rightArrow">
+            <a:avLst/>
+          </a:prstGeom>
+          <a:solidFill>
+            <a:schemeClr val="accent6">
+              <a:lumMod val="75000"/>
+            </a:schemeClr>
+          </a:solidFill>
+          <a:ln>
+            <a:solidFill>
+              <a:schemeClr val="accent6">
+                <a:lumMod val="75000"/>
+              </a:schemeClr>
+            </a:solidFill>
+          </a:ln>
+        </p:spPr>
+        <p:style>
+          <a:lnRef idx="2">
+            <a:schemeClr val="accent1">
+              <a:shade val="50000"/>
+            </a:schemeClr>
+          </a:lnRef>
+          <a:fillRef idx="1">
+            <a:schemeClr val="accent1"/>
+          </a:fillRef>
+          <a:effectRef idx="0">
+            <a:schemeClr val="accent1"/>
+          </a:effectRef>
+          <a:fontRef idx="minor">
+            <a:schemeClr val="lt1"/>
+          </a:fontRef>
+        </p:style>
+        <p:txBody>
+          <a:bodyPr rtlCol="0" anchor="ctr"/>
+          <a:lstStyle/>
+          <a:p>
+            <a:pPr algn="ctr"/>
+            <a:endParaRPr kumimoji="1" lang="ja-JP" altLang="en-US">
+              <a:latin typeface="Hiragino Sans W4" panose="020B0400000000000000" pitchFamily="34" charset="-128"/>
+              <a:ea typeface="Hiragino Sans W4" panose="020B0400000000000000" pitchFamily="34" charset="-128"/>
+            </a:endParaRPr>
+          </a:p>
+        </p:txBody>
+      </p:sp>
+      <p:sp>
+        <p:nvSpPr>
+          <p:cNvPr id="39" name="テキスト ボックス 38">
+            <a:extLst>
+              <a:ext uri="{FF2B5EF4-FFF2-40B4-BE49-F238E27FC236}">
+                <a16:creationId xmlns:a16="http://schemas.microsoft.com/office/drawing/2014/main" id="{EACB70D1-5317-AD47-B8D4-862941FFFB69}"/>
+              </a:ext>
+            </a:extLst>
+          </p:cNvPr>
+          <p:cNvSpPr txBox="1"/>
+          <p:nvPr/>
+        </p:nvSpPr>
+        <p:spPr>
+          <a:xfrm>
+            <a:off x="18263131" y="26688353"/>
+            <a:ext cx="5414706" cy="646331"/>
+          </a:xfrm>
+          <a:prstGeom prst="rect">
+            <a:avLst/>
+          </a:prstGeom>
+          <a:noFill/>
+        </p:spPr>
+        <p:txBody>
+          <a:bodyPr wrap="square" rtlCol="0">
+            <a:spAutoFit/>
+          </a:bodyPr>
+          <a:lstStyle/>
+          <a:p>
+            <a:r>
+              <a:rPr kumimoji="1" lang="ja-JP" altLang="en-US" sz="3600">
+                <a:latin typeface="Hiragino Sans W4" panose="020B0400000000000000" pitchFamily="34" charset="-128"/>
+                <a:ea typeface="Hiragino Sans W4" panose="020B0400000000000000" pitchFamily="34" charset="-128"/>
+              </a:rPr>
+              <a:t>トピック</a:t>
+            </a:r>
+            <a:r>
+              <a:rPr kumimoji="1" lang="en-US" altLang="ja-JP" sz="3600" dirty="0">
+                <a:latin typeface="Hiragino Sans W4" panose="020B0400000000000000" pitchFamily="34" charset="-128"/>
+                <a:ea typeface="Hiragino Sans W4" panose="020B0400000000000000" pitchFamily="34" charset="-128"/>
+              </a:rPr>
+              <a:t>(</a:t>
+            </a:r>
+            <a:r>
+              <a:rPr kumimoji="1" lang="ja-JP" altLang="en-US" sz="3600">
+                <a:latin typeface="Hiragino Sans W4" panose="020B0400000000000000" pitchFamily="34" charset="-128"/>
+                <a:ea typeface="Hiragino Sans W4" panose="020B0400000000000000" pitchFamily="34" charset="-128"/>
+              </a:rPr>
+              <a:t>話題</a:t>
+            </a:r>
+            <a:r>
+              <a:rPr kumimoji="1" lang="en-US" altLang="ja-JP" sz="3600" dirty="0">
+                <a:latin typeface="Hiragino Sans W4" panose="020B0400000000000000" pitchFamily="34" charset="-128"/>
+                <a:ea typeface="Hiragino Sans W4" panose="020B0400000000000000" pitchFamily="34" charset="-128"/>
+              </a:rPr>
+              <a:t>)</a:t>
+            </a:r>
+            <a:r>
+              <a:rPr kumimoji="1" lang="ja-JP" altLang="en-US" sz="3600">
+                <a:latin typeface="Hiragino Sans W4" panose="020B0400000000000000" pitchFamily="34" charset="-128"/>
+                <a:ea typeface="Hiragino Sans W4" panose="020B0400000000000000" pitchFamily="34" charset="-128"/>
+              </a:rPr>
+              <a:t>を抽出</a:t>
+            </a:r>
           </a:p>
         </p:txBody>
       </p:sp>

--- a/notebooks/interrim_presentattion_poster.pptx
+++ b/notebooks/interrim_presentattion_poster.pptx
@@ -1087,19 +1087,21 @@
             </a:r>
           </a:p>
           <a:p>
-            <a:r>
-              <a:rPr kumimoji="1" lang="en-US" altLang="ja-JP" dirty="0"/>
-              <a:t>- </a:t>
-            </a:r>
+            <a:pPr marL="171450" indent="-171450">
+              <a:buFontTx/>
+              <a:buChar char="-"/>
+            </a:pPr>
             <a:r>
               <a:rPr kumimoji="1" lang="ja-JP" altLang="en-US"/>
-              <a:t>これらの問題点としては、コンテンツベースのレコメンドに関しては、レコメンドの結果に多様性が生まれないということが挙げられ、協調フィルタリングに関しては、履歴を元にしているので人気のないスポットがレコメンドされにくいということが挙げられます</a:t>
-            </a:r>
-          </a:p>
-          <a:p>
-            <a:endParaRPr kumimoji="1" lang="ja-JP" altLang="en-US"/>
-          </a:p>
-          <a:p>
+              <a:t>これらの問題点としては、コンテンツベースのレコメンドに関しては、レコメンドの結果に多様性が生まれないということが挙げられ、協調フィルタリングに関しては、レコメンドの結果に対して理由づけがなされないのでなぜこの商品、観光スポットがレコメンドされているかということがわかりづらかったり、結局履歴を元にしている関係でコンテンツベースのレコメンドと近くなったりします</a:t>
+            </a:r>
+            <a:endParaRPr kumimoji="1" lang="en-US" altLang="ja-JP" dirty="0"/>
+          </a:p>
+          <a:p>
+            <a:pPr marL="171450" indent="-171450">
+              <a:buFontTx/>
+              <a:buChar char="-"/>
+            </a:pPr>
             <a:r>
               <a:rPr kumimoji="1" lang="en-US" altLang="ja-JP" dirty="0"/>
               <a:t>#### </a:t>
@@ -4555,7 +4557,7 @@
         </p:blipFill>
         <p:spPr>
           <a:xfrm>
-            <a:off x="24340938" y="19941475"/>
+            <a:off x="24340938" y="19575715"/>
             <a:ext cx="3149898" cy="3244964"/>
           </a:xfrm>
           <a:prstGeom prst="rect">
@@ -4577,7 +4579,7 @@
         </p:nvSpPr>
         <p:spPr>
           <a:xfrm>
-            <a:off x="12120183" y="19699931"/>
+            <a:off x="12120183" y="19334171"/>
             <a:ext cx="6175502" cy="3666029"/>
           </a:xfrm>
           <a:prstGeom prst="roundRect">
@@ -5695,8 +5697,8 @@
         </p:nvSpPr>
         <p:spPr>
           <a:xfrm>
-            <a:off x="1386425" y="826482"/>
-            <a:ext cx="27643015" cy="3821118"/>
+            <a:off x="1219847" y="826482"/>
+            <a:ext cx="27808498" cy="3821118"/>
           </a:xfrm>
           <a:prstGeom prst="rect">
             <a:avLst/>
@@ -5894,8 +5896,8 @@
         </p:nvSpPr>
         <p:spPr>
           <a:xfrm>
-            <a:off x="1261958" y="6038622"/>
-            <a:ext cx="27766388" cy="1398979"/>
+            <a:off x="1240176" y="6038622"/>
+            <a:ext cx="27788169" cy="1398979"/>
           </a:xfrm>
           <a:prstGeom prst="rect">
             <a:avLst/>
@@ -6556,7 +6558,7 @@
                 <a:latin typeface="Hiragino Sans W4" panose="020B0400000000000000" pitchFamily="34" charset="-128"/>
                 <a:ea typeface="Hiragino Sans W4" panose="020B0400000000000000" pitchFamily="34" charset="-128"/>
               </a:rPr>
-              <a:t>レコメンドの結果に対して理由づけがなされない</a:t>
+              <a:t>レコメンドの結果に対して理由付けがなされない</a:t>
             </a:r>
             <a:r>
               <a:rPr lang="ja-JP" altLang="en-US" sz="4400">
@@ -7191,8 +7193,8 @@
         </p:nvSpPr>
         <p:spPr>
           <a:xfrm>
-            <a:off x="2044800" y="17331144"/>
-            <a:ext cx="21432470" cy="1155060"/>
+            <a:off x="2041497" y="17102146"/>
+            <a:ext cx="18643245" cy="1015663"/>
           </a:xfrm>
           <a:prstGeom prst="rect">
             <a:avLst/>
@@ -7206,20 +7208,20 @@
           <a:lstStyle/>
           <a:p>
             <a:r>
-              <a:rPr kumimoji="1" lang="ja-JP" altLang="en-US">
+              <a:rPr kumimoji="1" lang="ja-JP" altLang="en-US" sz="6000">
                 <a:latin typeface="Hiragino Sans W4" panose="020B0400000000000000" pitchFamily="34" charset="-128"/>
                 <a:ea typeface="Hiragino Sans W4" panose="020B0400000000000000" pitchFamily="34" charset="-128"/>
               </a:rPr>
               <a:t>構築環境：</a:t>
             </a:r>
             <a:r>
-              <a:rPr lang="en-US" altLang="ja-JP" dirty="0">
+              <a:rPr lang="en-US" altLang="ja-JP" sz="6000" dirty="0">
                 <a:latin typeface="Hiragino Sans W4" panose="020B0400000000000000" pitchFamily="34" charset="-128"/>
                 <a:ea typeface="Hiragino Sans W4" panose="020B0400000000000000" pitchFamily="34" charset="-128"/>
               </a:rPr>
               <a:t>HTML / JavaScript / Python / MySQL</a:t>
             </a:r>
-            <a:endParaRPr kumimoji="1" lang="ja-JP" altLang="en-US">
+            <a:endParaRPr kumimoji="1" lang="ja-JP" altLang="en-US" sz="6000">
               <a:latin typeface="Hiragino Sans W4" panose="020B0400000000000000" pitchFamily="34" charset="-128"/>
               <a:ea typeface="Hiragino Sans W4" panose="020B0400000000000000" pitchFamily="34" charset="-128"/>
             </a:endParaRPr>
@@ -7248,7 +7250,7 @@
         </p:blipFill>
         <p:spPr>
           <a:xfrm>
-            <a:off x="3080038" y="21762784"/>
+            <a:off x="3080038" y="21397024"/>
             <a:ext cx="1861284" cy="1603176"/>
           </a:xfrm>
           <a:prstGeom prst="rect">
@@ -7278,7 +7280,7 @@
         </p:blipFill>
         <p:spPr>
           <a:xfrm>
-            <a:off x="12766504" y="21168631"/>
+            <a:off x="12768696" y="20668453"/>
             <a:ext cx="1545138" cy="1958195"/>
           </a:xfrm>
           <a:prstGeom prst="rect">
@@ -7300,7 +7302,7 @@
         </p:nvSpPr>
         <p:spPr>
           <a:xfrm>
-            <a:off x="6627879" y="21493853"/>
+            <a:off x="6627879" y="21128093"/>
             <a:ext cx="5076000" cy="936000"/>
           </a:xfrm>
           <a:prstGeom prst="rightArrow">
@@ -7361,7 +7363,7 @@
         </p:nvSpPr>
         <p:spPr>
           <a:xfrm>
-            <a:off x="14758995" y="21391140"/>
+            <a:off x="14758995" y="21025380"/>
             <a:ext cx="1080000" cy="975164"/>
           </a:xfrm>
           <a:prstGeom prst="rightArrow">
@@ -7418,7 +7420,7 @@
         </p:nvSpPr>
         <p:spPr>
           <a:xfrm>
-            <a:off x="2079000" y="18918514"/>
+            <a:off x="2079000" y="18552754"/>
             <a:ext cx="5840060" cy="830997"/>
           </a:xfrm>
           <a:prstGeom prst="rect">
@@ -7456,7 +7458,7 @@
         </p:nvSpPr>
         <p:spPr>
           <a:xfrm>
-            <a:off x="12631344" y="20428949"/>
+            <a:off x="12506366" y="19908109"/>
             <a:ext cx="2069797" cy="646331"/>
           </a:xfrm>
           <a:prstGeom prst="rect">
@@ -7494,7 +7496,7 @@
         </p:nvSpPr>
         <p:spPr>
           <a:xfrm>
-            <a:off x="15528345" y="20415462"/>
+            <a:off x="15542170" y="19908109"/>
             <a:ext cx="2541080" cy="646331"/>
           </a:xfrm>
           <a:prstGeom prst="rect">
@@ -7539,7 +7541,7 @@
         </p:nvSpPr>
         <p:spPr>
           <a:xfrm>
-            <a:off x="24223082" y="19005636"/>
+            <a:off x="24106231" y="18460135"/>
             <a:ext cx="3514104" cy="830997"/>
           </a:xfrm>
           <a:prstGeom prst="rect">
@@ -7584,7 +7586,7 @@
         </p:nvSpPr>
         <p:spPr>
           <a:xfrm>
-            <a:off x="6431436" y="20380229"/>
+            <a:off x="6431436" y="20014469"/>
             <a:ext cx="5724644" cy="1200329"/>
           </a:xfrm>
           <a:prstGeom prst="rect">
@@ -8341,7 +8343,7 @@
         </p:nvSpPr>
         <p:spPr>
           <a:xfrm>
-            <a:off x="4879780" y="7605054"/>
+            <a:off x="4922795" y="7629276"/>
             <a:ext cx="21211100" cy="1155060"/>
           </a:xfrm>
           <a:prstGeom prst="rect">
@@ -8360,7 +8362,7 @@
                 <a:latin typeface="Hiragino Sans W4" panose="020B0400000000000000" pitchFamily="34" charset="-128"/>
                 <a:ea typeface="Hiragino Sans W4" panose="020B0400000000000000" pitchFamily="34" charset="-128"/>
               </a:rPr>
-              <a:t>目的：ユーザの入力とレビューを元に高好感度な観光地をレコメンドする</a:t>
+              <a:t>目的　ユーザの入力とレビューを元に高好感度な観光地をレコメンドする</a:t>
             </a:r>
             <a:r>
               <a:rPr kumimoji="1" lang="ja-JP" altLang="en-US">
@@ -8441,8 +8443,8 @@
         </p:nvSpPr>
         <p:spPr>
           <a:xfrm>
-            <a:off x="4380636" y="7755421"/>
-            <a:ext cx="2160000" cy="1020820"/>
+            <a:off x="4380635" y="7755421"/>
+            <a:ext cx="2247243" cy="1020820"/>
           </a:xfrm>
           <a:prstGeom prst="rect">
             <a:avLst/>
@@ -9880,7 +9882,7 @@
         </p:blipFill>
         <p:spPr>
           <a:xfrm>
-            <a:off x="16197987" y="21158368"/>
+            <a:off x="16038404" y="20724039"/>
             <a:ext cx="1545138" cy="1958195"/>
           </a:xfrm>
           <a:prstGeom prst="rect">
@@ -9902,7 +9904,7 @@
         </p:nvSpPr>
         <p:spPr>
           <a:xfrm>
-            <a:off x="18808376" y="21518439"/>
+            <a:off x="18808376" y="21152679"/>
             <a:ext cx="5076000" cy="936000"/>
           </a:xfrm>
           <a:prstGeom prst="rightArrow">
@@ -9971,7 +9973,7 @@
         </p:blipFill>
         <p:spPr>
           <a:xfrm>
-            <a:off x="4331502" y="20122292"/>
+            <a:off x="4331502" y="19756532"/>
             <a:ext cx="1861284" cy="1603176"/>
           </a:xfrm>
           <a:prstGeom prst="rect">
@@ -9993,7 +9995,7 @@
         </p:nvSpPr>
         <p:spPr>
           <a:xfrm>
-            <a:off x="13666035" y="18921052"/>
+            <a:off x="13484421" y="18552754"/>
             <a:ext cx="3326552" cy="830997"/>
           </a:xfrm>
           <a:prstGeom prst="rect">
@@ -10478,8 +10480,8 @@
         </p:nvSpPr>
         <p:spPr>
           <a:xfrm rot="10800000">
-            <a:off x="1846082" y="22518923"/>
-            <a:ext cx="26423736" cy="13447476"/>
+            <a:off x="1846082" y="22544322"/>
+            <a:ext cx="26423736" cy="13422077"/>
           </a:xfrm>
           <a:custGeom>
             <a:avLst/>
@@ -11130,6 +11132,176 @@
               <a:gd name="connsiteY15" fmla="*/ 3778446 h 7190428"/>
               <a:gd name="connsiteX16" fmla="*/ 0 w 26576764"/>
               <a:gd name="connsiteY16" fmla="*/ 0 h 7190428"/>
+              <a:gd name="connsiteX0" fmla="*/ 0 w 26576764"/>
+              <a:gd name="connsiteY0" fmla="*/ 0 h 7176847"/>
+              <a:gd name="connsiteX1" fmla="*/ 15503112 w 26576764"/>
+              <a:gd name="connsiteY1" fmla="*/ 0 h 7176847"/>
+              <a:gd name="connsiteX2" fmla="*/ 15503112 w 26576764"/>
+              <a:gd name="connsiteY2" fmla="*/ 0 h 7176847"/>
+              <a:gd name="connsiteX3" fmla="*/ 22147303 w 26576764"/>
+              <a:gd name="connsiteY3" fmla="*/ 0 h 7176847"/>
+              <a:gd name="connsiteX4" fmla="*/ 26576764 w 26576764"/>
+              <a:gd name="connsiteY4" fmla="*/ 0 h 7176847"/>
+              <a:gd name="connsiteX5" fmla="*/ 26576764 w 26576764"/>
+              <a:gd name="connsiteY5" fmla="*/ 3778446 h 7176847"/>
+              <a:gd name="connsiteX6" fmla="*/ 26576764 w 26576764"/>
+              <a:gd name="connsiteY6" fmla="*/ 3778446 h 7176847"/>
+              <a:gd name="connsiteX7" fmla="*/ 26576764 w 26576764"/>
+              <a:gd name="connsiteY7" fmla="*/ 5397780 h 7176847"/>
+              <a:gd name="connsiteX8" fmla="*/ 26576764 w 26576764"/>
+              <a:gd name="connsiteY8" fmla="*/ 6477336 h 7176847"/>
+              <a:gd name="connsiteX9" fmla="*/ 13553955 w 26576764"/>
+              <a:gd name="connsiteY9" fmla="*/ 6487720 h 7176847"/>
+              <a:gd name="connsiteX10" fmla="*/ 13227000 w 26576764"/>
+              <a:gd name="connsiteY10" fmla="*/ 7176847 h 7176847"/>
+              <a:gd name="connsiteX11" fmla="*/ 12588138 w 26576764"/>
+              <a:gd name="connsiteY11" fmla="*/ 6485065 h 7176847"/>
+              <a:gd name="connsiteX12" fmla="*/ 0 w 26576764"/>
+              <a:gd name="connsiteY12" fmla="*/ 6477336 h 7176847"/>
+              <a:gd name="connsiteX13" fmla="*/ 0 w 26576764"/>
+              <a:gd name="connsiteY13" fmla="*/ 5397780 h 7176847"/>
+              <a:gd name="connsiteX14" fmla="*/ 0 w 26576764"/>
+              <a:gd name="connsiteY14" fmla="*/ 3778446 h 7176847"/>
+              <a:gd name="connsiteX15" fmla="*/ 0 w 26576764"/>
+              <a:gd name="connsiteY15" fmla="*/ 3778446 h 7176847"/>
+              <a:gd name="connsiteX16" fmla="*/ 0 w 26576764"/>
+              <a:gd name="connsiteY16" fmla="*/ 0 h 7176847"/>
+              <a:gd name="connsiteX0" fmla="*/ 0 w 26576764"/>
+              <a:gd name="connsiteY0" fmla="*/ 0 h 7176847"/>
+              <a:gd name="connsiteX1" fmla="*/ 15503112 w 26576764"/>
+              <a:gd name="connsiteY1" fmla="*/ 0 h 7176847"/>
+              <a:gd name="connsiteX2" fmla="*/ 15503112 w 26576764"/>
+              <a:gd name="connsiteY2" fmla="*/ 0 h 7176847"/>
+              <a:gd name="connsiteX3" fmla="*/ 22147303 w 26576764"/>
+              <a:gd name="connsiteY3" fmla="*/ 0 h 7176847"/>
+              <a:gd name="connsiteX4" fmla="*/ 26576764 w 26576764"/>
+              <a:gd name="connsiteY4" fmla="*/ 0 h 7176847"/>
+              <a:gd name="connsiteX5" fmla="*/ 26576764 w 26576764"/>
+              <a:gd name="connsiteY5" fmla="*/ 3778446 h 7176847"/>
+              <a:gd name="connsiteX6" fmla="*/ 26576764 w 26576764"/>
+              <a:gd name="connsiteY6" fmla="*/ 3778446 h 7176847"/>
+              <a:gd name="connsiteX7" fmla="*/ 26576764 w 26576764"/>
+              <a:gd name="connsiteY7" fmla="*/ 5397780 h 7176847"/>
+              <a:gd name="connsiteX8" fmla="*/ 26576764 w 26576764"/>
+              <a:gd name="connsiteY8" fmla="*/ 6477336 h 7176847"/>
+              <a:gd name="connsiteX9" fmla="*/ 13553955 w 26576764"/>
+              <a:gd name="connsiteY9" fmla="*/ 6487720 h 7176847"/>
+              <a:gd name="connsiteX10" fmla="*/ 13150358 w 26576764"/>
+              <a:gd name="connsiteY10" fmla="*/ 7176847 h 7176847"/>
+              <a:gd name="connsiteX11" fmla="*/ 12588138 w 26576764"/>
+              <a:gd name="connsiteY11" fmla="*/ 6485065 h 7176847"/>
+              <a:gd name="connsiteX12" fmla="*/ 0 w 26576764"/>
+              <a:gd name="connsiteY12" fmla="*/ 6477336 h 7176847"/>
+              <a:gd name="connsiteX13" fmla="*/ 0 w 26576764"/>
+              <a:gd name="connsiteY13" fmla="*/ 5397780 h 7176847"/>
+              <a:gd name="connsiteX14" fmla="*/ 0 w 26576764"/>
+              <a:gd name="connsiteY14" fmla="*/ 3778446 h 7176847"/>
+              <a:gd name="connsiteX15" fmla="*/ 0 w 26576764"/>
+              <a:gd name="connsiteY15" fmla="*/ 3778446 h 7176847"/>
+              <a:gd name="connsiteX16" fmla="*/ 0 w 26576764"/>
+              <a:gd name="connsiteY16" fmla="*/ 0 h 7176847"/>
+              <a:gd name="connsiteX0" fmla="*/ 0 w 26576764"/>
+              <a:gd name="connsiteY0" fmla="*/ 0 h 7176847"/>
+              <a:gd name="connsiteX1" fmla="*/ 15503112 w 26576764"/>
+              <a:gd name="connsiteY1" fmla="*/ 0 h 7176847"/>
+              <a:gd name="connsiteX2" fmla="*/ 15503112 w 26576764"/>
+              <a:gd name="connsiteY2" fmla="*/ 0 h 7176847"/>
+              <a:gd name="connsiteX3" fmla="*/ 22147303 w 26576764"/>
+              <a:gd name="connsiteY3" fmla="*/ 0 h 7176847"/>
+              <a:gd name="connsiteX4" fmla="*/ 26576764 w 26576764"/>
+              <a:gd name="connsiteY4" fmla="*/ 0 h 7176847"/>
+              <a:gd name="connsiteX5" fmla="*/ 26576764 w 26576764"/>
+              <a:gd name="connsiteY5" fmla="*/ 3778446 h 7176847"/>
+              <a:gd name="connsiteX6" fmla="*/ 26576764 w 26576764"/>
+              <a:gd name="connsiteY6" fmla="*/ 3778446 h 7176847"/>
+              <a:gd name="connsiteX7" fmla="*/ 26576764 w 26576764"/>
+              <a:gd name="connsiteY7" fmla="*/ 5397780 h 7176847"/>
+              <a:gd name="connsiteX8" fmla="*/ 26576764 w 26576764"/>
+              <a:gd name="connsiteY8" fmla="*/ 6477336 h 7176847"/>
+              <a:gd name="connsiteX9" fmla="*/ 13553955 w 26576764"/>
+              <a:gd name="connsiteY9" fmla="*/ 6487720 h 7176847"/>
+              <a:gd name="connsiteX10" fmla="*/ 13201452 w 26576764"/>
+              <a:gd name="connsiteY10" fmla="*/ 7176847 h 7176847"/>
+              <a:gd name="connsiteX11" fmla="*/ 12588138 w 26576764"/>
+              <a:gd name="connsiteY11" fmla="*/ 6485065 h 7176847"/>
+              <a:gd name="connsiteX12" fmla="*/ 0 w 26576764"/>
+              <a:gd name="connsiteY12" fmla="*/ 6477336 h 7176847"/>
+              <a:gd name="connsiteX13" fmla="*/ 0 w 26576764"/>
+              <a:gd name="connsiteY13" fmla="*/ 5397780 h 7176847"/>
+              <a:gd name="connsiteX14" fmla="*/ 0 w 26576764"/>
+              <a:gd name="connsiteY14" fmla="*/ 3778446 h 7176847"/>
+              <a:gd name="connsiteX15" fmla="*/ 0 w 26576764"/>
+              <a:gd name="connsiteY15" fmla="*/ 3778446 h 7176847"/>
+              <a:gd name="connsiteX16" fmla="*/ 0 w 26576764"/>
+              <a:gd name="connsiteY16" fmla="*/ 0 h 7176847"/>
+              <a:gd name="connsiteX0" fmla="*/ 0 w 26576764"/>
+              <a:gd name="connsiteY0" fmla="*/ 0 h 7176847"/>
+              <a:gd name="connsiteX1" fmla="*/ 15503112 w 26576764"/>
+              <a:gd name="connsiteY1" fmla="*/ 0 h 7176847"/>
+              <a:gd name="connsiteX2" fmla="*/ 15503112 w 26576764"/>
+              <a:gd name="connsiteY2" fmla="*/ 0 h 7176847"/>
+              <a:gd name="connsiteX3" fmla="*/ 22147303 w 26576764"/>
+              <a:gd name="connsiteY3" fmla="*/ 0 h 7176847"/>
+              <a:gd name="connsiteX4" fmla="*/ 26576764 w 26576764"/>
+              <a:gd name="connsiteY4" fmla="*/ 0 h 7176847"/>
+              <a:gd name="connsiteX5" fmla="*/ 26576764 w 26576764"/>
+              <a:gd name="connsiteY5" fmla="*/ 3778446 h 7176847"/>
+              <a:gd name="connsiteX6" fmla="*/ 26576764 w 26576764"/>
+              <a:gd name="connsiteY6" fmla="*/ 3778446 h 7176847"/>
+              <a:gd name="connsiteX7" fmla="*/ 26576764 w 26576764"/>
+              <a:gd name="connsiteY7" fmla="*/ 5397780 h 7176847"/>
+              <a:gd name="connsiteX8" fmla="*/ 26576764 w 26576764"/>
+              <a:gd name="connsiteY8" fmla="*/ 6477336 h 7176847"/>
+              <a:gd name="connsiteX9" fmla="*/ 13681691 w 26576764"/>
+              <a:gd name="connsiteY9" fmla="*/ 6474139 h 7176847"/>
+              <a:gd name="connsiteX10" fmla="*/ 13201452 w 26576764"/>
+              <a:gd name="connsiteY10" fmla="*/ 7176847 h 7176847"/>
+              <a:gd name="connsiteX11" fmla="*/ 12588138 w 26576764"/>
+              <a:gd name="connsiteY11" fmla="*/ 6485065 h 7176847"/>
+              <a:gd name="connsiteX12" fmla="*/ 0 w 26576764"/>
+              <a:gd name="connsiteY12" fmla="*/ 6477336 h 7176847"/>
+              <a:gd name="connsiteX13" fmla="*/ 0 w 26576764"/>
+              <a:gd name="connsiteY13" fmla="*/ 5397780 h 7176847"/>
+              <a:gd name="connsiteX14" fmla="*/ 0 w 26576764"/>
+              <a:gd name="connsiteY14" fmla="*/ 3778446 h 7176847"/>
+              <a:gd name="connsiteX15" fmla="*/ 0 w 26576764"/>
+              <a:gd name="connsiteY15" fmla="*/ 3778446 h 7176847"/>
+              <a:gd name="connsiteX16" fmla="*/ 0 w 26576764"/>
+              <a:gd name="connsiteY16" fmla="*/ 0 h 7176847"/>
+              <a:gd name="connsiteX0" fmla="*/ 0 w 26576764"/>
+              <a:gd name="connsiteY0" fmla="*/ 0 h 7176847"/>
+              <a:gd name="connsiteX1" fmla="*/ 15503112 w 26576764"/>
+              <a:gd name="connsiteY1" fmla="*/ 0 h 7176847"/>
+              <a:gd name="connsiteX2" fmla="*/ 15503112 w 26576764"/>
+              <a:gd name="connsiteY2" fmla="*/ 0 h 7176847"/>
+              <a:gd name="connsiteX3" fmla="*/ 22147303 w 26576764"/>
+              <a:gd name="connsiteY3" fmla="*/ 0 h 7176847"/>
+              <a:gd name="connsiteX4" fmla="*/ 26576764 w 26576764"/>
+              <a:gd name="connsiteY4" fmla="*/ 0 h 7176847"/>
+              <a:gd name="connsiteX5" fmla="*/ 26576764 w 26576764"/>
+              <a:gd name="connsiteY5" fmla="*/ 3778446 h 7176847"/>
+              <a:gd name="connsiteX6" fmla="*/ 26576764 w 26576764"/>
+              <a:gd name="connsiteY6" fmla="*/ 3778446 h 7176847"/>
+              <a:gd name="connsiteX7" fmla="*/ 26576764 w 26576764"/>
+              <a:gd name="connsiteY7" fmla="*/ 5397780 h 7176847"/>
+              <a:gd name="connsiteX8" fmla="*/ 26576764 w 26576764"/>
+              <a:gd name="connsiteY8" fmla="*/ 6477336 h 7176847"/>
+              <a:gd name="connsiteX9" fmla="*/ 13758332 w 26576764"/>
+              <a:gd name="connsiteY9" fmla="*/ 6474139 h 7176847"/>
+              <a:gd name="connsiteX10" fmla="*/ 13201452 w 26576764"/>
+              <a:gd name="connsiteY10" fmla="*/ 7176847 h 7176847"/>
+              <a:gd name="connsiteX11" fmla="*/ 12588138 w 26576764"/>
+              <a:gd name="connsiteY11" fmla="*/ 6485065 h 7176847"/>
+              <a:gd name="connsiteX12" fmla="*/ 0 w 26576764"/>
+              <a:gd name="connsiteY12" fmla="*/ 6477336 h 7176847"/>
+              <a:gd name="connsiteX13" fmla="*/ 0 w 26576764"/>
+              <a:gd name="connsiteY13" fmla="*/ 5397780 h 7176847"/>
+              <a:gd name="connsiteX14" fmla="*/ 0 w 26576764"/>
+              <a:gd name="connsiteY14" fmla="*/ 3778446 h 7176847"/>
+              <a:gd name="connsiteX15" fmla="*/ 0 w 26576764"/>
+              <a:gd name="connsiteY15" fmla="*/ 3778446 h 7176847"/>
+              <a:gd name="connsiteX16" fmla="*/ 0 w 26576764"/>
+              <a:gd name="connsiteY16" fmla="*/ 0 h 7176847"/>
             </a:gdLst>
             <a:ahLst/>
             <a:cxnLst>
@@ -11187,7 +11359,7 @@
             </a:cxnLst>
             <a:rect l="l" t="t" r="r" b="b"/>
             <a:pathLst>
-              <a:path w="26576764" h="7190428">
+              <a:path w="26576764" h="7176847">
                 <a:moveTo>
                   <a:pt x="0" y="0"/>
                 </a:moveTo>
@@ -11216,10 +11388,10 @@
                   <a:pt x="26576764" y="6477336"/>
                 </a:lnTo>
                 <a:lnTo>
-                  <a:pt x="13553955" y="6487720"/>
+                  <a:pt x="13758332" y="6474139"/>
                 </a:lnTo>
                 <a:lnTo>
-                  <a:pt x="13124811" y="7190428"/>
+                  <a:pt x="13201452" y="7176847"/>
                 </a:lnTo>
                 <a:lnTo>
                   <a:pt x="12588138" y="6485065"/>
@@ -11249,7 +11421,7 @@
               <a:lumOff val="80000"/>
             </a:schemeClr>
           </a:solidFill>
-          <a:ln w="12700">
+          <a:ln w="44450">
             <a:solidFill>
               <a:schemeClr val="accent6">
                 <a:lumMod val="75000"/>
@@ -11296,7 +11468,7 @@
         </p:nvSpPr>
         <p:spPr>
           <a:xfrm>
-            <a:off x="2185161" y="25101905"/>
+            <a:off x="2173833" y="25020529"/>
             <a:ext cx="12600000" cy="1021127"/>
           </a:xfrm>
           <a:prstGeom prst="rect">
@@ -11384,7 +11556,7 @@
         </p:nvSpPr>
         <p:spPr>
           <a:xfrm>
-            <a:off x="2185161" y="26114639"/>
+            <a:off x="2173833" y="26033263"/>
             <a:ext cx="12600000" cy="1152000"/>
           </a:xfrm>
           <a:prstGeom prst="rect">
@@ -11443,7 +11615,7 @@
         </p:nvSpPr>
         <p:spPr>
           <a:xfrm>
-            <a:off x="4238055" y="26390210"/>
+            <a:off x="4226727" y="26308834"/>
             <a:ext cx="8781106" cy="734059"/>
           </a:xfrm>
           <a:prstGeom prst="rect">
@@ -11492,7 +11664,7 @@
         </p:nvSpPr>
         <p:spPr>
           <a:xfrm rot="5400000">
-            <a:off x="4709611" y="30695194"/>
+            <a:off x="4698283" y="30613818"/>
             <a:ext cx="1014154" cy="965694"/>
           </a:xfrm>
           <a:prstGeom prst="rightArrow">
@@ -11553,7 +11725,7 @@
         </p:nvSpPr>
         <p:spPr>
           <a:xfrm>
-            <a:off x="2185161" y="27636977"/>
+            <a:off x="2173833" y="27555601"/>
             <a:ext cx="12600000" cy="1021127"/>
           </a:xfrm>
           <a:prstGeom prst="rect">
@@ -11651,7 +11823,7 @@
         </p:nvSpPr>
         <p:spPr>
           <a:xfrm>
-            <a:off x="2185161" y="28654660"/>
+            <a:off x="2173833" y="28573284"/>
             <a:ext cx="12600000" cy="4448192"/>
           </a:xfrm>
           <a:prstGeom prst="rect">
@@ -11710,7 +11882,7 @@
         </p:nvSpPr>
         <p:spPr>
           <a:xfrm>
-            <a:off x="2788525" y="28955438"/>
+            <a:off x="2777197" y="28874062"/>
             <a:ext cx="11577033" cy="3785652"/>
           </a:xfrm>
           <a:prstGeom prst="rect">
@@ -12012,7 +12184,7 @@
         </p:nvSpPr>
         <p:spPr>
           <a:xfrm rot="5400000">
-            <a:off x="8158485" y="31247567"/>
+            <a:off x="8147156" y="30946356"/>
             <a:ext cx="940246" cy="843133"/>
           </a:xfrm>
           <a:prstGeom prst="rightArrow">
@@ -12485,7 +12657,7 @@
         </p:nvSpPr>
         <p:spPr>
           <a:xfrm>
-            <a:off x="2185161" y="33514125"/>
+            <a:off x="2173833" y="33432749"/>
             <a:ext cx="12600000" cy="1021127"/>
           </a:xfrm>
           <a:prstGeom prst="rect">
@@ -12564,7 +12736,7 @@
         </p:nvSpPr>
         <p:spPr>
           <a:xfrm>
-            <a:off x="2185161" y="34535607"/>
+            <a:off x="2173833" y="34454231"/>
             <a:ext cx="12600000" cy="1152000"/>
           </a:xfrm>
           <a:prstGeom prst="rect">
@@ -12623,7 +12795,7 @@
         </p:nvSpPr>
         <p:spPr>
           <a:xfrm>
-            <a:off x="3208789" y="34852124"/>
+            <a:off x="3197461" y="34770748"/>
             <a:ext cx="10660221" cy="707886"/>
           </a:xfrm>
           <a:prstGeom prst="rect">
@@ -14735,8 +14907,8 @@
         </p:nvSpPr>
         <p:spPr>
           <a:xfrm>
-            <a:off x="1846082" y="23870008"/>
-            <a:ext cx="26423736" cy="953082"/>
+            <a:off x="1846081" y="23639636"/>
+            <a:ext cx="26423737" cy="900000"/>
           </a:xfrm>
           <a:prstGeom prst="rect">
             <a:avLst/>
@@ -14775,7 +14947,7 @@
           <a:lstStyle/>
           <a:p>
             <a:r>
-              <a:rPr kumimoji="1" lang="en-US" altLang="ja-JP" sz="6600" b="1" dirty="0">
+              <a:rPr kumimoji="1" lang="en-US" altLang="ja-JP" sz="5400" b="1" dirty="0">
                 <a:latin typeface="Hiragino Sans W4" panose="020B0400000000000000" pitchFamily="34" charset="-128"/>
                 <a:ea typeface="Hiragino Sans W4" panose="020B0400000000000000" pitchFamily="34" charset="-128"/>
               </a:rPr>
@@ -14788,7 +14960,7 @@
               </a:rPr>
               <a:t>類似度算出</a:t>
             </a:r>
-            <a:endParaRPr kumimoji="1" lang="ja-JP" altLang="en-US" sz="6600" b="1">
+            <a:endParaRPr kumimoji="1" lang="ja-JP" altLang="en-US" sz="4800" b="1">
               <a:latin typeface="Hiragino Sans W4" panose="020B0400000000000000" pitchFamily="34" charset="-128"/>
               <a:ea typeface="Hiragino Sans W4" panose="020B0400000000000000" pitchFamily="34" charset="-128"/>
             </a:endParaRPr>
@@ -14809,8 +14981,8 @@
         </p:nvSpPr>
         <p:spPr>
           <a:xfrm>
-            <a:off x="15478660" y="25283642"/>
-            <a:ext cx="2085007" cy="830997"/>
+            <a:off x="15287667" y="25087782"/>
+            <a:ext cx="7203373" cy="830997"/>
           </a:xfrm>
           <a:prstGeom prst="rect">
             <a:avLst/>
@@ -14824,7 +14996,17 @@
           <a:lstStyle/>
           <a:p>
             <a:r>
-              <a:rPr lang="en-US" altLang="ja-JP" sz="4800" b="1" dirty="0">
+              <a:rPr lang="ja-JP" altLang="en-US" sz="4800" b="1">
+                <a:solidFill>
+                  <a:srgbClr val="EF0023"/>
+                </a:solidFill>
+                <a:latin typeface="Hiragino Sans W4" panose="020B0400000000000000" pitchFamily="34" charset="-128"/>
+                <a:ea typeface="Hiragino Sans W4" panose="020B0400000000000000" pitchFamily="34" charset="-128"/>
+              </a:rPr>
+              <a:t>トピックモデル</a:t>
+            </a:r>
+            <a:r>
+              <a:rPr lang="ja-JP" altLang="en-US" sz="4800" b="1">
                 <a:solidFill>
                   <a:schemeClr val="accent6">
                     <a:lumMod val="75000"/>
@@ -14833,9 +15015,9 @@
                 <a:latin typeface="Hiragino Sans W4" panose="020B0400000000000000" pitchFamily="34" charset="-128"/>
                 <a:ea typeface="Hiragino Sans W4" panose="020B0400000000000000" pitchFamily="34" charset="-128"/>
               </a:rPr>
-              <a:t>②</a:t>
-            </a:r>
-            <a:endParaRPr kumimoji="1" lang="ja-JP" altLang="en-US" sz="4800" b="1">
+              <a:t>の構築</a:t>
+            </a:r>
+            <a:endParaRPr kumimoji="1" lang="ja-JP" altLang="en-US" sz="4800">
               <a:solidFill>
                 <a:schemeClr val="accent6">
                   <a:lumMod val="75000"/>
@@ -14856,13 +15038,15 @@
               </a:ext>
             </a:extLst>
           </p:cNvPr>
-          <p:cNvCxnSpPr/>
+          <p:cNvCxnSpPr>
+            <a:cxnSpLocks/>
+          </p:cNvCxnSpPr>
           <p:nvPr/>
         </p:nvCxnSpPr>
         <p:spPr>
           <a:xfrm>
-            <a:off x="15136813" y="24823090"/>
-            <a:ext cx="0" cy="11143309"/>
+            <a:off x="15136813" y="24475439"/>
+            <a:ext cx="0" cy="11484000"/>
           </a:xfrm>
           <a:prstGeom prst="line">
             <a:avLst/>
@@ -14892,174 +15076,6 @@
       </p:cxnSp>
       <p:sp>
         <p:nvSpPr>
-          <p:cNvPr id="32" name="正方形/長方形 31">
-            <a:extLst>
-              <a:ext uri="{FF2B5EF4-FFF2-40B4-BE49-F238E27FC236}">
-                <a16:creationId xmlns:a16="http://schemas.microsoft.com/office/drawing/2014/main" id="{DCD4D1F2-8961-9F42-AF53-D4C910651392}"/>
-              </a:ext>
-            </a:extLst>
-          </p:cNvPr>
-          <p:cNvSpPr/>
-          <p:nvPr/>
-        </p:nvSpPr>
-        <p:spPr>
-          <a:xfrm>
-            <a:off x="16696435" y="26461066"/>
-            <a:ext cx="1036192" cy="1865171"/>
-          </a:xfrm>
-          <a:prstGeom prst="rect">
-            <a:avLst/>
-          </a:prstGeom>
-          <a:solidFill>
-            <a:schemeClr val="bg1"/>
-          </a:solidFill>
-          <a:ln>
-            <a:solidFill>
-              <a:schemeClr val="bg2">
-                <a:lumMod val="75000"/>
-              </a:schemeClr>
-            </a:solidFill>
-          </a:ln>
-        </p:spPr>
-        <p:style>
-          <a:lnRef idx="2">
-            <a:schemeClr val="accent1">
-              <a:shade val="50000"/>
-            </a:schemeClr>
-          </a:lnRef>
-          <a:fillRef idx="1">
-            <a:schemeClr val="accent1"/>
-          </a:fillRef>
-          <a:effectRef idx="0">
-            <a:schemeClr val="accent1"/>
-          </a:effectRef>
-          <a:fontRef idx="minor">
-            <a:schemeClr val="lt1"/>
-          </a:fontRef>
-        </p:style>
-        <p:txBody>
-          <a:bodyPr rtlCol="0" anchor="ctr"/>
-          <a:lstStyle/>
-          <a:p>
-            <a:pPr algn="ctr"/>
-            <a:endParaRPr kumimoji="1" lang="ja-JP" altLang="en-US"/>
-          </a:p>
-        </p:txBody>
-      </p:sp>
-      <p:sp>
-        <p:nvSpPr>
-          <p:cNvPr id="134" name="正方形/長方形 133">
-            <a:extLst>
-              <a:ext uri="{FF2B5EF4-FFF2-40B4-BE49-F238E27FC236}">
-                <a16:creationId xmlns:a16="http://schemas.microsoft.com/office/drawing/2014/main" id="{963A7C05-B878-7641-9B30-F7345833E573}"/>
-              </a:ext>
-            </a:extLst>
-          </p:cNvPr>
-          <p:cNvSpPr/>
-          <p:nvPr/>
-        </p:nvSpPr>
-        <p:spPr>
-          <a:xfrm>
-            <a:off x="16848835" y="26613466"/>
-            <a:ext cx="1036192" cy="1865171"/>
-          </a:xfrm>
-          <a:prstGeom prst="rect">
-            <a:avLst/>
-          </a:prstGeom>
-          <a:solidFill>
-            <a:schemeClr val="bg1"/>
-          </a:solidFill>
-          <a:ln>
-            <a:solidFill>
-              <a:schemeClr val="bg2">
-                <a:lumMod val="75000"/>
-              </a:schemeClr>
-            </a:solidFill>
-          </a:ln>
-        </p:spPr>
-        <p:style>
-          <a:lnRef idx="2">
-            <a:schemeClr val="accent1">
-              <a:shade val="50000"/>
-            </a:schemeClr>
-          </a:lnRef>
-          <a:fillRef idx="1">
-            <a:schemeClr val="accent1"/>
-          </a:fillRef>
-          <a:effectRef idx="0">
-            <a:schemeClr val="accent1"/>
-          </a:effectRef>
-          <a:fontRef idx="minor">
-            <a:schemeClr val="lt1"/>
-          </a:fontRef>
-        </p:style>
-        <p:txBody>
-          <a:bodyPr rtlCol="0" anchor="ctr"/>
-          <a:lstStyle/>
-          <a:p>
-            <a:pPr algn="ctr"/>
-            <a:endParaRPr kumimoji="1" lang="ja-JP" altLang="en-US"/>
-          </a:p>
-        </p:txBody>
-      </p:sp>
-      <p:sp>
-        <p:nvSpPr>
-          <p:cNvPr id="136" name="正方形/長方形 135">
-            <a:extLst>
-              <a:ext uri="{FF2B5EF4-FFF2-40B4-BE49-F238E27FC236}">
-                <a16:creationId xmlns:a16="http://schemas.microsoft.com/office/drawing/2014/main" id="{986F6CB6-B3E0-3142-A728-9B160C04DCEC}"/>
-              </a:ext>
-            </a:extLst>
-          </p:cNvPr>
-          <p:cNvSpPr/>
-          <p:nvPr/>
-        </p:nvSpPr>
-        <p:spPr>
-          <a:xfrm>
-            <a:off x="17001235" y="26765866"/>
-            <a:ext cx="1036192" cy="1865171"/>
-          </a:xfrm>
-          <a:prstGeom prst="rect">
-            <a:avLst/>
-          </a:prstGeom>
-          <a:solidFill>
-            <a:schemeClr val="bg1"/>
-          </a:solidFill>
-          <a:ln>
-            <a:solidFill>
-              <a:schemeClr val="bg2">
-                <a:lumMod val="75000"/>
-              </a:schemeClr>
-            </a:solidFill>
-          </a:ln>
-        </p:spPr>
-        <p:style>
-          <a:lnRef idx="2">
-            <a:schemeClr val="accent1">
-              <a:shade val="50000"/>
-            </a:schemeClr>
-          </a:lnRef>
-          <a:fillRef idx="1">
-            <a:schemeClr val="accent1"/>
-          </a:fillRef>
-          <a:effectRef idx="0">
-            <a:schemeClr val="accent1"/>
-          </a:effectRef>
-          <a:fontRef idx="minor">
-            <a:schemeClr val="lt1"/>
-          </a:fontRef>
-        </p:style>
-        <p:txBody>
-          <a:bodyPr rtlCol="0" anchor="ctr"/>
-          <a:lstStyle/>
-          <a:p>
-            <a:pPr algn="ctr"/>
-            <a:endParaRPr kumimoji="1" lang="ja-JP" altLang="en-US"/>
-          </a:p>
-        </p:txBody>
-      </p:sp>
-      <p:sp>
-        <p:nvSpPr>
           <p:cNvPr id="37" name="テキスト ボックス 36">
             <a:extLst>
               <a:ext uri="{FF2B5EF4-FFF2-40B4-BE49-F238E27FC236}">
@@ -15072,8 +15088,8 @@
         </p:nvSpPr>
         <p:spPr>
           <a:xfrm>
-            <a:off x="15631634" y="29014809"/>
-            <a:ext cx="3775393" cy="1323439"/>
+            <a:off x="16170249" y="29031405"/>
+            <a:ext cx="3057247" cy="1077218"/>
           </a:xfrm>
           <a:prstGeom prst="rect">
             <a:avLst/>
@@ -15088,13 +15104,13 @@
           <a:p>
             <a:pPr algn="ctr"/>
             <a:r>
-              <a:rPr kumimoji="1" lang="ja-JP" altLang="en-US" sz="4000">
+              <a:rPr kumimoji="1" lang="ja-JP" altLang="en-US" sz="3200">
                 <a:latin typeface="Hiragino Sans W4" panose="020B0400000000000000" pitchFamily="34" charset="-128"/>
                 <a:ea typeface="Hiragino Sans W4" panose="020B0400000000000000" pitchFamily="34" charset="-128"/>
               </a:rPr>
               <a:t>全スポットの</a:t>
             </a:r>
-            <a:endParaRPr kumimoji="1" lang="en-US" altLang="ja-JP" sz="4000" dirty="0">
+            <a:endParaRPr kumimoji="1" lang="en-US" altLang="ja-JP" sz="3200" dirty="0">
               <a:latin typeface="Hiragino Sans W4" panose="020B0400000000000000" pitchFamily="34" charset="-128"/>
               <a:ea typeface="Hiragino Sans W4" panose="020B0400000000000000" pitchFamily="34" charset="-128"/>
             </a:endParaRPr>
@@ -15102,7 +15118,7 @@
           <a:p>
             <a:pPr algn="ctr"/>
             <a:r>
-              <a:rPr kumimoji="1" lang="ja-JP" altLang="en-US" sz="4000">
+              <a:rPr kumimoji="1" lang="ja-JP" altLang="en-US" sz="3200">
                 <a:latin typeface="Hiragino Sans W4" panose="020B0400000000000000" pitchFamily="34" charset="-128"/>
                 <a:ea typeface="Hiragino Sans W4" panose="020B0400000000000000" pitchFamily="34" charset="-128"/>
               </a:rPr>
@@ -15125,7 +15141,7 @@
         </p:nvSpPr>
         <p:spPr>
           <a:xfrm>
-            <a:off x="19113275" y="27358447"/>
+            <a:off x="19946542" y="27816293"/>
             <a:ext cx="3006810" cy="936000"/>
           </a:xfrm>
           <a:prstGeom prst="rightArrow">
@@ -15186,8 +15202,8 @@
         </p:nvSpPr>
         <p:spPr>
           <a:xfrm>
-            <a:off x="18263131" y="26688353"/>
-            <a:ext cx="5414706" cy="646331"/>
+            <a:off x="19334493" y="26646654"/>
+            <a:ext cx="4693336" cy="1077218"/>
           </a:xfrm>
           <a:prstGeom prst="rect">
             <a:avLst/>
@@ -15201,43 +15217,1867 @@
           <a:lstStyle/>
           <a:p>
             <a:r>
-              <a:rPr kumimoji="1" lang="ja-JP" altLang="en-US" sz="3600">
+              <a:rPr kumimoji="1" lang="ja-JP" altLang="en-US" sz="3200">
                 <a:latin typeface="Hiragino Sans W4" panose="020B0400000000000000" pitchFamily="34" charset="-128"/>
                 <a:ea typeface="Hiragino Sans W4" panose="020B0400000000000000" pitchFamily="34" charset="-128"/>
               </a:rPr>
               <a:t>トピック</a:t>
             </a:r>
             <a:r>
-              <a:rPr kumimoji="1" lang="en-US" altLang="ja-JP" sz="3600" dirty="0">
+              <a:rPr kumimoji="1" lang="en-US" altLang="ja-JP" sz="3200" dirty="0">
                 <a:latin typeface="Hiragino Sans W4" panose="020B0400000000000000" pitchFamily="34" charset="-128"/>
                 <a:ea typeface="Hiragino Sans W4" panose="020B0400000000000000" pitchFamily="34" charset="-128"/>
               </a:rPr>
               <a:t>(</a:t>
             </a:r>
             <a:r>
-              <a:rPr kumimoji="1" lang="ja-JP" altLang="en-US" sz="3600">
+              <a:rPr kumimoji="1" lang="ja-JP" altLang="en-US" sz="3200">
                 <a:latin typeface="Hiragino Sans W4" panose="020B0400000000000000" pitchFamily="34" charset="-128"/>
                 <a:ea typeface="Hiragino Sans W4" panose="020B0400000000000000" pitchFamily="34" charset="-128"/>
               </a:rPr>
               <a:t>話題</a:t>
             </a:r>
             <a:r>
-              <a:rPr kumimoji="1" lang="en-US" altLang="ja-JP" sz="3600" dirty="0">
+              <a:rPr kumimoji="1" lang="en-US" altLang="ja-JP" sz="3200" dirty="0">
                 <a:latin typeface="Hiragino Sans W4" panose="020B0400000000000000" pitchFamily="34" charset="-128"/>
                 <a:ea typeface="Hiragino Sans W4" panose="020B0400000000000000" pitchFamily="34" charset="-128"/>
               </a:rPr>
               <a:t>)</a:t>
             </a:r>
             <a:r>
-              <a:rPr kumimoji="1" lang="ja-JP" altLang="en-US" sz="3600">
+              <a:rPr kumimoji="1" lang="ja-JP" altLang="en-US" sz="3200">
                 <a:latin typeface="Hiragino Sans W4" panose="020B0400000000000000" pitchFamily="34" charset="-128"/>
                 <a:ea typeface="Hiragino Sans W4" panose="020B0400000000000000" pitchFamily="34" charset="-128"/>
               </a:rPr>
               <a:t>を抽出</a:t>
             </a:r>
-          </a:p>
-        </p:txBody>
-      </p:sp>
+            <a:endParaRPr kumimoji="1" lang="en-US" altLang="ja-JP" sz="3200" dirty="0">
+              <a:latin typeface="Hiragino Sans W4" panose="020B0400000000000000" pitchFamily="34" charset="-128"/>
+              <a:ea typeface="Hiragino Sans W4" panose="020B0400000000000000" pitchFamily="34" charset="-128"/>
+            </a:endParaRPr>
+          </a:p>
+          <a:p>
+            <a:pPr algn="ctr"/>
+            <a:r>
+              <a:rPr lang="en-US" altLang="ja-JP" sz="3200" dirty="0">
+                <a:latin typeface="Hiragino Sans W4" panose="020B0400000000000000" pitchFamily="34" charset="-128"/>
+                <a:ea typeface="Hiragino Sans W4" panose="020B0400000000000000" pitchFamily="34" charset="-128"/>
+              </a:rPr>
+              <a:t>(</a:t>
+            </a:r>
+            <a:r>
+              <a:rPr lang="ja-JP" altLang="en-US" sz="3200">
+                <a:latin typeface="Hiragino Sans W4" panose="020B0400000000000000" pitchFamily="34" charset="-128"/>
+                <a:ea typeface="Hiragino Sans W4" panose="020B0400000000000000" pitchFamily="34" charset="-128"/>
+              </a:rPr>
+              <a:t>トピック数</a:t>
+            </a:r>
+            <a:r>
+              <a:rPr lang="en-US" altLang="ja-JP" sz="3200" dirty="0">
+                <a:latin typeface="Hiragino Sans W4" panose="020B0400000000000000" pitchFamily="34" charset="-128"/>
+                <a:ea typeface="Hiragino Sans W4" panose="020B0400000000000000" pitchFamily="34" charset="-128"/>
+              </a:rPr>
+              <a:t>: 8)</a:t>
+            </a:r>
+            <a:endParaRPr kumimoji="1" lang="ja-JP" altLang="en-US" sz="3200">
+              <a:latin typeface="Hiragino Sans W4" panose="020B0400000000000000" pitchFamily="34" charset="-128"/>
+              <a:ea typeface="Hiragino Sans W4" panose="020B0400000000000000" pitchFamily="34" charset="-128"/>
+            </a:endParaRPr>
+          </a:p>
+        </p:txBody>
+      </p:sp>
+      <p:sp>
+        <p:nvSpPr>
+          <p:cNvPr id="41" name="テキスト ボックス 40">
+            <a:extLst>
+              <a:ext uri="{FF2B5EF4-FFF2-40B4-BE49-F238E27FC236}">
+                <a16:creationId xmlns:a16="http://schemas.microsoft.com/office/drawing/2014/main" id="{B085E81F-F4C7-D948-9132-A8098C150337}"/>
+              </a:ext>
+            </a:extLst>
+          </p:cNvPr>
+          <p:cNvSpPr txBox="1"/>
+          <p:nvPr/>
+        </p:nvSpPr>
+        <p:spPr>
+          <a:xfrm>
+            <a:off x="-13346058" y="28969158"/>
+            <a:ext cx="5314275" cy="3170099"/>
+          </a:xfrm>
+          <a:prstGeom prst="rect">
+            <a:avLst/>
+          </a:prstGeom>
+          <a:noFill/>
+        </p:spPr>
+        <p:txBody>
+          <a:bodyPr wrap="none" rtlCol="0">
+            <a:spAutoFit/>
+          </a:bodyPr>
+          <a:lstStyle/>
+          <a:p>
+            <a:r>
+              <a:rPr lang="ja-JP" altLang="en-US" sz="4000">
+                <a:latin typeface="Hiragino Sans W4" panose="020B0400000000000000" pitchFamily="34" charset="-128"/>
+                <a:ea typeface="Hiragino Sans W4" panose="020B0400000000000000" pitchFamily="34" charset="-128"/>
+              </a:rPr>
+              <a:t>・展示、美術館</a:t>
+            </a:r>
+            <a:endParaRPr lang="en-US" altLang="ja-JP" sz="4000" dirty="0">
+              <a:latin typeface="Hiragino Sans W4" panose="020B0400000000000000" pitchFamily="34" charset="-128"/>
+              <a:ea typeface="Hiragino Sans W4" panose="020B0400000000000000" pitchFamily="34" charset="-128"/>
+            </a:endParaRPr>
+          </a:p>
+          <a:p>
+            <a:r>
+              <a:rPr lang="ja-JP" altLang="en-US" sz="4000">
+                <a:latin typeface="Hiragino Sans W4" panose="020B0400000000000000" pitchFamily="34" charset="-128"/>
+                <a:ea typeface="Hiragino Sans W4" panose="020B0400000000000000" pitchFamily="34" charset="-128"/>
+              </a:rPr>
+              <a:t>・景色</a:t>
+            </a:r>
+            <a:endParaRPr lang="en-US" altLang="ja-JP" sz="4000" dirty="0">
+              <a:latin typeface="Hiragino Sans W4" panose="020B0400000000000000" pitchFamily="34" charset="-128"/>
+              <a:ea typeface="Hiragino Sans W4" panose="020B0400000000000000" pitchFamily="34" charset="-128"/>
+            </a:endParaRPr>
+          </a:p>
+          <a:p>
+            <a:r>
+              <a:rPr lang="ja-JP" altLang="en-US" sz="4000">
+                <a:latin typeface="Hiragino Sans W4" panose="020B0400000000000000" pitchFamily="34" charset="-128"/>
+                <a:ea typeface="Hiragino Sans W4" panose="020B0400000000000000" pitchFamily="34" charset="-128"/>
+              </a:rPr>
+              <a:t>・桜、紅葉</a:t>
+            </a:r>
+            <a:endParaRPr lang="en-US" altLang="ja-JP" sz="4000" dirty="0">
+              <a:latin typeface="Hiragino Sans W4" panose="020B0400000000000000" pitchFamily="34" charset="-128"/>
+              <a:ea typeface="Hiragino Sans W4" panose="020B0400000000000000" pitchFamily="34" charset="-128"/>
+            </a:endParaRPr>
+          </a:p>
+          <a:p>
+            <a:r>
+              <a:rPr lang="ja-JP" altLang="en-US" sz="4000">
+                <a:latin typeface="Hiragino Sans W4" panose="020B0400000000000000" pitchFamily="34" charset="-128"/>
+                <a:ea typeface="Hiragino Sans W4" panose="020B0400000000000000" pitchFamily="34" charset="-128"/>
+              </a:rPr>
+              <a:t>・レストラン、買い物</a:t>
+            </a:r>
+            <a:endParaRPr lang="en-US" altLang="ja-JP" sz="4000" dirty="0">
+              <a:latin typeface="Hiragino Sans W4" panose="020B0400000000000000" pitchFamily="34" charset="-128"/>
+              <a:ea typeface="Hiragino Sans W4" panose="020B0400000000000000" pitchFamily="34" charset="-128"/>
+            </a:endParaRPr>
+          </a:p>
+          <a:p>
+            <a:r>
+              <a:rPr lang="ja-JP" altLang="en-US" sz="4000">
+                <a:latin typeface="Hiragino Sans W4" panose="020B0400000000000000" pitchFamily="34" charset="-128"/>
+                <a:ea typeface="Hiragino Sans W4" panose="020B0400000000000000" pitchFamily="34" charset="-128"/>
+              </a:rPr>
+              <a:t>・お寺</a:t>
+            </a:r>
+            <a:endParaRPr lang="en-US" altLang="ja-JP" sz="4000" dirty="0">
+              <a:latin typeface="Hiragino Sans W4" panose="020B0400000000000000" pitchFamily="34" charset="-128"/>
+              <a:ea typeface="Hiragino Sans W4" panose="020B0400000000000000" pitchFamily="34" charset="-128"/>
+            </a:endParaRPr>
+          </a:p>
+        </p:txBody>
+      </p:sp>
+      <p:sp>
+        <p:nvSpPr>
+          <p:cNvPr id="43" name="テキスト ボックス 42">
+            <a:extLst>
+              <a:ext uri="{FF2B5EF4-FFF2-40B4-BE49-F238E27FC236}">
+                <a16:creationId xmlns:a16="http://schemas.microsoft.com/office/drawing/2014/main" id="{DE458B69-6EAF-8442-9FA3-26E3BCC9BB65}"/>
+              </a:ext>
+            </a:extLst>
+          </p:cNvPr>
+          <p:cNvSpPr txBox="1"/>
+          <p:nvPr/>
+        </p:nvSpPr>
+        <p:spPr>
+          <a:xfrm>
+            <a:off x="32239986" y="28776441"/>
+            <a:ext cx="4134465" cy="769441"/>
+          </a:xfrm>
+          <a:prstGeom prst="rect">
+            <a:avLst/>
+          </a:prstGeom>
+          <a:noFill/>
+        </p:spPr>
+        <p:txBody>
+          <a:bodyPr wrap="none" rtlCol="0">
+            <a:spAutoFit/>
+          </a:bodyPr>
+          <a:lstStyle/>
+          <a:p>
+            <a:r>
+              <a:rPr lang="ja-JP" altLang="en-US" sz="4400">
+                <a:latin typeface="Hiragino Sans W4" panose="020B0400000000000000" pitchFamily="34" charset="-128"/>
+                <a:ea typeface="Hiragino Sans W4" panose="020B0400000000000000" pitchFamily="34" charset="-128"/>
+              </a:rPr>
+              <a:t>トピック数：５</a:t>
+            </a:r>
+            <a:endParaRPr lang="en-US" altLang="ja-JP" sz="4400" dirty="0">
+              <a:latin typeface="Hiragino Sans W4" panose="020B0400000000000000" pitchFamily="34" charset="-128"/>
+              <a:ea typeface="Hiragino Sans W4" panose="020B0400000000000000" pitchFamily="34" charset="-128"/>
+            </a:endParaRPr>
+          </a:p>
+        </p:txBody>
+      </p:sp>
+      <p:graphicFrame>
+        <p:nvGraphicFramePr>
+          <p:cNvPr id="148" name="表 147">
+            <a:extLst>
+              <a:ext uri="{FF2B5EF4-FFF2-40B4-BE49-F238E27FC236}">
+                <a16:creationId xmlns:a16="http://schemas.microsoft.com/office/drawing/2014/main" id="{47ED07A1-8E20-4B4B-85BD-F048D485BE91}"/>
+              </a:ext>
+            </a:extLst>
+          </p:cNvPr>
+          <p:cNvGraphicFramePr>
+            <a:graphicFrameLocks noGrp="1"/>
+          </p:cNvGraphicFramePr>
+          <p:nvPr>
+            <p:extLst>
+              <p:ext uri="{D42A27DB-BD31-4B8C-83A1-F6EECF244321}">
+                <p14:modId xmlns:p14="http://schemas.microsoft.com/office/powerpoint/2010/main" val="1957645294"/>
+              </p:ext>
+            </p:extLst>
+          </p:nvPr>
+        </p:nvGraphicFramePr>
+        <p:xfrm>
+          <a:off x="24116711" y="25992014"/>
+          <a:ext cx="3507933" cy="4114800"/>
+        </p:xfrm>
+        <a:graphic>
+          <a:graphicData uri="http://schemas.openxmlformats.org/drawingml/2006/table">
+            <a:tbl>
+              <a:tblPr firstRow="1" bandRow="1">
+                <a:tableStyleId>{2A488322-F2BA-4B5B-9748-0D474271808F}</a:tableStyleId>
+              </a:tblPr>
+              <a:tblGrid>
+                <a:gridCol w="3507933">
+                  <a:extLst>
+                    <a:ext uri="{9D8B030D-6E8A-4147-A177-3AD203B41FA5}">
+                      <a16:colId xmlns:a16="http://schemas.microsoft.com/office/drawing/2014/main" val="476507974"/>
+                    </a:ext>
+                  </a:extLst>
+                </a:gridCol>
+              </a:tblGrid>
+              <a:tr h="417670">
+                <a:tc>
+                  <a:txBody>
+                    <a:bodyPr/>
+                    <a:lstStyle/>
+                    <a:p>
+                      <a:pPr algn="ctr"/>
+                      <a:r>
+                        <a:rPr kumimoji="1" lang="ja-JP" altLang="en-US" sz="2400">
+                          <a:latin typeface="Hiragino Sans W4" panose="020B0400000000000000" pitchFamily="34" charset="-128"/>
+                          <a:ea typeface="Hiragino Sans W4" panose="020B0400000000000000" pitchFamily="34" charset="-128"/>
+                        </a:rPr>
+                        <a:t>トピック</a:t>
+                      </a:r>
+                    </a:p>
+                  </a:txBody>
+                  <a:tcPr/>
+                </a:tc>
+                <a:extLst>
+                  <a:ext uri="{0D108BD9-81ED-4DB2-BD59-A6C34878D82A}">
+                    <a16:rowId xmlns:a16="http://schemas.microsoft.com/office/drawing/2014/main" val="523836565"/>
+                  </a:ext>
+                </a:extLst>
+              </a:tr>
+              <a:tr h="417670">
+                <a:tc>
+                  <a:txBody>
+                    <a:bodyPr/>
+                    <a:lstStyle/>
+                    <a:p>
+                      <a:r>
+                        <a:rPr kumimoji="1" lang="ja-JP" altLang="en-US" sz="2400">
+                          <a:latin typeface="Hiragino Sans W4" panose="020B0400000000000000" pitchFamily="34" charset="-128"/>
+                          <a:ea typeface="Hiragino Sans W4" panose="020B0400000000000000" pitchFamily="34" charset="-128"/>
+                        </a:rPr>
+                        <a:t>買い物</a:t>
+                      </a:r>
+                    </a:p>
+                  </a:txBody>
+                  <a:tcPr/>
+                </a:tc>
+                <a:extLst>
+                  <a:ext uri="{0D108BD9-81ED-4DB2-BD59-A6C34878D82A}">
+                    <a16:rowId xmlns:a16="http://schemas.microsoft.com/office/drawing/2014/main" val="4074486588"/>
+                  </a:ext>
+                </a:extLst>
+              </a:tr>
+              <a:tr h="417670">
+                <a:tc>
+                  <a:txBody>
+                    <a:bodyPr/>
+                    <a:lstStyle/>
+                    <a:p>
+                      <a:r>
+                        <a:rPr kumimoji="1" lang="ja-JP" altLang="en-US" sz="2400">
+                          <a:latin typeface="Hiragino Sans W4" panose="020B0400000000000000" pitchFamily="34" charset="-128"/>
+                          <a:ea typeface="Hiragino Sans W4" panose="020B0400000000000000" pitchFamily="34" charset="-128"/>
+                        </a:rPr>
+                        <a:t>お参り、参道</a:t>
+                      </a:r>
+                    </a:p>
+                  </a:txBody>
+                  <a:tcPr/>
+                </a:tc>
+                <a:extLst>
+                  <a:ext uri="{0D108BD9-81ED-4DB2-BD59-A6C34878D82A}">
+                    <a16:rowId xmlns:a16="http://schemas.microsoft.com/office/drawing/2014/main" val="29630606"/>
+                  </a:ext>
+                </a:extLst>
+              </a:tr>
+              <a:tr h="417670">
+                <a:tc>
+                  <a:txBody>
+                    <a:bodyPr/>
+                    <a:lstStyle/>
+                    <a:p>
+                      <a:r>
+                        <a:rPr lang="ja-JP" altLang="en-US" sz="2400">
+                          <a:latin typeface="Hiragino Sans W4" panose="020B0400000000000000" pitchFamily="34" charset="-128"/>
+                          <a:ea typeface="Hiragino Sans W4" panose="020B0400000000000000" pitchFamily="34" charset="-128"/>
+                        </a:rPr>
+                        <a:t>美術館、作品、博物館</a:t>
+                      </a:r>
+                      <a:endParaRPr kumimoji="1" lang="ja-JP" altLang="en-US" sz="2400">
+                        <a:latin typeface="Hiragino Sans W4" panose="020B0400000000000000" pitchFamily="34" charset="-128"/>
+                        <a:ea typeface="Hiragino Sans W4" panose="020B0400000000000000" pitchFamily="34" charset="-128"/>
+                      </a:endParaRPr>
+                    </a:p>
+                  </a:txBody>
+                  <a:tcPr/>
+                </a:tc>
+                <a:extLst>
+                  <a:ext uri="{0D108BD9-81ED-4DB2-BD59-A6C34878D82A}">
+                    <a16:rowId xmlns:a16="http://schemas.microsoft.com/office/drawing/2014/main" val="176714018"/>
+                  </a:ext>
+                </a:extLst>
+              </a:tr>
+              <a:tr h="417670">
+                <a:tc>
+                  <a:txBody>
+                    <a:bodyPr/>
+                    <a:lstStyle/>
+                    <a:p>
+                      <a:r>
+                        <a:rPr kumimoji="1" lang="ja-JP" altLang="en-US" sz="2400">
+                          <a:latin typeface="Hiragino Sans W4" panose="020B0400000000000000" pitchFamily="34" charset="-128"/>
+                          <a:ea typeface="Hiragino Sans W4" panose="020B0400000000000000" pitchFamily="34" charset="-128"/>
+                        </a:rPr>
+                        <a:t>芝生、遊具</a:t>
+                      </a:r>
+                    </a:p>
+                  </a:txBody>
+                  <a:tcPr/>
+                </a:tc>
+                <a:extLst>
+                  <a:ext uri="{0D108BD9-81ED-4DB2-BD59-A6C34878D82A}">
+                    <a16:rowId xmlns:a16="http://schemas.microsoft.com/office/drawing/2014/main" val="4162520137"/>
+                  </a:ext>
+                </a:extLst>
+              </a:tr>
+              <a:tr h="417670">
+                <a:tc>
+                  <a:txBody>
+                    <a:bodyPr/>
+                    <a:lstStyle/>
+                    <a:p>
+                      <a:r>
+                        <a:rPr kumimoji="1" lang="ja-JP" altLang="en-US" sz="2400">
+                          <a:latin typeface="Hiragino Sans W4" panose="020B0400000000000000" pitchFamily="34" charset="-128"/>
+                          <a:ea typeface="Hiragino Sans W4" panose="020B0400000000000000" pitchFamily="34" charset="-128"/>
+                        </a:rPr>
+                        <a:t>店舗、活気、モール</a:t>
+                      </a:r>
+                    </a:p>
+                  </a:txBody>
+                  <a:tcPr/>
+                </a:tc>
+                <a:extLst>
+                  <a:ext uri="{0D108BD9-81ED-4DB2-BD59-A6C34878D82A}">
+                    <a16:rowId xmlns:a16="http://schemas.microsoft.com/office/drawing/2014/main" val="600197875"/>
+                  </a:ext>
+                </a:extLst>
+              </a:tr>
+              <a:tr h="417670">
+                <a:tc>
+                  <a:txBody>
+                    <a:bodyPr/>
+                    <a:lstStyle/>
+                    <a:p>
+                      <a:r>
+                        <a:rPr kumimoji="1" lang="ja-JP" altLang="en-US" sz="2400">
+                          <a:latin typeface="Hiragino Sans W4" panose="020B0400000000000000" pitchFamily="34" charset="-128"/>
+                          <a:ea typeface="Hiragino Sans W4" panose="020B0400000000000000" pitchFamily="34" charset="-128"/>
+                        </a:rPr>
+                        <a:t>橋、海、眺め</a:t>
+                      </a:r>
+                    </a:p>
+                  </a:txBody>
+                  <a:tcPr/>
+                </a:tc>
+                <a:extLst>
+                  <a:ext uri="{0D108BD9-81ED-4DB2-BD59-A6C34878D82A}">
+                    <a16:rowId xmlns:a16="http://schemas.microsoft.com/office/drawing/2014/main" val="299920995"/>
+                  </a:ext>
+                </a:extLst>
+              </a:tr>
+              <a:tr h="417670">
+                <a:tc>
+                  <a:txBody>
+                    <a:bodyPr/>
+                    <a:lstStyle/>
+                    <a:p>
+                      <a:r>
+                        <a:rPr kumimoji="1" lang="ja-JP" altLang="en-US" sz="2400">
+                          <a:latin typeface="Hiragino Sans W4" panose="020B0400000000000000" pitchFamily="34" charset="-128"/>
+                          <a:ea typeface="Hiragino Sans W4" panose="020B0400000000000000" pitchFamily="34" charset="-128"/>
+                        </a:rPr>
+                        <a:t>観戦、球場</a:t>
+                      </a:r>
+                    </a:p>
+                  </a:txBody>
+                  <a:tcPr/>
+                </a:tc>
+                <a:extLst>
+                  <a:ext uri="{0D108BD9-81ED-4DB2-BD59-A6C34878D82A}">
+                    <a16:rowId xmlns:a16="http://schemas.microsoft.com/office/drawing/2014/main" val="4201362477"/>
+                  </a:ext>
+                </a:extLst>
+              </a:tr>
+              <a:tr h="417670">
+                <a:tc>
+                  <a:txBody>
+                    <a:bodyPr/>
+                    <a:lstStyle/>
+                    <a:p>
+                      <a:r>
+                        <a:rPr kumimoji="1" lang="ja-JP" altLang="en-US" sz="2400">
+                          <a:latin typeface="Hiragino Sans W4" panose="020B0400000000000000" pitchFamily="34" charset="-128"/>
+                          <a:ea typeface="Hiragino Sans W4" panose="020B0400000000000000" pitchFamily="34" charset="-128"/>
+                        </a:rPr>
+                        <a:t>お寺、庭園、花</a:t>
+                      </a:r>
+                    </a:p>
+                  </a:txBody>
+                  <a:tcPr/>
+                </a:tc>
+                <a:extLst>
+                  <a:ext uri="{0D108BD9-81ED-4DB2-BD59-A6C34878D82A}">
+                    <a16:rowId xmlns:a16="http://schemas.microsoft.com/office/drawing/2014/main" val="2811823831"/>
+                  </a:ext>
+                </a:extLst>
+              </a:tr>
+            </a:tbl>
+          </a:graphicData>
+        </a:graphic>
+      </p:graphicFrame>
+      <p:grpSp>
+        <p:nvGrpSpPr>
+          <p:cNvPr id="162" name="グループ化 161">
+            <a:extLst>
+              <a:ext uri="{FF2B5EF4-FFF2-40B4-BE49-F238E27FC236}">
+                <a16:creationId xmlns:a16="http://schemas.microsoft.com/office/drawing/2014/main" id="{8A489CFA-EBA8-A546-8123-CA183639526F}"/>
+              </a:ext>
+            </a:extLst>
+          </p:cNvPr>
+          <p:cNvGrpSpPr/>
+          <p:nvPr/>
+        </p:nvGrpSpPr>
+        <p:grpSpPr>
+          <a:xfrm>
+            <a:off x="17805780" y="26202597"/>
+            <a:ext cx="1340992" cy="2169971"/>
+            <a:chOff x="16696435" y="26461066"/>
+            <a:chExt cx="1340992" cy="2169971"/>
+          </a:xfrm>
+        </p:grpSpPr>
+        <p:sp>
+          <p:nvSpPr>
+            <p:cNvPr id="163" name="正方形/長方形 162">
+              <a:extLst>
+                <a:ext uri="{FF2B5EF4-FFF2-40B4-BE49-F238E27FC236}">
+                  <a16:creationId xmlns:a16="http://schemas.microsoft.com/office/drawing/2014/main" id="{DB9D3984-DBBE-5849-A7EE-560FD33E88D9}"/>
+                </a:ext>
+              </a:extLst>
+            </p:cNvPr>
+            <p:cNvSpPr/>
+            <p:nvPr/>
+          </p:nvSpPr>
+          <p:spPr>
+            <a:xfrm>
+              <a:off x="16696435" y="26461066"/>
+              <a:ext cx="1036192" cy="1865171"/>
+            </a:xfrm>
+            <a:prstGeom prst="rect">
+              <a:avLst/>
+            </a:prstGeom>
+            <a:solidFill>
+              <a:schemeClr val="bg1"/>
+            </a:solidFill>
+            <a:ln>
+              <a:solidFill>
+                <a:schemeClr val="bg2">
+                  <a:lumMod val="75000"/>
+                </a:schemeClr>
+              </a:solidFill>
+            </a:ln>
+          </p:spPr>
+          <p:style>
+            <a:lnRef idx="2">
+              <a:schemeClr val="accent1">
+                <a:shade val="50000"/>
+              </a:schemeClr>
+            </a:lnRef>
+            <a:fillRef idx="1">
+              <a:schemeClr val="accent1"/>
+            </a:fillRef>
+            <a:effectRef idx="0">
+              <a:schemeClr val="accent1"/>
+            </a:effectRef>
+            <a:fontRef idx="minor">
+              <a:schemeClr val="lt1"/>
+            </a:fontRef>
+          </p:style>
+          <p:txBody>
+            <a:bodyPr rtlCol="0" anchor="ctr"/>
+            <a:lstStyle/>
+            <a:p>
+              <a:pPr algn="ctr"/>
+              <a:endParaRPr kumimoji="1" lang="ja-JP" altLang="en-US"/>
+            </a:p>
+          </p:txBody>
+        </p:sp>
+        <p:sp>
+          <p:nvSpPr>
+            <p:cNvPr id="164" name="正方形/長方形 163">
+              <a:extLst>
+                <a:ext uri="{FF2B5EF4-FFF2-40B4-BE49-F238E27FC236}">
+                  <a16:creationId xmlns:a16="http://schemas.microsoft.com/office/drawing/2014/main" id="{13143686-60AB-E54F-B307-01680CB4D874}"/>
+                </a:ext>
+              </a:extLst>
+            </p:cNvPr>
+            <p:cNvSpPr/>
+            <p:nvPr/>
+          </p:nvSpPr>
+          <p:spPr>
+            <a:xfrm>
+              <a:off x="16848835" y="26613466"/>
+              <a:ext cx="1036192" cy="1865171"/>
+            </a:xfrm>
+            <a:prstGeom prst="rect">
+              <a:avLst/>
+            </a:prstGeom>
+            <a:solidFill>
+              <a:schemeClr val="bg1"/>
+            </a:solidFill>
+            <a:ln>
+              <a:solidFill>
+                <a:schemeClr val="bg2">
+                  <a:lumMod val="75000"/>
+                </a:schemeClr>
+              </a:solidFill>
+            </a:ln>
+          </p:spPr>
+          <p:style>
+            <a:lnRef idx="2">
+              <a:schemeClr val="accent1">
+                <a:shade val="50000"/>
+              </a:schemeClr>
+            </a:lnRef>
+            <a:fillRef idx="1">
+              <a:schemeClr val="accent1"/>
+            </a:fillRef>
+            <a:effectRef idx="0">
+              <a:schemeClr val="accent1"/>
+            </a:effectRef>
+            <a:fontRef idx="minor">
+              <a:schemeClr val="lt1"/>
+            </a:fontRef>
+          </p:style>
+          <p:txBody>
+            <a:bodyPr rtlCol="0" anchor="ctr"/>
+            <a:lstStyle/>
+            <a:p>
+              <a:pPr algn="ctr"/>
+              <a:endParaRPr kumimoji="1" lang="ja-JP" altLang="en-US"/>
+            </a:p>
+          </p:txBody>
+        </p:sp>
+        <p:sp>
+          <p:nvSpPr>
+            <p:cNvPr id="165" name="正方形/長方形 164">
+              <a:extLst>
+                <a:ext uri="{FF2B5EF4-FFF2-40B4-BE49-F238E27FC236}">
+                  <a16:creationId xmlns:a16="http://schemas.microsoft.com/office/drawing/2014/main" id="{6C9D0457-3733-2640-80EE-F705B03696E8}"/>
+                </a:ext>
+              </a:extLst>
+            </p:cNvPr>
+            <p:cNvSpPr/>
+            <p:nvPr/>
+          </p:nvSpPr>
+          <p:spPr>
+            <a:xfrm>
+              <a:off x="17001235" y="26765866"/>
+              <a:ext cx="1036192" cy="1865171"/>
+            </a:xfrm>
+            <a:prstGeom prst="rect">
+              <a:avLst/>
+            </a:prstGeom>
+            <a:solidFill>
+              <a:schemeClr val="bg1"/>
+            </a:solidFill>
+            <a:ln>
+              <a:solidFill>
+                <a:schemeClr val="bg2">
+                  <a:lumMod val="75000"/>
+                </a:schemeClr>
+              </a:solidFill>
+            </a:ln>
+          </p:spPr>
+          <p:style>
+            <a:lnRef idx="2">
+              <a:schemeClr val="accent1">
+                <a:shade val="50000"/>
+              </a:schemeClr>
+            </a:lnRef>
+            <a:fillRef idx="1">
+              <a:schemeClr val="accent1"/>
+            </a:fillRef>
+            <a:effectRef idx="0">
+              <a:schemeClr val="accent1"/>
+            </a:effectRef>
+            <a:fontRef idx="minor">
+              <a:schemeClr val="lt1"/>
+            </a:fontRef>
+          </p:style>
+          <p:txBody>
+            <a:bodyPr rtlCol="0" anchor="ctr"/>
+            <a:lstStyle/>
+            <a:p>
+              <a:pPr algn="ctr"/>
+              <a:endParaRPr kumimoji="1" lang="ja-JP" altLang="en-US"/>
+            </a:p>
+          </p:txBody>
+        </p:sp>
+      </p:grpSp>
+      <p:grpSp>
+        <p:nvGrpSpPr>
+          <p:cNvPr id="166" name="グループ化 165">
+            <a:extLst>
+              <a:ext uri="{FF2B5EF4-FFF2-40B4-BE49-F238E27FC236}">
+                <a16:creationId xmlns:a16="http://schemas.microsoft.com/office/drawing/2014/main" id="{57A45CC3-DFC5-564F-AA7B-D9C110266E0D}"/>
+              </a:ext>
+            </a:extLst>
+          </p:cNvPr>
+          <p:cNvGrpSpPr/>
+          <p:nvPr/>
+        </p:nvGrpSpPr>
+        <p:grpSpPr>
+          <a:xfrm>
+            <a:off x="15967994" y="26201858"/>
+            <a:ext cx="1340992" cy="2169971"/>
+            <a:chOff x="16696435" y="26461066"/>
+            <a:chExt cx="1340992" cy="2169971"/>
+          </a:xfrm>
+        </p:grpSpPr>
+        <p:sp>
+          <p:nvSpPr>
+            <p:cNvPr id="167" name="正方形/長方形 166">
+              <a:extLst>
+                <a:ext uri="{FF2B5EF4-FFF2-40B4-BE49-F238E27FC236}">
+                  <a16:creationId xmlns:a16="http://schemas.microsoft.com/office/drawing/2014/main" id="{3534D4EC-7639-2F48-A965-1EC194CB0E9D}"/>
+                </a:ext>
+              </a:extLst>
+            </p:cNvPr>
+            <p:cNvSpPr/>
+            <p:nvPr/>
+          </p:nvSpPr>
+          <p:spPr>
+            <a:xfrm>
+              <a:off x="16696435" y="26461066"/>
+              <a:ext cx="1036192" cy="1865171"/>
+            </a:xfrm>
+            <a:prstGeom prst="rect">
+              <a:avLst/>
+            </a:prstGeom>
+            <a:solidFill>
+              <a:schemeClr val="bg1"/>
+            </a:solidFill>
+            <a:ln>
+              <a:solidFill>
+                <a:schemeClr val="bg2">
+                  <a:lumMod val="75000"/>
+                </a:schemeClr>
+              </a:solidFill>
+            </a:ln>
+          </p:spPr>
+          <p:style>
+            <a:lnRef idx="2">
+              <a:schemeClr val="accent1">
+                <a:shade val="50000"/>
+              </a:schemeClr>
+            </a:lnRef>
+            <a:fillRef idx="1">
+              <a:schemeClr val="accent1"/>
+            </a:fillRef>
+            <a:effectRef idx="0">
+              <a:schemeClr val="accent1"/>
+            </a:effectRef>
+            <a:fontRef idx="minor">
+              <a:schemeClr val="lt1"/>
+            </a:fontRef>
+          </p:style>
+          <p:txBody>
+            <a:bodyPr rtlCol="0" anchor="ctr"/>
+            <a:lstStyle/>
+            <a:p>
+              <a:pPr algn="ctr"/>
+              <a:endParaRPr kumimoji="1" lang="ja-JP" altLang="en-US"/>
+            </a:p>
+          </p:txBody>
+        </p:sp>
+        <p:sp>
+          <p:nvSpPr>
+            <p:cNvPr id="168" name="正方形/長方形 167">
+              <a:extLst>
+                <a:ext uri="{FF2B5EF4-FFF2-40B4-BE49-F238E27FC236}">
+                  <a16:creationId xmlns:a16="http://schemas.microsoft.com/office/drawing/2014/main" id="{56B3FF0C-4723-5346-98FE-B4E6BEBFD0D9}"/>
+                </a:ext>
+              </a:extLst>
+            </p:cNvPr>
+            <p:cNvSpPr/>
+            <p:nvPr/>
+          </p:nvSpPr>
+          <p:spPr>
+            <a:xfrm>
+              <a:off x="16848835" y="26613466"/>
+              <a:ext cx="1036192" cy="1865171"/>
+            </a:xfrm>
+            <a:prstGeom prst="rect">
+              <a:avLst/>
+            </a:prstGeom>
+            <a:solidFill>
+              <a:schemeClr val="bg1"/>
+            </a:solidFill>
+            <a:ln>
+              <a:solidFill>
+                <a:schemeClr val="bg2">
+                  <a:lumMod val="75000"/>
+                </a:schemeClr>
+              </a:solidFill>
+            </a:ln>
+          </p:spPr>
+          <p:style>
+            <a:lnRef idx="2">
+              <a:schemeClr val="accent1">
+                <a:shade val="50000"/>
+              </a:schemeClr>
+            </a:lnRef>
+            <a:fillRef idx="1">
+              <a:schemeClr val="accent1"/>
+            </a:fillRef>
+            <a:effectRef idx="0">
+              <a:schemeClr val="accent1"/>
+            </a:effectRef>
+            <a:fontRef idx="minor">
+              <a:schemeClr val="lt1"/>
+            </a:fontRef>
+          </p:style>
+          <p:txBody>
+            <a:bodyPr rtlCol="0" anchor="ctr"/>
+            <a:lstStyle/>
+            <a:p>
+              <a:pPr algn="ctr"/>
+              <a:endParaRPr kumimoji="1" lang="ja-JP" altLang="en-US"/>
+            </a:p>
+          </p:txBody>
+        </p:sp>
+        <p:sp>
+          <p:nvSpPr>
+            <p:cNvPr id="169" name="正方形/長方形 168">
+              <a:extLst>
+                <a:ext uri="{FF2B5EF4-FFF2-40B4-BE49-F238E27FC236}">
+                  <a16:creationId xmlns:a16="http://schemas.microsoft.com/office/drawing/2014/main" id="{F908807B-0EC0-D042-A5B9-66012CB0D0D8}"/>
+                </a:ext>
+              </a:extLst>
+            </p:cNvPr>
+            <p:cNvSpPr/>
+            <p:nvPr/>
+          </p:nvSpPr>
+          <p:spPr>
+            <a:xfrm>
+              <a:off x="17001235" y="26765866"/>
+              <a:ext cx="1036192" cy="1865171"/>
+            </a:xfrm>
+            <a:prstGeom prst="rect">
+              <a:avLst/>
+            </a:prstGeom>
+            <a:solidFill>
+              <a:schemeClr val="bg1"/>
+            </a:solidFill>
+            <a:ln>
+              <a:solidFill>
+                <a:schemeClr val="bg2">
+                  <a:lumMod val="75000"/>
+                </a:schemeClr>
+              </a:solidFill>
+            </a:ln>
+          </p:spPr>
+          <p:style>
+            <a:lnRef idx="2">
+              <a:schemeClr val="accent1">
+                <a:shade val="50000"/>
+              </a:schemeClr>
+            </a:lnRef>
+            <a:fillRef idx="1">
+              <a:schemeClr val="accent1"/>
+            </a:fillRef>
+            <a:effectRef idx="0">
+              <a:schemeClr val="accent1"/>
+            </a:effectRef>
+            <a:fontRef idx="minor">
+              <a:schemeClr val="lt1"/>
+            </a:fontRef>
+          </p:style>
+          <p:txBody>
+            <a:bodyPr rtlCol="0" anchor="ctr"/>
+            <a:lstStyle/>
+            <a:p>
+              <a:pPr algn="ctr"/>
+              <a:endParaRPr kumimoji="1" lang="ja-JP" altLang="en-US"/>
+            </a:p>
+          </p:txBody>
+        </p:sp>
+      </p:grpSp>
+      <p:grpSp>
+        <p:nvGrpSpPr>
+          <p:cNvPr id="170" name="グループ化 169">
+            <a:extLst>
+              <a:ext uri="{FF2B5EF4-FFF2-40B4-BE49-F238E27FC236}">
+                <a16:creationId xmlns:a16="http://schemas.microsoft.com/office/drawing/2014/main" id="{0ED5F144-98F0-C742-8281-8C34A81E4D1C}"/>
+              </a:ext>
+            </a:extLst>
+          </p:cNvPr>
+          <p:cNvGrpSpPr/>
+          <p:nvPr/>
+        </p:nvGrpSpPr>
+        <p:grpSpPr>
+          <a:xfrm>
+            <a:off x="16950771" y="26781156"/>
+            <a:ext cx="1340992" cy="2169971"/>
+            <a:chOff x="16696435" y="26461066"/>
+            <a:chExt cx="1340992" cy="2169971"/>
+          </a:xfrm>
+        </p:grpSpPr>
+        <p:sp>
+          <p:nvSpPr>
+            <p:cNvPr id="171" name="正方形/長方形 170">
+              <a:extLst>
+                <a:ext uri="{FF2B5EF4-FFF2-40B4-BE49-F238E27FC236}">
+                  <a16:creationId xmlns:a16="http://schemas.microsoft.com/office/drawing/2014/main" id="{D6FAA0FB-1AA4-9C41-974B-B5D36376EE65}"/>
+                </a:ext>
+              </a:extLst>
+            </p:cNvPr>
+            <p:cNvSpPr/>
+            <p:nvPr/>
+          </p:nvSpPr>
+          <p:spPr>
+            <a:xfrm>
+              <a:off x="16696435" y="26461066"/>
+              <a:ext cx="1036192" cy="1865171"/>
+            </a:xfrm>
+            <a:prstGeom prst="rect">
+              <a:avLst/>
+            </a:prstGeom>
+            <a:solidFill>
+              <a:schemeClr val="bg1"/>
+            </a:solidFill>
+            <a:ln>
+              <a:solidFill>
+                <a:schemeClr val="bg2">
+                  <a:lumMod val="75000"/>
+                </a:schemeClr>
+              </a:solidFill>
+            </a:ln>
+          </p:spPr>
+          <p:style>
+            <a:lnRef idx="2">
+              <a:schemeClr val="accent1">
+                <a:shade val="50000"/>
+              </a:schemeClr>
+            </a:lnRef>
+            <a:fillRef idx="1">
+              <a:schemeClr val="accent1"/>
+            </a:fillRef>
+            <a:effectRef idx="0">
+              <a:schemeClr val="accent1"/>
+            </a:effectRef>
+            <a:fontRef idx="minor">
+              <a:schemeClr val="lt1"/>
+            </a:fontRef>
+          </p:style>
+          <p:txBody>
+            <a:bodyPr rtlCol="0" anchor="ctr"/>
+            <a:lstStyle/>
+            <a:p>
+              <a:pPr algn="ctr"/>
+              <a:endParaRPr kumimoji="1" lang="ja-JP" altLang="en-US"/>
+            </a:p>
+          </p:txBody>
+        </p:sp>
+        <p:sp>
+          <p:nvSpPr>
+            <p:cNvPr id="172" name="正方形/長方形 171">
+              <a:extLst>
+                <a:ext uri="{FF2B5EF4-FFF2-40B4-BE49-F238E27FC236}">
+                  <a16:creationId xmlns:a16="http://schemas.microsoft.com/office/drawing/2014/main" id="{DE5DCCD1-5636-E44C-82E8-659CCD6723F8}"/>
+                </a:ext>
+              </a:extLst>
+            </p:cNvPr>
+            <p:cNvSpPr/>
+            <p:nvPr/>
+          </p:nvSpPr>
+          <p:spPr>
+            <a:xfrm>
+              <a:off x="16848835" y="26613466"/>
+              <a:ext cx="1036192" cy="1865171"/>
+            </a:xfrm>
+            <a:prstGeom prst="rect">
+              <a:avLst/>
+            </a:prstGeom>
+            <a:solidFill>
+              <a:schemeClr val="bg1"/>
+            </a:solidFill>
+            <a:ln>
+              <a:solidFill>
+                <a:schemeClr val="bg2">
+                  <a:lumMod val="75000"/>
+                </a:schemeClr>
+              </a:solidFill>
+            </a:ln>
+          </p:spPr>
+          <p:style>
+            <a:lnRef idx="2">
+              <a:schemeClr val="accent1">
+                <a:shade val="50000"/>
+              </a:schemeClr>
+            </a:lnRef>
+            <a:fillRef idx="1">
+              <a:schemeClr val="accent1"/>
+            </a:fillRef>
+            <a:effectRef idx="0">
+              <a:schemeClr val="accent1"/>
+            </a:effectRef>
+            <a:fontRef idx="minor">
+              <a:schemeClr val="lt1"/>
+            </a:fontRef>
+          </p:style>
+          <p:txBody>
+            <a:bodyPr rtlCol="0" anchor="ctr"/>
+            <a:lstStyle/>
+            <a:p>
+              <a:pPr algn="ctr"/>
+              <a:endParaRPr kumimoji="1" lang="ja-JP" altLang="en-US"/>
+            </a:p>
+          </p:txBody>
+        </p:sp>
+        <p:sp>
+          <p:nvSpPr>
+            <p:cNvPr id="173" name="正方形/長方形 172">
+              <a:extLst>
+                <a:ext uri="{FF2B5EF4-FFF2-40B4-BE49-F238E27FC236}">
+                  <a16:creationId xmlns:a16="http://schemas.microsoft.com/office/drawing/2014/main" id="{55AF7048-9332-A24F-8FD2-159DC64D571B}"/>
+                </a:ext>
+              </a:extLst>
+            </p:cNvPr>
+            <p:cNvSpPr/>
+            <p:nvPr/>
+          </p:nvSpPr>
+          <p:spPr>
+            <a:xfrm>
+              <a:off x="17001235" y="26765866"/>
+              <a:ext cx="1036192" cy="1865171"/>
+            </a:xfrm>
+            <a:prstGeom prst="rect">
+              <a:avLst/>
+            </a:prstGeom>
+            <a:solidFill>
+              <a:schemeClr val="bg1"/>
+            </a:solidFill>
+            <a:ln>
+              <a:solidFill>
+                <a:schemeClr val="bg2">
+                  <a:lumMod val="75000"/>
+                </a:schemeClr>
+              </a:solidFill>
+            </a:ln>
+          </p:spPr>
+          <p:style>
+            <a:lnRef idx="2">
+              <a:schemeClr val="accent1">
+                <a:shade val="50000"/>
+              </a:schemeClr>
+            </a:lnRef>
+            <a:fillRef idx="1">
+              <a:schemeClr val="accent1"/>
+            </a:fillRef>
+            <a:effectRef idx="0">
+              <a:schemeClr val="accent1"/>
+            </a:effectRef>
+            <a:fontRef idx="minor">
+              <a:schemeClr val="lt1"/>
+            </a:fontRef>
+          </p:style>
+          <p:txBody>
+            <a:bodyPr rtlCol="0" anchor="ctr"/>
+            <a:lstStyle/>
+            <a:p>
+              <a:pPr algn="ctr"/>
+              <a:endParaRPr kumimoji="1" lang="ja-JP" altLang="en-US"/>
+            </a:p>
+          </p:txBody>
+        </p:sp>
+      </p:grpSp>
+      <p:sp>
+        <p:nvSpPr>
+          <p:cNvPr id="178" name="テキスト ボックス 177">
+            <a:extLst>
+              <a:ext uri="{FF2B5EF4-FFF2-40B4-BE49-F238E27FC236}">
+                <a16:creationId xmlns:a16="http://schemas.microsoft.com/office/drawing/2014/main" id="{454F0711-E66B-EA4B-AD97-A94FD4AC0E9D}"/>
+              </a:ext>
+            </a:extLst>
+          </p:cNvPr>
+          <p:cNvSpPr txBox="1"/>
+          <p:nvPr/>
+        </p:nvSpPr>
+        <p:spPr>
+          <a:xfrm>
+            <a:off x="22167239" y="30508899"/>
+            <a:ext cx="3877985" cy="1077218"/>
+          </a:xfrm>
+          <a:prstGeom prst="rect">
+            <a:avLst/>
+          </a:prstGeom>
+          <a:noFill/>
+        </p:spPr>
+        <p:txBody>
+          <a:bodyPr wrap="none" rtlCol="0">
+            <a:spAutoFit/>
+          </a:bodyPr>
+          <a:lstStyle/>
+          <a:p>
+            <a:pPr algn="ctr"/>
+            <a:r>
+              <a:rPr kumimoji="1" lang="ja-JP" altLang="en-US" sz="3200">
+                <a:latin typeface="Hiragino Sans W4" panose="020B0400000000000000" pitchFamily="34" charset="-128"/>
+                <a:ea typeface="Hiragino Sans W4" panose="020B0400000000000000" pitchFamily="34" charset="-128"/>
+              </a:rPr>
+              <a:t>各スポットの</a:t>
+            </a:r>
+            <a:endParaRPr kumimoji="1" lang="en-US" altLang="ja-JP" sz="3200" dirty="0">
+              <a:latin typeface="Hiragino Sans W4" panose="020B0400000000000000" pitchFamily="34" charset="-128"/>
+              <a:ea typeface="Hiragino Sans W4" panose="020B0400000000000000" pitchFamily="34" charset="-128"/>
+            </a:endParaRPr>
+          </a:p>
+          <a:p>
+            <a:pPr algn="ctr"/>
+            <a:r>
+              <a:rPr kumimoji="1" lang="ja-JP" altLang="en-US" sz="3200">
+                <a:latin typeface="Hiragino Sans W4" panose="020B0400000000000000" pitchFamily="34" charset="-128"/>
+                <a:ea typeface="Hiragino Sans W4" panose="020B0400000000000000" pitchFamily="34" charset="-128"/>
+              </a:rPr>
+              <a:t>レビュー文書を分析</a:t>
+            </a:r>
+          </a:p>
+        </p:txBody>
+      </p:sp>
+      <p:sp>
+        <p:nvSpPr>
+          <p:cNvPr id="180" name="テキスト ボックス 179">
+            <a:extLst>
+              <a:ext uri="{FF2B5EF4-FFF2-40B4-BE49-F238E27FC236}">
+                <a16:creationId xmlns:a16="http://schemas.microsoft.com/office/drawing/2014/main" id="{7BDE535B-D8FB-9A42-A277-FE7113264219}"/>
+              </a:ext>
+            </a:extLst>
+          </p:cNvPr>
+          <p:cNvSpPr txBox="1"/>
+          <p:nvPr/>
+        </p:nvSpPr>
+        <p:spPr>
+          <a:xfrm>
+            <a:off x="21879591" y="32075267"/>
+            <a:ext cx="5109091" cy="584775"/>
+          </a:xfrm>
+          <a:prstGeom prst="rect">
+            <a:avLst/>
+          </a:prstGeom>
+          <a:noFill/>
+        </p:spPr>
+        <p:txBody>
+          <a:bodyPr wrap="none" rtlCol="0">
+            <a:spAutoFit/>
+          </a:bodyPr>
+          <a:lstStyle/>
+          <a:p>
+            <a:r>
+              <a:rPr lang="en-US" altLang="ja-JP" sz="3200" dirty="0">
+                <a:latin typeface="Hiragino Sans W4" panose="020B0400000000000000" pitchFamily="34" charset="-128"/>
+                <a:ea typeface="Hiragino Sans W4" panose="020B0400000000000000" pitchFamily="34" charset="-128"/>
+              </a:rPr>
+              <a:t>『</a:t>
+            </a:r>
+            <a:r>
+              <a:rPr lang="ja-JP" altLang="en-US" sz="3200">
+                <a:latin typeface="Hiragino Sans W4" panose="020B0400000000000000" pitchFamily="34" charset="-128"/>
+                <a:ea typeface="Hiragino Sans W4" panose="020B0400000000000000" pitchFamily="34" charset="-128"/>
+              </a:rPr>
+              <a:t>仲見世通り</a:t>
+            </a:r>
+            <a:r>
+              <a:rPr lang="en-US" altLang="ja-JP" sz="3200" dirty="0">
+                <a:latin typeface="Hiragino Sans W4" panose="020B0400000000000000" pitchFamily="34" charset="-128"/>
+                <a:ea typeface="Hiragino Sans W4" panose="020B0400000000000000" pitchFamily="34" charset="-128"/>
+              </a:rPr>
+              <a:t>』</a:t>
+            </a:r>
+            <a:r>
+              <a:rPr lang="ja-JP" altLang="en-US" sz="3200">
+                <a:latin typeface="Hiragino Sans W4" panose="020B0400000000000000" pitchFamily="34" charset="-128"/>
+                <a:ea typeface="Hiragino Sans W4" panose="020B0400000000000000" pitchFamily="34" charset="-128"/>
+              </a:rPr>
+              <a:t>のトピック</a:t>
+            </a:r>
+          </a:p>
+        </p:txBody>
+      </p:sp>
+      <p:graphicFrame>
+        <p:nvGraphicFramePr>
+          <p:cNvPr id="181" name="表 180">
+            <a:extLst>
+              <a:ext uri="{FF2B5EF4-FFF2-40B4-BE49-F238E27FC236}">
+                <a16:creationId xmlns:a16="http://schemas.microsoft.com/office/drawing/2014/main" id="{B03E48B8-C047-9240-A916-572F59A4151D}"/>
+              </a:ext>
+            </a:extLst>
+          </p:cNvPr>
+          <p:cNvGraphicFramePr>
+            <a:graphicFrameLocks noGrp="1"/>
+          </p:cNvGraphicFramePr>
+          <p:nvPr>
+            <p:extLst>
+              <p:ext uri="{D42A27DB-BD31-4B8C-83A1-F6EECF244321}">
+                <p14:modId xmlns:p14="http://schemas.microsoft.com/office/powerpoint/2010/main" val="1237724846"/>
+              </p:ext>
+            </p:extLst>
+          </p:nvPr>
+        </p:nvGraphicFramePr>
+        <p:xfrm>
+          <a:off x="22085388" y="32803564"/>
+          <a:ext cx="4821202" cy="2816700"/>
+        </p:xfrm>
+        <a:graphic>
+          <a:graphicData uri="http://schemas.openxmlformats.org/drawingml/2006/table">
+            <a:tbl>
+              <a:tblPr firstRow="1" bandRow="1">
+                <a:tableStyleId>{2A488322-F2BA-4B5B-9748-0D474271808F}</a:tableStyleId>
+              </a:tblPr>
+              <a:tblGrid>
+                <a:gridCol w="2332653">
+                  <a:extLst>
+                    <a:ext uri="{9D8B030D-6E8A-4147-A177-3AD203B41FA5}">
+                      <a16:colId xmlns:a16="http://schemas.microsoft.com/office/drawing/2014/main" val="476507974"/>
+                    </a:ext>
+                  </a:extLst>
+                </a:gridCol>
+                <a:gridCol w="2488549">
+                  <a:extLst>
+                    <a:ext uri="{9D8B030D-6E8A-4147-A177-3AD203B41FA5}">
+                      <a16:colId xmlns:a16="http://schemas.microsoft.com/office/drawing/2014/main" val="1990266496"/>
+                    </a:ext>
+                  </a:extLst>
+                </a:gridCol>
+              </a:tblGrid>
+              <a:tr h="483884">
+                <a:tc>
+                  <a:txBody>
+                    <a:bodyPr/>
+                    <a:lstStyle/>
+                    <a:p>
+                      <a:pPr algn="ctr"/>
+                      <a:r>
+                        <a:rPr kumimoji="1" lang="ja-JP" altLang="en-US" sz="2800">
+                          <a:latin typeface="Hiragino Sans W4" panose="020B0400000000000000" pitchFamily="34" charset="-128"/>
+                          <a:ea typeface="Hiragino Sans W4" panose="020B0400000000000000" pitchFamily="34" charset="-128"/>
+                        </a:rPr>
+                        <a:t>トピック</a:t>
+                      </a:r>
+                    </a:p>
+                  </a:txBody>
+                  <a:tcPr/>
+                </a:tc>
+                <a:tc>
+                  <a:txBody>
+                    <a:bodyPr/>
+                    <a:lstStyle/>
+                    <a:p>
+                      <a:pPr algn="ctr"/>
+                      <a:r>
+                        <a:rPr kumimoji="1" lang="ja-JP" altLang="en-US" sz="2800">
+                          <a:latin typeface="Hiragino Sans W4" panose="020B0400000000000000" pitchFamily="34" charset="-128"/>
+                          <a:ea typeface="Hiragino Sans W4" panose="020B0400000000000000" pitchFamily="34" charset="-128"/>
+                        </a:rPr>
+                        <a:t>確率</a:t>
+                      </a:r>
+                    </a:p>
+                  </a:txBody>
+                  <a:tcPr/>
+                </a:tc>
+                <a:extLst>
+                  <a:ext uri="{0D108BD9-81ED-4DB2-BD59-A6C34878D82A}">
+                    <a16:rowId xmlns:a16="http://schemas.microsoft.com/office/drawing/2014/main" val="523836565"/>
+                  </a:ext>
+                </a:extLst>
+              </a:tr>
+              <a:tr h="574635">
+                <a:tc>
+                  <a:txBody>
+                    <a:bodyPr/>
+                    <a:lstStyle/>
+                    <a:p>
+                      <a:pPr marL="0" marR="0" lvl="0" indent="0" algn="l" defTabSz="3027487" rtl="0" eaLnBrk="1" fontAlgn="auto" latinLnBrk="0" hangingPunct="1">
+                        <a:lnSpc>
+                          <a:spcPct val="100000"/>
+                        </a:lnSpc>
+                        <a:spcBef>
+                          <a:spcPts val="0"/>
+                        </a:spcBef>
+                        <a:spcAft>
+                          <a:spcPts val="0"/>
+                        </a:spcAft>
+                        <a:buClrTx/>
+                        <a:buSzTx/>
+                        <a:buFontTx/>
+                        <a:buNone/>
+                        <a:tabLst/>
+                        <a:defRPr/>
+                      </a:pPr>
+                      <a:r>
+                        <a:rPr kumimoji="1" lang="ja-JP" altLang="en-US" sz="2800">
+                          <a:latin typeface="Hiragino Sans W4" panose="020B0400000000000000" pitchFamily="34" charset="-128"/>
+                          <a:ea typeface="Hiragino Sans W4" panose="020B0400000000000000" pitchFamily="34" charset="-128"/>
+                        </a:rPr>
+                        <a:t>買い物</a:t>
+                      </a:r>
+                    </a:p>
+                  </a:txBody>
+                  <a:tcPr/>
+                </a:tc>
+                <a:tc>
+                  <a:txBody>
+                    <a:bodyPr/>
+                    <a:lstStyle/>
+                    <a:p>
+                      <a:r>
+                        <a:rPr lang="en-US" altLang="ja-JP" sz="2800" dirty="0">
+                          <a:latin typeface="Hiragino Sans W4" panose="020B0400000000000000" pitchFamily="34" charset="-128"/>
+                          <a:ea typeface="Hiragino Sans W4" panose="020B0400000000000000" pitchFamily="34" charset="-128"/>
+                        </a:rPr>
+                        <a:t>0.5105906</a:t>
+                      </a:r>
+                      <a:endParaRPr kumimoji="1" lang="ja-JP" altLang="en-US" sz="2800">
+                        <a:latin typeface="Hiragino Sans W4" panose="020B0400000000000000" pitchFamily="34" charset="-128"/>
+                        <a:ea typeface="Hiragino Sans W4" panose="020B0400000000000000" pitchFamily="34" charset="-128"/>
+                      </a:endParaRPr>
+                    </a:p>
+                  </a:txBody>
+                  <a:tcPr/>
+                </a:tc>
+                <a:extLst>
+                  <a:ext uri="{0D108BD9-81ED-4DB2-BD59-A6C34878D82A}">
+                    <a16:rowId xmlns:a16="http://schemas.microsoft.com/office/drawing/2014/main" val="4074486588"/>
+                  </a:ext>
+                </a:extLst>
+              </a:tr>
+              <a:tr h="574635">
+                <a:tc>
+                  <a:txBody>
+                    <a:bodyPr/>
+                    <a:lstStyle/>
+                    <a:p>
+                      <a:r>
+                        <a:rPr kumimoji="1" lang="ja-JP" altLang="en-US" sz="2800">
+                          <a:latin typeface="Hiragino Sans W4" panose="020B0400000000000000" pitchFamily="34" charset="-128"/>
+                          <a:ea typeface="Hiragino Sans W4" panose="020B0400000000000000" pitchFamily="34" charset="-128"/>
+                        </a:rPr>
+                        <a:t>お参り、参道</a:t>
+                      </a:r>
+                    </a:p>
+                  </a:txBody>
+                  <a:tcPr/>
+                </a:tc>
+                <a:tc>
+                  <a:txBody>
+                    <a:bodyPr/>
+                    <a:lstStyle/>
+                    <a:p>
+                      <a:r>
+                        <a:rPr lang="en-US" altLang="ja-JP" sz="2800" dirty="0">
+                          <a:latin typeface="Hiragino Sans W4" panose="020B0400000000000000" pitchFamily="34" charset="-128"/>
+                          <a:ea typeface="Hiragino Sans W4" panose="020B0400000000000000" pitchFamily="34" charset="-128"/>
+                        </a:rPr>
+                        <a:t>0.2520664</a:t>
+                      </a:r>
+                      <a:endParaRPr kumimoji="1" lang="ja-JP" altLang="en-US" sz="2800">
+                        <a:latin typeface="Hiragino Sans W4" panose="020B0400000000000000" pitchFamily="34" charset="-128"/>
+                        <a:ea typeface="Hiragino Sans W4" panose="020B0400000000000000" pitchFamily="34" charset="-128"/>
+                      </a:endParaRPr>
+                    </a:p>
+                  </a:txBody>
+                  <a:tcPr/>
+                </a:tc>
+                <a:extLst>
+                  <a:ext uri="{0D108BD9-81ED-4DB2-BD59-A6C34878D82A}">
+                    <a16:rowId xmlns:a16="http://schemas.microsoft.com/office/drawing/2014/main" val="29630606"/>
+                  </a:ext>
+                </a:extLst>
+              </a:tr>
+              <a:tr h="574635">
+                <a:tc>
+                  <a:txBody>
+                    <a:bodyPr/>
+                    <a:lstStyle/>
+                    <a:p>
+                      <a:r>
+                        <a:rPr kumimoji="1" lang="ja-JP" altLang="en-US" sz="2800">
+                          <a:latin typeface="Hiragino Sans W4" panose="020B0400000000000000" pitchFamily="34" charset="-128"/>
+                          <a:ea typeface="Hiragino Sans W4" panose="020B0400000000000000" pitchFamily="34" charset="-128"/>
+                        </a:rPr>
+                        <a:t>店舗、活気</a:t>
+                      </a:r>
+                    </a:p>
+                  </a:txBody>
+                  <a:tcPr/>
+                </a:tc>
+                <a:tc>
+                  <a:txBody>
+                    <a:bodyPr/>
+                    <a:lstStyle/>
+                    <a:p>
+                      <a:r>
+                        <a:rPr lang="en-US" altLang="ja-JP" sz="2800" dirty="0">
+                          <a:latin typeface="Hiragino Sans W4" panose="020B0400000000000000" pitchFamily="34" charset="-128"/>
+                          <a:ea typeface="Hiragino Sans W4" panose="020B0400000000000000" pitchFamily="34" charset="-128"/>
+                        </a:rPr>
+                        <a:t>0.2030718</a:t>
+                      </a:r>
+                    </a:p>
+                  </a:txBody>
+                  <a:tcPr/>
+                </a:tc>
+                <a:extLst>
+                  <a:ext uri="{0D108BD9-81ED-4DB2-BD59-A6C34878D82A}">
+                    <a16:rowId xmlns:a16="http://schemas.microsoft.com/office/drawing/2014/main" val="176714018"/>
+                  </a:ext>
+                </a:extLst>
+              </a:tr>
+              <a:tr h="574635">
+                <a:tc>
+                  <a:txBody>
+                    <a:bodyPr/>
+                    <a:lstStyle/>
+                    <a:p>
+                      <a:r>
+                        <a:rPr kumimoji="1" lang="ja-JP" altLang="en-US" sz="2800">
+                          <a:latin typeface="Hiragino Sans W4" panose="020B0400000000000000" pitchFamily="34" charset="-128"/>
+                          <a:ea typeface="Hiragino Sans W4" panose="020B0400000000000000" pitchFamily="34" charset="-128"/>
+                        </a:rPr>
+                        <a:t>お寺、庭園</a:t>
+                      </a:r>
+                    </a:p>
+                  </a:txBody>
+                  <a:tcPr/>
+                </a:tc>
+                <a:tc>
+                  <a:txBody>
+                    <a:bodyPr/>
+                    <a:lstStyle/>
+                    <a:p>
+                      <a:r>
+                        <a:rPr lang="en-US" altLang="ja-JP" sz="2800" dirty="0">
+                          <a:latin typeface="Hiragino Sans W4" panose="020B0400000000000000" pitchFamily="34" charset="-128"/>
+                          <a:ea typeface="Hiragino Sans W4" panose="020B0400000000000000" pitchFamily="34" charset="-128"/>
+                        </a:rPr>
+                        <a:t>0.0341793</a:t>
+                      </a:r>
+                    </a:p>
+                  </a:txBody>
+                  <a:tcPr/>
+                </a:tc>
+                <a:extLst>
+                  <a:ext uri="{0D108BD9-81ED-4DB2-BD59-A6C34878D82A}">
+                    <a16:rowId xmlns:a16="http://schemas.microsoft.com/office/drawing/2014/main" val="4162520137"/>
+                  </a:ext>
+                </a:extLst>
+              </a:tr>
+            </a:tbl>
+          </a:graphicData>
+        </a:graphic>
+      </p:graphicFrame>
+      <p:sp>
+        <p:nvSpPr>
+          <p:cNvPr id="50" name="三角形 49">
+            <a:extLst>
+              <a:ext uri="{FF2B5EF4-FFF2-40B4-BE49-F238E27FC236}">
+                <a16:creationId xmlns:a16="http://schemas.microsoft.com/office/drawing/2014/main" id="{E388EE62-D0EC-2849-B02C-AE4DEFFE3670}"/>
+              </a:ext>
+            </a:extLst>
+          </p:cNvPr>
+          <p:cNvSpPr/>
+          <p:nvPr/>
+        </p:nvSpPr>
+        <p:spPr>
+          <a:xfrm>
+            <a:off x="14511817" y="21975157"/>
+            <a:ext cx="1229608" cy="1906678"/>
+          </a:xfrm>
+          <a:prstGeom prst="triangle">
+            <a:avLst/>
+          </a:prstGeom>
+          <a:solidFill>
+            <a:schemeClr val="accent6">
+              <a:lumMod val="75000"/>
+            </a:schemeClr>
+          </a:solidFill>
+          <a:ln>
+            <a:solidFill>
+              <a:schemeClr val="accent6">
+                <a:lumMod val="75000"/>
+              </a:schemeClr>
+            </a:solidFill>
+          </a:ln>
+        </p:spPr>
+        <p:style>
+          <a:lnRef idx="2">
+            <a:schemeClr val="accent1">
+              <a:shade val="50000"/>
+            </a:schemeClr>
+          </a:lnRef>
+          <a:fillRef idx="1">
+            <a:schemeClr val="accent1"/>
+          </a:fillRef>
+          <a:effectRef idx="0">
+            <a:schemeClr val="accent1"/>
+          </a:effectRef>
+          <a:fontRef idx="minor">
+            <a:schemeClr val="lt1"/>
+          </a:fontRef>
+        </p:style>
+        <p:txBody>
+          <a:bodyPr rtlCol="0" anchor="ctr"/>
+          <a:lstStyle/>
+          <a:p>
+            <a:pPr algn="ctr"/>
+            <a:endParaRPr kumimoji="1" lang="ja-JP" altLang="en-US"/>
+          </a:p>
+        </p:txBody>
+      </p:sp>
+      <p:sp>
+        <p:nvSpPr>
+          <p:cNvPr id="182" name="右矢印 181">
+            <a:extLst>
+              <a:ext uri="{FF2B5EF4-FFF2-40B4-BE49-F238E27FC236}">
+                <a16:creationId xmlns:a16="http://schemas.microsoft.com/office/drawing/2014/main" id="{6581146B-D59D-7B49-B714-40BB0D66CBD4}"/>
+              </a:ext>
+            </a:extLst>
+          </p:cNvPr>
+          <p:cNvSpPr/>
+          <p:nvPr/>
+        </p:nvSpPr>
+        <p:spPr>
+          <a:xfrm rot="5400000">
+            <a:off x="20489198" y="30499612"/>
+            <a:ext cx="1702271" cy="936000"/>
+          </a:xfrm>
+          <a:prstGeom prst="rightArrow">
+            <a:avLst/>
+          </a:prstGeom>
+          <a:solidFill>
+            <a:schemeClr val="accent6">
+              <a:lumMod val="75000"/>
+            </a:schemeClr>
+          </a:solidFill>
+          <a:ln>
+            <a:solidFill>
+              <a:schemeClr val="accent6">
+                <a:lumMod val="75000"/>
+              </a:schemeClr>
+            </a:solidFill>
+          </a:ln>
+        </p:spPr>
+        <p:style>
+          <a:lnRef idx="2">
+            <a:schemeClr val="accent1">
+              <a:shade val="50000"/>
+            </a:schemeClr>
+          </a:lnRef>
+          <a:fillRef idx="1">
+            <a:schemeClr val="accent1"/>
+          </a:fillRef>
+          <a:effectRef idx="0">
+            <a:schemeClr val="accent1"/>
+          </a:effectRef>
+          <a:fontRef idx="minor">
+            <a:schemeClr val="lt1"/>
+          </a:fontRef>
+        </p:style>
+        <p:txBody>
+          <a:bodyPr rtlCol="0" anchor="ctr"/>
+          <a:lstStyle/>
+          <a:p>
+            <a:pPr algn="ctr"/>
+            <a:endParaRPr kumimoji="1" lang="ja-JP" altLang="en-US">
+              <a:latin typeface="Hiragino Sans W4" panose="020B0400000000000000" pitchFamily="34" charset="-128"/>
+              <a:ea typeface="Hiragino Sans W4" panose="020B0400000000000000" pitchFamily="34" charset="-128"/>
+            </a:endParaRPr>
+          </a:p>
+        </p:txBody>
+      </p:sp>
+      <p:sp>
+        <p:nvSpPr>
+          <p:cNvPr id="183" name="テキスト ボックス 182">
+            <a:extLst>
+              <a:ext uri="{FF2B5EF4-FFF2-40B4-BE49-F238E27FC236}">
+                <a16:creationId xmlns:a16="http://schemas.microsoft.com/office/drawing/2014/main" id="{63573667-8ED3-5F43-A3BF-9775A327C8A3}"/>
+              </a:ext>
+            </a:extLst>
+          </p:cNvPr>
+          <p:cNvSpPr txBox="1"/>
+          <p:nvPr/>
+        </p:nvSpPr>
+        <p:spPr>
+          <a:xfrm>
+            <a:off x="15839814" y="32045122"/>
+            <a:ext cx="4698722" cy="584775"/>
+          </a:xfrm>
+          <a:prstGeom prst="rect">
+            <a:avLst/>
+          </a:prstGeom>
+          <a:noFill/>
+        </p:spPr>
+        <p:txBody>
+          <a:bodyPr wrap="none" rtlCol="0">
+            <a:spAutoFit/>
+          </a:bodyPr>
+          <a:lstStyle/>
+          <a:p>
+            <a:r>
+              <a:rPr lang="en-US" altLang="ja-JP" sz="3200" dirty="0">
+                <a:latin typeface="Hiragino Sans W4" panose="020B0400000000000000" pitchFamily="34" charset="-128"/>
+                <a:ea typeface="Hiragino Sans W4" panose="020B0400000000000000" pitchFamily="34" charset="-128"/>
+              </a:rPr>
+              <a:t>『</a:t>
+            </a:r>
+            <a:r>
+              <a:rPr lang="ja-JP" altLang="en-US" sz="3200">
+                <a:latin typeface="Hiragino Sans W4" panose="020B0400000000000000" pitchFamily="34" charset="-128"/>
+                <a:ea typeface="Hiragino Sans W4" panose="020B0400000000000000" pitchFamily="34" charset="-128"/>
+              </a:rPr>
+              <a:t>小町通り</a:t>
+            </a:r>
+            <a:r>
+              <a:rPr lang="en-US" altLang="ja-JP" sz="3200" dirty="0">
+                <a:latin typeface="Hiragino Sans W4" panose="020B0400000000000000" pitchFamily="34" charset="-128"/>
+                <a:ea typeface="Hiragino Sans W4" panose="020B0400000000000000" pitchFamily="34" charset="-128"/>
+              </a:rPr>
+              <a:t>』</a:t>
+            </a:r>
+            <a:r>
+              <a:rPr lang="ja-JP" altLang="en-US" sz="3200">
+                <a:latin typeface="Hiragino Sans W4" panose="020B0400000000000000" pitchFamily="34" charset="-128"/>
+                <a:ea typeface="Hiragino Sans W4" panose="020B0400000000000000" pitchFamily="34" charset="-128"/>
+              </a:rPr>
+              <a:t>のトピック</a:t>
+            </a:r>
+          </a:p>
+        </p:txBody>
+      </p:sp>
+      <p:graphicFrame>
+        <p:nvGraphicFramePr>
+          <p:cNvPr id="184" name="表 183">
+            <a:extLst>
+              <a:ext uri="{FF2B5EF4-FFF2-40B4-BE49-F238E27FC236}">
+                <a16:creationId xmlns:a16="http://schemas.microsoft.com/office/drawing/2014/main" id="{968658AA-1057-E341-9481-F0B69140409F}"/>
+              </a:ext>
+            </a:extLst>
+          </p:cNvPr>
+          <p:cNvGraphicFramePr>
+            <a:graphicFrameLocks noGrp="1"/>
+          </p:cNvGraphicFramePr>
+          <p:nvPr>
+            <p:extLst>
+              <p:ext uri="{D42A27DB-BD31-4B8C-83A1-F6EECF244321}">
+                <p14:modId xmlns:p14="http://schemas.microsoft.com/office/powerpoint/2010/main" val="613694929"/>
+              </p:ext>
+            </p:extLst>
+          </p:nvPr>
+        </p:nvGraphicFramePr>
+        <p:xfrm>
+          <a:off x="15922974" y="32777440"/>
+          <a:ext cx="4821202" cy="2816700"/>
+        </p:xfrm>
+        <a:graphic>
+          <a:graphicData uri="http://schemas.openxmlformats.org/drawingml/2006/table">
+            <a:tbl>
+              <a:tblPr firstRow="1" bandRow="1">
+                <a:tableStyleId>{2A488322-F2BA-4B5B-9748-0D474271808F}</a:tableStyleId>
+              </a:tblPr>
+              <a:tblGrid>
+                <a:gridCol w="2332653">
+                  <a:extLst>
+                    <a:ext uri="{9D8B030D-6E8A-4147-A177-3AD203B41FA5}">
+                      <a16:colId xmlns:a16="http://schemas.microsoft.com/office/drawing/2014/main" val="476507974"/>
+                    </a:ext>
+                  </a:extLst>
+                </a:gridCol>
+                <a:gridCol w="2488549">
+                  <a:extLst>
+                    <a:ext uri="{9D8B030D-6E8A-4147-A177-3AD203B41FA5}">
+                      <a16:colId xmlns:a16="http://schemas.microsoft.com/office/drawing/2014/main" val="1990266496"/>
+                    </a:ext>
+                  </a:extLst>
+                </a:gridCol>
+              </a:tblGrid>
+              <a:tr h="483884">
+                <a:tc>
+                  <a:txBody>
+                    <a:bodyPr/>
+                    <a:lstStyle/>
+                    <a:p>
+                      <a:pPr algn="ctr"/>
+                      <a:r>
+                        <a:rPr kumimoji="1" lang="ja-JP" altLang="en-US" sz="2800">
+                          <a:latin typeface="Hiragino Sans W4" panose="020B0400000000000000" pitchFamily="34" charset="-128"/>
+                          <a:ea typeface="Hiragino Sans W4" panose="020B0400000000000000" pitchFamily="34" charset="-128"/>
+                        </a:rPr>
+                        <a:t>トピック</a:t>
+                      </a:r>
+                    </a:p>
+                  </a:txBody>
+                  <a:tcPr/>
+                </a:tc>
+                <a:tc>
+                  <a:txBody>
+                    <a:bodyPr/>
+                    <a:lstStyle/>
+                    <a:p>
+                      <a:pPr algn="ctr"/>
+                      <a:r>
+                        <a:rPr kumimoji="1" lang="ja-JP" altLang="en-US" sz="2800">
+                          <a:latin typeface="Hiragino Sans W4" panose="020B0400000000000000" pitchFamily="34" charset="-128"/>
+                          <a:ea typeface="Hiragino Sans W4" panose="020B0400000000000000" pitchFamily="34" charset="-128"/>
+                        </a:rPr>
+                        <a:t>確率</a:t>
+                      </a:r>
+                    </a:p>
+                  </a:txBody>
+                  <a:tcPr/>
+                </a:tc>
+                <a:extLst>
+                  <a:ext uri="{0D108BD9-81ED-4DB2-BD59-A6C34878D82A}">
+                    <a16:rowId xmlns:a16="http://schemas.microsoft.com/office/drawing/2014/main" val="523836565"/>
+                  </a:ext>
+                </a:extLst>
+              </a:tr>
+              <a:tr h="574635">
+                <a:tc>
+                  <a:txBody>
+                    <a:bodyPr/>
+                    <a:lstStyle/>
+                    <a:p>
+                      <a:pPr marL="0" marR="0" lvl="0" indent="0" algn="l" defTabSz="3027487" rtl="0" eaLnBrk="1" fontAlgn="auto" latinLnBrk="0" hangingPunct="1">
+                        <a:lnSpc>
+                          <a:spcPct val="100000"/>
+                        </a:lnSpc>
+                        <a:spcBef>
+                          <a:spcPts val="0"/>
+                        </a:spcBef>
+                        <a:spcAft>
+                          <a:spcPts val="0"/>
+                        </a:spcAft>
+                        <a:buClrTx/>
+                        <a:buSzTx/>
+                        <a:buFontTx/>
+                        <a:buNone/>
+                        <a:tabLst/>
+                        <a:defRPr/>
+                      </a:pPr>
+                      <a:r>
+                        <a:rPr kumimoji="1" lang="ja-JP" altLang="en-US" sz="2800">
+                          <a:latin typeface="Hiragino Sans W4" panose="020B0400000000000000" pitchFamily="34" charset="-128"/>
+                          <a:ea typeface="Hiragino Sans W4" panose="020B0400000000000000" pitchFamily="34" charset="-128"/>
+                        </a:rPr>
+                        <a:t>買い物</a:t>
+                      </a:r>
+                    </a:p>
+                  </a:txBody>
+                  <a:tcPr/>
+                </a:tc>
+                <a:tc>
+                  <a:txBody>
+                    <a:bodyPr/>
+                    <a:lstStyle/>
+                    <a:p>
+                      <a:r>
+                        <a:rPr lang="en-US" altLang="ja-JP" sz="2800" dirty="0">
+                          <a:latin typeface="Hiragino Sans W4" panose="020B0400000000000000" pitchFamily="34" charset="-128"/>
+                          <a:ea typeface="Hiragino Sans W4" panose="020B0400000000000000" pitchFamily="34" charset="-128"/>
+                        </a:rPr>
+                        <a:t>0.5426635</a:t>
+                      </a:r>
+                      <a:endParaRPr kumimoji="1" lang="ja-JP" altLang="en-US" sz="2800">
+                        <a:latin typeface="Hiragino Sans W4" panose="020B0400000000000000" pitchFamily="34" charset="-128"/>
+                        <a:ea typeface="Hiragino Sans W4" panose="020B0400000000000000" pitchFamily="34" charset="-128"/>
+                      </a:endParaRPr>
+                    </a:p>
+                  </a:txBody>
+                  <a:tcPr/>
+                </a:tc>
+                <a:extLst>
+                  <a:ext uri="{0D108BD9-81ED-4DB2-BD59-A6C34878D82A}">
+                    <a16:rowId xmlns:a16="http://schemas.microsoft.com/office/drawing/2014/main" val="4074486588"/>
+                  </a:ext>
+                </a:extLst>
+              </a:tr>
+              <a:tr h="574635">
+                <a:tc>
+                  <a:txBody>
+                    <a:bodyPr/>
+                    <a:lstStyle/>
+                    <a:p>
+                      <a:r>
+                        <a:rPr kumimoji="1" lang="ja-JP" altLang="en-US" sz="2800">
+                          <a:latin typeface="Hiragino Sans W4" panose="020B0400000000000000" pitchFamily="34" charset="-128"/>
+                          <a:ea typeface="Hiragino Sans W4" panose="020B0400000000000000" pitchFamily="34" charset="-128"/>
+                        </a:rPr>
+                        <a:t>店舗、活気</a:t>
+                      </a:r>
+                    </a:p>
+                  </a:txBody>
+                  <a:tcPr/>
+                </a:tc>
+                <a:tc>
+                  <a:txBody>
+                    <a:bodyPr/>
+                    <a:lstStyle/>
+                    <a:p>
+                      <a:r>
+                        <a:rPr lang="en-US" altLang="ja-JP" sz="2800" dirty="0">
+                          <a:latin typeface="Hiragino Sans W4" panose="020B0400000000000000" pitchFamily="34" charset="-128"/>
+                          <a:ea typeface="Hiragino Sans W4" panose="020B0400000000000000" pitchFamily="34" charset="-128"/>
+                        </a:rPr>
+                        <a:t>0.3144154</a:t>
+                      </a:r>
+                      <a:endParaRPr kumimoji="1" lang="ja-JP" altLang="en-US" sz="2800">
+                        <a:latin typeface="Hiragino Sans W4" panose="020B0400000000000000" pitchFamily="34" charset="-128"/>
+                        <a:ea typeface="Hiragino Sans W4" panose="020B0400000000000000" pitchFamily="34" charset="-128"/>
+                      </a:endParaRPr>
+                    </a:p>
+                  </a:txBody>
+                  <a:tcPr/>
+                </a:tc>
+                <a:extLst>
+                  <a:ext uri="{0D108BD9-81ED-4DB2-BD59-A6C34878D82A}">
+                    <a16:rowId xmlns:a16="http://schemas.microsoft.com/office/drawing/2014/main" val="29630606"/>
+                  </a:ext>
+                </a:extLst>
+              </a:tr>
+              <a:tr h="574635">
+                <a:tc>
+                  <a:txBody>
+                    <a:bodyPr/>
+                    <a:lstStyle/>
+                    <a:p>
+                      <a:r>
+                        <a:rPr kumimoji="1" lang="ja-JP" altLang="en-US" sz="2800">
+                          <a:latin typeface="Hiragino Sans W4" panose="020B0400000000000000" pitchFamily="34" charset="-128"/>
+                          <a:ea typeface="Hiragino Sans W4" panose="020B0400000000000000" pitchFamily="34" charset="-128"/>
+                        </a:rPr>
+                        <a:t>お参り、参道</a:t>
+                      </a:r>
+                    </a:p>
+                  </a:txBody>
+                  <a:tcPr/>
+                </a:tc>
+                <a:tc>
+                  <a:txBody>
+                    <a:bodyPr/>
+                    <a:lstStyle/>
+                    <a:p>
+                      <a:r>
+                        <a:rPr lang="en-US" altLang="ja-JP" sz="2800" dirty="0">
+                          <a:latin typeface="Hiragino Sans W4" panose="020B0400000000000000" pitchFamily="34" charset="-128"/>
+                          <a:ea typeface="Hiragino Sans W4" panose="020B0400000000000000" pitchFamily="34" charset="-128"/>
+                        </a:rPr>
+                        <a:t>0.0894214</a:t>
+                      </a:r>
+                    </a:p>
+                  </a:txBody>
+                  <a:tcPr/>
+                </a:tc>
+                <a:extLst>
+                  <a:ext uri="{0D108BD9-81ED-4DB2-BD59-A6C34878D82A}">
+                    <a16:rowId xmlns:a16="http://schemas.microsoft.com/office/drawing/2014/main" val="176714018"/>
+                  </a:ext>
+                </a:extLst>
+              </a:tr>
+              <a:tr h="574635">
+                <a:tc>
+                  <a:txBody>
+                    <a:bodyPr/>
+                    <a:lstStyle/>
+                    <a:p>
+                      <a:r>
+                        <a:rPr kumimoji="1" lang="ja-JP" altLang="en-US" sz="2800">
+                          <a:latin typeface="Hiragino Sans W4" panose="020B0400000000000000" pitchFamily="34" charset="-128"/>
+                          <a:ea typeface="Hiragino Sans W4" panose="020B0400000000000000" pitchFamily="34" charset="-128"/>
+                        </a:rPr>
+                        <a:t>お寺、庭園</a:t>
+                      </a:r>
+                    </a:p>
+                  </a:txBody>
+                  <a:tcPr/>
+                </a:tc>
+                <a:tc>
+                  <a:txBody>
+                    <a:bodyPr/>
+                    <a:lstStyle/>
+                    <a:p>
+                      <a:r>
+                        <a:rPr lang="en-US" altLang="ja-JP" sz="2800" dirty="0">
+                          <a:latin typeface="Hiragino Sans W4" panose="020B0400000000000000" pitchFamily="34" charset="-128"/>
+                          <a:ea typeface="Hiragino Sans W4" panose="020B0400000000000000" pitchFamily="34" charset="-128"/>
+                        </a:rPr>
+                        <a:t>0.0355152</a:t>
+                      </a:r>
+                    </a:p>
+                  </a:txBody>
+                  <a:tcPr/>
+                </a:tc>
+                <a:extLst>
+                  <a:ext uri="{0D108BD9-81ED-4DB2-BD59-A6C34878D82A}">
+                    <a16:rowId xmlns:a16="http://schemas.microsoft.com/office/drawing/2014/main" val="4162520137"/>
+                  </a:ext>
+                </a:extLst>
+              </a:tr>
+            </a:tbl>
+          </a:graphicData>
+        </a:graphic>
+      </p:graphicFrame>
     </p:spTree>
     <p:extLst>
       <p:ext uri="{BB962C8B-B14F-4D97-AF65-F5344CB8AC3E}">

--- a/notebooks/interrim_presentattion_poster.pptx
+++ b/notebooks/interrim_presentattion_poster.pptx
@@ -306,7 +306,7 @@
           <a:p>
             <a:fld id="{0AFE82F3-11D5-F944-89E9-B99917A57139}" type="datetimeFigureOut">
               <a:rPr kumimoji="1" lang="ja-JP" altLang="en-US" smtClean="0"/>
-              <a:t>2018/7/31</a:t>
+              <a:t>2018/8/2</a:t>
             </a:fld>
             <a:endParaRPr kumimoji="1" lang="ja-JP" altLang="en-US"/>
           </a:p>
@@ -1519,7 +1519,7 @@
           <a:p>
             <a:fld id="{70296414-D4AB-0445-AC9A-286031D4AA46}" type="datetimeFigureOut">
               <a:rPr kumimoji="1" lang="ja-JP" altLang="en-US" smtClean="0"/>
-              <a:t>2018/7/31</a:t>
+              <a:t>2018/8/2</a:t>
             </a:fld>
             <a:endParaRPr kumimoji="1" lang="ja-JP" altLang="en-US"/>
           </a:p>
@@ -1721,7 +1721,7 @@
           <a:p>
             <a:fld id="{70296414-D4AB-0445-AC9A-286031D4AA46}" type="datetimeFigureOut">
               <a:rPr kumimoji="1" lang="ja-JP" altLang="en-US" smtClean="0"/>
-              <a:t>2018/7/31</a:t>
+              <a:t>2018/8/2</a:t>
             </a:fld>
             <a:endParaRPr kumimoji="1" lang="ja-JP" altLang="en-US"/>
           </a:p>
@@ -1933,7 +1933,7 @@
           <a:p>
             <a:fld id="{70296414-D4AB-0445-AC9A-286031D4AA46}" type="datetimeFigureOut">
               <a:rPr kumimoji="1" lang="ja-JP" altLang="en-US" smtClean="0"/>
-              <a:t>2018/7/31</a:t>
+              <a:t>2018/8/2</a:t>
             </a:fld>
             <a:endParaRPr kumimoji="1" lang="ja-JP" altLang="en-US"/>
           </a:p>
@@ -2135,7 +2135,7 @@
           <a:p>
             <a:fld id="{70296414-D4AB-0445-AC9A-286031D4AA46}" type="datetimeFigureOut">
               <a:rPr kumimoji="1" lang="ja-JP" altLang="en-US" smtClean="0"/>
-              <a:t>2018/7/31</a:t>
+              <a:t>2018/8/2</a:t>
             </a:fld>
             <a:endParaRPr kumimoji="1" lang="ja-JP" altLang="en-US"/>
           </a:p>
@@ -2379,7 +2379,7 @@
           <a:p>
             <a:fld id="{70296414-D4AB-0445-AC9A-286031D4AA46}" type="datetimeFigureOut">
               <a:rPr kumimoji="1" lang="ja-JP" altLang="en-US" smtClean="0"/>
-              <a:t>2018/7/31</a:t>
+              <a:t>2018/8/2</a:t>
             </a:fld>
             <a:endParaRPr kumimoji="1" lang="ja-JP" altLang="en-US"/>
           </a:p>
@@ -2675,7 +2675,7 @@
           <a:p>
             <a:fld id="{70296414-D4AB-0445-AC9A-286031D4AA46}" type="datetimeFigureOut">
               <a:rPr kumimoji="1" lang="ja-JP" altLang="en-US" smtClean="0"/>
-              <a:t>2018/7/31</a:t>
+              <a:t>2018/8/2</a:t>
             </a:fld>
             <a:endParaRPr kumimoji="1" lang="ja-JP" altLang="en-US"/>
           </a:p>
@@ -3106,7 +3106,7 @@
           <a:p>
             <a:fld id="{70296414-D4AB-0445-AC9A-286031D4AA46}" type="datetimeFigureOut">
               <a:rPr kumimoji="1" lang="ja-JP" altLang="en-US" smtClean="0"/>
-              <a:t>2018/7/31</a:t>
+              <a:t>2018/8/2</a:t>
             </a:fld>
             <a:endParaRPr kumimoji="1" lang="ja-JP" altLang="en-US"/>
           </a:p>
@@ -3224,7 +3224,7 @@
           <a:p>
             <a:fld id="{70296414-D4AB-0445-AC9A-286031D4AA46}" type="datetimeFigureOut">
               <a:rPr kumimoji="1" lang="ja-JP" altLang="en-US" smtClean="0"/>
-              <a:t>2018/7/31</a:t>
+              <a:t>2018/8/2</a:t>
             </a:fld>
             <a:endParaRPr kumimoji="1" lang="ja-JP" altLang="en-US"/>
           </a:p>
@@ -3319,7 +3319,7 @@
           <a:p>
             <a:fld id="{70296414-D4AB-0445-AC9A-286031D4AA46}" type="datetimeFigureOut">
               <a:rPr kumimoji="1" lang="ja-JP" altLang="en-US" smtClean="0"/>
-              <a:t>2018/7/31</a:t>
+              <a:t>2018/8/2</a:t>
             </a:fld>
             <a:endParaRPr kumimoji="1" lang="ja-JP" altLang="en-US"/>
           </a:p>
@@ -3628,7 +3628,7 @@
           <a:p>
             <a:fld id="{70296414-D4AB-0445-AC9A-286031D4AA46}" type="datetimeFigureOut">
               <a:rPr kumimoji="1" lang="ja-JP" altLang="en-US" smtClean="0"/>
-              <a:t>2018/7/31</a:t>
+              <a:t>2018/8/2</a:t>
             </a:fld>
             <a:endParaRPr kumimoji="1" lang="ja-JP" altLang="en-US"/>
           </a:p>
@@ -3885,7 +3885,7 @@
           <a:p>
             <a:fld id="{70296414-D4AB-0445-AC9A-286031D4AA46}" type="datetimeFigureOut">
               <a:rPr kumimoji="1" lang="ja-JP" altLang="en-US" smtClean="0"/>
-              <a:t>2018/7/31</a:t>
+              <a:t>2018/8/2</a:t>
             </a:fld>
             <a:endParaRPr kumimoji="1" lang="ja-JP" altLang="en-US"/>
           </a:p>
@@ -4130,7 +4130,7 @@
           <a:p>
             <a:fld id="{70296414-D4AB-0445-AC9A-286031D4AA46}" type="datetimeFigureOut">
               <a:rPr kumimoji="1" lang="ja-JP" altLang="en-US" smtClean="0"/>
-              <a:t>2018/7/31</a:t>
+              <a:t>2018/8/2</a:t>
             </a:fld>
             <a:endParaRPr kumimoji="1" lang="ja-JP" altLang="en-US"/>
           </a:p>
